--- a/documentation/loan_defaults_presentation.pptx
+++ b/documentation/loan_defaults_presentation.pptx
@@ -2,12 +2,24 @@
 <file path=ppt/presentation.xml><?xml version="1.0" encoding="utf-8"?>
 <p:presentation xmlns:a="http://schemas.openxmlformats.org/drawingml/2006/main" xmlns:r="http://schemas.openxmlformats.org/officeDocument/2006/relationships" xmlns:p="http://schemas.openxmlformats.org/presentationml/2006/main" saveSubsetFonts="1" autoCompressPictures="0">
   <p:sldMasterIdLst>
-    <p:sldMasterId id="2147483744" r:id="rId1"/>
+    <p:sldMasterId id="2147483756" r:id="rId1"/>
   </p:sldMasterIdLst>
+  <p:notesMasterIdLst>
+    <p:notesMasterId r:id="rId14"/>
+  </p:notesMasterIdLst>
   <p:sldIdLst>
     <p:sldId id="258" r:id="rId2"/>
-    <p:sldId id="259" r:id="rId3"/>
-    <p:sldId id="257" r:id="rId4"/>
+    <p:sldId id="261" r:id="rId3"/>
+    <p:sldId id="259" r:id="rId4"/>
+    <p:sldId id="257" r:id="rId5"/>
+    <p:sldId id="262" r:id="rId6"/>
+    <p:sldId id="263" r:id="rId7"/>
+    <p:sldId id="264" r:id="rId8"/>
+    <p:sldId id="265" r:id="rId9"/>
+    <p:sldId id="266" r:id="rId10"/>
+    <p:sldId id="267" r:id="rId11"/>
+    <p:sldId id="268" r:id="rId12"/>
+    <p:sldId id="269" r:id="rId13"/>
   </p:sldIdLst>
   <p:sldSz cx="12192000" cy="6858000"/>
   <p:notesSz cx="6858000" cy="9144000"/>
@@ -109,6 +121,1333 @@
 </p:presentation>
 </file>
 
+<file path=ppt/notesMasters/notesMaster1.xml><?xml version="1.0" encoding="utf-8"?>
+<p:notesMaster xmlns:a="http://schemas.openxmlformats.org/drawingml/2006/main" xmlns:r="http://schemas.openxmlformats.org/officeDocument/2006/relationships" xmlns:p="http://schemas.openxmlformats.org/presentationml/2006/main">
+  <p:cSld>
+    <p:bg>
+      <p:bgRef idx="1001">
+        <a:schemeClr val="bg1"/>
+      </p:bgRef>
+    </p:bg>
+    <p:spTree>
+      <p:nvGrpSpPr>
+        <p:cNvPr id="1" name=""/>
+        <p:cNvGrpSpPr/>
+        <p:nvPr/>
+      </p:nvGrpSpPr>
+      <p:grpSpPr>
+        <a:xfrm>
+          <a:off x="0" y="0"/>
+          <a:ext cx="0" cy="0"/>
+          <a:chOff x="0" y="0"/>
+          <a:chExt cx="0" cy="0"/>
+        </a:xfrm>
+      </p:grpSpPr>
+      <p:sp>
+        <p:nvSpPr>
+          <p:cNvPr id="2" name="Header Placeholder 1"/>
+          <p:cNvSpPr>
+            <a:spLocks noGrp="1"/>
+          </p:cNvSpPr>
+          <p:nvPr>
+            <p:ph type="hdr" sz="quarter"/>
+          </p:nvPr>
+        </p:nvSpPr>
+        <p:spPr>
+          <a:xfrm>
+            <a:off x="0" y="0"/>
+            <a:ext cx="2971800" cy="458788"/>
+          </a:xfrm>
+          <a:prstGeom prst="rect">
+            <a:avLst/>
+          </a:prstGeom>
+        </p:spPr>
+        <p:txBody>
+          <a:bodyPr vert="horz" lIns="91440" tIns="45720" rIns="91440" bIns="45720" rtlCol="0"/>
+          <a:lstStyle>
+            <a:lvl1pPr algn="l">
+              <a:defRPr sz="1200"/>
+            </a:lvl1pPr>
+          </a:lstStyle>
+          <a:p>
+            <a:endParaRPr lang="en-US"/>
+          </a:p>
+        </p:txBody>
+      </p:sp>
+      <p:sp>
+        <p:nvSpPr>
+          <p:cNvPr id="3" name="Date Placeholder 2"/>
+          <p:cNvSpPr>
+            <a:spLocks noGrp="1"/>
+          </p:cNvSpPr>
+          <p:nvPr>
+            <p:ph type="dt" idx="1"/>
+          </p:nvPr>
+        </p:nvSpPr>
+        <p:spPr>
+          <a:xfrm>
+            <a:off x="3884613" y="0"/>
+            <a:ext cx="2971800" cy="458788"/>
+          </a:xfrm>
+          <a:prstGeom prst="rect">
+            <a:avLst/>
+          </a:prstGeom>
+        </p:spPr>
+        <p:txBody>
+          <a:bodyPr vert="horz" lIns="91440" tIns="45720" rIns="91440" bIns="45720" rtlCol="0"/>
+          <a:lstStyle>
+            <a:lvl1pPr algn="r">
+              <a:defRPr sz="1200"/>
+            </a:lvl1pPr>
+          </a:lstStyle>
+          <a:p>
+            <a:fld id="{031943DB-66DB-1042-8119-F2070F88A53A}" type="datetimeFigureOut">
+              <a:rPr lang="en-US" smtClean="0"/>
+              <a:t>3/14/22</a:t>
+            </a:fld>
+            <a:endParaRPr lang="en-US"/>
+          </a:p>
+        </p:txBody>
+      </p:sp>
+      <p:sp>
+        <p:nvSpPr>
+          <p:cNvPr id="4" name="Slide Image Placeholder 3"/>
+          <p:cNvSpPr>
+            <a:spLocks noGrp="1" noRot="1" noChangeAspect="1"/>
+          </p:cNvSpPr>
+          <p:nvPr>
+            <p:ph type="sldImg" idx="2"/>
+          </p:nvPr>
+        </p:nvSpPr>
+        <p:spPr>
+          <a:xfrm>
+            <a:off x="685800" y="1143000"/>
+            <a:ext cx="5486400" cy="3086100"/>
+          </a:xfrm>
+          <a:prstGeom prst="rect">
+            <a:avLst/>
+          </a:prstGeom>
+          <a:noFill/>
+          <a:ln w="12700">
+            <a:solidFill>
+              <a:prstClr val="black"/>
+            </a:solidFill>
+          </a:ln>
+        </p:spPr>
+        <p:txBody>
+          <a:bodyPr vert="horz" lIns="91440" tIns="45720" rIns="91440" bIns="45720" rtlCol="0" anchor="ctr"/>
+          <a:lstStyle/>
+          <a:p>
+            <a:endParaRPr lang="en-US"/>
+          </a:p>
+        </p:txBody>
+      </p:sp>
+      <p:sp>
+        <p:nvSpPr>
+          <p:cNvPr id="5" name="Notes Placeholder 4"/>
+          <p:cNvSpPr>
+            <a:spLocks noGrp="1"/>
+          </p:cNvSpPr>
+          <p:nvPr>
+            <p:ph type="body" sz="quarter" idx="3"/>
+          </p:nvPr>
+        </p:nvSpPr>
+        <p:spPr>
+          <a:xfrm>
+            <a:off x="685800" y="4400550"/>
+            <a:ext cx="5486400" cy="3600450"/>
+          </a:xfrm>
+          <a:prstGeom prst="rect">
+            <a:avLst/>
+          </a:prstGeom>
+        </p:spPr>
+        <p:txBody>
+          <a:bodyPr vert="horz" lIns="91440" tIns="45720" rIns="91440" bIns="45720" rtlCol="0"/>
+          <a:lstStyle/>
+          <a:p>
+            <a:pPr lvl="0"/>
+            <a:r>
+              <a:rPr lang="en-GB"/>
+              <a:t>Click to edit Master text styles</a:t>
+            </a:r>
+          </a:p>
+          <a:p>
+            <a:pPr lvl="1"/>
+            <a:r>
+              <a:rPr lang="en-GB"/>
+              <a:t>Second level</a:t>
+            </a:r>
+          </a:p>
+          <a:p>
+            <a:pPr lvl="2"/>
+            <a:r>
+              <a:rPr lang="en-GB"/>
+              <a:t>Third level</a:t>
+            </a:r>
+          </a:p>
+          <a:p>
+            <a:pPr lvl="3"/>
+            <a:r>
+              <a:rPr lang="en-GB"/>
+              <a:t>Fourth level</a:t>
+            </a:r>
+          </a:p>
+          <a:p>
+            <a:pPr lvl="4"/>
+            <a:r>
+              <a:rPr lang="en-GB"/>
+              <a:t>Fifth level</a:t>
+            </a:r>
+            <a:endParaRPr lang="en-US"/>
+          </a:p>
+        </p:txBody>
+      </p:sp>
+      <p:sp>
+        <p:nvSpPr>
+          <p:cNvPr id="6" name="Footer Placeholder 5"/>
+          <p:cNvSpPr>
+            <a:spLocks noGrp="1"/>
+          </p:cNvSpPr>
+          <p:nvPr>
+            <p:ph type="ftr" sz="quarter" idx="4"/>
+          </p:nvPr>
+        </p:nvSpPr>
+        <p:spPr>
+          <a:xfrm>
+            <a:off x="0" y="8685213"/>
+            <a:ext cx="2971800" cy="458787"/>
+          </a:xfrm>
+          <a:prstGeom prst="rect">
+            <a:avLst/>
+          </a:prstGeom>
+        </p:spPr>
+        <p:txBody>
+          <a:bodyPr vert="horz" lIns="91440" tIns="45720" rIns="91440" bIns="45720" rtlCol="0" anchor="b"/>
+          <a:lstStyle>
+            <a:lvl1pPr algn="l">
+              <a:defRPr sz="1200"/>
+            </a:lvl1pPr>
+          </a:lstStyle>
+          <a:p>
+            <a:endParaRPr lang="en-US"/>
+          </a:p>
+        </p:txBody>
+      </p:sp>
+      <p:sp>
+        <p:nvSpPr>
+          <p:cNvPr id="7" name="Slide Number Placeholder 6"/>
+          <p:cNvSpPr>
+            <a:spLocks noGrp="1"/>
+          </p:cNvSpPr>
+          <p:nvPr>
+            <p:ph type="sldNum" sz="quarter" idx="5"/>
+          </p:nvPr>
+        </p:nvSpPr>
+        <p:spPr>
+          <a:xfrm>
+            <a:off x="3884613" y="8685213"/>
+            <a:ext cx="2971800" cy="458787"/>
+          </a:xfrm>
+          <a:prstGeom prst="rect">
+            <a:avLst/>
+          </a:prstGeom>
+        </p:spPr>
+        <p:txBody>
+          <a:bodyPr vert="horz" lIns="91440" tIns="45720" rIns="91440" bIns="45720" rtlCol="0" anchor="b"/>
+          <a:lstStyle>
+            <a:lvl1pPr algn="r">
+              <a:defRPr sz="1200"/>
+            </a:lvl1pPr>
+          </a:lstStyle>
+          <a:p>
+            <a:fld id="{360BD77D-F896-FD47-98B6-59426B3702AE}" type="slidenum">
+              <a:rPr lang="en-US" smtClean="0"/>
+              <a:t>‹#›</a:t>
+            </a:fld>
+            <a:endParaRPr lang="en-US"/>
+          </a:p>
+        </p:txBody>
+      </p:sp>
+    </p:spTree>
+    <p:extLst>
+      <p:ext uri="{BB962C8B-B14F-4D97-AF65-F5344CB8AC3E}">
+        <p14:creationId xmlns:p14="http://schemas.microsoft.com/office/powerpoint/2010/main" val="2939509310"/>
+      </p:ext>
+    </p:extLst>
+  </p:cSld>
+  <p:clrMap bg1="lt1" tx1="dk1" bg2="lt2" tx2="dk2" accent1="accent1" accent2="accent2" accent3="accent3" accent4="accent4" accent5="accent5" accent6="accent6" hlink="hlink" folHlink="folHlink"/>
+  <p:notesStyle>
+    <a:lvl1pPr marL="0" algn="l" defTabSz="914400" rtl="0" eaLnBrk="1" latinLnBrk="0" hangingPunct="1">
+      <a:defRPr sz="1200" kern="1200">
+        <a:solidFill>
+          <a:schemeClr val="tx1"/>
+        </a:solidFill>
+        <a:latin typeface="+mn-lt"/>
+        <a:ea typeface="+mn-ea"/>
+        <a:cs typeface="+mn-cs"/>
+      </a:defRPr>
+    </a:lvl1pPr>
+    <a:lvl2pPr marL="457200" algn="l" defTabSz="914400" rtl="0" eaLnBrk="1" latinLnBrk="0" hangingPunct="1">
+      <a:defRPr sz="1200" kern="1200">
+        <a:solidFill>
+          <a:schemeClr val="tx1"/>
+        </a:solidFill>
+        <a:latin typeface="+mn-lt"/>
+        <a:ea typeface="+mn-ea"/>
+        <a:cs typeface="+mn-cs"/>
+      </a:defRPr>
+    </a:lvl2pPr>
+    <a:lvl3pPr marL="914400" algn="l" defTabSz="914400" rtl="0" eaLnBrk="1" latinLnBrk="0" hangingPunct="1">
+      <a:defRPr sz="1200" kern="1200">
+        <a:solidFill>
+          <a:schemeClr val="tx1"/>
+        </a:solidFill>
+        <a:latin typeface="+mn-lt"/>
+        <a:ea typeface="+mn-ea"/>
+        <a:cs typeface="+mn-cs"/>
+      </a:defRPr>
+    </a:lvl3pPr>
+    <a:lvl4pPr marL="1371600" algn="l" defTabSz="914400" rtl="0" eaLnBrk="1" latinLnBrk="0" hangingPunct="1">
+      <a:defRPr sz="1200" kern="1200">
+        <a:solidFill>
+          <a:schemeClr val="tx1"/>
+        </a:solidFill>
+        <a:latin typeface="+mn-lt"/>
+        <a:ea typeface="+mn-ea"/>
+        <a:cs typeface="+mn-cs"/>
+      </a:defRPr>
+    </a:lvl4pPr>
+    <a:lvl5pPr marL="1828800" algn="l" defTabSz="914400" rtl="0" eaLnBrk="1" latinLnBrk="0" hangingPunct="1">
+      <a:defRPr sz="1200" kern="1200">
+        <a:solidFill>
+          <a:schemeClr val="tx1"/>
+        </a:solidFill>
+        <a:latin typeface="+mn-lt"/>
+        <a:ea typeface="+mn-ea"/>
+        <a:cs typeface="+mn-cs"/>
+      </a:defRPr>
+    </a:lvl5pPr>
+    <a:lvl6pPr marL="2286000" algn="l" defTabSz="914400" rtl="0" eaLnBrk="1" latinLnBrk="0" hangingPunct="1">
+      <a:defRPr sz="1200" kern="1200">
+        <a:solidFill>
+          <a:schemeClr val="tx1"/>
+        </a:solidFill>
+        <a:latin typeface="+mn-lt"/>
+        <a:ea typeface="+mn-ea"/>
+        <a:cs typeface="+mn-cs"/>
+      </a:defRPr>
+    </a:lvl6pPr>
+    <a:lvl7pPr marL="2743200" algn="l" defTabSz="914400" rtl="0" eaLnBrk="1" latinLnBrk="0" hangingPunct="1">
+      <a:defRPr sz="1200" kern="1200">
+        <a:solidFill>
+          <a:schemeClr val="tx1"/>
+        </a:solidFill>
+        <a:latin typeface="+mn-lt"/>
+        <a:ea typeface="+mn-ea"/>
+        <a:cs typeface="+mn-cs"/>
+      </a:defRPr>
+    </a:lvl7pPr>
+    <a:lvl8pPr marL="3200400" algn="l" defTabSz="914400" rtl="0" eaLnBrk="1" latinLnBrk="0" hangingPunct="1">
+      <a:defRPr sz="1200" kern="1200">
+        <a:solidFill>
+          <a:schemeClr val="tx1"/>
+        </a:solidFill>
+        <a:latin typeface="+mn-lt"/>
+        <a:ea typeface="+mn-ea"/>
+        <a:cs typeface="+mn-cs"/>
+      </a:defRPr>
+    </a:lvl8pPr>
+    <a:lvl9pPr marL="3657600" algn="l" defTabSz="914400" rtl="0" eaLnBrk="1" latinLnBrk="0" hangingPunct="1">
+      <a:defRPr sz="1200" kern="1200">
+        <a:solidFill>
+          <a:schemeClr val="tx1"/>
+        </a:solidFill>
+        <a:latin typeface="+mn-lt"/>
+        <a:ea typeface="+mn-ea"/>
+        <a:cs typeface="+mn-cs"/>
+      </a:defRPr>
+    </a:lvl9pPr>
+  </p:notesStyle>
+</p:notesMaster>
+</file>
+
+<file path=ppt/notesSlides/notesSlide1.xml><?xml version="1.0" encoding="utf-8"?>
+<p:notes xmlns:a="http://schemas.openxmlformats.org/drawingml/2006/main" xmlns:r="http://schemas.openxmlformats.org/officeDocument/2006/relationships" xmlns:p="http://schemas.openxmlformats.org/presentationml/2006/main">
+  <p:cSld>
+    <p:spTree>
+      <p:nvGrpSpPr>
+        <p:cNvPr id="1" name=""/>
+        <p:cNvGrpSpPr/>
+        <p:nvPr/>
+      </p:nvGrpSpPr>
+      <p:grpSpPr>
+        <a:xfrm>
+          <a:off x="0" y="0"/>
+          <a:ext cx="0" cy="0"/>
+          <a:chOff x="0" y="0"/>
+          <a:chExt cx="0" cy="0"/>
+        </a:xfrm>
+      </p:grpSpPr>
+      <p:sp>
+        <p:nvSpPr>
+          <p:cNvPr id="2" name="Slide Image Placeholder 1"/>
+          <p:cNvSpPr>
+            <a:spLocks noGrp="1" noRot="1" noChangeAspect="1"/>
+          </p:cNvSpPr>
+          <p:nvPr>
+            <p:ph type="sldImg"/>
+          </p:nvPr>
+        </p:nvSpPr>
+        <p:spPr/>
+      </p:sp>
+      <p:sp>
+        <p:nvSpPr>
+          <p:cNvPr id="3" name="Notes Placeholder 2"/>
+          <p:cNvSpPr>
+            <a:spLocks noGrp="1"/>
+          </p:cNvSpPr>
+          <p:nvPr>
+            <p:ph type="body" idx="1"/>
+          </p:nvPr>
+        </p:nvSpPr>
+        <p:spPr/>
+        <p:txBody>
+          <a:bodyPr/>
+          <a:lstStyle/>
+          <a:p>
+            <a:r>
+              <a:rPr lang="en-US" dirty="0"/>
+              <a:t>Scheduled for 10 mins + time for questions</a:t>
+            </a:r>
+          </a:p>
+          <a:p>
+            <a:endParaRPr lang="en-US" dirty="0"/>
+          </a:p>
+          <a:p>
+            <a:endParaRPr lang="en-US" dirty="0"/>
+          </a:p>
+          <a:p>
+            <a:endParaRPr lang="en-US" dirty="0"/>
+          </a:p>
+          <a:p>
+            <a:endParaRPr lang="en-US" dirty="0"/>
+          </a:p>
+          <a:p>
+            <a:r>
+              <a:rPr lang="en-US" dirty="0"/>
+              <a:t>During rehearsals at this point in the </a:t>
+            </a:r>
+            <a:r>
+              <a:rPr lang="en-US" dirty="0" err="1"/>
+              <a:t>pres</a:t>
+            </a:r>
+            <a:r>
+              <a:rPr lang="en-US" dirty="0"/>
+              <a:t>,  my gf mistakenly thought my presentation was about loans with Greggs the baker due to the likeness with the image at the bottom right of the screen - </a:t>
+            </a:r>
+          </a:p>
+        </p:txBody>
+      </p:sp>
+      <p:sp>
+        <p:nvSpPr>
+          <p:cNvPr id="4" name="Slide Number Placeholder 3"/>
+          <p:cNvSpPr>
+            <a:spLocks noGrp="1"/>
+          </p:cNvSpPr>
+          <p:nvPr>
+            <p:ph type="sldNum" sz="quarter" idx="5"/>
+          </p:nvPr>
+        </p:nvSpPr>
+        <p:spPr/>
+        <p:txBody>
+          <a:bodyPr/>
+          <a:lstStyle/>
+          <a:p>
+            <a:fld id="{360BD77D-F896-FD47-98B6-59426B3702AE}" type="slidenum">
+              <a:rPr lang="en-US" smtClean="0"/>
+              <a:t>3</a:t>
+            </a:fld>
+            <a:endParaRPr lang="en-US"/>
+          </a:p>
+        </p:txBody>
+      </p:sp>
+    </p:spTree>
+    <p:extLst>
+      <p:ext uri="{BB962C8B-B14F-4D97-AF65-F5344CB8AC3E}">
+        <p14:creationId xmlns:p14="http://schemas.microsoft.com/office/powerpoint/2010/main" val="4177672846"/>
+      </p:ext>
+    </p:extLst>
+  </p:cSld>
+  <p:clrMapOvr>
+    <a:masterClrMapping/>
+  </p:clrMapOvr>
+</p:notes>
+</file>
+
+<file path=ppt/notesSlides/notesSlide10.xml><?xml version="1.0" encoding="utf-8"?>
+<p:notes xmlns:a="http://schemas.openxmlformats.org/drawingml/2006/main" xmlns:r="http://schemas.openxmlformats.org/officeDocument/2006/relationships" xmlns:p="http://schemas.openxmlformats.org/presentationml/2006/main">
+  <p:cSld>
+    <p:spTree>
+      <p:nvGrpSpPr>
+        <p:cNvPr id="1" name=""/>
+        <p:cNvGrpSpPr/>
+        <p:nvPr/>
+      </p:nvGrpSpPr>
+      <p:grpSpPr>
+        <a:xfrm>
+          <a:off x="0" y="0"/>
+          <a:ext cx="0" cy="0"/>
+          <a:chOff x="0" y="0"/>
+          <a:chExt cx="0" cy="0"/>
+        </a:xfrm>
+      </p:grpSpPr>
+      <p:sp>
+        <p:nvSpPr>
+          <p:cNvPr id="2" name="Slide Image Placeholder 1"/>
+          <p:cNvSpPr>
+            <a:spLocks noGrp="1" noRot="1" noChangeAspect="1"/>
+          </p:cNvSpPr>
+          <p:nvPr>
+            <p:ph type="sldImg"/>
+          </p:nvPr>
+        </p:nvSpPr>
+        <p:spPr/>
+      </p:sp>
+      <p:sp>
+        <p:nvSpPr>
+          <p:cNvPr id="3" name="Notes Placeholder 2"/>
+          <p:cNvSpPr>
+            <a:spLocks noGrp="1"/>
+          </p:cNvSpPr>
+          <p:nvPr>
+            <p:ph type="body" idx="1"/>
+          </p:nvPr>
+        </p:nvSpPr>
+        <p:spPr/>
+        <p:txBody>
+          <a:bodyPr/>
+          <a:lstStyle/>
+          <a:p>
+            <a:endParaRPr lang="en-US" dirty="0"/>
+          </a:p>
+        </p:txBody>
+      </p:sp>
+      <p:sp>
+        <p:nvSpPr>
+          <p:cNvPr id="4" name="Slide Number Placeholder 3"/>
+          <p:cNvSpPr>
+            <a:spLocks noGrp="1"/>
+          </p:cNvSpPr>
+          <p:nvPr>
+            <p:ph type="sldNum" sz="quarter" idx="5"/>
+          </p:nvPr>
+        </p:nvSpPr>
+        <p:spPr/>
+        <p:txBody>
+          <a:bodyPr/>
+          <a:lstStyle/>
+          <a:p>
+            <a:fld id="{360BD77D-F896-FD47-98B6-59426B3702AE}" type="slidenum">
+              <a:rPr lang="en-US" smtClean="0"/>
+              <a:t>12</a:t>
+            </a:fld>
+            <a:endParaRPr lang="en-US"/>
+          </a:p>
+        </p:txBody>
+      </p:sp>
+    </p:spTree>
+    <p:extLst>
+      <p:ext uri="{BB962C8B-B14F-4D97-AF65-F5344CB8AC3E}">
+        <p14:creationId xmlns:p14="http://schemas.microsoft.com/office/powerpoint/2010/main" val="2065700446"/>
+      </p:ext>
+    </p:extLst>
+  </p:cSld>
+  <p:clrMapOvr>
+    <a:masterClrMapping/>
+  </p:clrMapOvr>
+</p:notes>
+</file>
+
+<file path=ppt/notesSlides/notesSlide2.xml><?xml version="1.0" encoding="utf-8"?>
+<p:notes xmlns:a="http://schemas.openxmlformats.org/drawingml/2006/main" xmlns:r="http://schemas.openxmlformats.org/officeDocument/2006/relationships" xmlns:p="http://schemas.openxmlformats.org/presentationml/2006/main">
+  <p:cSld>
+    <p:spTree>
+      <p:nvGrpSpPr>
+        <p:cNvPr id="1" name=""/>
+        <p:cNvGrpSpPr/>
+        <p:nvPr/>
+      </p:nvGrpSpPr>
+      <p:grpSpPr>
+        <a:xfrm>
+          <a:off x="0" y="0"/>
+          <a:ext cx="0" cy="0"/>
+          <a:chOff x="0" y="0"/>
+          <a:chExt cx="0" cy="0"/>
+        </a:xfrm>
+      </p:grpSpPr>
+      <p:sp>
+        <p:nvSpPr>
+          <p:cNvPr id="2" name="Slide Image Placeholder 1"/>
+          <p:cNvSpPr>
+            <a:spLocks noGrp="1" noRot="1" noChangeAspect="1"/>
+          </p:cNvSpPr>
+          <p:nvPr>
+            <p:ph type="sldImg"/>
+          </p:nvPr>
+        </p:nvSpPr>
+        <p:spPr/>
+      </p:sp>
+      <p:sp>
+        <p:nvSpPr>
+          <p:cNvPr id="3" name="Notes Placeholder 2"/>
+          <p:cNvSpPr>
+            <a:spLocks noGrp="1"/>
+          </p:cNvSpPr>
+          <p:nvPr>
+            <p:ph type="body" idx="1"/>
+          </p:nvPr>
+        </p:nvSpPr>
+        <p:spPr/>
+        <p:txBody>
+          <a:bodyPr/>
+          <a:lstStyle/>
+          <a:p>
+            <a:r>
+              <a:rPr lang="en-GB" dirty="0"/>
+              <a:t>Founded - 2006</a:t>
+            </a:r>
+          </a:p>
+          <a:p>
+            <a:pPr marL="0" marR="0" lvl="0" indent="0" algn="l" defTabSz="914400" rtl="0" eaLnBrk="1" fontAlgn="auto" latinLnBrk="0" hangingPunct="1">
+              <a:lnSpc>
+                <a:spcPct val="100000"/>
+              </a:lnSpc>
+              <a:spcBef>
+                <a:spcPts val="0"/>
+              </a:spcBef>
+              <a:spcAft>
+                <a:spcPts val="0"/>
+              </a:spcAft>
+              <a:buClrTx/>
+              <a:buSzTx/>
+              <a:buFontTx/>
+              <a:buNone/>
+              <a:tabLst/>
+              <a:defRPr/>
+            </a:pPr>
+            <a:r>
+              <a:rPr lang="en-GB" dirty="0"/>
+              <a:t>Employees - 1,837 (2017)</a:t>
+            </a:r>
+            <a:endParaRPr lang="en-US" dirty="0"/>
+          </a:p>
+          <a:p>
+            <a:endParaRPr lang="en-GB" dirty="0"/>
+          </a:p>
+          <a:p>
+            <a:r>
+              <a:rPr lang="en-GB" dirty="0" err="1"/>
+              <a:t>LendingClub</a:t>
+            </a:r>
+            <a:r>
+              <a:rPr lang="en-GB" dirty="0"/>
+              <a:t> is a peer-to-peer lending company headquartered in San Francisco, California. It was the first peer-to-peer lender to register its offerings as securities with the Securities and Exchange Commission, and to offer loan trading on a secondary market. </a:t>
+            </a:r>
+          </a:p>
+          <a:p>
+            <a:endParaRPr lang="en-GB" dirty="0"/>
+          </a:p>
+          <a:p>
+            <a:r>
+              <a:rPr lang="en-GB" dirty="0"/>
+              <a:t>SO?? THE pathfinder into a new style of loaning system.</a:t>
+            </a:r>
+          </a:p>
+          <a:p>
+            <a:endParaRPr lang="en-GB" dirty="0"/>
+          </a:p>
+          <a:p>
+            <a:r>
+              <a:rPr lang="en-GB" dirty="0"/>
+              <a:t>- Very popular as proclaimed on their website</a:t>
+            </a:r>
+          </a:p>
+          <a:p>
+            <a:r>
+              <a:rPr lang="en-GB" dirty="0"/>
+              <a:t>- Has even won some awards</a:t>
+            </a:r>
+          </a:p>
+          <a:p>
+            <a:r>
+              <a:rPr lang="en-GB" dirty="0"/>
+              <a:t>-  cowboys1 from </a:t>
+            </a:r>
+            <a:r>
+              <a:rPr lang="en-GB" dirty="0" err="1"/>
+              <a:t>cali</a:t>
+            </a:r>
+            <a:r>
+              <a:rPr lang="en-GB" dirty="0"/>
+              <a:t> very recently has enjoyed his loan</a:t>
+            </a:r>
+          </a:p>
+          <a:p>
+            <a:endParaRPr lang="en-GB" dirty="0"/>
+          </a:p>
+          <a:p>
+            <a:r>
+              <a:rPr lang="en-GB" dirty="0"/>
+              <a:t>WORKFLOW - LC are facilitators (middle men) </a:t>
+            </a:r>
+          </a:p>
+          <a:p>
+            <a:endParaRPr lang="en-GB" dirty="0"/>
+          </a:p>
+          <a:p>
+            <a:endParaRPr lang="en-GB" dirty="0"/>
+          </a:p>
+          <a:p>
+            <a:endParaRPr lang="en-GB" dirty="0"/>
+          </a:p>
+        </p:txBody>
+      </p:sp>
+      <p:sp>
+        <p:nvSpPr>
+          <p:cNvPr id="4" name="Slide Number Placeholder 3"/>
+          <p:cNvSpPr>
+            <a:spLocks noGrp="1"/>
+          </p:cNvSpPr>
+          <p:nvPr>
+            <p:ph type="sldNum" sz="quarter" idx="5"/>
+          </p:nvPr>
+        </p:nvSpPr>
+        <p:spPr/>
+        <p:txBody>
+          <a:bodyPr/>
+          <a:lstStyle/>
+          <a:p>
+            <a:fld id="{360BD77D-F896-FD47-98B6-59426B3702AE}" type="slidenum">
+              <a:rPr lang="en-US" smtClean="0"/>
+              <a:t>4</a:t>
+            </a:fld>
+            <a:endParaRPr lang="en-US"/>
+          </a:p>
+        </p:txBody>
+      </p:sp>
+    </p:spTree>
+    <p:extLst>
+      <p:ext uri="{BB962C8B-B14F-4D97-AF65-F5344CB8AC3E}">
+        <p14:creationId xmlns:p14="http://schemas.microsoft.com/office/powerpoint/2010/main" val="1837223661"/>
+      </p:ext>
+    </p:extLst>
+  </p:cSld>
+  <p:clrMapOvr>
+    <a:masterClrMapping/>
+  </p:clrMapOvr>
+</p:notes>
+</file>
+
+<file path=ppt/notesSlides/notesSlide3.xml><?xml version="1.0" encoding="utf-8"?>
+<p:notes xmlns:a="http://schemas.openxmlformats.org/drawingml/2006/main" xmlns:r="http://schemas.openxmlformats.org/officeDocument/2006/relationships" xmlns:p="http://schemas.openxmlformats.org/presentationml/2006/main">
+  <p:cSld>
+    <p:spTree>
+      <p:nvGrpSpPr>
+        <p:cNvPr id="1" name=""/>
+        <p:cNvGrpSpPr/>
+        <p:nvPr/>
+      </p:nvGrpSpPr>
+      <p:grpSpPr>
+        <a:xfrm>
+          <a:off x="0" y="0"/>
+          <a:ext cx="0" cy="0"/>
+          <a:chOff x="0" y="0"/>
+          <a:chExt cx="0" cy="0"/>
+        </a:xfrm>
+      </p:grpSpPr>
+      <p:sp>
+        <p:nvSpPr>
+          <p:cNvPr id="2" name="Slide Image Placeholder 1"/>
+          <p:cNvSpPr>
+            <a:spLocks noGrp="1" noRot="1" noChangeAspect="1"/>
+          </p:cNvSpPr>
+          <p:nvPr>
+            <p:ph type="sldImg"/>
+          </p:nvPr>
+        </p:nvSpPr>
+        <p:spPr/>
+      </p:sp>
+      <p:sp>
+        <p:nvSpPr>
+          <p:cNvPr id="3" name="Notes Placeholder 2"/>
+          <p:cNvSpPr>
+            <a:spLocks noGrp="1"/>
+          </p:cNvSpPr>
+          <p:nvPr>
+            <p:ph type="body" idx="1"/>
+          </p:nvPr>
+        </p:nvSpPr>
+        <p:spPr/>
+        <p:txBody>
+          <a:bodyPr/>
+          <a:lstStyle/>
+          <a:p>
+            <a:r>
+              <a:rPr lang="en-GB" b="1" dirty="0"/>
+              <a:t>As the great Prussian Field Marshal Helmuth von Moltke the Elder </a:t>
+            </a:r>
+          </a:p>
+          <a:p>
+            <a:endParaRPr lang="en-US" dirty="0"/>
+          </a:p>
+          <a:p>
+            <a:r>
+              <a:rPr lang="en-US" dirty="0"/>
+              <a:t>”No Plan Survives Contact with the enemy”</a:t>
+            </a:r>
+          </a:p>
+        </p:txBody>
+      </p:sp>
+      <p:sp>
+        <p:nvSpPr>
+          <p:cNvPr id="4" name="Slide Number Placeholder 3"/>
+          <p:cNvSpPr>
+            <a:spLocks noGrp="1"/>
+          </p:cNvSpPr>
+          <p:nvPr>
+            <p:ph type="sldNum" sz="quarter" idx="5"/>
+          </p:nvPr>
+        </p:nvSpPr>
+        <p:spPr/>
+        <p:txBody>
+          <a:bodyPr/>
+          <a:lstStyle/>
+          <a:p>
+            <a:fld id="{360BD77D-F896-FD47-98B6-59426B3702AE}" type="slidenum">
+              <a:rPr lang="en-US" smtClean="0"/>
+              <a:t>5</a:t>
+            </a:fld>
+            <a:endParaRPr lang="en-US"/>
+          </a:p>
+        </p:txBody>
+      </p:sp>
+    </p:spTree>
+    <p:extLst>
+      <p:ext uri="{BB962C8B-B14F-4D97-AF65-F5344CB8AC3E}">
+        <p14:creationId xmlns:p14="http://schemas.microsoft.com/office/powerpoint/2010/main" val="1493115210"/>
+      </p:ext>
+    </p:extLst>
+  </p:cSld>
+  <p:clrMapOvr>
+    <a:masterClrMapping/>
+  </p:clrMapOvr>
+</p:notes>
+</file>
+
+<file path=ppt/notesSlides/notesSlide4.xml><?xml version="1.0" encoding="utf-8"?>
+<p:notes xmlns:a="http://schemas.openxmlformats.org/drawingml/2006/main" xmlns:r="http://schemas.openxmlformats.org/officeDocument/2006/relationships" xmlns:p="http://schemas.openxmlformats.org/presentationml/2006/main">
+  <p:cSld>
+    <p:spTree>
+      <p:nvGrpSpPr>
+        <p:cNvPr id="1" name=""/>
+        <p:cNvGrpSpPr/>
+        <p:nvPr/>
+      </p:nvGrpSpPr>
+      <p:grpSpPr>
+        <a:xfrm>
+          <a:off x="0" y="0"/>
+          <a:ext cx="0" cy="0"/>
+          <a:chOff x="0" y="0"/>
+          <a:chExt cx="0" cy="0"/>
+        </a:xfrm>
+      </p:grpSpPr>
+      <p:sp>
+        <p:nvSpPr>
+          <p:cNvPr id="2" name="Slide Image Placeholder 1"/>
+          <p:cNvSpPr>
+            <a:spLocks noGrp="1" noRot="1" noChangeAspect="1"/>
+          </p:cNvSpPr>
+          <p:nvPr>
+            <p:ph type="sldImg"/>
+          </p:nvPr>
+        </p:nvSpPr>
+        <p:spPr/>
+      </p:sp>
+      <p:sp>
+        <p:nvSpPr>
+          <p:cNvPr id="3" name="Notes Placeholder 2"/>
+          <p:cNvSpPr>
+            <a:spLocks noGrp="1"/>
+          </p:cNvSpPr>
+          <p:nvPr>
+            <p:ph type="body" idx="1"/>
+          </p:nvPr>
+        </p:nvSpPr>
+        <p:spPr/>
+        <p:txBody>
+          <a:bodyPr/>
+          <a:lstStyle/>
+          <a:p>
+            <a:endParaRPr lang="en-US" dirty="0"/>
+          </a:p>
+        </p:txBody>
+      </p:sp>
+      <p:sp>
+        <p:nvSpPr>
+          <p:cNvPr id="4" name="Slide Number Placeholder 3"/>
+          <p:cNvSpPr>
+            <a:spLocks noGrp="1"/>
+          </p:cNvSpPr>
+          <p:nvPr>
+            <p:ph type="sldNum" sz="quarter" idx="5"/>
+          </p:nvPr>
+        </p:nvSpPr>
+        <p:spPr/>
+        <p:txBody>
+          <a:bodyPr/>
+          <a:lstStyle/>
+          <a:p>
+            <a:fld id="{360BD77D-F896-FD47-98B6-59426B3702AE}" type="slidenum">
+              <a:rPr lang="en-US" smtClean="0"/>
+              <a:t>6</a:t>
+            </a:fld>
+            <a:endParaRPr lang="en-US"/>
+          </a:p>
+        </p:txBody>
+      </p:sp>
+    </p:spTree>
+    <p:extLst>
+      <p:ext uri="{BB962C8B-B14F-4D97-AF65-F5344CB8AC3E}">
+        <p14:creationId xmlns:p14="http://schemas.microsoft.com/office/powerpoint/2010/main" val="4220704941"/>
+      </p:ext>
+    </p:extLst>
+  </p:cSld>
+  <p:clrMapOvr>
+    <a:masterClrMapping/>
+  </p:clrMapOvr>
+</p:notes>
+</file>
+
+<file path=ppt/notesSlides/notesSlide5.xml><?xml version="1.0" encoding="utf-8"?>
+<p:notes xmlns:a="http://schemas.openxmlformats.org/drawingml/2006/main" xmlns:r="http://schemas.openxmlformats.org/officeDocument/2006/relationships" xmlns:p="http://schemas.openxmlformats.org/presentationml/2006/main">
+  <p:cSld>
+    <p:spTree>
+      <p:nvGrpSpPr>
+        <p:cNvPr id="1" name=""/>
+        <p:cNvGrpSpPr/>
+        <p:nvPr/>
+      </p:nvGrpSpPr>
+      <p:grpSpPr>
+        <a:xfrm>
+          <a:off x="0" y="0"/>
+          <a:ext cx="0" cy="0"/>
+          <a:chOff x="0" y="0"/>
+          <a:chExt cx="0" cy="0"/>
+        </a:xfrm>
+      </p:grpSpPr>
+      <p:sp>
+        <p:nvSpPr>
+          <p:cNvPr id="2" name="Slide Image Placeholder 1"/>
+          <p:cNvSpPr>
+            <a:spLocks noGrp="1" noRot="1" noChangeAspect="1"/>
+          </p:cNvSpPr>
+          <p:nvPr>
+            <p:ph type="sldImg"/>
+          </p:nvPr>
+        </p:nvSpPr>
+        <p:spPr/>
+      </p:sp>
+      <p:sp>
+        <p:nvSpPr>
+          <p:cNvPr id="3" name="Notes Placeholder 2"/>
+          <p:cNvSpPr>
+            <a:spLocks noGrp="1"/>
+          </p:cNvSpPr>
+          <p:nvPr>
+            <p:ph type="body" idx="1"/>
+          </p:nvPr>
+        </p:nvSpPr>
+        <p:spPr/>
+        <p:txBody>
+          <a:bodyPr/>
+          <a:lstStyle/>
+          <a:p>
+            <a:endParaRPr lang="en-US" dirty="0"/>
+          </a:p>
+        </p:txBody>
+      </p:sp>
+      <p:sp>
+        <p:nvSpPr>
+          <p:cNvPr id="4" name="Slide Number Placeholder 3"/>
+          <p:cNvSpPr>
+            <a:spLocks noGrp="1"/>
+          </p:cNvSpPr>
+          <p:nvPr>
+            <p:ph type="sldNum" sz="quarter" idx="5"/>
+          </p:nvPr>
+        </p:nvSpPr>
+        <p:spPr/>
+        <p:txBody>
+          <a:bodyPr/>
+          <a:lstStyle/>
+          <a:p>
+            <a:fld id="{360BD77D-F896-FD47-98B6-59426B3702AE}" type="slidenum">
+              <a:rPr lang="en-US" smtClean="0"/>
+              <a:t>7</a:t>
+            </a:fld>
+            <a:endParaRPr lang="en-US"/>
+          </a:p>
+        </p:txBody>
+      </p:sp>
+    </p:spTree>
+    <p:extLst>
+      <p:ext uri="{BB962C8B-B14F-4D97-AF65-F5344CB8AC3E}">
+        <p14:creationId xmlns:p14="http://schemas.microsoft.com/office/powerpoint/2010/main" val="3699739865"/>
+      </p:ext>
+    </p:extLst>
+  </p:cSld>
+  <p:clrMapOvr>
+    <a:masterClrMapping/>
+  </p:clrMapOvr>
+</p:notes>
+</file>
+
+<file path=ppt/notesSlides/notesSlide6.xml><?xml version="1.0" encoding="utf-8"?>
+<p:notes xmlns:a="http://schemas.openxmlformats.org/drawingml/2006/main" xmlns:r="http://schemas.openxmlformats.org/officeDocument/2006/relationships" xmlns:p="http://schemas.openxmlformats.org/presentationml/2006/main">
+  <p:cSld>
+    <p:spTree>
+      <p:nvGrpSpPr>
+        <p:cNvPr id="1" name=""/>
+        <p:cNvGrpSpPr/>
+        <p:nvPr/>
+      </p:nvGrpSpPr>
+      <p:grpSpPr>
+        <a:xfrm>
+          <a:off x="0" y="0"/>
+          <a:ext cx="0" cy="0"/>
+          <a:chOff x="0" y="0"/>
+          <a:chExt cx="0" cy="0"/>
+        </a:xfrm>
+      </p:grpSpPr>
+      <p:sp>
+        <p:nvSpPr>
+          <p:cNvPr id="2" name="Slide Image Placeholder 1"/>
+          <p:cNvSpPr>
+            <a:spLocks noGrp="1" noRot="1" noChangeAspect="1"/>
+          </p:cNvSpPr>
+          <p:nvPr>
+            <p:ph type="sldImg"/>
+          </p:nvPr>
+        </p:nvSpPr>
+        <p:spPr/>
+      </p:sp>
+      <p:sp>
+        <p:nvSpPr>
+          <p:cNvPr id="3" name="Notes Placeholder 2"/>
+          <p:cNvSpPr>
+            <a:spLocks noGrp="1"/>
+          </p:cNvSpPr>
+          <p:nvPr>
+            <p:ph type="body" idx="1"/>
+          </p:nvPr>
+        </p:nvSpPr>
+        <p:spPr/>
+        <p:txBody>
+          <a:bodyPr/>
+          <a:lstStyle/>
+          <a:p>
+            <a:endParaRPr lang="en-US" dirty="0"/>
+          </a:p>
+        </p:txBody>
+      </p:sp>
+      <p:sp>
+        <p:nvSpPr>
+          <p:cNvPr id="4" name="Slide Number Placeholder 3"/>
+          <p:cNvSpPr>
+            <a:spLocks noGrp="1"/>
+          </p:cNvSpPr>
+          <p:nvPr>
+            <p:ph type="sldNum" sz="quarter" idx="5"/>
+          </p:nvPr>
+        </p:nvSpPr>
+        <p:spPr/>
+        <p:txBody>
+          <a:bodyPr/>
+          <a:lstStyle/>
+          <a:p>
+            <a:fld id="{360BD77D-F896-FD47-98B6-59426B3702AE}" type="slidenum">
+              <a:rPr lang="en-US" smtClean="0"/>
+              <a:t>8</a:t>
+            </a:fld>
+            <a:endParaRPr lang="en-US"/>
+          </a:p>
+        </p:txBody>
+      </p:sp>
+    </p:spTree>
+    <p:extLst>
+      <p:ext uri="{BB962C8B-B14F-4D97-AF65-F5344CB8AC3E}">
+        <p14:creationId xmlns:p14="http://schemas.microsoft.com/office/powerpoint/2010/main" val="3981094865"/>
+      </p:ext>
+    </p:extLst>
+  </p:cSld>
+  <p:clrMapOvr>
+    <a:masterClrMapping/>
+  </p:clrMapOvr>
+</p:notes>
+</file>
+
+<file path=ppt/notesSlides/notesSlide7.xml><?xml version="1.0" encoding="utf-8"?>
+<p:notes xmlns:a="http://schemas.openxmlformats.org/drawingml/2006/main" xmlns:r="http://schemas.openxmlformats.org/officeDocument/2006/relationships" xmlns:p="http://schemas.openxmlformats.org/presentationml/2006/main">
+  <p:cSld>
+    <p:spTree>
+      <p:nvGrpSpPr>
+        <p:cNvPr id="1" name=""/>
+        <p:cNvGrpSpPr/>
+        <p:nvPr/>
+      </p:nvGrpSpPr>
+      <p:grpSpPr>
+        <a:xfrm>
+          <a:off x="0" y="0"/>
+          <a:ext cx="0" cy="0"/>
+          <a:chOff x="0" y="0"/>
+          <a:chExt cx="0" cy="0"/>
+        </a:xfrm>
+      </p:grpSpPr>
+      <p:sp>
+        <p:nvSpPr>
+          <p:cNvPr id="2" name="Slide Image Placeholder 1"/>
+          <p:cNvSpPr>
+            <a:spLocks noGrp="1" noRot="1" noChangeAspect="1"/>
+          </p:cNvSpPr>
+          <p:nvPr>
+            <p:ph type="sldImg"/>
+          </p:nvPr>
+        </p:nvSpPr>
+        <p:spPr/>
+      </p:sp>
+      <p:sp>
+        <p:nvSpPr>
+          <p:cNvPr id="3" name="Notes Placeholder 2"/>
+          <p:cNvSpPr>
+            <a:spLocks noGrp="1"/>
+          </p:cNvSpPr>
+          <p:nvPr>
+            <p:ph type="body" idx="1"/>
+          </p:nvPr>
+        </p:nvSpPr>
+        <p:spPr/>
+        <p:txBody>
+          <a:bodyPr/>
+          <a:lstStyle/>
+          <a:p>
+            <a:endParaRPr lang="en-US" dirty="0"/>
+          </a:p>
+        </p:txBody>
+      </p:sp>
+      <p:sp>
+        <p:nvSpPr>
+          <p:cNvPr id="4" name="Slide Number Placeholder 3"/>
+          <p:cNvSpPr>
+            <a:spLocks noGrp="1"/>
+          </p:cNvSpPr>
+          <p:nvPr>
+            <p:ph type="sldNum" sz="quarter" idx="5"/>
+          </p:nvPr>
+        </p:nvSpPr>
+        <p:spPr/>
+        <p:txBody>
+          <a:bodyPr/>
+          <a:lstStyle/>
+          <a:p>
+            <a:fld id="{360BD77D-F896-FD47-98B6-59426B3702AE}" type="slidenum">
+              <a:rPr lang="en-US" smtClean="0"/>
+              <a:t>9</a:t>
+            </a:fld>
+            <a:endParaRPr lang="en-US"/>
+          </a:p>
+        </p:txBody>
+      </p:sp>
+    </p:spTree>
+    <p:extLst>
+      <p:ext uri="{BB962C8B-B14F-4D97-AF65-F5344CB8AC3E}">
+        <p14:creationId xmlns:p14="http://schemas.microsoft.com/office/powerpoint/2010/main" val="207199627"/>
+      </p:ext>
+    </p:extLst>
+  </p:cSld>
+  <p:clrMapOvr>
+    <a:masterClrMapping/>
+  </p:clrMapOvr>
+</p:notes>
+</file>
+
+<file path=ppt/notesSlides/notesSlide8.xml><?xml version="1.0" encoding="utf-8"?>
+<p:notes xmlns:a="http://schemas.openxmlformats.org/drawingml/2006/main" xmlns:r="http://schemas.openxmlformats.org/officeDocument/2006/relationships" xmlns:p="http://schemas.openxmlformats.org/presentationml/2006/main">
+  <p:cSld>
+    <p:spTree>
+      <p:nvGrpSpPr>
+        <p:cNvPr id="1" name=""/>
+        <p:cNvGrpSpPr/>
+        <p:nvPr/>
+      </p:nvGrpSpPr>
+      <p:grpSpPr>
+        <a:xfrm>
+          <a:off x="0" y="0"/>
+          <a:ext cx="0" cy="0"/>
+          <a:chOff x="0" y="0"/>
+          <a:chExt cx="0" cy="0"/>
+        </a:xfrm>
+      </p:grpSpPr>
+      <p:sp>
+        <p:nvSpPr>
+          <p:cNvPr id="2" name="Slide Image Placeholder 1"/>
+          <p:cNvSpPr>
+            <a:spLocks noGrp="1" noRot="1" noChangeAspect="1"/>
+          </p:cNvSpPr>
+          <p:nvPr>
+            <p:ph type="sldImg"/>
+          </p:nvPr>
+        </p:nvSpPr>
+        <p:spPr/>
+      </p:sp>
+      <p:sp>
+        <p:nvSpPr>
+          <p:cNvPr id="3" name="Notes Placeholder 2"/>
+          <p:cNvSpPr>
+            <a:spLocks noGrp="1"/>
+          </p:cNvSpPr>
+          <p:nvPr>
+            <p:ph type="body" idx="1"/>
+          </p:nvPr>
+        </p:nvSpPr>
+        <p:spPr/>
+        <p:txBody>
+          <a:bodyPr/>
+          <a:lstStyle/>
+          <a:p>
+            <a:endParaRPr lang="en-US" dirty="0"/>
+          </a:p>
+        </p:txBody>
+      </p:sp>
+      <p:sp>
+        <p:nvSpPr>
+          <p:cNvPr id="4" name="Slide Number Placeholder 3"/>
+          <p:cNvSpPr>
+            <a:spLocks noGrp="1"/>
+          </p:cNvSpPr>
+          <p:nvPr>
+            <p:ph type="sldNum" sz="quarter" idx="5"/>
+          </p:nvPr>
+        </p:nvSpPr>
+        <p:spPr/>
+        <p:txBody>
+          <a:bodyPr/>
+          <a:lstStyle/>
+          <a:p>
+            <a:fld id="{360BD77D-F896-FD47-98B6-59426B3702AE}" type="slidenum">
+              <a:rPr lang="en-US" smtClean="0"/>
+              <a:t>10</a:t>
+            </a:fld>
+            <a:endParaRPr lang="en-US"/>
+          </a:p>
+        </p:txBody>
+      </p:sp>
+    </p:spTree>
+    <p:extLst>
+      <p:ext uri="{BB962C8B-B14F-4D97-AF65-F5344CB8AC3E}">
+        <p14:creationId xmlns:p14="http://schemas.microsoft.com/office/powerpoint/2010/main" val="1432630917"/>
+      </p:ext>
+    </p:extLst>
+  </p:cSld>
+  <p:clrMapOvr>
+    <a:masterClrMapping/>
+  </p:clrMapOvr>
+</p:notes>
+</file>
+
+<file path=ppt/notesSlides/notesSlide9.xml><?xml version="1.0" encoding="utf-8"?>
+<p:notes xmlns:a="http://schemas.openxmlformats.org/drawingml/2006/main" xmlns:r="http://schemas.openxmlformats.org/officeDocument/2006/relationships" xmlns:p="http://schemas.openxmlformats.org/presentationml/2006/main">
+  <p:cSld>
+    <p:spTree>
+      <p:nvGrpSpPr>
+        <p:cNvPr id="1" name=""/>
+        <p:cNvGrpSpPr/>
+        <p:nvPr/>
+      </p:nvGrpSpPr>
+      <p:grpSpPr>
+        <a:xfrm>
+          <a:off x="0" y="0"/>
+          <a:ext cx="0" cy="0"/>
+          <a:chOff x="0" y="0"/>
+          <a:chExt cx="0" cy="0"/>
+        </a:xfrm>
+      </p:grpSpPr>
+      <p:sp>
+        <p:nvSpPr>
+          <p:cNvPr id="2" name="Slide Image Placeholder 1"/>
+          <p:cNvSpPr>
+            <a:spLocks noGrp="1" noRot="1" noChangeAspect="1"/>
+          </p:cNvSpPr>
+          <p:nvPr>
+            <p:ph type="sldImg"/>
+          </p:nvPr>
+        </p:nvSpPr>
+        <p:spPr/>
+      </p:sp>
+      <p:sp>
+        <p:nvSpPr>
+          <p:cNvPr id="3" name="Notes Placeholder 2"/>
+          <p:cNvSpPr>
+            <a:spLocks noGrp="1"/>
+          </p:cNvSpPr>
+          <p:nvPr>
+            <p:ph type="body" idx="1"/>
+          </p:nvPr>
+        </p:nvSpPr>
+        <p:spPr/>
+        <p:txBody>
+          <a:bodyPr/>
+          <a:lstStyle/>
+          <a:p>
+            <a:endParaRPr lang="en-US" dirty="0"/>
+          </a:p>
+        </p:txBody>
+      </p:sp>
+      <p:sp>
+        <p:nvSpPr>
+          <p:cNvPr id="4" name="Slide Number Placeholder 3"/>
+          <p:cNvSpPr>
+            <a:spLocks noGrp="1"/>
+          </p:cNvSpPr>
+          <p:nvPr>
+            <p:ph type="sldNum" sz="quarter" idx="5"/>
+          </p:nvPr>
+        </p:nvSpPr>
+        <p:spPr/>
+        <p:txBody>
+          <a:bodyPr/>
+          <a:lstStyle/>
+          <a:p>
+            <a:fld id="{360BD77D-F896-FD47-98B6-59426B3702AE}" type="slidenum">
+              <a:rPr lang="en-US" smtClean="0"/>
+              <a:t>11</a:t>
+            </a:fld>
+            <a:endParaRPr lang="en-US"/>
+          </a:p>
+        </p:txBody>
+      </p:sp>
+    </p:spTree>
+    <p:extLst>
+      <p:ext uri="{BB962C8B-B14F-4D97-AF65-F5344CB8AC3E}">
+        <p14:creationId xmlns:p14="http://schemas.microsoft.com/office/powerpoint/2010/main" val="2256872610"/>
+      </p:ext>
+    </p:extLst>
+  </p:cSld>
+  <p:clrMapOvr>
+    <a:masterClrMapping/>
+  </p:clrMapOvr>
+</p:notes>
+</file>
+
 <file path=ppt/slideLayouts/slideLayout1.xml><?xml version="1.0" encoding="utf-8"?>
 <p:sldLayout xmlns:a="http://schemas.openxmlformats.org/drawingml/2006/main" xmlns:r="http://schemas.openxmlformats.org/officeDocument/2006/relationships" xmlns:p="http://schemas.openxmlformats.org/presentationml/2006/main" type="title" preserve="1">
   <p:cSld name="Title Slide">
@@ -144,7 +1483,7 @@
             <p:ph type="ctrTitle"/>
           </p:nvPr>
         </p:nvSpPr>
-        <p:spPr bwMode="blackWhite">
+        <p:spPr>
           <a:xfrm>
             <a:off x="1600200" y="2386744"/>
             <a:ext cx="8991600" cy="1645920"/>
@@ -323,7 +1662,7 @@
     </p:spTree>
     <p:extLst>
       <p:ext uri="{BB962C8B-B14F-4D97-AF65-F5344CB8AC3E}">
-        <p14:creationId xmlns:p14="http://schemas.microsoft.com/office/powerpoint/2010/main" val="3501894053"/>
+        <p14:creationId xmlns:p14="http://schemas.microsoft.com/office/powerpoint/2010/main" val="2296743786"/>
       </p:ext>
     </p:extLst>
   </p:cSld>
@@ -493,7 +1832,7 @@
     </p:spTree>
     <p:extLst>
       <p:ext uri="{BB962C8B-B14F-4D97-AF65-F5344CB8AC3E}">
-        <p14:creationId xmlns:p14="http://schemas.microsoft.com/office/powerpoint/2010/main" val="1529511290"/>
+        <p14:creationId xmlns:p14="http://schemas.microsoft.com/office/powerpoint/2010/main" val="526278850"/>
       </p:ext>
     </p:extLst>
   </p:cSld>
@@ -673,7 +2012,7 @@
     </p:spTree>
     <p:extLst>
       <p:ext uri="{BB962C8B-B14F-4D97-AF65-F5344CB8AC3E}">
-        <p14:creationId xmlns:p14="http://schemas.microsoft.com/office/powerpoint/2010/main" val="3368539929"/>
+        <p14:creationId xmlns:p14="http://schemas.microsoft.com/office/powerpoint/2010/main" val="2971095197"/>
       </p:ext>
     </p:extLst>
   </p:cSld>
@@ -843,7 +2182,7 @@
     </p:spTree>
     <p:extLst>
       <p:ext uri="{BB962C8B-B14F-4D97-AF65-F5344CB8AC3E}">
-        <p14:creationId xmlns:p14="http://schemas.microsoft.com/office/powerpoint/2010/main" val="1151434539"/>
+        <p14:creationId xmlns:p14="http://schemas.microsoft.com/office/powerpoint/2010/main" val="4273056828"/>
       </p:ext>
     </p:extLst>
   </p:cSld>
@@ -888,7 +2227,7 @@
             <p:ph type="title"/>
           </p:nvPr>
         </p:nvSpPr>
-        <p:spPr bwMode="blackWhite">
+        <p:spPr>
           <a:xfrm>
             <a:off x="1600200" y="2386744"/>
             <a:ext cx="8991600" cy="1645920"/>
@@ -1111,7 +2450,7 @@
     </p:spTree>
     <p:extLst>
       <p:ext uri="{BB962C8B-B14F-4D97-AF65-F5344CB8AC3E}">
-        <p14:creationId xmlns:p14="http://schemas.microsoft.com/office/powerpoint/2010/main" val="1652613304"/>
+        <p14:creationId xmlns:p14="http://schemas.microsoft.com/office/powerpoint/2010/main" val="2997941137"/>
       </p:ext>
     </p:extLst>
   </p:cSld>
@@ -1343,7 +2682,7 @@
     </p:spTree>
     <p:extLst>
       <p:ext uri="{BB962C8B-B14F-4D97-AF65-F5344CB8AC3E}">
-        <p14:creationId xmlns:p14="http://schemas.microsoft.com/office/powerpoint/2010/main" val="3180780294"/>
+        <p14:creationId xmlns:p14="http://schemas.microsoft.com/office/powerpoint/2010/main" val="2455253245"/>
       </p:ext>
     </p:extLst>
   </p:cSld>
@@ -1395,9 +2734,7 @@
               <a:buNone/>
               <a:defRPr sz="1900" b="0" cap="all" spc="100" baseline="0">
                 <a:solidFill>
-                  <a:schemeClr val="accent2">
-                    <a:lumMod val="75000"/>
-                  </a:schemeClr>
+                  <a:schemeClr val="accent2"/>
                 </a:solidFill>
               </a:defRPr>
             </a:lvl1pPr>
@@ -1586,9 +2923,7 @@
               <a:buNone/>
               <a:defRPr sz="1900" b="0" cap="all" spc="100" baseline="0">
                 <a:solidFill>
-                  <a:schemeClr val="accent2">
-                    <a:lumMod val="75000"/>
-                  </a:schemeClr>
+                  <a:schemeClr val="accent2"/>
                 </a:solidFill>
               </a:defRPr>
             </a:lvl1pPr>
@@ -1725,7 +3060,7 @@
     </p:spTree>
     <p:extLst>
       <p:ext uri="{BB962C8B-B14F-4D97-AF65-F5344CB8AC3E}">
-        <p14:creationId xmlns:p14="http://schemas.microsoft.com/office/powerpoint/2010/main" val="2474519622"/>
+        <p14:creationId xmlns:p14="http://schemas.microsoft.com/office/powerpoint/2010/main" val="630403161"/>
       </p:ext>
     </p:extLst>
   </p:cSld>
@@ -1843,7 +3178,7 @@
     </p:spTree>
     <p:extLst>
       <p:ext uri="{BB962C8B-B14F-4D97-AF65-F5344CB8AC3E}">
-        <p14:creationId xmlns:p14="http://schemas.microsoft.com/office/powerpoint/2010/main" val="340778553"/>
+        <p14:creationId xmlns:p14="http://schemas.microsoft.com/office/powerpoint/2010/main" val="1240846312"/>
       </p:ext>
     </p:extLst>
   </p:cSld>
@@ -1938,7 +3273,7 @@
     </p:spTree>
     <p:extLst>
       <p:ext uri="{BB962C8B-B14F-4D97-AF65-F5344CB8AC3E}">
-        <p14:creationId xmlns:p14="http://schemas.microsoft.com/office/powerpoint/2010/main" val="728547433"/>
+        <p14:creationId xmlns:p14="http://schemas.microsoft.com/office/powerpoint/2010/main" val="1092932686"/>
       </p:ext>
     </p:extLst>
   </p:cSld>
@@ -2013,7 +3348,7 @@
             <p:ph type="title"/>
           </p:nvPr>
         </p:nvSpPr>
-        <p:spPr bwMode="blackWhite">
+        <p:spPr>
           <a:xfrm>
             <a:off x="804672" y="2243828"/>
             <a:ext cx="4486656" cy="1141497"/>
@@ -2229,7 +3564,7 @@
       </p:sp>
       <p:sp>
         <p:nvSpPr>
-          <p:cNvPr id="9" name="Date Placeholder 8"/>
+          <p:cNvPr id="5" name="Date Placeholder 4"/>
           <p:cNvSpPr>
             <a:spLocks noGrp="1"/>
           </p:cNvSpPr>
@@ -2252,7 +3587,7 @@
       </p:sp>
       <p:sp>
         <p:nvSpPr>
-          <p:cNvPr id="10" name="Footer Placeholder 9"/>
+          <p:cNvPr id="6" name="Footer Placeholder 5"/>
           <p:cNvSpPr>
             <a:spLocks noGrp="1"/>
           </p:cNvSpPr>
@@ -2263,7 +3598,7 @@
         <p:spPr>
           <a:xfrm>
             <a:off x="804672" y="6236208"/>
-            <a:ext cx="5124797" cy="320040"/>
+            <a:ext cx="5167503" cy="320040"/>
           </a:xfrm>
         </p:spPr>
         <p:txBody>
@@ -2273,7 +3608,7 @@
               <a:defRPr>
                 <a:solidFill>
                   <a:srgbClr val="FFFFFF">
-                    <a:alpha val="70000"/>
+                    <a:alpha val="69804"/>
                   </a:srgbClr>
                 </a:solidFill>
               </a:defRPr>
@@ -2286,7 +3621,7 @@
       </p:sp>
       <p:sp>
         <p:nvSpPr>
-          <p:cNvPr id="11" name="Slide Number Placeholder 10"/>
+          <p:cNvPr id="7" name="Slide Number Placeholder 6"/>
           <p:cNvSpPr>
             <a:spLocks noGrp="1"/>
           </p:cNvSpPr>
@@ -2310,7 +3645,7 @@
     </p:spTree>
     <p:extLst>
       <p:ext uri="{BB962C8B-B14F-4D97-AF65-F5344CB8AC3E}">
-        <p14:creationId xmlns:p14="http://schemas.microsoft.com/office/powerpoint/2010/main" val="1264952632"/>
+        <p14:creationId xmlns:p14="http://schemas.microsoft.com/office/powerpoint/2010/main" val="4139349584"/>
       </p:ext>
     </p:extLst>
   </p:cSld>
@@ -2385,7 +3720,7 @@
             <p:ph type="title"/>
           </p:nvPr>
         </p:nvSpPr>
-        <p:spPr bwMode="blackWhite">
+        <p:spPr>
           <a:xfrm>
             <a:off x="808523" y="2243828"/>
             <a:ext cx="4494998" cy="1134640"/>
@@ -2449,10 +3784,7 @@
               <a:buNone/>
               <a:defRPr sz="3200">
                 <a:solidFill>
-                  <a:schemeClr val="bg1">
-                    <a:lumMod val="85000"/>
-                    <a:lumOff val="15000"/>
-                  </a:schemeClr>
+                  <a:schemeClr val="tx1"/>
                 </a:solidFill>
               </a:defRPr>
             </a:lvl1pPr>
@@ -2571,7 +3903,7 @@
       </p:sp>
       <p:sp>
         <p:nvSpPr>
-          <p:cNvPr id="8" name="Date Placeholder 7"/>
+          <p:cNvPr id="5" name="Date Placeholder 4"/>
           <p:cNvSpPr>
             <a:spLocks noGrp="1"/>
           </p:cNvSpPr>
@@ -2586,7 +3918,9 @@
             <a:lvl1pPr>
               <a:defRPr>
                 <a:solidFill>
-                  <a:srgbClr val="FFFFFF"/>
+                  <a:srgbClr val="FFFFFF">
+                    <a:alpha val="90000"/>
+                  </a:srgbClr>
                 </a:solidFill>
                 <a:effectLst>
                   <a:outerShdw blurRad="50800" dist="38100" dir="2700000" algn="tl" rotWithShape="0">
@@ -2609,7 +3943,7 @@
       </p:sp>
       <p:sp>
         <p:nvSpPr>
-          <p:cNvPr id="9" name="Footer Placeholder 8"/>
+          <p:cNvPr id="6" name="Footer Placeholder 5"/>
           <p:cNvSpPr>
             <a:spLocks noGrp="1"/>
           </p:cNvSpPr>
@@ -2619,8 +3953,8 @@
         </p:nvSpPr>
         <p:spPr>
           <a:xfrm>
-            <a:off x="804672" y="6236208"/>
-            <a:ext cx="5124797" cy="320040"/>
+            <a:off x="808523" y="6236208"/>
+            <a:ext cx="5103729" cy="320040"/>
           </a:xfrm>
         </p:spPr>
         <p:txBody>
@@ -2643,7 +3977,7 @@
       </p:sp>
       <p:sp>
         <p:nvSpPr>
-          <p:cNvPr id="10" name="Slide Number Placeholder 9"/>
+          <p:cNvPr id="7" name="Slide Number Placeholder 6"/>
           <p:cNvSpPr>
             <a:spLocks noGrp="1"/>
           </p:cNvSpPr>
@@ -2667,7 +4001,7 @@
     </p:spTree>
     <p:extLst>
       <p:ext uri="{BB962C8B-B14F-4D97-AF65-F5344CB8AC3E}">
-        <p14:creationId xmlns:p14="http://schemas.microsoft.com/office/powerpoint/2010/main" val="2163730693"/>
+        <p14:creationId xmlns:p14="http://schemas.microsoft.com/office/powerpoint/2010/main" val="1391959322"/>
       </p:ext>
     </p:extLst>
   </p:cSld>
@@ -2681,14 +4015,9 @@
 <p:sldMaster xmlns:a="http://schemas.openxmlformats.org/drawingml/2006/main" xmlns:r="http://schemas.openxmlformats.org/officeDocument/2006/relationships" xmlns:p="http://schemas.openxmlformats.org/presentationml/2006/main">
   <p:cSld>
     <p:bg>
-      <p:bgPr>
-        <a:solidFill>
-          <a:schemeClr val="bg1">
-            <a:lumMod val="95000"/>
-          </a:schemeClr>
-        </a:solidFill>
-        <a:effectLst/>
-      </p:bgPr>
+      <p:bgRef idx="1001">
+        <a:schemeClr val="bg2"/>
+      </p:bgRef>
     </p:bg>
     <p:spTree>
       <p:nvGrpSpPr>
@@ -2714,7 +4043,7 @@
             <p:ph type="title"/>
           </p:nvPr>
         </p:nvSpPr>
-        <p:spPr bwMode="black">
+        <p:spPr>
           <a:xfrm>
             <a:off x="2231136" y="964692"/>
             <a:ext cx="7729728" cy="1188720"/>
@@ -2723,11 +4052,14 @@
             <a:avLst/>
           </a:prstGeom>
           <a:solidFill>
-            <a:srgbClr val="FFFFFF"/>
+            <a:schemeClr val="bg1"/>
           </a:solidFill>
           <a:ln w="31750" cap="sq">
             <a:solidFill>
-              <a:srgbClr val="404040"/>
+              <a:schemeClr val="tx1">
+                <a:lumMod val="75000"/>
+                <a:lumOff val="25000"/>
+              </a:schemeClr>
             </a:solidFill>
             <a:miter lim="800000"/>
           </a:ln>
@@ -2935,23 +4267,23 @@
     </p:spTree>
     <p:extLst>
       <p:ext uri="{BB962C8B-B14F-4D97-AF65-F5344CB8AC3E}">
-        <p14:creationId xmlns:p14="http://schemas.microsoft.com/office/powerpoint/2010/main" val="331603014"/>
+        <p14:creationId xmlns:p14="http://schemas.microsoft.com/office/powerpoint/2010/main" val="1822577668"/>
       </p:ext>
     </p:extLst>
   </p:cSld>
   <p:clrMap bg1="lt1" tx1="dk1" bg2="lt2" tx2="dk2" accent1="accent1" accent2="accent2" accent3="accent3" accent4="accent4" accent5="accent5" accent6="accent6" hlink="hlink" folHlink="folHlink"/>
   <p:sldLayoutIdLst>
-    <p:sldLayoutId id="2147483745" r:id="rId1"/>
-    <p:sldLayoutId id="2147483746" r:id="rId2"/>
-    <p:sldLayoutId id="2147483747" r:id="rId3"/>
-    <p:sldLayoutId id="2147483748" r:id="rId4"/>
-    <p:sldLayoutId id="2147483749" r:id="rId5"/>
-    <p:sldLayoutId id="2147483750" r:id="rId6"/>
-    <p:sldLayoutId id="2147483751" r:id="rId7"/>
-    <p:sldLayoutId id="2147483752" r:id="rId8"/>
-    <p:sldLayoutId id="2147483753" r:id="rId9"/>
-    <p:sldLayoutId id="2147483754" r:id="rId10"/>
-    <p:sldLayoutId id="2147483755" r:id="rId11"/>
+    <p:sldLayoutId id="2147483757" r:id="rId1"/>
+    <p:sldLayoutId id="2147483758" r:id="rId2"/>
+    <p:sldLayoutId id="2147483759" r:id="rId3"/>
+    <p:sldLayoutId id="2147483760" r:id="rId4"/>
+    <p:sldLayoutId id="2147483761" r:id="rId5"/>
+    <p:sldLayoutId id="2147483762" r:id="rId6"/>
+    <p:sldLayoutId id="2147483763" r:id="rId7"/>
+    <p:sldLayoutId id="2147483764" r:id="rId8"/>
+    <p:sldLayoutId id="2147483765" r:id="rId9"/>
+    <p:sldLayoutId id="2147483766" r:id="rId10"/>
+    <p:sldLayoutId id="2147483767" r:id="rId11"/>
   </p:sldLayoutIdLst>
   <p:txStyles>
     <p:titleStyle>
@@ -2965,7 +4297,10 @@
         <a:buNone/>
         <a:defRPr sz="2800" kern="1200" cap="all" spc="200" baseline="0">
           <a:solidFill>
-            <a:srgbClr val="262626"/>
+            <a:schemeClr val="tx1">
+              <a:lumMod val="85000"/>
+              <a:lumOff val="15000"/>
+            </a:schemeClr>
           </a:solidFill>
           <a:latin typeface="+mj-lt"/>
           <a:ea typeface="+mj-ea"/>
@@ -3359,8 +4694,8 @@
           <a:lstStyle/>
           <a:p>
             <a:r>
-              <a:rPr lang="en-US" sz="3200" dirty="0"/>
-              <a:t>The Who’s, Why’s and Where’s </a:t>
+              <a:rPr lang="en-US" sz="3200" i="1" dirty="0"/>
+              <a:t>The Who’s, Why’s and Where’s</a:t>
             </a:r>
           </a:p>
         </p:txBody>
@@ -3379,7 +4714,7 @@
         </p:nvSpPr>
         <p:spPr>
           <a:xfrm>
-            <a:off x="4253551" y="5854511"/>
+            <a:off x="4114795" y="5431431"/>
             <a:ext cx="3962401" cy="461665"/>
           </a:xfrm>
           <a:prstGeom prst="rect">
@@ -3401,10 +4736,522 @@
           </a:p>
         </p:txBody>
       </p:sp>
+      <p:pic>
+        <p:nvPicPr>
+          <p:cNvPr id="10" name="Picture 9">
+            <a:extLst>
+              <a:ext uri="{FF2B5EF4-FFF2-40B4-BE49-F238E27FC236}">
+                <a16:creationId xmlns:a16="http://schemas.microsoft.com/office/drawing/2014/main" id="{B5A31721-F4A4-8040-8C58-9045EDA3E469}"/>
+              </a:ext>
+            </a:extLst>
+          </p:cNvPr>
+          <p:cNvPicPr>
+            <a:picLocks noChangeAspect="1"/>
+          </p:cNvPicPr>
+          <p:nvPr/>
+        </p:nvPicPr>
+        <p:blipFill>
+          <a:blip r:embed="rId2"/>
+          <a:stretch>
+            <a:fillRect/>
+          </a:stretch>
+        </p:blipFill>
+        <p:spPr>
+          <a:xfrm>
+            <a:off x="200576" y="5220670"/>
+            <a:ext cx="1320423" cy="1320423"/>
+          </a:xfrm>
+          <a:prstGeom prst="rect">
+            <a:avLst/>
+          </a:prstGeom>
+        </p:spPr>
+      </p:pic>
     </p:spTree>
     <p:extLst>
       <p:ext uri="{BB962C8B-B14F-4D97-AF65-F5344CB8AC3E}">
         <p14:creationId xmlns:p14="http://schemas.microsoft.com/office/powerpoint/2010/main" val="3242534849"/>
+      </p:ext>
+    </p:extLst>
+  </p:cSld>
+  <p:clrMapOvr>
+    <a:masterClrMapping/>
+  </p:clrMapOvr>
+</p:sld>
+</file>
+
+<file path=ppt/slides/slide10.xml><?xml version="1.0" encoding="utf-8"?>
+<p:sld xmlns:a="http://schemas.openxmlformats.org/drawingml/2006/main" xmlns:r="http://schemas.openxmlformats.org/officeDocument/2006/relationships" xmlns:p="http://schemas.openxmlformats.org/presentationml/2006/main">
+  <p:cSld>
+    <p:bg>
+      <p:bgPr>
+        <a:solidFill>
+          <a:schemeClr val="accent2"/>
+        </a:solidFill>
+        <a:effectLst/>
+      </p:bgPr>
+    </p:bg>
+    <p:spTree>
+      <p:nvGrpSpPr>
+        <p:cNvPr id="1" name=""/>
+        <p:cNvGrpSpPr/>
+        <p:nvPr/>
+      </p:nvGrpSpPr>
+      <p:grpSpPr>
+        <a:xfrm>
+          <a:off x="0" y="0"/>
+          <a:ext cx="0" cy="0"/>
+          <a:chOff x="0" y="0"/>
+          <a:chExt cx="0" cy="0"/>
+        </a:xfrm>
+      </p:grpSpPr>
+      <p:sp>
+        <p:nvSpPr>
+          <p:cNvPr id="26" name="Rectangle 25">
+            <a:extLst>
+              <a:ext uri="{FF2B5EF4-FFF2-40B4-BE49-F238E27FC236}">
+                <a16:creationId xmlns:a16="http://schemas.microsoft.com/office/drawing/2014/main" id="{CEA480D0-1CDA-450E-B62A-17E6A8D1968D}"/>
+              </a:ext>
+              <a:ext uri="{C183D7F6-B498-43B3-948B-1728B52AA6E4}">
+                <adec:decorative xmlns:adec="http://schemas.microsoft.com/office/drawing/2017/decorative" val="1"/>
+              </a:ext>
+            </a:extLst>
+          </p:cNvPr>
+          <p:cNvSpPr>
+            <a:spLocks noGrp="1" noRot="1" noChangeAspect="1" noMove="1" noResize="1" noEditPoints="1" noAdjustHandles="1" noChangeArrowheads="1" noChangeShapeType="1" noTextEdit="1"/>
+          </p:cNvSpPr>
+          <p:nvPr>
+            <p:extLst>
+              <p:ext uri="{386F3935-93C4-4BCD-93E2-E3B085C9AB24}">
+                <p16:designElem xmlns:p16="http://schemas.microsoft.com/office/powerpoint/2015/main" val="1"/>
+              </p:ext>
+            </p:extLst>
+          </p:nvPr>
+        </p:nvSpPr>
+        <p:spPr>
+          <a:xfrm>
+            <a:off x="0" y="-2"/>
+            <a:ext cx="12192000" cy="4918511"/>
+          </a:xfrm>
+          <a:prstGeom prst="rect">
+            <a:avLst/>
+          </a:prstGeom>
+          <a:solidFill>
+            <a:srgbClr val="FFFFFF"/>
+          </a:solidFill>
+          <a:ln>
+            <a:noFill/>
+          </a:ln>
+        </p:spPr>
+        <p:style>
+          <a:lnRef idx="2">
+            <a:schemeClr val="accent1">
+              <a:shade val="50000"/>
+            </a:schemeClr>
+          </a:lnRef>
+          <a:fillRef idx="1">
+            <a:schemeClr val="accent1"/>
+          </a:fillRef>
+          <a:effectRef idx="0">
+            <a:schemeClr val="accent1"/>
+          </a:effectRef>
+          <a:fontRef idx="minor">
+            <a:schemeClr val="lt1"/>
+          </a:fontRef>
+        </p:style>
+        <p:txBody>
+          <a:bodyPr rtlCol="0" anchor="ctr"/>
+          <a:lstStyle/>
+          <a:p>
+            <a:pPr algn="ctr"/>
+            <a:endParaRPr lang="en-US"/>
+          </a:p>
+        </p:txBody>
+      </p:sp>
+      <p:sp>
+        <p:nvSpPr>
+          <p:cNvPr id="8" name="Subtitle 7">
+            <a:extLst>
+              <a:ext uri="{FF2B5EF4-FFF2-40B4-BE49-F238E27FC236}">
+                <a16:creationId xmlns:a16="http://schemas.microsoft.com/office/drawing/2014/main" id="{272A9347-692A-B043-84BE-DF4576A3CB72}"/>
+              </a:ext>
+            </a:extLst>
+          </p:cNvPr>
+          <p:cNvSpPr>
+            <a:spLocks noGrp="1"/>
+          </p:cNvSpPr>
+          <p:nvPr>
+            <p:ph type="subTitle" idx="1"/>
+          </p:nvPr>
+        </p:nvSpPr>
+        <p:spPr>
+          <a:xfrm>
+            <a:off x="2695194" y="5688535"/>
+            <a:ext cx="6801612" cy="536125"/>
+          </a:xfrm>
+        </p:spPr>
+        <p:txBody>
+          <a:bodyPr vert="horz" lIns="91440" tIns="45720" rIns="91440" bIns="45720" rtlCol="0">
+            <a:normAutofit/>
+          </a:bodyPr>
+          <a:lstStyle/>
+          <a:p>
+            <a:endParaRPr lang="en-US" sz="1800" dirty="0"/>
+          </a:p>
+        </p:txBody>
+      </p:sp>
+      <p:pic>
+        <p:nvPicPr>
+          <p:cNvPr id="13" name="Picture 12">
+            <a:extLst>
+              <a:ext uri="{FF2B5EF4-FFF2-40B4-BE49-F238E27FC236}">
+                <a16:creationId xmlns:a16="http://schemas.microsoft.com/office/drawing/2014/main" id="{02D8936B-5492-5942-8C2F-28847133E4AD}"/>
+              </a:ext>
+            </a:extLst>
+          </p:cNvPr>
+          <p:cNvPicPr>
+            <a:picLocks noChangeAspect="1"/>
+          </p:cNvPicPr>
+          <p:nvPr/>
+        </p:nvPicPr>
+        <p:blipFill>
+          <a:blip r:embed="rId3"/>
+          <a:stretch>
+            <a:fillRect/>
+          </a:stretch>
+        </p:blipFill>
+        <p:spPr>
+          <a:xfrm>
+            <a:off x="200576" y="5220670"/>
+            <a:ext cx="1320423" cy="1320423"/>
+          </a:xfrm>
+          <a:prstGeom prst="rect">
+            <a:avLst/>
+          </a:prstGeom>
+        </p:spPr>
+      </p:pic>
+    </p:spTree>
+    <p:extLst>
+      <p:ext uri="{BB962C8B-B14F-4D97-AF65-F5344CB8AC3E}">
+        <p14:creationId xmlns:p14="http://schemas.microsoft.com/office/powerpoint/2010/main" val="696195964"/>
+      </p:ext>
+    </p:extLst>
+  </p:cSld>
+  <p:clrMapOvr>
+    <a:masterClrMapping/>
+  </p:clrMapOvr>
+</p:sld>
+</file>
+
+<file path=ppt/slides/slide11.xml><?xml version="1.0" encoding="utf-8"?>
+<p:sld xmlns:a="http://schemas.openxmlformats.org/drawingml/2006/main" xmlns:r="http://schemas.openxmlformats.org/officeDocument/2006/relationships" xmlns:p="http://schemas.openxmlformats.org/presentationml/2006/main">
+  <p:cSld>
+    <p:bg>
+      <p:bgPr>
+        <a:solidFill>
+          <a:schemeClr val="accent2"/>
+        </a:solidFill>
+        <a:effectLst/>
+      </p:bgPr>
+    </p:bg>
+    <p:spTree>
+      <p:nvGrpSpPr>
+        <p:cNvPr id="1" name=""/>
+        <p:cNvGrpSpPr/>
+        <p:nvPr/>
+      </p:nvGrpSpPr>
+      <p:grpSpPr>
+        <a:xfrm>
+          <a:off x="0" y="0"/>
+          <a:ext cx="0" cy="0"/>
+          <a:chOff x="0" y="0"/>
+          <a:chExt cx="0" cy="0"/>
+        </a:xfrm>
+      </p:grpSpPr>
+      <p:sp>
+        <p:nvSpPr>
+          <p:cNvPr id="26" name="Rectangle 25">
+            <a:extLst>
+              <a:ext uri="{FF2B5EF4-FFF2-40B4-BE49-F238E27FC236}">
+                <a16:creationId xmlns:a16="http://schemas.microsoft.com/office/drawing/2014/main" id="{CEA480D0-1CDA-450E-B62A-17E6A8D1968D}"/>
+              </a:ext>
+              <a:ext uri="{C183D7F6-B498-43B3-948B-1728B52AA6E4}">
+                <adec:decorative xmlns:adec="http://schemas.microsoft.com/office/drawing/2017/decorative" val="1"/>
+              </a:ext>
+            </a:extLst>
+          </p:cNvPr>
+          <p:cNvSpPr>
+            <a:spLocks noGrp="1" noRot="1" noChangeAspect="1" noMove="1" noResize="1" noEditPoints="1" noAdjustHandles="1" noChangeArrowheads="1" noChangeShapeType="1" noTextEdit="1"/>
+          </p:cNvSpPr>
+          <p:nvPr>
+            <p:extLst>
+              <p:ext uri="{386F3935-93C4-4BCD-93E2-E3B085C9AB24}">
+                <p16:designElem xmlns:p16="http://schemas.microsoft.com/office/powerpoint/2015/main" val="1"/>
+              </p:ext>
+            </p:extLst>
+          </p:nvPr>
+        </p:nvSpPr>
+        <p:spPr>
+          <a:xfrm>
+            <a:off x="0" y="-2"/>
+            <a:ext cx="12192000" cy="4918511"/>
+          </a:xfrm>
+          <a:prstGeom prst="rect">
+            <a:avLst/>
+          </a:prstGeom>
+          <a:solidFill>
+            <a:srgbClr val="FFFFFF"/>
+          </a:solidFill>
+          <a:ln>
+            <a:noFill/>
+          </a:ln>
+        </p:spPr>
+        <p:style>
+          <a:lnRef idx="2">
+            <a:schemeClr val="accent1">
+              <a:shade val="50000"/>
+            </a:schemeClr>
+          </a:lnRef>
+          <a:fillRef idx="1">
+            <a:schemeClr val="accent1"/>
+          </a:fillRef>
+          <a:effectRef idx="0">
+            <a:schemeClr val="accent1"/>
+          </a:effectRef>
+          <a:fontRef idx="minor">
+            <a:schemeClr val="lt1"/>
+          </a:fontRef>
+        </p:style>
+        <p:txBody>
+          <a:bodyPr rtlCol="0" anchor="ctr"/>
+          <a:lstStyle/>
+          <a:p>
+            <a:pPr algn="ctr"/>
+            <a:endParaRPr lang="en-US"/>
+          </a:p>
+        </p:txBody>
+      </p:sp>
+      <p:sp>
+        <p:nvSpPr>
+          <p:cNvPr id="3" name="Subtitle 2">
+            <a:extLst>
+              <a:ext uri="{FF2B5EF4-FFF2-40B4-BE49-F238E27FC236}">
+                <a16:creationId xmlns:a16="http://schemas.microsoft.com/office/drawing/2014/main" id="{CA2DFC69-8900-C646-8817-F92653B1117D}"/>
+              </a:ext>
+            </a:extLst>
+          </p:cNvPr>
+          <p:cNvSpPr>
+            <a:spLocks noGrp="1"/>
+          </p:cNvSpPr>
+          <p:nvPr>
+            <p:ph type="subTitle" idx="1"/>
+          </p:nvPr>
+        </p:nvSpPr>
+        <p:spPr/>
+        <p:txBody>
+          <a:bodyPr/>
+          <a:lstStyle/>
+          <a:p>
+            <a:endParaRPr lang="en-US"/>
+          </a:p>
+        </p:txBody>
+      </p:sp>
+      <p:pic>
+        <p:nvPicPr>
+          <p:cNvPr id="11" name="Picture 10">
+            <a:extLst>
+              <a:ext uri="{FF2B5EF4-FFF2-40B4-BE49-F238E27FC236}">
+                <a16:creationId xmlns:a16="http://schemas.microsoft.com/office/drawing/2014/main" id="{9A8068E8-8197-3843-89A8-1670E4A3A0F7}"/>
+              </a:ext>
+            </a:extLst>
+          </p:cNvPr>
+          <p:cNvPicPr>
+            <a:picLocks noChangeAspect="1"/>
+          </p:cNvPicPr>
+          <p:nvPr/>
+        </p:nvPicPr>
+        <p:blipFill>
+          <a:blip r:embed="rId3"/>
+          <a:stretch>
+            <a:fillRect/>
+          </a:stretch>
+        </p:blipFill>
+        <p:spPr>
+          <a:xfrm>
+            <a:off x="200576" y="5220670"/>
+            <a:ext cx="1320423" cy="1320423"/>
+          </a:xfrm>
+          <a:prstGeom prst="rect">
+            <a:avLst/>
+          </a:prstGeom>
+        </p:spPr>
+      </p:pic>
+    </p:spTree>
+    <p:extLst>
+      <p:ext uri="{BB962C8B-B14F-4D97-AF65-F5344CB8AC3E}">
+        <p14:creationId xmlns:p14="http://schemas.microsoft.com/office/powerpoint/2010/main" val="2512926751"/>
+      </p:ext>
+    </p:extLst>
+  </p:cSld>
+  <p:clrMapOvr>
+    <a:masterClrMapping/>
+  </p:clrMapOvr>
+</p:sld>
+</file>
+
+<file path=ppt/slides/slide12.xml><?xml version="1.0" encoding="utf-8"?>
+<p:sld xmlns:a="http://schemas.openxmlformats.org/drawingml/2006/main" xmlns:r="http://schemas.openxmlformats.org/officeDocument/2006/relationships" xmlns:p="http://schemas.openxmlformats.org/presentationml/2006/main">
+  <p:cSld>
+    <p:bg>
+      <p:bgPr>
+        <a:solidFill>
+          <a:schemeClr val="accent2"/>
+        </a:solidFill>
+        <a:effectLst/>
+      </p:bgPr>
+    </p:bg>
+    <p:spTree>
+      <p:nvGrpSpPr>
+        <p:cNvPr id="1" name=""/>
+        <p:cNvGrpSpPr/>
+        <p:nvPr/>
+      </p:nvGrpSpPr>
+      <p:grpSpPr>
+        <a:xfrm>
+          <a:off x="0" y="0"/>
+          <a:ext cx="0" cy="0"/>
+          <a:chOff x="0" y="0"/>
+          <a:chExt cx="0" cy="0"/>
+        </a:xfrm>
+      </p:grpSpPr>
+      <p:sp>
+        <p:nvSpPr>
+          <p:cNvPr id="26" name="Rectangle 25">
+            <a:extLst>
+              <a:ext uri="{FF2B5EF4-FFF2-40B4-BE49-F238E27FC236}">
+                <a16:creationId xmlns:a16="http://schemas.microsoft.com/office/drawing/2014/main" id="{CEA480D0-1CDA-450E-B62A-17E6A8D1968D}"/>
+              </a:ext>
+              <a:ext uri="{C183D7F6-B498-43B3-948B-1728B52AA6E4}">
+                <adec:decorative xmlns:adec="http://schemas.microsoft.com/office/drawing/2017/decorative" val="1"/>
+              </a:ext>
+            </a:extLst>
+          </p:cNvPr>
+          <p:cNvSpPr>
+            <a:spLocks noGrp="1" noRot="1" noChangeAspect="1" noMove="1" noResize="1" noEditPoints="1" noAdjustHandles="1" noChangeArrowheads="1" noChangeShapeType="1" noTextEdit="1"/>
+          </p:cNvSpPr>
+          <p:nvPr>
+            <p:extLst>
+              <p:ext uri="{386F3935-93C4-4BCD-93E2-E3B085C9AB24}">
+                <p16:designElem xmlns:p16="http://schemas.microsoft.com/office/powerpoint/2015/main" val="1"/>
+              </p:ext>
+            </p:extLst>
+          </p:nvPr>
+        </p:nvSpPr>
+        <p:spPr>
+          <a:xfrm>
+            <a:off x="0" y="-2"/>
+            <a:ext cx="12192000" cy="4918511"/>
+          </a:xfrm>
+          <a:prstGeom prst="rect">
+            <a:avLst/>
+          </a:prstGeom>
+          <a:solidFill>
+            <a:srgbClr val="FFFFFF"/>
+          </a:solidFill>
+          <a:ln>
+            <a:noFill/>
+          </a:ln>
+        </p:spPr>
+        <p:style>
+          <a:lnRef idx="2">
+            <a:schemeClr val="accent1">
+              <a:shade val="50000"/>
+            </a:schemeClr>
+          </a:lnRef>
+          <a:fillRef idx="1">
+            <a:schemeClr val="accent1"/>
+          </a:fillRef>
+          <a:effectRef idx="0">
+            <a:schemeClr val="accent1"/>
+          </a:effectRef>
+          <a:fontRef idx="minor">
+            <a:schemeClr val="lt1"/>
+          </a:fontRef>
+        </p:style>
+        <p:txBody>
+          <a:bodyPr rtlCol="0" anchor="ctr"/>
+          <a:lstStyle/>
+          <a:p>
+            <a:pPr algn="ctr"/>
+            <a:endParaRPr lang="en-US"/>
+          </a:p>
+        </p:txBody>
+      </p:sp>
+      <p:sp>
+        <p:nvSpPr>
+          <p:cNvPr id="8" name="Subtitle 7">
+            <a:extLst>
+              <a:ext uri="{FF2B5EF4-FFF2-40B4-BE49-F238E27FC236}">
+                <a16:creationId xmlns:a16="http://schemas.microsoft.com/office/drawing/2014/main" id="{272A9347-692A-B043-84BE-DF4576A3CB72}"/>
+              </a:ext>
+            </a:extLst>
+          </p:cNvPr>
+          <p:cNvSpPr>
+            <a:spLocks noGrp="1"/>
+          </p:cNvSpPr>
+          <p:nvPr>
+            <p:ph type="subTitle" idx="1"/>
+          </p:nvPr>
+        </p:nvSpPr>
+        <p:spPr>
+          <a:xfrm>
+            <a:off x="2695194" y="5688535"/>
+            <a:ext cx="6801612" cy="536125"/>
+          </a:xfrm>
+        </p:spPr>
+        <p:txBody>
+          <a:bodyPr vert="horz" lIns="91440" tIns="45720" rIns="91440" bIns="45720" rtlCol="0">
+            <a:normAutofit/>
+          </a:bodyPr>
+          <a:lstStyle/>
+          <a:p>
+            <a:endParaRPr lang="en-US" sz="1800" dirty="0"/>
+          </a:p>
+        </p:txBody>
+      </p:sp>
+      <p:pic>
+        <p:nvPicPr>
+          <p:cNvPr id="7" name="Picture 6">
+            <a:extLst>
+              <a:ext uri="{FF2B5EF4-FFF2-40B4-BE49-F238E27FC236}">
+                <a16:creationId xmlns:a16="http://schemas.microsoft.com/office/drawing/2014/main" id="{73ED2472-CDF4-574D-B956-02D3F3E9E309}"/>
+              </a:ext>
+            </a:extLst>
+          </p:cNvPr>
+          <p:cNvPicPr>
+            <a:picLocks noChangeAspect="1"/>
+          </p:cNvPicPr>
+          <p:nvPr/>
+        </p:nvPicPr>
+        <p:blipFill>
+          <a:blip r:embed="rId3"/>
+          <a:stretch>
+            <a:fillRect/>
+          </a:stretch>
+        </p:blipFill>
+        <p:spPr>
+          <a:xfrm>
+            <a:off x="200576" y="5220670"/>
+            <a:ext cx="1320423" cy="1320423"/>
+          </a:xfrm>
+          <a:prstGeom prst="rect">
+            <a:avLst/>
+          </a:prstGeom>
+        </p:spPr>
+      </p:pic>
+    </p:spTree>
+    <p:extLst>
+      <p:ext uri="{BB962C8B-B14F-4D97-AF65-F5344CB8AC3E}">
+        <p14:creationId xmlns:p14="http://schemas.microsoft.com/office/powerpoint/2010/main" val="446065758"/>
       </p:ext>
     </p:extLst>
   </p:cSld>
@@ -3441,7 +5288,363 @@
       </p:grpSpPr>
       <p:sp>
         <p:nvSpPr>
-          <p:cNvPr id="15" name="Rectangle 12">
+          <p:cNvPr id="13" name="Rectangle 12">
+            <a:extLst>
+              <a:ext uri="{FF2B5EF4-FFF2-40B4-BE49-F238E27FC236}">
+                <a16:creationId xmlns:a16="http://schemas.microsoft.com/office/drawing/2014/main" id="{84167985-D6E9-40FF-97C0-4B6D373E85C9}"/>
+              </a:ext>
+              <a:ext uri="{C183D7F6-B498-43B3-948B-1728B52AA6E4}">
+                <adec:decorative xmlns:adec="http://schemas.microsoft.com/office/drawing/2017/decorative" val="1"/>
+              </a:ext>
+            </a:extLst>
+          </p:cNvPr>
+          <p:cNvSpPr>
+            <a:spLocks noGrp="1" noRot="1" noChangeAspect="1" noMove="1" noResize="1" noEditPoints="1" noAdjustHandles="1" noChangeArrowheads="1" noChangeShapeType="1" noTextEdit="1"/>
+          </p:cNvSpPr>
+          <p:nvPr>
+            <p:extLst>
+              <p:ext uri="{386F3935-93C4-4BCD-93E2-E3B085C9AB24}">
+                <p16:designElem xmlns:p16="http://schemas.microsoft.com/office/powerpoint/2015/main" val="1"/>
+              </p:ext>
+            </p:extLst>
+          </p:nvPr>
+        </p:nvSpPr>
+        <p:spPr>
+          <a:xfrm>
+            <a:off x="640068" y="640080"/>
+            <a:ext cx="10911865" cy="4626864"/>
+          </a:xfrm>
+          <a:prstGeom prst="rect">
+            <a:avLst/>
+          </a:prstGeom>
+          <a:noFill/>
+          <a:ln w="31750" cap="sq">
+            <a:solidFill>
+              <a:srgbClr val="FFFFFF"/>
+            </a:solidFill>
+            <a:miter lim="800000"/>
+          </a:ln>
+        </p:spPr>
+        <p:style>
+          <a:lnRef idx="2">
+            <a:schemeClr val="accent1">
+              <a:shade val="50000"/>
+            </a:schemeClr>
+          </a:lnRef>
+          <a:fillRef idx="1">
+            <a:schemeClr val="accent1"/>
+          </a:fillRef>
+          <a:effectRef idx="0">
+            <a:schemeClr val="accent1"/>
+          </a:effectRef>
+          <a:fontRef idx="minor">
+            <a:schemeClr val="lt1"/>
+          </a:fontRef>
+        </p:style>
+        <p:txBody>
+          <a:bodyPr rtlCol="0" anchor="ctr"/>
+          <a:lstStyle/>
+          <a:p>
+            <a:pPr algn="ctr"/>
+            <a:endParaRPr lang="en-US" dirty="0"/>
+          </a:p>
+        </p:txBody>
+      </p:sp>
+      <p:sp>
+        <p:nvSpPr>
+          <p:cNvPr id="15" name="Rectangle 14">
+            <a:extLst>
+              <a:ext uri="{FF2B5EF4-FFF2-40B4-BE49-F238E27FC236}">
+                <a16:creationId xmlns:a16="http://schemas.microsoft.com/office/drawing/2014/main" id="{68801362-349C-44BE-BEF6-8E926E1D38BC}"/>
+              </a:ext>
+              <a:ext uri="{C183D7F6-B498-43B3-948B-1728B52AA6E4}">
+                <adec:decorative xmlns:adec="http://schemas.microsoft.com/office/drawing/2017/decorative" val="1"/>
+              </a:ext>
+            </a:extLst>
+          </p:cNvPr>
+          <p:cNvSpPr>
+            <a:spLocks noGrp="1" noRot="1" noChangeAspect="1" noMove="1" noResize="1" noEditPoints="1" noAdjustHandles="1" noChangeArrowheads="1" noChangeShapeType="1" noTextEdit="1"/>
+          </p:cNvSpPr>
+          <p:nvPr>
+            <p:extLst>
+              <p:ext uri="{386F3935-93C4-4BCD-93E2-E3B085C9AB24}">
+                <p16:designElem xmlns:p16="http://schemas.microsoft.com/office/powerpoint/2015/main" val="1"/>
+              </p:ext>
+            </p:extLst>
+          </p:nvPr>
+        </p:nvSpPr>
+        <p:spPr>
+          <a:xfrm>
+            <a:off x="806196" y="804672"/>
+            <a:ext cx="10579608" cy="4297680"/>
+          </a:xfrm>
+          <a:prstGeom prst="rect">
+            <a:avLst/>
+          </a:prstGeom>
+          <a:solidFill>
+            <a:srgbClr val="FFFFFF"/>
+          </a:solidFill>
+          <a:ln>
+            <a:noFill/>
+          </a:ln>
+        </p:spPr>
+        <p:style>
+          <a:lnRef idx="2">
+            <a:schemeClr val="accent1">
+              <a:shade val="50000"/>
+            </a:schemeClr>
+          </a:lnRef>
+          <a:fillRef idx="1">
+            <a:schemeClr val="accent1"/>
+          </a:fillRef>
+          <a:effectRef idx="0">
+            <a:schemeClr val="accent1"/>
+          </a:effectRef>
+          <a:fontRef idx="minor">
+            <a:schemeClr val="lt1"/>
+          </a:fontRef>
+        </p:style>
+        <p:txBody>
+          <a:bodyPr rtlCol="0" anchor="ctr"/>
+          <a:lstStyle/>
+          <a:p>
+            <a:pPr algn="ctr"/>
+            <a:endParaRPr lang="en-US"/>
+          </a:p>
+        </p:txBody>
+      </p:sp>
+      <p:sp>
+        <p:nvSpPr>
+          <p:cNvPr id="8" name="Subtitle 7">
+            <a:extLst>
+              <a:ext uri="{FF2B5EF4-FFF2-40B4-BE49-F238E27FC236}">
+                <a16:creationId xmlns:a16="http://schemas.microsoft.com/office/drawing/2014/main" id="{272A9347-692A-B043-84BE-DF4576A3CB72}"/>
+              </a:ext>
+            </a:extLst>
+          </p:cNvPr>
+          <p:cNvSpPr>
+            <a:spLocks noGrp="1"/>
+          </p:cNvSpPr>
+          <p:nvPr>
+            <p:ph type="subTitle" idx="1"/>
+          </p:nvPr>
+        </p:nvSpPr>
+        <p:spPr>
+          <a:xfrm>
+            <a:off x="1262729" y="5499894"/>
+            <a:ext cx="9638443" cy="996439"/>
+          </a:xfrm>
+        </p:spPr>
+        <p:txBody>
+          <a:bodyPr>
+            <a:normAutofit/>
+          </a:bodyPr>
+          <a:lstStyle/>
+          <a:p>
+            <a:r>
+              <a:rPr lang="en-US" sz="4800" dirty="0"/>
+              <a:t>The Brief</a:t>
+            </a:r>
+          </a:p>
+        </p:txBody>
+      </p:sp>
+      <p:sp>
+        <p:nvSpPr>
+          <p:cNvPr id="3" name="TextBox 2">
+            <a:extLst>
+              <a:ext uri="{FF2B5EF4-FFF2-40B4-BE49-F238E27FC236}">
+                <a16:creationId xmlns:a16="http://schemas.microsoft.com/office/drawing/2014/main" id="{F354AB3F-C9C0-B34A-9205-952593398B9A}"/>
+              </a:ext>
+            </a:extLst>
+          </p:cNvPr>
+          <p:cNvSpPr txBox="1"/>
+          <p:nvPr/>
+        </p:nvSpPr>
+        <p:spPr>
+          <a:xfrm>
+            <a:off x="1262729" y="1591056"/>
+            <a:ext cx="9638443" cy="2677656"/>
+          </a:xfrm>
+          <a:prstGeom prst="rect">
+            <a:avLst/>
+          </a:prstGeom>
+          <a:noFill/>
+        </p:spPr>
+        <p:txBody>
+          <a:bodyPr wrap="square" rtlCol="0">
+            <a:spAutoFit/>
+          </a:bodyPr>
+          <a:lstStyle/>
+          <a:p>
+            <a:r>
+              <a:rPr lang="en-GB" sz="2400" dirty="0">
+                <a:solidFill>
+                  <a:schemeClr val="bg1"/>
+                </a:solidFill>
+              </a:rPr>
+              <a:t>"You’ve been hired by </a:t>
+            </a:r>
+            <a:r>
+              <a:rPr lang="en-GB" sz="2400" dirty="0" err="1">
+                <a:solidFill>
+                  <a:schemeClr val="bg1"/>
+                </a:solidFill>
+              </a:rPr>
+              <a:t>LendingClub</a:t>
+            </a:r>
+            <a:r>
+              <a:rPr lang="en-GB" sz="2400" dirty="0">
+                <a:solidFill>
+                  <a:schemeClr val="bg1"/>
+                </a:solidFill>
+              </a:rPr>
+              <a:t>, an online loan provider to help with some problems their business has been facing.</a:t>
+            </a:r>
+          </a:p>
+          <a:p>
+            <a:br>
+              <a:rPr lang="en-GB" sz="2400" dirty="0">
+                <a:solidFill>
+                  <a:schemeClr val="bg1"/>
+                </a:solidFill>
+              </a:rPr>
+            </a:br>
+            <a:r>
+              <a:rPr lang="en-GB" sz="2400" dirty="0">
+                <a:solidFill>
+                  <a:schemeClr val="bg1"/>
+                </a:solidFill>
+              </a:rPr>
+              <a:t>They are concerned about the default rate on their loans.  </a:t>
+            </a:r>
+          </a:p>
+          <a:p>
+            <a:endParaRPr lang="en-GB" sz="2400" dirty="0">
+              <a:solidFill>
+                <a:schemeClr val="bg1"/>
+              </a:solidFill>
+            </a:endParaRPr>
+          </a:p>
+          <a:p>
+            <a:r>
+              <a:rPr lang="en-GB" sz="2400" dirty="0">
+                <a:solidFill>
+                  <a:schemeClr val="bg1"/>
+                </a:solidFill>
+              </a:rPr>
+              <a:t>They want to understand </a:t>
+            </a:r>
+            <a:r>
+              <a:rPr lang="en-GB" sz="2400" b="1" dirty="0">
+                <a:solidFill>
+                  <a:schemeClr val="bg1"/>
+                </a:solidFill>
+              </a:rPr>
+              <a:t>who is likely to default </a:t>
+            </a:r>
+            <a:r>
+              <a:rPr lang="en-GB" sz="2400" dirty="0">
+                <a:solidFill>
+                  <a:schemeClr val="bg1"/>
+                </a:solidFill>
+              </a:rPr>
+              <a:t>and </a:t>
+            </a:r>
+            <a:r>
+              <a:rPr lang="en-GB" sz="2400" b="1" dirty="0">
+                <a:solidFill>
+                  <a:schemeClr val="bg1"/>
+                </a:solidFill>
+              </a:rPr>
+              <a:t>who they should lend to in the future</a:t>
+            </a:r>
+            <a:r>
+              <a:rPr lang="en-GB" sz="2400" dirty="0">
+                <a:solidFill>
+                  <a:schemeClr val="bg1"/>
+                </a:solidFill>
+              </a:rPr>
+              <a:t>."</a:t>
+            </a:r>
+            <a:endParaRPr lang="en-US" sz="2400" dirty="0">
+              <a:solidFill>
+                <a:schemeClr val="bg1"/>
+              </a:solidFill>
+            </a:endParaRPr>
+          </a:p>
+        </p:txBody>
+      </p:sp>
+      <p:pic>
+        <p:nvPicPr>
+          <p:cNvPr id="10" name="Picture 9">
+            <a:extLst>
+              <a:ext uri="{FF2B5EF4-FFF2-40B4-BE49-F238E27FC236}">
+                <a16:creationId xmlns:a16="http://schemas.microsoft.com/office/drawing/2014/main" id="{CDD89147-4EF9-A845-9EAA-751D9932C3F3}"/>
+              </a:ext>
+            </a:extLst>
+          </p:cNvPr>
+          <p:cNvPicPr>
+            <a:picLocks noChangeAspect="1"/>
+          </p:cNvPicPr>
+          <p:nvPr/>
+        </p:nvPicPr>
+        <p:blipFill>
+          <a:blip r:embed="rId2"/>
+          <a:stretch>
+            <a:fillRect/>
+          </a:stretch>
+        </p:blipFill>
+        <p:spPr>
+          <a:xfrm>
+            <a:off x="200576" y="5220670"/>
+            <a:ext cx="1320423" cy="1320423"/>
+          </a:xfrm>
+          <a:prstGeom prst="rect">
+            <a:avLst/>
+          </a:prstGeom>
+        </p:spPr>
+      </p:pic>
+    </p:spTree>
+    <p:extLst>
+      <p:ext uri="{BB962C8B-B14F-4D97-AF65-F5344CB8AC3E}">
+        <p14:creationId xmlns:p14="http://schemas.microsoft.com/office/powerpoint/2010/main" val="3093558998"/>
+      </p:ext>
+    </p:extLst>
+  </p:cSld>
+  <p:clrMapOvr>
+    <a:masterClrMapping/>
+  </p:clrMapOvr>
+</p:sld>
+</file>
+
+<file path=ppt/slides/slide3.xml><?xml version="1.0" encoding="utf-8"?>
+<p:sld xmlns:a="http://schemas.openxmlformats.org/drawingml/2006/main" xmlns:r="http://schemas.openxmlformats.org/officeDocument/2006/relationships" xmlns:p="http://schemas.openxmlformats.org/presentationml/2006/main">
+  <p:cSld>
+    <p:bg>
+      <p:bgPr>
+        <a:solidFill>
+          <a:schemeClr val="accent2"/>
+        </a:solidFill>
+        <a:effectLst/>
+      </p:bgPr>
+    </p:bg>
+    <p:spTree>
+      <p:nvGrpSpPr>
+        <p:cNvPr id="1" name=""/>
+        <p:cNvGrpSpPr/>
+        <p:nvPr/>
+      </p:nvGrpSpPr>
+      <p:grpSpPr>
+        <a:xfrm>
+          <a:off x="0" y="0"/>
+          <a:ext cx="0" cy="0"/>
+          <a:chOff x="0" y="0"/>
+          <a:chExt cx="0" cy="0"/>
+        </a:xfrm>
+      </p:grpSpPr>
+      <p:sp>
+        <p:nvSpPr>
+          <p:cNvPr id="13" name="Rectangle 12">
             <a:extLst>
               <a:ext uri="{FF2B5EF4-FFF2-40B4-BE49-F238E27FC236}">
                 <a16:creationId xmlns:a16="http://schemas.microsoft.com/office/drawing/2014/main" id="{165040EF-32B8-46F3-823C-6BA3A49A7706}"/>
@@ -3522,7 +5725,7 @@
         </p:nvSpPr>
         <p:spPr>
           <a:xfrm>
-            <a:off x="8034768" y="330819"/>
+            <a:off x="8034768" y="2173266"/>
             <a:ext cx="3657119" cy="2511468"/>
           </a:xfrm>
         </p:spPr>
@@ -3533,7 +5736,7 @@
           <a:lstStyle/>
           <a:p>
             <a:r>
-              <a:rPr lang="en-US" sz="4400" dirty="0">
+              <a:rPr lang="en-US" sz="6000" dirty="0">
                 <a:solidFill>
                   <a:schemeClr val="bg1">
                     <a:lumMod val="75000"/>
@@ -3541,11 +5744,130 @@
                   </a:schemeClr>
                 </a:solidFill>
               </a:rPr>
-              <a:t>Content</a:t>
-            </a:r>
-          </a:p>
-        </p:txBody>
-      </p:sp>
+              <a:t>Contents</a:t>
+            </a:r>
+          </a:p>
+        </p:txBody>
+      </p:sp>
+      <p:sp>
+        <p:nvSpPr>
+          <p:cNvPr id="9" name="TextBox 8">
+            <a:extLst>
+              <a:ext uri="{FF2B5EF4-FFF2-40B4-BE49-F238E27FC236}">
+                <a16:creationId xmlns:a16="http://schemas.microsoft.com/office/drawing/2014/main" id="{A7A2E562-42E0-CB40-8A10-1A51603E55A5}"/>
+              </a:ext>
+            </a:extLst>
+          </p:cNvPr>
+          <p:cNvSpPr txBox="1"/>
+          <p:nvPr/>
+        </p:nvSpPr>
+        <p:spPr>
+          <a:xfrm>
+            <a:off x="354842" y="1332861"/>
+            <a:ext cx="7069539" cy="2554545"/>
+          </a:xfrm>
+          <a:prstGeom prst="rect">
+            <a:avLst/>
+          </a:prstGeom>
+          <a:noFill/>
+        </p:spPr>
+        <p:txBody>
+          <a:bodyPr wrap="square" rtlCol="0">
+            <a:spAutoFit/>
+          </a:bodyPr>
+          <a:lstStyle/>
+          <a:p>
+            <a:r>
+              <a:rPr lang="en-US" sz="3200" dirty="0"/>
+              <a:t>• Background</a:t>
+            </a:r>
+          </a:p>
+          <a:p>
+            <a:r>
+              <a:rPr lang="en-US" sz="3200" dirty="0"/>
+              <a:t>• Planning</a:t>
+            </a:r>
+          </a:p>
+          <a:p>
+            <a:r>
+              <a:rPr lang="en-US" sz="3200" dirty="0"/>
+              <a:t>• Data quality, bias and privacy concerns</a:t>
+            </a:r>
+          </a:p>
+          <a:p>
+            <a:r>
+              <a:rPr lang="en-US" sz="3200" dirty="0"/>
+              <a:t>• Results</a:t>
+            </a:r>
+          </a:p>
+          <a:p>
+            <a:r>
+              <a:rPr lang="en-US" sz="3200" dirty="0"/>
+              <a:t>• Recommendations</a:t>
+            </a:r>
+          </a:p>
+        </p:txBody>
+      </p:sp>
+      <p:pic>
+        <p:nvPicPr>
+          <p:cNvPr id="24" name="Picture 23">
+            <a:extLst>
+              <a:ext uri="{FF2B5EF4-FFF2-40B4-BE49-F238E27FC236}">
+                <a16:creationId xmlns:a16="http://schemas.microsoft.com/office/drawing/2014/main" id="{99966B01-9B1D-2D45-A5E0-AED2135DBE66}"/>
+              </a:ext>
+            </a:extLst>
+          </p:cNvPr>
+          <p:cNvPicPr>
+            <a:picLocks noChangeAspect="1"/>
+          </p:cNvPicPr>
+          <p:nvPr/>
+        </p:nvPicPr>
+        <p:blipFill>
+          <a:blip r:embed="rId3"/>
+          <a:stretch>
+            <a:fillRect/>
+          </a:stretch>
+        </p:blipFill>
+        <p:spPr>
+          <a:xfrm>
+            <a:off x="200576" y="5220670"/>
+            <a:ext cx="1320423" cy="1320423"/>
+          </a:xfrm>
+          <a:prstGeom prst="rect">
+            <a:avLst/>
+          </a:prstGeom>
+        </p:spPr>
+      </p:pic>
+      <p:pic>
+        <p:nvPicPr>
+          <p:cNvPr id="17" name="Picture 16">
+            <a:extLst>
+              <a:ext uri="{FF2B5EF4-FFF2-40B4-BE49-F238E27FC236}">
+                <a16:creationId xmlns:a16="http://schemas.microsoft.com/office/drawing/2014/main" id="{9AB55C8B-5EB1-D644-827A-0B8276360AC3}"/>
+              </a:ext>
+            </a:extLst>
+          </p:cNvPr>
+          <p:cNvPicPr>
+            <a:picLocks noChangeAspect="1"/>
+          </p:cNvPicPr>
+          <p:nvPr/>
+        </p:nvPicPr>
+        <p:blipFill>
+          <a:blip r:embed="rId4"/>
+          <a:stretch>
+            <a:fillRect/>
+          </a:stretch>
+        </p:blipFill>
+        <p:spPr>
+          <a:xfrm>
+            <a:off x="1759082" y="5220670"/>
+            <a:ext cx="1320423" cy="1320423"/>
+          </a:xfrm>
+          <a:prstGeom prst="rect">
+            <a:avLst/>
+          </a:prstGeom>
+        </p:spPr>
+      </p:pic>
     </p:spTree>
     <p:extLst>
       <p:ext uri="{BB962C8B-B14F-4D97-AF65-F5344CB8AC3E}">
@@ -3556,12 +5878,591 @@
   <p:clrMapOvr>
     <a:masterClrMapping/>
   </p:clrMapOvr>
+  <p:timing>
+    <p:tnLst>
+      <p:par>
+        <p:cTn id="1" dur="indefinite" restart="never" nodeType="tmRoot">
+          <p:childTnLst>
+            <p:seq concurrent="1" nextAc="seek">
+              <p:cTn id="2" dur="indefinite" nodeType="mainSeq">
+                <p:childTnLst>
+                  <p:par>
+                    <p:cTn id="3" fill="hold">
+                      <p:stCondLst>
+                        <p:cond delay="indefinite"/>
+                      </p:stCondLst>
+                      <p:childTnLst>
+                        <p:par>
+                          <p:cTn id="4" fill="hold">
+                            <p:stCondLst>
+                              <p:cond delay="0"/>
+                            </p:stCondLst>
+                            <p:childTnLst>
+                              <p:par>
+                                <p:cTn id="5" presetID="1" presetClass="entr" presetSubtype="0" fill="hold" nodeType="clickEffect">
+                                  <p:stCondLst>
+                                    <p:cond delay="0"/>
+                                  </p:stCondLst>
+                                  <p:childTnLst>
+                                    <p:set>
+                                      <p:cBhvr>
+                                        <p:cTn id="6" dur="1" fill="hold">
+                                          <p:stCondLst>
+                                            <p:cond delay="0"/>
+                                          </p:stCondLst>
+                                        </p:cTn>
+                                        <p:tgtEl>
+                                          <p:spTgt spid="9">
+                                            <p:txEl>
+                                              <p:pRg st="0" end="0"/>
+                                            </p:txEl>
+                                          </p:spTgt>
+                                        </p:tgtEl>
+                                        <p:attrNameLst>
+                                          <p:attrName>style.visibility</p:attrName>
+                                        </p:attrNameLst>
+                                      </p:cBhvr>
+                                      <p:to>
+                                        <p:strVal val="visible"/>
+                                      </p:to>
+                                    </p:set>
+                                  </p:childTnLst>
+                                </p:cTn>
+                              </p:par>
+                            </p:childTnLst>
+                          </p:cTn>
+                        </p:par>
+                      </p:childTnLst>
+                    </p:cTn>
+                  </p:par>
+                  <p:par>
+                    <p:cTn id="7" fill="hold">
+                      <p:stCondLst>
+                        <p:cond delay="indefinite"/>
+                      </p:stCondLst>
+                      <p:childTnLst>
+                        <p:par>
+                          <p:cTn id="8" fill="hold">
+                            <p:stCondLst>
+                              <p:cond delay="0"/>
+                            </p:stCondLst>
+                            <p:childTnLst>
+                              <p:par>
+                                <p:cTn id="9" presetID="1" presetClass="entr" presetSubtype="0" fill="hold" nodeType="clickEffect">
+                                  <p:stCondLst>
+                                    <p:cond delay="0"/>
+                                  </p:stCondLst>
+                                  <p:childTnLst>
+                                    <p:set>
+                                      <p:cBhvr>
+                                        <p:cTn id="10" dur="1" fill="hold">
+                                          <p:stCondLst>
+                                            <p:cond delay="0"/>
+                                          </p:stCondLst>
+                                        </p:cTn>
+                                        <p:tgtEl>
+                                          <p:spTgt spid="9">
+                                            <p:txEl>
+                                              <p:pRg st="1" end="1"/>
+                                            </p:txEl>
+                                          </p:spTgt>
+                                        </p:tgtEl>
+                                        <p:attrNameLst>
+                                          <p:attrName>style.visibility</p:attrName>
+                                        </p:attrNameLst>
+                                      </p:cBhvr>
+                                      <p:to>
+                                        <p:strVal val="visible"/>
+                                      </p:to>
+                                    </p:set>
+                                  </p:childTnLst>
+                                </p:cTn>
+                              </p:par>
+                            </p:childTnLst>
+                          </p:cTn>
+                        </p:par>
+                      </p:childTnLst>
+                    </p:cTn>
+                  </p:par>
+                  <p:par>
+                    <p:cTn id="11" fill="hold">
+                      <p:stCondLst>
+                        <p:cond delay="indefinite"/>
+                      </p:stCondLst>
+                      <p:childTnLst>
+                        <p:par>
+                          <p:cTn id="12" fill="hold">
+                            <p:stCondLst>
+                              <p:cond delay="0"/>
+                            </p:stCondLst>
+                            <p:childTnLst>
+                              <p:par>
+                                <p:cTn id="13" presetID="1" presetClass="entr" presetSubtype="0" fill="hold" nodeType="clickEffect">
+                                  <p:stCondLst>
+                                    <p:cond delay="0"/>
+                                  </p:stCondLst>
+                                  <p:childTnLst>
+                                    <p:set>
+                                      <p:cBhvr>
+                                        <p:cTn id="14" dur="1" fill="hold">
+                                          <p:stCondLst>
+                                            <p:cond delay="0"/>
+                                          </p:stCondLst>
+                                        </p:cTn>
+                                        <p:tgtEl>
+                                          <p:spTgt spid="9">
+                                            <p:txEl>
+                                              <p:pRg st="2" end="2"/>
+                                            </p:txEl>
+                                          </p:spTgt>
+                                        </p:tgtEl>
+                                        <p:attrNameLst>
+                                          <p:attrName>style.visibility</p:attrName>
+                                        </p:attrNameLst>
+                                      </p:cBhvr>
+                                      <p:to>
+                                        <p:strVal val="visible"/>
+                                      </p:to>
+                                    </p:set>
+                                  </p:childTnLst>
+                                </p:cTn>
+                              </p:par>
+                            </p:childTnLst>
+                          </p:cTn>
+                        </p:par>
+                      </p:childTnLst>
+                    </p:cTn>
+                  </p:par>
+                  <p:par>
+                    <p:cTn id="15" fill="hold">
+                      <p:stCondLst>
+                        <p:cond delay="indefinite"/>
+                      </p:stCondLst>
+                      <p:childTnLst>
+                        <p:par>
+                          <p:cTn id="16" fill="hold">
+                            <p:stCondLst>
+                              <p:cond delay="0"/>
+                            </p:stCondLst>
+                            <p:childTnLst>
+                              <p:par>
+                                <p:cTn id="17" presetID="1" presetClass="entr" presetSubtype="0" fill="hold" nodeType="clickEffect">
+                                  <p:stCondLst>
+                                    <p:cond delay="0"/>
+                                  </p:stCondLst>
+                                  <p:childTnLst>
+                                    <p:set>
+                                      <p:cBhvr>
+                                        <p:cTn id="18" dur="1" fill="hold">
+                                          <p:stCondLst>
+                                            <p:cond delay="0"/>
+                                          </p:stCondLst>
+                                        </p:cTn>
+                                        <p:tgtEl>
+                                          <p:spTgt spid="9">
+                                            <p:txEl>
+                                              <p:pRg st="3" end="3"/>
+                                            </p:txEl>
+                                          </p:spTgt>
+                                        </p:tgtEl>
+                                        <p:attrNameLst>
+                                          <p:attrName>style.visibility</p:attrName>
+                                        </p:attrNameLst>
+                                      </p:cBhvr>
+                                      <p:to>
+                                        <p:strVal val="visible"/>
+                                      </p:to>
+                                    </p:set>
+                                  </p:childTnLst>
+                                </p:cTn>
+                              </p:par>
+                            </p:childTnLst>
+                          </p:cTn>
+                        </p:par>
+                      </p:childTnLst>
+                    </p:cTn>
+                  </p:par>
+                  <p:par>
+                    <p:cTn id="19" fill="hold">
+                      <p:stCondLst>
+                        <p:cond delay="indefinite"/>
+                      </p:stCondLst>
+                      <p:childTnLst>
+                        <p:par>
+                          <p:cTn id="20" fill="hold">
+                            <p:stCondLst>
+                              <p:cond delay="0"/>
+                            </p:stCondLst>
+                            <p:childTnLst>
+                              <p:par>
+                                <p:cTn id="21" presetID="1" presetClass="entr" presetSubtype="0" fill="hold" nodeType="clickEffect">
+                                  <p:stCondLst>
+                                    <p:cond delay="0"/>
+                                  </p:stCondLst>
+                                  <p:childTnLst>
+                                    <p:set>
+                                      <p:cBhvr>
+                                        <p:cTn id="22" dur="1" fill="hold">
+                                          <p:stCondLst>
+                                            <p:cond delay="0"/>
+                                          </p:stCondLst>
+                                        </p:cTn>
+                                        <p:tgtEl>
+                                          <p:spTgt spid="9">
+                                            <p:txEl>
+                                              <p:pRg st="4" end="4"/>
+                                            </p:txEl>
+                                          </p:spTgt>
+                                        </p:tgtEl>
+                                        <p:attrNameLst>
+                                          <p:attrName>style.visibility</p:attrName>
+                                        </p:attrNameLst>
+                                      </p:cBhvr>
+                                      <p:to>
+                                        <p:strVal val="visible"/>
+                                      </p:to>
+                                    </p:set>
+                                  </p:childTnLst>
+                                </p:cTn>
+                              </p:par>
+                            </p:childTnLst>
+                          </p:cTn>
+                        </p:par>
+                      </p:childTnLst>
+                    </p:cTn>
+                  </p:par>
+                  <p:par>
+                    <p:cTn id="23" fill="hold">
+                      <p:stCondLst>
+                        <p:cond delay="indefinite"/>
+                      </p:stCondLst>
+                      <p:childTnLst>
+                        <p:par>
+                          <p:cTn id="24" fill="hold">
+                            <p:stCondLst>
+                              <p:cond delay="0"/>
+                            </p:stCondLst>
+                            <p:childTnLst>
+                              <p:par>
+                                <p:cTn id="25" presetID="26" presetClass="entr" presetSubtype="0" fill="hold" nodeType="clickEffect">
+                                  <p:stCondLst>
+                                    <p:cond delay="0"/>
+                                  </p:stCondLst>
+                                  <p:childTnLst>
+                                    <p:set>
+                                      <p:cBhvr>
+                                        <p:cTn id="26" dur="1" fill="hold">
+                                          <p:stCondLst>
+                                            <p:cond delay="0"/>
+                                          </p:stCondLst>
+                                        </p:cTn>
+                                        <p:tgtEl>
+                                          <p:spTgt spid="17"/>
+                                        </p:tgtEl>
+                                        <p:attrNameLst>
+                                          <p:attrName>style.visibility</p:attrName>
+                                        </p:attrNameLst>
+                                      </p:cBhvr>
+                                      <p:to>
+                                        <p:strVal val="visible"/>
+                                      </p:to>
+                                    </p:set>
+                                    <p:animEffect transition="in" filter="wipe(down)">
+                                      <p:cBhvr>
+                                        <p:cTn id="27" dur="580">
+                                          <p:stCondLst>
+                                            <p:cond delay="0"/>
+                                          </p:stCondLst>
+                                        </p:cTn>
+                                        <p:tgtEl>
+                                          <p:spTgt spid="17"/>
+                                        </p:tgtEl>
+                                      </p:cBhvr>
+                                    </p:animEffect>
+                                    <p:anim calcmode="lin" valueType="num">
+                                      <p:cBhvr>
+                                        <p:cTn id="28" dur="1822" tmFilter="0,0; 0.14,0.36; 0.43,0.73; 0.71,0.91; 1.0,1.0">
+                                          <p:stCondLst>
+                                            <p:cond delay="0"/>
+                                          </p:stCondLst>
+                                        </p:cTn>
+                                        <p:tgtEl>
+                                          <p:spTgt spid="17"/>
+                                        </p:tgtEl>
+                                        <p:attrNameLst>
+                                          <p:attrName>ppt_x</p:attrName>
+                                        </p:attrNameLst>
+                                      </p:cBhvr>
+                                      <p:tavLst>
+                                        <p:tav tm="0">
+                                          <p:val>
+                                            <p:strVal val="#ppt_x-0.25"/>
+                                          </p:val>
+                                        </p:tav>
+                                        <p:tav tm="100000">
+                                          <p:val>
+                                            <p:strVal val="#ppt_x"/>
+                                          </p:val>
+                                        </p:tav>
+                                      </p:tavLst>
+                                    </p:anim>
+                                    <p:anim calcmode="lin" valueType="num">
+                                      <p:cBhvr>
+                                        <p:cTn id="29" dur="664" tmFilter="0.0,0.0; 0.25,0.07; 0.50,0.2; 0.75,0.467; 1.0,1.0">
+                                          <p:stCondLst>
+                                            <p:cond delay="0"/>
+                                          </p:stCondLst>
+                                        </p:cTn>
+                                        <p:tgtEl>
+                                          <p:spTgt spid="17"/>
+                                        </p:tgtEl>
+                                        <p:attrNameLst>
+                                          <p:attrName>ppt_y</p:attrName>
+                                        </p:attrNameLst>
+                                      </p:cBhvr>
+                                      <p:tavLst>
+                                        <p:tav tm="0" fmla="#ppt_y-sin(pi*$)/3">
+                                          <p:val>
+                                            <p:fltVal val="0.5"/>
+                                          </p:val>
+                                        </p:tav>
+                                        <p:tav tm="100000">
+                                          <p:val>
+                                            <p:fltVal val="1"/>
+                                          </p:val>
+                                        </p:tav>
+                                      </p:tavLst>
+                                    </p:anim>
+                                    <p:anim calcmode="lin" valueType="num">
+                                      <p:cBhvr>
+                                        <p:cTn id="30" dur="664" tmFilter="0, 0; 0.125,0.2665; 0.25,0.4; 0.375,0.465; 0.5,0.5;  0.625,0.535; 0.75,0.6; 0.875,0.7335; 1,1">
+                                          <p:stCondLst>
+                                            <p:cond delay="664"/>
+                                          </p:stCondLst>
+                                        </p:cTn>
+                                        <p:tgtEl>
+                                          <p:spTgt spid="17"/>
+                                        </p:tgtEl>
+                                        <p:attrNameLst>
+                                          <p:attrName>ppt_y</p:attrName>
+                                        </p:attrNameLst>
+                                      </p:cBhvr>
+                                      <p:tavLst>
+                                        <p:tav tm="0" fmla="#ppt_y-sin(pi*$)/9">
+                                          <p:val>
+                                            <p:fltVal val="0"/>
+                                          </p:val>
+                                        </p:tav>
+                                        <p:tav tm="100000">
+                                          <p:val>
+                                            <p:fltVal val="1"/>
+                                          </p:val>
+                                        </p:tav>
+                                      </p:tavLst>
+                                    </p:anim>
+                                    <p:anim calcmode="lin" valueType="num">
+                                      <p:cBhvr>
+                                        <p:cTn id="31" dur="332" tmFilter="0, 0; 0.125,0.2665; 0.25,0.4; 0.375,0.465; 0.5,0.5;  0.625,0.535; 0.75,0.6; 0.875,0.7335; 1,1">
+                                          <p:stCondLst>
+                                            <p:cond delay="1324"/>
+                                          </p:stCondLst>
+                                        </p:cTn>
+                                        <p:tgtEl>
+                                          <p:spTgt spid="17"/>
+                                        </p:tgtEl>
+                                        <p:attrNameLst>
+                                          <p:attrName>ppt_y</p:attrName>
+                                        </p:attrNameLst>
+                                      </p:cBhvr>
+                                      <p:tavLst>
+                                        <p:tav tm="0" fmla="#ppt_y-sin(pi*$)/27">
+                                          <p:val>
+                                            <p:fltVal val="0"/>
+                                          </p:val>
+                                        </p:tav>
+                                        <p:tav tm="100000">
+                                          <p:val>
+                                            <p:fltVal val="1"/>
+                                          </p:val>
+                                        </p:tav>
+                                      </p:tavLst>
+                                    </p:anim>
+                                    <p:anim calcmode="lin" valueType="num">
+                                      <p:cBhvr>
+                                        <p:cTn id="32" dur="164" tmFilter="0, 0; 0.125,0.2665; 0.25,0.4; 0.375,0.465; 0.5,0.5;  0.625,0.535; 0.75,0.6; 0.875,0.7335; 1,1">
+                                          <p:stCondLst>
+                                            <p:cond delay="1656"/>
+                                          </p:stCondLst>
+                                        </p:cTn>
+                                        <p:tgtEl>
+                                          <p:spTgt spid="17"/>
+                                        </p:tgtEl>
+                                        <p:attrNameLst>
+                                          <p:attrName>ppt_y</p:attrName>
+                                        </p:attrNameLst>
+                                      </p:cBhvr>
+                                      <p:tavLst>
+                                        <p:tav tm="0" fmla="#ppt_y-sin(pi*$)/81">
+                                          <p:val>
+                                            <p:fltVal val="0"/>
+                                          </p:val>
+                                        </p:tav>
+                                        <p:tav tm="100000">
+                                          <p:val>
+                                            <p:fltVal val="1"/>
+                                          </p:val>
+                                        </p:tav>
+                                      </p:tavLst>
+                                    </p:anim>
+                                    <p:animScale>
+                                      <p:cBhvr>
+                                        <p:cTn id="33" dur="26">
+                                          <p:stCondLst>
+                                            <p:cond delay="650"/>
+                                          </p:stCondLst>
+                                        </p:cTn>
+                                        <p:tgtEl>
+                                          <p:spTgt spid="17"/>
+                                        </p:tgtEl>
+                                      </p:cBhvr>
+                                      <p:to x="100000" y="60000"/>
+                                    </p:animScale>
+                                    <p:animScale>
+                                      <p:cBhvr>
+                                        <p:cTn id="34" dur="166" decel="50000">
+                                          <p:stCondLst>
+                                            <p:cond delay="676"/>
+                                          </p:stCondLst>
+                                        </p:cTn>
+                                        <p:tgtEl>
+                                          <p:spTgt spid="17"/>
+                                        </p:tgtEl>
+                                      </p:cBhvr>
+                                      <p:to x="100000" y="100000"/>
+                                    </p:animScale>
+                                    <p:animScale>
+                                      <p:cBhvr>
+                                        <p:cTn id="35" dur="26">
+                                          <p:stCondLst>
+                                            <p:cond delay="1312"/>
+                                          </p:stCondLst>
+                                        </p:cTn>
+                                        <p:tgtEl>
+                                          <p:spTgt spid="17"/>
+                                        </p:tgtEl>
+                                      </p:cBhvr>
+                                      <p:to x="100000" y="80000"/>
+                                    </p:animScale>
+                                    <p:animScale>
+                                      <p:cBhvr>
+                                        <p:cTn id="36" dur="166" decel="50000">
+                                          <p:stCondLst>
+                                            <p:cond delay="1338"/>
+                                          </p:stCondLst>
+                                        </p:cTn>
+                                        <p:tgtEl>
+                                          <p:spTgt spid="17"/>
+                                        </p:tgtEl>
+                                      </p:cBhvr>
+                                      <p:to x="100000" y="100000"/>
+                                    </p:animScale>
+                                    <p:animScale>
+                                      <p:cBhvr>
+                                        <p:cTn id="37" dur="26">
+                                          <p:stCondLst>
+                                            <p:cond delay="1642"/>
+                                          </p:stCondLst>
+                                        </p:cTn>
+                                        <p:tgtEl>
+                                          <p:spTgt spid="17"/>
+                                        </p:tgtEl>
+                                      </p:cBhvr>
+                                      <p:to x="100000" y="90000"/>
+                                    </p:animScale>
+                                    <p:animScale>
+                                      <p:cBhvr>
+                                        <p:cTn id="38" dur="166" decel="50000">
+                                          <p:stCondLst>
+                                            <p:cond delay="1668"/>
+                                          </p:stCondLst>
+                                        </p:cTn>
+                                        <p:tgtEl>
+                                          <p:spTgt spid="17"/>
+                                        </p:tgtEl>
+                                      </p:cBhvr>
+                                      <p:to x="100000" y="100000"/>
+                                    </p:animScale>
+                                    <p:animScale>
+                                      <p:cBhvr>
+                                        <p:cTn id="39" dur="26">
+                                          <p:stCondLst>
+                                            <p:cond delay="1808"/>
+                                          </p:stCondLst>
+                                        </p:cTn>
+                                        <p:tgtEl>
+                                          <p:spTgt spid="17"/>
+                                        </p:tgtEl>
+                                      </p:cBhvr>
+                                      <p:to x="100000" y="95000"/>
+                                    </p:animScale>
+                                    <p:animScale>
+                                      <p:cBhvr>
+                                        <p:cTn id="40" dur="166" decel="50000">
+                                          <p:stCondLst>
+                                            <p:cond delay="1834"/>
+                                          </p:stCondLst>
+                                        </p:cTn>
+                                        <p:tgtEl>
+                                          <p:spTgt spid="17"/>
+                                        </p:tgtEl>
+                                      </p:cBhvr>
+                                      <p:to x="100000" y="100000"/>
+                                    </p:animScale>
+                                  </p:childTnLst>
+                                </p:cTn>
+                              </p:par>
+                            </p:childTnLst>
+                          </p:cTn>
+                        </p:par>
+                      </p:childTnLst>
+                    </p:cTn>
+                  </p:par>
+                </p:childTnLst>
+              </p:cTn>
+              <p:prevCondLst>
+                <p:cond evt="onPrev" delay="0">
+                  <p:tgtEl>
+                    <p:sldTgt/>
+                  </p:tgtEl>
+                </p:cond>
+              </p:prevCondLst>
+              <p:nextCondLst>
+                <p:cond evt="onNext" delay="0">
+                  <p:tgtEl>
+                    <p:sldTgt/>
+                  </p:tgtEl>
+                </p:cond>
+              </p:nextCondLst>
+            </p:seq>
+          </p:childTnLst>
+        </p:cTn>
+      </p:par>
+    </p:tnLst>
+  </p:timing>
 </p:sld>
 </file>
 
-<file path=ppt/slides/slide3.xml><?xml version="1.0" encoding="utf-8"?>
+<file path=ppt/slides/slide4.xml><?xml version="1.0" encoding="utf-8"?>
 <p:sld xmlns:a="http://schemas.openxmlformats.org/drawingml/2006/main" xmlns:r="http://schemas.openxmlformats.org/officeDocument/2006/relationships" xmlns:p="http://schemas.openxmlformats.org/presentationml/2006/main">
   <p:cSld>
+    <p:bg>
+      <p:bgPr>
+        <a:solidFill>
+          <a:schemeClr val="accent2"/>
+        </a:solidFill>
+        <a:effectLst/>
+      </p:bgPr>
+    </p:bg>
     <p:spTree>
       <p:nvGrpSpPr>
         <p:cNvPr id="1" name=""/>
@@ -3578,6 +6479,69 @@
       </p:grpSpPr>
       <p:sp>
         <p:nvSpPr>
+          <p:cNvPr id="19" name="Rectangle 18">
+            <a:extLst>
+              <a:ext uri="{FF2B5EF4-FFF2-40B4-BE49-F238E27FC236}">
+                <a16:creationId xmlns:a16="http://schemas.microsoft.com/office/drawing/2014/main" id="{CEA480D0-1CDA-450E-B62A-17E6A8D1968D}"/>
+              </a:ext>
+              <a:ext uri="{C183D7F6-B498-43B3-948B-1728B52AA6E4}">
+                <adec:decorative xmlns:adec="http://schemas.microsoft.com/office/drawing/2017/decorative" val="1"/>
+              </a:ext>
+            </a:extLst>
+          </p:cNvPr>
+          <p:cNvSpPr>
+            <a:spLocks noGrp="1" noRot="1" noChangeAspect="1" noMove="1" noResize="1" noEditPoints="1" noAdjustHandles="1" noChangeArrowheads="1" noChangeShapeType="1" noTextEdit="1"/>
+          </p:cNvSpPr>
+          <p:nvPr>
+            <p:extLst>
+              <p:ext uri="{386F3935-93C4-4BCD-93E2-E3B085C9AB24}">
+                <p16:designElem xmlns:p16="http://schemas.microsoft.com/office/powerpoint/2015/main" val="1"/>
+              </p:ext>
+            </p:extLst>
+          </p:nvPr>
+        </p:nvSpPr>
+        <p:spPr>
+          <a:xfrm>
+            <a:off x="0" y="-2"/>
+            <a:ext cx="12192000" cy="4918511"/>
+          </a:xfrm>
+          <a:prstGeom prst="rect">
+            <a:avLst/>
+          </a:prstGeom>
+          <a:solidFill>
+            <a:srgbClr val="FFFFFF"/>
+          </a:solidFill>
+          <a:ln>
+            <a:noFill/>
+          </a:ln>
+        </p:spPr>
+        <p:style>
+          <a:lnRef idx="2">
+            <a:schemeClr val="accent1">
+              <a:shade val="50000"/>
+            </a:schemeClr>
+          </a:lnRef>
+          <a:fillRef idx="1">
+            <a:schemeClr val="accent1"/>
+          </a:fillRef>
+          <a:effectRef idx="0">
+            <a:schemeClr val="accent1"/>
+          </a:effectRef>
+          <a:fontRef idx="minor">
+            <a:schemeClr val="lt1"/>
+          </a:fontRef>
+        </p:style>
+        <p:txBody>
+          <a:bodyPr rtlCol="0" anchor="ctr"/>
+          <a:lstStyle/>
+          <a:p>
+            <a:pPr algn="ctr"/>
+            <a:endParaRPr lang="en-US"/>
+          </a:p>
+        </p:txBody>
+      </p:sp>
+      <p:sp>
+        <p:nvSpPr>
           <p:cNvPr id="2" name="Title 1">
             <a:extLst>
               <a:ext uri="{FF2B5EF4-FFF2-40B4-BE49-F238E27FC236}">
@@ -3594,19 +6558,19 @@
         </p:nvSpPr>
         <p:spPr>
           <a:xfrm>
-            <a:off x="1256275" y="3655371"/>
-            <a:ext cx="9679449" cy="1463136"/>
+            <a:off x="1600200" y="2033517"/>
+            <a:ext cx="8991600" cy="4312692"/>
           </a:xfrm>
         </p:spPr>
         <p:txBody>
-          <a:bodyPr vert="horz" lIns="91440" tIns="45720" rIns="91440" bIns="45720" rtlCol="0" anchor="b">
+          <a:bodyPr vert="horz" lIns="274320" tIns="182880" rIns="274320" bIns="182880" rtlCol="0" anchor="ctr" anchorCtr="1">
             <a:normAutofit/>
           </a:bodyPr>
           <a:lstStyle/>
           <a:p>
-            <a:endParaRPr lang="en-US" sz="5600">
+            <a:endParaRPr lang="en-US" sz="3200" dirty="0">
               <a:solidFill>
-                <a:srgbClr val="FFFFFF"/>
+                <a:srgbClr val="262626"/>
               </a:solidFill>
             </a:endParaRPr>
           </a:p>
@@ -3629,45 +6593,2070 @@
           </p:nvPr>
         </p:nvPicPr>
         <p:blipFill rotWithShape="1">
-          <a:blip r:embed="rId2"/>
+          <a:blip r:embed="rId3"/>
           <a:srcRect l="12109" r="2894"/>
           <a:stretch/>
         </p:blipFill>
         <p:spPr>
           <a:xfrm>
-            <a:off x="20" y="820992"/>
-            <a:ext cx="12191980" cy="2608009"/>
+            <a:off x="2695194" y="184838"/>
+            <a:ext cx="6801612" cy="1454941"/>
           </a:xfrm>
-          <a:custGeom>
+          <a:prstGeom prst="rect">
             <a:avLst/>
-            <a:gdLst/>
-            <a:ahLst/>
-            <a:cxnLst/>
-            <a:rect l="l" t="t" r="r" b="b"/>
-            <a:pathLst>
-              <a:path w="12192000" h="2608009">
-                <a:moveTo>
-                  <a:pt x="0" y="0"/>
-                </a:moveTo>
-                <a:lnTo>
-                  <a:pt x="12192000" y="0"/>
-                </a:lnTo>
-                <a:lnTo>
-                  <a:pt x="12192000" y="2608009"/>
-                </a:lnTo>
-                <a:lnTo>
-                  <a:pt x="0" y="2608009"/>
-                </a:lnTo>
-                <a:close/>
-              </a:path>
-            </a:pathLst>
-          </a:custGeom>
+          </a:prstGeom>
+        </p:spPr>
+      </p:pic>
+      <p:pic>
+        <p:nvPicPr>
+          <p:cNvPr id="6" name="Picture 5">
+            <a:extLst>
+              <a:ext uri="{FF2B5EF4-FFF2-40B4-BE49-F238E27FC236}">
+                <a16:creationId xmlns:a16="http://schemas.microsoft.com/office/drawing/2014/main" id="{5901251B-D253-0D4E-B370-175FF7A56989}"/>
+              </a:ext>
+            </a:extLst>
+          </p:cNvPr>
+          <p:cNvPicPr>
+            <a:picLocks noChangeAspect="1"/>
+          </p:cNvPicPr>
+          <p:nvPr/>
+        </p:nvPicPr>
+        <p:blipFill>
+          <a:blip r:embed="rId4"/>
+          <a:stretch>
+            <a:fillRect/>
+          </a:stretch>
+        </p:blipFill>
+        <p:spPr>
+          <a:xfrm>
+            <a:off x="2209516" y="2094363"/>
+            <a:ext cx="7581900" cy="4191000"/>
+          </a:xfrm>
+          <a:prstGeom prst="rect">
+            <a:avLst/>
+          </a:prstGeom>
+        </p:spPr>
+      </p:pic>
+      <p:pic>
+        <p:nvPicPr>
+          <p:cNvPr id="12" name="Picture 11">
+            <a:extLst>
+              <a:ext uri="{FF2B5EF4-FFF2-40B4-BE49-F238E27FC236}">
+                <a16:creationId xmlns:a16="http://schemas.microsoft.com/office/drawing/2014/main" id="{C7895D02-7C91-7940-9354-FC23AF506A23}"/>
+              </a:ext>
+            </a:extLst>
+          </p:cNvPr>
+          <p:cNvPicPr>
+            <a:picLocks noChangeAspect="1"/>
+          </p:cNvPicPr>
+          <p:nvPr/>
+        </p:nvPicPr>
+        <p:blipFill>
+          <a:blip r:embed="rId5"/>
+          <a:stretch>
+            <a:fillRect/>
+          </a:stretch>
+        </p:blipFill>
+        <p:spPr>
+          <a:xfrm>
+            <a:off x="1651000" y="572637"/>
+            <a:ext cx="8940800" cy="5892800"/>
+          </a:xfrm>
+          <a:prstGeom prst="rect">
+            <a:avLst/>
+          </a:prstGeom>
+          <a:ln w="57150">
+            <a:solidFill>
+              <a:schemeClr val="tx1"/>
+            </a:solidFill>
+          </a:ln>
+        </p:spPr>
+      </p:pic>
+      <p:pic>
+        <p:nvPicPr>
+          <p:cNvPr id="21" name="Picture 20">
+            <a:extLst>
+              <a:ext uri="{FF2B5EF4-FFF2-40B4-BE49-F238E27FC236}">
+                <a16:creationId xmlns:a16="http://schemas.microsoft.com/office/drawing/2014/main" id="{73A4D771-3D0F-1445-B7F3-70A05154910F}"/>
+              </a:ext>
+            </a:extLst>
+          </p:cNvPr>
+          <p:cNvPicPr>
+            <a:picLocks noChangeAspect="1"/>
+          </p:cNvPicPr>
+          <p:nvPr/>
+        </p:nvPicPr>
+        <p:blipFill>
+          <a:blip r:embed="rId6"/>
+          <a:stretch>
+            <a:fillRect/>
+          </a:stretch>
+        </p:blipFill>
+        <p:spPr>
+          <a:xfrm>
+            <a:off x="356840" y="1233009"/>
+            <a:ext cx="6458309" cy="2241240"/>
+          </a:xfrm>
+          <a:prstGeom prst="rect">
+            <a:avLst/>
+          </a:prstGeom>
+          <a:ln w="57150">
+            <a:solidFill>
+              <a:schemeClr val="tx1"/>
+            </a:solidFill>
+          </a:ln>
+        </p:spPr>
+      </p:pic>
+      <p:pic>
+        <p:nvPicPr>
+          <p:cNvPr id="8" name="Picture 7">
+            <a:extLst>
+              <a:ext uri="{FF2B5EF4-FFF2-40B4-BE49-F238E27FC236}">
+                <a16:creationId xmlns:a16="http://schemas.microsoft.com/office/drawing/2014/main" id="{4778EFC3-41D3-F545-B4A3-F5E5E0994B50}"/>
+              </a:ext>
+            </a:extLst>
+          </p:cNvPr>
+          <p:cNvPicPr>
+            <a:picLocks noChangeAspect="1"/>
+          </p:cNvPicPr>
+          <p:nvPr/>
+        </p:nvPicPr>
+        <p:blipFill>
+          <a:blip r:embed="rId7"/>
+          <a:stretch>
+            <a:fillRect/>
+          </a:stretch>
+        </p:blipFill>
+        <p:spPr>
+          <a:xfrm>
+            <a:off x="7318020" y="1576243"/>
+            <a:ext cx="3614318" cy="1674000"/>
+          </a:xfrm>
+          <a:prstGeom prst="rect">
+            <a:avLst/>
+          </a:prstGeom>
+          <a:ln w="57150">
+            <a:solidFill>
+              <a:schemeClr val="tx1"/>
+            </a:solidFill>
+          </a:ln>
+        </p:spPr>
+      </p:pic>
+      <p:pic>
+        <p:nvPicPr>
+          <p:cNvPr id="18" name="Picture 17">
+            <a:extLst>
+              <a:ext uri="{FF2B5EF4-FFF2-40B4-BE49-F238E27FC236}">
+                <a16:creationId xmlns:a16="http://schemas.microsoft.com/office/drawing/2014/main" id="{4CCA5070-CCB9-9249-9278-DEF98BFB98B3}"/>
+              </a:ext>
+            </a:extLst>
+          </p:cNvPr>
+          <p:cNvPicPr>
+            <a:picLocks noChangeAspect="1"/>
+          </p:cNvPicPr>
+          <p:nvPr/>
+        </p:nvPicPr>
+        <p:blipFill>
+          <a:blip r:embed="rId8"/>
+          <a:stretch>
+            <a:fillRect/>
+          </a:stretch>
+        </p:blipFill>
+        <p:spPr>
+          <a:xfrm>
+            <a:off x="123209" y="2279220"/>
+            <a:ext cx="11996382" cy="2181160"/>
+          </a:xfrm>
+          <a:prstGeom prst="rect">
+            <a:avLst/>
+          </a:prstGeom>
+          <a:ln w="57150">
+            <a:solidFill>
+              <a:schemeClr val="tx1"/>
+            </a:solidFill>
+          </a:ln>
+        </p:spPr>
+      </p:pic>
+      <p:pic>
+        <p:nvPicPr>
+          <p:cNvPr id="26" name="Picture 25">
+            <a:extLst>
+              <a:ext uri="{FF2B5EF4-FFF2-40B4-BE49-F238E27FC236}">
+                <a16:creationId xmlns:a16="http://schemas.microsoft.com/office/drawing/2014/main" id="{E0BB6A77-30B2-734A-A162-80F97B131380}"/>
+              </a:ext>
+            </a:extLst>
+          </p:cNvPr>
+          <p:cNvPicPr>
+            <a:picLocks noChangeAspect="1"/>
+          </p:cNvPicPr>
+          <p:nvPr/>
+        </p:nvPicPr>
+        <p:blipFill>
+          <a:blip r:embed="rId9"/>
+          <a:stretch>
+            <a:fillRect/>
+          </a:stretch>
+        </p:blipFill>
+        <p:spPr>
+          <a:xfrm>
+            <a:off x="200576" y="5220670"/>
+            <a:ext cx="1320423" cy="1320423"/>
+          </a:xfrm>
+          <a:prstGeom prst="rect">
+            <a:avLst/>
+          </a:prstGeom>
         </p:spPr>
       </p:pic>
     </p:spTree>
     <p:extLst>
       <p:ext uri="{BB962C8B-B14F-4D97-AF65-F5344CB8AC3E}">
         <p14:creationId xmlns:p14="http://schemas.microsoft.com/office/powerpoint/2010/main" val="245724310"/>
+      </p:ext>
+    </p:extLst>
+  </p:cSld>
+  <p:clrMapOvr>
+    <a:masterClrMapping/>
+  </p:clrMapOvr>
+  <p:timing>
+    <p:tnLst>
+      <p:par>
+        <p:cTn id="1" dur="indefinite" restart="never" nodeType="tmRoot">
+          <p:childTnLst>
+            <p:seq concurrent="1" nextAc="seek">
+              <p:cTn id="2" dur="indefinite" nodeType="mainSeq">
+                <p:childTnLst>
+                  <p:par>
+                    <p:cTn id="3" fill="hold">
+                      <p:stCondLst>
+                        <p:cond delay="indefinite"/>
+                      </p:stCondLst>
+                      <p:childTnLst>
+                        <p:par>
+                          <p:cTn id="4" fill="hold">
+                            <p:stCondLst>
+                              <p:cond delay="0"/>
+                            </p:stCondLst>
+                            <p:childTnLst>
+                              <p:par>
+                                <p:cTn id="5" presetID="2" presetClass="entr" presetSubtype="4" fill="hold" nodeType="clickEffect">
+                                  <p:stCondLst>
+                                    <p:cond delay="0"/>
+                                  </p:stCondLst>
+                                  <p:childTnLst>
+                                    <p:set>
+                                      <p:cBhvr>
+                                        <p:cTn id="6" dur="1" fill="hold">
+                                          <p:stCondLst>
+                                            <p:cond delay="0"/>
+                                          </p:stCondLst>
+                                        </p:cTn>
+                                        <p:tgtEl>
+                                          <p:spTgt spid="21"/>
+                                        </p:tgtEl>
+                                        <p:attrNameLst>
+                                          <p:attrName>style.visibility</p:attrName>
+                                        </p:attrNameLst>
+                                      </p:cBhvr>
+                                      <p:to>
+                                        <p:strVal val="visible"/>
+                                      </p:to>
+                                    </p:set>
+                                    <p:anim calcmode="lin" valueType="num">
+                                      <p:cBhvr additive="base">
+                                        <p:cTn id="7" dur="500" fill="hold"/>
+                                        <p:tgtEl>
+                                          <p:spTgt spid="21"/>
+                                        </p:tgtEl>
+                                        <p:attrNameLst>
+                                          <p:attrName>ppt_x</p:attrName>
+                                        </p:attrNameLst>
+                                      </p:cBhvr>
+                                      <p:tavLst>
+                                        <p:tav tm="0">
+                                          <p:val>
+                                            <p:strVal val="#ppt_x"/>
+                                          </p:val>
+                                        </p:tav>
+                                        <p:tav tm="100000">
+                                          <p:val>
+                                            <p:strVal val="#ppt_x"/>
+                                          </p:val>
+                                        </p:tav>
+                                      </p:tavLst>
+                                    </p:anim>
+                                    <p:anim calcmode="lin" valueType="num">
+                                      <p:cBhvr additive="base">
+                                        <p:cTn id="8" dur="500" fill="hold"/>
+                                        <p:tgtEl>
+                                          <p:spTgt spid="21"/>
+                                        </p:tgtEl>
+                                        <p:attrNameLst>
+                                          <p:attrName>ppt_y</p:attrName>
+                                        </p:attrNameLst>
+                                      </p:cBhvr>
+                                      <p:tavLst>
+                                        <p:tav tm="0">
+                                          <p:val>
+                                            <p:strVal val="1+#ppt_h/2"/>
+                                          </p:val>
+                                        </p:tav>
+                                        <p:tav tm="100000">
+                                          <p:val>
+                                            <p:strVal val="#ppt_y"/>
+                                          </p:val>
+                                        </p:tav>
+                                      </p:tavLst>
+                                    </p:anim>
+                                  </p:childTnLst>
+                                </p:cTn>
+                              </p:par>
+                            </p:childTnLst>
+                          </p:cTn>
+                        </p:par>
+                      </p:childTnLst>
+                    </p:cTn>
+                  </p:par>
+                  <p:par>
+                    <p:cTn id="9" fill="hold">
+                      <p:stCondLst>
+                        <p:cond delay="indefinite"/>
+                      </p:stCondLst>
+                      <p:childTnLst>
+                        <p:par>
+                          <p:cTn id="10" fill="hold">
+                            <p:stCondLst>
+                              <p:cond delay="0"/>
+                            </p:stCondLst>
+                            <p:childTnLst>
+                              <p:par>
+                                <p:cTn id="11" presetID="2" presetClass="entr" presetSubtype="4" fill="hold" nodeType="clickEffect">
+                                  <p:stCondLst>
+                                    <p:cond delay="0"/>
+                                  </p:stCondLst>
+                                  <p:childTnLst>
+                                    <p:set>
+                                      <p:cBhvr>
+                                        <p:cTn id="12" dur="1" fill="hold">
+                                          <p:stCondLst>
+                                            <p:cond delay="0"/>
+                                          </p:stCondLst>
+                                        </p:cTn>
+                                        <p:tgtEl>
+                                          <p:spTgt spid="8"/>
+                                        </p:tgtEl>
+                                        <p:attrNameLst>
+                                          <p:attrName>style.visibility</p:attrName>
+                                        </p:attrNameLst>
+                                      </p:cBhvr>
+                                      <p:to>
+                                        <p:strVal val="visible"/>
+                                      </p:to>
+                                    </p:set>
+                                    <p:anim calcmode="lin" valueType="num">
+                                      <p:cBhvr additive="base">
+                                        <p:cTn id="13" dur="500" fill="hold"/>
+                                        <p:tgtEl>
+                                          <p:spTgt spid="8"/>
+                                        </p:tgtEl>
+                                        <p:attrNameLst>
+                                          <p:attrName>ppt_x</p:attrName>
+                                        </p:attrNameLst>
+                                      </p:cBhvr>
+                                      <p:tavLst>
+                                        <p:tav tm="0">
+                                          <p:val>
+                                            <p:strVal val="#ppt_x"/>
+                                          </p:val>
+                                        </p:tav>
+                                        <p:tav tm="100000">
+                                          <p:val>
+                                            <p:strVal val="#ppt_x"/>
+                                          </p:val>
+                                        </p:tav>
+                                      </p:tavLst>
+                                    </p:anim>
+                                    <p:anim calcmode="lin" valueType="num">
+                                      <p:cBhvr additive="base">
+                                        <p:cTn id="14" dur="500" fill="hold"/>
+                                        <p:tgtEl>
+                                          <p:spTgt spid="8"/>
+                                        </p:tgtEl>
+                                        <p:attrNameLst>
+                                          <p:attrName>ppt_y</p:attrName>
+                                        </p:attrNameLst>
+                                      </p:cBhvr>
+                                      <p:tavLst>
+                                        <p:tav tm="0">
+                                          <p:val>
+                                            <p:strVal val="1+#ppt_h/2"/>
+                                          </p:val>
+                                        </p:tav>
+                                        <p:tav tm="100000">
+                                          <p:val>
+                                            <p:strVal val="#ppt_y"/>
+                                          </p:val>
+                                        </p:tav>
+                                      </p:tavLst>
+                                    </p:anim>
+                                  </p:childTnLst>
+                                </p:cTn>
+                              </p:par>
+                            </p:childTnLst>
+                          </p:cTn>
+                        </p:par>
+                      </p:childTnLst>
+                    </p:cTn>
+                  </p:par>
+                  <p:par>
+                    <p:cTn id="15" fill="hold">
+                      <p:stCondLst>
+                        <p:cond delay="indefinite"/>
+                      </p:stCondLst>
+                      <p:childTnLst>
+                        <p:par>
+                          <p:cTn id="16" fill="hold">
+                            <p:stCondLst>
+                              <p:cond delay="0"/>
+                            </p:stCondLst>
+                            <p:childTnLst>
+                              <p:par>
+                                <p:cTn id="17" presetID="2" presetClass="entr" presetSubtype="4" fill="hold" nodeType="clickEffect">
+                                  <p:stCondLst>
+                                    <p:cond delay="0"/>
+                                  </p:stCondLst>
+                                  <p:childTnLst>
+                                    <p:set>
+                                      <p:cBhvr>
+                                        <p:cTn id="18" dur="1" fill="hold">
+                                          <p:stCondLst>
+                                            <p:cond delay="0"/>
+                                          </p:stCondLst>
+                                        </p:cTn>
+                                        <p:tgtEl>
+                                          <p:spTgt spid="18"/>
+                                        </p:tgtEl>
+                                        <p:attrNameLst>
+                                          <p:attrName>style.visibility</p:attrName>
+                                        </p:attrNameLst>
+                                      </p:cBhvr>
+                                      <p:to>
+                                        <p:strVal val="visible"/>
+                                      </p:to>
+                                    </p:set>
+                                    <p:anim calcmode="lin" valueType="num">
+                                      <p:cBhvr additive="base">
+                                        <p:cTn id="19" dur="500" fill="hold"/>
+                                        <p:tgtEl>
+                                          <p:spTgt spid="18"/>
+                                        </p:tgtEl>
+                                        <p:attrNameLst>
+                                          <p:attrName>ppt_x</p:attrName>
+                                        </p:attrNameLst>
+                                      </p:cBhvr>
+                                      <p:tavLst>
+                                        <p:tav tm="0">
+                                          <p:val>
+                                            <p:strVal val="#ppt_x"/>
+                                          </p:val>
+                                        </p:tav>
+                                        <p:tav tm="100000">
+                                          <p:val>
+                                            <p:strVal val="#ppt_x"/>
+                                          </p:val>
+                                        </p:tav>
+                                      </p:tavLst>
+                                    </p:anim>
+                                    <p:anim calcmode="lin" valueType="num">
+                                      <p:cBhvr additive="base">
+                                        <p:cTn id="20" dur="500" fill="hold"/>
+                                        <p:tgtEl>
+                                          <p:spTgt spid="18"/>
+                                        </p:tgtEl>
+                                        <p:attrNameLst>
+                                          <p:attrName>ppt_y</p:attrName>
+                                        </p:attrNameLst>
+                                      </p:cBhvr>
+                                      <p:tavLst>
+                                        <p:tav tm="0">
+                                          <p:val>
+                                            <p:strVal val="1+#ppt_h/2"/>
+                                          </p:val>
+                                        </p:tav>
+                                        <p:tav tm="100000">
+                                          <p:val>
+                                            <p:strVal val="#ppt_y"/>
+                                          </p:val>
+                                        </p:tav>
+                                      </p:tavLst>
+                                    </p:anim>
+                                  </p:childTnLst>
+                                </p:cTn>
+                              </p:par>
+                            </p:childTnLst>
+                          </p:cTn>
+                        </p:par>
+                      </p:childTnLst>
+                    </p:cTn>
+                  </p:par>
+                  <p:par>
+                    <p:cTn id="21" fill="hold">
+                      <p:stCondLst>
+                        <p:cond delay="indefinite"/>
+                      </p:stCondLst>
+                      <p:childTnLst>
+                        <p:par>
+                          <p:cTn id="22" fill="hold">
+                            <p:stCondLst>
+                              <p:cond delay="0"/>
+                            </p:stCondLst>
+                            <p:childTnLst>
+                              <p:par>
+                                <p:cTn id="23" presetID="2" presetClass="exit" presetSubtype="4" fill="hold" nodeType="clickEffect">
+                                  <p:stCondLst>
+                                    <p:cond delay="0"/>
+                                  </p:stCondLst>
+                                  <p:childTnLst>
+                                    <p:anim calcmode="lin" valueType="num">
+                                      <p:cBhvr additive="base">
+                                        <p:cTn id="24" dur="500"/>
+                                        <p:tgtEl>
+                                          <p:spTgt spid="12"/>
+                                        </p:tgtEl>
+                                        <p:attrNameLst>
+                                          <p:attrName>ppt_x</p:attrName>
+                                        </p:attrNameLst>
+                                      </p:cBhvr>
+                                      <p:tavLst>
+                                        <p:tav tm="0">
+                                          <p:val>
+                                            <p:strVal val="ppt_x"/>
+                                          </p:val>
+                                        </p:tav>
+                                        <p:tav tm="100000">
+                                          <p:val>
+                                            <p:strVal val="ppt_x"/>
+                                          </p:val>
+                                        </p:tav>
+                                      </p:tavLst>
+                                    </p:anim>
+                                    <p:anim calcmode="lin" valueType="num">
+                                      <p:cBhvr additive="base">
+                                        <p:cTn id="25" dur="500"/>
+                                        <p:tgtEl>
+                                          <p:spTgt spid="12"/>
+                                        </p:tgtEl>
+                                        <p:attrNameLst>
+                                          <p:attrName>ppt_y</p:attrName>
+                                        </p:attrNameLst>
+                                      </p:cBhvr>
+                                      <p:tavLst>
+                                        <p:tav tm="0">
+                                          <p:val>
+                                            <p:strVal val="ppt_y"/>
+                                          </p:val>
+                                        </p:tav>
+                                        <p:tav tm="100000">
+                                          <p:val>
+                                            <p:strVal val="1+ppt_h/2"/>
+                                          </p:val>
+                                        </p:tav>
+                                      </p:tavLst>
+                                    </p:anim>
+                                    <p:set>
+                                      <p:cBhvr>
+                                        <p:cTn id="26" dur="1" fill="hold">
+                                          <p:stCondLst>
+                                            <p:cond delay="499"/>
+                                          </p:stCondLst>
+                                        </p:cTn>
+                                        <p:tgtEl>
+                                          <p:spTgt spid="12"/>
+                                        </p:tgtEl>
+                                        <p:attrNameLst>
+                                          <p:attrName>style.visibility</p:attrName>
+                                        </p:attrNameLst>
+                                      </p:cBhvr>
+                                      <p:to>
+                                        <p:strVal val="hidden"/>
+                                      </p:to>
+                                    </p:set>
+                                  </p:childTnLst>
+                                </p:cTn>
+                              </p:par>
+                              <p:par>
+                                <p:cTn id="27" presetID="2" presetClass="exit" presetSubtype="4" fill="hold" nodeType="withEffect">
+                                  <p:stCondLst>
+                                    <p:cond delay="0"/>
+                                  </p:stCondLst>
+                                  <p:childTnLst>
+                                    <p:anim calcmode="lin" valueType="num">
+                                      <p:cBhvr additive="base">
+                                        <p:cTn id="28" dur="500"/>
+                                        <p:tgtEl>
+                                          <p:spTgt spid="21"/>
+                                        </p:tgtEl>
+                                        <p:attrNameLst>
+                                          <p:attrName>ppt_x</p:attrName>
+                                        </p:attrNameLst>
+                                      </p:cBhvr>
+                                      <p:tavLst>
+                                        <p:tav tm="0">
+                                          <p:val>
+                                            <p:strVal val="ppt_x"/>
+                                          </p:val>
+                                        </p:tav>
+                                        <p:tav tm="100000">
+                                          <p:val>
+                                            <p:strVal val="ppt_x"/>
+                                          </p:val>
+                                        </p:tav>
+                                      </p:tavLst>
+                                    </p:anim>
+                                    <p:anim calcmode="lin" valueType="num">
+                                      <p:cBhvr additive="base">
+                                        <p:cTn id="29" dur="500"/>
+                                        <p:tgtEl>
+                                          <p:spTgt spid="21"/>
+                                        </p:tgtEl>
+                                        <p:attrNameLst>
+                                          <p:attrName>ppt_y</p:attrName>
+                                        </p:attrNameLst>
+                                      </p:cBhvr>
+                                      <p:tavLst>
+                                        <p:tav tm="0">
+                                          <p:val>
+                                            <p:strVal val="ppt_y"/>
+                                          </p:val>
+                                        </p:tav>
+                                        <p:tav tm="100000">
+                                          <p:val>
+                                            <p:strVal val="1+ppt_h/2"/>
+                                          </p:val>
+                                        </p:tav>
+                                      </p:tavLst>
+                                    </p:anim>
+                                    <p:set>
+                                      <p:cBhvr>
+                                        <p:cTn id="30" dur="1" fill="hold">
+                                          <p:stCondLst>
+                                            <p:cond delay="499"/>
+                                          </p:stCondLst>
+                                        </p:cTn>
+                                        <p:tgtEl>
+                                          <p:spTgt spid="21"/>
+                                        </p:tgtEl>
+                                        <p:attrNameLst>
+                                          <p:attrName>style.visibility</p:attrName>
+                                        </p:attrNameLst>
+                                      </p:cBhvr>
+                                      <p:to>
+                                        <p:strVal val="hidden"/>
+                                      </p:to>
+                                    </p:set>
+                                  </p:childTnLst>
+                                </p:cTn>
+                              </p:par>
+                              <p:par>
+                                <p:cTn id="31" presetID="2" presetClass="exit" presetSubtype="4" fill="hold" nodeType="withEffect">
+                                  <p:stCondLst>
+                                    <p:cond delay="0"/>
+                                  </p:stCondLst>
+                                  <p:childTnLst>
+                                    <p:anim calcmode="lin" valueType="num">
+                                      <p:cBhvr additive="base">
+                                        <p:cTn id="32" dur="500"/>
+                                        <p:tgtEl>
+                                          <p:spTgt spid="8"/>
+                                        </p:tgtEl>
+                                        <p:attrNameLst>
+                                          <p:attrName>ppt_x</p:attrName>
+                                        </p:attrNameLst>
+                                      </p:cBhvr>
+                                      <p:tavLst>
+                                        <p:tav tm="0">
+                                          <p:val>
+                                            <p:strVal val="ppt_x"/>
+                                          </p:val>
+                                        </p:tav>
+                                        <p:tav tm="100000">
+                                          <p:val>
+                                            <p:strVal val="ppt_x"/>
+                                          </p:val>
+                                        </p:tav>
+                                      </p:tavLst>
+                                    </p:anim>
+                                    <p:anim calcmode="lin" valueType="num">
+                                      <p:cBhvr additive="base">
+                                        <p:cTn id="33" dur="500"/>
+                                        <p:tgtEl>
+                                          <p:spTgt spid="8"/>
+                                        </p:tgtEl>
+                                        <p:attrNameLst>
+                                          <p:attrName>ppt_y</p:attrName>
+                                        </p:attrNameLst>
+                                      </p:cBhvr>
+                                      <p:tavLst>
+                                        <p:tav tm="0">
+                                          <p:val>
+                                            <p:strVal val="ppt_y"/>
+                                          </p:val>
+                                        </p:tav>
+                                        <p:tav tm="100000">
+                                          <p:val>
+                                            <p:strVal val="1+ppt_h/2"/>
+                                          </p:val>
+                                        </p:tav>
+                                      </p:tavLst>
+                                    </p:anim>
+                                    <p:set>
+                                      <p:cBhvr>
+                                        <p:cTn id="34" dur="1" fill="hold">
+                                          <p:stCondLst>
+                                            <p:cond delay="499"/>
+                                          </p:stCondLst>
+                                        </p:cTn>
+                                        <p:tgtEl>
+                                          <p:spTgt spid="8"/>
+                                        </p:tgtEl>
+                                        <p:attrNameLst>
+                                          <p:attrName>style.visibility</p:attrName>
+                                        </p:attrNameLst>
+                                      </p:cBhvr>
+                                      <p:to>
+                                        <p:strVal val="hidden"/>
+                                      </p:to>
+                                    </p:set>
+                                  </p:childTnLst>
+                                </p:cTn>
+                              </p:par>
+                              <p:par>
+                                <p:cTn id="35" presetID="2" presetClass="exit" presetSubtype="4" fill="hold" nodeType="withEffect">
+                                  <p:stCondLst>
+                                    <p:cond delay="0"/>
+                                  </p:stCondLst>
+                                  <p:childTnLst>
+                                    <p:anim calcmode="lin" valueType="num">
+                                      <p:cBhvr additive="base">
+                                        <p:cTn id="36" dur="500"/>
+                                        <p:tgtEl>
+                                          <p:spTgt spid="18"/>
+                                        </p:tgtEl>
+                                        <p:attrNameLst>
+                                          <p:attrName>ppt_x</p:attrName>
+                                        </p:attrNameLst>
+                                      </p:cBhvr>
+                                      <p:tavLst>
+                                        <p:tav tm="0">
+                                          <p:val>
+                                            <p:strVal val="ppt_x"/>
+                                          </p:val>
+                                        </p:tav>
+                                        <p:tav tm="100000">
+                                          <p:val>
+                                            <p:strVal val="ppt_x"/>
+                                          </p:val>
+                                        </p:tav>
+                                      </p:tavLst>
+                                    </p:anim>
+                                    <p:anim calcmode="lin" valueType="num">
+                                      <p:cBhvr additive="base">
+                                        <p:cTn id="37" dur="500"/>
+                                        <p:tgtEl>
+                                          <p:spTgt spid="18"/>
+                                        </p:tgtEl>
+                                        <p:attrNameLst>
+                                          <p:attrName>ppt_y</p:attrName>
+                                        </p:attrNameLst>
+                                      </p:cBhvr>
+                                      <p:tavLst>
+                                        <p:tav tm="0">
+                                          <p:val>
+                                            <p:strVal val="ppt_y"/>
+                                          </p:val>
+                                        </p:tav>
+                                        <p:tav tm="100000">
+                                          <p:val>
+                                            <p:strVal val="1+ppt_h/2"/>
+                                          </p:val>
+                                        </p:tav>
+                                      </p:tavLst>
+                                    </p:anim>
+                                    <p:set>
+                                      <p:cBhvr>
+                                        <p:cTn id="38" dur="1" fill="hold">
+                                          <p:stCondLst>
+                                            <p:cond delay="499"/>
+                                          </p:stCondLst>
+                                        </p:cTn>
+                                        <p:tgtEl>
+                                          <p:spTgt spid="18"/>
+                                        </p:tgtEl>
+                                        <p:attrNameLst>
+                                          <p:attrName>style.visibility</p:attrName>
+                                        </p:attrNameLst>
+                                      </p:cBhvr>
+                                      <p:to>
+                                        <p:strVal val="hidden"/>
+                                      </p:to>
+                                    </p:set>
+                                  </p:childTnLst>
+                                </p:cTn>
+                              </p:par>
+                            </p:childTnLst>
+                          </p:cTn>
+                        </p:par>
+                      </p:childTnLst>
+                    </p:cTn>
+                  </p:par>
+                </p:childTnLst>
+              </p:cTn>
+              <p:prevCondLst>
+                <p:cond evt="onPrev" delay="0">
+                  <p:tgtEl>
+                    <p:sldTgt/>
+                  </p:tgtEl>
+                </p:cond>
+              </p:prevCondLst>
+              <p:nextCondLst>
+                <p:cond evt="onNext" delay="0">
+                  <p:tgtEl>
+                    <p:sldTgt/>
+                  </p:tgtEl>
+                </p:cond>
+              </p:nextCondLst>
+            </p:seq>
+          </p:childTnLst>
+        </p:cTn>
+      </p:par>
+    </p:tnLst>
+  </p:timing>
+</p:sld>
+</file>
+
+<file path=ppt/slides/slide5.xml><?xml version="1.0" encoding="utf-8"?>
+<p:sld xmlns:a="http://schemas.openxmlformats.org/drawingml/2006/main" xmlns:r="http://schemas.openxmlformats.org/officeDocument/2006/relationships" xmlns:p="http://schemas.openxmlformats.org/presentationml/2006/main">
+  <p:cSld>
+    <p:bg>
+      <p:bgPr>
+        <a:solidFill>
+          <a:schemeClr val="accent2"/>
+        </a:solidFill>
+        <a:effectLst/>
+      </p:bgPr>
+    </p:bg>
+    <p:spTree>
+      <p:nvGrpSpPr>
+        <p:cNvPr id="1" name=""/>
+        <p:cNvGrpSpPr/>
+        <p:nvPr/>
+      </p:nvGrpSpPr>
+      <p:grpSpPr>
+        <a:xfrm>
+          <a:off x="0" y="0"/>
+          <a:ext cx="0" cy="0"/>
+          <a:chOff x="0" y="0"/>
+          <a:chExt cx="0" cy="0"/>
+        </a:xfrm>
+      </p:grpSpPr>
+      <p:sp>
+        <p:nvSpPr>
+          <p:cNvPr id="26" name="Rectangle 25">
+            <a:extLst>
+              <a:ext uri="{FF2B5EF4-FFF2-40B4-BE49-F238E27FC236}">
+                <a16:creationId xmlns:a16="http://schemas.microsoft.com/office/drawing/2014/main" id="{CEA480D0-1CDA-450E-B62A-17E6A8D1968D}"/>
+              </a:ext>
+              <a:ext uri="{C183D7F6-B498-43B3-948B-1728B52AA6E4}">
+                <adec:decorative xmlns:adec="http://schemas.microsoft.com/office/drawing/2017/decorative" val="1"/>
+              </a:ext>
+            </a:extLst>
+          </p:cNvPr>
+          <p:cNvSpPr>
+            <a:spLocks noGrp="1" noRot="1" noChangeAspect="1" noMove="1" noResize="1" noEditPoints="1" noAdjustHandles="1" noChangeArrowheads="1" noChangeShapeType="1" noTextEdit="1"/>
+          </p:cNvSpPr>
+          <p:nvPr>
+            <p:extLst>
+              <p:ext uri="{386F3935-93C4-4BCD-93E2-E3B085C9AB24}">
+                <p16:designElem xmlns:p16="http://schemas.microsoft.com/office/powerpoint/2015/main" val="1"/>
+              </p:ext>
+            </p:extLst>
+          </p:nvPr>
+        </p:nvSpPr>
+        <p:spPr>
+          <a:xfrm>
+            <a:off x="0" y="-2"/>
+            <a:ext cx="12192000" cy="4918511"/>
+          </a:xfrm>
+          <a:prstGeom prst="rect">
+            <a:avLst/>
+          </a:prstGeom>
+          <a:solidFill>
+            <a:srgbClr val="FFFFFF"/>
+          </a:solidFill>
+          <a:ln>
+            <a:noFill/>
+          </a:ln>
+        </p:spPr>
+        <p:style>
+          <a:lnRef idx="2">
+            <a:schemeClr val="accent1">
+              <a:shade val="50000"/>
+            </a:schemeClr>
+          </a:lnRef>
+          <a:fillRef idx="1">
+            <a:schemeClr val="accent1"/>
+          </a:fillRef>
+          <a:effectRef idx="0">
+            <a:schemeClr val="accent1"/>
+          </a:effectRef>
+          <a:fontRef idx="minor">
+            <a:schemeClr val="lt1"/>
+          </a:fontRef>
+        </p:style>
+        <p:txBody>
+          <a:bodyPr rtlCol="0" anchor="ctr"/>
+          <a:lstStyle/>
+          <a:p>
+            <a:pPr algn="ctr"/>
+            <a:endParaRPr lang="en-US"/>
+          </a:p>
+        </p:txBody>
+      </p:sp>
+      <p:sp>
+        <p:nvSpPr>
+          <p:cNvPr id="8" name="Subtitle 7">
+            <a:extLst>
+              <a:ext uri="{FF2B5EF4-FFF2-40B4-BE49-F238E27FC236}">
+                <a16:creationId xmlns:a16="http://schemas.microsoft.com/office/drawing/2014/main" id="{272A9347-692A-B043-84BE-DF4576A3CB72}"/>
+              </a:ext>
+            </a:extLst>
+          </p:cNvPr>
+          <p:cNvSpPr>
+            <a:spLocks noGrp="1"/>
+          </p:cNvSpPr>
+          <p:nvPr>
+            <p:ph type="subTitle" idx="1"/>
+          </p:nvPr>
+        </p:nvSpPr>
+        <p:spPr>
+          <a:xfrm>
+            <a:off x="2695194" y="5431536"/>
+            <a:ext cx="6801612" cy="1092093"/>
+          </a:xfrm>
+        </p:spPr>
+        <p:txBody>
+          <a:bodyPr vert="horz" lIns="91440" tIns="45720" rIns="91440" bIns="45720" rtlCol="0">
+            <a:normAutofit/>
+          </a:bodyPr>
+          <a:lstStyle/>
+          <a:p>
+            <a:r>
+              <a:rPr lang="en-US" sz="5400"/>
+              <a:t>Planning</a:t>
+            </a:r>
+            <a:endParaRPr lang="en-US" sz="5400" dirty="0"/>
+          </a:p>
+        </p:txBody>
+      </p:sp>
+      <p:pic>
+        <p:nvPicPr>
+          <p:cNvPr id="11" name="Picture 10">
+            <a:extLst>
+              <a:ext uri="{FF2B5EF4-FFF2-40B4-BE49-F238E27FC236}">
+                <a16:creationId xmlns:a16="http://schemas.microsoft.com/office/drawing/2014/main" id="{C2AFE286-0525-7D4F-AAA1-1D7012102F48}"/>
+              </a:ext>
+            </a:extLst>
+          </p:cNvPr>
+          <p:cNvPicPr>
+            <a:picLocks noChangeAspect="1"/>
+          </p:cNvPicPr>
+          <p:nvPr/>
+        </p:nvPicPr>
+        <p:blipFill>
+          <a:blip r:embed="rId3"/>
+          <a:stretch>
+            <a:fillRect/>
+          </a:stretch>
+        </p:blipFill>
+        <p:spPr>
+          <a:xfrm>
+            <a:off x="200576" y="5220670"/>
+            <a:ext cx="1320423" cy="1320423"/>
+          </a:xfrm>
+          <a:prstGeom prst="rect">
+            <a:avLst/>
+          </a:prstGeom>
+        </p:spPr>
+      </p:pic>
+      <p:pic>
+        <p:nvPicPr>
+          <p:cNvPr id="18" name="Picture 17">
+            <a:extLst>
+              <a:ext uri="{FF2B5EF4-FFF2-40B4-BE49-F238E27FC236}">
+                <a16:creationId xmlns:a16="http://schemas.microsoft.com/office/drawing/2014/main" id="{BF590CA3-73F2-5243-BD87-B50570B9B855}"/>
+              </a:ext>
+            </a:extLst>
+          </p:cNvPr>
+          <p:cNvPicPr>
+            <a:picLocks noChangeAspect="1"/>
+          </p:cNvPicPr>
+          <p:nvPr/>
+        </p:nvPicPr>
+        <p:blipFill>
+          <a:blip r:embed="rId4"/>
+          <a:stretch>
+            <a:fillRect/>
+          </a:stretch>
+        </p:blipFill>
+        <p:spPr>
+          <a:xfrm>
+            <a:off x="2204017" y="271263"/>
+            <a:ext cx="4907318" cy="6237043"/>
+          </a:xfrm>
+          <a:prstGeom prst="rect">
+            <a:avLst/>
+          </a:prstGeom>
+          <a:ln w="38100">
+            <a:solidFill>
+              <a:schemeClr val="bg1"/>
+            </a:solidFill>
+          </a:ln>
+        </p:spPr>
+      </p:pic>
+      <p:pic>
+        <p:nvPicPr>
+          <p:cNvPr id="20" name="Picture 19">
+            <a:extLst>
+              <a:ext uri="{FF2B5EF4-FFF2-40B4-BE49-F238E27FC236}">
+                <a16:creationId xmlns:a16="http://schemas.microsoft.com/office/drawing/2014/main" id="{5B43A3C9-695B-9949-B249-5EEA70E75344}"/>
+              </a:ext>
+            </a:extLst>
+          </p:cNvPr>
+          <p:cNvPicPr>
+            <a:picLocks noChangeAspect="1"/>
+          </p:cNvPicPr>
+          <p:nvPr/>
+        </p:nvPicPr>
+        <p:blipFill>
+          <a:blip r:embed="rId5"/>
+          <a:stretch>
+            <a:fillRect/>
+          </a:stretch>
+        </p:blipFill>
+        <p:spPr>
+          <a:xfrm>
+            <a:off x="7704404" y="271263"/>
+            <a:ext cx="1860589" cy="6365173"/>
+          </a:xfrm>
+          <a:prstGeom prst="rect">
+            <a:avLst/>
+          </a:prstGeom>
+          <a:ln w="38100">
+            <a:solidFill>
+              <a:schemeClr val="bg1"/>
+            </a:solidFill>
+          </a:ln>
+        </p:spPr>
+      </p:pic>
+      <p:pic>
+        <p:nvPicPr>
+          <p:cNvPr id="6" name="Picture 5">
+            <a:extLst>
+              <a:ext uri="{FF2B5EF4-FFF2-40B4-BE49-F238E27FC236}">
+                <a16:creationId xmlns:a16="http://schemas.microsoft.com/office/drawing/2014/main" id="{4E3D7223-E70B-2A4B-8107-0043A9878236}"/>
+              </a:ext>
+            </a:extLst>
+          </p:cNvPr>
+          <p:cNvPicPr>
+            <a:picLocks noChangeAspect="1"/>
+          </p:cNvPicPr>
+          <p:nvPr/>
+        </p:nvPicPr>
+        <p:blipFill>
+          <a:blip r:embed="rId6"/>
+          <a:stretch>
+            <a:fillRect/>
+          </a:stretch>
+        </p:blipFill>
+        <p:spPr>
+          <a:xfrm>
+            <a:off x="168475" y="221564"/>
+            <a:ext cx="11855049" cy="4462547"/>
+          </a:xfrm>
+          <a:prstGeom prst="rect">
+            <a:avLst/>
+          </a:prstGeom>
+          <a:ln w="38100">
+            <a:solidFill>
+              <a:schemeClr val="bg1"/>
+            </a:solidFill>
+          </a:ln>
+        </p:spPr>
+      </p:pic>
+    </p:spTree>
+    <p:extLst>
+      <p:ext uri="{BB962C8B-B14F-4D97-AF65-F5344CB8AC3E}">
+        <p14:creationId xmlns:p14="http://schemas.microsoft.com/office/powerpoint/2010/main" val="942606798"/>
+      </p:ext>
+    </p:extLst>
+  </p:cSld>
+  <p:clrMapOvr>
+    <a:masterClrMapping/>
+  </p:clrMapOvr>
+  <p:timing>
+    <p:tnLst>
+      <p:par>
+        <p:cTn id="1" dur="indefinite" restart="never" nodeType="tmRoot">
+          <p:childTnLst>
+            <p:seq concurrent="1" nextAc="seek">
+              <p:cTn id="2" dur="indefinite" nodeType="mainSeq">
+                <p:childTnLst>
+                  <p:par>
+                    <p:cTn id="3" fill="hold">
+                      <p:stCondLst>
+                        <p:cond delay="indefinite"/>
+                      </p:stCondLst>
+                      <p:childTnLst>
+                        <p:par>
+                          <p:cTn id="4" fill="hold">
+                            <p:stCondLst>
+                              <p:cond delay="0"/>
+                            </p:stCondLst>
+                            <p:childTnLst>
+                              <p:par>
+                                <p:cTn id="5" presetID="2" presetClass="entr" presetSubtype="4" fill="hold" nodeType="clickEffect">
+                                  <p:stCondLst>
+                                    <p:cond delay="0"/>
+                                  </p:stCondLst>
+                                  <p:childTnLst>
+                                    <p:set>
+                                      <p:cBhvr>
+                                        <p:cTn id="6" dur="1" fill="hold">
+                                          <p:stCondLst>
+                                            <p:cond delay="0"/>
+                                          </p:stCondLst>
+                                        </p:cTn>
+                                        <p:tgtEl>
+                                          <p:spTgt spid="18"/>
+                                        </p:tgtEl>
+                                        <p:attrNameLst>
+                                          <p:attrName>style.visibility</p:attrName>
+                                        </p:attrNameLst>
+                                      </p:cBhvr>
+                                      <p:to>
+                                        <p:strVal val="visible"/>
+                                      </p:to>
+                                    </p:set>
+                                    <p:anim calcmode="lin" valueType="num">
+                                      <p:cBhvr additive="base">
+                                        <p:cTn id="7" dur="500" fill="hold"/>
+                                        <p:tgtEl>
+                                          <p:spTgt spid="18"/>
+                                        </p:tgtEl>
+                                        <p:attrNameLst>
+                                          <p:attrName>ppt_x</p:attrName>
+                                        </p:attrNameLst>
+                                      </p:cBhvr>
+                                      <p:tavLst>
+                                        <p:tav tm="0">
+                                          <p:val>
+                                            <p:strVal val="#ppt_x"/>
+                                          </p:val>
+                                        </p:tav>
+                                        <p:tav tm="100000">
+                                          <p:val>
+                                            <p:strVal val="#ppt_x"/>
+                                          </p:val>
+                                        </p:tav>
+                                      </p:tavLst>
+                                    </p:anim>
+                                    <p:anim calcmode="lin" valueType="num">
+                                      <p:cBhvr additive="base">
+                                        <p:cTn id="8" dur="500" fill="hold"/>
+                                        <p:tgtEl>
+                                          <p:spTgt spid="18"/>
+                                        </p:tgtEl>
+                                        <p:attrNameLst>
+                                          <p:attrName>ppt_y</p:attrName>
+                                        </p:attrNameLst>
+                                      </p:cBhvr>
+                                      <p:tavLst>
+                                        <p:tav tm="0">
+                                          <p:val>
+                                            <p:strVal val="1+#ppt_h/2"/>
+                                          </p:val>
+                                        </p:tav>
+                                        <p:tav tm="100000">
+                                          <p:val>
+                                            <p:strVal val="#ppt_y"/>
+                                          </p:val>
+                                        </p:tav>
+                                      </p:tavLst>
+                                    </p:anim>
+                                  </p:childTnLst>
+                                </p:cTn>
+                              </p:par>
+                            </p:childTnLst>
+                          </p:cTn>
+                        </p:par>
+                      </p:childTnLst>
+                    </p:cTn>
+                  </p:par>
+                  <p:par>
+                    <p:cTn id="9" fill="hold">
+                      <p:stCondLst>
+                        <p:cond delay="indefinite"/>
+                      </p:stCondLst>
+                      <p:childTnLst>
+                        <p:par>
+                          <p:cTn id="10" fill="hold">
+                            <p:stCondLst>
+                              <p:cond delay="0"/>
+                            </p:stCondLst>
+                            <p:childTnLst>
+                              <p:par>
+                                <p:cTn id="11" presetID="2" presetClass="entr" presetSubtype="4" fill="hold" nodeType="clickEffect">
+                                  <p:stCondLst>
+                                    <p:cond delay="0"/>
+                                  </p:stCondLst>
+                                  <p:childTnLst>
+                                    <p:set>
+                                      <p:cBhvr>
+                                        <p:cTn id="12" dur="1" fill="hold">
+                                          <p:stCondLst>
+                                            <p:cond delay="0"/>
+                                          </p:stCondLst>
+                                        </p:cTn>
+                                        <p:tgtEl>
+                                          <p:spTgt spid="20"/>
+                                        </p:tgtEl>
+                                        <p:attrNameLst>
+                                          <p:attrName>style.visibility</p:attrName>
+                                        </p:attrNameLst>
+                                      </p:cBhvr>
+                                      <p:to>
+                                        <p:strVal val="visible"/>
+                                      </p:to>
+                                    </p:set>
+                                    <p:anim calcmode="lin" valueType="num">
+                                      <p:cBhvr additive="base">
+                                        <p:cTn id="13" dur="500" fill="hold"/>
+                                        <p:tgtEl>
+                                          <p:spTgt spid="20"/>
+                                        </p:tgtEl>
+                                        <p:attrNameLst>
+                                          <p:attrName>ppt_x</p:attrName>
+                                        </p:attrNameLst>
+                                      </p:cBhvr>
+                                      <p:tavLst>
+                                        <p:tav tm="0">
+                                          <p:val>
+                                            <p:strVal val="#ppt_x"/>
+                                          </p:val>
+                                        </p:tav>
+                                        <p:tav tm="100000">
+                                          <p:val>
+                                            <p:strVal val="#ppt_x"/>
+                                          </p:val>
+                                        </p:tav>
+                                      </p:tavLst>
+                                    </p:anim>
+                                    <p:anim calcmode="lin" valueType="num">
+                                      <p:cBhvr additive="base">
+                                        <p:cTn id="14" dur="500" fill="hold"/>
+                                        <p:tgtEl>
+                                          <p:spTgt spid="20"/>
+                                        </p:tgtEl>
+                                        <p:attrNameLst>
+                                          <p:attrName>ppt_y</p:attrName>
+                                        </p:attrNameLst>
+                                      </p:cBhvr>
+                                      <p:tavLst>
+                                        <p:tav tm="0">
+                                          <p:val>
+                                            <p:strVal val="1+#ppt_h/2"/>
+                                          </p:val>
+                                        </p:tav>
+                                        <p:tav tm="100000">
+                                          <p:val>
+                                            <p:strVal val="#ppt_y"/>
+                                          </p:val>
+                                        </p:tav>
+                                      </p:tavLst>
+                                    </p:anim>
+                                  </p:childTnLst>
+                                </p:cTn>
+                              </p:par>
+                            </p:childTnLst>
+                          </p:cTn>
+                        </p:par>
+                      </p:childTnLst>
+                    </p:cTn>
+                  </p:par>
+                  <p:par>
+                    <p:cTn id="15" fill="hold">
+                      <p:stCondLst>
+                        <p:cond delay="indefinite"/>
+                      </p:stCondLst>
+                      <p:childTnLst>
+                        <p:par>
+                          <p:cTn id="16" fill="hold">
+                            <p:stCondLst>
+                              <p:cond delay="0"/>
+                            </p:stCondLst>
+                            <p:childTnLst>
+                              <p:par>
+                                <p:cTn id="17" presetID="2" presetClass="entr" presetSubtype="4" fill="hold" nodeType="clickEffect">
+                                  <p:stCondLst>
+                                    <p:cond delay="0"/>
+                                  </p:stCondLst>
+                                  <p:childTnLst>
+                                    <p:set>
+                                      <p:cBhvr>
+                                        <p:cTn id="18" dur="1" fill="hold">
+                                          <p:stCondLst>
+                                            <p:cond delay="0"/>
+                                          </p:stCondLst>
+                                        </p:cTn>
+                                        <p:tgtEl>
+                                          <p:spTgt spid="6"/>
+                                        </p:tgtEl>
+                                        <p:attrNameLst>
+                                          <p:attrName>style.visibility</p:attrName>
+                                        </p:attrNameLst>
+                                      </p:cBhvr>
+                                      <p:to>
+                                        <p:strVal val="visible"/>
+                                      </p:to>
+                                    </p:set>
+                                    <p:anim calcmode="lin" valueType="num">
+                                      <p:cBhvr additive="base">
+                                        <p:cTn id="19" dur="500" fill="hold"/>
+                                        <p:tgtEl>
+                                          <p:spTgt spid="6"/>
+                                        </p:tgtEl>
+                                        <p:attrNameLst>
+                                          <p:attrName>ppt_x</p:attrName>
+                                        </p:attrNameLst>
+                                      </p:cBhvr>
+                                      <p:tavLst>
+                                        <p:tav tm="0">
+                                          <p:val>
+                                            <p:strVal val="#ppt_x"/>
+                                          </p:val>
+                                        </p:tav>
+                                        <p:tav tm="100000">
+                                          <p:val>
+                                            <p:strVal val="#ppt_x"/>
+                                          </p:val>
+                                        </p:tav>
+                                      </p:tavLst>
+                                    </p:anim>
+                                    <p:anim calcmode="lin" valueType="num">
+                                      <p:cBhvr additive="base">
+                                        <p:cTn id="20" dur="500" fill="hold"/>
+                                        <p:tgtEl>
+                                          <p:spTgt spid="6"/>
+                                        </p:tgtEl>
+                                        <p:attrNameLst>
+                                          <p:attrName>ppt_y</p:attrName>
+                                        </p:attrNameLst>
+                                      </p:cBhvr>
+                                      <p:tavLst>
+                                        <p:tav tm="0">
+                                          <p:val>
+                                            <p:strVal val="1+#ppt_h/2"/>
+                                          </p:val>
+                                        </p:tav>
+                                        <p:tav tm="100000">
+                                          <p:val>
+                                            <p:strVal val="#ppt_y"/>
+                                          </p:val>
+                                        </p:tav>
+                                      </p:tavLst>
+                                    </p:anim>
+                                  </p:childTnLst>
+                                </p:cTn>
+                              </p:par>
+                            </p:childTnLst>
+                          </p:cTn>
+                        </p:par>
+                      </p:childTnLst>
+                    </p:cTn>
+                  </p:par>
+                </p:childTnLst>
+              </p:cTn>
+              <p:prevCondLst>
+                <p:cond evt="onPrev" delay="0">
+                  <p:tgtEl>
+                    <p:sldTgt/>
+                  </p:tgtEl>
+                </p:cond>
+              </p:prevCondLst>
+              <p:nextCondLst>
+                <p:cond evt="onNext" delay="0">
+                  <p:tgtEl>
+                    <p:sldTgt/>
+                  </p:tgtEl>
+                </p:cond>
+              </p:nextCondLst>
+            </p:seq>
+          </p:childTnLst>
+        </p:cTn>
+      </p:par>
+    </p:tnLst>
+  </p:timing>
+</p:sld>
+</file>
+
+<file path=ppt/slides/slide6.xml><?xml version="1.0" encoding="utf-8"?>
+<p:sld xmlns:a="http://schemas.openxmlformats.org/drawingml/2006/main" xmlns:r="http://schemas.openxmlformats.org/officeDocument/2006/relationships" xmlns:p="http://schemas.openxmlformats.org/presentationml/2006/main">
+  <p:cSld>
+    <p:bg>
+      <p:bgPr>
+        <a:solidFill>
+          <a:schemeClr val="accent2"/>
+        </a:solidFill>
+        <a:effectLst/>
+      </p:bgPr>
+    </p:bg>
+    <p:spTree>
+      <p:nvGrpSpPr>
+        <p:cNvPr id="1" name=""/>
+        <p:cNvGrpSpPr/>
+        <p:nvPr/>
+      </p:nvGrpSpPr>
+      <p:grpSpPr>
+        <a:xfrm>
+          <a:off x="0" y="0"/>
+          <a:ext cx="0" cy="0"/>
+          <a:chOff x="0" y="0"/>
+          <a:chExt cx="0" cy="0"/>
+        </a:xfrm>
+      </p:grpSpPr>
+      <p:sp>
+        <p:nvSpPr>
+          <p:cNvPr id="26" name="Rectangle 25">
+            <a:extLst>
+              <a:ext uri="{FF2B5EF4-FFF2-40B4-BE49-F238E27FC236}">
+                <a16:creationId xmlns:a16="http://schemas.microsoft.com/office/drawing/2014/main" id="{CEA480D0-1CDA-450E-B62A-17E6A8D1968D}"/>
+              </a:ext>
+              <a:ext uri="{C183D7F6-B498-43B3-948B-1728B52AA6E4}">
+                <adec:decorative xmlns:adec="http://schemas.microsoft.com/office/drawing/2017/decorative" val="1"/>
+              </a:ext>
+            </a:extLst>
+          </p:cNvPr>
+          <p:cNvSpPr>
+            <a:spLocks noGrp="1" noRot="1" noChangeAspect="1" noMove="1" noResize="1" noEditPoints="1" noAdjustHandles="1" noChangeArrowheads="1" noChangeShapeType="1" noTextEdit="1"/>
+          </p:cNvSpPr>
+          <p:nvPr>
+            <p:extLst>
+              <p:ext uri="{386F3935-93C4-4BCD-93E2-E3B085C9AB24}">
+                <p16:designElem xmlns:p16="http://schemas.microsoft.com/office/powerpoint/2015/main" val="1"/>
+              </p:ext>
+            </p:extLst>
+          </p:nvPr>
+        </p:nvSpPr>
+        <p:spPr>
+          <a:xfrm>
+            <a:off x="0" y="-2"/>
+            <a:ext cx="12192000" cy="4918511"/>
+          </a:xfrm>
+          <a:prstGeom prst="rect">
+            <a:avLst/>
+          </a:prstGeom>
+          <a:solidFill>
+            <a:srgbClr val="FFFFFF"/>
+          </a:solidFill>
+          <a:ln>
+            <a:noFill/>
+          </a:ln>
+        </p:spPr>
+        <p:style>
+          <a:lnRef idx="2">
+            <a:schemeClr val="accent1">
+              <a:shade val="50000"/>
+            </a:schemeClr>
+          </a:lnRef>
+          <a:fillRef idx="1">
+            <a:schemeClr val="accent1"/>
+          </a:fillRef>
+          <a:effectRef idx="0">
+            <a:schemeClr val="accent1"/>
+          </a:effectRef>
+          <a:fontRef idx="minor">
+            <a:schemeClr val="lt1"/>
+          </a:fontRef>
+        </p:style>
+        <p:txBody>
+          <a:bodyPr rtlCol="0" anchor="ctr"/>
+          <a:lstStyle/>
+          <a:p>
+            <a:pPr algn="ctr"/>
+            <a:endParaRPr lang="en-US"/>
+          </a:p>
+        </p:txBody>
+      </p:sp>
+      <p:sp>
+        <p:nvSpPr>
+          <p:cNvPr id="15" name="Subtitle 7">
+            <a:extLst>
+              <a:ext uri="{FF2B5EF4-FFF2-40B4-BE49-F238E27FC236}">
+                <a16:creationId xmlns:a16="http://schemas.microsoft.com/office/drawing/2014/main" id="{7D26DB83-AEA8-E543-8B1F-1BFE7B538C93}"/>
+              </a:ext>
+            </a:extLst>
+          </p:cNvPr>
+          <p:cNvSpPr>
+            <a:spLocks noGrp="1"/>
+          </p:cNvSpPr>
+          <p:nvPr>
+            <p:ph type="subTitle" idx="1"/>
+          </p:nvPr>
+        </p:nvSpPr>
+        <p:spPr>
+          <a:xfrm>
+            <a:off x="2695575" y="5431536"/>
+            <a:ext cx="6800850" cy="1065734"/>
+          </a:xfrm>
+        </p:spPr>
+        <p:txBody>
+          <a:bodyPr vert="horz" lIns="91440" tIns="45720" rIns="91440" bIns="45720" rtlCol="0">
+            <a:normAutofit/>
+          </a:bodyPr>
+          <a:lstStyle/>
+          <a:p>
+            <a:r>
+              <a:rPr lang="en-US" sz="5400" dirty="0"/>
+              <a:t>Data </a:t>
+            </a:r>
+          </a:p>
+        </p:txBody>
+      </p:sp>
+      <p:pic>
+        <p:nvPicPr>
+          <p:cNvPr id="17" name="Picture 16">
+            <a:extLst>
+              <a:ext uri="{FF2B5EF4-FFF2-40B4-BE49-F238E27FC236}">
+                <a16:creationId xmlns:a16="http://schemas.microsoft.com/office/drawing/2014/main" id="{B99C0FBD-FFD7-2842-AC6D-525AB701C3CB}"/>
+              </a:ext>
+            </a:extLst>
+          </p:cNvPr>
+          <p:cNvPicPr>
+            <a:picLocks noChangeAspect="1"/>
+          </p:cNvPicPr>
+          <p:nvPr/>
+        </p:nvPicPr>
+        <p:blipFill>
+          <a:blip r:embed="rId3"/>
+          <a:stretch>
+            <a:fillRect/>
+          </a:stretch>
+        </p:blipFill>
+        <p:spPr>
+          <a:xfrm>
+            <a:off x="200576" y="5220670"/>
+            <a:ext cx="1320423" cy="1320423"/>
+          </a:xfrm>
+          <a:prstGeom prst="rect">
+            <a:avLst/>
+          </a:prstGeom>
+        </p:spPr>
+      </p:pic>
+    </p:spTree>
+    <p:extLst>
+      <p:ext uri="{BB962C8B-B14F-4D97-AF65-F5344CB8AC3E}">
+        <p14:creationId xmlns:p14="http://schemas.microsoft.com/office/powerpoint/2010/main" val="1890155515"/>
+      </p:ext>
+    </p:extLst>
+  </p:cSld>
+  <p:clrMapOvr>
+    <a:masterClrMapping/>
+  </p:clrMapOvr>
+</p:sld>
+</file>
+
+<file path=ppt/slides/slide7.xml><?xml version="1.0" encoding="utf-8"?>
+<p:sld xmlns:a="http://schemas.openxmlformats.org/drawingml/2006/main" xmlns:r="http://schemas.openxmlformats.org/officeDocument/2006/relationships" xmlns:p="http://schemas.openxmlformats.org/presentationml/2006/main">
+  <p:cSld>
+    <p:bg>
+      <p:bgPr>
+        <a:solidFill>
+          <a:schemeClr val="accent2"/>
+        </a:solidFill>
+        <a:effectLst/>
+      </p:bgPr>
+    </p:bg>
+    <p:spTree>
+      <p:nvGrpSpPr>
+        <p:cNvPr id="1" name=""/>
+        <p:cNvGrpSpPr/>
+        <p:nvPr/>
+      </p:nvGrpSpPr>
+      <p:grpSpPr>
+        <a:xfrm>
+          <a:off x="0" y="0"/>
+          <a:ext cx="0" cy="0"/>
+          <a:chOff x="0" y="0"/>
+          <a:chExt cx="0" cy="0"/>
+        </a:xfrm>
+      </p:grpSpPr>
+      <p:sp>
+        <p:nvSpPr>
+          <p:cNvPr id="26" name="Rectangle 25">
+            <a:extLst>
+              <a:ext uri="{FF2B5EF4-FFF2-40B4-BE49-F238E27FC236}">
+                <a16:creationId xmlns:a16="http://schemas.microsoft.com/office/drawing/2014/main" id="{CEA480D0-1CDA-450E-B62A-17E6A8D1968D}"/>
+              </a:ext>
+              <a:ext uri="{C183D7F6-B498-43B3-948B-1728B52AA6E4}">
+                <adec:decorative xmlns:adec="http://schemas.microsoft.com/office/drawing/2017/decorative" val="1"/>
+              </a:ext>
+            </a:extLst>
+          </p:cNvPr>
+          <p:cNvSpPr>
+            <a:spLocks noGrp="1" noRot="1" noChangeAspect="1" noMove="1" noResize="1" noEditPoints="1" noAdjustHandles="1" noChangeArrowheads="1" noChangeShapeType="1" noTextEdit="1"/>
+          </p:cNvSpPr>
+          <p:nvPr>
+            <p:extLst>
+              <p:ext uri="{386F3935-93C4-4BCD-93E2-E3B085C9AB24}">
+                <p16:designElem xmlns:p16="http://schemas.microsoft.com/office/powerpoint/2015/main" val="1"/>
+              </p:ext>
+            </p:extLst>
+          </p:nvPr>
+        </p:nvSpPr>
+        <p:spPr>
+          <a:xfrm>
+            <a:off x="0" y="-2"/>
+            <a:ext cx="12192000" cy="4918511"/>
+          </a:xfrm>
+          <a:prstGeom prst="rect">
+            <a:avLst/>
+          </a:prstGeom>
+          <a:solidFill>
+            <a:srgbClr val="FFFFFF"/>
+          </a:solidFill>
+          <a:ln>
+            <a:noFill/>
+          </a:ln>
+        </p:spPr>
+        <p:style>
+          <a:lnRef idx="2">
+            <a:schemeClr val="accent1">
+              <a:shade val="50000"/>
+            </a:schemeClr>
+          </a:lnRef>
+          <a:fillRef idx="1">
+            <a:schemeClr val="accent1"/>
+          </a:fillRef>
+          <a:effectRef idx="0">
+            <a:schemeClr val="accent1"/>
+          </a:effectRef>
+          <a:fontRef idx="minor">
+            <a:schemeClr val="lt1"/>
+          </a:fontRef>
+        </p:style>
+        <p:txBody>
+          <a:bodyPr rtlCol="0" anchor="ctr"/>
+          <a:lstStyle/>
+          <a:p>
+            <a:pPr algn="ctr"/>
+            <a:endParaRPr lang="en-US"/>
+          </a:p>
+        </p:txBody>
+      </p:sp>
+      <p:sp>
+        <p:nvSpPr>
+          <p:cNvPr id="8" name="Subtitle 7">
+            <a:extLst>
+              <a:ext uri="{FF2B5EF4-FFF2-40B4-BE49-F238E27FC236}">
+                <a16:creationId xmlns:a16="http://schemas.microsoft.com/office/drawing/2014/main" id="{272A9347-692A-B043-84BE-DF4576A3CB72}"/>
+              </a:ext>
+            </a:extLst>
+          </p:cNvPr>
+          <p:cNvSpPr>
+            <a:spLocks noGrp="1"/>
+          </p:cNvSpPr>
+          <p:nvPr>
+            <p:ph type="subTitle" idx="1"/>
+          </p:nvPr>
+        </p:nvSpPr>
+        <p:spPr>
+          <a:xfrm>
+            <a:off x="2695194" y="5431536"/>
+            <a:ext cx="6801612" cy="1052159"/>
+          </a:xfrm>
+        </p:spPr>
+        <p:txBody>
+          <a:bodyPr vert="horz" lIns="91440" tIns="45720" rIns="91440" bIns="45720" rtlCol="0">
+            <a:normAutofit/>
+          </a:bodyPr>
+          <a:lstStyle/>
+          <a:p>
+            <a:r>
+              <a:rPr lang="en-US" sz="5400" dirty="0"/>
+              <a:t>Results</a:t>
+            </a:r>
+          </a:p>
+        </p:txBody>
+      </p:sp>
+      <p:pic>
+        <p:nvPicPr>
+          <p:cNvPr id="10" name="Picture 9">
+            <a:extLst>
+              <a:ext uri="{FF2B5EF4-FFF2-40B4-BE49-F238E27FC236}">
+                <a16:creationId xmlns:a16="http://schemas.microsoft.com/office/drawing/2014/main" id="{C7A1C757-5504-3E40-90E5-F7F9EE7DA3D2}"/>
+              </a:ext>
+            </a:extLst>
+          </p:cNvPr>
+          <p:cNvPicPr>
+            <a:picLocks noChangeAspect="1"/>
+          </p:cNvPicPr>
+          <p:nvPr/>
+        </p:nvPicPr>
+        <p:blipFill>
+          <a:blip r:embed="rId3"/>
+          <a:stretch>
+            <a:fillRect/>
+          </a:stretch>
+        </p:blipFill>
+        <p:spPr>
+          <a:xfrm>
+            <a:off x="200576" y="5220670"/>
+            <a:ext cx="1320423" cy="1320423"/>
+          </a:xfrm>
+          <a:prstGeom prst="rect">
+            <a:avLst/>
+          </a:prstGeom>
+        </p:spPr>
+      </p:pic>
+    </p:spTree>
+    <p:extLst>
+      <p:ext uri="{BB962C8B-B14F-4D97-AF65-F5344CB8AC3E}">
+        <p14:creationId xmlns:p14="http://schemas.microsoft.com/office/powerpoint/2010/main" val="3823505942"/>
+      </p:ext>
+    </p:extLst>
+  </p:cSld>
+  <p:clrMapOvr>
+    <a:masterClrMapping/>
+  </p:clrMapOvr>
+</p:sld>
+</file>
+
+<file path=ppt/slides/slide8.xml><?xml version="1.0" encoding="utf-8"?>
+<p:sld xmlns:a="http://schemas.openxmlformats.org/drawingml/2006/main" xmlns:r="http://schemas.openxmlformats.org/officeDocument/2006/relationships" xmlns:p="http://schemas.openxmlformats.org/presentationml/2006/main">
+  <p:cSld>
+    <p:bg>
+      <p:bgPr>
+        <a:solidFill>
+          <a:schemeClr val="accent2"/>
+        </a:solidFill>
+        <a:effectLst/>
+      </p:bgPr>
+    </p:bg>
+    <p:spTree>
+      <p:nvGrpSpPr>
+        <p:cNvPr id="1" name=""/>
+        <p:cNvGrpSpPr/>
+        <p:nvPr/>
+      </p:nvGrpSpPr>
+      <p:grpSpPr>
+        <a:xfrm>
+          <a:off x="0" y="0"/>
+          <a:ext cx="0" cy="0"/>
+          <a:chOff x="0" y="0"/>
+          <a:chExt cx="0" cy="0"/>
+        </a:xfrm>
+      </p:grpSpPr>
+      <p:sp>
+        <p:nvSpPr>
+          <p:cNvPr id="26" name="Rectangle 25">
+            <a:extLst>
+              <a:ext uri="{FF2B5EF4-FFF2-40B4-BE49-F238E27FC236}">
+                <a16:creationId xmlns:a16="http://schemas.microsoft.com/office/drawing/2014/main" id="{CEA480D0-1CDA-450E-B62A-17E6A8D1968D}"/>
+              </a:ext>
+              <a:ext uri="{C183D7F6-B498-43B3-948B-1728B52AA6E4}">
+                <adec:decorative xmlns:adec="http://schemas.microsoft.com/office/drawing/2017/decorative" val="1"/>
+              </a:ext>
+            </a:extLst>
+          </p:cNvPr>
+          <p:cNvSpPr>
+            <a:spLocks noGrp="1" noRot="1" noChangeAspect="1" noMove="1" noResize="1" noEditPoints="1" noAdjustHandles="1" noChangeArrowheads="1" noChangeShapeType="1" noTextEdit="1"/>
+          </p:cNvSpPr>
+          <p:nvPr>
+            <p:extLst>
+              <p:ext uri="{386F3935-93C4-4BCD-93E2-E3B085C9AB24}">
+                <p16:designElem xmlns:p16="http://schemas.microsoft.com/office/powerpoint/2015/main" val="1"/>
+              </p:ext>
+            </p:extLst>
+          </p:nvPr>
+        </p:nvSpPr>
+        <p:spPr>
+          <a:xfrm>
+            <a:off x="0" y="-2"/>
+            <a:ext cx="12192000" cy="4918511"/>
+          </a:xfrm>
+          <a:prstGeom prst="rect">
+            <a:avLst/>
+          </a:prstGeom>
+          <a:solidFill>
+            <a:srgbClr val="FFFFFF"/>
+          </a:solidFill>
+          <a:ln>
+            <a:noFill/>
+          </a:ln>
+        </p:spPr>
+        <p:style>
+          <a:lnRef idx="2">
+            <a:schemeClr val="accent1">
+              <a:shade val="50000"/>
+            </a:schemeClr>
+          </a:lnRef>
+          <a:fillRef idx="1">
+            <a:schemeClr val="accent1"/>
+          </a:fillRef>
+          <a:effectRef idx="0">
+            <a:schemeClr val="accent1"/>
+          </a:effectRef>
+          <a:fontRef idx="minor">
+            <a:schemeClr val="lt1"/>
+          </a:fontRef>
+        </p:style>
+        <p:txBody>
+          <a:bodyPr rtlCol="0" anchor="ctr"/>
+          <a:lstStyle/>
+          <a:p>
+            <a:pPr algn="ctr"/>
+            <a:endParaRPr lang="en-US"/>
+          </a:p>
+        </p:txBody>
+      </p:sp>
+      <p:sp>
+        <p:nvSpPr>
+          <p:cNvPr id="8" name="Subtitle 7">
+            <a:extLst>
+              <a:ext uri="{FF2B5EF4-FFF2-40B4-BE49-F238E27FC236}">
+                <a16:creationId xmlns:a16="http://schemas.microsoft.com/office/drawing/2014/main" id="{272A9347-692A-B043-84BE-DF4576A3CB72}"/>
+              </a:ext>
+            </a:extLst>
+          </p:cNvPr>
+          <p:cNvSpPr>
+            <a:spLocks noGrp="1"/>
+          </p:cNvSpPr>
+          <p:nvPr>
+            <p:ph type="subTitle" idx="1"/>
+          </p:nvPr>
+        </p:nvSpPr>
+        <p:spPr>
+          <a:xfrm>
+            <a:off x="3145570" y="5028322"/>
+            <a:ext cx="6801612" cy="536125"/>
+          </a:xfrm>
+        </p:spPr>
+        <p:txBody>
+          <a:bodyPr vert="horz" lIns="91440" tIns="45720" rIns="91440" bIns="45720" rtlCol="0">
+            <a:normAutofit/>
+          </a:bodyPr>
+          <a:lstStyle/>
+          <a:p>
+            <a:endParaRPr lang="en-US" sz="1800" dirty="0"/>
+          </a:p>
+        </p:txBody>
+      </p:sp>
+      <p:pic>
+        <p:nvPicPr>
+          <p:cNvPr id="6" name="Picture 5">
+            <a:extLst>
+              <a:ext uri="{FF2B5EF4-FFF2-40B4-BE49-F238E27FC236}">
+                <a16:creationId xmlns:a16="http://schemas.microsoft.com/office/drawing/2014/main" id="{5CF8B0DF-9B1A-B147-BD6E-3CF2EB221997}"/>
+              </a:ext>
+            </a:extLst>
+          </p:cNvPr>
+          <p:cNvPicPr>
+            <a:picLocks noChangeAspect="1"/>
+          </p:cNvPicPr>
+          <p:nvPr/>
+        </p:nvPicPr>
+        <p:blipFill>
+          <a:blip r:embed="rId3"/>
+          <a:stretch>
+            <a:fillRect/>
+          </a:stretch>
+        </p:blipFill>
+        <p:spPr>
+          <a:xfrm>
+            <a:off x="200576" y="5220670"/>
+            <a:ext cx="1320423" cy="1320423"/>
+          </a:xfrm>
+          <a:prstGeom prst="rect">
+            <a:avLst/>
+          </a:prstGeom>
+        </p:spPr>
+      </p:pic>
+    </p:spTree>
+    <p:extLst>
+      <p:ext uri="{BB962C8B-B14F-4D97-AF65-F5344CB8AC3E}">
+        <p14:creationId xmlns:p14="http://schemas.microsoft.com/office/powerpoint/2010/main" val="2059855465"/>
+      </p:ext>
+    </p:extLst>
+  </p:cSld>
+  <p:clrMapOvr>
+    <a:masterClrMapping/>
+  </p:clrMapOvr>
+</p:sld>
+</file>
+
+<file path=ppt/slides/slide9.xml><?xml version="1.0" encoding="utf-8"?>
+<p:sld xmlns:a="http://schemas.openxmlformats.org/drawingml/2006/main" xmlns:r="http://schemas.openxmlformats.org/officeDocument/2006/relationships" xmlns:p="http://schemas.openxmlformats.org/presentationml/2006/main">
+  <p:cSld>
+    <p:bg>
+      <p:bgPr>
+        <a:solidFill>
+          <a:schemeClr val="accent2"/>
+        </a:solidFill>
+        <a:effectLst/>
+      </p:bgPr>
+    </p:bg>
+    <p:spTree>
+      <p:nvGrpSpPr>
+        <p:cNvPr id="1" name=""/>
+        <p:cNvGrpSpPr/>
+        <p:nvPr/>
+      </p:nvGrpSpPr>
+      <p:grpSpPr>
+        <a:xfrm>
+          <a:off x="0" y="0"/>
+          <a:ext cx="0" cy="0"/>
+          <a:chOff x="0" y="0"/>
+          <a:chExt cx="0" cy="0"/>
+        </a:xfrm>
+      </p:grpSpPr>
+      <p:sp>
+        <p:nvSpPr>
+          <p:cNvPr id="26" name="Rectangle 25">
+            <a:extLst>
+              <a:ext uri="{FF2B5EF4-FFF2-40B4-BE49-F238E27FC236}">
+                <a16:creationId xmlns:a16="http://schemas.microsoft.com/office/drawing/2014/main" id="{CEA480D0-1CDA-450E-B62A-17E6A8D1968D}"/>
+              </a:ext>
+              <a:ext uri="{C183D7F6-B498-43B3-948B-1728B52AA6E4}">
+                <adec:decorative xmlns:adec="http://schemas.microsoft.com/office/drawing/2017/decorative" val="1"/>
+              </a:ext>
+            </a:extLst>
+          </p:cNvPr>
+          <p:cNvSpPr>
+            <a:spLocks noGrp="1" noRot="1" noChangeAspect="1" noMove="1" noResize="1" noEditPoints="1" noAdjustHandles="1" noChangeArrowheads="1" noChangeShapeType="1" noTextEdit="1"/>
+          </p:cNvSpPr>
+          <p:nvPr>
+            <p:extLst>
+              <p:ext uri="{386F3935-93C4-4BCD-93E2-E3B085C9AB24}">
+                <p16:designElem xmlns:p16="http://schemas.microsoft.com/office/powerpoint/2015/main" val="1"/>
+              </p:ext>
+            </p:extLst>
+          </p:nvPr>
+        </p:nvSpPr>
+        <p:spPr>
+          <a:xfrm>
+            <a:off x="0" y="-2"/>
+            <a:ext cx="12192000" cy="4918511"/>
+          </a:xfrm>
+          <a:prstGeom prst="rect">
+            <a:avLst/>
+          </a:prstGeom>
+          <a:solidFill>
+            <a:srgbClr val="FFFFFF"/>
+          </a:solidFill>
+          <a:ln>
+            <a:noFill/>
+          </a:ln>
+        </p:spPr>
+        <p:style>
+          <a:lnRef idx="2">
+            <a:schemeClr val="accent1">
+              <a:shade val="50000"/>
+            </a:schemeClr>
+          </a:lnRef>
+          <a:fillRef idx="1">
+            <a:schemeClr val="accent1"/>
+          </a:fillRef>
+          <a:effectRef idx="0">
+            <a:schemeClr val="accent1"/>
+          </a:effectRef>
+          <a:fontRef idx="minor">
+            <a:schemeClr val="lt1"/>
+          </a:fontRef>
+        </p:style>
+        <p:txBody>
+          <a:bodyPr rtlCol="0" anchor="ctr"/>
+          <a:lstStyle/>
+          <a:p>
+            <a:pPr algn="ctr"/>
+            <a:endParaRPr lang="en-US"/>
+          </a:p>
+        </p:txBody>
+      </p:sp>
+      <p:sp>
+        <p:nvSpPr>
+          <p:cNvPr id="8" name="Subtitle 7">
+            <a:extLst>
+              <a:ext uri="{FF2B5EF4-FFF2-40B4-BE49-F238E27FC236}">
+                <a16:creationId xmlns:a16="http://schemas.microsoft.com/office/drawing/2014/main" id="{272A9347-692A-B043-84BE-DF4576A3CB72}"/>
+              </a:ext>
+            </a:extLst>
+          </p:cNvPr>
+          <p:cNvSpPr>
+            <a:spLocks noGrp="1"/>
+          </p:cNvSpPr>
+          <p:nvPr>
+            <p:ph type="subTitle" idx="1"/>
+          </p:nvPr>
+        </p:nvSpPr>
+        <p:spPr>
+          <a:xfrm>
+            <a:off x="2695194" y="5688535"/>
+            <a:ext cx="6801612" cy="536125"/>
+          </a:xfrm>
+        </p:spPr>
+        <p:txBody>
+          <a:bodyPr vert="horz" lIns="91440" tIns="45720" rIns="91440" bIns="45720" rtlCol="0">
+            <a:normAutofit/>
+          </a:bodyPr>
+          <a:lstStyle/>
+          <a:p>
+            <a:endParaRPr lang="en-US" sz="1800" dirty="0"/>
+          </a:p>
+        </p:txBody>
+      </p:sp>
+      <p:pic>
+        <p:nvPicPr>
+          <p:cNvPr id="11" name="Picture 10">
+            <a:extLst>
+              <a:ext uri="{FF2B5EF4-FFF2-40B4-BE49-F238E27FC236}">
+                <a16:creationId xmlns:a16="http://schemas.microsoft.com/office/drawing/2014/main" id="{7AC436D0-3891-F749-8EE9-F25506AE9913}"/>
+              </a:ext>
+            </a:extLst>
+          </p:cNvPr>
+          <p:cNvPicPr>
+            <a:picLocks noChangeAspect="1"/>
+          </p:cNvPicPr>
+          <p:nvPr/>
+        </p:nvPicPr>
+        <p:blipFill>
+          <a:blip r:embed="rId3"/>
+          <a:stretch>
+            <a:fillRect/>
+          </a:stretch>
+        </p:blipFill>
+        <p:spPr>
+          <a:xfrm>
+            <a:off x="200576" y="5220670"/>
+            <a:ext cx="1320423" cy="1320423"/>
+          </a:xfrm>
+          <a:prstGeom prst="rect">
+            <a:avLst/>
+          </a:prstGeom>
+        </p:spPr>
+      </p:pic>
+    </p:spTree>
+    <p:extLst>
+      <p:ext uri="{BB962C8B-B14F-4D97-AF65-F5344CB8AC3E}">
+        <p14:creationId xmlns:p14="http://schemas.microsoft.com/office/powerpoint/2010/main" val="4057090941"/>
       </p:ext>
     </p:extLst>
   </p:cSld>
@@ -3685,37 +8674,37 @@
         <a:srgbClr val="000000"/>
       </a:dk1>
       <a:lt1>
-        <a:srgbClr val="FFFFFF"/>
+        <a:sysClr val="window" lastClr="FFFFFF"/>
       </a:lt1>
       <a:dk2>
-        <a:srgbClr val="4A5356"/>
+        <a:srgbClr val="5E5E5E"/>
       </a:dk2>
       <a:lt2>
-        <a:srgbClr val="E8E3CE"/>
+        <a:srgbClr val="DDDDDD"/>
       </a:lt2>
       <a:accent1>
-        <a:srgbClr val="F6A21D"/>
+        <a:srgbClr val="A6B727"/>
       </a:accent1>
       <a:accent2>
-        <a:srgbClr val="9BAFB5"/>
+        <a:srgbClr val="418AB3"/>
       </a:accent2>
       <a:accent3>
-        <a:srgbClr val="C96731"/>
+        <a:srgbClr val="F69200"/>
       </a:accent3>
       <a:accent4>
-        <a:srgbClr val="9CA383"/>
+        <a:srgbClr val="838383"/>
       </a:accent4>
       <a:accent5>
-        <a:srgbClr val="87795D"/>
+        <a:srgbClr val="FEC306"/>
       </a:accent5>
       <a:accent6>
-        <a:srgbClr val="A0988C"/>
+        <a:srgbClr val="DF5327"/>
       </a:accent6>
       <a:hlink>
-        <a:srgbClr val="00B0F0"/>
+        <a:srgbClr val="F59E00"/>
       </a:hlink>
       <a:folHlink>
-        <a:srgbClr val="738F97"/>
+        <a:srgbClr val="B2B2B2"/>
       </a:folHlink>
     </a:clrScheme>
     <a:fontScheme name="Parcel">
@@ -3931,7 +8920,302 @@
   <a:extraClrSchemeLst/>
   <a:extLst>
     <a:ext uri="{05A4C25C-085E-4340-85A3-A5531E510DB2}">
-      <thm15:themeFamily xmlns:thm15="http://schemas.microsoft.com/office/thememl/2012/main" name="Parcel" id="{8BEC4385-4EB9-4D53-BFB5-0EA123736B6D}" vid="{4DB32801-28C0-48B0-8C1D-A9A58613615A}"/>
+      <thm15:themeFamily xmlns:thm15="http://schemas.microsoft.com/office/thememl/2012/main" name="Parcel" id="{8BEC4385-4EB9-4D53-BFB5-0EA123736B6D}" vid="{A425FB89-E954-4A2A-81DC-D90804A94DBA}"/>
+    </a:ext>
+  </a:extLst>
+</a:theme>
+</file>
+
+<file path=ppt/theme/theme2.xml><?xml version="1.0" encoding="utf-8"?>
+<a:theme xmlns:a="http://schemas.openxmlformats.org/drawingml/2006/main" name="Office Theme">
+  <a:themeElements>
+    <a:clrScheme name="Office">
+      <a:dk1>
+        <a:sysClr val="windowText" lastClr="000000"/>
+      </a:dk1>
+      <a:lt1>
+        <a:sysClr val="window" lastClr="FFFFFF"/>
+      </a:lt1>
+      <a:dk2>
+        <a:srgbClr val="44546A"/>
+      </a:dk2>
+      <a:lt2>
+        <a:srgbClr val="E7E6E6"/>
+      </a:lt2>
+      <a:accent1>
+        <a:srgbClr val="4472C4"/>
+      </a:accent1>
+      <a:accent2>
+        <a:srgbClr val="ED7D31"/>
+      </a:accent2>
+      <a:accent3>
+        <a:srgbClr val="A5A5A5"/>
+      </a:accent3>
+      <a:accent4>
+        <a:srgbClr val="FFC000"/>
+      </a:accent4>
+      <a:accent5>
+        <a:srgbClr val="5B9BD5"/>
+      </a:accent5>
+      <a:accent6>
+        <a:srgbClr val="70AD47"/>
+      </a:accent6>
+      <a:hlink>
+        <a:srgbClr val="0563C1"/>
+      </a:hlink>
+      <a:folHlink>
+        <a:srgbClr val="954F72"/>
+      </a:folHlink>
+    </a:clrScheme>
+    <a:fontScheme name="Office">
+      <a:majorFont>
+        <a:latin typeface="Calibri Light" panose="020F0302020204030204"/>
+        <a:ea typeface=""/>
+        <a:cs typeface=""/>
+        <a:font script="Jpan" typeface="游ゴシック Light"/>
+        <a:font script="Hang" typeface="맑은 고딕"/>
+        <a:font script="Hans" typeface="等线 Light"/>
+        <a:font script="Hant" typeface="新細明體"/>
+        <a:font script="Arab" typeface="Times New Roman"/>
+        <a:font script="Hebr" typeface="Times New Roman"/>
+        <a:font script="Thai" typeface="Angsana New"/>
+        <a:font script="Ethi" typeface="Nyala"/>
+        <a:font script="Beng" typeface="Vrinda"/>
+        <a:font script="Gujr" typeface="Shruti"/>
+        <a:font script="Khmr" typeface="MoolBoran"/>
+        <a:font script="Knda" typeface="Tunga"/>
+        <a:font script="Guru" typeface="Raavi"/>
+        <a:font script="Cans" typeface="Euphemia"/>
+        <a:font script="Cher" typeface="Plantagenet Cherokee"/>
+        <a:font script="Yiii" typeface="Microsoft Yi Baiti"/>
+        <a:font script="Tibt" typeface="Microsoft Himalaya"/>
+        <a:font script="Thaa" typeface="MV Boli"/>
+        <a:font script="Deva" typeface="Mangal"/>
+        <a:font script="Telu" typeface="Gautami"/>
+        <a:font script="Taml" typeface="Latha"/>
+        <a:font script="Syrc" typeface="Estrangelo Edessa"/>
+        <a:font script="Orya" typeface="Kalinga"/>
+        <a:font script="Mlym" typeface="Kartika"/>
+        <a:font script="Laoo" typeface="DokChampa"/>
+        <a:font script="Sinh" typeface="Iskoola Pota"/>
+        <a:font script="Mong" typeface="Mongolian Baiti"/>
+        <a:font script="Viet" typeface="Times New Roman"/>
+        <a:font script="Uigh" typeface="Microsoft Uighur"/>
+        <a:font script="Geor" typeface="Sylfaen"/>
+        <a:font script="Armn" typeface="Arial"/>
+        <a:font script="Bugi" typeface="Leelawadee UI"/>
+        <a:font script="Bopo" typeface="Microsoft JhengHei"/>
+        <a:font script="Java" typeface="Javanese Text"/>
+        <a:font script="Lisu" typeface="Segoe UI"/>
+        <a:font script="Mymr" typeface="Myanmar Text"/>
+        <a:font script="Nkoo" typeface="Ebrima"/>
+        <a:font script="Olck" typeface="Nirmala UI"/>
+        <a:font script="Osma" typeface="Ebrima"/>
+        <a:font script="Phag" typeface="Phagspa"/>
+        <a:font script="Syrn" typeface="Estrangelo Edessa"/>
+        <a:font script="Syrj" typeface="Estrangelo Edessa"/>
+        <a:font script="Syre" typeface="Estrangelo Edessa"/>
+        <a:font script="Sora" typeface="Nirmala UI"/>
+        <a:font script="Tale" typeface="Microsoft Tai Le"/>
+        <a:font script="Talu" typeface="Microsoft New Tai Lue"/>
+        <a:font script="Tfng" typeface="Ebrima"/>
+      </a:majorFont>
+      <a:minorFont>
+        <a:latin typeface="Calibri" panose="020F0502020204030204"/>
+        <a:ea typeface=""/>
+        <a:cs typeface=""/>
+        <a:font script="Jpan" typeface="游ゴシック"/>
+        <a:font script="Hang" typeface="맑은 고딕"/>
+        <a:font script="Hans" typeface="等线"/>
+        <a:font script="Hant" typeface="新細明體"/>
+        <a:font script="Arab" typeface="Arial"/>
+        <a:font script="Hebr" typeface="Arial"/>
+        <a:font script="Thai" typeface="Cordia New"/>
+        <a:font script="Ethi" typeface="Nyala"/>
+        <a:font script="Beng" typeface="Vrinda"/>
+        <a:font script="Gujr" typeface="Shruti"/>
+        <a:font script="Khmr" typeface="DaunPenh"/>
+        <a:font script="Knda" typeface="Tunga"/>
+        <a:font script="Guru" typeface="Raavi"/>
+        <a:font script="Cans" typeface="Euphemia"/>
+        <a:font script="Cher" typeface="Plantagenet Cherokee"/>
+        <a:font script="Yiii" typeface="Microsoft Yi Baiti"/>
+        <a:font script="Tibt" typeface="Microsoft Himalaya"/>
+        <a:font script="Thaa" typeface="MV Boli"/>
+        <a:font script="Deva" typeface="Mangal"/>
+        <a:font script="Telu" typeface="Gautami"/>
+        <a:font script="Taml" typeface="Latha"/>
+        <a:font script="Syrc" typeface="Estrangelo Edessa"/>
+        <a:font script="Orya" typeface="Kalinga"/>
+        <a:font script="Mlym" typeface="Kartika"/>
+        <a:font script="Laoo" typeface="DokChampa"/>
+        <a:font script="Sinh" typeface="Iskoola Pota"/>
+        <a:font script="Mong" typeface="Mongolian Baiti"/>
+        <a:font script="Viet" typeface="Arial"/>
+        <a:font script="Uigh" typeface="Microsoft Uighur"/>
+        <a:font script="Geor" typeface="Sylfaen"/>
+        <a:font script="Armn" typeface="Arial"/>
+        <a:font script="Bugi" typeface="Leelawadee UI"/>
+        <a:font script="Bopo" typeface="Microsoft JhengHei"/>
+        <a:font script="Java" typeface="Javanese Text"/>
+        <a:font script="Lisu" typeface="Segoe UI"/>
+        <a:font script="Mymr" typeface="Myanmar Text"/>
+        <a:font script="Nkoo" typeface="Ebrima"/>
+        <a:font script="Olck" typeface="Nirmala UI"/>
+        <a:font script="Osma" typeface="Ebrima"/>
+        <a:font script="Phag" typeface="Phagspa"/>
+        <a:font script="Syrn" typeface="Estrangelo Edessa"/>
+        <a:font script="Syrj" typeface="Estrangelo Edessa"/>
+        <a:font script="Syre" typeface="Estrangelo Edessa"/>
+        <a:font script="Sora" typeface="Nirmala UI"/>
+        <a:font script="Tale" typeface="Microsoft Tai Le"/>
+        <a:font script="Talu" typeface="Microsoft New Tai Lue"/>
+        <a:font script="Tfng" typeface="Ebrima"/>
+      </a:minorFont>
+    </a:fontScheme>
+    <a:fmtScheme name="Office">
+      <a:fillStyleLst>
+        <a:solidFill>
+          <a:schemeClr val="phClr"/>
+        </a:solidFill>
+        <a:gradFill rotWithShape="1">
+          <a:gsLst>
+            <a:gs pos="0">
+              <a:schemeClr val="phClr">
+                <a:lumMod val="110000"/>
+                <a:satMod val="105000"/>
+                <a:tint val="67000"/>
+              </a:schemeClr>
+            </a:gs>
+            <a:gs pos="50000">
+              <a:schemeClr val="phClr">
+                <a:lumMod val="105000"/>
+                <a:satMod val="103000"/>
+                <a:tint val="73000"/>
+              </a:schemeClr>
+            </a:gs>
+            <a:gs pos="100000">
+              <a:schemeClr val="phClr">
+                <a:lumMod val="105000"/>
+                <a:satMod val="109000"/>
+                <a:tint val="81000"/>
+              </a:schemeClr>
+            </a:gs>
+          </a:gsLst>
+          <a:lin ang="5400000" scaled="0"/>
+        </a:gradFill>
+        <a:gradFill rotWithShape="1">
+          <a:gsLst>
+            <a:gs pos="0">
+              <a:schemeClr val="phClr">
+                <a:satMod val="103000"/>
+                <a:lumMod val="102000"/>
+                <a:tint val="94000"/>
+              </a:schemeClr>
+            </a:gs>
+            <a:gs pos="50000">
+              <a:schemeClr val="phClr">
+                <a:satMod val="110000"/>
+                <a:lumMod val="100000"/>
+                <a:shade val="100000"/>
+              </a:schemeClr>
+            </a:gs>
+            <a:gs pos="100000">
+              <a:schemeClr val="phClr">
+                <a:lumMod val="99000"/>
+                <a:satMod val="120000"/>
+                <a:shade val="78000"/>
+              </a:schemeClr>
+            </a:gs>
+          </a:gsLst>
+          <a:lin ang="5400000" scaled="0"/>
+        </a:gradFill>
+      </a:fillStyleLst>
+      <a:lnStyleLst>
+        <a:ln w="6350" cap="flat" cmpd="sng" algn="ctr">
+          <a:solidFill>
+            <a:schemeClr val="phClr"/>
+          </a:solidFill>
+          <a:prstDash val="solid"/>
+          <a:miter lim="800000"/>
+        </a:ln>
+        <a:ln w="12700" cap="flat" cmpd="sng" algn="ctr">
+          <a:solidFill>
+            <a:schemeClr val="phClr"/>
+          </a:solidFill>
+          <a:prstDash val="solid"/>
+          <a:miter lim="800000"/>
+        </a:ln>
+        <a:ln w="19050" cap="flat" cmpd="sng" algn="ctr">
+          <a:solidFill>
+            <a:schemeClr val="phClr"/>
+          </a:solidFill>
+          <a:prstDash val="solid"/>
+          <a:miter lim="800000"/>
+        </a:ln>
+      </a:lnStyleLst>
+      <a:effectStyleLst>
+        <a:effectStyle>
+          <a:effectLst/>
+        </a:effectStyle>
+        <a:effectStyle>
+          <a:effectLst/>
+        </a:effectStyle>
+        <a:effectStyle>
+          <a:effectLst>
+            <a:outerShdw blurRad="57150" dist="19050" dir="5400000" algn="ctr" rotWithShape="0">
+              <a:srgbClr val="000000">
+                <a:alpha val="63000"/>
+              </a:srgbClr>
+            </a:outerShdw>
+          </a:effectLst>
+        </a:effectStyle>
+      </a:effectStyleLst>
+      <a:bgFillStyleLst>
+        <a:solidFill>
+          <a:schemeClr val="phClr"/>
+        </a:solidFill>
+        <a:solidFill>
+          <a:schemeClr val="phClr">
+            <a:tint val="95000"/>
+            <a:satMod val="170000"/>
+          </a:schemeClr>
+        </a:solidFill>
+        <a:gradFill rotWithShape="1">
+          <a:gsLst>
+            <a:gs pos="0">
+              <a:schemeClr val="phClr">
+                <a:tint val="93000"/>
+                <a:satMod val="150000"/>
+                <a:shade val="98000"/>
+                <a:lumMod val="102000"/>
+              </a:schemeClr>
+            </a:gs>
+            <a:gs pos="50000">
+              <a:schemeClr val="phClr">
+                <a:tint val="98000"/>
+                <a:satMod val="130000"/>
+                <a:shade val="90000"/>
+                <a:lumMod val="103000"/>
+              </a:schemeClr>
+            </a:gs>
+            <a:gs pos="100000">
+              <a:schemeClr val="phClr">
+                <a:shade val="63000"/>
+                <a:satMod val="120000"/>
+              </a:schemeClr>
+            </a:gs>
+          </a:gsLst>
+          <a:lin ang="5400000" scaled="0"/>
+        </a:gradFill>
+      </a:bgFillStyleLst>
+    </a:fmtScheme>
+  </a:themeElements>
+  <a:objectDefaults/>
+  <a:extraClrSchemeLst/>
+  <a:extLst>
+    <a:ext uri="{05A4C25C-085E-4340-85A3-A5531E510DB2}">
+      <thm15:themeFamily xmlns:thm15="http://schemas.microsoft.com/office/thememl/2012/main" name="Office Theme" id="{62F939B6-93AF-4DB8-9C6B-D6C7DFDC589F}" vid="{4A3C46E8-61CC-4603-A589-7422A47A8E4A}"/>
     </a:ext>
   </a:extLst>
 </a:theme>

--- a/documentation/loan_defaults_presentation.pptx
+++ b/documentation/loan_defaults_presentation.pptx
@@ -517,33 +517,7 @@
           <a:p>
             <a:r>
               <a:rPr lang="en-US" dirty="0"/>
-              <a:t>Scheduled for 10 mins + time for questions</a:t>
-            </a:r>
-          </a:p>
-          <a:p>
-            <a:endParaRPr lang="en-US" dirty="0"/>
-          </a:p>
-          <a:p>
-            <a:endParaRPr lang="en-US" dirty="0"/>
-          </a:p>
-          <a:p>
-            <a:endParaRPr lang="en-US" dirty="0"/>
-          </a:p>
-          <a:p>
-            <a:endParaRPr lang="en-US" dirty="0"/>
-          </a:p>
-          <a:p>
-            <a:r>
-              <a:rPr lang="en-US" dirty="0"/>
-              <a:t>During rehearsals at this point in the </a:t>
-            </a:r>
-            <a:r>
-              <a:rPr lang="en-US" dirty="0" err="1"/>
-              <a:t>pres</a:t>
-            </a:r>
-            <a:r>
-              <a:rPr lang="en-US" dirty="0"/>
-              <a:t>,  my gf mistakenly thought my presentation was about loans with Greggs the baker due to the likeness with the image at the bottom right of the screen - </a:t>
+              <a:t>From this you can begin to identify business question from and for all you data spuds out there you may even be able to imagine what the analysis process  may even look like.</a:t>
             </a:r>
           </a:p>
         </p:txBody>
@@ -565,7 +539,7 @@
           <a:p>
             <a:fld id="{360BD77D-F896-FD47-98B6-59426B3702AE}" type="slidenum">
               <a:rPr lang="en-US" smtClean="0"/>
-              <a:t>3</a:t>
+              <a:t>2</a:t>
             </a:fld>
             <a:endParaRPr lang="en-US"/>
           </a:p>
@@ -574,7 +548,7 @@
     </p:spTree>
     <p:extLst>
       <p:ext uri="{BB962C8B-B14F-4D97-AF65-F5344CB8AC3E}">
-        <p14:creationId xmlns:p14="http://schemas.microsoft.com/office/powerpoint/2010/main" val="4177672846"/>
+        <p14:creationId xmlns:p14="http://schemas.microsoft.com/office/powerpoint/2010/main" val="2111502877"/>
       </p:ext>
     </p:extLst>
   </p:cSld>
@@ -585,6 +559,90 @@
 </file>
 
 <file path=ppt/notesSlides/notesSlide10.xml><?xml version="1.0" encoding="utf-8"?>
+<p:notes xmlns:a="http://schemas.openxmlformats.org/drawingml/2006/main" xmlns:r="http://schemas.openxmlformats.org/officeDocument/2006/relationships" xmlns:p="http://schemas.openxmlformats.org/presentationml/2006/main">
+  <p:cSld>
+    <p:spTree>
+      <p:nvGrpSpPr>
+        <p:cNvPr id="1" name=""/>
+        <p:cNvGrpSpPr/>
+        <p:nvPr/>
+      </p:nvGrpSpPr>
+      <p:grpSpPr>
+        <a:xfrm>
+          <a:off x="0" y="0"/>
+          <a:ext cx="0" cy="0"/>
+          <a:chOff x="0" y="0"/>
+          <a:chExt cx="0" cy="0"/>
+        </a:xfrm>
+      </p:grpSpPr>
+      <p:sp>
+        <p:nvSpPr>
+          <p:cNvPr id="2" name="Slide Image Placeholder 1"/>
+          <p:cNvSpPr>
+            <a:spLocks noGrp="1" noRot="1" noChangeAspect="1"/>
+          </p:cNvSpPr>
+          <p:nvPr>
+            <p:ph type="sldImg"/>
+          </p:nvPr>
+        </p:nvSpPr>
+        <p:spPr/>
+      </p:sp>
+      <p:sp>
+        <p:nvSpPr>
+          <p:cNvPr id="3" name="Notes Placeholder 2"/>
+          <p:cNvSpPr>
+            <a:spLocks noGrp="1"/>
+          </p:cNvSpPr>
+          <p:nvPr>
+            <p:ph type="body" idx="1"/>
+          </p:nvPr>
+        </p:nvSpPr>
+        <p:spPr/>
+        <p:txBody>
+          <a:bodyPr/>
+          <a:lstStyle/>
+          <a:p>
+            <a:endParaRPr lang="en-US" dirty="0"/>
+          </a:p>
+        </p:txBody>
+      </p:sp>
+      <p:sp>
+        <p:nvSpPr>
+          <p:cNvPr id="4" name="Slide Number Placeholder 3"/>
+          <p:cNvSpPr>
+            <a:spLocks noGrp="1"/>
+          </p:cNvSpPr>
+          <p:nvPr>
+            <p:ph type="sldNum" sz="quarter" idx="5"/>
+          </p:nvPr>
+        </p:nvSpPr>
+        <p:spPr/>
+        <p:txBody>
+          <a:bodyPr/>
+          <a:lstStyle/>
+          <a:p>
+            <a:fld id="{360BD77D-F896-FD47-98B6-59426B3702AE}" type="slidenum">
+              <a:rPr lang="en-US" smtClean="0"/>
+              <a:t>11</a:t>
+            </a:fld>
+            <a:endParaRPr lang="en-US"/>
+          </a:p>
+        </p:txBody>
+      </p:sp>
+    </p:spTree>
+    <p:extLst>
+      <p:ext uri="{BB962C8B-B14F-4D97-AF65-F5344CB8AC3E}">
+        <p14:creationId xmlns:p14="http://schemas.microsoft.com/office/powerpoint/2010/main" val="2256872610"/>
+      </p:ext>
+    </p:extLst>
+  </p:cSld>
+  <p:clrMapOvr>
+    <a:masterClrMapping/>
+  </p:clrMapOvr>
+</p:notes>
+</file>
+
+<file path=ppt/notesSlides/notesSlide11.xml><?xml version="1.0" encoding="utf-8"?>
 <p:notes xmlns:a="http://schemas.openxmlformats.org/drawingml/2006/main" xmlns:r="http://schemas.openxmlformats.org/officeDocument/2006/relationships" xmlns:p="http://schemas.openxmlformats.org/presentationml/2006/main">
   <p:cSld>
     <p:spTree>
@@ -713,102 +771,35 @@
           <a:lstStyle/>
           <a:p>
             <a:r>
-              <a:rPr lang="en-GB" dirty="0"/>
-              <a:t>Founded - 2006</a:t>
-            </a:r>
-          </a:p>
-          <a:p>
-            <a:pPr marL="0" marR="0" lvl="0" indent="0" algn="l" defTabSz="914400" rtl="0" eaLnBrk="1" fontAlgn="auto" latinLnBrk="0" hangingPunct="1">
-              <a:lnSpc>
-                <a:spcPct val="100000"/>
-              </a:lnSpc>
-              <a:spcBef>
-                <a:spcPts val="0"/>
-              </a:spcBef>
-              <a:spcAft>
-                <a:spcPts val="0"/>
-              </a:spcAft>
-              <a:buClrTx/>
-              <a:buSzTx/>
-              <a:buFontTx/>
-              <a:buNone/>
-              <a:tabLst/>
-              <a:defRPr/>
-            </a:pPr>
-            <a:r>
-              <a:rPr lang="en-GB" dirty="0"/>
-              <a:t>Employees - 1,837 (2017)</a:t>
-            </a:r>
+              <a:rPr lang="en-US" dirty="0"/>
+              <a:t>Scheduled for 10 mins + time for questions</a:t>
+            </a:r>
+          </a:p>
+          <a:p>
             <a:endParaRPr lang="en-US" dirty="0"/>
           </a:p>
           <a:p>
-            <a:endParaRPr lang="en-GB" dirty="0"/>
-          </a:p>
-          <a:p>
-            <a:r>
-              <a:rPr lang="en-GB" dirty="0" err="1"/>
-              <a:t>LendingClub</a:t>
-            </a:r>
-            <a:r>
-              <a:rPr lang="en-GB" dirty="0"/>
-              <a:t> is a peer-to-peer lending company headquartered in San Francisco, California. It was the first peer-to-peer lender to register its offerings as securities with the Securities and Exchange Commission, and to offer loan trading on a secondary market. </a:t>
-            </a:r>
-          </a:p>
-          <a:p>
-            <a:endParaRPr lang="en-GB" dirty="0"/>
-          </a:p>
-          <a:p>
-            <a:r>
-              <a:rPr lang="en-GB" dirty="0"/>
-              <a:t>SO?? THE pathfinder into a new style of loaning system.</a:t>
-            </a:r>
-          </a:p>
-          <a:p>
-            <a:endParaRPr lang="en-GB" dirty="0"/>
-          </a:p>
-          <a:p>
-            <a:r>
-              <a:rPr lang="en-GB" dirty="0"/>
-              <a:t>- Very popular as proclaimed on their website</a:t>
-            </a:r>
-          </a:p>
-          <a:p>
-            <a:r>
-              <a:rPr lang="en-GB" dirty="0"/>
-              <a:t>- Has even won some awards</a:t>
-            </a:r>
-          </a:p>
-          <a:p>
-            <a:r>
-              <a:rPr lang="en-GB" dirty="0"/>
-              <a:t>-  cowboys1 from </a:t>
-            </a:r>
-            <a:r>
-              <a:rPr lang="en-GB" dirty="0" err="1"/>
-              <a:t>cali</a:t>
-            </a:r>
-            <a:r>
-              <a:rPr lang="en-GB" dirty="0"/>
-              <a:t> very recently has enjoyed his loan</a:t>
-            </a:r>
-          </a:p>
-          <a:p>
-            <a:endParaRPr lang="en-GB" dirty="0"/>
-          </a:p>
-          <a:p>
-            <a:r>
-              <a:rPr lang="en-GB" dirty="0"/>
-              <a:t>WORKFLOW - LC are facilitators (middle men) </a:t>
-            </a:r>
-          </a:p>
-          <a:p>
-            <a:endParaRPr lang="en-GB" dirty="0"/>
-          </a:p>
-          <a:p>
-            <a:endParaRPr lang="en-GB" dirty="0"/>
-          </a:p>
-          <a:p>
-            <a:endParaRPr lang="en-GB" dirty="0"/>
+            <a:endParaRPr lang="en-US" dirty="0"/>
+          </a:p>
+          <a:p>
+            <a:endParaRPr lang="en-US" dirty="0"/>
+          </a:p>
+          <a:p>
+            <a:endParaRPr lang="en-US" dirty="0"/>
+          </a:p>
+          <a:p>
+            <a:r>
+              <a:rPr lang="en-US" dirty="0"/>
+              <a:t>During rehearsals at this point in the </a:t>
+            </a:r>
+            <a:r>
+              <a:rPr lang="en-US" dirty="0" err="1"/>
+              <a:t>pres</a:t>
+            </a:r>
+            <a:r>
+              <a:rPr lang="en-US" dirty="0"/>
+              <a:t>,  my gf mistakenly thought my presentation was about loans with Greggs the baker ... who knows you might even get a cinnamon bun with your loan</a:t>
+            </a:r>
           </a:p>
         </p:txBody>
       </p:sp>
@@ -829,7 +820,7 @@
           <a:p>
             <a:fld id="{360BD77D-F896-FD47-98B6-59426B3702AE}" type="slidenum">
               <a:rPr lang="en-US" smtClean="0"/>
-              <a:t>4</a:t>
+              <a:t>3</a:t>
             </a:fld>
             <a:endParaRPr lang="en-US"/>
           </a:p>
@@ -838,7 +829,7 @@
     </p:spTree>
     <p:extLst>
       <p:ext uri="{BB962C8B-B14F-4D97-AF65-F5344CB8AC3E}">
-        <p14:creationId xmlns:p14="http://schemas.microsoft.com/office/powerpoint/2010/main" val="1837223661"/>
+        <p14:creationId xmlns:p14="http://schemas.microsoft.com/office/powerpoint/2010/main" val="4177672846"/>
       </p:ext>
     </p:extLst>
   </p:cSld>
@@ -893,18 +884,122 @@
           <a:lstStyle/>
           <a:p>
             <a:r>
-              <a:rPr lang="en-GB" b="1" dirty="0"/>
-              <a:t>As the great Prussian Field Marshal Helmuth von Moltke the Elder </a:t>
-            </a:r>
-          </a:p>
-          <a:p>
-            <a:endParaRPr lang="en-US" dirty="0"/>
-          </a:p>
-          <a:p>
-            <a:r>
-              <a:rPr lang="en-US" dirty="0"/>
-              <a:t>”No Plan Survives Contact with the enemy”</a:t>
-            </a:r>
+              <a:rPr lang="en-GB" dirty="0"/>
+              <a:t>LC homepage....</a:t>
+            </a:r>
+          </a:p>
+          <a:p>
+            <a:r>
+              <a:rPr lang="en-GB" dirty="0"/>
+              <a:t>Founded - 2006</a:t>
+            </a:r>
+          </a:p>
+          <a:p>
+            <a:pPr marL="0" marR="0" lvl="0" indent="0" algn="l" defTabSz="914400" rtl="0" eaLnBrk="1" fontAlgn="auto" latinLnBrk="0" hangingPunct="1">
+              <a:lnSpc>
+                <a:spcPct val="100000"/>
+              </a:lnSpc>
+              <a:spcBef>
+                <a:spcPts val="0"/>
+              </a:spcBef>
+              <a:spcAft>
+                <a:spcPts val="0"/>
+              </a:spcAft>
+              <a:buClrTx/>
+              <a:buSzTx/>
+              <a:buFontTx/>
+              <a:buNone/>
+              <a:tabLst/>
+              <a:defRPr/>
+            </a:pPr>
+            <a:r>
+              <a:rPr lang="en-GB" dirty="0"/>
+              <a:t>Employees - 1,837 (2017)</a:t>
+            </a:r>
+          </a:p>
+          <a:p>
+            <a:r>
+              <a:rPr lang="en-GB" dirty="0" err="1"/>
+              <a:t>LendingClub</a:t>
+            </a:r>
+            <a:r>
+              <a:rPr lang="en-GB" dirty="0"/>
+              <a:t> is a peer-to-peer lending company headquartered in San Francisco, California. It was the first peer-to-peer lender to register its offerings as securities with the Securities and Exchange Commission, and to offer loan trading on a secondary market. </a:t>
+            </a:r>
+          </a:p>
+          <a:p>
+            <a:endParaRPr lang="en-GB" dirty="0"/>
+          </a:p>
+          <a:p>
+            <a:r>
+              <a:rPr lang="en-GB" dirty="0"/>
+              <a:t>SO?? THE pathfinder into a new style of loaning system.</a:t>
+            </a:r>
+          </a:p>
+          <a:p>
+            <a:endParaRPr lang="en-GB" dirty="0"/>
+          </a:p>
+          <a:p>
+            <a:r>
+              <a:rPr lang="en-GB" dirty="0"/>
+              <a:t>- Very popular as proclaimed on their website</a:t>
+            </a:r>
+          </a:p>
+          <a:p>
+            <a:r>
+              <a:rPr lang="en-GB" dirty="0"/>
+              <a:t>- Has even won some awards</a:t>
+            </a:r>
+          </a:p>
+          <a:p>
+            <a:r>
+              <a:rPr lang="en-GB" dirty="0"/>
+              <a:t>-  and even at 15 hours ago cowboys1 from </a:t>
+            </a:r>
+            <a:r>
+              <a:rPr lang="en-GB" dirty="0" err="1"/>
+              <a:t>cali</a:t>
+            </a:r>
+            <a:r>
+              <a:rPr lang="en-GB" dirty="0"/>
+              <a:t>    has recently enjoyed his loan</a:t>
+            </a:r>
+          </a:p>
+          <a:p>
+            <a:endParaRPr lang="en-GB" dirty="0"/>
+          </a:p>
+          <a:p>
+            <a:r>
+              <a:rPr lang="en-GB" dirty="0"/>
+              <a:t>WORKFLOW - </a:t>
+            </a:r>
+          </a:p>
+          <a:p>
+            <a:endParaRPr lang="en-GB" dirty="0"/>
+          </a:p>
+          <a:p>
+            <a:r>
+              <a:rPr lang="en-GB" dirty="0"/>
+              <a:t>As you can see, peer to peer .. customers apply to LC, LC receives the money from investors, the particulars of the loan go to the issuing bank for approval all while being regulated by the state and federal authorities.</a:t>
+            </a:r>
+          </a:p>
+          <a:p>
+            <a:endParaRPr lang="en-GB" dirty="0"/>
+          </a:p>
+          <a:p>
+            <a:r>
+              <a:rPr lang="en-GB" dirty="0"/>
+              <a:t>SO?? LC are facilitators (middle men), </a:t>
+            </a:r>
+          </a:p>
+          <a:p>
+            <a:endParaRPr lang="en-GB" dirty="0"/>
+          </a:p>
+          <a:p>
+            <a:endParaRPr lang="en-GB" dirty="0"/>
+          </a:p>
+          <a:p>
+            <a:endParaRPr lang="en-GB" dirty="0"/>
           </a:p>
         </p:txBody>
       </p:sp>
@@ -925,7 +1020,7 @@
           <a:p>
             <a:fld id="{360BD77D-F896-FD47-98B6-59426B3702AE}" type="slidenum">
               <a:rPr lang="en-US" smtClean="0"/>
-              <a:t>5</a:t>
+              <a:t>4</a:t>
             </a:fld>
             <a:endParaRPr lang="en-US"/>
           </a:p>
@@ -934,7 +1029,7 @@
     </p:spTree>
     <p:extLst>
       <p:ext uri="{BB962C8B-B14F-4D97-AF65-F5344CB8AC3E}">
-        <p14:creationId xmlns:p14="http://schemas.microsoft.com/office/powerpoint/2010/main" val="1493115210"/>
+        <p14:creationId xmlns:p14="http://schemas.microsoft.com/office/powerpoint/2010/main" val="1837223661"/>
       </p:ext>
     </p:extLst>
   </p:cSld>
@@ -988,7 +1083,96 @@
           <a:bodyPr/>
           <a:lstStyle/>
           <a:p>
+            <a:r>
+              <a:rPr lang="en-GB" b="1" dirty="0"/>
+              <a:t>As the great Prussian Field Marshal Helmuth von Moltke the Elder </a:t>
+            </a:r>
+          </a:p>
+          <a:p>
             <a:endParaRPr lang="en-US" dirty="0"/>
+          </a:p>
+          <a:p>
+            <a:r>
+              <a:rPr lang="en-US" dirty="0"/>
+              <a:t>”No Plan Survives Contact with the enemy” or words to that effect..... It certainly was true in my case, as you will find out</a:t>
+            </a:r>
+          </a:p>
+          <a:p>
+            <a:endParaRPr lang="en-US" dirty="0"/>
+          </a:p>
+          <a:p>
+            <a:endParaRPr lang="en-US" dirty="0"/>
+          </a:p>
+          <a:p>
+            <a:r>
+              <a:rPr lang="en-US" dirty="0"/>
+              <a:t>- Chose this brief because </a:t>
+            </a:r>
+            <a:r>
+              <a:rPr lang="en-US" dirty="0" err="1"/>
+              <a:t>i</a:t>
+            </a:r>
+            <a:r>
+              <a:rPr lang="en-US" dirty="0"/>
+              <a:t> am really fascinated by models and the predictive power they have, I </a:t>
+            </a:r>
+            <a:r>
+              <a:rPr lang="en-US" dirty="0" err="1"/>
+              <a:t>wasnt</a:t>
+            </a:r>
+            <a:r>
+              <a:rPr lang="en-US" dirty="0"/>
+              <a:t> fully confident with them after the lectures so wanted to challenge myself.</a:t>
+            </a:r>
+          </a:p>
+          <a:p>
+            <a:endParaRPr lang="en-US" dirty="0"/>
+          </a:p>
+          <a:p>
+            <a:r>
+              <a:rPr lang="en-US" dirty="0"/>
+              <a:t>- Done on </a:t>
+            </a:r>
+            <a:r>
+              <a:rPr lang="en-US" dirty="0" err="1"/>
+              <a:t>excalidraw</a:t>
+            </a:r>
+            <a:r>
+              <a:rPr lang="en-US" dirty="0"/>
+              <a:t> : Broke the brief down into 2 q's......</a:t>
+            </a:r>
+          </a:p>
+          <a:p>
+            <a:endParaRPr lang="en-US" dirty="0"/>
+          </a:p>
+          <a:p>
+            <a:r>
+              <a:rPr lang="en-US" dirty="0"/>
+              <a:t>- Used a Basic analysis workflow for the approach</a:t>
+            </a:r>
+          </a:p>
+          <a:p>
+            <a:endParaRPr lang="en-US" dirty="0"/>
+          </a:p>
+          <a:p>
+            <a:r>
+              <a:rPr lang="en-US" dirty="0"/>
+              <a:t>- </a:t>
+            </a:r>
+            <a:r>
+              <a:rPr lang="en-US" dirty="0" err="1"/>
+              <a:t>Calender</a:t>
+            </a:r>
+            <a:r>
+              <a:rPr lang="en-US" dirty="0"/>
+              <a:t>  for the week - 4 phases.... </a:t>
+            </a:r>
+          </a:p>
+          <a:p>
+            <a:r>
+              <a:rPr lang="en-US" dirty="0"/>
+              <a:t> </a:t>
+            </a:r>
           </a:p>
         </p:txBody>
       </p:sp>
@@ -1009,7 +1193,7 @@
           <a:p>
             <a:fld id="{360BD77D-F896-FD47-98B6-59426B3702AE}" type="slidenum">
               <a:rPr lang="en-US" smtClean="0"/>
-              <a:t>6</a:t>
+              <a:t>5</a:t>
             </a:fld>
             <a:endParaRPr lang="en-US"/>
           </a:p>
@@ -1018,7 +1202,7 @@
     </p:spTree>
     <p:extLst>
       <p:ext uri="{BB962C8B-B14F-4D97-AF65-F5344CB8AC3E}">
-        <p14:creationId xmlns:p14="http://schemas.microsoft.com/office/powerpoint/2010/main" val="4220704941"/>
+        <p14:creationId xmlns:p14="http://schemas.microsoft.com/office/powerpoint/2010/main" val="1493115210"/>
       </p:ext>
     </p:extLst>
   </p:cSld>
@@ -1072,6 +1256,88 @@
           <a:bodyPr/>
           <a:lstStyle/>
           <a:p>
+            <a:r>
+              <a:rPr lang="en-US" dirty="0"/>
+              <a:t>Formats –</a:t>
+            </a:r>
+          </a:p>
+          <a:p>
+            <a:r>
+              <a:rPr lang="en-US" dirty="0"/>
+              <a:t> 3 x csv files in order of largest to smallest depicting if they are from the company or externally provided - </a:t>
+            </a:r>
+            <a:r>
+              <a:rPr lang="en-US" dirty="0" err="1"/>
+              <a:t>supplimentary</a:t>
+            </a:r>
+            <a:r>
+              <a:rPr lang="en-US" dirty="0"/>
+              <a:t> as states were abbreviated in dataset</a:t>
+            </a:r>
+          </a:p>
+          <a:p>
+            <a:endParaRPr lang="en-US" dirty="0"/>
+          </a:p>
+          <a:p>
+            <a:r>
+              <a:rPr lang="en-US" dirty="0"/>
+              <a:t>Table - </a:t>
+            </a:r>
+          </a:p>
+          <a:p>
+            <a:r>
+              <a:rPr lang="en-US" dirty="0"/>
+              <a:t>Variable examples listing multiple data types – I had to remove a large number of Boolean as they were mainly populated with NA/s – considerations were made to customers possibly never experiencing the variable description, however as all NA/s decided to remove</a:t>
+            </a:r>
+          </a:p>
+          <a:p>
+            <a:endParaRPr lang="en-US" dirty="0"/>
+          </a:p>
+          <a:p>
+            <a:r>
+              <a:rPr lang="en-US" dirty="0"/>
+              <a:t>Quality – </a:t>
+            </a:r>
+          </a:p>
+          <a:p>
+            <a:r>
+              <a:rPr lang="en-US" dirty="0"/>
+              <a:t>As seen almost half variables were removed, however still large amounts for model building – I then broke this down further into an “onramp data set” (19) and a ”background check data set”(17),</a:t>
+            </a:r>
+          </a:p>
+          <a:p>
+            <a:endParaRPr lang="en-US" dirty="0"/>
+          </a:p>
+          <a:p>
+            <a:r>
+              <a:rPr lang="en-US" dirty="0"/>
+              <a:t>Bias - </a:t>
+            </a:r>
+          </a:p>
+          <a:p>
+            <a:r>
+              <a:rPr lang="en-US" dirty="0"/>
+              <a:t>No immediate bias, had customer profiles representing all </a:t>
+            </a:r>
+            <a:r>
+              <a:rPr lang="en-US" dirty="0" err="1"/>
+              <a:t>american</a:t>
+            </a:r>
+            <a:r>
+              <a:rPr lang="en-US" dirty="0"/>
+              <a:t> states from varying incomes, home ownership and employments.</a:t>
+            </a:r>
+          </a:p>
+          <a:p>
+            <a:endParaRPr lang="en-US" dirty="0"/>
+          </a:p>
+          <a:p>
+            <a:r>
+              <a:rPr lang="en-US" dirty="0"/>
+              <a:t>Ethical Implications -</a:t>
+            </a:r>
+          </a:p>
+          <a:p>
             <a:endParaRPr lang="en-US" dirty="0"/>
           </a:p>
         </p:txBody>
@@ -1093,7 +1359,7 @@
           <a:p>
             <a:fld id="{360BD77D-F896-FD47-98B6-59426B3702AE}" type="slidenum">
               <a:rPr lang="en-US" smtClean="0"/>
-              <a:t>7</a:t>
+              <a:t>6</a:t>
             </a:fld>
             <a:endParaRPr lang="en-US"/>
           </a:p>
@@ -1102,7 +1368,7 @@
     </p:spTree>
     <p:extLst>
       <p:ext uri="{BB962C8B-B14F-4D97-AF65-F5344CB8AC3E}">
-        <p14:creationId xmlns:p14="http://schemas.microsoft.com/office/powerpoint/2010/main" val="3699739865"/>
+        <p14:creationId xmlns:p14="http://schemas.microsoft.com/office/powerpoint/2010/main" val="4220704941"/>
       </p:ext>
     </p:extLst>
   </p:cSld>
@@ -1177,7 +1443,7 @@
           <a:p>
             <a:fld id="{360BD77D-F896-FD47-98B6-59426B3702AE}" type="slidenum">
               <a:rPr lang="en-US" smtClean="0"/>
-              <a:t>8</a:t>
+              <a:t>7</a:t>
             </a:fld>
             <a:endParaRPr lang="en-US"/>
           </a:p>
@@ -1186,7 +1452,7 @@
     </p:spTree>
     <p:extLst>
       <p:ext uri="{BB962C8B-B14F-4D97-AF65-F5344CB8AC3E}">
-        <p14:creationId xmlns:p14="http://schemas.microsoft.com/office/powerpoint/2010/main" val="3981094865"/>
+        <p14:creationId xmlns:p14="http://schemas.microsoft.com/office/powerpoint/2010/main" val="3699739865"/>
       </p:ext>
     </p:extLst>
   </p:cSld>
@@ -1261,7 +1527,7 @@
           <a:p>
             <a:fld id="{360BD77D-F896-FD47-98B6-59426B3702AE}" type="slidenum">
               <a:rPr lang="en-US" smtClean="0"/>
-              <a:t>9</a:t>
+              <a:t>8</a:t>
             </a:fld>
             <a:endParaRPr lang="en-US"/>
           </a:p>
@@ -1270,7 +1536,7 @@
     </p:spTree>
     <p:extLst>
       <p:ext uri="{BB962C8B-B14F-4D97-AF65-F5344CB8AC3E}">
-        <p14:creationId xmlns:p14="http://schemas.microsoft.com/office/powerpoint/2010/main" val="207199627"/>
+        <p14:creationId xmlns:p14="http://schemas.microsoft.com/office/powerpoint/2010/main" val="3981094865"/>
       </p:ext>
     </p:extLst>
   </p:cSld>
@@ -1345,7 +1611,7 @@
           <a:p>
             <a:fld id="{360BD77D-F896-FD47-98B6-59426B3702AE}" type="slidenum">
               <a:rPr lang="en-US" smtClean="0"/>
-              <a:t>10</a:t>
+              <a:t>9</a:t>
             </a:fld>
             <a:endParaRPr lang="en-US"/>
           </a:p>
@@ -1354,7 +1620,7 @@
     </p:spTree>
     <p:extLst>
       <p:ext uri="{BB962C8B-B14F-4D97-AF65-F5344CB8AC3E}">
-        <p14:creationId xmlns:p14="http://schemas.microsoft.com/office/powerpoint/2010/main" val="1432630917"/>
+        <p14:creationId xmlns:p14="http://schemas.microsoft.com/office/powerpoint/2010/main" val="207199627"/>
       </p:ext>
     </p:extLst>
   </p:cSld>
@@ -1429,7 +1695,7 @@
           <a:p>
             <a:fld id="{360BD77D-F896-FD47-98B6-59426B3702AE}" type="slidenum">
               <a:rPr lang="en-US" smtClean="0"/>
-              <a:t>11</a:t>
+              <a:t>10</a:t>
             </a:fld>
             <a:endParaRPr lang="en-US"/>
           </a:p>
@@ -1438,7 +1704,7 @@
     </p:spTree>
     <p:extLst>
       <p:ext uri="{BB962C8B-B14F-4D97-AF65-F5344CB8AC3E}">
-        <p14:creationId xmlns:p14="http://schemas.microsoft.com/office/powerpoint/2010/main" val="2256872610"/>
+        <p14:creationId xmlns:p14="http://schemas.microsoft.com/office/powerpoint/2010/main" val="1432630917"/>
       </p:ext>
     </p:extLst>
   </p:cSld>
@@ -4867,38 +5133,6 @@
           </a:p>
         </p:txBody>
       </p:sp>
-      <p:sp>
-        <p:nvSpPr>
-          <p:cNvPr id="8" name="Subtitle 7">
-            <a:extLst>
-              <a:ext uri="{FF2B5EF4-FFF2-40B4-BE49-F238E27FC236}">
-                <a16:creationId xmlns:a16="http://schemas.microsoft.com/office/drawing/2014/main" id="{272A9347-692A-B043-84BE-DF4576A3CB72}"/>
-              </a:ext>
-            </a:extLst>
-          </p:cNvPr>
-          <p:cNvSpPr>
-            <a:spLocks noGrp="1"/>
-          </p:cNvSpPr>
-          <p:nvPr>
-            <p:ph type="subTitle" idx="1"/>
-          </p:nvPr>
-        </p:nvSpPr>
-        <p:spPr>
-          <a:xfrm>
-            <a:off x="2695194" y="5688535"/>
-            <a:ext cx="6801612" cy="536125"/>
-          </a:xfrm>
-        </p:spPr>
-        <p:txBody>
-          <a:bodyPr vert="horz" lIns="91440" tIns="45720" rIns="91440" bIns="45720" rtlCol="0">
-            <a:normAutofit/>
-          </a:bodyPr>
-          <a:lstStyle/>
-          <a:p>
-            <a:endParaRPr lang="en-US" sz="1800" dirty="0"/>
-          </a:p>
-        </p:txBody>
-      </p:sp>
       <p:pic>
         <p:nvPicPr>
           <p:cNvPr id="13" name="Picture 12">
@@ -4929,6 +5163,31 @@
           </a:prstGeom>
         </p:spPr>
       </p:pic>
+      <p:sp>
+        <p:nvSpPr>
+          <p:cNvPr id="11" name="Subtitle 10">
+            <a:extLst>
+              <a:ext uri="{FF2B5EF4-FFF2-40B4-BE49-F238E27FC236}">
+                <a16:creationId xmlns:a16="http://schemas.microsoft.com/office/drawing/2014/main" id="{19CE8C9C-9E95-834C-90BC-4027941845FC}"/>
+              </a:ext>
+            </a:extLst>
+          </p:cNvPr>
+          <p:cNvSpPr>
+            <a:spLocks noGrp="1"/>
+          </p:cNvSpPr>
+          <p:nvPr>
+            <p:ph type="subTitle" idx="1"/>
+          </p:nvPr>
+        </p:nvSpPr>
+        <p:spPr/>
+        <p:txBody>
+          <a:bodyPr/>
+          <a:lstStyle/>
+          <a:p>
+            <a:endParaRPr lang="en-US"/>
+          </a:p>
+        </p:txBody>
+      </p:sp>
     </p:spTree>
     <p:extLst>
       <p:ext uri="{BB962C8B-B14F-4D97-AF65-F5344CB8AC3E}">
@@ -5030,31 +5289,6 @@
           </a:p>
         </p:txBody>
       </p:sp>
-      <p:sp>
-        <p:nvSpPr>
-          <p:cNvPr id="3" name="Subtitle 2">
-            <a:extLst>
-              <a:ext uri="{FF2B5EF4-FFF2-40B4-BE49-F238E27FC236}">
-                <a16:creationId xmlns:a16="http://schemas.microsoft.com/office/drawing/2014/main" id="{CA2DFC69-8900-C646-8817-F92653B1117D}"/>
-              </a:ext>
-            </a:extLst>
-          </p:cNvPr>
-          <p:cNvSpPr>
-            <a:spLocks noGrp="1"/>
-          </p:cNvSpPr>
-          <p:nvPr>
-            <p:ph type="subTitle" idx="1"/>
-          </p:nvPr>
-        </p:nvSpPr>
-        <p:spPr/>
-        <p:txBody>
-          <a:bodyPr/>
-          <a:lstStyle/>
-          <a:p>
-            <a:endParaRPr lang="en-US"/>
-          </a:p>
-        </p:txBody>
-      </p:sp>
       <p:pic>
         <p:nvPicPr>
           <p:cNvPr id="11" name="Picture 10">
@@ -5079,6 +5313,71 @@
           <a:xfrm>
             <a:off x="200576" y="5220670"/>
             <a:ext cx="1320423" cy="1320423"/>
+          </a:xfrm>
+          <a:prstGeom prst="rect">
+            <a:avLst/>
+          </a:prstGeom>
+        </p:spPr>
+      </p:pic>
+      <p:sp>
+        <p:nvSpPr>
+          <p:cNvPr id="12" name="Subtitle 7">
+            <a:extLst>
+              <a:ext uri="{FF2B5EF4-FFF2-40B4-BE49-F238E27FC236}">
+                <a16:creationId xmlns:a16="http://schemas.microsoft.com/office/drawing/2014/main" id="{94F35771-7795-C449-90E9-9679DBAE49F1}"/>
+              </a:ext>
+            </a:extLst>
+          </p:cNvPr>
+          <p:cNvSpPr>
+            <a:spLocks noGrp="1"/>
+          </p:cNvSpPr>
+          <p:nvPr>
+            <p:ph type="subTitle" idx="1"/>
+          </p:nvPr>
+        </p:nvSpPr>
+        <p:spPr>
+          <a:xfrm>
+            <a:off x="2695194" y="5260934"/>
+            <a:ext cx="6801612" cy="1239894"/>
+          </a:xfrm>
+        </p:spPr>
+        <p:txBody>
+          <a:bodyPr vert="horz" lIns="91440" tIns="45720" rIns="91440" bIns="45720" rtlCol="0">
+            <a:normAutofit/>
+          </a:bodyPr>
+          <a:lstStyle/>
+          <a:p>
+            <a:r>
+              <a:rPr lang="en-US" sz="5400" dirty="0"/>
+              <a:t>Recommendations</a:t>
+            </a:r>
+          </a:p>
+        </p:txBody>
+      </p:sp>
+      <p:pic>
+        <p:nvPicPr>
+          <p:cNvPr id="5" name="Picture 4">
+            <a:extLst>
+              <a:ext uri="{FF2B5EF4-FFF2-40B4-BE49-F238E27FC236}">
+                <a16:creationId xmlns:a16="http://schemas.microsoft.com/office/drawing/2014/main" id="{DE25AF2F-C831-B748-B1A5-3EE7921A727A}"/>
+              </a:ext>
+            </a:extLst>
+          </p:cNvPr>
+          <p:cNvPicPr>
+            <a:picLocks noChangeAspect="1"/>
+          </p:cNvPicPr>
+          <p:nvPr/>
+        </p:nvPicPr>
+        <p:blipFill>
+          <a:blip r:embed="rId4"/>
+          <a:stretch>
+            <a:fillRect/>
+          </a:stretch>
+        </p:blipFill>
+        <p:spPr>
+          <a:xfrm>
+            <a:off x="4629150" y="2444750"/>
+            <a:ext cx="2933700" cy="1968500"/>
           </a:xfrm>
           <a:prstGeom prst="rect">
             <a:avLst/>
@@ -5204,8 +5503,8 @@
         </p:nvSpPr>
         <p:spPr>
           <a:xfrm>
-            <a:off x="2695194" y="5688535"/>
-            <a:ext cx="6801612" cy="536125"/>
+            <a:off x="2695194" y="5312591"/>
+            <a:ext cx="6801612" cy="1136580"/>
           </a:xfrm>
         </p:spPr>
         <p:txBody>
@@ -5214,7 +5513,10 @@
           </a:bodyPr>
           <a:lstStyle/>
           <a:p>
-            <a:endParaRPr lang="en-US" sz="1800" dirty="0"/>
+            <a:r>
+              <a:rPr lang="en-US" sz="5400" dirty="0"/>
+              <a:t>Questions</a:t>
+            </a:r>
           </a:p>
         </p:txBody>
       </p:sp>
@@ -5242,6 +5544,36 @@
           <a:xfrm>
             <a:off x="200576" y="5220670"/>
             <a:ext cx="1320423" cy="1320423"/>
+          </a:xfrm>
+          <a:prstGeom prst="rect">
+            <a:avLst/>
+          </a:prstGeom>
+        </p:spPr>
+      </p:pic>
+      <p:pic>
+        <p:nvPicPr>
+          <p:cNvPr id="10" name="Picture 9">
+            <a:extLst>
+              <a:ext uri="{FF2B5EF4-FFF2-40B4-BE49-F238E27FC236}">
+                <a16:creationId xmlns:a16="http://schemas.microsoft.com/office/drawing/2014/main" id="{5A671150-73B9-1140-993A-E3526E7A22BF}"/>
+              </a:ext>
+            </a:extLst>
+          </p:cNvPr>
+          <p:cNvPicPr>
+            <a:picLocks noChangeAspect="1"/>
+          </p:cNvPicPr>
+          <p:nvPr/>
+        </p:nvPicPr>
+        <p:blipFill>
+          <a:blip r:embed="rId4"/>
+          <a:stretch>
+            <a:fillRect/>
+          </a:stretch>
+        </p:blipFill>
+        <p:spPr>
+          <a:xfrm>
+            <a:off x="2643006" y="284621"/>
+            <a:ext cx="6905988" cy="4633888"/>
           </a:xfrm>
           <a:prstGeom prst="rect">
             <a:avLst/>
@@ -5589,7 +5921,7 @@
           <p:nvPr/>
         </p:nvPicPr>
         <p:blipFill>
-          <a:blip r:embed="rId2"/>
+          <a:blip r:embed="rId3"/>
           <a:stretch>
             <a:fillRect/>
           </a:stretch>
@@ -5791,7 +6123,7 @@
           <a:p>
             <a:r>
               <a:rPr lang="en-US" sz="3200" dirty="0"/>
-              <a:t>• Data quality, bias and privacy concerns</a:t>
+              <a:t>• Data quality, bias and ethical concerns</a:t>
             </a:r>
           </a:p>
           <a:p>
@@ -8161,6 +8493,763 @@
           </a:prstGeom>
         </p:spPr>
       </p:pic>
+      <p:graphicFrame>
+        <p:nvGraphicFramePr>
+          <p:cNvPr id="13" name="Table 17">
+            <a:extLst>
+              <a:ext uri="{FF2B5EF4-FFF2-40B4-BE49-F238E27FC236}">
+                <a16:creationId xmlns:a16="http://schemas.microsoft.com/office/drawing/2014/main" id="{E92E6EF8-7D8B-C14F-B467-662B18E10C4A}"/>
+              </a:ext>
+            </a:extLst>
+          </p:cNvPr>
+          <p:cNvGraphicFramePr>
+            <a:graphicFrameLocks noGrp="1"/>
+          </p:cNvGraphicFramePr>
+          <p:nvPr>
+            <p:extLst>
+              <p:ext uri="{D42A27DB-BD31-4B8C-83A1-F6EECF244321}">
+                <p14:modId xmlns:p14="http://schemas.microsoft.com/office/powerpoint/2010/main" val="1377058527"/>
+              </p:ext>
+            </p:extLst>
+          </p:nvPr>
+        </p:nvGraphicFramePr>
+        <p:xfrm>
+          <a:off x="6096000" y="272955"/>
+          <a:ext cx="5895423" cy="1828800"/>
+        </p:xfrm>
+        <a:graphic>
+          <a:graphicData uri="http://schemas.openxmlformats.org/drawingml/2006/table">
+            <a:tbl>
+              <a:tblPr firstRow="1" bandRow="1">
+                <a:tableStyleId>{21E4AEA4-8DFA-4A89-87EB-49C32662AFE0}</a:tableStyleId>
+              </a:tblPr>
+              <a:tblGrid>
+                <a:gridCol w="1803378">
+                  <a:extLst>
+                    <a:ext uri="{9D8B030D-6E8A-4147-A177-3AD203B41FA5}">
+                      <a16:colId xmlns:a16="http://schemas.microsoft.com/office/drawing/2014/main" val="1150403253"/>
+                    </a:ext>
+                  </a:extLst>
+                </a:gridCol>
+                <a:gridCol w="1364015">
+                  <a:extLst>
+                    <a:ext uri="{9D8B030D-6E8A-4147-A177-3AD203B41FA5}">
+                      <a16:colId xmlns:a16="http://schemas.microsoft.com/office/drawing/2014/main" val="585796754"/>
+                    </a:ext>
+                  </a:extLst>
+                </a:gridCol>
+                <a:gridCol w="1364015">
+                  <a:extLst>
+                    <a:ext uri="{9D8B030D-6E8A-4147-A177-3AD203B41FA5}">
+                      <a16:colId xmlns:a16="http://schemas.microsoft.com/office/drawing/2014/main" val="2305069185"/>
+                    </a:ext>
+                  </a:extLst>
+                </a:gridCol>
+                <a:gridCol w="1364015">
+                  <a:extLst>
+                    <a:ext uri="{9D8B030D-6E8A-4147-A177-3AD203B41FA5}">
+                      <a16:colId xmlns:a16="http://schemas.microsoft.com/office/drawing/2014/main" val="2762646431"/>
+                    </a:ext>
+                  </a:extLst>
+                </a:gridCol>
+              </a:tblGrid>
+              <a:tr h="235488">
+                <a:tc>
+                  <a:txBody>
+                    <a:bodyPr/>
+                    <a:lstStyle/>
+                    <a:p>
+                      <a:r>
+                        <a:rPr lang="en-US" dirty="0"/>
+                        <a:t>Variable</a:t>
+                      </a:r>
+                    </a:p>
+                  </a:txBody>
+                  <a:tcPr/>
+                </a:tc>
+                <a:tc>
+                  <a:txBody>
+                    <a:bodyPr/>
+                    <a:lstStyle/>
+                    <a:p>
+                      <a:r>
+                        <a:rPr lang="en-US" dirty="0"/>
+                        <a:t>Type</a:t>
+                      </a:r>
+                    </a:p>
+                  </a:txBody>
+                  <a:tcPr/>
+                </a:tc>
+                <a:tc>
+                  <a:txBody>
+                    <a:bodyPr/>
+                    <a:lstStyle/>
+                    <a:p>
+                      <a:r>
+                        <a:rPr lang="en-US" dirty="0"/>
+                        <a:t>Sub-type</a:t>
+                      </a:r>
+                    </a:p>
+                  </a:txBody>
+                  <a:tcPr/>
+                </a:tc>
+                <a:tc>
+                  <a:txBody>
+                    <a:bodyPr/>
+                    <a:lstStyle/>
+                    <a:p>
+                      <a:r>
+                        <a:rPr lang="en-US" dirty="0"/>
+                        <a:t>Example</a:t>
+                      </a:r>
+                    </a:p>
+                  </a:txBody>
+                  <a:tcPr/>
+                </a:tc>
+                <a:extLst>
+                  <a:ext uri="{0D108BD9-81ED-4DB2-BD59-A6C34878D82A}">
+                    <a16:rowId xmlns:a16="http://schemas.microsoft.com/office/drawing/2014/main" val="3923871426"/>
+                  </a:ext>
+                </a:extLst>
+              </a:tr>
+              <a:tr h="235488">
+                <a:tc>
+                  <a:txBody>
+                    <a:bodyPr/>
+                    <a:lstStyle/>
+                    <a:p>
+                      <a:r>
+                        <a:rPr lang="en-US" dirty="0" err="1"/>
+                        <a:t>loan_amnt</a:t>
+                      </a:r>
+                      <a:endParaRPr lang="en-US" dirty="0"/>
+                    </a:p>
+                  </a:txBody>
+                  <a:tcPr/>
+                </a:tc>
+                <a:tc>
+                  <a:txBody>
+                    <a:bodyPr/>
+                    <a:lstStyle/>
+                    <a:p>
+                      <a:r>
+                        <a:rPr lang="en-US" dirty="0"/>
+                        <a:t>Numerical</a:t>
+                      </a:r>
+                    </a:p>
+                  </a:txBody>
+                  <a:tcPr/>
+                </a:tc>
+                <a:tc>
+                  <a:txBody>
+                    <a:bodyPr/>
+                    <a:lstStyle/>
+                    <a:p>
+                      <a:r>
+                        <a:rPr lang="en-US" dirty="0" err="1"/>
+                        <a:t>dbl</a:t>
+                      </a:r>
+                      <a:endParaRPr lang="en-US" dirty="0"/>
+                    </a:p>
+                  </a:txBody>
+                  <a:tcPr/>
+                </a:tc>
+                <a:tc>
+                  <a:txBody>
+                    <a:bodyPr/>
+                    <a:lstStyle/>
+                    <a:p>
+                      <a:r>
+                        <a:rPr lang="en-US" dirty="0"/>
+                        <a:t>7500</a:t>
+                      </a:r>
+                    </a:p>
+                  </a:txBody>
+                  <a:tcPr/>
+                </a:tc>
+                <a:extLst>
+                  <a:ext uri="{0D108BD9-81ED-4DB2-BD59-A6C34878D82A}">
+                    <a16:rowId xmlns:a16="http://schemas.microsoft.com/office/drawing/2014/main" val="2833162215"/>
+                  </a:ext>
+                </a:extLst>
+              </a:tr>
+              <a:tr h="242278">
+                <a:tc>
+                  <a:txBody>
+                    <a:bodyPr/>
+                    <a:lstStyle/>
+                    <a:p>
+                      <a:r>
+                        <a:rPr lang="en-US" dirty="0" err="1"/>
+                        <a:t>payment_plan</a:t>
+                      </a:r>
+                      <a:endParaRPr lang="en-US" dirty="0"/>
+                    </a:p>
+                  </a:txBody>
+                  <a:tcPr/>
+                </a:tc>
+                <a:tc>
+                  <a:txBody>
+                    <a:bodyPr/>
+                    <a:lstStyle/>
+                    <a:p>
+                      <a:r>
+                        <a:rPr lang="en-US" dirty="0" err="1"/>
+                        <a:t>Catergorical</a:t>
+                      </a:r>
+                      <a:endParaRPr lang="en-US" dirty="0"/>
+                    </a:p>
+                  </a:txBody>
+                  <a:tcPr/>
+                </a:tc>
+                <a:tc>
+                  <a:txBody>
+                    <a:bodyPr/>
+                    <a:lstStyle/>
+                    <a:p>
+                      <a:r>
+                        <a:rPr lang="en-US" dirty="0" err="1"/>
+                        <a:t>chr</a:t>
+                      </a:r>
+                      <a:endParaRPr lang="en-US" dirty="0"/>
+                    </a:p>
+                  </a:txBody>
+                  <a:tcPr/>
+                </a:tc>
+                <a:tc>
+                  <a:txBody>
+                    <a:bodyPr/>
+                    <a:lstStyle/>
+                    <a:p>
+                      <a:r>
+                        <a:rPr lang="en-US" dirty="0"/>
+                        <a:t>y</a:t>
+                      </a:r>
+                    </a:p>
+                  </a:txBody>
+                  <a:tcPr/>
+                </a:tc>
+                <a:extLst>
+                  <a:ext uri="{0D108BD9-81ED-4DB2-BD59-A6C34878D82A}">
+                    <a16:rowId xmlns:a16="http://schemas.microsoft.com/office/drawing/2014/main" val="661231496"/>
+                  </a:ext>
+                </a:extLst>
+              </a:tr>
+              <a:tr h="242278">
+                <a:tc>
+                  <a:txBody>
+                    <a:bodyPr/>
+                    <a:lstStyle/>
+                    <a:p>
+                      <a:r>
+                        <a:rPr lang="en-US" dirty="0" err="1"/>
+                        <a:t>initial_list_status</a:t>
+                      </a:r>
+                      <a:endParaRPr lang="en-US" dirty="0"/>
+                    </a:p>
+                  </a:txBody>
+                  <a:tcPr/>
+                </a:tc>
+                <a:tc>
+                  <a:txBody>
+                    <a:bodyPr/>
+                    <a:lstStyle/>
+                    <a:p>
+                      <a:r>
+                        <a:rPr lang="en-US" dirty="0"/>
+                        <a:t>Boolean</a:t>
+                      </a:r>
+                    </a:p>
+                  </a:txBody>
+                  <a:tcPr/>
+                </a:tc>
+                <a:tc>
+                  <a:txBody>
+                    <a:bodyPr/>
+                    <a:lstStyle/>
+                    <a:p>
+                      <a:r>
+                        <a:rPr lang="en-US" dirty="0" err="1"/>
+                        <a:t>lgl</a:t>
+                      </a:r>
+                      <a:endParaRPr lang="en-US" dirty="0"/>
+                    </a:p>
+                  </a:txBody>
+                  <a:tcPr/>
+                </a:tc>
+                <a:tc>
+                  <a:txBody>
+                    <a:bodyPr/>
+                    <a:lstStyle/>
+                    <a:p>
+                      <a:r>
+                        <a:rPr lang="en-US" dirty="0"/>
+                        <a:t>False</a:t>
+                      </a:r>
+                    </a:p>
+                  </a:txBody>
+                  <a:tcPr/>
+                </a:tc>
+                <a:extLst>
+                  <a:ext uri="{0D108BD9-81ED-4DB2-BD59-A6C34878D82A}">
+                    <a16:rowId xmlns:a16="http://schemas.microsoft.com/office/drawing/2014/main" val="3256956519"/>
+                  </a:ext>
+                </a:extLst>
+              </a:tr>
+              <a:tr h="235488">
+                <a:tc>
+                  <a:txBody>
+                    <a:bodyPr/>
+                    <a:lstStyle/>
+                    <a:p>
+                      <a:r>
+                        <a:rPr lang="en-US" dirty="0" err="1"/>
+                        <a:t>issue_d</a:t>
+                      </a:r>
+                      <a:endParaRPr lang="en-US" dirty="0"/>
+                    </a:p>
+                  </a:txBody>
+                  <a:tcPr/>
+                </a:tc>
+                <a:tc>
+                  <a:txBody>
+                    <a:bodyPr/>
+                    <a:lstStyle/>
+                    <a:p>
+                      <a:r>
+                        <a:rPr lang="en-US" dirty="0"/>
+                        <a:t>Date</a:t>
+                      </a:r>
+                    </a:p>
+                  </a:txBody>
+                  <a:tcPr/>
+                </a:tc>
+                <a:tc>
+                  <a:txBody>
+                    <a:bodyPr/>
+                    <a:lstStyle/>
+                    <a:p>
+                      <a:r>
+                        <a:rPr lang="en-US" dirty="0" err="1"/>
+                        <a:t>chr</a:t>
+                      </a:r>
+                      <a:endParaRPr lang="en-US" dirty="0"/>
+                    </a:p>
+                  </a:txBody>
+                  <a:tcPr/>
+                </a:tc>
+                <a:tc>
+                  <a:txBody>
+                    <a:bodyPr/>
+                    <a:lstStyle/>
+                    <a:p>
+                      <a:r>
+                        <a:rPr lang="en-US" dirty="0"/>
+                        <a:t>Dec-2011</a:t>
+                      </a:r>
+                    </a:p>
+                  </a:txBody>
+                  <a:tcPr/>
+                </a:tc>
+                <a:extLst>
+                  <a:ext uri="{0D108BD9-81ED-4DB2-BD59-A6C34878D82A}">
+                    <a16:rowId xmlns:a16="http://schemas.microsoft.com/office/drawing/2014/main" val="2127558636"/>
+                  </a:ext>
+                </a:extLst>
+              </a:tr>
+            </a:tbl>
+          </a:graphicData>
+        </a:graphic>
+      </p:graphicFrame>
+      <p:sp>
+        <p:nvSpPr>
+          <p:cNvPr id="18" name="TextBox 17">
+            <a:extLst>
+              <a:ext uri="{FF2B5EF4-FFF2-40B4-BE49-F238E27FC236}">
+                <a16:creationId xmlns:a16="http://schemas.microsoft.com/office/drawing/2014/main" id="{06D53BFB-C1BF-F243-A55D-32BE9890C206}"/>
+              </a:ext>
+            </a:extLst>
+          </p:cNvPr>
+          <p:cNvSpPr txBox="1"/>
+          <p:nvPr/>
+        </p:nvSpPr>
+        <p:spPr>
+          <a:xfrm>
+            <a:off x="200576" y="272955"/>
+            <a:ext cx="3930555" cy="1477328"/>
+          </a:xfrm>
+          <a:prstGeom prst="rect">
+            <a:avLst/>
+          </a:prstGeom>
+          <a:noFill/>
+          <a:ln>
+            <a:solidFill>
+              <a:schemeClr val="bg1"/>
+            </a:solidFill>
+          </a:ln>
+        </p:spPr>
+        <p:txBody>
+          <a:bodyPr wrap="square" rtlCol="0">
+            <a:spAutoFit/>
+          </a:bodyPr>
+          <a:lstStyle/>
+          <a:p>
+            <a:r>
+              <a:rPr lang="en-US" b="1" dirty="0">
+                <a:solidFill>
+                  <a:schemeClr val="bg1"/>
+                </a:solidFill>
+              </a:rPr>
+              <a:t>Formats</a:t>
+            </a:r>
+            <a:r>
+              <a:rPr lang="en-US" dirty="0">
+                <a:solidFill>
+                  <a:schemeClr val="bg1"/>
+                </a:solidFill>
+              </a:rPr>
+              <a:t> </a:t>
+            </a:r>
+          </a:p>
+          <a:p>
+            <a:endParaRPr lang="en-US" dirty="0">
+              <a:solidFill>
+                <a:schemeClr val="bg1"/>
+              </a:solidFill>
+            </a:endParaRPr>
+          </a:p>
+          <a:p>
+            <a:r>
+              <a:rPr lang="en-US" dirty="0">
+                <a:solidFill>
+                  <a:schemeClr val="bg1"/>
+                </a:solidFill>
+              </a:rPr>
+              <a:t>•   </a:t>
+            </a:r>
+            <a:r>
+              <a:rPr lang="en-US" dirty="0" err="1">
+                <a:solidFill>
+                  <a:schemeClr val="bg1"/>
+                </a:solidFill>
+              </a:rPr>
+              <a:t>lending_club_loans.csv</a:t>
+            </a:r>
+            <a:r>
+              <a:rPr lang="en-US" dirty="0">
+                <a:solidFill>
+                  <a:schemeClr val="bg1"/>
+                </a:solidFill>
+              </a:rPr>
+              <a:t> :  Internal</a:t>
+            </a:r>
+          </a:p>
+          <a:p>
+            <a:r>
+              <a:rPr lang="en-US" dirty="0">
+                <a:solidFill>
+                  <a:schemeClr val="bg1"/>
+                </a:solidFill>
+              </a:rPr>
+              <a:t>•   </a:t>
+            </a:r>
+            <a:r>
+              <a:rPr lang="en-US" dirty="0" err="1">
+                <a:solidFill>
+                  <a:schemeClr val="bg1"/>
+                </a:solidFill>
+              </a:rPr>
+              <a:t>state_names_info.csv</a:t>
+            </a:r>
+            <a:r>
+              <a:rPr lang="en-US" dirty="0">
+                <a:solidFill>
+                  <a:schemeClr val="bg1"/>
+                </a:solidFill>
+              </a:rPr>
+              <a:t> : External</a:t>
+            </a:r>
+          </a:p>
+          <a:p>
+            <a:r>
+              <a:rPr lang="en-US" dirty="0">
+                <a:solidFill>
+                  <a:schemeClr val="bg1"/>
+                </a:solidFill>
+              </a:rPr>
+              <a:t>•   </a:t>
+            </a:r>
+            <a:r>
+              <a:rPr lang="en-US" dirty="0" err="1">
+                <a:solidFill>
+                  <a:schemeClr val="bg1"/>
+                </a:solidFill>
+              </a:rPr>
+              <a:t>grade_info.csv</a:t>
+            </a:r>
+            <a:r>
+              <a:rPr lang="en-US" dirty="0">
+                <a:solidFill>
+                  <a:schemeClr val="bg1"/>
+                </a:solidFill>
+              </a:rPr>
+              <a:t> : Internal</a:t>
+            </a:r>
+          </a:p>
+        </p:txBody>
+      </p:sp>
+      <p:sp>
+        <p:nvSpPr>
+          <p:cNvPr id="22" name="TextBox 21">
+            <a:extLst>
+              <a:ext uri="{FF2B5EF4-FFF2-40B4-BE49-F238E27FC236}">
+                <a16:creationId xmlns:a16="http://schemas.microsoft.com/office/drawing/2014/main" id="{D359E759-7DC5-574F-8B40-8685C37C1726}"/>
+              </a:ext>
+            </a:extLst>
+          </p:cNvPr>
+          <p:cNvSpPr txBox="1"/>
+          <p:nvPr/>
+        </p:nvSpPr>
+        <p:spPr>
+          <a:xfrm>
+            <a:off x="200576" y="2037131"/>
+            <a:ext cx="5377218" cy="1477328"/>
+          </a:xfrm>
+          <a:prstGeom prst="rect">
+            <a:avLst/>
+          </a:prstGeom>
+          <a:noFill/>
+          <a:ln>
+            <a:solidFill>
+              <a:schemeClr val="bg1"/>
+            </a:solidFill>
+          </a:ln>
+        </p:spPr>
+        <p:txBody>
+          <a:bodyPr wrap="square" rtlCol="0">
+            <a:spAutoFit/>
+          </a:bodyPr>
+          <a:lstStyle/>
+          <a:p>
+            <a:r>
+              <a:rPr lang="en-US" b="1" dirty="0">
+                <a:solidFill>
+                  <a:schemeClr val="bg1"/>
+                </a:solidFill>
+              </a:rPr>
+              <a:t>Quality</a:t>
+            </a:r>
+          </a:p>
+          <a:p>
+            <a:endParaRPr lang="en-US" b="1" dirty="0">
+              <a:solidFill>
+                <a:schemeClr val="bg1"/>
+              </a:solidFill>
+            </a:endParaRPr>
+          </a:p>
+          <a:p>
+            <a:r>
+              <a:rPr lang="en-US" dirty="0">
+                <a:solidFill>
+                  <a:schemeClr val="bg1"/>
+                </a:solidFill>
+              </a:rPr>
+              <a:t>•  116 columns &amp; 42, 538 rows raw</a:t>
+            </a:r>
+          </a:p>
+          <a:p>
+            <a:r>
+              <a:rPr lang="en-US" dirty="0">
+                <a:solidFill>
+                  <a:schemeClr val="bg1"/>
+                </a:solidFill>
+              </a:rPr>
+              <a:t>•  63 columns &amp; 42, 370 rows after cleaning </a:t>
+            </a:r>
+          </a:p>
+          <a:p>
+            <a:r>
+              <a:rPr lang="en-US" dirty="0">
+                <a:solidFill>
+                  <a:schemeClr val="bg1"/>
+                </a:solidFill>
+              </a:rPr>
+              <a:t>•  NA’s… lots of!</a:t>
+            </a:r>
+          </a:p>
+        </p:txBody>
+      </p:sp>
+      <p:sp>
+        <p:nvSpPr>
+          <p:cNvPr id="23" name="TextBox 22">
+            <a:extLst>
+              <a:ext uri="{FF2B5EF4-FFF2-40B4-BE49-F238E27FC236}">
+                <a16:creationId xmlns:a16="http://schemas.microsoft.com/office/drawing/2014/main" id="{14E0E058-5419-6749-97DF-F5CA842D3754}"/>
+              </a:ext>
+            </a:extLst>
+          </p:cNvPr>
+          <p:cNvSpPr txBox="1"/>
+          <p:nvPr/>
+        </p:nvSpPr>
+        <p:spPr>
+          <a:xfrm>
+            <a:off x="204716" y="3807725"/>
+            <a:ext cx="6374181" cy="923330"/>
+          </a:xfrm>
+          <a:prstGeom prst="rect">
+            <a:avLst/>
+          </a:prstGeom>
+          <a:noFill/>
+          <a:ln>
+            <a:solidFill>
+              <a:schemeClr val="bg1"/>
+            </a:solidFill>
+          </a:ln>
+        </p:spPr>
+        <p:txBody>
+          <a:bodyPr wrap="none" rtlCol="0">
+            <a:spAutoFit/>
+          </a:bodyPr>
+          <a:lstStyle/>
+          <a:p>
+            <a:r>
+              <a:rPr lang="en-US" b="1" dirty="0">
+                <a:solidFill>
+                  <a:schemeClr val="bg1"/>
+                </a:solidFill>
+              </a:rPr>
+              <a:t>Bias</a:t>
+            </a:r>
+          </a:p>
+          <a:p>
+            <a:r>
+              <a:rPr lang="en-US" b="1" dirty="0">
+                <a:solidFill>
+                  <a:schemeClr val="bg1"/>
+                </a:solidFill>
+              </a:rPr>
+              <a:t> </a:t>
+            </a:r>
+          </a:p>
+          <a:p>
+            <a:r>
+              <a:rPr lang="en-US" dirty="0">
+                <a:solidFill>
+                  <a:schemeClr val="bg1"/>
+                </a:solidFill>
+              </a:rPr>
+              <a:t>•  Customers from all backgrounds – no immediate bias observed </a:t>
+            </a:r>
+          </a:p>
+        </p:txBody>
+      </p:sp>
+      <p:sp>
+        <p:nvSpPr>
+          <p:cNvPr id="24" name="TextBox 23">
+            <a:extLst>
+              <a:ext uri="{FF2B5EF4-FFF2-40B4-BE49-F238E27FC236}">
+                <a16:creationId xmlns:a16="http://schemas.microsoft.com/office/drawing/2014/main" id="{144E9143-ABE5-F140-8F7D-E2399D918FAC}"/>
+              </a:ext>
+            </a:extLst>
+          </p:cNvPr>
+          <p:cNvSpPr txBox="1"/>
+          <p:nvPr/>
+        </p:nvSpPr>
+        <p:spPr>
+          <a:xfrm>
+            <a:off x="6892119" y="2699730"/>
+            <a:ext cx="5095165" cy="2031325"/>
+          </a:xfrm>
+          <a:prstGeom prst="rect">
+            <a:avLst/>
+          </a:prstGeom>
+          <a:noFill/>
+          <a:ln>
+            <a:solidFill>
+              <a:schemeClr val="bg1"/>
+            </a:solidFill>
+          </a:ln>
+        </p:spPr>
+        <p:txBody>
+          <a:bodyPr wrap="square" rtlCol="0">
+            <a:spAutoFit/>
+          </a:bodyPr>
+          <a:lstStyle/>
+          <a:p>
+            <a:r>
+              <a:rPr lang="en-US" b="1" dirty="0">
+                <a:solidFill>
+                  <a:schemeClr val="bg1"/>
+                </a:solidFill>
+              </a:rPr>
+              <a:t>Ethical Implications</a:t>
+            </a:r>
+          </a:p>
+          <a:p>
+            <a:endParaRPr lang="en-US" b="1" dirty="0">
+              <a:solidFill>
+                <a:schemeClr val="bg1"/>
+              </a:solidFill>
+            </a:endParaRPr>
+          </a:p>
+          <a:p>
+            <a:r>
+              <a:rPr lang="en-US" dirty="0">
+                <a:solidFill>
+                  <a:schemeClr val="bg1"/>
+                </a:solidFill>
+              </a:rPr>
+              <a:t>•   Identifying information (</a:t>
+            </a:r>
+            <a:r>
+              <a:rPr lang="en-US" dirty="0" err="1">
+                <a:solidFill>
+                  <a:schemeClr val="bg1"/>
+                </a:solidFill>
+              </a:rPr>
+              <a:t>zip_code</a:t>
+            </a:r>
+            <a:r>
+              <a:rPr lang="en-US" dirty="0">
+                <a:solidFill>
+                  <a:schemeClr val="bg1"/>
+                </a:solidFill>
+              </a:rPr>
+              <a:t>) redacted</a:t>
+            </a:r>
+          </a:p>
+          <a:p>
+            <a:r>
+              <a:rPr lang="en-US" dirty="0">
+                <a:solidFill>
+                  <a:schemeClr val="bg1"/>
+                </a:solidFill>
+              </a:rPr>
+              <a:t>•   Place of employment visible</a:t>
+            </a:r>
+          </a:p>
+          <a:p>
+            <a:r>
+              <a:rPr lang="en-US" dirty="0">
+                <a:solidFill>
+                  <a:schemeClr val="bg1"/>
+                </a:solidFill>
+              </a:rPr>
+              <a:t>•   Customer free text “description” of reason for           loan – potentially identifying</a:t>
+            </a:r>
+          </a:p>
+          <a:p>
+            <a:r>
+              <a:rPr lang="en-US" dirty="0">
+                <a:solidFill>
+                  <a:schemeClr val="bg1"/>
+                </a:solidFill>
+              </a:rPr>
+              <a:t>•   Business requirement</a:t>
+            </a:r>
+          </a:p>
+        </p:txBody>
+      </p:sp>
     </p:spTree>
     <p:extLst>
       <p:ext uri="{BB962C8B-B14F-4D97-AF65-F5344CB8AC3E}">

--- a/documentation/loan_defaults_presentation.pptx
+++ b/documentation/loan_defaults_presentation.pptx
@@ -5,7 +5,7 @@
     <p:sldMasterId id="2147483756" r:id="rId1"/>
   </p:sldMasterIdLst>
   <p:notesMasterIdLst>
-    <p:notesMasterId r:id="rId14"/>
+    <p:notesMasterId r:id="rId18"/>
   </p:notesMasterIdLst>
   <p:sldIdLst>
     <p:sldId id="258" r:id="rId2"/>
@@ -18,8 +18,12 @@
     <p:sldId id="265" r:id="rId9"/>
     <p:sldId id="266" r:id="rId10"/>
     <p:sldId id="267" r:id="rId11"/>
-    <p:sldId id="268" r:id="rId12"/>
-    <p:sldId id="269" r:id="rId13"/>
+    <p:sldId id="270" r:id="rId12"/>
+    <p:sldId id="271" r:id="rId13"/>
+    <p:sldId id="272" r:id="rId14"/>
+    <p:sldId id="274" r:id="rId15"/>
+    <p:sldId id="273" r:id="rId16"/>
+    <p:sldId id="269" r:id="rId17"/>
   </p:sldIdLst>
   <p:sldSz cx="12192000" cy="6858000"/>
   <p:notesSz cx="6858000" cy="9144000"/>
@@ -602,7 +606,10 @@
           <a:bodyPr/>
           <a:lstStyle/>
           <a:p>
-            <a:endParaRPr lang="en-US" dirty="0"/>
+            <a:r>
+              <a:rPr lang="en-US" dirty="0"/>
+              <a:t>From this you can begin to identify business question from and for all you data spuds out there you may even be able to imagine what the analysis process  may even look like.</a:t>
+            </a:r>
           </a:p>
         </p:txBody>
       </p:sp>
@@ -632,7 +639,7 @@
     </p:spTree>
     <p:extLst>
       <p:ext uri="{BB962C8B-B14F-4D97-AF65-F5344CB8AC3E}">
-        <p14:creationId xmlns:p14="http://schemas.microsoft.com/office/powerpoint/2010/main" val="2256872610"/>
+        <p14:creationId xmlns:p14="http://schemas.microsoft.com/office/powerpoint/2010/main" val="542172580"/>
       </p:ext>
     </p:extLst>
   </p:cSld>
@@ -686,7 +693,10 @@
           <a:bodyPr/>
           <a:lstStyle/>
           <a:p>
-            <a:endParaRPr lang="en-US" dirty="0"/>
+            <a:r>
+              <a:rPr lang="en-US" dirty="0"/>
+              <a:t>From this you can begin to identify business question from and for all you data spuds out there you may even be able to imagine what the analysis process  may even look like.</a:t>
+            </a:r>
           </a:p>
         </p:txBody>
       </p:sp>
@@ -708,6 +718,351 @@
             <a:fld id="{360BD77D-F896-FD47-98B6-59426B3702AE}" type="slidenum">
               <a:rPr lang="en-US" smtClean="0"/>
               <a:t>12</a:t>
+            </a:fld>
+            <a:endParaRPr lang="en-US"/>
+          </a:p>
+        </p:txBody>
+      </p:sp>
+    </p:spTree>
+    <p:extLst>
+      <p:ext uri="{BB962C8B-B14F-4D97-AF65-F5344CB8AC3E}">
+        <p14:creationId xmlns:p14="http://schemas.microsoft.com/office/powerpoint/2010/main" val="2624142554"/>
+      </p:ext>
+    </p:extLst>
+  </p:cSld>
+  <p:clrMapOvr>
+    <a:masterClrMapping/>
+  </p:clrMapOvr>
+</p:notes>
+</file>
+
+<file path=ppt/notesSlides/notesSlide12.xml><?xml version="1.0" encoding="utf-8"?>
+<p:notes xmlns:a="http://schemas.openxmlformats.org/drawingml/2006/main" xmlns:r="http://schemas.openxmlformats.org/officeDocument/2006/relationships" xmlns:p="http://schemas.openxmlformats.org/presentationml/2006/main">
+  <p:cSld>
+    <p:spTree>
+      <p:nvGrpSpPr>
+        <p:cNvPr id="1" name=""/>
+        <p:cNvGrpSpPr/>
+        <p:nvPr/>
+      </p:nvGrpSpPr>
+      <p:grpSpPr>
+        <a:xfrm>
+          <a:off x="0" y="0"/>
+          <a:ext cx="0" cy="0"/>
+          <a:chOff x="0" y="0"/>
+          <a:chExt cx="0" cy="0"/>
+        </a:xfrm>
+      </p:grpSpPr>
+      <p:sp>
+        <p:nvSpPr>
+          <p:cNvPr id="2" name="Slide Image Placeholder 1"/>
+          <p:cNvSpPr>
+            <a:spLocks noGrp="1" noRot="1" noChangeAspect="1"/>
+          </p:cNvSpPr>
+          <p:nvPr>
+            <p:ph type="sldImg"/>
+          </p:nvPr>
+        </p:nvSpPr>
+        <p:spPr/>
+      </p:sp>
+      <p:sp>
+        <p:nvSpPr>
+          <p:cNvPr id="3" name="Notes Placeholder 2"/>
+          <p:cNvSpPr>
+            <a:spLocks noGrp="1"/>
+          </p:cNvSpPr>
+          <p:nvPr>
+            <p:ph type="body" idx="1"/>
+          </p:nvPr>
+        </p:nvSpPr>
+        <p:spPr/>
+        <p:txBody>
+          <a:bodyPr/>
+          <a:lstStyle/>
+          <a:p>
+            <a:r>
+              <a:rPr lang="en-US" dirty="0"/>
+              <a:t>From this you can begin to identify business question from and for all you data spuds out there you may even be able to imagine what the analysis process  may even look like.</a:t>
+            </a:r>
+          </a:p>
+        </p:txBody>
+      </p:sp>
+      <p:sp>
+        <p:nvSpPr>
+          <p:cNvPr id="4" name="Slide Number Placeholder 3"/>
+          <p:cNvSpPr>
+            <a:spLocks noGrp="1"/>
+          </p:cNvSpPr>
+          <p:nvPr>
+            <p:ph type="sldNum" sz="quarter" idx="5"/>
+          </p:nvPr>
+        </p:nvSpPr>
+        <p:spPr/>
+        <p:txBody>
+          <a:bodyPr/>
+          <a:lstStyle/>
+          <a:p>
+            <a:fld id="{360BD77D-F896-FD47-98B6-59426B3702AE}" type="slidenum">
+              <a:rPr lang="en-US" smtClean="0"/>
+              <a:t>13</a:t>
+            </a:fld>
+            <a:endParaRPr lang="en-US"/>
+          </a:p>
+        </p:txBody>
+      </p:sp>
+    </p:spTree>
+    <p:extLst>
+      <p:ext uri="{BB962C8B-B14F-4D97-AF65-F5344CB8AC3E}">
+        <p14:creationId xmlns:p14="http://schemas.microsoft.com/office/powerpoint/2010/main" val="3683921468"/>
+      </p:ext>
+    </p:extLst>
+  </p:cSld>
+  <p:clrMapOvr>
+    <a:masterClrMapping/>
+  </p:clrMapOvr>
+</p:notes>
+</file>
+
+<file path=ppt/notesSlides/notesSlide13.xml><?xml version="1.0" encoding="utf-8"?>
+<p:notes xmlns:a="http://schemas.openxmlformats.org/drawingml/2006/main" xmlns:r="http://schemas.openxmlformats.org/officeDocument/2006/relationships" xmlns:p="http://schemas.openxmlformats.org/presentationml/2006/main">
+  <p:cSld>
+    <p:spTree>
+      <p:nvGrpSpPr>
+        <p:cNvPr id="1" name=""/>
+        <p:cNvGrpSpPr/>
+        <p:nvPr/>
+      </p:nvGrpSpPr>
+      <p:grpSpPr>
+        <a:xfrm>
+          <a:off x="0" y="0"/>
+          <a:ext cx="0" cy="0"/>
+          <a:chOff x="0" y="0"/>
+          <a:chExt cx="0" cy="0"/>
+        </a:xfrm>
+      </p:grpSpPr>
+      <p:sp>
+        <p:nvSpPr>
+          <p:cNvPr id="2" name="Slide Image Placeholder 1"/>
+          <p:cNvSpPr>
+            <a:spLocks noGrp="1" noRot="1" noChangeAspect="1"/>
+          </p:cNvSpPr>
+          <p:nvPr>
+            <p:ph type="sldImg"/>
+          </p:nvPr>
+        </p:nvSpPr>
+        <p:spPr/>
+      </p:sp>
+      <p:sp>
+        <p:nvSpPr>
+          <p:cNvPr id="3" name="Notes Placeholder 2"/>
+          <p:cNvSpPr>
+            <a:spLocks noGrp="1"/>
+          </p:cNvSpPr>
+          <p:nvPr>
+            <p:ph type="body" idx="1"/>
+          </p:nvPr>
+        </p:nvSpPr>
+        <p:spPr/>
+        <p:txBody>
+          <a:bodyPr/>
+          <a:lstStyle/>
+          <a:p>
+            <a:r>
+              <a:rPr lang="en-US" dirty="0"/>
+              <a:t>From this you can begin to identify business question from and for all you data spuds out there you may even be able to imagine what the analysis process  may even look like.</a:t>
+            </a:r>
+          </a:p>
+        </p:txBody>
+      </p:sp>
+      <p:sp>
+        <p:nvSpPr>
+          <p:cNvPr id="4" name="Slide Number Placeholder 3"/>
+          <p:cNvSpPr>
+            <a:spLocks noGrp="1"/>
+          </p:cNvSpPr>
+          <p:nvPr>
+            <p:ph type="sldNum" sz="quarter" idx="5"/>
+          </p:nvPr>
+        </p:nvSpPr>
+        <p:spPr/>
+        <p:txBody>
+          <a:bodyPr/>
+          <a:lstStyle/>
+          <a:p>
+            <a:fld id="{360BD77D-F896-FD47-98B6-59426B3702AE}" type="slidenum">
+              <a:rPr lang="en-US" smtClean="0"/>
+              <a:t>14</a:t>
+            </a:fld>
+            <a:endParaRPr lang="en-US"/>
+          </a:p>
+        </p:txBody>
+      </p:sp>
+    </p:spTree>
+    <p:extLst>
+      <p:ext uri="{BB962C8B-B14F-4D97-AF65-F5344CB8AC3E}">
+        <p14:creationId xmlns:p14="http://schemas.microsoft.com/office/powerpoint/2010/main" val="3441639350"/>
+      </p:ext>
+    </p:extLst>
+  </p:cSld>
+  <p:clrMapOvr>
+    <a:masterClrMapping/>
+  </p:clrMapOvr>
+</p:notes>
+</file>
+
+<file path=ppt/notesSlides/notesSlide14.xml><?xml version="1.0" encoding="utf-8"?>
+<p:notes xmlns:a="http://schemas.openxmlformats.org/drawingml/2006/main" xmlns:r="http://schemas.openxmlformats.org/officeDocument/2006/relationships" xmlns:p="http://schemas.openxmlformats.org/presentationml/2006/main">
+  <p:cSld>
+    <p:spTree>
+      <p:nvGrpSpPr>
+        <p:cNvPr id="1" name=""/>
+        <p:cNvGrpSpPr/>
+        <p:nvPr/>
+      </p:nvGrpSpPr>
+      <p:grpSpPr>
+        <a:xfrm>
+          <a:off x="0" y="0"/>
+          <a:ext cx="0" cy="0"/>
+          <a:chOff x="0" y="0"/>
+          <a:chExt cx="0" cy="0"/>
+        </a:xfrm>
+      </p:grpSpPr>
+      <p:sp>
+        <p:nvSpPr>
+          <p:cNvPr id="2" name="Slide Image Placeholder 1"/>
+          <p:cNvSpPr>
+            <a:spLocks noGrp="1" noRot="1" noChangeAspect="1"/>
+          </p:cNvSpPr>
+          <p:nvPr>
+            <p:ph type="sldImg"/>
+          </p:nvPr>
+        </p:nvSpPr>
+        <p:spPr/>
+      </p:sp>
+      <p:sp>
+        <p:nvSpPr>
+          <p:cNvPr id="3" name="Notes Placeholder 2"/>
+          <p:cNvSpPr>
+            <a:spLocks noGrp="1"/>
+          </p:cNvSpPr>
+          <p:nvPr>
+            <p:ph type="body" idx="1"/>
+          </p:nvPr>
+        </p:nvSpPr>
+        <p:spPr/>
+        <p:txBody>
+          <a:bodyPr/>
+          <a:lstStyle/>
+          <a:p>
+            <a:r>
+              <a:rPr lang="en-US" dirty="0"/>
+              <a:t>From this you can begin to identify business question from and for all you data spuds out there you may even be able to imagine what the analysis process  may even look like.</a:t>
+            </a:r>
+          </a:p>
+        </p:txBody>
+      </p:sp>
+      <p:sp>
+        <p:nvSpPr>
+          <p:cNvPr id="4" name="Slide Number Placeholder 3"/>
+          <p:cNvSpPr>
+            <a:spLocks noGrp="1"/>
+          </p:cNvSpPr>
+          <p:nvPr>
+            <p:ph type="sldNum" sz="quarter" idx="5"/>
+          </p:nvPr>
+        </p:nvSpPr>
+        <p:spPr/>
+        <p:txBody>
+          <a:bodyPr/>
+          <a:lstStyle/>
+          <a:p>
+            <a:fld id="{360BD77D-F896-FD47-98B6-59426B3702AE}" type="slidenum">
+              <a:rPr lang="en-US" smtClean="0"/>
+              <a:t>15</a:t>
+            </a:fld>
+            <a:endParaRPr lang="en-US"/>
+          </a:p>
+        </p:txBody>
+      </p:sp>
+    </p:spTree>
+    <p:extLst>
+      <p:ext uri="{BB962C8B-B14F-4D97-AF65-F5344CB8AC3E}">
+        <p14:creationId xmlns:p14="http://schemas.microsoft.com/office/powerpoint/2010/main" val="2201179652"/>
+      </p:ext>
+    </p:extLst>
+  </p:cSld>
+  <p:clrMapOvr>
+    <a:masterClrMapping/>
+  </p:clrMapOvr>
+</p:notes>
+</file>
+
+<file path=ppt/notesSlides/notesSlide15.xml><?xml version="1.0" encoding="utf-8"?>
+<p:notes xmlns:a="http://schemas.openxmlformats.org/drawingml/2006/main" xmlns:r="http://schemas.openxmlformats.org/officeDocument/2006/relationships" xmlns:p="http://schemas.openxmlformats.org/presentationml/2006/main">
+  <p:cSld>
+    <p:spTree>
+      <p:nvGrpSpPr>
+        <p:cNvPr id="1" name=""/>
+        <p:cNvGrpSpPr/>
+        <p:nvPr/>
+      </p:nvGrpSpPr>
+      <p:grpSpPr>
+        <a:xfrm>
+          <a:off x="0" y="0"/>
+          <a:ext cx="0" cy="0"/>
+          <a:chOff x="0" y="0"/>
+          <a:chExt cx="0" cy="0"/>
+        </a:xfrm>
+      </p:grpSpPr>
+      <p:sp>
+        <p:nvSpPr>
+          <p:cNvPr id="2" name="Slide Image Placeholder 1"/>
+          <p:cNvSpPr>
+            <a:spLocks noGrp="1" noRot="1" noChangeAspect="1"/>
+          </p:cNvSpPr>
+          <p:nvPr>
+            <p:ph type="sldImg"/>
+          </p:nvPr>
+        </p:nvSpPr>
+        <p:spPr/>
+      </p:sp>
+      <p:sp>
+        <p:nvSpPr>
+          <p:cNvPr id="3" name="Notes Placeholder 2"/>
+          <p:cNvSpPr>
+            <a:spLocks noGrp="1"/>
+          </p:cNvSpPr>
+          <p:nvPr>
+            <p:ph type="body" idx="1"/>
+          </p:nvPr>
+        </p:nvSpPr>
+        <p:spPr/>
+        <p:txBody>
+          <a:bodyPr/>
+          <a:lstStyle/>
+          <a:p>
+            <a:endParaRPr lang="en-US" dirty="0"/>
+          </a:p>
+        </p:txBody>
+      </p:sp>
+      <p:sp>
+        <p:nvSpPr>
+          <p:cNvPr id="4" name="Slide Number Placeholder 3"/>
+          <p:cNvSpPr>
+            <a:spLocks noGrp="1"/>
+          </p:cNvSpPr>
+          <p:nvPr>
+            <p:ph type="sldNum" sz="quarter" idx="5"/>
+          </p:nvPr>
+        </p:nvSpPr>
+        <p:spPr/>
+        <p:txBody>
+          <a:bodyPr/>
+          <a:lstStyle/>
+          <a:p>
+            <a:fld id="{360BD77D-F896-FD47-98B6-59426B3702AE}" type="slidenum">
+              <a:rPr lang="en-US" smtClean="0"/>
+              <a:t>16</a:t>
             </a:fld>
             <a:endParaRPr lang="en-US"/>
           </a:p>
@@ -1422,7 +1777,59 @@
           <a:bodyPr/>
           <a:lstStyle/>
           <a:p>
-            <a:endParaRPr lang="en-US" dirty="0"/>
+            <a:r>
+              <a:rPr lang="en-US" dirty="0"/>
+              <a:t>Defining </a:t>
+            </a:r>
+            <a:r>
+              <a:rPr lang="en-US" dirty="0" err="1"/>
+              <a:t>Defualted</a:t>
+            </a:r>
+            <a:r>
+              <a:rPr lang="en-US" dirty="0"/>
+              <a:t> - </a:t>
+            </a:r>
+            <a:r>
+              <a:rPr lang="en-GB" dirty="0"/>
+              <a:t>When you borrow money from a lender, you make a promise to repay the loan. So </a:t>
+            </a:r>
+            <a:r>
+              <a:rPr lang="en-GB" b="1" dirty="0"/>
+              <a:t>if you fail to make on-time payments, your loan can go into default</a:t>
+            </a:r>
+            <a:r>
+              <a:rPr lang="en-GB" dirty="0"/>
+              <a:t>. Default can occur immediately after a missed payment or months later, as the exact timeline will depend on your loan terms and applicable law - https://</a:t>
+            </a:r>
+            <a:r>
+              <a:rPr lang="en-GB" dirty="0" err="1"/>
+              <a:t>www</a:t>
+            </a:r>
+            <a:r>
+              <a:rPr lang="en-GB" b="1" dirty="0" err="1"/>
+              <a:t>.creditkarma.co.uk</a:t>
+            </a:r>
+            <a:r>
+              <a:rPr lang="en-GB" dirty="0"/>
+              <a:t>/insights/</a:t>
+            </a:r>
+            <a:r>
+              <a:rPr lang="en-GB" dirty="0" err="1"/>
+              <a:t>i</a:t>
+            </a:r>
+            <a:r>
+              <a:rPr lang="en-GB" dirty="0"/>
+              <a:t>/what-happens-if-you-default-on-a-loan/</a:t>
+            </a:r>
+          </a:p>
+          <a:p>
+            <a:endParaRPr lang="en-GB" dirty="0"/>
+          </a:p>
+          <a:p>
+            <a:r>
+              <a:rPr lang="en-US" dirty="0"/>
+              <a:t>about 15% of customers are either charged off, late &gt; 16days or have defaulted  </a:t>
+            </a:r>
           </a:p>
         </p:txBody>
       </p:sp>
@@ -1506,7 +1913,118 @@
           <a:bodyPr/>
           <a:lstStyle/>
           <a:p>
+            <a:r>
+              <a:rPr lang="en-US" dirty="0"/>
+              <a:t>- Highest amount of loans taken out come from Cal / NY / </a:t>
+            </a:r>
+            <a:r>
+              <a:rPr lang="en-US" dirty="0" err="1"/>
+              <a:t>Flor</a:t>
+            </a:r>
+            <a:r>
+              <a:rPr lang="en-US" dirty="0"/>
+              <a:t> / </a:t>
+            </a:r>
+            <a:r>
+              <a:rPr lang="en-US" dirty="0" err="1"/>
+              <a:t>Tex</a:t>
+            </a:r>
+            <a:r>
+              <a:rPr lang="en-US" dirty="0"/>
+              <a:t> / New </a:t>
+            </a:r>
+            <a:r>
+              <a:rPr lang="en-US" dirty="0" err="1"/>
+              <a:t>Jer</a:t>
+            </a:r>
+            <a:r>
+              <a:rPr lang="en-US" dirty="0"/>
+              <a:t> however this could be proportional to the population of those areas - </a:t>
+            </a:r>
+          </a:p>
+          <a:p>
+            <a:r>
+              <a:rPr lang="en-US" dirty="0"/>
+              <a:t># 1. California - 39,538,223</a:t>
+            </a:r>
+          </a:p>
+          <a:p>
+            <a:r>
+              <a:rPr lang="en-US" dirty="0"/>
+              <a:t># 2. Texas - 29,145,505</a:t>
+            </a:r>
+          </a:p>
+          <a:p>
+            <a:r>
+              <a:rPr lang="en-US" dirty="0"/>
+              <a:t># 3. Florida - 21,538,187</a:t>
+            </a:r>
+          </a:p>
+          <a:p>
+            <a:r>
+              <a:rPr lang="en-US" dirty="0"/>
+              <a:t># 4. New York - 20,201,249</a:t>
+            </a:r>
+          </a:p>
+          <a:p>
             <a:endParaRPr lang="en-US" dirty="0"/>
+          </a:p>
+          <a:p>
+            <a:r>
+              <a:rPr lang="en-US" dirty="0"/>
+              <a:t>- No surprise with highest defaults - there is some change in order but negligible . To get a better representation at defaults, looked at the rate...</a:t>
+            </a:r>
+          </a:p>
+          <a:p>
+            <a:endParaRPr lang="en-US" dirty="0"/>
+          </a:p>
+          <a:p>
+            <a:r>
+              <a:rPr lang="en-US" dirty="0"/>
+              <a:t>-  Map - ratio of defaults per state ( darker the area the higher default ratio) - this is not truly accurate....</a:t>
+            </a:r>
+          </a:p>
+          <a:p>
+            <a:endParaRPr lang="en-US" dirty="0"/>
+          </a:p>
+          <a:p>
+            <a:r>
+              <a:rPr lang="en-US" dirty="0"/>
+              <a:t>- ... because as you can see the loan counts are not all proportionate to each other : Nebraska having 5/11 customers default could be giving an unfair representation of the state, so what I did was...</a:t>
+            </a:r>
+          </a:p>
+          <a:p>
+            <a:endParaRPr lang="en-US" dirty="0"/>
+          </a:p>
+          <a:p>
+            <a:r>
+              <a:rPr lang="en-US" dirty="0"/>
+              <a:t>-  highlight the top 5 states with highest default rate with a count of loans more than the average count of loans per state, 847. This was to give a fairer result. </a:t>
+            </a:r>
+          </a:p>
+          <a:p>
+            <a:endParaRPr lang="en-US" dirty="0"/>
+          </a:p>
+          <a:p>
+            <a:r>
+              <a:rPr lang="en-US" dirty="0"/>
+              <a:t>SO??</a:t>
+            </a:r>
+          </a:p>
+          <a:p>
+            <a:r>
+              <a:rPr lang="en-US" dirty="0"/>
+              <a:t>Customers who are from the top 5 states highlighted in red COULD be more liable to default on their loans from LC - </a:t>
+            </a:r>
+          </a:p>
+          <a:p>
+            <a:endParaRPr lang="en-US" dirty="0"/>
+          </a:p>
+          <a:p>
+            <a:r>
+              <a:rPr lang="en-US" dirty="0"/>
+              <a:t>- Customers who are less likely are as follows</a:t>
+            </a:r>
           </a:p>
         </p:txBody>
       </p:sp>
@@ -5165,10 +5683,10 @@
       </p:pic>
       <p:sp>
         <p:nvSpPr>
-          <p:cNvPr id="11" name="Subtitle 10">
+          <p:cNvPr id="19" name="Subtitle 7">
             <a:extLst>
               <a:ext uri="{FF2B5EF4-FFF2-40B4-BE49-F238E27FC236}">
-                <a16:creationId xmlns:a16="http://schemas.microsoft.com/office/drawing/2014/main" id="{19CE8C9C-9E95-834C-90BC-4027941845FC}"/>
+                <a16:creationId xmlns:a16="http://schemas.microsoft.com/office/drawing/2014/main" id="{E7E89C17-475F-0D4E-B40B-831AC928C336}"/>
               </a:ext>
             </a:extLst>
           </p:cNvPr>
@@ -5179,12 +5697,22 @@
             <p:ph type="subTitle" idx="1"/>
           </p:nvPr>
         </p:nvSpPr>
-        <p:spPr/>
+        <p:spPr>
+          <a:xfrm>
+            <a:off x="2557698" y="5295911"/>
+            <a:ext cx="7076603" cy="1245182"/>
+          </a:xfrm>
+        </p:spPr>
         <p:txBody>
-          <a:bodyPr/>
+          <a:bodyPr vert="horz" lIns="91440" tIns="45720" rIns="91440" bIns="45720" rtlCol="0">
+            <a:normAutofit/>
+          </a:bodyPr>
           <a:lstStyle/>
           <a:p>
-            <a:endParaRPr lang="en-US"/>
+            <a:r>
+              <a:rPr lang="en-US" sz="5400" dirty="0"/>
+              <a:t>Results – Geography</a:t>
+            </a:r>
           </a:p>
         </p:txBody>
       </p:sp>
@@ -5228,10 +5756,10 @@
       </p:grpSpPr>
       <p:sp>
         <p:nvSpPr>
-          <p:cNvPr id="26" name="Rectangle 25">
+          <p:cNvPr id="15" name="Rectangle 14">
             <a:extLst>
               <a:ext uri="{FF2B5EF4-FFF2-40B4-BE49-F238E27FC236}">
-                <a16:creationId xmlns:a16="http://schemas.microsoft.com/office/drawing/2014/main" id="{CEA480D0-1CDA-450E-B62A-17E6A8D1968D}"/>
+                <a16:creationId xmlns:a16="http://schemas.microsoft.com/office/drawing/2014/main" id="{C3A694C2-50DA-401D-9E8A-3621EBF0C75C}"/>
               </a:ext>
               <a:ext uri="{C183D7F6-B498-43B3-948B-1728B52AA6E4}">
                 <adec:decorative xmlns:adec="http://schemas.microsoft.com/office/drawing/2017/decorative" val="1"/>
@@ -5291,10 +5819,10 @@
       </p:sp>
       <p:pic>
         <p:nvPicPr>
-          <p:cNvPr id="11" name="Picture 10">
+          <p:cNvPr id="9" name="Picture 8">
             <a:extLst>
               <a:ext uri="{FF2B5EF4-FFF2-40B4-BE49-F238E27FC236}">
-                <a16:creationId xmlns:a16="http://schemas.microsoft.com/office/drawing/2014/main" id="{9A8068E8-8197-3843-89A8-1670E4A3A0F7}"/>
+                <a16:creationId xmlns:a16="http://schemas.microsoft.com/office/drawing/2014/main" id="{38383016-4EC7-A049-80C1-FFAA7DFF084D}"/>
               </a:ext>
             </a:extLst>
           </p:cNvPr>
@@ -5321,73 +5849,251 @@
       </p:pic>
       <p:sp>
         <p:nvSpPr>
-          <p:cNvPr id="12" name="Subtitle 7">
+          <p:cNvPr id="13" name="Subtitle 7">
             <a:extLst>
               <a:ext uri="{FF2B5EF4-FFF2-40B4-BE49-F238E27FC236}">
-                <a16:creationId xmlns:a16="http://schemas.microsoft.com/office/drawing/2014/main" id="{94F35771-7795-C449-90E9-9679DBAE49F1}"/>
+                <a16:creationId xmlns:a16="http://schemas.microsoft.com/office/drawing/2014/main" id="{BEB15CF1-A539-2A4D-8AA8-3F9A3B63CB3E}"/>
               </a:ext>
             </a:extLst>
           </p:cNvPr>
-          <p:cNvSpPr>
-            <a:spLocks noGrp="1"/>
-          </p:cNvSpPr>
-          <p:nvPr>
-            <p:ph type="subTitle" idx="1"/>
-          </p:nvPr>
+          <p:cNvSpPr txBox="1">
+            <a:spLocks/>
+          </p:cNvSpPr>
+          <p:nvPr/>
         </p:nvSpPr>
         <p:spPr>
           <a:xfrm>
-            <a:off x="2695194" y="5260934"/>
-            <a:ext cx="6801612" cy="1239894"/>
+            <a:off x="2557698" y="5295911"/>
+            <a:ext cx="7076603" cy="1245182"/>
           </a:xfrm>
+          <a:prstGeom prst="rect">
+            <a:avLst/>
+          </a:prstGeom>
+          <a:noFill/>
         </p:spPr>
         <p:txBody>
           <a:bodyPr vert="horz" lIns="91440" tIns="45720" rIns="91440" bIns="45720" rtlCol="0">
             <a:normAutofit/>
           </a:bodyPr>
-          <a:lstStyle/>
-          <a:p>
-            <a:r>
-              <a:rPr lang="en-US" sz="5400" dirty="0"/>
-              <a:t>Recommendations</a:t>
-            </a:r>
+          <a:lstStyle>
+            <a:lvl1pPr marL="0" indent="0" algn="ctr" defTabSz="914400" rtl="0" eaLnBrk="1" latinLnBrk="0" hangingPunct="1">
+              <a:lnSpc>
+                <a:spcPct val="100000"/>
+              </a:lnSpc>
+              <a:spcBef>
+                <a:spcPts val="1000"/>
+              </a:spcBef>
+              <a:buClr>
+                <a:schemeClr val="accent2"/>
+              </a:buClr>
+              <a:buFont typeface="Arial" panose="020B0604020202020204" pitchFamily="34" charset="0"/>
+              <a:buNone/>
+              <a:defRPr sz="2000" kern="1200">
+                <a:solidFill>
+                  <a:schemeClr val="tx1">
+                    <a:lumMod val="75000"/>
+                    <a:lumOff val="25000"/>
+                  </a:schemeClr>
+                </a:solidFill>
+                <a:latin typeface="+mn-lt"/>
+                <a:ea typeface="+mn-ea"/>
+                <a:cs typeface="+mn-cs"/>
+              </a:defRPr>
+            </a:lvl1pPr>
+            <a:lvl2pPr marL="457200" indent="0" algn="ctr" defTabSz="914400" rtl="0" eaLnBrk="1" latinLnBrk="0" hangingPunct="1">
+              <a:lnSpc>
+                <a:spcPct val="100000"/>
+              </a:lnSpc>
+              <a:spcBef>
+                <a:spcPts val="1000"/>
+              </a:spcBef>
+              <a:buClr>
+                <a:schemeClr val="accent2"/>
+              </a:buClr>
+              <a:buFont typeface="Arial" panose="020B0604020202020204" pitchFamily="34" charset="0"/>
+              <a:buNone/>
+              <a:defRPr sz="2000" kern="1200">
+                <a:solidFill>
+                  <a:schemeClr val="tx1">
+                    <a:lumMod val="85000"/>
+                    <a:lumOff val="15000"/>
+                  </a:schemeClr>
+                </a:solidFill>
+                <a:latin typeface="+mn-lt"/>
+                <a:ea typeface="+mn-ea"/>
+                <a:cs typeface="+mn-cs"/>
+              </a:defRPr>
+            </a:lvl2pPr>
+            <a:lvl3pPr marL="914400" indent="0" algn="ctr" defTabSz="914400" rtl="0" eaLnBrk="1" latinLnBrk="0" hangingPunct="1">
+              <a:lnSpc>
+                <a:spcPct val="100000"/>
+              </a:lnSpc>
+              <a:spcBef>
+                <a:spcPts val="1000"/>
+              </a:spcBef>
+              <a:buClr>
+                <a:schemeClr val="accent2"/>
+              </a:buClr>
+              <a:buFont typeface="Arial" panose="020B0604020202020204" pitchFamily="34" charset="0"/>
+              <a:buNone/>
+              <a:defRPr sz="1800" kern="1200">
+                <a:solidFill>
+                  <a:schemeClr val="tx1">
+                    <a:lumMod val="85000"/>
+                    <a:lumOff val="15000"/>
+                  </a:schemeClr>
+                </a:solidFill>
+                <a:latin typeface="+mn-lt"/>
+                <a:ea typeface="+mn-ea"/>
+                <a:cs typeface="+mn-cs"/>
+              </a:defRPr>
+            </a:lvl3pPr>
+            <a:lvl4pPr marL="1371600" indent="0" algn="ctr" defTabSz="914400" rtl="0" eaLnBrk="1" latinLnBrk="0" hangingPunct="1">
+              <a:lnSpc>
+                <a:spcPct val="100000"/>
+              </a:lnSpc>
+              <a:spcBef>
+                <a:spcPts val="1000"/>
+              </a:spcBef>
+              <a:buClr>
+                <a:schemeClr val="accent2"/>
+              </a:buClr>
+              <a:buFont typeface="Arial" panose="020B0604020202020204" pitchFamily="34" charset="0"/>
+              <a:buNone/>
+              <a:defRPr sz="1600" kern="1200">
+                <a:solidFill>
+                  <a:schemeClr val="tx1">
+                    <a:lumMod val="85000"/>
+                    <a:lumOff val="15000"/>
+                  </a:schemeClr>
+                </a:solidFill>
+                <a:latin typeface="+mn-lt"/>
+                <a:ea typeface="+mn-ea"/>
+                <a:cs typeface="+mn-cs"/>
+              </a:defRPr>
+            </a:lvl4pPr>
+            <a:lvl5pPr marL="1828800" indent="0" algn="ctr" defTabSz="914400" rtl="0" eaLnBrk="1" latinLnBrk="0" hangingPunct="1">
+              <a:lnSpc>
+                <a:spcPct val="100000"/>
+              </a:lnSpc>
+              <a:spcBef>
+                <a:spcPts val="1000"/>
+              </a:spcBef>
+              <a:buClr>
+                <a:schemeClr val="accent2"/>
+              </a:buClr>
+              <a:buFont typeface="Arial" panose="020B0604020202020204" pitchFamily="34" charset="0"/>
+              <a:buNone/>
+              <a:defRPr sz="1600" kern="1200">
+                <a:solidFill>
+                  <a:schemeClr val="tx1">
+                    <a:lumMod val="85000"/>
+                    <a:lumOff val="15000"/>
+                  </a:schemeClr>
+                </a:solidFill>
+                <a:latin typeface="+mn-lt"/>
+                <a:ea typeface="+mn-ea"/>
+                <a:cs typeface="+mn-cs"/>
+              </a:defRPr>
+            </a:lvl5pPr>
+            <a:lvl6pPr marL="2286000" indent="0" algn="ctr" defTabSz="914400" rtl="0" eaLnBrk="1" latinLnBrk="0" hangingPunct="1">
+              <a:lnSpc>
+                <a:spcPct val="100000"/>
+              </a:lnSpc>
+              <a:spcBef>
+                <a:spcPts val="1000"/>
+              </a:spcBef>
+              <a:buClr>
+                <a:schemeClr val="accent2"/>
+              </a:buClr>
+              <a:buFont typeface="Arial" panose="020B0604020202020204" pitchFamily="34" charset="0"/>
+              <a:buNone/>
+              <a:defRPr sz="1600" kern="1200">
+                <a:solidFill>
+                  <a:schemeClr val="tx1"/>
+                </a:solidFill>
+                <a:latin typeface="+mn-lt"/>
+                <a:ea typeface="+mn-ea"/>
+                <a:cs typeface="+mn-cs"/>
+              </a:defRPr>
+            </a:lvl6pPr>
+            <a:lvl7pPr marL="2743200" indent="0" algn="ctr" defTabSz="914400" rtl="0" eaLnBrk="1" latinLnBrk="0" hangingPunct="1">
+              <a:lnSpc>
+                <a:spcPct val="100000"/>
+              </a:lnSpc>
+              <a:spcBef>
+                <a:spcPts val="1000"/>
+              </a:spcBef>
+              <a:buClr>
+                <a:schemeClr val="accent2"/>
+              </a:buClr>
+              <a:buFont typeface="Arial" panose="020B0604020202020204" pitchFamily="34" charset="0"/>
+              <a:buNone/>
+              <a:defRPr sz="1600" kern="1200">
+                <a:solidFill>
+                  <a:schemeClr val="tx1"/>
+                </a:solidFill>
+                <a:latin typeface="+mn-lt"/>
+                <a:ea typeface="+mn-ea"/>
+                <a:cs typeface="+mn-cs"/>
+              </a:defRPr>
+            </a:lvl7pPr>
+            <a:lvl8pPr marL="3200400" indent="0" algn="ctr" defTabSz="914400" rtl="0" eaLnBrk="1" latinLnBrk="0" hangingPunct="1">
+              <a:lnSpc>
+                <a:spcPct val="100000"/>
+              </a:lnSpc>
+              <a:spcBef>
+                <a:spcPts val="1000"/>
+              </a:spcBef>
+              <a:buClr>
+                <a:schemeClr val="accent2"/>
+              </a:buClr>
+              <a:buFont typeface="Arial" panose="020B0604020202020204" pitchFamily="34" charset="0"/>
+              <a:buNone/>
+              <a:defRPr sz="1600" kern="1200" baseline="0">
+                <a:solidFill>
+                  <a:schemeClr val="tx1"/>
+                </a:solidFill>
+                <a:latin typeface="+mn-lt"/>
+                <a:ea typeface="+mn-ea"/>
+                <a:cs typeface="+mn-cs"/>
+              </a:defRPr>
+            </a:lvl8pPr>
+            <a:lvl9pPr marL="3657600" indent="0" algn="ctr" defTabSz="914400" rtl="0" eaLnBrk="1" latinLnBrk="0" hangingPunct="1">
+              <a:lnSpc>
+                <a:spcPct val="100000"/>
+              </a:lnSpc>
+              <a:spcBef>
+                <a:spcPts val="1000"/>
+              </a:spcBef>
+              <a:buClr>
+                <a:schemeClr val="accent2"/>
+              </a:buClr>
+              <a:buFont typeface="Arial" panose="020B0604020202020204" pitchFamily="34" charset="0"/>
+              <a:buNone/>
+              <a:defRPr sz="1600" kern="1200" baseline="0">
+                <a:solidFill>
+                  <a:schemeClr val="tx1"/>
+                </a:solidFill>
+                <a:latin typeface="+mn-lt"/>
+                <a:ea typeface="+mn-ea"/>
+                <a:cs typeface="+mn-cs"/>
+              </a:defRPr>
+            </a:lvl9pPr>
+          </a:lstStyle>
+          <a:p>
+            <a:r>
+              <a:rPr lang="en-US" sz="5400"/>
+              <a:t>Results – Geography</a:t>
+            </a:r>
+            <a:endParaRPr lang="en-US" sz="5400" dirty="0"/>
           </a:p>
         </p:txBody>
       </p:sp>
-      <p:pic>
-        <p:nvPicPr>
-          <p:cNvPr id="5" name="Picture 4">
-            <a:extLst>
-              <a:ext uri="{FF2B5EF4-FFF2-40B4-BE49-F238E27FC236}">
-                <a16:creationId xmlns:a16="http://schemas.microsoft.com/office/drawing/2014/main" id="{DE25AF2F-C831-B748-B1A5-3EE7921A727A}"/>
-              </a:ext>
-            </a:extLst>
-          </p:cNvPr>
-          <p:cNvPicPr>
-            <a:picLocks noChangeAspect="1"/>
-          </p:cNvPicPr>
-          <p:nvPr/>
-        </p:nvPicPr>
-        <p:blipFill>
-          <a:blip r:embed="rId4"/>
-          <a:stretch>
-            <a:fillRect/>
-          </a:stretch>
-        </p:blipFill>
-        <p:spPr>
-          <a:xfrm>
-            <a:off x="4629150" y="2444750"/>
-            <a:ext cx="2933700" cy="1968500"/>
-          </a:xfrm>
-          <a:prstGeom prst="rect">
-            <a:avLst/>
-          </a:prstGeom>
-        </p:spPr>
-      </p:pic>
     </p:spTree>
     <p:extLst>
       <p:ext uri="{BB962C8B-B14F-4D97-AF65-F5344CB8AC3E}">
-        <p14:creationId xmlns:p14="http://schemas.microsoft.com/office/powerpoint/2010/main" val="2512926751"/>
+        <p14:creationId xmlns:p14="http://schemas.microsoft.com/office/powerpoint/2010/main" val="1399645491"/>
       </p:ext>
     </p:extLst>
   </p:cSld>
@@ -5398,6 +6104,1535 @@
 </file>
 
 <file path=ppt/slides/slide12.xml><?xml version="1.0" encoding="utf-8"?>
+<p:sld xmlns:a="http://schemas.openxmlformats.org/drawingml/2006/main" xmlns:r="http://schemas.openxmlformats.org/officeDocument/2006/relationships" xmlns:p="http://schemas.openxmlformats.org/presentationml/2006/main">
+  <p:cSld>
+    <p:bg>
+      <p:bgPr>
+        <a:solidFill>
+          <a:schemeClr val="accent2"/>
+        </a:solidFill>
+        <a:effectLst/>
+      </p:bgPr>
+    </p:bg>
+    <p:spTree>
+      <p:nvGrpSpPr>
+        <p:cNvPr id="1" name=""/>
+        <p:cNvGrpSpPr/>
+        <p:nvPr/>
+      </p:nvGrpSpPr>
+      <p:grpSpPr>
+        <a:xfrm>
+          <a:off x="0" y="0"/>
+          <a:ext cx="0" cy="0"/>
+          <a:chOff x="0" y="0"/>
+          <a:chExt cx="0" cy="0"/>
+        </a:xfrm>
+      </p:grpSpPr>
+      <p:sp>
+        <p:nvSpPr>
+          <p:cNvPr id="15" name="Rectangle 14">
+            <a:extLst>
+              <a:ext uri="{FF2B5EF4-FFF2-40B4-BE49-F238E27FC236}">
+                <a16:creationId xmlns:a16="http://schemas.microsoft.com/office/drawing/2014/main" id="{C3A694C2-50DA-401D-9E8A-3621EBF0C75C}"/>
+              </a:ext>
+              <a:ext uri="{C183D7F6-B498-43B3-948B-1728B52AA6E4}">
+                <adec:decorative xmlns:adec="http://schemas.microsoft.com/office/drawing/2017/decorative" val="1"/>
+              </a:ext>
+            </a:extLst>
+          </p:cNvPr>
+          <p:cNvSpPr>
+            <a:spLocks noGrp="1" noRot="1" noChangeAspect="1" noMove="1" noResize="1" noEditPoints="1" noAdjustHandles="1" noChangeArrowheads="1" noChangeShapeType="1" noTextEdit="1"/>
+          </p:cNvSpPr>
+          <p:nvPr>
+            <p:extLst>
+              <p:ext uri="{386F3935-93C4-4BCD-93E2-E3B085C9AB24}">
+                <p16:designElem xmlns:p16="http://schemas.microsoft.com/office/powerpoint/2015/main" val="1"/>
+              </p:ext>
+            </p:extLst>
+          </p:nvPr>
+        </p:nvSpPr>
+        <p:spPr>
+          <a:xfrm>
+            <a:off x="0" y="-2"/>
+            <a:ext cx="12192000" cy="4918511"/>
+          </a:xfrm>
+          <a:prstGeom prst="rect">
+            <a:avLst/>
+          </a:prstGeom>
+          <a:solidFill>
+            <a:srgbClr val="FFFFFF"/>
+          </a:solidFill>
+          <a:ln>
+            <a:noFill/>
+          </a:ln>
+        </p:spPr>
+        <p:style>
+          <a:lnRef idx="2">
+            <a:schemeClr val="accent1">
+              <a:shade val="50000"/>
+            </a:schemeClr>
+          </a:lnRef>
+          <a:fillRef idx="1">
+            <a:schemeClr val="accent1"/>
+          </a:fillRef>
+          <a:effectRef idx="0">
+            <a:schemeClr val="accent1"/>
+          </a:effectRef>
+          <a:fontRef idx="minor">
+            <a:schemeClr val="lt1"/>
+          </a:fontRef>
+        </p:style>
+        <p:txBody>
+          <a:bodyPr rtlCol="0" anchor="ctr"/>
+          <a:lstStyle/>
+          <a:p>
+            <a:pPr algn="ctr"/>
+            <a:endParaRPr lang="en-US"/>
+          </a:p>
+        </p:txBody>
+      </p:sp>
+      <p:pic>
+        <p:nvPicPr>
+          <p:cNvPr id="9" name="Picture 8">
+            <a:extLst>
+              <a:ext uri="{FF2B5EF4-FFF2-40B4-BE49-F238E27FC236}">
+                <a16:creationId xmlns:a16="http://schemas.microsoft.com/office/drawing/2014/main" id="{EB55C074-D7B7-A744-8B69-2A6B585F0B7E}"/>
+              </a:ext>
+            </a:extLst>
+          </p:cNvPr>
+          <p:cNvPicPr>
+            <a:picLocks noChangeAspect="1"/>
+          </p:cNvPicPr>
+          <p:nvPr/>
+        </p:nvPicPr>
+        <p:blipFill>
+          <a:blip r:embed="rId3"/>
+          <a:stretch>
+            <a:fillRect/>
+          </a:stretch>
+        </p:blipFill>
+        <p:spPr>
+          <a:xfrm>
+            <a:off x="200576" y="5220670"/>
+            <a:ext cx="1320423" cy="1320423"/>
+          </a:xfrm>
+          <a:prstGeom prst="rect">
+            <a:avLst/>
+          </a:prstGeom>
+        </p:spPr>
+      </p:pic>
+      <p:sp>
+        <p:nvSpPr>
+          <p:cNvPr id="13" name="Subtitle 7">
+            <a:extLst>
+              <a:ext uri="{FF2B5EF4-FFF2-40B4-BE49-F238E27FC236}">
+                <a16:creationId xmlns:a16="http://schemas.microsoft.com/office/drawing/2014/main" id="{1EC10E55-065E-7B4C-8A7B-50A587AB2265}"/>
+              </a:ext>
+            </a:extLst>
+          </p:cNvPr>
+          <p:cNvSpPr txBox="1">
+            <a:spLocks/>
+          </p:cNvSpPr>
+          <p:nvPr/>
+        </p:nvSpPr>
+        <p:spPr>
+          <a:xfrm>
+            <a:off x="2557698" y="5295911"/>
+            <a:ext cx="7076603" cy="1245182"/>
+          </a:xfrm>
+          <a:prstGeom prst="rect">
+            <a:avLst/>
+          </a:prstGeom>
+          <a:noFill/>
+        </p:spPr>
+        <p:txBody>
+          <a:bodyPr vert="horz" lIns="91440" tIns="45720" rIns="91440" bIns="45720" rtlCol="0">
+            <a:normAutofit/>
+          </a:bodyPr>
+          <a:lstStyle>
+            <a:lvl1pPr marL="0" indent="0" algn="ctr" defTabSz="914400" rtl="0" eaLnBrk="1" latinLnBrk="0" hangingPunct="1">
+              <a:lnSpc>
+                <a:spcPct val="100000"/>
+              </a:lnSpc>
+              <a:spcBef>
+                <a:spcPts val="1000"/>
+              </a:spcBef>
+              <a:buClr>
+                <a:schemeClr val="accent2"/>
+              </a:buClr>
+              <a:buFont typeface="Arial" panose="020B0604020202020204" pitchFamily="34" charset="0"/>
+              <a:buNone/>
+              <a:defRPr sz="2000" kern="1200">
+                <a:solidFill>
+                  <a:schemeClr val="tx1">
+                    <a:lumMod val="75000"/>
+                    <a:lumOff val="25000"/>
+                  </a:schemeClr>
+                </a:solidFill>
+                <a:latin typeface="+mn-lt"/>
+                <a:ea typeface="+mn-ea"/>
+                <a:cs typeface="+mn-cs"/>
+              </a:defRPr>
+            </a:lvl1pPr>
+            <a:lvl2pPr marL="457200" indent="0" algn="ctr" defTabSz="914400" rtl="0" eaLnBrk="1" latinLnBrk="0" hangingPunct="1">
+              <a:lnSpc>
+                <a:spcPct val="100000"/>
+              </a:lnSpc>
+              <a:spcBef>
+                <a:spcPts val="1000"/>
+              </a:spcBef>
+              <a:buClr>
+                <a:schemeClr val="accent2"/>
+              </a:buClr>
+              <a:buFont typeface="Arial" panose="020B0604020202020204" pitchFamily="34" charset="0"/>
+              <a:buNone/>
+              <a:defRPr sz="2000" kern="1200">
+                <a:solidFill>
+                  <a:schemeClr val="tx1">
+                    <a:lumMod val="85000"/>
+                    <a:lumOff val="15000"/>
+                  </a:schemeClr>
+                </a:solidFill>
+                <a:latin typeface="+mn-lt"/>
+                <a:ea typeface="+mn-ea"/>
+                <a:cs typeface="+mn-cs"/>
+              </a:defRPr>
+            </a:lvl2pPr>
+            <a:lvl3pPr marL="914400" indent="0" algn="ctr" defTabSz="914400" rtl="0" eaLnBrk="1" latinLnBrk="0" hangingPunct="1">
+              <a:lnSpc>
+                <a:spcPct val="100000"/>
+              </a:lnSpc>
+              <a:spcBef>
+                <a:spcPts val="1000"/>
+              </a:spcBef>
+              <a:buClr>
+                <a:schemeClr val="accent2"/>
+              </a:buClr>
+              <a:buFont typeface="Arial" panose="020B0604020202020204" pitchFamily="34" charset="0"/>
+              <a:buNone/>
+              <a:defRPr sz="1800" kern="1200">
+                <a:solidFill>
+                  <a:schemeClr val="tx1">
+                    <a:lumMod val="85000"/>
+                    <a:lumOff val="15000"/>
+                  </a:schemeClr>
+                </a:solidFill>
+                <a:latin typeface="+mn-lt"/>
+                <a:ea typeface="+mn-ea"/>
+                <a:cs typeface="+mn-cs"/>
+              </a:defRPr>
+            </a:lvl3pPr>
+            <a:lvl4pPr marL="1371600" indent="0" algn="ctr" defTabSz="914400" rtl="0" eaLnBrk="1" latinLnBrk="0" hangingPunct="1">
+              <a:lnSpc>
+                <a:spcPct val="100000"/>
+              </a:lnSpc>
+              <a:spcBef>
+                <a:spcPts val="1000"/>
+              </a:spcBef>
+              <a:buClr>
+                <a:schemeClr val="accent2"/>
+              </a:buClr>
+              <a:buFont typeface="Arial" panose="020B0604020202020204" pitchFamily="34" charset="0"/>
+              <a:buNone/>
+              <a:defRPr sz="1600" kern="1200">
+                <a:solidFill>
+                  <a:schemeClr val="tx1">
+                    <a:lumMod val="85000"/>
+                    <a:lumOff val="15000"/>
+                  </a:schemeClr>
+                </a:solidFill>
+                <a:latin typeface="+mn-lt"/>
+                <a:ea typeface="+mn-ea"/>
+                <a:cs typeface="+mn-cs"/>
+              </a:defRPr>
+            </a:lvl4pPr>
+            <a:lvl5pPr marL="1828800" indent="0" algn="ctr" defTabSz="914400" rtl="0" eaLnBrk="1" latinLnBrk="0" hangingPunct="1">
+              <a:lnSpc>
+                <a:spcPct val="100000"/>
+              </a:lnSpc>
+              <a:spcBef>
+                <a:spcPts val="1000"/>
+              </a:spcBef>
+              <a:buClr>
+                <a:schemeClr val="accent2"/>
+              </a:buClr>
+              <a:buFont typeface="Arial" panose="020B0604020202020204" pitchFamily="34" charset="0"/>
+              <a:buNone/>
+              <a:defRPr sz="1600" kern="1200">
+                <a:solidFill>
+                  <a:schemeClr val="tx1">
+                    <a:lumMod val="85000"/>
+                    <a:lumOff val="15000"/>
+                  </a:schemeClr>
+                </a:solidFill>
+                <a:latin typeface="+mn-lt"/>
+                <a:ea typeface="+mn-ea"/>
+                <a:cs typeface="+mn-cs"/>
+              </a:defRPr>
+            </a:lvl5pPr>
+            <a:lvl6pPr marL="2286000" indent="0" algn="ctr" defTabSz="914400" rtl="0" eaLnBrk="1" latinLnBrk="0" hangingPunct="1">
+              <a:lnSpc>
+                <a:spcPct val="100000"/>
+              </a:lnSpc>
+              <a:spcBef>
+                <a:spcPts val="1000"/>
+              </a:spcBef>
+              <a:buClr>
+                <a:schemeClr val="accent2"/>
+              </a:buClr>
+              <a:buFont typeface="Arial" panose="020B0604020202020204" pitchFamily="34" charset="0"/>
+              <a:buNone/>
+              <a:defRPr sz="1600" kern="1200">
+                <a:solidFill>
+                  <a:schemeClr val="tx1"/>
+                </a:solidFill>
+                <a:latin typeface="+mn-lt"/>
+                <a:ea typeface="+mn-ea"/>
+                <a:cs typeface="+mn-cs"/>
+              </a:defRPr>
+            </a:lvl6pPr>
+            <a:lvl7pPr marL="2743200" indent="0" algn="ctr" defTabSz="914400" rtl="0" eaLnBrk="1" latinLnBrk="0" hangingPunct="1">
+              <a:lnSpc>
+                <a:spcPct val="100000"/>
+              </a:lnSpc>
+              <a:spcBef>
+                <a:spcPts val="1000"/>
+              </a:spcBef>
+              <a:buClr>
+                <a:schemeClr val="accent2"/>
+              </a:buClr>
+              <a:buFont typeface="Arial" panose="020B0604020202020204" pitchFamily="34" charset="0"/>
+              <a:buNone/>
+              <a:defRPr sz="1600" kern="1200">
+                <a:solidFill>
+                  <a:schemeClr val="tx1"/>
+                </a:solidFill>
+                <a:latin typeface="+mn-lt"/>
+                <a:ea typeface="+mn-ea"/>
+                <a:cs typeface="+mn-cs"/>
+              </a:defRPr>
+            </a:lvl7pPr>
+            <a:lvl8pPr marL="3200400" indent="0" algn="ctr" defTabSz="914400" rtl="0" eaLnBrk="1" latinLnBrk="0" hangingPunct="1">
+              <a:lnSpc>
+                <a:spcPct val="100000"/>
+              </a:lnSpc>
+              <a:spcBef>
+                <a:spcPts val="1000"/>
+              </a:spcBef>
+              <a:buClr>
+                <a:schemeClr val="accent2"/>
+              </a:buClr>
+              <a:buFont typeface="Arial" panose="020B0604020202020204" pitchFamily="34" charset="0"/>
+              <a:buNone/>
+              <a:defRPr sz="1600" kern="1200" baseline="0">
+                <a:solidFill>
+                  <a:schemeClr val="tx1"/>
+                </a:solidFill>
+                <a:latin typeface="+mn-lt"/>
+                <a:ea typeface="+mn-ea"/>
+                <a:cs typeface="+mn-cs"/>
+              </a:defRPr>
+            </a:lvl8pPr>
+            <a:lvl9pPr marL="3657600" indent="0" algn="ctr" defTabSz="914400" rtl="0" eaLnBrk="1" latinLnBrk="0" hangingPunct="1">
+              <a:lnSpc>
+                <a:spcPct val="100000"/>
+              </a:lnSpc>
+              <a:spcBef>
+                <a:spcPts val="1000"/>
+              </a:spcBef>
+              <a:buClr>
+                <a:schemeClr val="accent2"/>
+              </a:buClr>
+              <a:buFont typeface="Arial" panose="020B0604020202020204" pitchFamily="34" charset="0"/>
+              <a:buNone/>
+              <a:defRPr sz="1600" kern="1200" baseline="0">
+                <a:solidFill>
+                  <a:schemeClr val="tx1"/>
+                </a:solidFill>
+                <a:latin typeface="+mn-lt"/>
+                <a:ea typeface="+mn-ea"/>
+                <a:cs typeface="+mn-cs"/>
+              </a:defRPr>
+            </a:lvl9pPr>
+          </a:lstStyle>
+          <a:p>
+            <a:r>
+              <a:rPr lang="en-US" sz="5400"/>
+              <a:t>Results – Geography</a:t>
+            </a:r>
+            <a:endParaRPr lang="en-US" sz="5400" dirty="0"/>
+          </a:p>
+        </p:txBody>
+      </p:sp>
+    </p:spTree>
+    <p:extLst>
+      <p:ext uri="{BB962C8B-B14F-4D97-AF65-F5344CB8AC3E}">
+        <p14:creationId xmlns:p14="http://schemas.microsoft.com/office/powerpoint/2010/main" val="3834384139"/>
+      </p:ext>
+    </p:extLst>
+  </p:cSld>
+  <p:clrMapOvr>
+    <a:masterClrMapping/>
+  </p:clrMapOvr>
+</p:sld>
+</file>
+
+<file path=ppt/slides/slide13.xml><?xml version="1.0" encoding="utf-8"?>
+<p:sld xmlns:a="http://schemas.openxmlformats.org/drawingml/2006/main" xmlns:r="http://schemas.openxmlformats.org/officeDocument/2006/relationships" xmlns:p="http://schemas.openxmlformats.org/presentationml/2006/main">
+  <p:cSld>
+    <p:bg>
+      <p:bgPr>
+        <a:solidFill>
+          <a:schemeClr val="accent2"/>
+        </a:solidFill>
+        <a:effectLst/>
+      </p:bgPr>
+    </p:bg>
+    <p:spTree>
+      <p:nvGrpSpPr>
+        <p:cNvPr id="1" name=""/>
+        <p:cNvGrpSpPr/>
+        <p:nvPr/>
+      </p:nvGrpSpPr>
+      <p:grpSpPr>
+        <a:xfrm>
+          <a:off x="0" y="0"/>
+          <a:ext cx="0" cy="0"/>
+          <a:chOff x="0" y="0"/>
+          <a:chExt cx="0" cy="0"/>
+        </a:xfrm>
+      </p:grpSpPr>
+      <p:sp>
+        <p:nvSpPr>
+          <p:cNvPr id="15" name="Rectangle 14">
+            <a:extLst>
+              <a:ext uri="{FF2B5EF4-FFF2-40B4-BE49-F238E27FC236}">
+                <a16:creationId xmlns:a16="http://schemas.microsoft.com/office/drawing/2014/main" id="{C3A694C2-50DA-401D-9E8A-3621EBF0C75C}"/>
+              </a:ext>
+              <a:ext uri="{C183D7F6-B498-43B3-948B-1728B52AA6E4}">
+                <adec:decorative xmlns:adec="http://schemas.microsoft.com/office/drawing/2017/decorative" val="1"/>
+              </a:ext>
+            </a:extLst>
+          </p:cNvPr>
+          <p:cNvSpPr>
+            <a:spLocks noGrp="1" noRot="1" noChangeAspect="1" noMove="1" noResize="1" noEditPoints="1" noAdjustHandles="1" noChangeArrowheads="1" noChangeShapeType="1" noTextEdit="1"/>
+          </p:cNvSpPr>
+          <p:nvPr>
+            <p:extLst>
+              <p:ext uri="{386F3935-93C4-4BCD-93E2-E3B085C9AB24}">
+                <p16:designElem xmlns:p16="http://schemas.microsoft.com/office/powerpoint/2015/main" val="1"/>
+              </p:ext>
+            </p:extLst>
+          </p:nvPr>
+        </p:nvSpPr>
+        <p:spPr>
+          <a:xfrm>
+            <a:off x="0" y="-2"/>
+            <a:ext cx="12192000" cy="4918511"/>
+          </a:xfrm>
+          <a:prstGeom prst="rect">
+            <a:avLst/>
+          </a:prstGeom>
+          <a:solidFill>
+            <a:srgbClr val="FFFFFF"/>
+          </a:solidFill>
+          <a:ln>
+            <a:noFill/>
+          </a:ln>
+        </p:spPr>
+        <p:style>
+          <a:lnRef idx="2">
+            <a:schemeClr val="accent1">
+              <a:shade val="50000"/>
+            </a:schemeClr>
+          </a:lnRef>
+          <a:fillRef idx="1">
+            <a:schemeClr val="accent1"/>
+          </a:fillRef>
+          <a:effectRef idx="0">
+            <a:schemeClr val="accent1"/>
+          </a:effectRef>
+          <a:fontRef idx="minor">
+            <a:schemeClr val="lt1"/>
+          </a:fontRef>
+        </p:style>
+        <p:txBody>
+          <a:bodyPr rtlCol="0" anchor="ctr"/>
+          <a:lstStyle/>
+          <a:p>
+            <a:pPr algn="ctr"/>
+            <a:endParaRPr lang="en-US"/>
+          </a:p>
+        </p:txBody>
+      </p:sp>
+      <p:pic>
+        <p:nvPicPr>
+          <p:cNvPr id="9" name="Picture 8">
+            <a:extLst>
+              <a:ext uri="{FF2B5EF4-FFF2-40B4-BE49-F238E27FC236}">
+                <a16:creationId xmlns:a16="http://schemas.microsoft.com/office/drawing/2014/main" id="{2F70ACD2-FDBE-5347-9332-8240C38251B8}"/>
+              </a:ext>
+            </a:extLst>
+          </p:cNvPr>
+          <p:cNvPicPr>
+            <a:picLocks noChangeAspect="1"/>
+          </p:cNvPicPr>
+          <p:nvPr/>
+        </p:nvPicPr>
+        <p:blipFill>
+          <a:blip r:embed="rId3"/>
+          <a:stretch>
+            <a:fillRect/>
+          </a:stretch>
+        </p:blipFill>
+        <p:spPr>
+          <a:xfrm>
+            <a:off x="200576" y="5220670"/>
+            <a:ext cx="1320423" cy="1320423"/>
+          </a:xfrm>
+          <a:prstGeom prst="rect">
+            <a:avLst/>
+          </a:prstGeom>
+        </p:spPr>
+      </p:pic>
+      <p:sp>
+        <p:nvSpPr>
+          <p:cNvPr id="13" name="Subtitle 7">
+            <a:extLst>
+              <a:ext uri="{FF2B5EF4-FFF2-40B4-BE49-F238E27FC236}">
+                <a16:creationId xmlns:a16="http://schemas.microsoft.com/office/drawing/2014/main" id="{8E958613-573A-FE41-9EB9-56648D51300B}"/>
+              </a:ext>
+            </a:extLst>
+          </p:cNvPr>
+          <p:cNvSpPr>
+            <a:spLocks noGrp="1"/>
+          </p:cNvSpPr>
+          <p:nvPr>
+            <p:ph type="subTitle" idx="1"/>
+          </p:nvPr>
+        </p:nvSpPr>
+        <p:spPr>
+          <a:xfrm>
+            <a:off x="2557698" y="5295911"/>
+            <a:ext cx="7076603" cy="1245182"/>
+          </a:xfrm>
+        </p:spPr>
+        <p:txBody>
+          <a:bodyPr vert="horz" lIns="91440" tIns="45720" rIns="91440" bIns="45720" rtlCol="0">
+            <a:normAutofit/>
+          </a:bodyPr>
+          <a:lstStyle/>
+          <a:p>
+            <a:r>
+              <a:rPr lang="en-US" sz="5400" dirty="0"/>
+              <a:t>Results – Geography</a:t>
+            </a:r>
+          </a:p>
+        </p:txBody>
+      </p:sp>
+    </p:spTree>
+    <p:extLst>
+      <p:ext uri="{BB962C8B-B14F-4D97-AF65-F5344CB8AC3E}">
+        <p14:creationId xmlns:p14="http://schemas.microsoft.com/office/powerpoint/2010/main" val="895492946"/>
+      </p:ext>
+    </p:extLst>
+  </p:cSld>
+  <p:clrMapOvr>
+    <a:masterClrMapping/>
+  </p:clrMapOvr>
+</p:sld>
+</file>
+
+<file path=ppt/slides/slide14.xml><?xml version="1.0" encoding="utf-8"?>
+<p:sld xmlns:a="http://schemas.openxmlformats.org/drawingml/2006/main" xmlns:r="http://schemas.openxmlformats.org/officeDocument/2006/relationships" xmlns:p="http://schemas.openxmlformats.org/presentationml/2006/main">
+  <p:cSld>
+    <p:bg>
+      <p:bgPr>
+        <a:solidFill>
+          <a:schemeClr val="accent2"/>
+        </a:solidFill>
+        <a:effectLst/>
+      </p:bgPr>
+    </p:bg>
+    <p:spTree>
+      <p:nvGrpSpPr>
+        <p:cNvPr id="1" name=""/>
+        <p:cNvGrpSpPr/>
+        <p:nvPr/>
+      </p:nvGrpSpPr>
+      <p:grpSpPr>
+        <a:xfrm>
+          <a:off x="0" y="0"/>
+          <a:ext cx="0" cy="0"/>
+          <a:chOff x="0" y="0"/>
+          <a:chExt cx="0" cy="0"/>
+        </a:xfrm>
+      </p:grpSpPr>
+      <p:sp>
+        <p:nvSpPr>
+          <p:cNvPr id="15" name="Rectangle 14">
+            <a:extLst>
+              <a:ext uri="{FF2B5EF4-FFF2-40B4-BE49-F238E27FC236}">
+                <a16:creationId xmlns:a16="http://schemas.microsoft.com/office/drawing/2014/main" id="{C3A694C2-50DA-401D-9E8A-3621EBF0C75C}"/>
+              </a:ext>
+              <a:ext uri="{C183D7F6-B498-43B3-948B-1728B52AA6E4}">
+                <adec:decorative xmlns:adec="http://schemas.microsoft.com/office/drawing/2017/decorative" val="1"/>
+              </a:ext>
+            </a:extLst>
+          </p:cNvPr>
+          <p:cNvSpPr>
+            <a:spLocks noGrp="1" noRot="1" noChangeAspect="1" noMove="1" noResize="1" noEditPoints="1" noAdjustHandles="1" noChangeArrowheads="1" noChangeShapeType="1" noTextEdit="1"/>
+          </p:cNvSpPr>
+          <p:nvPr>
+            <p:extLst>
+              <p:ext uri="{386F3935-93C4-4BCD-93E2-E3B085C9AB24}">
+                <p16:designElem xmlns:p16="http://schemas.microsoft.com/office/powerpoint/2015/main" val="1"/>
+              </p:ext>
+            </p:extLst>
+          </p:nvPr>
+        </p:nvSpPr>
+        <p:spPr>
+          <a:xfrm>
+            <a:off x="0" y="-2"/>
+            <a:ext cx="12192000" cy="4918511"/>
+          </a:xfrm>
+          <a:prstGeom prst="rect">
+            <a:avLst/>
+          </a:prstGeom>
+          <a:solidFill>
+            <a:srgbClr val="FFFFFF"/>
+          </a:solidFill>
+          <a:ln>
+            <a:noFill/>
+          </a:ln>
+        </p:spPr>
+        <p:style>
+          <a:lnRef idx="2">
+            <a:schemeClr val="accent1">
+              <a:shade val="50000"/>
+            </a:schemeClr>
+          </a:lnRef>
+          <a:fillRef idx="1">
+            <a:schemeClr val="accent1"/>
+          </a:fillRef>
+          <a:effectRef idx="0">
+            <a:schemeClr val="accent1"/>
+          </a:effectRef>
+          <a:fontRef idx="minor">
+            <a:schemeClr val="lt1"/>
+          </a:fontRef>
+        </p:style>
+        <p:txBody>
+          <a:bodyPr rtlCol="0" anchor="ctr"/>
+          <a:lstStyle/>
+          <a:p>
+            <a:pPr algn="ctr"/>
+            <a:endParaRPr lang="en-US"/>
+          </a:p>
+        </p:txBody>
+      </p:sp>
+      <p:sp>
+        <p:nvSpPr>
+          <p:cNvPr id="4" name="Subtitle 3">
+            <a:extLst>
+              <a:ext uri="{FF2B5EF4-FFF2-40B4-BE49-F238E27FC236}">
+                <a16:creationId xmlns:a16="http://schemas.microsoft.com/office/drawing/2014/main" id="{00CF764D-72D6-4946-B214-CE649B0CAC54}"/>
+              </a:ext>
+            </a:extLst>
+          </p:cNvPr>
+          <p:cNvSpPr>
+            <a:spLocks noGrp="1"/>
+          </p:cNvSpPr>
+          <p:nvPr>
+            <p:ph type="subTitle" idx="1"/>
+          </p:nvPr>
+        </p:nvSpPr>
+        <p:spPr>
+          <a:xfrm>
+            <a:off x="2695194" y="5301199"/>
+            <a:ext cx="6801612" cy="1239894"/>
+          </a:xfrm>
+        </p:spPr>
+        <p:txBody>
+          <a:bodyPr>
+            <a:normAutofit/>
+          </a:bodyPr>
+          <a:lstStyle/>
+          <a:p>
+            <a:r>
+              <a:rPr lang="en-US" sz="5400" dirty="0"/>
+              <a:t>Conclusions</a:t>
+            </a:r>
+          </a:p>
+        </p:txBody>
+      </p:sp>
+      <p:pic>
+        <p:nvPicPr>
+          <p:cNvPr id="9" name="Picture 8">
+            <a:extLst>
+              <a:ext uri="{FF2B5EF4-FFF2-40B4-BE49-F238E27FC236}">
+                <a16:creationId xmlns:a16="http://schemas.microsoft.com/office/drawing/2014/main" id="{2CB6AEC0-47CD-324E-8DDD-DBFFFE6DF99B}"/>
+              </a:ext>
+            </a:extLst>
+          </p:cNvPr>
+          <p:cNvPicPr>
+            <a:picLocks noChangeAspect="1"/>
+          </p:cNvPicPr>
+          <p:nvPr/>
+        </p:nvPicPr>
+        <p:blipFill>
+          <a:blip r:embed="rId3"/>
+          <a:stretch>
+            <a:fillRect/>
+          </a:stretch>
+        </p:blipFill>
+        <p:spPr>
+          <a:xfrm>
+            <a:off x="200576" y="5220670"/>
+            <a:ext cx="1320423" cy="1320423"/>
+          </a:xfrm>
+          <a:prstGeom prst="rect">
+            <a:avLst/>
+          </a:prstGeom>
+        </p:spPr>
+      </p:pic>
+      <p:grpSp>
+        <p:nvGrpSpPr>
+          <p:cNvPr id="11" name="Group 10">
+            <a:extLst>
+              <a:ext uri="{FF2B5EF4-FFF2-40B4-BE49-F238E27FC236}">
+                <a16:creationId xmlns:a16="http://schemas.microsoft.com/office/drawing/2014/main" id="{46430578-7ABA-4C49-9396-9B7FFCB67938}"/>
+              </a:ext>
+            </a:extLst>
+          </p:cNvPr>
+          <p:cNvGrpSpPr/>
+          <p:nvPr/>
+        </p:nvGrpSpPr>
+        <p:grpSpPr>
+          <a:xfrm>
+            <a:off x="457200" y="316907"/>
+            <a:ext cx="11277600" cy="4387615"/>
+            <a:chOff x="556591" y="316907"/>
+            <a:chExt cx="11277600" cy="4387615"/>
+          </a:xfrm>
+        </p:grpSpPr>
+        <p:sp>
+          <p:nvSpPr>
+            <p:cNvPr id="6" name="Rectangle 5">
+              <a:extLst>
+                <a:ext uri="{FF2B5EF4-FFF2-40B4-BE49-F238E27FC236}">
+                  <a16:creationId xmlns:a16="http://schemas.microsoft.com/office/drawing/2014/main" id="{7BBCBD78-4875-B04C-9D6B-02C7CB98118F}"/>
+                </a:ext>
+              </a:extLst>
+            </p:cNvPr>
+            <p:cNvSpPr/>
+            <p:nvPr/>
+          </p:nvSpPr>
+          <p:spPr>
+            <a:xfrm>
+              <a:off x="556591" y="316907"/>
+              <a:ext cx="11277600" cy="4387615"/>
+            </a:xfrm>
+            <a:prstGeom prst="rect">
+              <a:avLst/>
+            </a:prstGeom>
+            <a:solidFill>
+              <a:schemeClr val="tx1">
+                <a:lumMod val="85000"/>
+              </a:schemeClr>
+            </a:solidFill>
+            <a:ln w="19050">
+              <a:solidFill>
+                <a:schemeClr val="bg1"/>
+              </a:solidFill>
+            </a:ln>
+          </p:spPr>
+          <p:style>
+            <a:lnRef idx="2">
+              <a:schemeClr val="accent1">
+                <a:shade val="50000"/>
+              </a:schemeClr>
+            </a:lnRef>
+            <a:fillRef idx="1">
+              <a:schemeClr val="accent1"/>
+            </a:fillRef>
+            <a:effectRef idx="0">
+              <a:schemeClr val="accent1"/>
+            </a:effectRef>
+            <a:fontRef idx="minor">
+              <a:schemeClr val="lt1"/>
+            </a:fontRef>
+          </p:style>
+          <p:txBody>
+            <a:bodyPr rtlCol="0" anchor="ctr"/>
+            <a:lstStyle/>
+            <a:p>
+              <a:pPr algn="ctr"/>
+              <a:endParaRPr lang="en-US"/>
+            </a:p>
+          </p:txBody>
+        </p:sp>
+        <p:sp>
+          <p:nvSpPr>
+            <p:cNvPr id="5" name="TextBox 4">
+              <a:extLst>
+                <a:ext uri="{FF2B5EF4-FFF2-40B4-BE49-F238E27FC236}">
+                  <a16:creationId xmlns:a16="http://schemas.microsoft.com/office/drawing/2014/main" id="{34045EE7-95F9-F440-8918-1955A692526B}"/>
+                </a:ext>
+              </a:extLst>
+            </p:cNvPr>
+            <p:cNvSpPr txBox="1"/>
+            <p:nvPr/>
+          </p:nvSpPr>
+          <p:spPr>
+            <a:xfrm>
+              <a:off x="580094" y="316907"/>
+              <a:ext cx="1881809" cy="369332"/>
+            </a:xfrm>
+            <a:prstGeom prst="rect">
+              <a:avLst/>
+            </a:prstGeom>
+            <a:noFill/>
+          </p:spPr>
+          <p:txBody>
+            <a:bodyPr wrap="square" rtlCol="0">
+              <a:spAutoFit/>
+            </a:bodyPr>
+            <a:lstStyle/>
+            <a:p>
+              <a:r>
+                <a:rPr lang="en-US" dirty="0">
+                  <a:solidFill>
+                    <a:schemeClr val="bg1"/>
+                  </a:solidFill>
+                </a:rPr>
+                <a:t>Customer Profile </a:t>
+              </a:r>
+            </a:p>
+          </p:txBody>
+        </p:sp>
+        <p:sp>
+          <p:nvSpPr>
+            <p:cNvPr id="7" name="Rectangle 6">
+              <a:extLst>
+                <a:ext uri="{FF2B5EF4-FFF2-40B4-BE49-F238E27FC236}">
+                  <a16:creationId xmlns:a16="http://schemas.microsoft.com/office/drawing/2014/main" id="{E6216C32-33B3-4D4B-8E59-05B6A18F5A26}"/>
+                </a:ext>
+              </a:extLst>
+            </p:cNvPr>
+            <p:cNvSpPr/>
+            <p:nvPr/>
+          </p:nvSpPr>
+          <p:spPr>
+            <a:xfrm>
+              <a:off x="665922" y="686238"/>
+              <a:ext cx="5493026" cy="3872509"/>
+            </a:xfrm>
+            <a:prstGeom prst="rect">
+              <a:avLst/>
+            </a:prstGeom>
+            <a:solidFill>
+              <a:srgbClr val="FF0000">
+                <a:alpha val="15000"/>
+              </a:srgbClr>
+            </a:solidFill>
+            <a:ln w="28575">
+              <a:solidFill>
+                <a:schemeClr val="bg1"/>
+              </a:solidFill>
+            </a:ln>
+          </p:spPr>
+          <p:style>
+            <a:lnRef idx="2">
+              <a:schemeClr val="accent1">
+                <a:shade val="50000"/>
+              </a:schemeClr>
+            </a:lnRef>
+            <a:fillRef idx="1">
+              <a:schemeClr val="accent1"/>
+            </a:fillRef>
+            <a:effectRef idx="0">
+              <a:schemeClr val="accent1"/>
+            </a:effectRef>
+            <a:fontRef idx="minor">
+              <a:schemeClr val="lt1"/>
+            </a:fontRef>
+          </p:style>
+          <p:txBody>
+            <a:bodyPr rtlCol="0" anchor="ctr"/>
+            <a:lstStyle/>
+            <a:p>
+              <a:pPr algn="ctr"/>
+              <a:endParaRPr lang="en-US" dirty="0"/>
+            </a:p>
+          </p:txBody>
+        </p:sp>
+        <p:sp>
+          <p:nvSpPr>
+            <p:cNvPr id="13" name="Rectangle 12">
+              <a:extLst>
+                <a:ext uri="{FF2B5EF4-FFF2-40B4-BE49-F238E27FC236}">
+                  <a16:creationId xmlns:a16="http://schemas.microsoft.com/office/drawing/2014/main" id="{6D59A322-12D0-FA42-A063-71B064E378B2}"/>
+                </a:ext>
+              </a:extLst>
+            </p:cNvPr>
+            <p:cNvSpPr/>
+            <p:nvPr/>
+          </p:nvSpPr>
+          <p:spPr>
+            <a:xfrm>
+              <a:off x="6268278" y="686238"/>
+              <a:ext cx="5493026" cy="3872509"/>
+            </a:xfrm>
+            <a:prstGeom prst="rect">
+              <a:avLst/>
+            </a:prstGeom>
+            <a:solidFill>
+              <a:srgbClr val="0070C0">
+                <a:alpha val="14585"/>
+              </a:srgbClr>
+            </a:solidFill>
+            <a:ln w="28575">
+              <a:solidFill>
+                <a:schemeClr val="bg1"/>
+              </a:solidFill>
+            </a:ln>
+          </p:spPr>
+          <p:style>
+            <a:lnRef idx="2">
+              <a:schemeClr val="accent1">
+                <a:shade val="50000"/>
+              </a:schemeClr>
+            </a:lnRef>
+            <a:fillRef idx="1">
+              <a:schemeClr val="accent1"/>
+            </a:fillRef>
+            <a:effectRef idx="0">
+              <a:schemeClr val="accent1"/>
+            </a:effectRef>
+            <a:fontRef idx="minor">
+              <a:schemeClr val="lt1"/>
+            </a:fontRef>
+          </p:style>
+          <p:txBody>
+            <a:bodyPr rtlCol="0" anchor="ctr"/>
+            <a:lstStyle/>
+            <a:p>
+              <a:pPr algn="ctr"/>
+              <a:endParaRPr lang="en-US" dirty="0"/>
+            </a:p>
+          </p:txBody>
+        </p:sp>
+      </p:grpSp>
+      <p:sp>
+        <p:nvSpPr>
+          <p:cNvPr id="12" name="TextBox 11">
+            <a:extLst>
+              <a:ext uri="{FF2B5EF4-FFF2-40B4-BE49-F238E27FC236}">
+                <a16:creationId xmlns:a16="http://schemas.microsoft.com/office/drawing/2014/main" id="{19EF40CA-FE12-4B41-9BAD-B9132864208A}"/>
+              </a:ext>
+            </a:extLst>
+          </p:cNvPr>
+          <p:cNvSpPr txBox="1"/>
+          <p:nvPr/>
+        </p:nvSpPr>
+        <p:spPr>
+          <a:xfrm>
+            <a:off x="689811" y="802105"/>
+            <a:ext cx="5229726" cy="3970318"/>
+          </a:xfrm>
+          <a:prstGeom prst="rect">
+            <a:avLst/>
+          </a:prstGeom>
+          <a:noFill/>
+        </p:spPr>
+        <p:txBody>
+          <a:bodyPr wrap="square" rtlCol="0">
+            <a:spAutoFit/>
+          </a:bodyPr>
+          <a:lstStyle/>
+          <a:p>
+            <a:r>
+              <a:rPr lang="en-US" u="sng" dirty="0">
+                <a:solidFill>
+                  <a:schemeClr val="bg1"/>
+                </a:solidFill>
+              </a:rPr>
+              <a:t>Possibly most likely default</a:t>
+            </a:r>
+          </a:p>
+          <a:p>
+            <a:endParaRPr lang="en-US" dirty="0">
+              <a:solidFill>
+                <a:schemeClr val="bg1"/>
+              </a:solidFill>
+            </a:endParaRPr>
+          </a:p>
+          <a:p>
+            <a:pPr marL="285750" indent="-285750">
+              <a:buFontTx/>
+              <a:buChar char="-"/>
+            </a:pPr>
+            <a:r>
+              <a:rPr lang="en-US" b="1" dirty="0">
+                <a:solidFill>
+                  <a:schemeClr val="bg1"/>
+                </a:solidFill>
+              </a:rPr>
+              <a:t>State</a:t>
+            </a:r>
+            <a:r>
+              <a:rPr lang="en-US" dirty="0">
+                <a:solidFill>
+                  <a:schemeClr val="bg1"/>
+                </a:solidFill>
+              </a:rPr>
+              <a:t>: California, Maryland, Washington, Florida and Georgia </a:t>
+            </a:r>
+          </a:p>
+          <a:p>
+            <a:pPr marL="285750" indent="-285750">
+              <a:buFontTx/>
+              <a:buChar char="-"/>
+            </a:pPr>
+            <a:endParaRPr lang="en-US" dirty="0">
+              <a:solidFill>
+                <a:schemeClr val="bg1"/>
+              </a:solidFill>
+            </a:endParaRPr>
+          </a:p>
+          <a:p>
+            <a:pPr marL="285750" indent="-285750">
+              <a:buFontTx/>
+              <a:buChar char="-"/>
+            </a:pPr>
+            <a:r>
+              <a:rPr lang="en-US" b="1" dirty="0">
+                <a:solidFill>
+                  <a:schemeClr val="bg1"/>
+                </a:solidFill>
+              </a:rPr>
+              <a:t>Purpose</a:t>
+            </a:r>
+            <a:r>
+              <a:rPr lang="en-US" dirty="0">
+                <a:solidFill>
+                  <a:schemeClr val="bg1"/>
+                </a:solidFill>
+              </a:rPr>
+              <a:t>: </a:t>
+            </a:r>
+          </a:p>
+          <a:p>
+            <a:pPr marL="285750" indent="-285750">
+              <a:buFontTx/>
+              <a:buChar char="-"/>
+            </a:pPr>
+            <a:endParaRPr lang="en-US" dirty="0">
+              <a:solidFill>
+                <a:schemeClr val="bg1"/>
+              </a:solidFill>
+            </a:endParaRPr>
+          </a:p>
+          <a:p>
+            <a:pPr marL="285750" indent="-285750">
+              <a:buFontTx/>
+              <a:buChar char="-"/>
+            </a:pPr>
+            <a:r>
+              <a:rPr lang="en-US" b="1" dirty="0">
+                <a:solidFill>
+                  <a:schemeClr val="bg1"/>
+                </a:solidFill>
+              </a:rPr>
+              <a:t>Income</a:t>
+            </a:r>
+            <a:r>
+              <a:rPr lang="en-US" dirty="0">
+                <a:solidFill>
+                  <a:schemeClr val="bg1"/>
+                </a:solidFill>
+              </a:rPr>
+              <a:t>:</a:t>
+            </a:r>
+          </a:p>
+          <a:p>
+            <a:pPr marL="285750" indent="-285750">
+              <a:buFontTx/>
+              <a:buChar char="-"/>
+            </a:pPr>
+            <a:endParaRPr lang="en-US" dirty="0">
+              <a:solidFill>
+                <a:schemeClr val="bg1"/>
+              </a:solidFill>
+            </a:endParaRPr>
+          </a:p>
+          <a:p>
+            <a:pPr marL="285750" indent="-285750">
+              <a:buFontTx/>
+              <a:buChar char="-"/>
+            </a:pPr>
+            <a:r>
+              <a:rPr lang="en-US" b="1" dirty="0">
+                <a:solidFill>
+                  <a:schemeClr val="bg1"/>
+                </a:solidFill>
+              </a:rPr>
+              <a:t>Home owner</a:t>
+            </a:r>
+            <a:r>
+              <a:rPr lang="en-US" dirty="0">
+                <a:solidFill>
+                  <a:schemeClr val="bg1"/>
+                </a:solidFill>
+              </a:rPr>
+              <a:t>:</a:t>
+            </a:r>
+          </a:p>
+          <a:p>
+            <a:pPr marL="285750" indent="-285750">
+              <a:buFontTx/>
+              <a:buChar char="-"/>
+            </a:pPr>
+            <a:endParaRPr lang="en-US" dirty="0">
+              <a:solidFill>
+                <a:schemeClr val="bg1"/>
+              </a:solidFill>
+            </a:endParaRPr>
+          </a:p>
+          <a:p>
+            <a:pPr marL="285750" indent="-285750">
+              <a:buFontTx/>
+              <a:buChar char="-"/>
+            </a:pPr>
+            <a:r>
+              <a:rPr lang="en-US" b="1" dirty="0">
+                <a:solidFill>
+                  <a:schemeClr val="bg1"/>
+                </a:solidFill>
+              </a:rPr>
+              <a:t>Employment length</a:t>
+            </a:r>
+            <a:r>
+              <a:rPr lang="en-US" dirty="0">
+                <a:solidFill>
+                  <a:schemeClr val="bg1"/>
+                </a:solidFill>
+              </a:rPr>
+              <a:t>: </a:t>
+            </a:r>
+          </a:p>
+          <a:p>
+            <a:pPr marL="285750" indent="-285750">
+              <a:buFontTx/>
+              <a:buChar char="-"/>
+            </a:pPr>
+            <a:endParaRPr lang="en-US" dirty="0">
+              <a:solidFill>
+                <a:schemeClr val="bg1"/>
+              </a:solidFill>
+            </a:endParaRPr>
+          </a:p>
+          <a:p>
+            <a:pPr marL="285750" indent="-285750">
+              <a:buFontTx/>
+              <a:buChar char="-"/>
+            </a:pPr>
+            <a:endParaRPr lang="en-US" dirty="0">
+              <a:solidFill>
+                <a:schemeClr val="bg1"/>
+              </a:solidFill>
+            </a:endParaRPr>
+          </a:p>
+        </p:txBody>
+      </p:sp>
+      <p:sp>
+        <p:nvSpPr>
+          <p:cNvPr id="16" name="TextBox 15">
+            <a:extLst>
+              <a:ext uri="{FF2B5EF4-FFF2-40B4-BE49-F238E27FC236}">
+                <a16:creationId xmlns:a16="http://schemas.microsoft.com/office/drawing/2014/main" id="{D2C0E8DA-A713-7C4C-9908-F58B26B3B4A2}"/>
+              </a:ext>
+            </a:extLst>
+          </p:cNvPr>
+          <p:cNvSpPr txBox="1"/>
+          <p:nvPr/>
+        </p:nvSpPr>
+        <p:spPr>
+          <a:xfrm>
+            <a:off x="6300537" y="802105"/>
+            <a:ext cx="5229726" cy="3970318"/>
+          </a:xfrm>
+          <a:prstGeom prst="rect">
+            <a:avLst/>
+          </a:prstGeom>
+          <a:noFill/>
+        </p:spPr>
+        <p:txBody>
+          <a:bodyPr wrap="square" rtlCol="0">
+            <a:spAutoFit/>
+          </a:bodyPr>
+          <a:lstStyle/>
+          <a:p>
+            <a:r>
+              <a:rPr lang="en-US" u="sng" dirty="0">
+                <a:solidFill>
+                  <a:schemeClr val="bg1"/>
+                </a:solidFill>
+              </a:rPr>
+              <a:t>Possibly least likely to default</a:t>
+            </a:r>
+          </a:p>
+          <a:p>
+            <a:endParaRPr lang="en-US" u="sng" dirty="0">
+              <a:solidFill>
+                <a:schemeClr val="bg1"/>
+              </a:solidFill>
+            </a:endParaRPr>
+          </a:p>
+          <a:p>
+            <a:pPr marL="285750" indent="-285750">
+              <a:buFontTx/>
+              <a:buChar char="-"/>
+            </a:pPr>
+            <a:r>
+              <a:rPr lang="en-US" b="1" dirty="0">
+                <a:solidFill>
+                  <a:schemeClr val="bg1"/>
+                </a:solidFill>
+              </a:rPr>
+              <a:t>State</a:t>
+            </a:r>
+            <a:r>
+              <a:rPr lang="en-US" dirty="0">
+                <a:solidFill>
+                  <a:schemeClr val="bg1"/>
+                </a:solidFill>
+              </a:rPr>
+              <a:t>:  New Jersey, Illinoi, New York, Pennsylvania,  Arizona, Ohio, Massachusetts, Virginia, Colorado, Texas</a:t>
+            </a:r>
+          </a:p>
+          <a:p>
+            <a:pPr marL="285750" indent="-285750">
+              <a:buFontTx/>
+              <a:buChar char="-"/>
+            </a:pPr>
+            <a:endParaRPr lang="en-US" dirty="0">
+              <a:solidFill>
+                <a:schemeClr val="bg1"/>
+              </a:solidFill>
+            </a:endParaRPr>
+          </a:p>
+          <a:p>
+            <a:pPr marL="285750" indent="-285750">
+              <a:buFontTx/>
+              <a:buChar char="-"/>
+            </a:pPr>
+            <a:r>
+              <a:rPr lang="en-US" b="1" dirty="0">
+                <a:solidFill>
+                  <a:schemeClr val="bg1"/>
+                </a:solidFill>
+              </a:rPr>
+              <a:t>Purpose</a:t>
+            </a:r>
+            <a:r>
+              <a:rPr lang="en-US" dirty="0">
+                <a:solidFill>
+                  <a:schemeClr val="bg1"/>
+                </a:solidFill>
+              </a:rPr>
+              <a:t>: </a:t>
+            </a:r>
+          </a:p>
+          <a:p>
+            <a:pPr marL="285750" indent="-285750">
+              <a:buFontTx/>
+              <a:buChar char="-"/>
+            </a:pPr>
+            <a:endParaRPr lang="en-US" dirty="0">
+              <a:solidFill>
+                <a:schemeClr val="bg1"/>
+              </a:solidFill>
+            </a:endParaRPr>
+          </a:p>
+          <a:p>
+            <a:pPr marL="285750" indent="-285750">
+              <a:buFontTx/>
+              <a:buChar char="-"/>
+            </a:pPr>
+            <a:r>
+              <a:rPr lang="en-US" b="1" dirty="0">
+                <a:solidFill>
+                  <a:schemeClr val="bg1"/>
+                </a:solidFill>
+              </a:rPr>
+              <a:t>Income</a:t>
+            </a:r>
+            <a:r>
+              <a:rPr lang="en-US" dirty="0">
+                <a:solidFill>
+                  <a:schemeClr val="bg1"/>
+                </a:solidFill>
+              </a:rPr>
+              <a:t>:</a:t>
+            </a:r>
+          </a:p>
+          <a:p>
+            <a:pPr marL="285750" indent="-285750">
+              <a:buFontTx/>
+              <a:buChar char="-"/>
+            </a:pPr>
+            <a:endParaRPr lang="en-US" dirty="0">
+              <a:solidFill>
+                <a:schemeClr val="bg1"/>
+              </a:solidFill>
+            </a:endParaRPr>
+          </a:p>
+          <a:p>
+            <a:pPr marL="285750" indent="-285750">
+              <a:buFontTx/>
+              <a:buChar char="-"/>
+            </a:pPr>
+            <a:r>
+              <a:rPr lang="en-US" b="1" dirty="0">
+                <a:solidFill>
+                  <a:schemeClr val="bg1"/>
+                </a:solidFill>
+              </a:rPr>
+              <a:t>Home owner</a:t>
+            </a:r>
+            <a:r>
+              <a:rPr lang="en-US" dirty="0">
+                <a:solidFill>
+                  <a:schemeClr val="bg1"/>
+                </a:solidFill>
+              </a:rPr>
+              <a:t>:</a:t>
+            </a:r>
+          </a:p>
+          <a:p>
+            <a:pPr marL="285750" indent="-285750">
+              <a:buFontTx/>
+              <a:buChar char="-"/>
+            </a:pPr>
+            <a:endParaRPr lang="en-US" dirty="0">
+              <a:solidFill>
+                <a:schemeClr val="bg1"/>
+              </a:solidFill>
+            </a:endParaRPr>
+          </a:p>
+          <a:p>
+            <a:pPr marL="285750" indent="-285750">
+              <a:buFontTx/>
+              <a:buChar char="-"/>
+            </a:pPr>
+            <a:r>
+              <a:rPr lang="en-US" b="1" dirty="0">
+                <a:solidFill>
+                  <a:schemeClr val="bg1"/>
+                </a:solidFill>
+              </a:rPr>
+              <a:t>Employment length</a:t>
+            </a:r>
+            <a:r>
+              <a:rPr lang="en-US" dirty="0">
+                <a:solidFill>
+                  <a:schemeClr val="bg1"/>
+                </a:solidFill>
+              </a:rPr>
+              <a:t>: </a:t>
+            </a:r>
+          </a:p>
+          <a:p>
+            <a:endParaRPr lang="en-US" dirty="0">
+              <a:solidFill>
+                <a:schemeClr val="bg1"/>
+              </a:solidFill>
+            </a:endParaRPr>
+          </a:p>
+        </p:txBody>
+      </p:sp>
+    </p:spTree>
+    <p:extLst>
+      <p:ext uri="{BB962C8B-B14F-4D97-AF65-F5344CB8AC3E}">
+        <p14:creationId xmlns:p14="http://schemas.microsoft.com/office/powerpoint/2010/main" val="4124155212"/>
+      </p:ext>
+    </p:extLst>
+  </p:cSld>
+  <p:clrMapOvr>
+    <a:masterClrMapping/>
+  </p:clrMapOvr>
+</p:sld>
+</file>
+
+<file path=ppt/slides/slide15.xml><?xml version="1.0" encoding="utf-8"?>
+<p:sld xmlns:a="http://schemas.openxmlformats.org/drawingml/2006/main" xmlns:r="http://schemas.openxmlformats.org/officeDocument/2006/relationships" xmlns:p="http://schemas.openxmlformats.org/presentationml/2006/main">
+  <p:cSld>
+    <p:bg>
+      <p:bgPr>
+        <a:solidFill>
+          <a:schemeClr val="accent2"/>
+        </a:solidFill>
+        <a:effectLst/>
+      </p:bgPr>
+    </p:bg>
+    <p:spTree>
+      <p:nvGrpSpPr>
+        <p:cNvPr id="1" name=""/>
+        <p:cNvGrpSpPr/>
+        <p:nvPr/>
+      </p:nvGrpSpPr>
+      <p:grpSpPr>
+        <a:xfrm>
+          <a:off x="0" y="0"/>
+          <a:ext cx="0" cy="0"/>
+          <a:chOff x="0" y="0"/>
+          <a:chExt cx="0" cy="0"/>
+        </a:xfrm>
+      </p:grpSpPr>
+      <p:sp>
+        <p:nvSpPr>
+          <p:cNvPr id="15" name="Rectangle 14">
+            <a:extLst>
+              <a:ext uri="{FF2B5EF4-FFF2-40B4-BE49-F238E27FC236}">
+                <a16:creationId xmlns:a16="http://schemas.microsoft.com/office/drawing/2014/main" id="{C3A694C2-50DA-401D-9E8A-3621EBF0C75C}"/>
+              </a:ext>
+              <a:ext uri="{C183D7F6-B498-43B3-948B-1728B52AA6E4}">
+                <adec:decorative xmlns:adec="http://schemas.microsoft.com/office/drawing/2017/decorative" val="1"/>
+              </a:ext>
+            </a:extLst>
+          </p:cNvPr>
+          <p:cNvSpPr>
+            <a:spLocks noGrp="1" noRot="1" noChangeAspect="1" noMove="1" noResize="1" noEditPoints="1" noAdjustHandles="1" noChangeArrowheads="1" noChangeShapeType="1" noTextEdit="1"/>
+          </p:cNvSpPr>
+          <p:nvPr>
+            <p:extLst>
+              <p:ext uri="{386F3935-93C4-4BCD-93E2-E3B085C9AB24}">
+                <p16:designElem xmlns:p16="http://schemas.microsoft.com/office/powerpoint/2015/main" val="1"/>
+              </p:ext>
+            </p:extLst>
+          </p:nvPr>
+        </p:nvSpPr>
+        <p:spPr>
+          <a:xfrm>
+            <a:off x="0" y="-2"/>
+            <a:ext cx="12192000" cy="4918511"/>
+          </a:xfrm>
+          <a:prstGeom prst="rect">
+            <a:avLst/>
+          </a:prstGeom>
+          <a:solidFill>
+            <a:srgbClr val="FFFFFF"/>
+          </a:solidFill>
+          <a:ln>
+            <a:noFill/>
+          </a:ln>
+        </p:spPr>
+        <p:style>
+          <a:lnRef idx="2">
+            <a:schemeClr val="accent1">
+              <a:shade val="50000"/>
+            </a:schemeClr>
+          </a:lnRef>
+          <a:fillRef idx="1">
+            <a:schemeClr val="accent1"/>
+          </a:fillRef>
+          <a:effectRef idx="0">
+            <a:schemeClr val="accent1"/>
+          </a:effectRef>
+          <a:fontRef idx="minor">
+            <a:schemeClr val="lt1"/>
+          </a:fontRef>
+        </p:style>
+        <p:txBody>
+          <a:bodyPr rtlCol="0" anchor="ctr"/>
+          <a:lstStyle/>
+          <a:p>
+            <a:pPr algn="ctr"/>
+            <a:endParaRPr lang="en-US"/>
+          </a:p>
+        </p:txBody>
+      </p:sp>
+      <p:pic>
+        <p:nvPicPr>
+          <p:cNvPr id="9" name="Picture 8">
+            <a:extLst>
+              <a:ext uri="{FF2B5EF4-FFF2-40B4-BE49-F238E27FC236}">
+                <a16:creationId xmlns:a16="http://schemas.microsoft.com/office/drawing/2014/main" id="{106ED8AB-9339-8C4E-A09B-2C2F97D6A9EE}"/>
+              </a:ext>
+            </a:extLst>
+          </p:cNvPr>
+          <p:cNvPicPr>
+            <a:picLocks noChangeAspect="1"/>
+          </p:cNvPicPr>
+          <p:nvPr/>
+        </p:nvPicPr>
+        <p:blipFill>
+          <a:blip r:embed="rId3"/>
+          <a:stretch>
+            <a:fillRect/>
+          </a:stretch>
+        </p:blipFill>
+        <p:spPr>
+          <a:xfrm>
+            <a:off x="200576" y="5220670"/>
+            <a:ext cx="1320423" cy="1320423"/>
+          </a:xfrm>
+          <a:prstGeom prst="rect">
+            <a:avLst/>
+          </a:prstGeom>
+        </p:spPr>
+      </p:pic>
+      <p:sp>
+        <p:nvSpPr>
+          <p:cNvPr id="13" name="Subtitle 7">
+            <a:extLst>
+              <a:ext uri="{FF2B5EF4-FFF2-40B4-BE49-F238E27FC236}">
+                <a16:creationId xmlns:a16="http://schemas.microsoft.com/office/drawing/2014/main" id="{E961BD8C-3196-0F4B-9515-35EE0CE498B1}"/>
+              </a:ext>
+            </a:extLst>
+          </p:cNvPr>
+          <p:cNvSpPr>
+            <a:spLocks noGrp="1"/>
+          </p:cNvSpPr>
+          <p:nvPr>
+            <p:ph type="subTitle" idx="1"/>
+          </p:nvPr>
+        </p:nvSpPr>
+        <p:spPr>
+          <a:xfrm>
+            <a:off x="2557698" y="5295911"/>
+            <a:ext cx="7076603" cy="1245182"/>
+          </a:xfrm>
+        </p:spPr>
+        <p:txBody>
+          <a:bodyPr vert="horz" lIns="91440" tIns="45720" rIns="91440" bIns="45720" rtlCol="0">
+            <a:normAutofit/>
+          </a:bodyPr>
+          <a:lstStyle/>
+          <a:p>
+            <a:r>
+              <a:rPr lang="en-US" sz="5400" dirty="0"/>
+              <a:t>Reflection</a:t>
+            </a:r>
+          </a:p>
+        </p:txBody>
+      </p:sp>
+    </p:spTree>
+    <p:extLst>
+      <p:ext uri="{BB962C8B-B14F-4D97-AF65-F5344CB8AC3E}">
+        <p14:creationId xmlns:p14="http://schemas.microsoft.com/office/powerpoint/2010/main" val="2867384365"/>
+      </p:ext>
+    </p:extLst>
+  </p:cSld>
+  <p:clrMapOvr>
+    <a:masterClrMapping/>
+  </p:clrMapOvr>
+</p:sld>
+</file>
+
+<file path=ppt/slides/slide16.xml><?xml version="1.0" encoding="utf-8"?>
 <p:sld xmlns:a="http://schemas.openxmlformats.org/drawingml/2006/main" xmlns:r="http://schemas.openxmlformats.org/officeDocument/2006/relationships" xmlns:p="http://schemas.openxmlformats.org/presentationml/2006/main">
   <p:cSld>
     <p:bg>
@@ -5774,9 +8009,10 @@
           <a:lstStyle/>
           <a:p>
             <a:r>
-              <a:rPr lang="en-US" sz="4800" dirty="0"/>
+              <a:rPr lang="en-US" sz="4800"/>
               <a:t>The Brief</a:t>
             </a:r>
+            <a:endParaRPr lang="en-US" sz="4800" dirty="0"/>
           </a:p>
         </p:txBody>
       </p:sp>
@@ -5809,40 +8045,24 @@
           <a:lstStyle/>
           <a:p>
             <a:r>
-              <a:rPr lang="en-GB" sz="2400" dirty="0">
+              <a:rPr lang="en-GB" sz="2400">
                 <a:solidFill>
                   <a:schemeClr val="bg1"/>
                 </a:solidFill>
               </a:rPr>
-              <a:t>"You’ve been hired by </a:t>
-            </a:r>
-            <a:r>
-              <a:rPr lang="en-GB" sz="2400" dirty="0" err="1">
-                <a:solidFill>
-                  <a:schemeClr val="bg1"/>
-                </a:solidFill>
-              </a:rPr>
-              <a:t>LendingClub</a:t>
-            </a:r>
-            <a:r>
-              <a:rPr lang="en-GB" sz="2400" dirty="0">
-                <a:solidFill>
-                  <a:schemeClr val="bg1"/>
-                </a:solidFill>
-              </a:rPr>
-              <a:t>, an online loan provider to help with some problems their business has been facing.</a:t>
+              <a:t>"You’ve been hired by LendingClub, an online loan provider to help with some problems their business has been facing.</a:t>
             </a:r>
           </a:p>
           <a:p>
             <a:br>
-              <a:rPr lang="en-GB" sz="2400" dirty="0">
+              <a:rPr lang="en-GB" sz="2400">
                 <a:solidFill>
                   <a:schemeClr val="bg1"/>
                 </a:solidFill>
               </a:rPr>
             </a:br>
             <a:r>
-              <a:rPr lang="en-GB" sz="2400" dirty="0">
+              <a:rPr lang="en-GB" sz="2400">
                 <a:solidFill>
                   <a:schemeClr val="bg1"/>
                 </a:solidFill>
@@ -5851,7 +8071,7 @@
             </a:r>
           </a:p>
           <a:p>
-            <a:endParaRPr lang="en-GB" sz="2400" dirty="0">
+            <a:endParaRPr lang="en-GB" sz="2400">
               <a:solidFill>
                 <a:schemeClr val="bg1"/>
               </a:solidFill>
@@ -5859,7 +8079,7 @@
           </a:p>
           <a:p>
             <a:r>
-              <a:rPr lang="en-GB" sz="2400" dirty="0">
+              <a:rPr lang="en-GB" sz="2400">
                 <a:solidFill>
                   <a:schemeClr val="bg1"/>
                 </a:solidFill>
@@ -5867,7 +8087,7 @@
               <a:t>They want to understand </a:t>
             </a:r>
             <a:r>
-              <a:rPr lang="en-GB" sz="2400" b="1" dirty="0">
+              <a:rPr lang="en-GB" sz="2400" b="1">
                 <a:solidFill>
                   <a:schemeClr val="bg1"/>
                 </a:solidFill>
@@ -5875,7 +8095,7 @@
               <a:t>who is likely to default </a:t>
             </a:r>
             <a:r>
-              <a:rPr lang="en-GB" sz="2400" dirty="0">
+              <a:rPr lang="en-GB" sz="2400">
                 <a:solidFill>
                   <a:schemeClr val="bg1"/>
                 </a:solidFill>
@@ -5883,7 +8103,7 @@
               <a:t>and </a:t>
             </a:r>
             <a:r>
-              <a:rPr lang="en-GB" sz="2400" b="1" dirty="0">
+              <a:rPr lang="en-GB" sz="2400" b="1">
                 <a:solidFill>
                   <a:schemeClr val="bg1"/>
                 </a:solidFill>
@@ -5891,7 +8111,7 @@
               <a:t>who they should lend to in the future</a:t>
             </a:r>
             <a:r>
-              <a:rPr lang="en-GB" sz="2400" dirty="0">
+              <a:rPr lang="en-GB" sz="2400">
                 <a:solidFill>
                   <a:schemeClr val="bg1"/>
                 </a:solidFill>
@@ -6096,7 +8316,7 @@
         <p:spPr>
           <a:xfrm>
             <a:off x="354842" y="1332861"/>
-            <a:ext cx="7069539" cy="2554545"/>
+            <a:ext cx="7069539" cy="3046988"/>
           </a:xfrm>
           <a:prstGeom prst="rect">
             <a:avLst/>
@@ -6135,7 +8355,13 @@
           <a:p>
             <a:r>
               <a:rPr lang="en-US" sz="3200" dirty="0"/>
-              <a:t>• Recommendations</a:t>
+              <a:t>• Conclusions</a:t>
+            </a:r>
+          </a:p>
+          <a:p>
+            <a:r>
+              <a:rPr lang="en-US" sz="3200" dirty="0"/>
+              <a:t>• Reflection</a:t>
             </a:r>
           </a:p>
         </p:txBody>
@@ -6476,7 +8702,7 @@
                             </p:stCondLst>
                             <p:childTnLst>
                               <p:par>
-                                <p:cTn id="25" presetID="26" presetClass="entr" presetSubtype="0" fill="hold" nodeType="clickEffect">
+                                <p:cTn id="25" presetID="1" presetClass="entr" presetSubtype="0" fill="hold" nodeType="clickEffect">
                                   <p:stCondLst>
                                     <p:cond delay="0"/>
                                   </p:stCondLst>
@@ -6484,6 +8710,55 @@
                                     <p:set>
                                       <p:cBhvr>
                                         <p:cTn id="26" dur="1" fill="hold">
+                                          <p:stCondLst>
+                                            <p:cond delay="0"/>
+                                          </p:stCondLst>
+                                        </p:cTn>
+                                        <p:tgtEl>
+                                          <p:spTgt spid="9">
+                                            <p:txEl>
+                                              <p:pRg st="5" end="5"/>
+                                            </p:txEl>
+                                          </p:spTgt>
+                                        </p:tgtEl>
+                                        <p:attrNameLst>
+                                          <p:attrName>style.visibility</p:attrName>
+                                        </p:attrNameLst>
+                                      </p:cBhvr>
+                                      <p:to>
+                                        <p:strVal val="visible"/>
+                                      </p:to>
+                                    </p:set>
+                                  </p:childTnLst>
+                                </p:cTn>
+                              </p:par>
+                            </p:childTnLst>
+                          </p:cTn>
+                        </p:par>
+                      </p:childTnLst>
+                    </p:cTn>
+                  </p:par>
+                  <p:par>
+                    <p:cTn id="27" fill="hold">
+                      <p:stCondLst>
+                        <p:cond delay="indefinite"/>
+                      </p:stCondLst>
+                      <p:childTnLst>
+                        <p:par>
+                          <p:cTn id="28" fill="hold">
+                            <p:stCondLst>
+                              <p:cond delay="0"/>
+                            </p:stCondLst>
+                            <p:childTnLst>
+                              <p:par>
+                                <p:cTn id="29" presetID="26" presetClass="entr" presetSubtype="0" fill="hold" nodeType="clickEffect">
+                                  <p:stCondLst>
+                                    <p:cond delay="0"/>
+                                  </p:stCondLst>
+                                  <p:childTnLst>
+                                    <p:set>
+                                      <p:cBhvr>
+                                        <p:cTn id="30" dur="1" fill="hold">
                                           <p:stCondLst>
                                             <p:cond delay="0"/>
                                           </p:stCondLst>
@@ -6501,7 +8776,7 @@
                                     </p:set>
                                     <p:animEffect transition="in" filter="wipe(down)">
                                       <p:cBhvr>
-                                        <p:cTn id="27" dur="580">
+                                        <p:cTn id="31" dur="580">
                                           <p:stCondLst>
                                             <p:cond delay="0"/>
                                           </p:stCondLst>
@@ -6513,7 +8788,7 @@
                                     </p:animEffect>
                                     <p:anim calcmode="lin" valueType="num">
                                       <p:cBhvr>
-                                        <p:cTn id="28" dur="1822" tmFilter="0,0; 0.14,0.36; 0.43,0.73; 0.71,0.91; 1.0,1.0">
+                                        <p:cTn id="32" dur="1822" tmFilter="0,0; 0.14,0.36; 0.43,0.73; 0.71,0.91; 1.0,1.0">
                                           <p:stCondLst>
                                             <p:cond delay="0"/>
                                           </p:stCondLst>
@@ -6540,7 +8815,7 @@
                                     </p:anim>
                                     <p:anim calcmode="lin" valueType="num">
                                       <p:cBhvr>
-                                        <p:cTn id="29" dur="664" tmFilter="0.0,0.0; 0.25,0.07; 0.50,0.2; 0.75,0.467; 1.0,1.0">
+                                        <p:cTn id="33" dur="664" tmFilter="0.0,0.0; 0.25,0.07; 0.50,0.2; 0.75,0.467; 1.0,1.0">
                                           <p:stCondLst>
                                             <p:cond delay="0"/>
                                           </p:stCondLst>
@@ -6567,7 +8842,7 @@
                                     </p:anim>
                                     <p:anim calcmode="lin" valueType="num">
                                       <p:cBhvr>
-                                        <p:cTn id="30" dur="664" tmFilter="0, 0; 0.125,0.2665; 0.25,0.4; 0.375,0.465; 0.5,0.5;  0.625,0.535; 0.75,0.6; 0.875,0.7335; 1,1">
+                                        <p:cTn id="34" dur="664" tmFilter="0, 0; 0.125,0.2665; 0.25,0.4; 0.375,0.465; 0.5,0.5;  0.625,0.535; 0.75,0.6; 0.875,0.7335; 1,1">
                                           <p:stCondLst>
                                             <p:cond delay="664"/>
                                           </p:stCondLst>
@@ -6594,7 +8869,7 @@
                                     </p:anim>
                                     <p:anim calcmode="lin" valueType="num">
                                       <p:cBhvr>
-                                        <p:cTn id="31" dur="332" tmFilter="0, 0; 0.125,0.2665; 0.25,0.4; 0.375,0.465; 0.5,0.5;  0.625,0.535; 0.75,0.6; 0.875,0.7335; 1,1">
+                                        <p:cTn id="35" dur="332" tmFilter="0, 0; 0.125,0.2665; 0.25,0.4; 0.375,0.465; 0.5,0.5;  0.625,0.535; 0.75,0.6; 0.875,0.7335; 1,1">
                                           <p:stCondLst>
                                             <p:cond delay="1324"/>
                                           </p:stCondLst>
@@ -6621,7 +8896,7 @@
                                     </p:anim>
                                     <p:anim calcmode="lin" valueType="num">
                                       <p:cBhvr>
-                                        <p:cTn id="32" dur="164" tmFilter="0, 0; 0.125,0.2665; 0.25,0.4; 0.375,0.465; 0.5,0.5;  0.625,0.535; 0.75,0.6; 0.875,0.7335; 1,1">
+                                        <p:cTn id="36" dur="164" tmFilter="0, 0; 0.125,0.2665; 0.25,0.4; 0.375,0.465; 0.5,0.5;  0.625,0.535; 0.75,0.6; 0.875,0.7335; 1,1">
                                           <p:stCondLst>
                                             <p:cond delay="1656"/>
                                           </p:stCondLst>
@@ -6648,7 +8923,7 @@
                                     </p:anim>
                                     <p:animScale>
                                       <p:cBhvr>
-                                        <p:cTn id="33" dur="26">
+                                        <p:cTn id="37" dur="26">
                                           <p:stCondLst>
                                             <p:cond delay="650"/>
                                           </p:stCondLst>
@@ -6661,7 +8936,7 @@
                                     </p:animScale>
                                     <p:animScale>
                                       <p:cBhvr>
-                                        <p:cTn id="34" dur="166" decel="50000">
+                                        <p:cTn id="38" dur="166" decel="50000">
                                           <p:stCondLst>
                                             <p:cond delay="676"/>
                                           </p:stCondLst>
@@ -6674,7 +8949,7 @@
                                     </p:animScale>
                                     <p:animScale>
                                       <p:cBhvr>
-                                        <p:cTn id="35" dur="26">
+                                        <p:cTn id="39" dur="26">
                                           <p:stCondLst>
                                             <p:cond delay="1312"/>
                                           </p:stCondLst>
@@ -6687,7 +8962,7 @@
                                     </p:animScale>
                                     <p:animScale>
                                       <p:cBhvr>
-                                        <p:cTn id="36" dur="166" decel="50000">
+                                        <p:cTn id="40" dur="166" decel="50000">
                                           <p:stCondLst>
                                             <p:cond delay="1338"/>
                                           </p:stCondLst>
@@ -6700,7 +8975,7 @@
                                     </p:animScale>
                                     <p:animScale>
                                       <p:cBhvr>
-                                        <p:cTn id="37" dur="26">
+                                        <p:cTn id="41" dur="26">
                                           <p:stCondLst>
                                             <p:cond delay="1642"/>
                                           </p:stCondLst>
@@ -6713,7 +8988,7 @@
                                     </p:animScale>
                                     <p:animScale>
                                       <p:cBhvr>
-                                        <p:cTn id="38" dur="166" decel="50000">
+                                        <p:cTn id="42" dur="166" decel="50000">
                                           <p:stCondLst>
                                             <p:cond delay="1668"/>
                                           </p:stCondLst>
@@ -6726,7 +9001,7 @@
                                     </p:animScale>
                                     <p:animScale>
                                       <p:cBhvr>
-                                        <p:cTn id="39" dur="26">
+                                        <p:cTn id="43" dur="26">
                                           <p:stCondLst>
                                             <p:cond delay="1808"/>
                                           </p:stCondLst>
@@ -6739,7 +9014,7 @@
                                     </p:animScale>
                                     <p:animScale>
                                       <p:cBhvr>
-                                        <p:cTn id="40" dur="166" decel="50000">
+                                        <p:cTn id="44" dur="166" decel="50000">
                                           <p:stCondLst>
                                             <p:cond delay="1834"/>
                                           </p:stCondLst>
@@ -9250,6 +11525,76 @@
           </a:p>
         </p:txBody>
       </p:sp>
+      <p:pic>
+        <p:nvPicPr>
+          <p:cNvPr id="27" name="Picture 26">
+            <a:extLst>
+              <a:ext uri="{FF2B5EF4-FFF2-40B4-BE49-F238E27FC236}">
+                <a16:creationId xmlns:a16="http://schemas.microsoft.com/office/drawing/2014/main" id="{8C997422-45A2-AA4B-9C99-4961758B285A}"/>
+              </a:ext>
+            </a:extLst>
+          </p:cNvPr>
+          <p:cNvPicPr>
+            <a:picLocks noChangeAspect="1"/>
+          </p:cNvPicPr>
+          <p:nvPr/>
+        </p:nvPicPr>
+        <p:blipFill>
+          <a:blip r:embed="rId4"/>
+          <a:stretch>
+            <a:fillRect/>
+          </a:stretch>
+        </p:blipFill>
+        <p:spPr>
+          <a:xfrm>
+            <a:off x="200576" y="155966"/>
+            <a:ext cx="5095165" cy="5263600"/>
+          </a:xfrm>
+          <a:prstGeom prst="rect">
+            <a:avLst/>
+          </a:prstGeom>
+          <a:ln w="38100">
+            <a:solidFill>
+              <a:schemeClr val="bg1"/>
+            </a:solidFill>
+          </a:ln>
+        </p:spPr>
+      </p:pic>
+      <p:pic>
+        <p:nvPicPr>
+          <p:cNvPr id="29" name="Picture 28">
+            <a:extLst>
+              <a:ext uri="{FF2B5EF4-FFF2-40B4-BE49-F238E27FC236}">
+                <a16:creationId xmlns:a16="http://schemas.microsoft.com/office/drawing/2014/main" id="{B348606F-DAF3-E341-8889-3F0A89FE6D16}"/>
+              </a:ext>
+            </a:extLst>
+          </p:cNvPr>
+          <p:cNvPicPr>
+            <a:picLocks noChangeAspect="1"/>
+          </p:cNvPicPr>
+          <p:nvPr/>
+        </p:nvPicPr>
+        <p:blipFill>
+          <a:blip r:embed="rId5"/>
+          <a:stretch>
+            <a:fillRect/>
+          </a:stretch>
+        </p:blipFill>
+        <p:spPr>
+          <a:xfrm>
+            <a:off x="5577794" y="143995"/>
+            <a:ext cx="6449356" cy="5263600"/>
+          </a:xfrm>
+          <a:prstGeom prst="rect">
+            <a:avLst/>
+          </a:prstGeom>
+          <a:ln w="38100">
+            <a:solidFill>
+              <a:schemeClr val="bg1"/>
+            </a:solidFill>
+          </a:ln>
+        </p:spPr>
+      </p:pic>
     </p:spTree>
     <p:extLst>
       <p:ext uri="{BB962C8B-B14F-4D97-AF65-F5344CB8AC3E}">
@@ -9260,6 +11605,218 @@
   <p:clrMapOvr>
     <a:masterClrMapping/>
   </p:clrMapOvr>
+  <p:timing>
+    <p:tnLst>
+      <p:par>
+        <p:cTn id="1" dur="indefinite" restart="never" nodeType="tmRoot">
+          <p:childTnLst>
+            <p:seq concurrent="1" nextAc="seek">
+              <p:cTn id="2" dur="indefinite" nodeType="mainSeq">
+                <p:childTnLst>
+                  <p:par>
+                    <p:cTn id="3" fill="hold">
+                      <p:stCondLst>
+                        <p:cond delay="indefinite"/>
+                      </p:stCondLst>
+                      <p:childTnLst>
+                        <p:par>
+                          <p:cTn id="4" fill="hold">
+                            <p:stCondLst>
+                              <p:cond delay="0"/>
+                            </p:stCondLst>
+                            <p:childTnLst>
+                              <p:par>
+                                <p:cTn id="5" presetID="2" presetClass="entr" presetSubtype="4" fill="hold" nodeType="clickEffect">
+                                  <p:stCondLst>
+                                    <p:cond delay="0"/>
+                                  </p:stCondLst>
+                                  <p:childTnLst>
+                                    <p:set>
+                                      <p:cBhvr>
+                                        <p:cTn id="6" dur="1" fill="hold">
+                                          <p:stCondLst>
+                                            <p:cond delay="0"/>
+                                          </p:stCondLst>
+                                        </p:cTn>
+                                        <p:tgtEl>
+                                          <p:spTgt spid="27"/>
+                                        </p:tgtEl>
+                                        <p:attrNameLst>
+                                          <p:attrName>style.visibility</p:attrName>
+                                        </p:attrNameLst>
+                                      </p:cBhvr>
+                                      <p:to>
+                                        <p:strVal val="visible"/>
+                                      </p:to>
+                                    </p:set>
+                                    <p:anim calcmode="lin" valueType="num">
+                                      <p:cBhvr additive="base">
+                                        <p:cTn id="7" dur="500" fill="hold"/>
+                                        <p:tgtEl>
+                                          <p:spTgt spid="27"/>
+                                        </p:tgtEl>
+                                        <p:attrNameLst>
+                                          <p:attrName>ppt_x</p:attrName>
+                                        </p:attrNameLst>
+                                      </p:cBhvr>
+                                      <p:tavLst>
+                                        <p:tav tm="0">
+                                          <p:val>
+                                            <p:strVal val="#ppt_x"/>
+                                          </p:val>
+                                        </p:tav>
+                                        <p:tav tm="100000">
+                                          <p:val>
+                                            <p:strVal val="#ppt_x"/>
+                                          </p:val>
+                                        </p:tav>
+                                      </p:tavLst>
+                                    </p:anim>
+                                    <p:anim calcmode="lin" valueType="num">
+                                      <p:cBhvr additive="base">
+                                        <p:cTn id="8" dur="500" fill="hold"/>
+                                        <p:tgtEl>
+                                          <p:spTgt spid="27"/>
+                                        </p:tgtEl>
+                                        <p:attrNameLst>
+                                          <p:attrName>ppt_y</p:attrName>
+                                        </p:attrNameLst>
+                                      </p:cBhvr>
+                                      <p:tavLst>
+                                        <p:tav tm="0">
+                                          <p:val>
+                                            <p:strVal val="1+#ppt_h/2"/>
+                                          </p:val>
+                                        </p:tav>
+                                        <p:tav tm="100000">
+                                          <p:val>
+                                            <p:strVal val="#ppt_y"/>
+                                          </p:val>
+                                        </p:tav>
+                                      </p:tavLst>
+                                    </p:anim>
+                                  </p:childTnLst>
+                                </p:cTn>
+                              </p:par>
+                            </p:childTnLst>
+                          </p:cTn>
+                        </p:par>
+                      </p:childTnLst>
+                    </p:cTn>
+                  </p:par>
+                  <p:par>
+                    <p:cTn id="9" fill="hold">
+                      <p:stCondLst>
+                        <p:cond delay="indefinite"/>
+                      </p:stCondLst>
+                      <p:childTnLst>
+                        <p:par>
+                          <p:cTn id="10" fill="hold">
+                            <p:stCondLst>
+                              <p:cond delay="0"/>
+                            </p:stCondLst>
+                            <p:childTnLst>
+                              <p:par>
+                                <p:cTn id="11" presetID="2" presetClass="entr" presetSubtype="4" fill="hold" nodeType="clickEffect">
+                                  <p:stCondLst>
+                                    <p:cond delay="0"/>
+                                  </p:stCondLst>
+                                  <p:childTnLst>
+                                    <p:set>
+                                      <p:cBhvr>
+                                        <p:cTn id="12" dur="1" fill="hold">
+                                          <p:stCondLst>
+                                            <p:cond delay="0"/>
+                                          </p:stCondLst>
+                                        </p:cTn>
+                                        <p:tgtEl>
+                                          <p:spTgt spid="29"/>
+                                        </p:tgtEl>
+                                        <p:attrNameLst>
+                                          <p:attrName>style.visibility</p:attrName>
+                                        </p:attrNameLst>
+                                      </p:cBhvr>
+                                      <p:to>
+                                        <p:strVal val="visible"/>
+                                      </p:to>
+                                    </p:set>
+                                    <p:anim calcmode="lin" valueType="num">
+                                      <p:cBhvr additive="base">
+                                        <p:cTn id="13" dur="500" fill="hold"/>
+                                        <p:tgtEl>
+                                          <p:spTgt spid="29"/>
+                                        </p:tgtEl>
+                                        <p:attrNameLst>
+                                          <p:attrName>ppt_x</p:attrName>
+                                        </p:attrNameLst>
+                                      </p:cBhvr>
+                                      <p:tavLst>
+                                        <p:tav tm="0">
+                                          <p:val>
+                                            <p:strVal val="#ppt_x"/>
+                                          </p:val>
+                                        </p:tav>
+                                        <p:tav tm="100000">
+                                          <p:val>
+                                            <p:strVal val="#ppt_x"/>
+                                          </p:val>
+                                        </p:tav>
+                                      </p:tavLst>
+                                    </p:anim>
+                                    <p:anim calcmode="lin" valueType="num">
+                                      <p:cBhvr additive="base">
+                                        <p:cTn id="14" dur="500" fill="hold"/>
+                                        <p:tgtEl>
+                                          <p:spTgt spid="29"/>
+                                        </p:tgtEl>
+                                        <p:attrNameLst>
+                                          <p:attrName>ppt_y</p:attrName>
+                                        </p:attrNameLst>
+                                      </p:cBhvr>
+                                      <p:tavLst>
+                                        <p:tav tm="0">
+                                          <p:val>
+                                            <p:strVal val="1+#ppt_h/2"/>
+                                          </p:val>
+                                        </p:tav>
+                                        <p:tav tm="100000">
+                                          <p:val>
+                                            <p:strVal val="#ppt_y"/>
+                                          </p:val>
+                                        </p:tav>
+                                      </p:tavLst>
+                                    </p:anim>
+                                  </p:childTnLst>
+                                </p:cTn>
+                              </p:par>
+                            </p:childTnLst>
+                          </p:cTn>
+                        </p:par>
+                      </p:childTnLst>
+                    </p:cTn>
+                  </p:par>
+                </p:childTnLst>
+              </p:cTn>
+              <p:prevCondLst>
+                <p:cond evt="onPrev" delay="0">
+                  <p:tgtEl>
+                    <p:sldTgt/>
+                  </p:tgtEl>
+                </p:cond>
+              </p:prevCondLst>
+              <p:nextCondLst>
+                <p:cond evt="onNext" delay="0">
+                  <p:tgtEl>
+                    <p:sldTgt/>
+                  </p:tgtEl>
+                </p:cond>
+              </p:nextCondLst>
+            </p:seq>
+          </p:childTnLst>
+        </p:cTn>
+      </p:par>
+    </p:tnLst>
+  </p:timing>
 </p:sld>
 </file>
 
@@ -9369,7 +11926,7 @@
         </p:nvSpPr>
         <p:spPr>
           <a:xfrm>
-            <a:off x="2695194" y="5431536"/>
+            <a:off x="2695193" y="5431536"/>
             <a:ext cx="6801612" cy="1052159"/>
           </a:xfrm>
         </p:spPr>
@@ -9381,7 +11938,7 @@
           <a:p>
             <a:r>
               <a:rPr lang="en-US" sz="5400" dirty="0"/>
-              <a:t>Results</a:t>
+              <a:t>Results - Defaults</a:t>
             </a:r>
           </a:p>
         </p:txBody>
@@ -9416,6 +11973,76 @@
           </a:prstGeom>
         </p:spPr>
       </p:pic>
+      <p:pic>
+        <p:nvPicPr>
+          <p:cNvPr id="3" name="Picture 2">
+            <a:extLst>
+              <a:ext uri="{FF2B5EF4-FFF2-40B4-BE49-F238E27FC236}">
+                <a16:creationId xmlns:a16="http://schemas.microsoft.com/office/drawing/2014/main" id="{F44DC369-357B-A74D-8430-C116B9D5E824}"/>
+              </a:ext>
+            </a:extLst>
+          </p:cNvPr>
+          <p:cNvPicPr>
+            <a:picLocks noChangeAspect="1"/>
+          </p:cNvPicPr>
+          <p:nvPr/>
+        </p:nvPicPr>
+        <p:blipFill>
+          <a:blip r:embed="rId4"/>
+          <a:stretch>
+            <a:fillRect/>
+          </a:stretch>
+        </p:blipFill>
+        <p:spPr>
+          <a:xfrm>
+            <a:off x="1689100" y="148336"/>
+            <a:ext cx="8813800" cy="5283200"/>
+          </a:xfrm>
+          <a:prstGeom prst="rect">
+            <a:avLst/>
+          </a:prstGeom>
+          <a:ln w="38100">
+            <a:solidFill>
+              <a:schemeClr val="bg1"/>
+            </a:solidFill>
+          </a:ln>
+        </p:spPr>
+      </p:pic>
+      <p:pic>
+        <p:nvPicPr>
+          <p:cNvPr id="11" name="Picture 10">
+            <a:extLst>
+              <a:ext uri="{FF2B5EF4-FFF2-40B4-BE49-F238E27FC236}">
+                <a16:creationId xmlns:a16="http://schemas.microsoft.com/office/drawing/2014/main" id="{531685FB-9F57-F842-AC30-D2F1618974E2}"/>
+              </a:ext>
+            </a:extLst>
+          </p:cNvPr>
+          <p:cNvPicPr>
+            <a:picLocks noChangeAspect="1"/>
+          </p:cNvPicPr>
+          <p:nvPr/>
+        </p:nvPicPr>
+        <p:blipFill>
+          <a:blip r:embed="rId5"/>
+          <a:stretch>
+            <a:fillRect/>
+          </a:stretch>
+        </p:blipFill>
+        <p:spPr>
+          <a:xfrm>
+            <a:off x="2145321" y="1591626"/>
+            <a:ext cx="7901357" cy="2396620"/>
+          </a:xfrm>
+          <a:prstGeom prst="rect">
+            <a:avLst/>
+          </a:prstGeom>
+          <a:ln w="38100">
+            <a:solidFill>
+              <a:schemeClr val="bg1"/>
+            </a:solidFill>
+          </a:ln>
+        </p:spPr>
+      </p:pic>
     </p:spTree>
     <p:extLst>
       <p:ext uri="{BB962C8B-B14F-4D97-AF65-F5344CB8AC3E}">
@@ -9426,6 +12053,218 @@
   <p:clrMapOvr>
     <a:masterClrMapping/>
   </p:clrMapOvr>
+  <p:timing>
+    <p:tnLst>
+      <p:par>
+        <p:cTn id="1" dur="indefinite" restart="never" nodeType="tmRoot">
+          <p:childTnLst>
+            <p:seq concurrent="1" nextAc="seek">
+              <p:cTn id="2" dur="indefinite" nodeType="mainSeq">
+                <p:childTnLst>
+                  <p:par>
+                    <p:cTn id="3" fill="hold">
+                      <p:stCondLst>
+                        <p:cond delay="indefinite"/>
+                      </p:stCondLst>
+                      <p:childTnLst>
+                        <p:par>
+                          <p:cTn id="4" fill="hold">
+                            <p:stCondLst>
+                              <p:cond delay="0"/>
+                            </p:stCondLst>
+                            <p:childTnLst>
+                              <p:par>
+                                <p:cTn id="5" presetID="2" presetClass="entr" presetSubtype="4" fill="hold" nodeType="clickEffect">
+                                  <p:stCondLst>
+                                    <p:cond delay="0"/>
+                                  </p:stCondLst>
+                                  <p:childTnLst>
+                                    <p:set>
+                                      <p:cBhvr>
+                                        <p:cTn id="6" dur="1" fill="hold">
+                                          <p:stCondLst>
+                                            <p:cond delay="0"/>
+                                          </p:stCondLst>
+                                        </p:cTn>
+                                        <p:tgtEl>
+                                          <p:spTgt spid="3"/>
+                                        </p:tgtEl>
+                                        <p:attrNameLst>
+                                          <p:attrName>style.visibility</p:attrName>
+                                        </p:attrNameLst>
+                                      </p:cBhvr>
+                                      <p:to>
+                                        <p:strVal val="visible"/>
+                                      </p:to>
+                                    </p:set>
+                                    <p:anim calcmode="lin" valueType="num">
+                                      <p:cBhvr additive="base">
+                                        <p:cTn id="7" dur="500" fill="hold"/>
+                                        <p:tgtEl>
+                                          <p:spTgt spid="3"/>
+                                        </p:tgtEl>
+                                        <p:attrNameLst>
+                                          <p:attrName>ppt_x</p:attrName>
+                                        </p:attrNameLst>
+                                      </p:cBhvr>
+                                      <p:tavLst>
+                                        <p:tav tm="0">
+                                          <p:val>
+                                            <p:strVal val="#ppt_x"/>
+                                          </p:val>
+                                        </p:tav>
+                                        <p:tav tm="100000">
+                                          <p:val>
+                                            <p:strVal val="#ppt_x"/>
+                                          </p:val>
+                                        </p:tav>
+                                      </p:tavLst>
+                                    </p:anim>
+                                    <p:anim calcmode="lin" valueType="num">
+                                      <p:cBhvr additive="base">
+                                        <p:cTn id="8" dur="500" fill="hold"/>
+                                        <p:tgtEl>
+                                          <p:spTgt spid="3"/>
+                                        </p:tgtEl>
+                                        <p:attrNameLst>
+                                          <p:attrName>ppt_y</p:attrName>
+                                        </p:attrNameLst>
+                                      </p:cBhvr>
+                                      <p:tavLst>
+                                        <p:tav tm="0">
+                                          <p:val>
+                                            <p:strVal val="1+#ppt_h/2"/>
+                                          </p:val>
+                                        </p:tav>
+                                        <p:tav tm="100000">
+                                          <p:val>
+                                            <p:strVal val="#ppt_y"/>
+                                          </p:val>
+                                        </p:tav>
+                                      </p:tavLst>
+                                    </p:anim>
+                                  </p:childTnLst>
+                                </p:cTn>
+                              </p:par>
+                            </p:childTnLst>
+                          </p:cTn>
+                        </p:par>
+                      </p:childTnLst>
+                    </p:cTn>
+                  </p:par>
+                  <p:par>
+                    <p:cTn id="9" fill="hold">
+                      <p:stCondLst>
+                        <p:cond delay="indefinite"/>
+                      </p:stCondLst>
+                      <p:childTnLst>
+                        <p:par>
+                          <p:cTn id="10" fill="hold">
+                            <p:stCondLst>
+                              <p:cond delay="0"/>
+                            </p:stCondLst>
+                            <p:childTnLst>
+                              <p:par>
+                                <p:cTn id="11" presetID="2" presetClass="entr" presetSubtype="4" fill="hold" nodeType="clickEffect">
+                                  <p:stCondLst>
+                                    <p:cond delay="0"/>
+                                  </p:stCondLst>
+                                  <p:childTnLst>
+                                    <p:set>
+                                      <p:cBhvr>
+                                        <p:cTn id="12" dur="1" fill="hold">
+                                          <p:stCondLst>
+                                            <p:cond delay="0"/>
+                                          </p:stCondLst>
+                                        </p:cTn>
+                                        <p:tgtEl>
+                                          <p:spTgt spid="11"/>
+                                        </p:tgtEl>
+                                        <p:attrNameLst>
+                                          <p:attrName>style.visibility</p:attrName>
+                                        </p:attrNameLst>
+                                      </p:cBhvr>
+                                      <p:to>
+                                        <p:strVal val="visible"/>
+                                      </p:to>
+                                    </p:set>
+                                    <p:anim calcmode="lin" valueType="num">
+                                      <p:cBhvr additive="base">
+                                        <p:cTn id="13" dur="500" fill="hold"/>
+                                        <p:tgtEl>
+                                          <p:spTgt spid="11"/>
+                                        </p:tgtEl>
+                                        <p:attrNameLst>
+                                          <p:attrName>ppt_x</p:attrName>
+                                        </p:attrNameLst>
+                                      </p:cBhvr>
+                                      <p:tavLst>
+                                        <p:tav tm="0">
+                                          <p:val>
+                                            <p:strVal val="#ppt_x"/>
+                                          </p:val>
+                                        </p:tav>
+                                        <p:tav tm="100000">
+                                          <p:val>
+                                            <p:strVal val="#ppt_x"/>
+                                          </p:val>
+                                        </p:tav>
+                                      </p:tavLst>
+                                    </p:anim>
+                                    <p:anim calcmode="lin" valueType="num">
+                                      <p:cBhvr additive="base">
+                                        <p:cTn id="14" dur="500" fill="hold"/>
+                                        <p:tgtEl>
+                                          <p:spTgt spid="11"/>
+                                        </p:tgtEl>
+                                        <p:attrNameLst>
+                                          <p:attrName>ppt_y</p:attrName>
+                                        </p:attrNameLst>
+                                      </p:cBhvr>
+                                      <p:tavLst>
+                                        <p:tav tm="0">
+                                          <p:val>
+                                            <p:strVal val="1+#ppt_h/2"/>
+                                          </p:val>
+                                        </p:tav>
+                                        <p:tav tm="100000">
+                                          <p:val>
+                                            <p:strVal val="#ppt_y"/>
+                                          </p:val>
+                                        </p:tav>
+                                      </p:tavLst>
+                                    </p:anim>
+                                  </p:childTnLst>
+                                </p:cTn>
+                              </p:par>
+                            </p:childTnLst>
+                          </p:cTn>
+                        </p:par>
+                      </p:childTnLst>
+                    </p:cTn>
+                  </p:par>
+                </p:childTnLst>
+              </p:cTn>
+              <p:prevCondLst>
+                <p:cond evt="onPrev" delay="0">
+                  <p:tgtEl>
+                    <p:sldTgt/>
+                  </p:tgtEl>
+                </p:cond>
+              </p:prevCondLst>
+              <p:nextCondLst>
+                <p:cond evt="onNext" delay="0">
+                  <p:tgtEl>
+                    <p:sldTgt/>
+                  </p:tgtEl>
+                </p:cond>
+              </p:nextCondLst>
+            </p:seq>
+          </p:childTnLst>
+        </p:cTn>
+      </p:par>
+    </p:tnLst>
+  </p:timing>
 </p:sld>
 </file>
 
@@ -9535,8 +12374,8 @@
         </p:nvSpPr>
         <p:spPr>
           <a:xfrm>
-            <a:off x="3145570" y="5028322"/>
-            <a:ext cx="6801612" cy="536125"/>
+            <a:off x="2557698" y="5354379"/>
+            <a:ext cx="7076603" cy="1245182"/>
           </a:xfrm>
         </p:spPr>
         <p:txBody>
@@ -9545,7 +12384,10 @@
           </a:bodyPr>
           <a:lstStyle/>
           <a:p>
-            <a:endParaRPr lang="en-US" sz="1800" dirty="0"/>
+            <a:r>
+              <a:rPr lang="en-US" sz="5400" dirty="0"/>
+              <a:t>Results – Geography</a:t>
+            </a:r>
           </a:p>
         </p:txBody>
       </p:sp>
@@ -9579,6 +12421,251 @@
           </a:prstGeom>
         </p:spPr>
       </p:pic>
+      <p:pic>
+        <p:nvPicPr>
+          <p:cNvPr id="5" name="Picture 4">
+            <a:extLst>
+              <a:ext uri="{FF2B5EF4-FFF2-40B4-BE49-F238E27FC236}">
+                <a16:creationId xmlns:a16="http://schemas.microsoft.com/office/drawing/2014/main" id="{EE1F15AA-352A-614C-937E-412EBED1463F}"/>
+              </a:ext>
+            </a:extLst>
+          </p:cNvPr>
+          <p:cNvPicPr>
+            <a:picLocks noChangeAspect="1"/>
+          </p:cNvPicPr>
+          <p:nvPr/>
+        </p:nvPicPr>
+        <p:blipFill>
+          <a:blip r:embed="rId4"/>
+          <a:stretch>
+            <a:fillRect/>
+          </a:stretch>
+        </p:blipFill>
+        <p:spPr>
+          <a:xfrm>
+            <a:off x="2352505" y="104316"/>
+            <a:ext cx="7236125" cy="5410200"/>
+          </a:xfrm>
+          <a:prstGeom prst="rect">
+            <a:avLst/>
+          </a:prstGeom>
+          <a:ln w="38100">
+            <a:solidFill>
+              <a:schemeClr val="bg1"/>
+            </a:solidFill>
+          </a:ln>
+        </p:spPr>
+      </p:pic>
+      <p:pic>
+        <p:nvPicPr>
+          <p:cNvPr id="11" name="Picture 10">
+            <a:extLst>
+              <a:ext uri="{FF2B5EF4-FFF2-40B4-BE49-F238E27FC236}">
+                <a16:creationId xmlns:a16="http://schemas.microsoft.com/office/drawing/2014/main" id="{5DD35B10-3C11-694B-89E9-464F24B1DB91}"/>
+              </a:ext>
+            </a:extLst>
+          </p:cNvPr>
+          <p:cNvPicPr>
+            <a:picLocks noChangeAspect="1"/>
+          </p:cNvPicPr>
+          <p:nvPr/>
+        </p:nvPicPr>
+        <p:blipFill>
+          <a:blip r:embed="rId5"/>
+          <a:stretch>
+            <a:fillRect/>
+          </a:stretch>
+        </p:blipFill>
+        <p:spPr>
+          <a:xfrm>
+            <a:off x="2398176" y="101667"/>
+            <a:ext cx="7144785" cy="5333038"/>
+          </a:xfrm>
+          <a:prstGeom prst="rect">
+            <a:avLst/>
+          </a:prstGeom>
+          <a:ln w="38100">
+            <a:solidFill>
+              <a:schemeClr val="bg1"/>
+            </a:solidFill>
+          </a:ln>
+        </p:spPr>
+      </p:pic>
+      <p:pic>
+        <p:nvPicPr>
+          <p:cNvPr id="7" name="Picture 6">
+            <a:extLst>
+              <a:ext uri="{FF2B5EF4-FFF2-40B4-BE49-F238E27FC236}">
+                <a16:creationId xmlns:a16="http://schemas.microsoft.com/office/drawing/2014/main" id="{5A8B1536-48F7-0545-AF91-6A0910ECCE05}"/>
+              </a:ext>
+            </a:extLst>
+          </p:cNvPr>
+          <p:cNvPicPr>
+            <a:picLocks noChangeAspect="1"/>
+          </p:cNvPicPr>
+          <p:nvPr/>
+        </p:nvPicPr>
+        <p:blipFill>
+          <a:blip r:embed="rId6"/>
+          <a:stretch>
+            <a:fillRect/>
+          </a:stretch>
+        </p:blipFill>
+        <p:spPr>
+          <a:xfrm>
+            <a:off x="96643" y="79809"/>
+            <a:ext cx="8641497" cy="5333038"/>
+          </a:xfrm>
+          <a:prstGeom prst="rect">
+            <a:avLst/>
+          </a:prstGeom>
+          <a:ln w="38100">
+            <a:solidFill>
+              <a:schemeClr val="bg1"/>
+            </a:solidFill>
+          </a:ln>
+        </p:spPr>
+      </p:pic>
+      <p:pic>
+        <p:nvPicPr>
+          <p:cNvPr id="3" name="Picture 2">
+            <a:extLst>
+              <a:ext uri="{FF2B5EF4-FFF2-40B4-BE49-F238E27FC236}">
+                <a16:creationId xmlns:a16="http://schemas.microsoft.com/office/drawing/2014/main" id="{0D86925F-1791-2247-BBF8-80AFFC569DD0}"/>
+              </a:ext>
+            </a:extLst>
+          </p:cNvPr>
+          <p:cNvPicPr>
+            <a:picLocks noChangeAspect="1"/>
+          </p:cNvPicPr>
+          <p:nvPr/>
+        </p:nvPicPr>
+        <p:blipFill>
+          <a:blip r:embed="rId7"/>
+          <a:stretch>
+            <a:fillRect/>
+          </a:stretch>
+        </p:blipFill>
+        <p:spPr>
+          <a:xfrm>
+            <a:off x="7121948" y="79809"/>
+            <a:ext cx="4979034" cy="5333038"/>
+          </a:xfrm>
+          <a:prstGeom prst="rect">
+            <a:avLst/>
+          </a:prstGeom>
+          <a:ln w="38100">
+            <a:solidFill>
+              <a:schemeClr val="bg1"/>
+            </a:solidFill>
+          </a:ln>
+        </p:spPr>
+      </p:pic>
+      <p:pic>
+        <p:nvPicPr>
+          <p:cNvPr id="13" name="Picture 12">
+            <a:extLst>
+              <a:ext uri="{FF2B5EF4-FFF2-40B4-BE49-F238E27FC236}">
+                <a16:creationId xmlns:a16="http://schemas.microsoft.com/office/drawing/2014/main" id="{A48C5E7C-0B27-7747-996F-26E99E059B98}"/>
+              </a:ext>
+            </a:extLst>
+          </p:cNvPr>
+          <p:cNvPicPr>
+            <a:picLocks noChangeAspect="1"/>
+          </p:cNvPicPr>
+          <p:nvPr/>
+        </p:nvPicPr>
+        <p:blipFill>
+          <a:blip r:embed="rId8"/>
+          <a:stretch>
+            <a:fillRect/>
+          </a:stretch>
+        </p:blipFill>
+        <p:spPr>
+          <a:xfrm>
+            <a:off x="654655" y="2769547"/>
+            <a:ext cx="5909281" cy="2505021"/>
+          </a:xfrm>
+          <a:prstGeom prst="rect">
+            <a:avLst/>
+          </a:prstGeom>
+          <a:ln w="38100">
+            <a:solidFill>
+              <a:schemeClr val="bg1"/>
+            </a:solidFill>
+          </a:ln>
+        </p:spPr>
+      </p:pic>
+      <p:pic>
+        <p:nvPicPr>
+          <p:cNvPr id="15" name="Picture 14">
+            <a:extLst>
+              <a:ext uri="{FF2B5EF4-FFF2-40B4-BE49-F238E27FC236}">
+                <a16:creationId xmlns:a16="http://schemas.microsoft.com/office/drawing/2014/main" id="{93B2091D-51E2-2643-9F90-902A43463757}"/>
+              </a:ext>
+            </a:extLst>
+          </p:cNvPr>
+          <p:cNvPicPr>
+            <a:picLocks noChangeAspect="1"/>
+          </p:cNvPicPr>
+          <p:nvPr/>
+        </p:nvPicPr>
+        <p:blipFill>
+          <a:blip r:embed="rId9"/>
+          <a:stretch>
+            <a:fillRect/>
+          </a:stretch>
+        </p:blipFill>
+        <p:spPr>
+          <a:xfrm>
+            <a:off x="654655" y="209206"/>
+            <a:ext cx="5909281" cy="2428177"/>
+          </a:xfrm>
+          <a:prstGeom prst="rect">
+            <a:avLst/>
+          </a:prstGeom>
+          <a:ln w="38100">
+            <a:solidFill>
+              <a:schemeClr val="bg1"/>
+            </a:solidFill>
+          </a:ln>
+        </p:spPr>
+      </p:pic>
+      <p:pic>
+        <p:nvPicPr>
+          <p:cNvPr id="17" name="Picture 16">
+            <a:extLst>
+              <a:ext uri="{FF2B5EF4-FFF2-40B4-BE49-F238E27FC236}">
+                <a16:creationId xmlns:a16="http://schemas.microsoft.com/office/drawing/2014/main" id="{9C865871-7CFB-2941-BD9E-7B52382BE892}"/>
+              </a:ext>
+            </a:extLst>
+          </p:cNvPr>
+          <p:cNvPicPr>
+            <a:picLocks noChangeAspect="1"/>
+          </p:cNvPicPr>
+          <p:nvPr/>
+        </p:nvPicPr>
+        <p:blipFill>
+          <a:blip r:embed="rId10"/>
+          <a:stretch>
+            <a:fillRect/>
+          </a:stretch>
+        </p:blipFill>
+        <p:spPr>
+          <a:xfrm>
+            <a:off x="481299" y="331055"/>
+            <a:ext cx="6224896" cy="4765484"/>
+          </a:xfrm>
+          <a:prstGeom prst="rect">
+            <a:avLst/>
+          </a:prstGeom>
+          <a:ln w="38100">
+            <a:solidFill>
+              <a:schemeClr val="bg1"/>
+            </a:solidFill>
+          </a:ln>
+        </p:spPr>
+      </p:pic>
     </p:spTree>
     <p:extLst>
       <p:ext uri="{BB962C8B-B14F-4D97-AF65-F5344CB8AC3E}">
@@ -9589,6 +12676,673 @@
   <p:clrMapOvr>
     <a:masterClrMapping/>
   </p:clrMapOvr>
+  <p:timing>
+    <p:tnLst>
+      <p:par>
+        <p:cTn id="1" dur="indefinite" restart="never" nodeType="tmRoot">
+          <p:childTnLst>
+            <p:seq concurrent="1" nextAc="seek">
+              <p:cTn id="2" dur="indefinite" nodeType="mainSeq">
+                <p:childTnLst>
+                  <p:par>
+                    <p:cTn id="3" fill="hold">
+                      <p:stCondLst>
+                        <p:cond delay="indefinite"/>
+                      </p:stCondLst>
+                      <p:childTnLst>
+                        <p:par>
+                          <p:cTn id="4" fill="hold">
+                            <p:stCondLst>
+                              <p:cond delay="0"/>
+                            </p:stCondLst>
+                            <p:childTnLst>
+                              <p:par>
+                                <p:cTn id="5" presetID="2" presetClass="entr" presetSubtype="4" fill="hold" nodeType="clickEffect">
+                                  <p:stCondLst>
+                                    <p:cond delay="0"/>
+                                  </p:stCondLst>
+                                  <p:childTnLst>
+                                    <p:set>
+                                      <p:cBhvr>
+                                        <p:cTn id="6" dur="1" fill="hold">
+                                          <p:stCondLst>
+                                            <p:cond delay="0"/>
+                                          </p:stCondLst>
+                                        </p:cTn>
+                                        <p:tgtEl>
+                                          <p:spTgt spid="5"/>
+                                        </p:tgtEl>
+                                        <p:attrNameLst>
+                                          <p:attrName>style.visibility</p:attrName>
+                                        </p:attrNameLst>
+                                      </p:cBhvr>
+                                      <p:to>
+                                        <p:strVal val="visible"/>
+                                      </p:to>
+                                    </p:set>
+                                    <p:anim calcmode="lin" valueType="num">
+                                      <p:cBhvr additive="base">
+                                        <p:cTn id="7" dur="500" fill="hold"/>
+                                        <p:tgtEl>
+                                          <p:spTgt spid="5"/>
+                                        </p:tgtEl>
+                                        <p:attrNameLst>
+                                          <p:attrName>ppt_x</p:attrName>
+                                        </p:attrNameLst>
+                                      </p:cBhvr>
+                                      <p:tavLst>
+                                        <p:tav tm="0">
+                                          <p:val>
+                                            <p:strVal val="#ppt_x"/>
+                                          </p:val>
+                                        </p:tav>
+                                        <p:tav tm="100000">
+                                          <p:val>
+                                            <p:strVal val="#ppt_x"/>
+                                          </p:val>
+                                        </p:tav>
+                                      </p:tavLst>
+                                    </p:anim>
+                                    <p:anim calcmode="lin" valueType="num">
+                                      <p:cBhvr additive="base">
+                                        <p:cTn id="8" dur="500" fill="hold"/>
+                                        <p:tgtEl>
+                                          <p:spTgt spid="5"/>
+                                        </p:tgtEl>
+                                        <p:attrNameLst>
+                                          <p:attrName>ppt_y</p:attrName>
+                                        </p:attrNameLst>
+                                      </p:cBhvr>
+                                      <p:tavLst>
+                                        <p:tav tm="0">
+                                          <p:val>
+                                            <p:strVal val="1+#ppt_h/2"/>
+                                          </p:val>
+                                        </p:tav>
+                                        <p:tav tm="100000">
+                                          <p:val>
+                                            <p:strVal val="#ppt_y"/>
+                                          </p:val>
+                                        </p:tav>
+                                      </p:tavLst>
+                                    </p:anim>
+                                  </p:childTnLst>
+                                </p:cTn>
+                              </p:par>
+                            </p:childTnLst>
+                          </p:cTn>
+                        </p:par>
+                      </p:childTnLst>
+                    </p:cTn>
+                  </p:par>
+                  <p:par>
+                    <p:cTn id="9" fill="hold">
+                      <p:stCondLst>
+                        <p:cond delay="indefinite"/>
+                      </p:stCondLst>
+                      <p:childTnLst>
+                        <p:par>
+                          <p:cTn id="10" fill="hold">
+                            <p:stCondLst>
+                              <p:cond delay="0"/>
+                            </p:stCondLst>
+                            <p:childTnLst>
+                              <p:par>
+                                <p:cTn id="11" presetID="2" presetClass="entr" presetSubtype="4" fill="hold" nodeType="clickEffect">
+                                  <p:stCondLst>
+                                    <p:cond delay="0"/>
+                                  </p:stCondLst>
+                                  <p:childTnLst>
+                                    <p:set>
+                                      <p:cBhvr>
+                                        <p:cTn id="12" dur="1" fill="hold">
+                                          <p:stCondLst>
+                                            <p:cond delay="0"/>
+                                          </p:stCondLst>
+                                        </p:cTn>
+                                        <p:tgtEl>
+                                          <p:spTgt spid="11"/>
+                                        </p:tgtEl>
+                                        <p:attrNameLst>
+                                          <p:attrName>style.visibility</p:attrName>
+                                        </p:attrNameLst>
+                                      </p:cBhvr>
+                                      <p:to>
+                                        <p:strVal val="visible"/>
+                                      </p:to>
+                                    </p:set>
+                                    <p:anim calcmode="lin" valueType="num">
+                                      <p:cBhvr additive="base">
+                                        <p:cTn id="13" dur="500" fill="hold"/>
+                                        <p:tgtEl>
+                                          <p:spTgt spid="11"/>
+                                        </p:tgtEl>
+                                        <p:attrNameLst>
+                                          <p:attrName>ppt_x</p:attrName>
+                                        </p:attrNameLst>
+                                      </p:cBhvr>
+                                      <p:tavLst>
+                                        <p:tav tm="0">
+                                          <p:val>
+                                            <p:strVal val="#ppt_x"/>
+                                          </p:val>
+                                        </p:tav>
+                                        <p:tav tm="100000">
+                                          <p:val>
+                                            <p:strVal val="#ppt_x"/>
+                                          </p:val>
+                                        </p:tav>
+                                      </p:tavLst>
+                                    </p:anim>
+                                    <p:anim calcmode="lin" valueType="num">
+                                      <p:cBhvr additive="base">
+                                        <p:cTn id="14" dur="500" fill="hold"/>
+                                        <p:tgtEl>
+                                          <p:spTgt spid="11"/>
+                                        </p:tgtEl>
+                                        <p:attrNameLst>
+                                          <p:attrName>ppt_y</p:attrName>
+                                        </p:attrNameLst>
+                                      </p:cBhvr>
+                                      <p:tavLst>
+                                        <p:tav tm="0">
+                                          <p:val>
+                                            <p:strVal val="1+#ppt_h/2"/>
+                                          </p:val>
+                                        </p:tav>
+                                        <p:tav tm="100000">
+                                          <p:val>
+                                            <p:strVal val="#ppt_y"/>
+                                          </p:val>
+                                        </p:tav>
+                                      </p:tavLst>
+                                    </p:anim>
+                                  </p:childTnLst>
+                                </p:cTn>
+                              </p:par>
+                            </p:childTnLst>
+                          </p:cTn>
+                        </p:par>
+                      </p:childTnLst>
+                    </p:cTn>
+                  </p:par>
+                  <p:par>
+                    <p:cTn id="15" fill="hold">
+                      <p:stCondLst>
+                        <p:cond delay="indefinite"/>
+                      </p:stCondLst>
+                      <p:childTnLst>
+                        <p:par>
+                          <p:cTn id="16" fill="hold">
+                            <p:stCondLst>
+                              <p:cond delay="0"/>
+                            </p:stCondLst>
+                            <p:childTnLst>
+                              <p:par>
+                                <p:cTn id="17" presetID="2" presetClass="entr" presetSubtype="4" fill="hold" nodeType="clickEffect">
+                                  <p:stCondLst>
+                                    <p:cond delay="0"/>
+                                  </p:stCondLst>
+                                  <p:childTnLst>
+                                    <p:set>
+                                      <p:cBhvr>
+                                        <p:cTn id="18" dur="1" fill="hold">
+                                          <p:stCondLst>
+                                            <p:cond delay="0"/>
+                                          </p:stCondLst>
+                                        </p:cTn>
+                                        <p:tgtEl>
+                                          <p:spTgt spid="7"/>
+                                        </p:tgtEl>
+                                        <p:attrNameLst>
+                                          <p:attrName>style.visibility</p:attrName>
+                                        </p:attrNameLst>
+                                      </p:cBhvr>
+                                      <p:to>
+                                        <p:strVal val="visible"/>
+                                      </p:to>
+                                    </p:set>
+                                    <p:anim calcmode="lin" valueType="num">
+                                      <p:cBhvr additive="base">
+                                        <p:cTn id="19" dur="500" fill="hold"/>
+                                        <p:tgtEl>
+                                          <p:spTgt spid="7"/>
+                                        </p:tgtEl>
+                                        <p:attrNameLst>
+                                          <p:attrName>ppt_x</p:attrName>
+                                        </p:attrNameLst>
+                                      </p:cBhvr>
+                                      <p:tavLst>
+                                        <p:tav tm="0">
+                                          <p:val>
+                                            <p:strVal val="#ppt_x"/>
+                                          </p:val>
+                                        </p:tav>
+                                        <p:tav tm="100000">
+                                          <p:val>
+                                            <p:strVal val="#ppt_x"/>
+                                          </p:val>
+                                        </p:tav>
+                                      </p:tavLst>
+                                    </p:anim>
+                                    <p:anim calcmode="lin" valueType="num">
+                                      <p:cBhvr additive="base">
+                                        <p:cTn id="20" dur="500" fill="hold"/>
+                                        <p:tgtEl>
+                                          <p:spTgt spid="7"/>
+                                        </p:tgtEl>
+                                        <p:attrNameLst>
+                                          <p:attrName>ppt_y</p:attrName>
+                                        </p:attrNameLst>
+                                      </p:cBhvr>
+                                      <p:tavLst>
+                                        <p:tav tm="0">
+                                          <p:val>
+                                            <p:strVal val="1+#ppt_h/2"/>
+                                          </p:val>
+                                        </p:tav>
+                                        <p:tav tm="100000">
+                                          <p:val>
+                                            <p:strVal val="#ppt_y"/>
+                                          </p:val>
+                                        </p:tav>
+                                      </p:tavLst>
+                                    </p:anim>
+                                  </p:childTnLst>
+                                </p:cTn>
+                              </p:par>
+                            </p:childTnLst>
+                          </p:cTn>
+                        </p:par>
+                      </p:childTnLst>
+                    </p:cTn>
+                  </p:par>
+                  <p:par>
+                    <p:cTn id="21" fill="hold">
+                      <p:stCondLst>
+                        <p:cond delay="indefinite"/>
+                      </p:stCondLst>
+                      <p:childTnLst>
+                        <p:par>
+                          <p:cTn id="22" fill="hold">
+                            <p:stCondLst>
+                              <p:cond delay="0"/>
+                            </p:stCondLst>
+                            <p:childTnLst>
+                              <p:par>
+                                <p:cTn id="23" presetID="2" presetClass="entr" presetSubtype="4" fill="hold" nodeType="clickEffect">
+                                  <p:stCondLst>
+                                    <p:cond delay="0"/>
+                                  </p:stCondLst>
+                                  <p:childTnLst>
+                                    <p:set>
+                                      <p:cBhvr>
+                                        <p:cTn id="24" dur="1" fill="hold">
+                                          <p:stCondLst>
+                                            <p:cond delay="0"/>
+                                          </p:stCondLst>
+                                        </p:cTn>
+                                        <p:tgtEl>
+                                          <p:spTgt spid="3"/>
+                                        </p:tgtEl>
+                                        <p:attrNameLst>
+                                          <p:attrName>style.visibility</p:attrName>
+                                        </p:attrNameLst>
+                                      </p:cBhvr>
+                                      <p:to>
+                                        <p:strVal val="visible"/>
+                                      </p:to>
+                                    </p:set>
+                                    <p:anim calcmode="lin" valueType="num">
+                                      <p:cBhvr additive="base">
+                                        <p:cTn id="25" dur="500" fill="hold"/>
+                                        <p:tgtEl>
+                                          <p:spTgt spid="3"/>
+                                        </p:tgtEl>
+                                        <p:attrNameLst>
+                                          <p:attrName>ppt_x</p:attrName>
+                                        </p:attrNameLst>
+                                      </p:cBhvr>
+                                      <p:tavLst>
+                                        <p:tav tm="0">
+                                          <p:val>
+                                            <p:strVal val="#ppt_x"/>
+                                          </p:val>
+                                        </p:tav>
+                                        <p:tav tm="100000">
+                                          <p:val>
+                                            <p:strVal val="#ppt_x"/>
+                                          </p:val>
+                                        </p:tav>
+                                      </p:tavLst>
+                                    </p:anim>
+                                    <p:anim calcmode="lin" valueType="num">
+                                      <p:cBhvr additive="base">
+                                        <p:cTn id="26" dur="500" fill="hold"/>
+                                        <p:tgtEl>
+                                          <p:spTgt spid="3"/>
+                                        </p:tgtEl>
+                                        <p:attrNameLst>
+                                          <p:attrName>ppt_y</p:attrName>
+                                        </p:attrNameLst>
+                                      </p:cBhvr>
+                                      <p:tavLst>
+                                        <p:tav tm="0">
+                                          <p:val>
+                                            <p:strVal val="1+#ppt_h/2"/>
+                                          </p:val>
+                                        </p:tav>
+                                        <p:tav tm="100000">
+                                          <p:val>
+                                            <p:strVal val="#ppt_y"/>
+                                          </p:val>
+                                        </p:tav>
+                                      </p:tavLst>
+                                    </p:anim>
+                                  </p:childTnLst>
+                                </p:cTn>
+                              </p:par>
+                            </p:childTnLst>
+                          </p:cTn>
+                        </p:par>
+                      </p:childTnLst>
+                    </p:cTn>
+                  </p:par>
+                  <p:par>
+                    <p:cTn id="27" fill="hold">
+                      <p:stCondLst>
+                        <p:cond delay="indefinite"/>
+                      </p:stCondLst>
+                      <p:childTnLst>
+                        <p:par>
+                          <p:cTn id="28" fill="hold">
+                            <p:stCondLst>
+                              <p:cond delay="0"/>
+                            </p:stCondLst>
+                            <p:childTnLst>
+                              <p:par>
+                                <p:cTn id="29" presetID="2" presetClass="entr" presetSubtype="4" fill="hold" nodeType="clickEffect">
+                                  <p:stCondLst>
+                                    <p:cond delay="0"/>
+                                  </p:stCondLst>
+                                  <p:childTnLst>
+                                    <p:set>
+                                      <p:cBhvr>
+                                        <p:cTn id="30" dur="1" fill="hold">
+                                          <p:stCondLst>
+                                            <p:cond delay="0"/>
+                                          </p:stCondLst>
+                                        </p:cTn>
+                                        <p:tgtEl>
+                                          <p:spTgt spid="15"/>
+                                        </p:tgtEl>
+                                        <p:attrNameLst>
+                                          <p:attrName>style.visibility</p:attrName>
+                                        </p:attrNameLst>
+                                      </p:cBhvr>
+                                      <p:to>
+                                        <p:strVal val="visible"/>
+                                      </p:to>
+                                    </p:set>
+                                    <p:anim calcmode="lin" valueType="num">
+                                      <p:cBhvr additive="base">
+                                        <p:cTn id="31" dur="500" fill="hold"/>
+                                        <p:tgtEl>
+                                          <p:spTgt spid="15"/>
+                                        </p:tgtEl>
+                                        <p:attrNameLst>
+                                          <p:attrName>ppt_x</p:attrName>
+                                        </p:attrNameLst>
+                                      </p:cBhvr>
+                                      <p:tavLst>
+                                        <p:tav tm="0">
+                                          <p:val>
+                                            <p:strVal val="#ppt_x"/>
+                                          </p:val>
+                                        </p:tav>
+                                        <p:tav tm="100000">
+                                          <p:val>
+                                            <p:strVal val="#ppt_x"/>
+                                          </p:val>
+                                        </p:tav>
+                                      </p:tavLst>
+                                    </p:anim>
+                                    <p:anim calcmode="lin" valueType="num">
+                                      <p:cBhvr additive="base">
+                                        <p:cTn id="32" dur="500" fill="hold"/>
+                                        <p:tgtEl>
+                                          <p:spTgt spid="15"/>
+                                        </p:tgtEl>
+                                        <p:attrNameLst>
+                                          <p:attrName>ppt_y</p:attrName>
+                                        </p:attrNameLst>
+                                      </p:cBhvr>
+                                      <p:tavLst>
+                                        <p:tav tm="0">
+                                          <p:val>
+                                            <p:strVal val="1+#ppt_h/2"/>
+                                          </p:val>
+                                        </p:tav>
+                                        <p:tav tm="100000">
+                                          <p:val>
+                                            <p:strVal val="#ppt_y"/>
+                                          </p:val>
+                                        </p:tav>
+                                      </p:tavLst>
+                                    </p:anim>
+                                  </p:childTnLst>
+                                </p:cTn>
+                              </p:par>
+                            </p:childTnLst>
+                          </p:cTn>
+                        </p:par>
+                      </p:childTnLst>
+                    </p:cTn>
+                  </p:par>
+                  <p:par>
+                    <p:cTn id="33" fill="hold">
+                      <p:stCondLst>
+                        <p:cond delay="indefinite"/>
+                      </p:stCondLst>
+                      <p:childTnLst>
+                        <p:par>
+                          <p:cTn id="34" fill="hold">
+                            <p:stCondLst>
+                              <p:cond delay="0"/>
+                            </p:stCondLst>
+                            <p:childTnLst>
+                              <p:par>
+                                <p:cTn id="35" presetID="2" presetClass="entr" presetSubtype="4" fill="hold" nodeType="clickEffect">
+                                  <p:stCondLst>
+                                    <p:cond delay="0"/>
+                                  </p:stCondLst>
+                                  <p:childTnLst>
+                                    <p:set>
+                                      <p:cBhvr>
+                                        <p:cTn id="36" dur="1" fill="hold">
+                                          <p:stCondLst>
+                                            <p:cond delay="0"/>
+                                          </p:stCondLst>
+                                        </p:cTn>
+                                        <p:tgtEl>
+                                          <p:spTgt spid="13"/>
+                                        </p:tgtEl>
+                                        <p:attrNameLst>
+                                          <p:attrName>style.visibility</p:attrName>
+                                        </p:attrNameLst>
+                                      </p:cBhvr>
+                                      <p:to>
+                                        <p:strVal val="visible"/>
+                                      </p:to>
+                                    </p:set>
+                                    <p:anim calcmode="lin" valueType="num">
+                                      <p:cBhvr additive="base">
+                                        <p:cTn id="37" dur="500" fill="hold"/>
+                                        <p:tgtEl>
+                                          <p:spTgt spid="13"/>
+                                        </p:tgtEl>
+                                        <p:attrNameLst>
+                                          <p:attrName>ppt_x</p:attrName>
+                                        </p:attrNameLst>
+                                      </p:cBhvr>
+                                      <p:tavLst>
+                                        <p:tav tm="0">
+                                          <p:val>
+                                            <p:strVal val="#ppt_x"/>
+                                          </p:val>
+                                        </p:tav>
+                                        <p:tav tm="100000">
+                                          <p:val>
+                                            <p:strVal val="#ppt_x"/>
+                                          </p:val>
+                                        </p:tav>
+                                      </p:tavLst>
+                                    </p:anim>
+                                    <p:anim calcmode="lin" valueType="num">
+                                      <p:cBhvr additive="base">
+                                        <p:cTn id="38" dur="500" fill="hold"/>
+                                        <p:tgtEl>
+                                          <p:spTgt spid="13"/>
+                                        </p:tgtEl>
+                                        <p:attrNameLst>
+                                          <p:attrName>ppt_y</p:attrName>
+                                        </p:attrNameLst>
+                                      </p:cBhvr>
+                                      <p:tavLst>
+                                        <p:tav tm="0">
+                                          <p:val>
+                                            <p:strVal val="1+#ppt_h/2"/>
+                                          </p:val>
+                                        </p:tav>
+                                        <p:tav tm="100000">
+                                          <p:val>
+                                            <p:strVal val="#ppt_y"/>
+                                          </p:val>
+                                        </p:tav>
+                                      </p:tavLst>
+                                    </p:anim>
+                                  </p:childTnLst>
+                                </p:cTn>
+                              </p:par>
+                            </p:childTnLst>
+                          </p:cTn>
+                        </p:par>
+                      </p:childTnLst>
+                    </p:cTn>
+                  </p:par>
+                  <p:par>
+                    <p:cTn id="39" fill="hold">
+                      <p:stCondLst>
+                        <p:cond delay="indefinite"/>
+                      </p:stCondLst>
+                      <p:childTnLst>
+                        <p:par>
+                          <p:cTn id="40" fill="hold">
+                            <p:stCondLst>
+                              <p:cond delay="0"/>
+                            </p:stCondLst>
+                            <p:childTnLst>
+                              <p:par>
+                                <p:cTn id="41" presetID="2" presetClass="entr" presetSubtype="4" fill="hold" nodeType="clickEffect">
+                                  <p:stCondLst>
+                                    <p:cond delay="0"/>
+                                  </p:stCondLst>
+                                  <p:childTnLst>
+                                    <p:set>
+                                      <p:cBhvr>
+                                        <p:cTn id="42" dur="1" fill="hold">
+                                          <p:stCondLst>
+                                            <p:cond delay="0"/>
+                                          </p:stCondLst>
+                                        </p:cTn>
+                                        <p:tgtEl>
+                                          <p:spTgt spid="17"/>
+                                        </p:tgtEl>
+                                        <p:attrNameLst>
+                                          <p:attrName>style.visibility</p:attrName>
+                                        </p:attrNameLst>
+                                      </p:cBhvr>
+                                      <p:to>
+                                        <p:strVal val="visible"/>
+                                      </p:to>
+                                    </p:set>
+                                    <p:anim calcmode="lin" valueType="num">
+                                      <p:cBhvr additive="base">
+                                        <p:cTn id="43" dur="500" fill="hold"/>
+                                        <p:tgtEl>
+                                          <p:spTgt spid="17"/>
+                                        </p:tgtEl>
+                                        <p:attrNameLst>
+                                          <p:attrName>ppt_x</p:attrName>
+                                        </p:attrNameLst>
+                                      </p:cBhvr>
+                                      <p:tavLst>
+                                        <p:tav tm="0">
+                                          <p:val>
+                                            <p:strVal val="#ppt_x"/>
+                                          </p:val>
+                                        </p:tav>
+                                        <p:tav tm="100000">
+                                          <p:val>
+                                            <p:strVal val="#ppt_x"/>
+                                          </p:val>
+                                        </p:tav>
+                                      </p:tavLst>
+                                    </p:anim>
+                                    <p:anim calcmode="lin" valueType="num">
+                                      <p:cBhvr additive="base">
+                                        <p:cTn id="44" dur="500" fill="hold"/>
+                                        <p:tgtEl>
+                                          <p:spTgt spid="17"/>
+                                        </p:tgtEl>
+                                        <p:attrNameLst>
+                                          <p:attrName>ppt_y</p:attrName>
+                                        </p:attrNameLst>
+                                      </p:cBhvr>
+                                      <p:tavLst>
+                                        <p:tav tm="0">
+                                          <p:val>
+                                            <p:strVal val="1+#ppt_h/2"/>
+                                          </p:val>
+                                        </p:tav>
+                                        <p:tav tm="100000">
+                                          <p:val>
+                                            <p:strVal val="#ppt_y"/>
+                                          </p:val>
+                                        </p:tav>
+                                      </p:tavLst>
+                                    </p:anim>
+                                  </p:childTnLst>
+                                </p:cTn>
+                              </p:par>
+                            </p:childTnLst>
+                          </p:cTn>
+                        </p:par>
+                      </p:childTnLst>
+                    </p:cTn>
+                  </p:par>
+                </p:childTnLst>
+              </p:cTn>
+              <p:prevCondLst>
+                <p:cond evt="onPrev" delay="0">
+                  <p:tgtEl>
+                    <p:sldTgt/>
+                  </p:tgtEl>
+                </p:cond>
+              </p:prevCondLst>
+              <p:nextCondLst>
+                <p:cond evt="onNext" delay="0">
+                  <p:tgtEl>
+                    <p:sldTgt/>
+                  </p:tgtEl>
+                </p:cond>
+              </p:nextCondLst>
+            </p:seq>
+          </p:childTnLst>
+        </p:cTn>
+      </p:par>
+    </p:tnLst>
+  </p:timing>
 </p:sld>
 </file>
 
@@ -9680,38 +13434,6 @@
           </a:p>
         </p:txBody>
       </p:sp>
-      <p:sp>
-        <p:nvSpPr>
-          <p:cNvPr id="8" name="Subtitle 7">
-            <a:extLst>
-              <a:ext uri="{FF2B5EF4-FFF2-40B4-BE49-F238E27FC236}">
-                <a16:creationId xmlns:a16="http://schemas.microsoft.com/office/drawing/2014/main" id="{272A9347-692A-B043-84BE-DF4576A3CB72}"/>
-              </a:ext>
-            </a:extLst>
-          </p:cNvPr>
-          <p:cNvSpPr>
-            <a:spLocks noGrp="1"/>
-          </p:cNvSpPr>
-          <p:nvPr>
-            <p:ph type="subTitle" idx="1"/>
-          </p:nvPr>
-        </p:nvSpPr>
-        <p:spPr>
-          <a:xfrm>
-            <a:off x="2695194" y="5688535"/>
-            <a:ext cx="6801612" cy="536125"/>
-          </a:xfrm>
-        </p:spPr>
-        <p:txBody>
-          <a:bodyPr vert="horz" lIns="91440" tIns="45720" rIns="91440" bIns="45720" rtlCol="0">
-            <a:normAutofit/>
-          </a:bodyPr>
-          <a:lstStyle/>
-          <a:p>
-            <a:endParaRPr lang="en-US" sz="1800" dirty="0"/>
-          </a:p>
-        </p:txBody>
-      </p:sp>
       <p:pic>
         <p:nvPicPr>
           <p:cNvPr id="11" name="Picture 10">
@@ -9742,6 +13464,248 @@
           </a:prstGeom>
         </p:spPr>
       </p:pic>
+      <p:sp>
+        <p:nvSpPr>
+          <p:cNvPr id="14" name="Subtitle 7">
+            <a:extLst>
+              <a:ext uri="{FF2B5EF4-FFF2-40B4-BE49-F238E27FC236}">
+                <a16:creationId xmlns:a16="http://schemas.microsoft.com/office/drawing/2014/main" id="{220CAAF3-81B5-354F-978F-573A517F25FE}"/>
+              </a:ext>
+            </a:extLst>
+          </p:cNvPr>
+          <p:cNvSpPr txBox="1">
+            <a:spLocks/>
+          </p:cNvSpPr>
+          <p:nvPr/>
+        </p:nvSpPr>
+        <p:spPr>
+          <a:xfrm>
+            <a:off x="2557698" y="5295911"/>
+            <a:ext cx="7076603" cy="1245182"/>
+          </a:xfrm>
+          <a:prstGeom prst="rect">
+            <a:avLst/>
+          </a:prstGeom>
+          <a:noFill/>
+        </p:spPr>
+        <p:txBody>
+          <a:bodyPr vert="horz" lIns="91440" tIns="45720" rIns="91440" bIns="45720" rtlCol="0">
+            <a:normAutofit/>
+          </a:bodyPr>
+          <a:lstStyle>
+            <a:lvl1pPr marL="0" indent="0" algn="ctr" defTabSz="914400" rtl="0" eaLnBrk="1" latinLnBrk="0" hangingPunct="1">
+              <a:lnSpc>
+                <a:spcPct val="100000"/>
+              </a:lnSpc>
+              <a:spcBef>
+                <a:spcPts val="1000"/>
+              </a:spcBef>
+              <a:buClr>
+                <a:schemeClr val="accent2"/>
+              </a:buClr>
+              <a:buFont typeface="Arial" panose="020B0604020202020204" pitchFamily="34" charset="0"/>
+              <a:buNone/>
+              <a:defRPr sz="2000" kern="1200">
+                <a:solidFill>
+                  <a:schemeClr val="tx1">
+                    <a:lumMod val="75000"/>
+                    <a:lumOff val="25000"/>
+                  </a:schemeClr>
+                </a:solidFill>
+                <a:latin typeface="+mn-lt"/>
+                <a:ea typeface="+mn-ea"/>
+                <a:cs typeface="+mn-cs"/>
+              </a:defRPr>
+            </a:lvl1pPr>
+            <a:lvl2pPr marL="457200" indent="0" algn="ctr" defTabSz="914400" rtl="0" eaLnBrk="1" latinLnBrk="0" hangingPunct="1">
+              <a:lnSpc>
+                <a:spcPct val="100000"/>
+              </a:lnSpc>
+              <a:spcBef>
+                <a:spcPts val="1000"/>
+              </a:spcBef>
+              <a:buClr>
+                <a:schemeClr val="accent2"/>
+              </a:buClr>
+              <a:buFont typeface="Arial" panose="020B0604020202020204" pitchFamily="34" charset="0"/>
+              <a:buNone/>
+              <a:defRPr sz="2000" kern="1200">
+                <a:solidFill>
+                  <a:schemeClr val="tx1">
+                    <a:lumMod val="85000"/>
+                    <a:lumOff val="15000"/>
+                  </a:schemeClr>
+                </a:solidFill>
+                <a:latin typeface="+mn-lt"/>
+                <a:ea typeface="+mn-ea"/>
+                <a:cs typeface="+mn-cs"/>
+              </a:defRPr>
+            </a:lvl2pPr>
+            <a:lvl3pPr marL="914400" indent="0" algn="ctr" defTabSz="914400" rtl="0" eaLnBrk="1" latinLnBrk="0" hangingPunct="1">
+              <a:lnSpc>
+                <a:spcPct val="100000"/>
+              </a:lnSpc>
+              <a:spcBef>
+                <a:spcPts val="1000"/>
+              </a:spcBef>
+              <a:buClr>
+                <a:schemeClr val="accent2"/>
+              </a:buClr>
+              <a:buFont typeface="Arial" panose="020B0604020202020204" pitchFamily="34" charset="0"/>
+              <a:buNone/>
+              <a:defRPr sz="1800" kern="1200">
+                <a:solidFill>
+                  <a:schemeClr val="tx1">
+                    <a:lumMod val="85000"/>
+                    <a:lumOff val="15000"/>
+                  </a:schemeClr>
+                </a:solidFill>
+                <a:latin typeface="+mn-lt"/>
+                <a:ea typeface="+mn-ea"/>
+                <a:cs typeface="+mn-cs"/>
+              </a:defRPr>
+            </a:lvl3pPr>
+            <a:lvl4pPr marL="1371600" indent="0" algn="ctr" defTabSz="914400" rtl="0" eaLnBrk="1" latinLnBrk="0" hangingPunct="1">
+              <a:lnSpc>
+                <a:spcPct val="100000"/>
+              </a:lnSpc>
+              <a:spcBef>
+                <a:spcPts val="1000"/>
+              </a:spcBef>
+              <a:buClr>
+                <a:schemeClr val="accent2"/>
+              </a:buClr>
+              <a:buFont typeface="Arial" panose="020B0604020202020204" pitchFamily="34" charset="0"/>
+              <a:buNone/>
+              <a:defRPr sz="1600" kern="1200">
+                <a:solidFill>
+                  <a:schemeClr val="tx1">
+                    <a:lumMod val="85000"/>
+                    <a:lumOff val="15000"/>
+                  </a:schemeClr>
+                </a:solidFill>
+                <a:latin typeface="+mn-lt"/>
+                <a:ea typeface="+mn-ea"/>
+                <a:cs typeface="+mn-cs"/>
+              </a:defRPr>
+            </a:lvl4pPr>
+            <a:lvl5pPr marL="1828800" indent="0" algn="ctr" defTabSz="914400" rtl="0" eaLnBrk="1" latinLnBrk="0" hangingPunct="1">
+              <a:lnSpc>
+                <a:spcPct val="100000"/>
+              </a:lnSpc>
+              <a:spcBef>
+                <a:spcPts val="1000"/>
+              </a:spcBef>
+              <a:buClr>
+                <a:schemeClr val="accent2"/>
+              </a:buClr>
+              <a:buFont typeface="Arial" panose="020B0604020202020204" pitchFamily="34" charset="0"/>
+              <a:buNone/>
+              <a:defRPr sz="1600" kern="1200">
+                <a:solidFill>
+                  <a:schemeClr val="tx1">
+                    <a:lumMod val="85000"/>
+                    <a:lumOff val="15000"/>
+                  </a:schemeClr>
+                </a:solidFill>
+                <a:latin typeface="+mn-lt"/>
+                <a:ea typeface="+mn-ea"/>
+                <a:cs typeface="+mn-cs"/>
+              </a:defRPr>
+            </a:lvl5pPr>
+            <a:lvl6pPr marL="2286000" indent="0" algn="ctr" defTabSz="914400" rtl="0" eaLnBrk="1" latinLnBrk="0" hangingPunct="1">
+              <a:lnSpc>
+                <a:spcPct val="100000"/>
+              </a:lnSpc>
+              <a:spcBef>
+                <a:spcPts val="1000"/>
+              </a:spcBef>
+              <a:buClr>
+                <a:schemeClr val="accent2"/>
+              </a:buClr>
+              <a:buFont typeface="Arial" panose="020B0604020202020204" pitchFamily="34" charset="0"/>
+              <a:buNone/>
+              <a:defRPr sz="1600" kern="1200">
+                <a:solidFill>
+                  <a:schemeClr val="tx1"/>
+                </a:solidFill>
+                <a:latin typeface="+mn-lt"/>
+                <a:ea typeface="+mn-ea"/>
+                <a:cs typeface="+mn-cs"/>
+              </a:defRPr>
+            </a:lvl6pPr>
+            <a:lvl7pPr marL="2743200" indent="0" algn="ctr" defTabSz="914400" rtl="0" eaLnBrk="1" latinLnBrk="0" hangingPunct="1">
+              <a:lnSpc>
+                <a:spcPct val="100000"/>
+              </a:lnSpc>
+              <a:spcBef>
+                <a:spcPts val="1000"/>
+              </a:spcBef>
+              <a:buClr>
+                <a:schemeClr val="accent2"/>
+              </a:buClr>
+              <a:buFont typeface="Arial" panose="020B0604020202020204" pitchFamily="34" charset="0"/>
+              <a:buNone/>
+              <a:defRPr sz="1600" kern="1200">
+                <a:solidFill>
+                  <a:schemeClr val="tx1"/>
+                </a:solidFill>
+                <a:latin typeface="+mn-lt"/>
+                <a:ea typeface="+mn-ea"/>
+                <a:cs typeface="+mn-cs"/>
+              </a:defRPr>
+            </a:lvl7pPr>
+            <a:lvl8pPr marL="3200400" indent="0" algn="ctr" defTabSz="914400" rtl="0" eaLnBrk="1" latinLnBrk="0" hangingPunct="1">
+              <a:lnSpc>
+                <a:spcPct val="100000"/>
+              </a:lnSpc>
+              <a:spcBef>
+                <a:spcPts val="1000"/>
+              </a:spcBef>
+              <a:buClr>
+                <a:schemeClr val="accent2"/>
+              </a:buClr>
+              <a:buFont typeface="Arial" panose="020B0604020202020204" pitchFamily="34" charset="0"/>
+              <a:buNone/>
+              <a:defRPr sz="1600" kern="1200" baseline="0">
+                <a:solidFill>
+                  <a:schemeClr val="tx1"/>
+                </a:solidFill>
+                <a:latin typeface="+mn-lt"/>
+                <a:ea typeface="+mn-ea"/>
+                <a:cs typeface="+mn-cs"/>
+              </a:defRPr>
+            </a:lvl8pPr>
+            <a:lvl9pPr marL="3657600" indent="0" algn="ctr" defTabSz="914400" rtl="0" eaLnBrk="1" latinLnBrk="0" hangingPunct="1">
+              <a:lnSpc>
+                <a:spcPct val="100000"/>
+              </a:lnSpc>
+              <a:spcBef>
+                <a:spcPts val="1000"/>
+              </a:spcBef>
+              <a:buClr>
+                <a:schemeClr val="accent2"/>
+              </a:buClr>
+              <a:buFont typeface="Arial" panose="020B0604020202020204" pitchFamily="34" charset="0"/>
+              <a:buNone/>
+              <a:defRPr sz="1600" kern="1200" baseline="0">
+                <a:solidFill>
+                  <a:schemeClr val="tx1"/>
+                </a:solidFill>
+                <a:latin typeface="+mn-lt"/>
+                <a:ea typeface="+mn-ea"/>
+                <a:cs typeface="+mn-cs"/>
+              </a:defRPr>
+            </a:lvl9pPr>
+          </a:lstStyle>
+          <a:p>
+            <a:r>
+              <a:rPr lang="en-US" sz="5400" dirty="0"/>
+              <a:t>Results – Purpose</a:t>
+            </a:r>
+          </a:p>
+        </p:txBody>
+      </p:sp>
     </p:spTree>
     <p:extLst>
       <p:ext uri="{BB962C8B-B14F-4D97-AF65-F5344CB8AC3E}">

--- a/documentation/loan_defaults_presentation.pptx
+++ b/documentation/loan_defaults_presentation.pptx
@@ -1689,10 +1689,38 @@
           <a:p>
             <a:r>
               <a:rPr lang="en-US" dirty="0"/>
-              <a:t>Ethical Implications -</a:t>
-            </a:r>
-          </a:p>
-          <a:p>
+              <a:t>Ethical Implications –</a:t>
+            </a:r>
+          </a:p>
+          <a:p>
+            <a:endParaRPr lang="en-US" dirty="0"/>
+          </a:p>
+          <a:p>
+            <a:r>
+              <a:rPr lang="en-US" dirty="0"/>
+              <a:t>Data is made up of mainly these purposes….</a:t>
+            </a:r>
+          </a:p>
+          <a:p>
+            <a:endParaRPr lang="en-US" dirty="0"/>
+          </a:p>
+          <a:p>
+            <a:r>
+              <a:rPr lang="en-US" dirty="0"/>
+              <a:t>Credit card and debt consolidation are the only 2 categories to increase in loan volume from the late 2012… potential explanation is due to the financial crisis with USA experienced with </a:t>
+            </a:r>
+            <a:r>
+              <a:rPr lang="en-GB" dirty="0"/>
+              <a:t>the debt-to-GDP ratio 100%, higher than at any time since World War II. Plus according to the </a:t>
+            </a:r>
+            <a:r>
+              <a:rPr lang="en-GB" dirty="0" err="1"/>
+              <a:t>myan</a:t>
+            </a:r>
+            <a:r>
+              <a:rPr lang="en-GB" dirty="0"/>
+              <a:t> calendar it was the end of the world so who knows…</a:t>
+            </a:r>
             <a:endParaRPr lang="en-US" dirty="0"/>
           </a:p>
         </p:txBody>
@@ -2108,7 +2136,10 @@
           <a:bodyPr/>
           <a:lstStyle/>
           <a:p>
-            <a:endParaRPr lang="en-US" dirty="0"/>
+            <a:r>
+              <a:rPr lang="en-US" dirty="0"/>
+              <a:t># shows that other category is a mixture of repaying debts, credit cards, repairs, building credit, for family members /friends</a:t>
+            </a:r>
           </a:p>
         </p:txBody>
       </p:sp>
@@ -13706,6 +13737,111 @@
           </a:p>
         </p:txBody>
       </p:sp>
+      <p:pic>
+        <p:nvPicPr>
+          <p:cNvPr id="19" name="Picture 18">
+            <a:extLst>
+              <a:ext uri="{FF2B5EF4-FFF2-40B4-BE49-F238E27FC236}">
+                <a16:creationId xmlns:a16="http://schemas.microsoft.com/office/drawing/2014/main" id="{1F639730-9801-EC44-AF1B-DF67E7487BC1}"/>
+              </a:ext>
+            </a:extLst>
+          </p:cNvPr>
+          <p:cNvPicPr>
+            <a:picLocks noChangeAspect="1"/>
+          </p:cNvPicPr>
+          <p:nvPr/>
+        </p:nvPicPr>
+        <p:blipFill>
+          <a:blip r:embed="rId4"/>
+          <a:stretch>
+            <a:fillRect/>
+          </a:stretch>
+        </p:blipFill>
+        <p:spPr>
+          <a:xfrm>
+            <a:off x="2975394" y="165452"/>
+            <a:ext cx="6241210" cy="5228673"/>
+          </a:xfrm>
+          <a:prstGeom prst="rect">
+            <a:avLst/>
+          </a:prstGeom>
+          <a:ln w="38100">
+            <a:solidFill>
+              <a:schemeClr val="bg1"/>
+            </a:solidFill>
+          </a:ln>
+        </p:spPr>
+      </p:pic>
+      <p:pic>
+        <p:nvPicPr>
+          <p:cNvPr id="16" name="Picture 15">
+            <a:extLst>
+              <a:ext uri="{FF2B5EF4-FFF2-40B4-BE49-F238E27FC236}">
+                <a16:creationId xmlns:a16="http://schemas.microsoft.com/office/drawing/2014/main" id="{6FFCBB06-3E80-0B48-B3BC-18BB803999E7}"/>
+              </a:ext>
+            </a:extLst>
+          </p:cNvPr>
+          <p:cNvPicPr>
+            <a:picLocks noChangeAspect="1"/>
+          </p:cNvPicPr>
+          <p:nvPr/>
+        </p:nvPicPr>
+        <p:blipFill>
+          <a:blip r:embed="rId5"/>
+          <a:stretch>
+            <a:fillRect/>
+          </a:stretch>
+        </p:blipFill>
+        <p:spPr>
+          <a:xfrm>
+            <a:off x="2975394" y="165452"/>
+            <a:ext cx="6241209" cy="5228672"/>
+          </a:xfrm>
+          <a:prstGeom prst="rect">
+            <a:avLst/>
+          </a:prstGeom>
+          <a:ln w="38100">
+            <a:solidFill>
+              <a:schemeClr val="bg1"/>
+            </a:solidFill>
+          </a:ln>
+        </p:spPr>
+      </p:pic>
+      <p:pic>
+        <p:nvPicPr>
+          <p:cNvPr id="22" name="Picture 21">
+            <a:extLst>
+              <a:ext uri="{FF2B5EF4-FFF2-40B4-BE49-F238E27FC236}">
+                <a16:creationId xmlns:a16="http://schemas.microsoft.com/office/drawing/2014/main" id="{E82E0FA5-EA21-6A41-9DF5-BF47CE1FB4DC}"/>
+              </a:ext>
+            </a:extLst>
+          </p:cNvPr>
+          <p:cNvPicPr>
+            <a:picLocks noChangeAspect="1"/>
+          </p:cNvPicPr>
+          <p:nvPr/>
+        </p:nvPicPr>
+        <p:blipFill>
+          <a:blip r:embed="rId6"/>
+          <a:stretch>
+            <a:fillRect/>
+          </a:stretch>
+        </p:blipFill>
+        <p:spPr>
+          <a:xfrm>
+            <a:off x="6045669" y="874581"/>
+            <a:ext cx="4625329" cy="4209382"/>
+          </a:xfrm>
+          <a:prstGeom prst="rect">
+            <a:avLst/>
+          </a:prstGeom>
+          <a:ln w="38100">
+            <a:solidFill>
+              <a:schemeClr val="bg1"/>
+            </a:solidFill>
+          </a:ln>
+        </p:spPr>
+      </p:pic>
     </p:spTree>
     <p:extLst>
       <p:ext uri="{BB962C8B-B14F-4D97-AF65-F5344CB8AC3E}">
@@ -13716,6 +13852,218 @@
   <p:clrMapOvr>
     <a:masterClrMapping/>
   </p:clrMapOvr>
+  <p:timing>
+    <p:tnLst>
+      <p:par>
+        <p:cTn id="1" dur="indefinite" restart="never" nodeType="tmRoot">
+          <p:childTnLst>
+            <p:seq concurrent="1" nextAc="seek">
+              <p:cTn id="2" dur="indefinite" nodeType="mainSeq">
+                <p:childTnLst>
+                  <p:par>
+                    <p:cTn id="3" fill="hold">
+                      <p:stCondLst>
+                        <p:cond delay="indefinite"/>
+                      </p:stCondLst>
+                      <p:childTnLst>
+                        <p:par>
+                          <p:cTn id="4" fill="hold">
+                            <p:stCondLst>
+                              <p:cond delay="0"/>
+                            </p:stCondLst>
+                            <p:childTnLst>
+                              <p:par>
+                                <p:cTn id="5" presetID="2" presetClass="entr" presetSubtype="4" fill="hold" nodeType="clickEffect">
+                                  <p:stCondLst>
+                                    <p:cond delay="0"/>
+                                  </p:stCondLst>
+                                  <p:childTnLst>
+                                    <p:set>
+                                      <p:cBhvr>
+                                        <p:cTn id="6" dur="1" fill="hold">
+                                          <p:stCondLst>
+                                            <p:cond delay="0"/>
+                                          </p:stCondLst>
+                                        </p:cTn>
+                                        <p:tgtEl>
+                                          <p:spTgt spid="19"/>
+                                        </p:tgtEl>
+                                        <p:attrNameLst>
+                                          <p:attrName>style.visibility</p:attrName>
+                                        </p:attrNameLst>
+                                      </p:cBhvr>
+                                      <p:to>
+                                        <p:strVal val="visible"/>
+                                      </p:to>
+                                    </p:set>
+                                    <p:anim calcmode="lin" valueType="num">
+                                      <p:cBhvr additive="base">
+                                        <p:cTn id="7" dur="500" fill="hold"/>
+                                        <p:tgtEl>
+                                          <p:spTgt spid="19"/>
+                                        </p:tgtEl>
+                                        <p:attrNameLst>
+                                          <p:attrName>ppt_x</p:attrName>
+                                        </p:attrNameLst>
+                                      </p:cBhvr>
+                                      <p:tavLst>
+                                        <p:tav tm="0">
+                                          <p:val>
+                                            <p:strVal val="#ppt_x"/>
+                                          </p:val>
+                                        </p:tav>
+                                        <p:tav tm="100000">
+                                          <p:val>
+                                            <p:strVal val="#ppt_x"/>
+                                          </p:val>
+                                        </p:tav>
+                                      </p:tavLst>
+                                    </p:anim>
+                                    <p:anim calcmode="lin" valueType="num">
+                                      <p:cBhvr additive="base">
+                                        <p:cTn id="8" dur="500" fill="hold"/>
+                                        <p:tgtEl>
+                                          <p:spTgt spid="19"/>
+                                        </p:tgtEl>
+                                        <p:attrNameLst>
+                                          <p:attrName>ppt_y</p:attrName>
+                                        </p:attrNameLst>
+                                      </p:cBhvr>
+                                      <p:tavLst>
+                                        <p:tav tm="0">
+                                          <p:val>
+                                            <p:strVal val="1+#ppt_h/2"/>
+                                          </p:val>
+                                        </p:tav>
+                                        <p:tav tm="100000">
+                                          <p:val>
+                                            <p:strVal val="#ppt_y"/>
+                                          </p:val>
+                                        </p:tav>
+                                      </p:tavLst>
+                                    </p:anim>
+                                  </p:childTnLst>
+                                </p:cTn>
+                              </p:par>
+                            </p:childTnLst>
+                          </p:cTn>
+                        </p:par>
+                      </p:childTnLst>
+                    </p:cTn>
+                  </p:par>
+                  <p:par>
+                    <p:cTn id="9" fill="hold">
+                      <p:stCondLst>
+                        <p:cond delay="indefinite"/>
+                      </p:stCondLst>
+                      <p:childTnLst>
+                        <p:par>
+                          <p:cTn id="10" fill="hold">
+                            <p:stCondLst>
+                              <p:cond delay="0"/>
+                            </p:stCondLst>
+                            <p:childTnLst>
+                              <p:par>
+                                <p:cTn id="11" presetID="2" presetClass="entr" presetSubtype="4" fill="hold" nodeType="clickEffect">
+                                  <p:stCondLst>
+                                    <p:cond delay="0"/>
+                                  </p:stCondLst>
+                                  <p:childTnLst>
+                                    <p:set>
+                                      <p:cBhvr>
+                                        <p:cTn id="12" dur="1" fill="hold">
+                                          <p:stCondLst>
+                                            <p:cond delay="0"/>
+                                          </p:stCondLst>
+                                        </p:cTn>
+                                        <p:tgtEl>
+                                          <p:spTgt spid="16"/>
+                                        </p:tgtEl>
+                                        <p:attrNameLst>
+                                          <p:attrName>style.visibility</p:attrName>
+                                        </p:attrNameLst>
+                                      </p:cBhvr>
+                                      <p:to>
+                                        <p:strVal val="visible"/>
+                                      </p:to>
+                                    </p:set>
+                                    <p:anim calcmode="lin" valueType="num">
+                                      <p:cBhvr additive="base">
+                                        <p:cTn id="13" dur="500" fill="hold"/>
+                                        <p:tgtEl>
+                                          <p:spTgt spid="16"/>
+                                        </p:tgtEl>
+                                        <p:attrNameLst>
+                                          <p:attrName>ppt_x</p:attrName>
+                                        </p:attrNameLst>
+                                      </p:cBhvr>
+                                      <p:tavLst>
+                                        <p:tav tm="0">
+                                          <p:val>
+                                            <p:strVal val="#ppt_x"/>
+                                          </p:val>
+                                        </p:tav>
+                                        <p:tav tm="100000">
+                                          <p:val>
+                                            <p:strVal val="#ppt_x"/>
+                                          </p:val>
+                                        </p:tav>
+                                      </p:tavLst>
+                                    </p:anim>
+                                    <p:anim calcmode="lin" valueType="num">
+                                      <p:cBhvr additive="base">
+                                        <p:cTn id="14" dur="500" fill="hold"/>
+                                        <p:tgtEl>
+                                          <p:spTgt spid="16"/>
+                                        </p:tgtEl>
+                                        <p:attrNameLst>
+                                          <p:attrName>ppt_y</p:attrName>
+                                        </p:attrNameLst>
+                                      </p:cBhvr>
+                                      <p:tavLst>
+                                        <p:tav tm="0">
+                                          <p:val>
+                                            <p:strVal val="1+#ppt_h/2"/>
+                                          </p:val>
+                                        </p:tav>
+                                        <p:tav tm="100000">
+                                          <p:val>
+                                            <p:strVal val="#ppt_y"/>
+                                          </p:val>
+                                        </p:tav>
+                                      </p:tavLst>
+                                    </p:anim>
+                                  </p:childTnLst>
+                                </p:cTn>
+                              </p:par>
+                            </p:childTnLst>
+                          </p:cTn>
+                        </p:par>
+                      </p:childTnLst>
+                    </p:cTn>
+                  </p:par>
+                </p:childTnLst>
+              </p:cTn>
+              <p:prevCondLst>
+                <p:cond evt="onPrev" delay="0">
+                  <p:tgtEl>
+                    <p:sldTgt/>
+                  </p:tgtEl>
+                </p:cond>
+              </p:prevCondLst>
+              <p:nextCondLst>
+                <p:cond evt="onNext" delay="0">
+                  <p:tgtEl>
+                    <p:sldTgt/>
+                  </p:tgtEl>
+                </p:cond>
+              </p:nextCondLst>
+            </p:seq>
+          </p:childTnLst>
+        </p:cTn>
+      </p:par>
+    </p:tnLst>
+  </p:timing>
 </p:sld>
 </file>
 

--- a/documentation/loan_defaults_presentation.pptx
+++ b/documentation/loan_defaults_presentation.pptx
@@ -2138,8 +2138,13 @@
           <a:p>
             <a:r>
               <a:rPr lang="en-US" dirty="0"/>
-              <a:t># shows that other category is a mixture of repaying debts, credit cards, repairs, building credit, for family members /friends</a:t>
-            </a:r>
+              <a:t># shows that other category is a mixture of repaying debts, credit cards, repairs, building credit, for family members /friends/ holidays – same as </a:t>
+            </a:r>
+            <a:r>
+              <a:rPr lang="en-US"/>
+              <a:t>major purchase</a:t>
+            </a:r>
+            <a:endParaRPr lang="en-US" dirty="0"/>
           </a:p>
         </p:txBody>
       </p:sp>

--- a/documentation/loan_defaults_presentation.pptx
+++ b/documentation/loan_defaults_presentation.pptx
@@ -521,7 +521,7 @@
           <a:p>
             <a:r>
               <a:rPr lang="en-US" dirty="0"/>
-              <a:t>From this you can begin to identify business question from and for all you data spuds out there you may even be able to imagine what the analysis process  may even look like.</a:t>
+              <a:t>My project is about loan defaults, specifically looking who is likely to default, why they are likely and where they are from </a:t>
             </a:r>
           </a:p>
         </p:txBody>
@@ -543,7 +543,7 @@
           <a:p>
             <a:fld id="{360BD77D-F896-FD47-98B6-59426B3702AE}" type="slidenum">
               <a:rPr lang="en-US" smtClean="0"/>
-              <a:t>2</a:t>
+              <a:t>1</a:t>
             </a:fld>
             <a:endParaRPr lang="en-US"/>
           </a:p>
@@ -552,7 +552,7 @@
     </p:spTree>
     <p:extLst>
       <p:ext uri="{BB962C8B-B14F-4D97-AF65-F5344CB8AC3E}">
-        <p14:creationId xmlns:p14="http://schemas.microsoft.com/office/powerpoint/2010/main" val="2111502877"/>
+        <p14:creationId xmlns:p14="http://schemas.microsoft.com/office/powerpoint/2010/main" val="2588346375"/>
       </p:ext>
     </p:extLst>
   </p:cSld>
@@ -606,10 +606,7 @@
           <a:bodyPr/>
           <a:lstStyle/>
           <a:p>
-            <a:r>
-              <a:rPr lang="en-US" dirty="0"/>
-              <a:t>From this you can begin to identify business question from and for all you data spuds out there you may even be able to imagine what the analysis process  may even look like.</a:t>
-            </a:r>
+            <a:endParaRPr lang="en-US" dirty="0"/>
           </a:p>
         </p:txBody>
       </p:sp>
@@ -630,7 +627,7 @@
           <a:p>
             <a:fld id="{360BD77D-F896-FD47-98B6-59426B3702AE}" type="slidenum">
               <a:rPr lang="en-US" smtClean="0"/>
-              <a:t>11</a:t>
+              <a:t>10</a:t>
             </a:fld>
             <a:endParaRPr lang="en-US"/>
           </a:p>
@@ -639,7 +636,7 @@
     </p:spTree>
     <p:extLst>
       <p:ext uri="{BB962C8B-B14F-4D97-AF65-F5344CB8AC3E}">
-        <p14:creationId xmlns:p14="http://schemas.microsoft.com/office/powerpoint/2010/main" val="542172580"/>
+        <p14:creationId xmlns:p14="http://schemas.microsoft.com/office/powerpoint/2010/main" val="1432630917"/>
       </p:ext>
     </p:extLst>
   </p:cSld>
@@ -717,7 +714,7 @@
           <a:p>
             <a:fld id="{360BD77D-F896-FD47-98B6-59426B3702AE}" type="slidenum">
               <a:rPr lang="en-US" smtClean="0"/>
-              <a:t>12</a:t>
+              <a:t>11</a:t>
             </a:fld>
             <a:endParaRPr lang="en-US"/>
           </a:p>
@@ -726,7 +723,7 @@
     </p:spTree>
     <p:extLst>
       <p:ext uri="{BB962C8B-B14F-4D97-AF65-F5344CB8AC3E}">
-        <p14:creationId xmlns:p14="http://schemas.microsoft.com/office/powerpoint/2010/main" val="2624142554"/>
+        <p14:creationId xmlns:p14="http://schemas.microsoft.com/office/powerpoint/2010/main" val="542172580"/>
       </p:ext>
     </p:extLst>
   </p:cSld>
@@ -804,7 +801,7 @@
           <a:p>
             <a:fld id="{360BD77D-F896-FD47-98B6-59426B3702AE}" type="slidenum">
               <a:rPr lang="en-US" smtClean="0"/>
-              <a:t>13</a:t>
+              <a:t>12</a:t>
             </a:fld>
             <a:endParaRPr lang="en-US"/>
           </a:p>
@@ -813,7 +810,7 @@
     </p:spTree>
     <p:extLst>
       <p:ext uri="{BB962C8B-B14F-4D97-AF65-F5344CB8AC3E}">
-        <p14:creationId xmlns:p14="http://schemas.microsoft.com/office/powerpoint/2010/main" val="3683921468"/>
+        <p14:creationId xmlns:p14="http://schemas.microsoft.com/office/powerpoint/2010/main" val="2624142554"/>
       </p:ext>
     </p:extLst>
   </p:cSld>
@@ -891,7 +888,7 @@
           <a:p>
             <a:fld id="{360BD77D-F896-FD47-98B6-59426B3702AE}" type="slidenum">
               <a:rPr lang="en-US" smtClean="0"/>
-              <a:t>14</a:t>
+              <a:t>13</a:t>
             </a:fld>
             <a:endParaRPr lang="en-US"/>
           </a:p>
@@ -900,7 +897,7 @@
     </p:spTree>
     <p:extLst>
       <p:ext uri="{BB962C8B-B14F-4D97-AF65-F5344CB8AC3E}">
-        <p14:creationId xmlns:p14="http://schemas.microsoft.com/office/powerpoint/2010/main" val="3441639350"/>
+        <p14:creationId xmlns:p14="http://schemas.microsoft.com/office/powerpoint/2010/main" val="3683921468"/>
       </p:ext>
     </p:extLst>
   </p:cSld>
@@ -954,6 +951,90 @@
           <a:bodyPr/>
           <a:lstStyle/>
           <a:p>
+            <a:endParaRPr lang="en-US" dirty="0"/>
+          </a:p>
+        </p:txBody>
+      </p:sp>
+      <p:sp>
+        <p:nvSpPr>
+          <p:cNvPr id="4" name="Slide Number Placeholder 3"/>
+          <p:cNvSpPr>
+            <a:spLocks noGrp="1"/>
+          </p:cNvSpPr>
+          <p:nvPr>
+            <p:ph type="sldNum" sz="quarter" idx="5"/>
+          </p:nvPr>
+        </p:nvSpPr>
+        <p:spPr/>
+        <p:txBody>
+          <a:bodyPr/>
+          <a:lstStyle/>
+          <a:p>
+            <a:fld id="{360BD77D-F896-FD47-98B6-59426B3702AE}" type="slidenum">
+              <a:rPr lang="en-US" smtClean="0"/>
+              <a:t>14</a:t>
+            </a:fld>
+            <a:endParaRPr lang="en-US"/>
+          </a:p>
+        </p:txBody>
+      </p:sp>
+    </p:spTree>
+    <p:extLst>
+      <p:ext uri="{BB962C8B-B14F-4D97-AF65-F5344CB8AC3E}">
+        <p14:creationId xmlns:p14="http://schemas.microsoft.com/office/powerpoint/2010/main" val="3441639350"/>
+      </p:ext>
+    </p:extLst>
+  </p:cSld>
+  <p:clrMapOvr>
+    <a:masterClrMapping/>
+  </p:clrMapOvr>
+</p:notes>
+</file>
+
+<file path=ppt/notesSlides/notesSlide15.xml><?xml version="1.0" encoding="utf-8"?>
+<p:notes xmlns:a="http://schemas.openxmlformats.org/drawingml/2006/main" xmlns:r="http://schemas.openxmlformats.org/officeDocument/2006/relationships" xmlns:p="http://schemas.openxmlformats.org/presentationml/2006/main">
+  <p:cSld>
+    <p:spTree>
+      <p:nvGrpSpPr>
+        <p:cNvPr id="1" name=""/>
+        <p:cNvGrpSpPr/>
+        <p:nvPr/>
+      </p:nvGrpSpPr>
+      <p:grpSpPr>
+        <a:xfrm>
+          <a:off x="0" y="0"/>
+          <a:ext cx="0" cy="0"/>
+          <a:chOff x="0" y="0"/>
+          <a:chExt cx="0" cy="0"/>
+        </a:xfrm>
+      </p:grpSpPr>
+      <p:sp>
+        <p:nvSpPr>
+          <p:cNvPr id="2" name="Slide Image Placeholder 1"/>
+          <p:cNvSpPr>
+            <a:spLocks noGrp="1" noRot="1" noChangeAspect="1"/>
+          </p:cNvSpPr>
+          <p:nvPr>
+            <p:ph type="sldImg"/>
+          </p:nvPr>
+        </p:nvSpPr>
+        <p:spPr/>
+      </p:sp>
+      <p:sp>
+        <p:nvSpPr>
+          <p:cNvPr id="3" name="Notes Placeholder 2"/>
+          <p:cNvSpPr>
+            <a:spLocks noGrp="1"/>
+          </p:cNvSpPr>
+          <p:nvPr>
+            <p:ph type="body" idx="1"/>
+          </p:nvPr>
+        </p:nvSpPr>
+        <p:spPr/>
+        <p:txBody>
+          <a:bodyPr/>
+          <a:lstStyle/>
+          <a:p>
             <a:r>
               <a:rPr lang="en-US" dirty="0"/>
               <a:t>From this you can begin to identify business question from and for all you data spuds out there you may even be able to imagine what the analysis process  may even look like.</a:t>
@@ -997,7 +1078,7 @@
 </p:notes>
 </file>
 
-<file path=ppt/notesSlides/notesSlide15.xml><?xml version="1.0" encoding="utf-8"?>
+<file path=ppt/notesSlides/notesSlide16.xml><?xml version="1.0" encoding="utf-8"?>
 <p:notes xmlns:a="http://schemas.openxmlformats.org/drawingml/2006/main" xmlns:r="http://schemas.openxmlformats.org/officeDocument/2006/relationships" xmlns:p="http://schemas.openxmlformats.org/presentationml/2006/main">
   <p:cSld>
     <p:spTree>
@@ -1127,33 +1208,16 @@
           <a:p>
             <a:r>
               <a:rPr lang="en-US" dirty="0"/>
-              <a:t>Scheduled for 10 mins + time for questions</a:t>
+              <a:t>I want to identify WHO is likely and WHO they should lend to in the future - lose the words</a:t>
             </a:r>
           </a:p>
           <a:p>
             <a:endParaRPr lang="en-US" dirty="0"/>
           </a:p>
           <a:p>
-            <a:endParaRPr lang="en-US" dirty="0"/>
-          </a:p>
-          <a:p>
-            <a:endParaRPr lang="en-US" dirty="0"/>
-          </a:p>
-          <a:p>
-            <a:endParaRPr lang="en-US" dirty="0"/>
-          </a:p>
-          <a:p>
             <a:r>
               <a:rPr lang="en-US" dirty="0"/>
-              <a:t>During rehearsals at this point in the </a:t>
-            </a:r>
-            <a:r>
-              <a:rPr lang="en-US" dirty="0" err="1"/>
-              <a:t>pres</a:t>
-            </a:r>
-            <a:r>
-              <a:rPr lang="en-US" dirty="0"/>
-              <a:t>,  my gf mistakenly thought my presentation was about loans with Greggs the baker ... who knows you might even get a cinnamon bun with your loan</a:t>
+              <a:t>From this you can begin to identify business question from and for all you data spuds out there you may even be able to imagine what the analysis process  may even look like.</a:t>
             </a:r>
           </a:p>
         </p:txBody>
@@ -1175,7 +1239,7 @@
           <a:p>
             <a:fld id="{360BD77D-F896-FD47-98B6-59426B3702AE}" type="slidenum">
               <a:rPr lang="en-US" smtClean="0"/>
-              <a:t>3</a:t>
+              <a:t>2</a:t>
             </a:fld>
             <a:endParaRPr lang="en-US"/>
           </a:p>
@@ -1184,7 +1248,7 @@
     </p:spTree>
     <p:extLst>
       <p:ext uri="{BB962C8B-B14F-4D97-AF65-F5344CB8AC3E}">
-        <p14:creationId xmlns:p14="http://schemas.microsoft.com/office/powerpoint/2010/main" val="4177672846"/>
+        <p14:creationId xmlns:p14="http://schemas.microsoft.com/office/powerpoint/2010/main" val="2111502877"/>
       </p:ext>
     </p:extLst>
   </p:cSld>
@@ -1239,122 +1303,35 @@
           <a:lstStyle/>
           <a:p>
             <a:r>
-              <a:rPr lang="en-GB" dirty="0"/>
-              <a:t>LC homepage....</a:t>
-            </a:r>
-          </a:p>
-          <a:p>
-            <a:r>
-              <a:rPr lang="en-GB" dirty="0"/>
-              <a:t>Founded - 2006</a:t>
-            </a:r>
-          </a:p>
-          <a:p>
-            <a:pPr marL="0" marR="0" lvl="0" indent="0" algn="l" defTabSz="914400" rtl="0" eaLnBrk="1" fontAlgn="auto" latinLnBrk="0" hangingPunct="1">
-              <a:lnSpc>
-                <a:spcPct val="100000"/>
-              </a:lnSpc>
-              <a:spcBef>
-                <a:spcPts val="0"/>
-              </a:spcBef>
-              <a:spcAft>
-                <a:spcPts val="0"/>
-              </a:spcAft>
-              <a:buClrTx/>
-              <a:buSzTx/>
-              <a:buFontTx/>
-              <a:buNone/>
-              <a:tabLst/>
-              <a:defRPr/>
-            </a:pPr>
-            <a:r>
-              <a:rPr lang="en-GB" dirty="0"/>
-              <a:t>Employees - 1,837 (2017)</a:t>
-            </a:r>
-          </a:p>
-          <a:p>
-            <a:r>
-              <a:rPr lang="en-GB" dirty="0" err="1"/>
-              <a:t>LendingClub</a:t>
-            </a:r>
-            <a:r>
-              <a:rPr lang="en-GB" dirty="0"/>
-              <a:t> is a peer-to-peer lending company headquartered in San Francisco, California. It was the first peer-to-peer lender to register its offerings as securities with the Securities and Exchange Commission, and to offer loan trading on a secondary market. </a:t>
-            </a:r>
-          </a:p>
-          <a:p>
-            <a:endParaRPr lang="en-GB" dirty="0"/>
-          </a:p>
-          <a:p>
-            <a:r>
-              <a:rPr lang="en-GB" dirty="0"/>
-              <a:t>SO?? THE pathfinder into a new style of loaning system.</a:t>
-            </a:r>
-          </a:p>
-          <a:p>
-            <a:endParaRPr lang="en-GB" dirty="0"/>
-          </a:p>
-          <a:p>
-            <a:r>
-              <a:rPr lang="en-GB" dirty="0"/>
-              <a:t>- Very popular as proclaimed on their website</a:t>
-            </a:r>
-          </a:p>
-          <a:p>
-            <a:r>
-              <a:rPr lang="en-GB" dirty="0"/>
-              <a:t>- Has even won some awards</a:t>
-            </a:r>
-          </a:p>
-          <a:p>
-            <a:r>
-              <a:rPr lang="en-GB" dirty="0"/>
-              <a:t>-  and even at 15 hours ago cowboys1 from </a:t>
-            </a:r>
-            <a:r>
-              <a:rPr lang="en-GB" dirty="0" err="1"/>
-              <a:t>cali</a:t>
-            </a:r>
-            <a:r>
-              <a:rPr lang="en-GB" dirty="0"/>
-              <a:t>    has recently enjoyed his loan</a:t>
-            </a:r>
-          </a:p>
-          <a:p>
-            <a:endParaRPr lang="en-GB" dirty="0"/>
-          </a:p>
-          <a:p>
-            <a:r>
-              <a:rPr lang="en-GB" dirty="0"/>
-              <a:t>WORKFLOW - </a:t>
-            </a:r>
-          </a:p>
-          <a:p>
-            <a:endParaRPr lang="en-GB" dirty="0"/>
-          </a:p>
-          <a:p>
-            <a:r>
-              <a:rPr lang="en-GB" dirty="0"/>
-              <a:t>As you can see, peer to peer .. customers apply to LC, LC receives the money from investors, the particulars of the loan go to the issuing bank for approval all while being regulated by the state and federal authorities.</a:t>
-            </a:r>
-          </a:p>
-          <a:p>
-            <a:endParaRPr lang="en-GB" dirty="0"/>
-          </a:p>
-          <a:p>
-            <a:r>
-              <a:rPr lang="en-GB" dirty="0"/>
-              <a:t>SO?? LC are facilitators (middle men), </a:t>
-            </a:r>
-          </a:p>
-          <a:p>
-            <a:endParaRPr lang="en-GB" dirty="0"/>
-          </a:p>
-          <a:p>
-            <a:endParaRPr lang="en-GB" dirty="0"/>
-          </a:p>
-          <a:p>
-            <a:endParaRPr lang="en-GB" dirty="0"/>
+              <a:rPr lang="en-US" dirty="0"/>
+              <a:t>Scheduled for 10 mins + time for questions</a:t>
+            </a:r>
+          </a:p>
+          <a:p>
+            <a:endParaRPr lang="en-US" dirty="0"/>
+          </a:p>
+          <a:p>
+            <a:endParaRPr lang="en-US" dirty="0"/>
+          </a:p>
+          <a:p>
+            <a:endParaRPr lang="en-US" dirty="0"/>
+          </a:p>
+          <a:p>
+            <a:endParaRPr lang="en-US" dirty="0"/>
+          </a:p>
+          <a:p>
+            <a:r>
+              <a:rPr lang="en-US" dirty="0"/>
+              <a:t>During rehearsals at this point in the </a:t>
+            </a:r>
+            <a:r>
+              <a:rPr lang="en-US" dirty="0" err="1"/>
+              <a:t>pres</a:t>
+            </a:r>
+            <a:r>
+              <a:rPr lang="en-US" dirty="0"/>
+              <a:t>,  my gf mistakenly thought my presentation was about loans with Greggs the baker ... who knows you might even get a cinnamon bun with your loan</a:t>
+            </a:r>
           </a:p>
         </p:txBody>
       </p:sp>
@@ -1375,7 +1352,7 @@
           <a:p>
             <a:fld id="{360BD77D-F896-FD47-98B6-59426B3702AE}" type="slidenum">
               <a:rPr lang="en-US" smtClean="0"/>
-              <a:t>4</a:t>
+              <a:t>3</a:t>
             </a:fld>
             <a:endParaRPr lang="en-US"/>
           </a:p>
@@ -1384,7 +1361,7 @@
     </p:spTree>
     <p:extLst>
       <p:ext uri="{BB962C8B-B14F-4D97-AF65-F5344CB8AC3E}">
-        <p14:creationId xmlns:p14="http://schemas.microsoft.com/office/powerpoint/2010/main" val="1837223661"/>
+        <p14:creationId xmlns:p14="http://schemas.microsoft.com/office/powerpoint/2010/main" val="4177672846"/>
       </p:ext>
     </p:extLst>
   </p:cSld>
@@ -1439,95 +1416,72 @@
           <a:lstStyle/>
           <a:p>
             <a:r>
-              <a:rPr lang="en-GB" b="1" dirty="0"/>
-              <a:t>As the great Prussian Field Marshal Helmuth von Moltke the Elder </a:t>
-            </a:r>
-          </a:p>
-          <a:p>
-            <a:endParaRPr lang="en-US" dirty="0"/>
-          </a:p>
-          <a:p>
-            <a:r>
-              <a:rPr lang="en-US" dirty="0"/>
-              <a:t>”No Plan Survives Contact with the enemy” or words to that effect..... It certainly was true in my case, as you will find out</a:t>
-            </a:r>
-          </a:p>
-          <a:p>
-            <a:endParaRPr lang="en-US" dirty="0"/>
-          </a:p>
-          <a:p>
-            <a:endParaRPr lang="en-US" dirty="0"/>
-          </a:p>
-          <a:p>
-            <a:r>
-              <a:rPr lang="en-US" dirty="0"/>
-              <a:t>- Chose this brief because </a:t>
-            </a:r>
-            <a:r>
-              <a:rPr lang="en-US" dirty="0" err="1"/>
-              <a:t>i</a:t>
-            </a:r>
-            <a:r>
-              <a:rPr lang="en-US" dirty="0"/>
-              <a:t> am really fascinated by models and the predictive power they have, I </a:t>
-            </a:r>
-            <a:r>
-              <a:rPr lang="en-US" dirty="0" err="1"/>
-              <a:t>wasnt</a:t>
-            </a:r>
-            <a:r>
-              <a:rPr lang="en-US" dirty="0"/>
-              <a:t> fully confident with them after the lectures so wanted to challenge myself.</a:t>
-            </a:r>
-          </a:p>
-          <a:p>
-            <a:endParaRPr lang="en-US" dirty="0"/>
-          </a:p>
-          <a:p>
-            <a:r>
-              <a:rPr lang="en-US" dirty="0"/>
-              <a:t>- Done on </a:t>
-            </a:r>
-            <a:r>
-              <a:rPr lang="en-US" dirty="0" err="1"/>
-              <a:t>excalidraw</a:t>
-            </a:r>
-            <a:r>
-              <a:rPr lang="en-US" dirty="0"/>
-              <a:t> : Broke the brief down into 2 q's......</a:t>
-            </a:r>
-          </a:p>
-          <a:p>
-            <a:endParaRPr lang="en-US" dirty="0"/>
-          </a:p>
-          <a:p>
-            <a:r>
-              <a:rPr lang="en-US" dirty="0"/>
-              <a:t>- Used a Basic analysis workflow for the approach</a:t>
-            </a:r>
-          </a:p>
-          <a:p>
-            <a:endParaRPr lang="en-US" dirty="0"/>
-          </a:p>
-          <a:p>
-            <a:r>
-              <a:rPr lang="en-US" dirty="0"/>
-              <a:t>- </a:t>
-            </a:r>
-            <a:r>
-              <a:rPr lang="en-US" dirty="0" err="1"/>
-              <a:t>Calender</a:t>
-            </a:r>
-            <a:r>
-              <a:rPr lang="en-US" dirty="0"/>
-              <a:t>  for the week - 4 phases.... </a:t>
-            </a:r>
-          </a:p>
-          <a:p>
-            <a:r>
-              <a:rPr lang="en-US" dirty="0"/>
-              <a:t> </a:t>
-            </a:r>
+              <a:rPr lang="en-GB" dirty="0"/>
+              <a:t>LC homepage....</a:t>
+            </a:r>
+          </a:p>
+          <a:p>
+            <a:r>
+              <a:rPr lang="en-GB" dirty="0"/>
+              <a:t>Founded - 2006</a:t>
+            </a:r>
+          </a:p>
+          <a:p>
+            <a:r>
+              <a:rPr lang="en-GB" dirty="0" err="1"/>
+              <a:t>LendingClub</a:t>
+            </a:r>
+            <a:r>
+              <a:rPr lang="en-GB" dirty="0"/>
+              <a:t> is a peer-to-peer lending company headquartered in San Francisco, California. </a:t>
+            </a:r>
+          </a:p>
+          <a:p>
+            <a:endParaRPr lang="en-GB" dirty="0"/>
+          </a:p>
+          <a:p>
+            <a:r>
+              <a:rPr lang="en-GB" dirty="0"/>
+              <a:t>SO?? THE pathfinder into a new style of loaning system.  Sitting between banks and consumers, essentially  facilitators (middle men), </a:t>
+            </a:r>
+          </a:p>
+          <a:p>
+            <a:endParaRPr lang="en-GB" dirty="0"/>
+          </a:p>
+          <a:p>
+            <a:r>
+              <a:rPr lang="en-GB" dirty="0"/>
+              <a:t>- Very popular as proclaimed on their website</a:t>
+            </a:r>
+          </a:p>
+          <a:p>
+            <a:r>
+              <a:rPr lang="en-GB" dirty="0"/>
+              <a:t>- Has even won some awards</a:t>
+            </a:r>
+          </a:p>
+          <a:p>
+            <a:r>
+              <a:rPr lang="en-GB" dirty="0"/>
+              <a:t>-  and even at 15 hours ago cowboys1 from </a:t>
+            </a:r>
+            <a:r>
+              <a:rPr lang="en-GB" dirty="0" err="1"/>
+              <a:t>cali</a:t>
+            </a:r>
+            <a:r>
+              <a:rPr lang="en-GB" dirty="0"/>
+              <a:t> has recently enjoyed his loan</a:t>
+            </a:r>
+          </a:p>
+          <a:p>
+            <a:endParaRPr lang="en-GB" dirty="0"/>
+          </a:p>
+          <a:p>
+            <a:endParaRPr lang="en-GB" dirty="0"/>
+          </a:p>
+          <a:p>
+            <a:endParaRPr lang="en-GB" dirty="0"/>
           </a:p>
         </p:txBody>
       </p:sp>
@@ -1548,7 +1502,7 @@
           <a:p>
             <a:fld id="{360BD77D-F896-FD47-98B6-59426B3702AE}" type="slidenum">
               <a:rPr lang="en-US" smtClean="0"/>
-              <a:t>5</a:t>
+              <a:t>4</a:t>
             </a:fld>
             <a:endParaRPr lang="en-US"/>
           </a:p>
@@ -1557,7 +1511,7 @@
     </p:spTree>
     <p:extLst>
       <p:ext uri="{BB962C8B-B14F-4D97-AF65-F5344CB8AC3E}">
-        <p14:creationId xmlns:p14="http://schemas.microsoft.com/office/powerpoint/2010/main" val="1493115210"/>
+        <p14:creationId xmlns:p14="http://schemas.microsoft.com/office/powerpoint/2010/main" val="1837223661"/>
       </p:ext>
     </p:extLst>
   </p:cSld>
@@ -1612,116 +1566,94 @@
           <a:lstStyle/>
           <a:p>
             <a:r>
+              <a:rPr lang="en-GB" b="1" dirty="0"/>
+              <a:t>As the great Prussian Field Marshal Helmuth von Moltke the Elder </a:t>
+            </a:r>
+          </a:p>
+          <a:p>
+            <a:endParaRPr lang="en-US" dirty="0"/>
+          </a:p>
+          <a:p>
+            <a:r>
               <a:rPr lang="en-US" dirty="0"/>
-              <a:t>Formats –</a:t>
-            </a:r>
-          </a:p>
-          <a:p>
+              <a:t>”No Plan Survives Contact with the enemy” or words to that effect..... It certainly was true in my case, as you will find out</a:t>
+            </a:r>
+          </a:p>
+          <a:p>
+            <a:endParaRPr lang="en-US" dirty="0"/>
+          </a:p>
+          <a:p>
+            <a:endParaRPr lang="en-US" dirty="0"/>
+          </a:p>
+          <a:p>
+            <a:pPr marL="171450" indent="-171450">
+              <a:buFontTx/>
+              <a:buChar char="-"/>
+            </a:pPr>
             <a:r>
               <a:rPr lang="en-US" dirty="0"/>
-              <a:t> 3 x csv files in order of largest to smallest depicting if they are from the company or externally provided - </a:t>
+              <a:t>Chose this brief because </a:t>
             </a:r>
             <a:r>
               <a:rPr lang="en-US" dirty="0" err="1"/>
-              <a:t>supplimentary</a:t>
+              <a:t>i</a:t>
             </a:r>
             <a:r>
               <a:rPr lang="en-US" dirty="0"/>
-              <a:t> as states were abbreviated in dataset</a:t>
-            </a:r>
-          </a:p>
-          <a:p>
+              <a:t> am really fascinated by models and the predictive power they have, I </a:t>
+            </a:r>
+            <a:r>
+              <a:rPr lang="en-US" dirty="0" err="1"/>
+              <a:t>wasnt</a:t>
+            </a:r>
+            <a:r>
+              <a:rPr lang="en-US" dirty="0"/>
+              <a:t> fully confident with them after the lectures so wanted to challenge myself.</a:t>
+            </a:r>
+          </a:p>
+          <a:p>
+            <a:pPr marL="171450" indent="-171450">
+              <a:buFontTx/>
+              <a:buChar char="-"/>
+            </a:pPr>
             <a:endParaRPr lang="en-US" dirty="0"/>
           </a:p>
           <a:p>
+            <a:pPr marL="171450" indent="-171450">
+              <a:buFontTx/>
+              <a:buChar char="-"/>
+            </a:pPr>
             <a:r>
               <a:rPr lang="en-US" dirty="0"/>
-              <a:t>Table - </a:t>
-            </a:r>
+              <a:t>Question - broke it down... 3 parts... </a:t>
+            </a:r>
+          </a:p>
+          <a:p>
+            <a:pPr marL="171450" indent="-171450">
+              <a:buFontTx/>
+              <a:buChar char="-"/>
+            </a:pPr>
+            <a:endParaRPr lang="en-US" dirty="0"/>
           </a:p>
           <a:p>
             <a:r>
               <a:rPr lang="en-US" dirty="0"/>
-              <a:t>Variable examples listing multiple data types – I had to remove a large number of Boolean as they were mainly populated with NA/s – considerations were made to customers possibly never experiencing the variable description, however as all NA/s decided to remove</a:t>
-            </a:r>
-          </a:p>
-          <a:p>
-            <a:endParaRPr lang="en-US" dirty="0"/>
-          </a:p>
-          <a:p>
+              <a:t>- </a:t>
+            </a:r>
+            <a:r>
+              <a:rPr lang="en-US" dirty="0" err="1"/>
+              <a:t>Calender</a:t>
+            </a:r>
             <a:r>
               <a:rPr lang="en-US" dirty="0"/>
-              <a:t>Quality – </a:t>
+              <a:t>  for the week - 4 phases.... </a:t>
             </a:r>
           </a:p>
           <a:p>
             <a:r>
               <a:rPr lang="en-US" dirty="0"/>
-              <a:t>As seen almost half variables were removed, however still large amounts for model building – I then broke this down further into an “onramp data set” (19) and a ”background check data set”(17),</a:t>
-            </a:r>
-          </a:p>
-          <a:p>
-            <a:endParaRPr lang="en-US" dirty="0"/>
-          </a:p>
-          <a:p>
-            <a:r>
-              <a:rPr lang="en-US" dirty="0"/>
-              <a:t>Bias - </a:t>
-            </a:r>
-          </a:p>
-          <a:p>
-            <a:r>
-              <a:rPr lang="en-US" dirty="0"/>
-              <a:t>No immediate bias, had customer profiles representing all </a:t>
-            </a:r>
-            <a:r>
-              <a:rPr lang="en-US" dirty="0" err="1"/>
-              <a:t>american</a:t>
-            </a:r>
-            <a:r>
-              <a:rPr lang="en-US" dirty="0"/>
-              <a:t> states from varying incomes, home ownership and employments.</a:t>
-            </a:r>
-          </a:p>
-          <a:p>
-            <a:endParaRPr lang="en-US" dirty="0"/>
-          </a:p>
-          <a:p>
-            <a:r>
-              <a:rPr lang="en-US" dirty="0"/>
-              <a:t>Ethical Implications –</a:t>
-            </a:r>
-          </a:p>
-          <a:p>
-            <a:endParaRPr lang="en-US" dirty="0"/>
-          </a:p>
-          <a:p>
-            <a:r>
-              <a:rPr lang="en-US" dirty="0"/>
-              <a:t>Data is made up of mainly these purposes….</a:t>
-            </a:r>
-          </a:p>
-          <a:p>
-            <a:endParaRPr lang="en-US" dirty="0"/>
-          </a:p>
-          <a:p>
-            <a:r>
-              <a:rPr lang="en-US" dirty="0"/>
-              <a:t>Credit card and debt consolidation are the only 2 categories to increase in loan volume from the late 2012… potential explanation is due to the financial crisis with USA experienced with </a:t>
-            </a:r>
-            <a:r>
-              <a:rPr lang="en-GB" dirty="0"/>
-              <a:t>the debt-to-GDP ratio 100%, higher than at any time since World War II. Plus according to the </a:t>
-            </a:r>
-            <a:r>
-              <a:rPr lang="en-GB" dirty="0" err="1"/>
-              <a:t>myan</a:t>
-            </a:r>
-            <a:r>
-              <a:rPr lang="en-GB" dirty="0"/>
-              <a:t> calendar it was the end of the world so who knows…</a:t>
-            </a:r>
-            <a:endParaRPr lang="en-US" dirty="0"/>
+              <a:t> </a:t>
+            </a:r>
           </a:p>
         </p:txBody>
       </p:sp>
@@ -1742,7 +1674,7 @@
           <a:p>
             <a:fld id="{360BD77D-F896-FD47-98B6-59426B3702AE}" type="slidenum">
               <a:rPr lang="en-US" smtClean="0"/>
-              <a:t>6</a:t>
+              <a:t>5</a:t>
             </a:fld>
             <a:endParaRPr lang="en-US"/>
           </a:p>
@@ -1751,7 +1683,7 @@
     </p:spTree>
     <p:extLst>
       <p:ext uri="{BB962C8B-B14F-4D97-AF65-F5344CB8AC3E}">
-        <p14:creationId xmlns:p14="http://schemas.microsoft.com/office/powerpoint/2010/main" val="4220704941"/>
+        <p14:creationId xmlns:p14="http://schemas.microsoft.com/office/powerpoint/2010/main" val="1493115210"/>
       </p:ext>
     </p:extLst>
   </p:cSld>
@@ -1807,57 +1739,115 @@
           <a:p>
             <a:r>
               <a:rPr lang="en-US" dirty="0"/>
-              <a:t>Defining </a:t>
+              <a:t>Formats –</a:t>
+            </a:r>
+          </a:p>
+          <a:p>
+            <a:r>
+              <a:rPr lang="en-US" dirty="0"/>
+              <a:t> 3 x csv files in order of largest to smallest depicting if they are from the company or externally provided - </a:t>
             </a:r>
             <a:r>
               <a:rPr lang="en-US" dirty="0" err="1"/>
-              <a:t>Defualted</a:t>
+              <a:t>supplimentary</a:t>
             </a:r>
             <a:r>
               <a:rPr lang="en-US" dirty="0"/>
-              <a:t> - </a:t>
+              <a:t> as states were abbreviated in dataset</a:t>
+            </a:r>
+          </a:p>
+          <a:p>
+            <a:endParaRPr lang="en-US" dirty="0"/>
+          </a:p>
+          <a:p>
+            <a:r>
+              <a:rPr lang="en-US" dirty="0"/>
+              <a:t>Table - </a:t>
+            </a:r>
+          </a:p>
+          <a:p>
+            <a:r>
+              <a:rPr lang="en-US" dirty="0"/>
+              <a:t>Variable examples listing multiple data types – I had to remove a large number of Boolean as they were mainly populated with NA/s – considerations were made to customers possibly never experiencing the variable description, however as all NA/s decided to remove</a:t>
+            </a:r>
+          </a:p>
+          <a:p>
+            <a:endParaRPr lang="en-US" dirty="0"/>
+          </a:p>
+          <a:p>
+            <a:r>
+              <a:rPr lang="en-US" dirty="0"/>
+              <a:t>Quality – </a:t>
+            </a:r>
+          </a:p>
+          <a:p>
+            <a:r>
+              <a:rPr lang="en-US" dirty="0"/>
+              <a:t>As seen almost half variables were removed, however still large amounts for model building – I then broke this down further into an “onramp data set” (19) and a ”background check data set”(17),</a:t>
+            </a:r>
+          </a:p>
+          <a:p>
+            <a:endParaRPr lang="en-US" dirty="0"/>
+          </a:p>
+          <a:p>
+            <a:r>
+              <a:rPr lang="en-US" dirty="0"/>
+              <a:t>Bias - </a:t>
+            </a:r>
+          </a:p>
+          <a:p>
+            <a:r>
+              <a:rPr lang="en-US" dirty="0"/>
+              <a:t>No immediate bias, had customer profiles representing all </a:t>
+            </a:r>
+            <a:r>
+              <a:rPr lang="en-US" dirty="0" err="1"/>
+              <a:t>american</a:t>
+            </a:r>
+            <a:r>
+              <a:rPr lang="en-US" dirty="0"/>
+              <a:t> states from varying incomes, home ownership and employments.</a:t>
+            </a:r>
+          </a:p>
+          <a:p>
+            <a:endParaRPr lang="en-US" dirty="0"/>
+          </a:p>
+          <a:p>
+            <a:r>
+              <a:rPr lang="en-US" dirty="0"/>
+              <a:t>Ethical Implications –</a:t>
+            </a:r>
+          </a:p>
+          <a:p>
+            <a:endParaRPr lang="en-US" dirty="0"/>
+          </a:p>
+          <a:p>
+            <a:r>
+              <a:rPr lang="en-US" dirty="0"/>
+              <a:t>Data is made up of mainly these purposes….</a:t>
+            </a:r>
+          </a:p>
+          <a:p>
+            <a:endParaRPr lang="en-US" dirty="0"/>
+          </a:p>
+          <a:p>
+            <a:r>
+              <a:rPr lang="en-US" dirty="0"/>
+              <a:t>Credit card and debt consolidation are the only 2 categories to increase in loan volume from the late 2012… potential explanation is due to the financial crisis with USA experienced with </a:t>
             </a:r>
             <a:r>
               <a:rPr lang="en-GB" dirty="0"/>
-              <a:t>When you borrow money from a lender, you make a promise to repay the loan. So </a:t>
-            </a:r>
-            <a:r>
-              <a:rPr lang="en-GB" b="1" dirty="0"/>
-              <a:t>if you fail to make on-time payments, your loan can go into default</a:t>
+              <a:t>the debt-to-GDP ratio 100%, higher than at any time since World War II. Plus according to the </a:t>
+            </a:r>
+            <a:r>
+              <a:rPr lang="en-GB" dirty="0" err="1"/>
+              <a:t>myan</a:t>
             </a:r>
             <a:r>
               <a:rPr lang="en-GB" dirty="0"/>
-              <a:t>. Default can occur immediately after a missed payment or months later, as the exact timeline will depend on your loan terms and applicable law - https://</a:t>
-            </a:r>
-            <a:r>
-              <a:rPr lang="en-GB" dirty="0" err="1"/>
-              <a:t>www</a:t>
-            </a:r>
-            <a:r>
-              <a:rPr lang="en-GB" b="1" dirty="0" err="1"/>
-              <a:t>.creditkarma.co.uk</a:t>
-            </a:r>
-            <a:r>
-              <a:rPr lang="en-GB" dirty="0"/>
-              <a:t>/insights/</a:t>
-            </a:r>
-            <a:r>
-              <a:rPr lang="en-GB" dirty="0" err="1"/>
-              <a:t>i</a:t>
-            </a:r>
-            <a:r>
-              <a:rPr lang="en-GB" dirty="0"/>
-              <a:t>/what-happens-if-you-default-on-a-loan/</a:t>
-            </a:r>
-          </a:p>
-          <a:p>
-            <a:endParaRPr lang="en-GB" dirty="0"/>
-          </a:p>
-          <a:p>
-            <a:r>
-              <a:rPr lang="en-US" dirty="0"/>
-              <a:t>about 15% of customers are either charged off, late &gt; 16days or have defaulted  </a:t>
-            </a:r>
+              <a:t> calendar it was the end of the world so who knows…</a:t>
+            </a:r>
+            <a:endParaRPr lang="en-US" dirty="0"/>
           </a:p>
         </p:txBody>
       </p:sp>
@@ -1878,7 +1868,7 @@
           <a:p>
             <a:fld id="{360BD77D-F896-FD47-98B6-59426B3702AE}" type="slidenum">
               <a:rPr lang="en-US" smtClean="0"/>
-              <a:t>7</a:t>
+              <a:t>6</a:t>
             </a:fld>
             <a:endParaRPr lang="en-US"/>
           </a:p>
@@ -1887,7 +1877,7 @@
     </p:spTree>
     <p:extLst>
       <p:ext uri="{BB962C8B-B14F-4D97-AF65-F5344CB8AC3E}">
-        <p14:creationId xmlns:p14="http://schemas.microsoft.com/office/powerpoint/2010/main" val="3699739865"/>
+        <p14:creationId xmlns:p14="http://schemas.microsoft.com/office/powerpoint/2010/main" val="4220704941"/>
       </p:ext>
     </p:extLst>
   </p:cSld>
@@ -1943,115 +1933,36 @@
           <a:p>
             <a:r>
               <a:rPr lang="en-US" dirty="0"/>
-              <a:t>- Highest amount of loans taken out come from Cal / NY / </a:t>
-            </a:r>
-            <a:r>
-              <a:rPr lang="en-US" dirty="0" err="1"/>
-              <a:t>Flor</a:t>
-            </a:r>
+              <a:t>Defining Defaulted - </a:t>
+            </a:r>
+            <a:r>
+              <a:rPr lang="en-GB" b="1" dirty="0"/>
+              <a:t>if you fail to make on-time payments, your loan can go into default</a:t>
+            </a:r>
+            <a:r>
+              <a:rPr lang="en-GB" dirty="0"/>
+              <a:t>.</a:t>
+            </a:r>
+          </a:p>
+          <a:p>
+            <a:endParaRPr lang="en-GB" dirty="0"/>
+          </a:p>
+          <a:p>
+            <a:endParaRPr lang="en-GB" dirty="0"/>
+          </a:p>
+          <a:p>
             <a:r>
               <a:rPr lang="en-US" dirty="0"/>
-              <a:t> / </a:t>
-            </a:r>
-            <a:r>
-              <a:rPr lang="en-US" dirty="0" err="1"/>
-              <a:t>Tex</a:t>
-            </a:r>
+              <a:t>about 15% of customers are either charged off, late &gt; 16days or have defaulted  </a:t>
+            </a:r>
+          </a:p>
+          <a:p>
+            <a:endParaRPr lang="en-US" dirty="0"/>
+          </a:p>
+          <a:p>
             <a:r>
               <a:rPr lang="en-US" dirty="0"/>
-              <a:t> / New </a:t>
-            </a:r>
-            <a:r>
-              <a:rPr lang="en-US" dirty="0" err="1"/>
-              <a:t>Jer</a:t>
-            </a:r>
-            <a:r>
-              <a:rPr lang="en-US" dirty="0"/>
-              <a:t> however this could be proportional to the population of those areas - </a:t>
-            </a:r>
-          </a:p>
-          <a:p>
-            <a:r>
-              <a:rPr lang="en-US" dirty="0"/>
-              <a:t># 1. California - 39,538,223</a:t>
-            </a:r>
-          </a:p>
-          <a:p>
-            <a:r>
-              <a:rPr lang="en-US" dirty="0"/>
-              <a:t># 2. Texas - 29,145,505</a:t>
-            </a:r>
-          </a:p>
-          <a:p>
-            <a:r>
-              <a:rPr lang="en-US" dirty="0"/>
-              <a:t># 3. Florida - 21,538,187</a:t>
-            </a:r>
-          </a:p>
-          <a:p>
-            <a:r>
-              <a:rPr lang="en-US" dirty="0"/>
-              <a:t># 4. New York - 20,201,249</a:t>
-            </a:r>
-          </a:p>
-          <a:p>
-            <a:endParaRPr lang="en-US" dirty="0"/>
-          </a:p>
-          <a:p>
-            <a:r>
-              <a:rPr lang="en-US" dirty="0"/>
-              <a:t>- No surprise with highest defaults - there is some change in order but negligible . To get a better representation at defaults, looked at the rate...</a:t>
-            </a:r>
-          </a:p>
-          <a:p>
-            <a:endParaRPr lang="en-US" dirty="0"/>
-          </a:p>
-          <a:p>
-            <a:r>
-              <a:rPr lang="en-US" dirty="0"/>
-              <a:t>-  Map - ratio of defaults per state ( darker the area the higher default ratio) - this is not truly accurate....</a:t>
-            </a:r>
-          </a:p>
-          <a:p>
-            <a:endParaRPr lang="en-US" dirty="0"/>
-          </a:p>
-          <a:p>
-            <a:r>
-              <a:rPr lang="en-US" dirty="0"/>
-              <a:t>- ... because as you can see the loan counts are not all proportionate to each other : Nebraska having 5/11 customers default could be giving an unfair representation of the state, so what I did was...</a:t>
-            </a:r>
-          </a:p>
-          <a:p>
-            <a:endParaRPr lang="en-US" dirty="0"/>
-          </a:p>
-          <a:p>
-            <a:r>
-              <a:rPr lang="en-US" dirty="0"/>
-              <a:t>-  highlight the top 5 states with highest default rate with a count of loans more than the average count of loans per state, 847. This was to give a fairer result. </a:t>
-            </a:r>
-          </a:p>
-          <a:p>
-            <a:endParaRPr lang="en-US" dirty="0"/>
-          </a:p>
-          <a:p>
-            <a:r>
-              <a:rPr lang="en-US" dirty="0"/>
-              <a:t>SO??</a:t>
-            </a:r>
-          </a:p>
-          <a:p>
-            <a:r>
-              <a:rPr lang="en-US" dirty="0"/>
-              <a:t>Customers who are from the top 5 states highlighted in red COULD be more liable to default on their loans from LC - </a:t>
-            </a:r>
-          </a:p>
-          <a:p>
-            <a:endParaRPr lang="en-US" dirty="0"/>
-          </a:p>
-          <a:p>
-            <a:r>
-              <a:rPr lang="en-US" dirty="0"/>
-              <a:t>- Customers who are less likely are as follows</a:t>
+              <a:t>- To define my data set, 85% non-defaults, 15% defaulted</a:t>
             </a:r>
           </a:p>
         </p:txBody>
@@ -2073,7 +1984,7 @@
           <a:p>
             <a:fld id="{360BD77D-F896-FD47-98B6-59426B3702AE}" type="slidenum">
               <a:rPr lang="en-US" smtClean="0"/>
-              <a:t>8</a:t>
+              <a:t>7</a:t>
             </a:fld>
             <a:endParaRPr lang="en-US"/>
           </a:p>
@@ -2082,7 +1993,7 @@
     </p:spTree>
     <p:extLst>
       <p:ext uri="{BB962C8B-B14F-4D97-AF65-F5344CB8AC3E}">
-        <p14:creationId xmlns:p14="http://schemas.microsoft.com/office/powerpoint/2010/main" val="3981094865"/>
+        <p14:creationId xmlns:p14="http://schemas.microsoft.com/office/powerpoint/2010/main" val="3699739865"/>
       </p:ext>
     </p:extLst>
   </p:cSld>
@@ -2138,13 +2049,92 @@
           <a:p>
             <a:r>
               <a:rPr lang="en-US" dirty="0"/>
-              <a:t># shows that other category is a mixture of repaying debts, credit cards, repairs, building credit, for family members /friends/ holidays – same as </a:t>
-            </a:r>
-            <a:r>
-              <a:rPr lang="en-US"/>
-              <a:t>major purchase</a:t>
-            </a:r>
+              <a:t>- Highest amount of loans taken out come from Cal / NY / </a:t>
+            </a:r>
+            <a:r>
+              <a:rPr lang="en-US" dirty="0" err="1"/>
+              <a:t>Flor</a:t>
+            </a:r>
+            <a:r>
+              <a:rPr lang="en-US" dirty="0"/>
+              <a:t> / </a:t>
+            </a:r>
+            <a:r>
+              <a:rPr lang="en-US" dirty="0" err="1"/>
+              <a:t>Tex</a:t>
+            </a:r>
+            <a:r>
+              <a:rPr lang="en-US" dirty="0"/>
+              <a:t> / New </a:t>
+            </a:r>
+            <a:r>
+              <a:rPr lang="en-US" dirty="0" err="1"/>
+              <a:t>Jer</a:t>
+            </a:r>
+            <a:r>
+              <a:rPr lang="en-US" dirty="0"/>
+              <a:t> however this could be proportional to the population of those areas - </a:t>
+            </a:r>
+          </a:p>
+          <a:p>
             <a:endParaRPr lang="en-US" dirty="0"/>
+          </a:p>
+          <a:p>
+            <a:r>
+              <a:rPr lang="en-US" dirty="0"/>
+              <a:t>- No surprise with highest defaults - there is some change in order but negligible . To get a better representation at defaults, looked at the rate...</a:t>
+            </a:r>
+          </a:p>
+          <a:p>
+            <a:endParaRPr lang="en-US" dirty="0"/>
+          </a:p>
+          <a:p>
+            <a:r>
+              <a:rPr lang="en-US" dirty="0"/>
+              <a:t>-  Map - ratio of defaults per state ( darker the area the higher default ratio) - this is not truly accurate....</a:t>
+            </a:r>
+          </a:p>
+          <a:p>
+            <a:endParaRPr lang="en-US" dirty="0"/>
+          </a:p>
+          <a:p>
+            <a:r>
+              <a:rPr lang="en-US" dirty="0"/>
+              <a:t>- ... because as you can see the loan counts are not all proportionate to each other : Nebraska having 5/11 customers default could be giving an unfair representation of the state, so what I did was...</a:t>
+            </a:r>
+          </a:p>
+          <a:p>
+            <a:endParaRPr lang="en-US" dirty="0"/>
+          </a:p>
+          <a:p>
+            <a:r>
+              <a:rPr lang="en-US" dirty="0"/>
+              <a:t>-  highlight the top 5 states with highest default rate with a count of loans more than the average count of loans per state, 847. This was to give a fairer result. </a:t>
+            </a:r>
+          </a:p>
+          <a:p>
+            <a:endParaRPr lang="en-US" dirty="0"/>
+          </a:p>
+          <a:p>
+            <a:r>
+              <a:rPr lang="en-US" dirty="0"/>
+              <a:t>SO??</a:t>
+            </a:r>
+          </a:p>
+          <a:p>
+            <a:r>
+              <a:rPr lang="en-US" dirty="0"/>
+              <a:t>Customers who are from the top 5 states highlighted in red COULD be more liable to default on their loans from LC - </a:t>
+            </a:r>
+          </a:p>
+          <a:p>
+            <a:endParaRPr lang="en-US" dirty="0"/>
+          </a:p>
+          <a:p>
+            <a:r>
+              <a:rPr lang="en-US" dirty="0"/>
+              <a:t>- Customers who are less likely are as follows</a:t>
+            </a:r>
           </a:p>
         </p:txBody>
       </p:sp>
@@ -2165,7 +2155,7 @@
           <a:p>
             <a:fld id="{360BD77D-F896-FD47-98B6-59426B3702AE}" type="slidenum">
               <a:rPr lang="en-US" smtClean="0"/>
-              <a:t>9</a:t>
+              <a:t>8</a:t>
             </a:fld>
             <a:endParaRPr lang="en-US"/>
           </a:p>
@@ -2174,7 +2164,7 @@
     </p:spTree>
     <p:extLst>
       <p:ext uri="{BB962C8B-B14F-4D97-AF65-F5344CB8AC3E}">
-        <p14:creationId xmlns:p14="http://schemas.microsoft.com/office/powerpoint/2010/main" val="207199627"/>
+        <p14:creationId xmlns:p14="http://schemas.microsoft.com/office/powerpoint/2010/main" val="3981094865"/>
       </p:ext>
     </p:extLst>
   </p:cSld>
@@ -2228,7 +2218,10 @@
           <a:bodyPr/>
           <a:lstStyle/>
           <a:p>
-            <a:endParaRPr lang="en-US" dirty="0"/>
+            <a:r>
+              <a:rPr lang="en-US" dirty="0"/>
+              <a:t># shows that other category is a mixture of repaying debts, credit cards, repairs, building credit, for family members /friends/ holidays – same as major purchase</a:t>
+            </a:r>
           </a:p>
         </p:txBody>
       </p:sp>
@@ -2249,7 +2242,7 @@
           <a:p>
             <a:fld id="{360BD77D-F896-FD47-98B6-59426B3702AE}" type="slidenum">
               <a:rPr lang="en-US" smtClean="0"/>
-              <a:t>10</a:t>
+              <a:t>9</a:t>
             </a:fld>
             <a:endParaRPr lang="en-US"/>
           </a:p>
@@ -2258,7 +2251,7 @@
     </p:spTree>
     <p:extLst>
       <p:ext uri="{BB962C8B-B14F-4D97-AF65-F5344CB8AC3E}">
-        <p14:creationId xmlns:p14="http://schemas.microsoft.com/office/powerpoint/2010/main" val="1432630917"/>
+        <p14:creationId xmlns:p14="http://schemas.microsoft.com/office/powerpoint/2010/main" val="207199627"/>
       </p:ext>
     </p:extLst>
   </p:cSld>
@@ -5571,7 +5564,7 @@
           <p:nvPr/>
         </p:nvPicPr>
         <p:blipFill>
-          <a:blip r:embed="rId2"/>
+          <a:blip r:embed="rId3"/>
           <a:stretch>
             <a:fillRect/>
           </a:stretch>
@@ -5747,7 +5740,7 @@
           <a:p>
             <a:r>
               <a:rPr lang="en-US" sz="5400" dirty="0"/>
-              <a:t>Results – Geography</a:t>
+              <a:t>Results – Income</a:t>
             </a:r>
           </a:p>
         </p:txBody>
@@ -7075,7 +7068,7 @@
         <p:spPr>
           <a:xfrm>
             <a:off x="689811" y="802105"/>
-            <a:ext cx="5229726" cy="3970318"/>
+            <a:ext cx="5229726" cy="3416320"/>
           </a:xfrm>
           <a:prstGeom prst="rect">
             <a:avLst/>
@@ -7156,7 +7149,7 @@
                   <a:schemeClr val="bg1"/>
                 </a:solidFill>
               </a:rPr>
-              <a:t>: </a:t>
+              <a:t>:  Small Business, Educational Loans, Renewable energies</a:t>
             </a:r>
           </a:p>
           <a:p>
@@ -7208,22 +7201,11 @@
               <a:buFontTx/>
               <a:buChar char="-"/>
             </a:pPr>
-            <a:r>
-              <a:rPr lang="en-US" b="1" dirty="0">
-                <a:solidFill>
-                  <a:schemeClr val="bg1"/>
-                </a:solidFill>
-              </a:rPr>
-              <a:t>Home owner</a:t>
-            </a:r>
-            <a:r>
-              <a:rPr lang="en-US" dirty="0">
-                <a:solidFill>
-                  <a:schemeClr val="bg1"/>
-                </a:solidFill>
-              </a:rPr>
-              <a:t>:</a:t>
-            </a:r>
+            <a:endParaRPr lang="en-US" dirty="0">
+              <a:solidFill>
+                <a:schemeClr val="bg1"/>
+              </a:solidFill>
+            </a:endParaRPr>
           </a:p>
           <a:p>
             <a:pPr marL="285750" indent="-285750">
@@ -7236,50 +7218,6 @@
               </a:solidFill>
             </a:endParaRPr>
           </a:p>
-          <a:p>
-            <a:pPr marL="285750" indent="-285750">
-              <a:buFontTx/>
-              <a:buChar char="-"/>
-            </a:pPr>
-            <a:r>
-              <a:rPr lang="en-US" b="1" dirty="0">
-                <a:solidFill>
-                  <a:schemeClr val="bg1"/>
-                </a:solidFill>
-              </a:rPr>
-              <a:t>Employment length</a:t>
-            </a:r>
-            <a:r>
-              <a:rPr lang="en-US" dirty="0">
-                <a:solidFill>
-                  <a:schemeClr val="bg1"/>
-                </a:solidFill>
-              </a:rPr>
-              <a:t>: </a:t>
-            </a:r>
-          </a:p>
-          <a:p>
-            <a:pPr marL="285750" indent="-285750">
-              <a:buFontTx/>
-              <a:buChar char="-"/>
-            </a:pPr>
-            <a:endParaRPr lang="en-US" dirty="0">
-              <a:solidFill>
-                <a:schemeClr val="bg1"/>
-              </a:solidFill>
-            </a:endParaRPr>
-          </a:p>
-          <a:p>
-            <a:pPr marL="285750" indent="-285750">
-              <a:buFontTx/>
-              <a:buChar char="-"/>
-            </a:pPr>
-            <a:endParaRPr lang="en-US" dirty="0">
-              <a:solidFill>
-                <a:schemeClr val="bg1"/>
-              </a:solidFill>
-            </a:endParaRPr>
-          </a:p>
         </p:txBody>
       </p:sp>
       <p:sp>
@@ -7297,7 +7235,7 @@
         <p:spPr>
           <a:xfrm>
             <a:off x="6300537" y="802105"/>
-            <a:ext cx="5229726" cy="3970318"/>
+            <a:ext cx="5229726" cy="3139321"/>
           </a:xfrm>
           <a:prstGeom prst="rect">
             <a:avLst/>
@@ -7345,7 +7283,55 @@
                   <a:schemeClr val="bg1"/>
                 </a:solidFill>
               </a:rPr>
-              <a:t>:  New Jersey, Illinoi, New York, Pennsylvania,  Arizona, Ohio, Massachusetts, Virginia, Colorado, Texas</a:t>
+              <a:t>:  </a:t>
+            </a:r>
+            <a:r>
+              <a:rPr lang="en-US" dirty="0">
+                <a:solidFill>
+                  <a:srgbClr val="0070C0"/>
+                </a:solidFill>
+              </a:rPr>
+              <a:t>New Jersey</a:t>
+            </a:r>
+            <a:r>
+              <a:rPr lang="en-US" dirty="0">
+                <a:solidFill>
+                  <a:schemeClr val="bg1"/>
+                </a:solidFill>
+              </a:rPr>
+              <a:t>, </a:t>
+            </a:r>
+            <a:r>
+              <a:rPr lang="en-US" dirty="0">
+                <a:solidFill>
+                  <a:srgbClr val="0070C0"/>
+                </a:solidFill>
+              </a:rPr>
+              <a:t>Texas</a:t>
+            </a:r>
+            <a:r>
+              <a:rPr lang="en-US" dirty="0">
+                <a:solidFill>
+                  <a:schemeClr val="bg1"/>
+                </a:solidFill>
+              </a:rPr>
+              <a:t>, </a:t>
+            </a:r>
+            <a:r>
+              <a:rPr lang="en-US" dirty="0">
+                <a:solidFill>
+                  <a:srgbClr val="0070C0"/>
+                </a:solidFill>
+              </a:rPr>
+              <a:t>New York</a:t>
+            </a:r>
+            <a:r>
+              <a:rPr lang="en-US" dirty="0">
+                <a:solidFill>
+                  <a:schemeClr val="bg1"/>
+                </a:solidFill>
+              </a:rPr>
+              <a:t>, Pennsylvania,  Arizona, Ohio, Massachusetts, Virginia, Colorado, Illinoi</a:t>
             </a:r>
           </a:p>
           <a:p>
@@ -7378,7 +7364,63 @@
                   <a:schemeClr val="bg1"/>
                 </a:solidFill>
               </a:rPr>
-              <a:t>: </a:t>
+              <a:t>:  </a:t>
+            </a:r>
+            <a:r>
+              <a:rPr lang="en-US" dirty="0">
+                <a:solidFill>
+                  <a:srgbClr val="0070C0"/>
+                </a:solidFill>
+              </a:rPr>
+              <a:t>Debt Consolidation</a:t>
+            </a:r>
+            <a:r>
+              <a:rPr lang="en-US" dirty="0">
+                <a:solidFill>
+                  <a:schemeClr val="bg1"/>
+                </a:solidFill>
+              </a:rPr>
+              <a:t>, </a:t>
+            </a:r>
+            <a:r>
+              <a:rPr lang="en-US" dirty="0">
+                <a:solidFill>
+                  <a:srgbClr val="0070C0"/>
+                </a:solidFill>
+              </a:rPr>
+              <a:t>Credit Card</a:t>
+            </a:r>
+            <a:r>
+              <a:rPr lang="en-US" dirty="0">
+                <a:solidFill>
+                  <a:schemeClr val="bg1"/>
+                </a:solidFill>
+              </a:rPr>
+              <a:t>, </a:t>
+            </a:r>
+            <a:r>
+              <a:rPr lang="en-US" dirty="0">
+                <a:solidFill>
+                  <a:srgbClr val="0070C0"/>
+                </a:solidFill>
+              </a:rPr>
+              <a:t>Major</a:t>
+            </a:r>
+            <a:r>
+              <a:rPr lang="en-US" dirty="0">
+                <a:solidFill>
+                  <a:schemeClr val="bg1"/>
+                </a:solidFill>
+              </a:rPr>
+              <a:t> </a:t>
+            </a:r>
+            <a:r>
+              <a:rPr lang="en-US" dirty="0">
+                <a:solidFill>
+                  <a:srgbClr val="0070C0"/>
+                </a:solidFill>
+              </a:rPr>
+              <a:t>Purchase</a:t>
             </a:r>
           </a:p>
           <a:p>
@@ -7412,72 +7454,6 @@
                 </a:solidFill>
               </a:rPr>
               <a:t>:</a:t>
-            </a:r>
-          </a:p>
-          <a:p>
-            <a:pPr marL="285750" indent="-285750">
-              <a:buFontTx/>
-              <a:buChar char="-"/>
-            </a:pPr>
-            <a:endParaRPr lang="en-US" dirty="0">
-              <a:solidFill>
-                <a:schemeClr val="bg1"/>
-              </a:solidFill>
-            </a:endParaRPr>
-          </a:p>
-          <a:p>
-            <a:pPr marL="285750" indent="-285750">
-              <a:buFontTx/>
-              <a:buChar char="-"/>
-            </a:pPr>
-            <a:r>
-              <a:rPr lang="en-US" b="1" dirty="0">
-                <a:solidFill>
-                  <a:schemeClr val="bg1"/>
-                </a:solidFill>
-              </a:rPr>
-              <a:t>Home owner</a:t>
-            </a:r>
-            <a:r>
-              <a:rPr lang="en-US" dirty="0">
-                <a:solidFill>
-                  <a:schemeClr val="bg1"/>
-                </a:solidFill>
-              </a:rPr>
-              <a:t>:</a:t>
-            </a:r>
-          </a:p>
-          <a:p>
-            <a:pPr marL="285750" indent="-285750">
-              <a:buFontTx/>
-              <a:buChar char="-"/>
-            </a:pPr>
-            <a:endParaRPr lang="en-US" dirty="0">
-              <a:solidFill>
-                <a:schemeClr val="bg1"/>
-              </a:solidFill>
-            </a:endParaRPr>
-          </a:p>
-          <a:p>
-            <a:pPr marL="285750" indent="-285750">
-              <a:buFontTx/>
-              <a:buChar char="-"/>
-            </a:pPr>
-            <a:r>
-              <a:rPr lang="en-US" b="1" dirty="0">
-                <a:solidFill>
-                  <a:schemeClr val="bg1"/>
-                </a:solidFill>
-              </a:rPr>
-              <a:t>Employment length</a:t>
-            </a:r>
-            <a:r>
-              <a:rPr lang="en-US" dirty="0">
-                <a:solidFill>
-                  <a:schemeClr val="bg1"/>
-                </a:solidFill>
-              </a:rPr>
-              <a:t>: </a:t>
             </a:r>
           </a:p>
           <a:p>
@@ -7651,6 +7627,84 @@
             <a:r>
               <a:rPr lang="en-US" sz="5400" dirty="0"/>
               <a:t>Reflection</a:t>
+            </a:r>
+          </a:p>
+        </p:txBody>
+      </p:sp>
+      <p:sp>
+        <p:nvSpPr>
+          <p:cNvPr id="7" name="TextBox 6">
+            <a:extLst>
+              <a:ext uri="{FF2B5EF4-FFF2-40B4-BE49-F238E27FC236}">
+                <a16:creationId xmlns:a16="http://schemas.microsoft.com/office/drawing/2014/main" id="{06FB7A1B-63B1-024C-96F9-95514CC75469}"/>
+              </a:ext>
+            </a:extLst>
+          </p:cNvPr>
+          <p:cNvSpPr txBox="1"/>
+          <p:nvPr/>
+        </p:nvSpPr>
+        <p:spPr>
+          <a:xfrm>
+            <a:off x="352926" y="385010"/>
+            <a:ext cx="4748463" cy="523220"/>
+          </a:xfrm>
+          <a:prstGeom prst="rect">
+            <a:avLst/>
+          </a:prstGeom>
+          <a:noFill/>
+        </p:spPr>
+        <p:txBody>
+          <a:bodyPr wrap="square" rtlCol="0">
+            <a:spAutoFit/>
+          </a:bodyPr>
+          <a:lstStyle/>
+          <a:p>
+            <a:r>
+              <a:rPr lang="en-US" sz="2800" dirty="0">
+                <a:solidFill>
+                  <a:schemeClr val="bg1"/>
+                </a:solidFill>
+              </a:rPr>
+              <a:t>Challenges </a:t>
+            </a:r>
+          </a:p>
+        </p:txBody>
+      </p:sp>
+      <p:sp>
+        <p:nvSpPr>
+          <p:cNvPr id="12" name="TextBox 11">
+            <a:extLst>
+              <a:ext uri="{FF2B5EF4-FFF2-40B4-BE49-F238E27FC236}">
+                <a16:creationId xmlns:a16="http://schemas.microsoft.com/office/drawing/2014/main" id="{6302B6C8-2658-DC46-A039-87DD7859795C}"/>
+              </a:ext>
+            </a:extLst>
+          </p:cNvPr>
+          <p:cNvSpPr txBox="1"/>
+          <p:nvPr/>
+        </p:nvSpPr>
+        <p:spPr>
+          <a:xfrm>
+            <a:off x="7090613" y="401051"/>
+            <a:ext cx="4315327" cy="523220"/>
+          </a:xfrm>
+          <a:prstGeom prst="rect">
+            <a:avLst/>
+          </a:prstGeom>
+          <a:noFill/>
+        </p:spPr>
+        <p:txBody>
+          <a:bodyPr wrap="square" rtlCol="0">
+            <a:spAutoFit/>
+          </a:bodyPr>
+          <a:lstStyle/>
+          <a:p>
+            <a:r>
+              <a:rPr lang="en-US" sz="2800" dirty="0">
+                <a:solidFill>
+                  <a:schemeClr val="bg1"/>
+                </a:solidFill>
+              </a:rPr>
+              <a:t>Change in approach</a:t>
             </a:r>
           </a:p>
         </p:txBody>
@@ -8066,8 +8120,8 @@
         </p:nvSpPr>
         <p:spPr>
           <a:xfrm>
-            <a:off x="1262729" y="1591056"/>
-            <a:ext cx="9638443" cy="2677656"/>
+            <a:off x="1262729" y="1859340"/>
+            <a:ext cx="9638443" cy="1569660"/>
           </a:xfrm>
           <a:prstGeom prst="rect">
             <a:avLst/>
@@ -8081,33 +8135,32 @@
           <a:lstStyle/>
           <a:p>
             <a:r>
-              <a:rPr lang="en-GB" sz="2400">
+              <a:rPr lang="en-GB" sz="2400" dirty="0">
                 <a:solidFill>
                   <a:schemeClr val="bg1"/>
                 </a:solidFill>
               </a:rPr>
-              <a:t>"You’ve been hired by LendingClub, an online loan provider to help with some problems their business has been facing.</a:t>
-            </a:r>
-          </a:p>
-          <a:p>
-            <a:br>
-              <a:rPr lang="en-GB" sz="2400">
+              <a:t>"You’ve been hired by </a:t>
+            </a:r>
+            <a:r>
+              <a:rPr lang="en-GB" sz="2400" dirty="0" err="1">
                 <a:solidFill>
                   <a:schemeClr val="bg1"/>
                 </a:solidFill>
               </a:rPr>
-            </a:br>
-            <a:r>
-              <a:rPr lang="en-GB" sz="2400">
+              <a:t>LendingClub</a:t>
+            </a:r>
+            <a:r>
+              <a:rPr lang="en-GB" sz="2400" dirty="0">
                 <a:solidFill>
                   <a:schemeClr val="bg1"/>
                 </a:solidFill>
               </a:rPr>
-              <a:t>They are concerned about the default rate on their loans.  </a:t>
-            </a:r>
-          </a:p>
-          <a:p>
-            <a:endParaRPr lang="en-GB" sz="2400">
+              <a:t>...</a:t>
+            </a:r>
+          </a:p>
+          <a:p>
+            <a:endParaRPr lang="en-GB" sz="2400" dirty="0">
               <a:solidFill>
                 <a:schemeClr val="bg1"/>
               </a:solidFill>
@@ -8115,23 +8168,23 @@
           </a:p>
           <a:p>
             <a:r>
-              <a:rPr lang="en-GB" sz="2400">
+              <a:rPr lang="en-GB" sz="2400" dirty="0">
                 <a:solidFill>
                   <a:schemeClr val="bg1"/>
                 </a:solidFill>
               </a:rPr>
-              <a:t>They want to understand </a:t>
-            </a:r>
-            <a:r>
-              <a:rPr lang="en-GB" sz="2400" b="1">
+              <a:t>... they want to understand </a:t>
+            </a:r>
+            <a:r>
+              <a:rPr lang="en-GB" sz="2400" b="1" dirty="0">
                 <a:solidFill>
-                  <a:schemeClr val="bg1"/>
+                  <a:srgbClr val="FF0000"/>
                 </a:solidFill>
               </a:rPr>
               <a:t>who is likely to default </a:t>
             </a:r>
             <a:r>
-              <a:rPr lang="en-GB" sz="2400">
+              <a:rPr lang="en-GB" sz="2400" dirty="0">
                 <a:solidFill>
                   <a:schemeClr val="bg1"/>
                 </a:solidFill>
@@ -8139,15 +8192,15 @@
               <a:t>and </a:t>
             </a:r>
             <a:r>
-              <a:rPr lang="en-GB" sz="2400" b="1">
+              <a:rPr lang="en-GB" sz="2400" b="1" dirty="0">
                 <a:solidFill>
-                  <a:schemeClr val="bg1"/>
+                  <a:srgbClr val="0070C0"/>
                 </a:solidFill>
               </a:rPr>
               <a:t>who they should lend to in the future</a:t>
             </a:r>
             <a:r>
-              <a:rPr lang="en-GB" sz="2400">
+              <a:rPr lang="en-GB" sz="2400" dirty="0">
                 <a:solidFill>
                   <a:schemeClr val="bg1"/>
                 </a:solidFill>
@@ -9122,6 +9175,254 @@
       </p:grpSpPr>
       <p:sp>
         <p:nvSpPr>
+          <p:cNvPr id="33" name="Subtitle 7">
+            <a:extLst>
+              <a:ext uri="{FF2B5EF4-FFF2-40B4-BE49-F238E27FC236}">
+                <a16:creationId xmlns:a16="http://schemas.microsoft.com/office/drawing/2014/main" id="{C91EB18B-1380-1E49-9810-C11C4CAE18ED}"/>
+              </a:ext>
+            </a:extLst>
+          </p:cNvPr>
+          <p:cNvSpPr txBox="1">
+            <a:spLocks/>
+          </p:cNvSpPr>
+          <p:nvPr/>
+        </p:nvSpPr>
+        <p:spPr>
+          <a:xfrm>
+            <a:off x="2695194" y="5431536"/>
+            <a:ext cx="6801612" cy="1092093"/>
+          </a:xfrm>
+          <a:prstGeom prst="rect">
+            <a:avLst/>
+          </a:prstGeom>
+        </p:spPr>
+        <p:txBody>
+          <a:bodyPr vert="horz" lIns="91440" tIns="45720" rIns="91440" bIns="45720" rtlCol="0">
+            <a:normAutofit/>
+          </a:bodyPr>
+          <a:lstStyle>
+            <a:lvl1pPr marL="228600" indent="-228600" algn="l" defTabSz="914400" rtl="0" eaLnBrk="1" latinLnBrk="0" hangingPunct="1">
+              <a:lnSpc>
+                <a:spcPct val="100000"/>
+              </a:lnSpc>
+              <a:spcBef>
+                <a:spcPts val="1000"/>
+              </a:spcBef>
+              <a:buClr>
+                <a:schemeClr val="accent2"/>
+              </a:buClr>
+              <a:buFont typeface="Arial" panose="020B0604020202020204" pitchFamily="34" charset="0"/>
+              <a:buChar char="•"/>
+              <a:defRPr sz="1800" kern="1200">
+                <a:solidFill>
+                  <a:schemeClr val="tx1">
+                    <a:lumMod val="85000"/>
+                    <a:lumOff val="15000"/>
+                  </a:schemeClr>
+                </a:solidFill>
+                <a:latin typeface="+mn-lt"/>
+                <a:ea typeface="+mn-ea"/>
+                <a:cs typeface="+mn-cs"/>
+              </a:defRPr>
+            </a:lvl1pPr>
+            <a:lvl2pPr marL="457200" indent="-228600" algn="l" defTabSz="914400" rtl="0" eaLnBrk="1" latinLnBrk="0" hangingPunct="1">
+              <a:lnSpc>
+                <a:spcPct val="100000"/>
+              </a:lnSpc>
+              <a:spcBef>
+                <a:spcPts val="1000"/>
+              </a:spcBef>
+              <a:buClr>
+                <a:schemeClr val="accent2"/>
+              </a:buClr>
+              <a:buFont typeface="Arial" panose="020B0604020202020204" pitchFamily="34" charset="0"/>
+              <a:buChar char="•"/>
+              <a:defRPr sz="1600" kern="1200">
+                <a:solidFill>
+                  <a:schemeClr val="tx1">
+                    <a:lumMod val="85000"/>
+                    <a:lumOff val="15000"/>
+                  </a:schemeClr>
+                </a:solidFill>
+                <a:latin typeface="+mn-lt"/>
+                <a:ea typeface="+mn-ea"/>
+                <a:cs typeface="+mn-cs"/>
+              </a:defRPr>
+            </a:lvl2pPr>
+            <a:lvl3pPr marL="685800" indent="-228600" algn="l" defTabSz="914400" rtl="0" eaLnBrk="1" latinLnBrk="0" hangingPunct="1">
+              <a:lnSpc>
+                <a:spcPct val="100000"/>
+              </a:lnSpc>
+              <a:spcBef>
+                <a:spcPts val="1000"/>
+              </a:spcBef>
+              <a:buClr>
+                <a:schemeClr val="accent2"/>
+              </a:buClr>
+              <a:buFont typeface="Arial" panose="020B0604020202020204" pitchFamily="34" charset="0"/>
+              <a:buChar char="•"/>
+              <a:defRPr sz="1600" kern="1200">
+                <a:solidFill>
+                  <a:schemeClr val="tx1">
+                    <a:lumMod val="85000"/>
+                    <a:lumOff val="15000"/>
+                  </a:schemeClr>
+                </a:solidFill>
+                <a:latin typeface="+mn-lt"/>
+                <a:ea typeface="+mn-ea"/>
+                <a:cs typeface="+mn-cs"/>
+              </a:defRPr>
+            </a:lvl3pPr>
+            <a:lvl4pPr marL="914400" indent="-228600" algn="l" defTabSz="914400" rtl="0" eaLnBrk="1" latinLnBrk="0" hangingPunct="1">
+              <a:lnSpc>
+                <a:spcPct val="100000"/>
+              </a:lnSpc>
+              <a:spcBef>
+                <a:spcPts val="1000"/>
+              </a:spcBef>
+              <a:buClr>
+                <a:schemeClr val="accent2"/>
+              </a:buClr>
+              <a:buFont typeface="Arial" panose="020B0604020202020204" pitchFamily="34" charset="0"/>
+              <a:buChar char="•"/>
+              <a:defRPr sz="1600" kern="1200">
+                <a:solidFill>
+                  <a:schemeClr val="tx1">
+                    <a:lumMod val="85000"/>
+                    <a:lumOff val="15000"/>
+                  </a:schemeClr>
+                </a:solidFill>
+                <a:latin typeface="+mn-lt"/>
+                <a:ea typeface="+mn-ea"/>
+                <a:cs typeface="+mn-cs"/>
+              </a:defRPr>
+            </a:lvl4pPr>
+            <a:lvl5pPr marL="1143000" indent="-228600" algn="l" defTabSz="914400" rtl="0" eaLnBrk="1" latinLnBrk="0" hangingPunct="1">
+              <a:lnSpc>
+                <a:spcPct val="100000"/>
+              </a:lnSpc>
+              <a:spcBef>
+                <a:spcPts val="1000"/>
+              </a:spcBef>
+              <a:buClr>
+                <a:schemeClr val="accent2"/>
+              </a:buClr>
+              <a:buFont typeface="Arial" panose="020B0604020202020204" pitchFamily="34" charset="0"/>
+              <a:buChar char="•"/>
+              <a:defRPr sz="1600" kern="1200">
+                <a:solidFill>
+                  <a:schemeClr val="tx1">
+                    <a:lumMod val="85000"/>
+                    <a:lumOff val="15000"/>
+                  </a:schemeClr>
+                </a:solidFill>
+                <a:latin typeface="+mn-lt"/>
+                <a:ea typeface="+mn-ea"/>
+                <a:cs typeface="+mn-cs"/>
+              </a:defRPr>
+            </a:lvl5pPr>
+            <a:lvl6pPr marL="1312863" indent="-228600" algn="l" defTabSz="914400" rtl="0" eaLnBrk="1" latinLnBrk="0" hangingPunct="1">
+              <a:lnSpc>
+                <a:spcPct val="100000"/>
+              </a:lnSpc>
+              <a:spcBef>
+                <a:spcPts val="1000"/>
+              </a:spcBef>
+              <a:buClr>
+                <a:schemeClr val="accent2"/>
+              </a:buClr>
+              <a:buFont typeface="Arial" panose="020B0604020202020204" pitchFamily="34" charset="0"/>
+              <a:buChar char="•"/>
+              <a:defRPr sz="1600" kern="1200">
+                <a:solidFill>
+                  <a:schemeClr val="tx1"/>
+                </a:solidFill>
+                <a:latin typeface="+mn-lt"/>
+                <a:ea typeface="+mn-ea"/>
+                <a:cs typeface="+mn-cs"/>
+              </a:defRPr>
+            </a:lvl6pPr>
+            <a:lvl7pPr marL="1484313" indent="-228600" algn="l" defTabSz="914400" rtl="0" eaLnBrk="1" latinLnBrk="0" hangingPunct="1">
+              <a:lnSpc>
+                <a:spcPct val="100000"/>
+              </a:lnSpc>
+              <a:spcBef>
+                <a:spcPts val="1000"/>
+              </a:spcBef>
+              <a:buClr>
+                <a:schemeClr val="accent2"/>
+              </a:buClr>
+              <a:buFont typeface="Arial" panose="020B0604020202020204" pitchFamily="34" charset="0"/>
+              <a:buChar char="•"/>
+              <a:defRPr sz="1600" kern="1200">
+                <a:solidFill>
+                  <a:schemeClr val="tx1"/>
+                </a:solidFill>
+                <a:latin typeface="+mn-lt"/>
+                <a:ea typeface="+mn-ea"/>
+                <a:cs typeface="+mn-cs"/>
+              </a:defRPr>
+            </a:lvl7pPr>
+            <a:lvl8pPr marL="1657350" indent="-228600" algn="l" defTabSz="914400" rtl="0" eaLnBrk="1" latinLnBrk="0" hangingPunct="1">
+              <a:lnSpc>
+                <a:spcPct val="100000"/>
+              </a:lnSpc>
+              <a:spcBef>
+                <a:spcPts val="1000"/>
+              </a:spcBef>
+              <a:buClr>
+                <a:schemeClr val="accent2"/>
+              </a:buClr>
+              <a:buFont typeface="Arial" panose="020B0604020202020204" pitchFamily="34" charset="0"/>
+              <a:buChar char="•"/>
+              <a:defRPr sz="1600" kern="1200" baseline="0">
+                <a:solidFill>
+                  <a:schemeClr val="tx1"/>
+                </a:solidFill>
+                <a:latin typeface="+mn-lt"/>
+                <a:ea typeface="+mn-ea"/>
+                <a:cs typeface="+mn-cs"/>
+              </a:defRPr>
+            </a:lvl8pPr>
+            <a:lvl9pPr marL="1882775" indent="-228600" algn="l" defTabSz="914400" rtl="0" eaLnBrk="1" latinLnBrk="0" hangingPunct="1">
+              <a:lnSpc>
+                <a:spcPct val="100000"/>
+              </a:lnSpc>
+              <a:spcBef>
+                <a:spcPts val="1000"/>
+              </a:spcBef>
+              <a:buClr>
+                <a:schemeClr val="accent2"/>
+              </a:buClr>
+              <a:buFont typeface="Arial" panose="020B0604020202020204" pitchFamily="34" charset="0"/>
+              <a:buChar char="•"/>
+              <a:defRPr sz="1600" kern="1200" baseline="0">
+                <a:solidFill>
+                  <a:schemeClr val="tx1"/>
+                </a:solidFill>
+                <a:latin typeface="+mn-lt"/>
+                <a:ea typeface="+mn-ea"/>
+                <a:cs typeface="+mn-cs"/>
+              </a:defRPr>
+            </a:lvl9pPr>
+          </a:lstStyle>
+          <a:p>
+            <a:pPr marL="0" indent="0" algn="ctr">
+              <a:buNone/>
+            </a:pPr>
+            <a:r>
+              <a:rPr lang="en-US" sz="5400" dirty="0">
+                <a:solidFill>
+                  <a:schemeClr val="bg1"/>
+                </a:solidFill>
+              </a:rPr>
+              <a:t>Background</a:t>
+            </a:r>
+          </a:p>
+        </p:txBody>
+      </p:sp>
+      <p:sp>
+        <p:nvSpPr>
           <p:cNvPr id="19" name="Rectangle 18">
             <a:extLst>
               <a:ext uri="{FF2B5EF4-FFF2-40B4-BE49-F238E27FC236}">
@@ -9183,79 +9484,12 @@
           </a:p>
         </p:txBody>
       </p:sp>
-      <p:sp>
-        <p:nvSpPr>
-          <p:cNvPr id="2" name="Title 1">
+      <p:pic>
+        <p:nvPicPr>
+          <p:cNvPr id="26" name="Picture 25">
             <a:extLst>
               <a:ext uri="{FF2B5EF4-FFF2-40B4-BE49-F238E27FC236}">
-                <a16:creationId xmlns:a16="http://schemas.microsoft.com/office/drawing/2014/main" id="{CDA1FCDB-79E0-ED42-AAD1-BA43856EF41F}"/>
-              </a:ext>
-            </a:extLst>
-          </p:cNvPr>
-          <p:cNvSpPr>
-            <a:spLocks noGrp="1"/>
-          </p:cNvSpPr>
-          <p:nvPr>
-            <p:ph type="title"/>
-          </p:nvPr>
-        </p:nvSpPr>
-        <p:spPr>
-          <a:xfrm>
-            <a:off x="1600200" y="2033517"/>
-            <a:ext cx="8991600" cy="4312692"/>
-          </a:xfrm>
-        </p:spPr>
-        <p:txBody>
-          <a:bodyPr vert="horz" lIns="274320" tIns="182880" rIns="274320" bIns="182880" rtlCol="0" anchor="ctr" anchorCtr="1">
-            <a:normAutofit/>
-          </a:bodyPr>
-          <a:lstStyle/>
-          <a:p>
-            <a:endParaRPr lang="en-US" sz="3200" dirty="0">
-              <a:solidFill>
-                <a:srgbClr val="262626"/>
-              </a:solidFill>
-            </a:endParaRPr>
-          </a:p>
-        </p:txBody>
-      </p:sp>
-      <p:pic>
-        <p:nvPicPr>
-          <p:cNvPr id="4" name="Content Placeholder 3">
-            <a:extLst>
-              <a:ext uri="{FF2B5EF4-FFF2-40B4-BE49-F238E27FC236}">
-                <a16:creationId xmlns:a16="http://schemas.microsoft.com/office/drawing/2014/main" id="{F244D359-66CD-6842-855B-5720F44DE013}"/>
-              </a:ext>
-            </a:extLst>
-          </p:cNvPr>
-          <p:cNvPicPr>
-            <a:picLocks noGrp="1" noChangeAspect="1"/>
-          </p:cNvPicPr>
-          <p:nvPr>
-            <p:ph idx="1"/>
-          </p:nvPr>
-        </p:nvPicPr>
-        <p:blipFill rotWithShape="1">
-          <a:blip r:embed="rId3"/>
-          <a:srcRect l="12109" r="2894"/>
-          <a:stretch/>
-        </p:blipFill>
-        <p:spPr>
-          <a:xfrm>
-            <a:off x="2695194" y="184838"/>
-            <a:ext cx="6801612" cy="1454941"/>
-          </a:xfrm>
-          <a:prstGeom prst="rect">
-            <a:avLst/>
-          </a:prstGeom>
-        </p:spPr>
-      </p:pic>
-      <p:pic>
-        <p:nvPicPr>
-          <p:cNvPr id="6" name="Picture 5">
-            <a:extLst>
-              <a:ext uri="{FF2B5EF4-FFF2-40B4-BE49-F238E27FC236}">
-                <a16:creationId xmlns:a16="http://schemas.microsoft.com/office/drawing/2014/main" id="{5901251B-D253-0D4E-B370-175FF7A56989}"/>
+                <a16:creationId xmlns:a16="http://schemas.microsoft.com/office/drawing/2014/main" id="{E0BB6A77-30B2-734A-A162-80F97B131380}"/>
               </a:ext>
             </a:extLst>
           </p:cNvPr>
@@ -9265,19 +9499,91 @@
           <p:nvPr/>
         </p:nvPicPr>
         <p:blipFill>
-          <a:blip r:embed="rId4"/>
+          <a:blip r:embed="rId3"/>
           <a:stretch>
             <a:fillRect/>
           </a:stretch>
         </p:blipFill>
         <p:spPr>
           <a:xfrm>
-            <a:off x="2209516" y="2094363"/>
-            <a:ext cx="7581900" cy="4191000"/>
+            <a:off x="200576" y="5220670"/>
+            <a:ext cx="1320423" cy="1320423"/>
           </a:xfrm>
           <a:prstGeom prst="rect">
             <a:avLst/>
           </a:prstGeom>
+        </p:spPr>
+      </p:pic>
+      <p:sp>
+        <p:nvSpPr>
+          <p:cNvPr id="28" name="Content Placeholder 27">
+            <a:extLst>
+              <a:ext uri="{FF2B5EF4-FFF2-40B4-BE49-F238E27FC236}">
+                <a16:creationId xmlns:a16="http://schemas.microsoft.com/office/drawing/2014/main" id="{C240FD50-F56B-A341-9A9E-790129DD2599}"/>
+              </a:ext>
+            </a:extLst>
+          </p:cNvPr>
+          <p:cNvSpPr>
+            <a:spLocks noGrp="1"/>
+          </p:cNvSpPr>
+          <p:nvPr>
+            <p:ph idx="1"/>
+          </p:nvPr>
+        </p:nvSpPr>
+        <p:spPr/>
+        <p:txBody>
+          <a:bodyPr/>
+          <a:lstStyle/>
+          <a:p>
+            <a:endParaRPr lang="en-US"/>
+          </a:p>
+        </p:txBody>
+      </p:sp>
+      <p:pic>
+        <p:nvPicPr>
+          <p:cNvPr id="1028" name="Picture 4" descr="Lending Club: Creating the Marketplace Lending Business Model - Digital  Innovation and Transformation">
+            <a:extLst>
+              <a:ext uri="{FF2B5EF4-FFF2-40B4-BE49-F238E27FC236}">
+                <a16:creationId xmlns:a16="http://schemas.microsoft.com/office/drawing/2014/main" id="{BD9B2D6D-F746-724D-B04A-60F932AE45CF}"/>
+              </a:ext>
+            </a:extLst>
+          </p:cNvPr>
+          <p:cNvPicPr>
+            <a:picLocks noChangeAspect="1" noChangeArrowheads="1"/>
+          </p:cNvPicPr>
+          <p:nvPr/>
+        </p:nvPicPr>
+        <p:blipFill>
+          <a:blip r:embed="rId4">
+            <a:extLst>
+              <a:ext uri="{28A0092B-C50C-407E-A947-70E740481C1C}">
+                <a14:useLocalDpi xmlns:a14="http://schemas.microsoft.com/office/drawing/2010/main" val="0"/>
+              </a:ext>
+            </a:extLst>
+          </a:blip>
+          <a:srcRect/>
+          <a:stretch>
+            <a:fillRect/>
+          </a:stretch>
+        </p:blipFill>
+        <p:spPr bwMode="auto">
+          <a:xfrm>
+            <a:off x="0" y="1560260"/>
+            <a:ext cx="12192000" cy="2216150"/>
+          </a:xfrm>
+          <a:prstGeom prst="rect">
+            <a:avLst/>
+          </a:prstGeom>
+          <a:noFill/>
+          <a:extLst>
+            <a:ext uri="{909E8E84-426E-40DD-AFC4-6F175D3DCCD1}">
+              <a14:hiddenFill xmlns:a14="http://schemas.microsoft.com/office/drawing/2010/main">
+                <a:solidFill>
+                  <a:srgbClr val="FFFFFF"/>
+                </a:solidFill>
+              </a14:hiddenFill>
+            </a:ext>
+          </a:extLst>
         </p:spPr>
       </p:pic>
       <p:pic>
@@ -9302,8 +9608,43 @@
         </p:blipFill>
         <p:spPr>
           <a:xfrm>
-            <a:off x="1651000" y="572637"/>
+            <a:off x="1780030" y="134642"/>
             <a:ext cx="8940800" cy="5892800"/>
+          </a:xfrm>
+          <a:prstGeom prst="rect">
+            <a:avLst/>
+          </a:prstGeom>
+          <a:ln w="57150">
+            <a:solidFill>
+              <a:schemeClr val="tx1"/>
+            </a:solidFill>
+          </a:ln>
+        </p:spPr>
+      </p:pic>
+      <p:pic>
+        <p:nvPicPr>
+          <p:cNvPr id="8" name="Picture 7">
+            <a:extLst>
+              <a:ext uri="{FF2B5EF4-FFF2-40B4-BE49-F238E27FC236}">
+                <a16:creationId xmlns:a16="http://schemas.microsoft.com/office/drawing/2014/main" id="{4778EFC3-41D3-F545-B4A3-F5E5E0994B50}"/>
+              </a:ext>
+            </a:extLst>
+          </p:cNvPr>
+          <p:cNvPicPr>
+            <a:picLocks noChangeAspect="1"/>
+          </p:cNvPicPr>
+          <p:nvPr/>
+        </p:nvPicPr>
+        <p:blipFill>
+          <a:blip r:embed="rId6"/>
+          <a:stretch>
+            <a:fillRect/>
+          </a:stretch>
+        </p:blipFill>
+        <p:spPr>
+          <a:xfrm>
+            <a:off x="7577512" y="1250829"/>
+            <a:ext cx="3614318" cy="1674000"/>
           </a:xfrm>
           <a:prstGeom prst="rect">
             <a:avLst/>
@@ -9330,7 +9671,7 @@
           <p:nvPr/>
         </p:nvPicPr>
         <p:blipFill>
-          <a:blip r:embed="rId6"/>
+          <a:blip r:embed="rId7"/>
           <a:stretch>
             <a:fillRect/>
           </a:stretch>
@@ -9339,41 +9680,6 @@
           <a:xfrm>
             <a:off x="356840" y="1233009"/>
             <a:ext cx="6458309" cy="2241240"/>
-          </a:xfrm>
-          <a:prstGeom prst="rect">
-            <a:avLst/>
-          </a:prstGeom>
-          <a:ln w="57150">
-            <a:solidFill>
-              <a:schemeClr val="tx1"/>
-            </a:solidFill>
-          </a:ln>
-        </p:spPr>
-      </p:pic>
-      <p:pic>
-        <p:nvPicPr>
-          <p:cNvPr id="8" name="Picture 7">
-            <a:extLst>
-              <a:ext uri="{FF2B5EF4-FFF2-40B4-BE49-F238E27FC236}">
-                <a16:creationId xmlns:a16="http://schemas.microsoft.com/office/drawing/2014/main" id="{4778EFC3-41D3-F545-B4A3-F5E5E0994B50}"/>
-              </a:ext>
-            </a:extLst>
-          </p:cNvPr>
-          <p:cNvPicPr>
-            <a:picLocks noChangeAspect="1"/>
-          </p:cNvPicPr>
-          <p:nvPr/>
-        </p:nvPicPr>
-        <p:blipFill>
-          <a:blip r:embed="rId7"/>
-          <a:stretch>
-            <a:fillRect/>
-          </a:stretch>
-        </p:blipFill>
-        <p:spPr>
-          <a:xfrm>
-            <a:off x="7318020" y="1576243"/>
-            <a:ext cx="3614318" cy="1674000"/>
           </a:xfrm>
           <a:prstGeom prst="rect">
             <a:avLst/>
@@ -9407,7 +9713,7 @@
         </p:blipFill>
         <p:spPr>
           <a:xfrm>
-            <a:off x="123209" y="2279220"/>
+            <a:off x="97809" y="1649122"/>
             <a:ext cx="11996382" cy="2181160"/>
           </a:xfrm>
           <a:prstGeom prst="rect">
@@ -9418,36 +9724,6 @@
               <a:schemeClr val="tx1"/>
             </a:solidFill>
           </a:ln>
-        </p:spPr>
-      </p:pic>
-      <p:pic>
-        <p:nvPicPr>
-          <p:cNvPr id="26" name="Picture 25">
-            <a:extLst>
-              <a:ext uri="{FF2B5EF4-FFF2-40B4-BE49-F238E27FC236}">
-                <a16:creationId xmlns:a16="http://schemas.microsoft.com/office/drawing/2014/main" id="{E0BB6A77-30B2-734A-A162-80F97B131380}"/>
-              </a:ext>
-            </a:extLst>
-          </p:cNvPr>
-          <p:cNvPicPr>
-            <a:picLocks noChangeAspect="1"/>
-          </p:cNvPicPr>
-          <p:nvPr/>
-        </p:nvPicPr>
-        <p:blipFill>
-          <a:blip r:embed="rId9"/>
-          <a:stretch>
-            <a:fillRect/>
-          </a:stretch>
-        </p:blipFill>
-        <p:spPr>
-          <a:xfrm>
-            <a:off x="200576" y="5220670"/>
-            <a:ext cx="1320423" cy="1320423"/>
-          </a:xfrm>
-          <a:prstGeom prst="rect">
-            <a:avLst/>
-          </a:prstGeom>
         </p:spPr>
       </p:pic>
     </p:spTree>
@@ -9494,7 +9770,7 @@
                                           </p:stCondLst>
                                         </p:cTn>
                                         <p:tgtEl>
-                                          <p:spTgt spid="21"/>
+                                          <p:spTgt spid="1028"/>
                                         </p:tgtEl>
                                         <p:attrNameLst>
                                           <p:attrName>style.visibility</p:attrName>
@@ -9508,7 +9784,7 @@
                                       <p:cBhvr additive="base">
                                         <p:cTn id="7" dur="500" fill="hold"/>
                                         <p:tgtEl>
-                                          <p:spTgt spid="21"/>
+                                          <p:spTgt spid="1028"/>
                                         </p:tgtEl>
                                         <p:attrNameLst>
                                           <p:attrName>ppt_x</p:attrName>
@@ -9531,7 +9807,7 @@
                                       <p:cBhvr additive="base">
                                         <p:cTn id="8" dur="500" fill="hold"/>
                                         <p:tgtEl>
-                                          <p:spTgt spid="21"/>
+                                          <p:spTgt spid="1028"/>
                                         </p:tgtEl>
                                         <p:attrNameLst>
                                           <p:attrName>ppt_y</p:attrName>
@@ -9585,7 +9861,7 @@
                                           </p:stCondLst>
                                         </p:cTn>
                                         <p:tgtEl>
-                                          <p:spTgt spid="8"/>
+                                          <p:spTgt spid="12"/>
                                         </p:tgtEl>
                                         <p:attrNameLst>
                                           <p:attrName>style.visibility</p:attrName>
@@ -9599,7 +9875,7 @@
                                       <p:cBhvr additive="base">
                                         <p:cTn id="13" dur="500" fill="hold"/>
                                         <p:tgtEl>
-                                          <p:spTgt spid="8"/>
+                                          <p:spTgt spid="12"/>
                                         </p:tgtEl>
                                         <p:attrNameLst>
                                           <p:attrName>ppt_x</p:attrName>
@@ -9622,7 +9898,7 @@
                                       <p:cBhvr additive="base">
                                         <p:cTn id="14" dur="500" fill="hold"/>
                                         <p:tgtEl>
-                                          <p:spTgt spid="8"/>
+                                          <p:spTgt spid="12"/>
                                         </p:tgtEl>
                                         <p:attrNameLst>
                                           <p:attrName>ppt_y</p:attrName>
@@ -9676,7 +9952,7 @@
                                           </p:stCondLst>
                                         </p:cTn>
                                         <p:tgtEl>
-                                          <p:spTgt spid="18"/>
+                                          <p:spTgt spid="21"/>
                                         </p:tgtEl>
                                         <p:attrNameLst>
                                           <p:attrName>style.visibility</p:attrName>
@@ -9690,7 +9966,7 @@
                                       <p:cBhvr additive="base">
                                         <p:cTn id="19" dur="500" fill="hold"/>
                                         <p:tgtEl>
-                                          <p:spTgt spid="18"/>
+                                          <p:spTgt spid="21"/>
                                         </p:tgtEl>
                                         <p:attrNameLst>
                                           <p:attrName>ppt_x</p:attrName>
@@ -9713,7 +9989,7 @@
                                       <p:cBhvr additive="base">
                                         <p:cTn id="20" dur="500" fill="hold"/>
                                         <p:tgtEl>
-                                          <p:spTgt spid="18"/>
+                                          <p:spTgt spid="21"/>
                                         </p:tgtEl>
                                         <p:attrNameLst>
                                           <p:attrName>ppt_y</p:attrName>
@@ -9754,160 +10030,32 @@
                             </p:stCondLst>
                             <p:childTnLst>
                               <p:par>
-                                <p:cTn id="23" presetID="2" presetClass="exit" presetSubtype="4" fill="hold" nodeType="clickEffect">
+                                <p:cTn id="23" presetID="2" presetClass="entr" presetSubtype="4" fill="hold" nodeType="clickEffect">
                                   <p:stCondLst>
                                     <p:cond delay="0"/>
                                   </p:stCondLst>
                                   <p:childTnLst>
-                                    <p:anim calcmode="lin" valueType="num">
-                                      <p:cBhvr additive="base">
-                                        <p:cTn id="24" dur="500"/>
-                                        <p:tgtEl>
-                                          <p:spTgt spid="12"/>
-                                        </p:tgtEl>
-                                        <p:attrNameLst>
-                                          <p:attrName>ppt_x</p:attrName>
-                                        </p:attrNameLst>
-                                      </p:cBhvr>
-                                      <p:tavLst>
-                                        <p:tav tm="0">
-                                          <p:val>
-                                            <p:strVal val="ppt_x"/>
-                                          </p:val>
-                                        </p:tav>
-                                        <p:tav tm="100000">
-                                          <p:val>
-                                            <p:strVal val="ppt_x"/>
-                                          </p:val>
-                                        </p:tav>
-                                      </p:tavLst>
-                                    </p:anim>
-                                    <p:anim calcmode="lin" valueType="num">
-                                      <p:cBhvr additive="base">
-                                        <p:cTn id="25" dur="500"/>
-                                        <p:tgtEl>
-                                          <p:spTgt spid="12"/>
-                                        </p:tgtEl>
-                                        <p:attrNameLst>
-                                          <p:attrName>ppt_y</p:attrName>
-                                        </p:attrNameLst>
-                                      </p:cBhvr>
-                                      <p:tavLst>
-                                        <p:tav tm="0">
-                                          <p:val>
-                                            <p:strVal val="ppt_y"/>
-                                          </p:val>
-                                        </p:tav>
-                                        <p:tav tm="100000">
-                                          <p:val>
-                                            <p:strVal val="1+ppt_h/2"/>
-                                          </p:val>
-                                        </p:tav>
-                                      </p:tavLst>
-                                    </p:anim>
                                     <p:set>
                                       <p:cBhvr>
-                                        <p:cTn id="26" dur="1" fill="hold">
+                                        <p:cTn id="24" dur="1" fill="hold">
                                           <p:stCondLst>
-                                            <p:cond delay="499"/>
+                                            <p:cond delay="0"/>
                                           </p:stCondLst>
                                         </p:cTn>
                                         <p:tgtEl>
-                                          <p:spTgt spid="12"/>
+                                          <p:spTgt spid="8"/>
                                         </p:tgtEl>
                                         <p:attrNameLst>
                                           <p:attrName>style.visibility</p:attrName>
                                         </p:attrNameLst>
                                       </p:cBhvr>
                                       <p:to>
-                                        <p:strVal val="hidden"/>
+                                        <p:strVal val="visible"/>
                                       </p:to>
                                     </p:set>
-                                  </p:childTnLst>
-                                </p:cTn>
-                              </p:par>
-                              <p:par>
-                                <p:cTn id="27" presetID="2" presetClass="exit" presetSubtype="4" fill="hold" nodeType="withEffect">
-                                  <p:stCondLst>
-                                    <p:cond delay="0"/>
-                                  </p:stCondLst>
-                                  <p:childTnLst>
                                     <p:anim calcmode="lin" valueType="num">
                                       <p:cBhvr additive="base">
-                                        <p:cTn id="28" dur="500"/>
-                                        <p:tgtEl>
-                                          <p:spTgt spid="21"/>
-                                        </p:tgtEl>
-                                        <p:attrNameLst>
-                                          <p:attrName>ppt_x</p:attrName>
-                                        </p:attrNameLst>
-                                      </p:cBhvr>
-                                      <p:tavLst>
-                                        <p:tav tm="0">
-                                          <p:val>
-                                            <p:strVal val="ppt_x"/>
-                                          </p:val>
-                                        </p:tav>
-                                        <p:tav tm="100000">
-                                          <p:val>
-                                            <p:strVal val="ppt_x"/>
-                                          </p:val>
-                                        </p:tav>
-                                      </p:tavLst>
-                                    </p:anim>
-                                    <p:anim calcmode="lin" valueType="num">
-                                      <p:cBhvr additive="base">
-                                        <p:cTn id="29" dur="500"/>
-                                        <p:tgtEl>
-                                          <p:spTgt spid="21"/>
-                                        </p:tgtEl>
-                                        <p:attrNameLst>
-                                          <p:attrName>ppt_y</p:attrName>
-                                        </p:attrNameLst>
-                                      </p:cBhvr>
-                                      <p:tavLst>
-                                        <p:tav tm="0">
-                                          <p:val>
-                                            <p:strVal val="ppt_y"/>
-                                          </p:val>
-                                        </p:tav>
-                                        <p:tav tm="100000">
-                                          <p:val>
-                                            <p:strVal val="1+ppt_h/2"/>
-                                          </p:val>
-                                        </p:tav>
-                                      </p:tavLst>
-                                    </p:anim>
-                                    <p:set>
-                                      <p:cBhvr>
-                                        <p:cTn id="30" dur="1" fill="hold">
-                                          <p:stCondLst>
-                                            <p:cond delay="499"/>
-                                          </p:stCondLst>
-                                        </p:cTn>
-                                        <p:tgtEl>
-                                          <p:spTgt spid="21"/>
-                                        </p:tgtEl>
-                                        <p:attrNameLst>
-                                          <p:attrName>style.visibility</p:attrName>
-                                        </p:attrNameLst>
-                                      </p:cBhvr>
-                                      <p:to>
-                                        <p:strVal val="hidden"/>
-                                      </p:to>
-                                    </p:set>
-                                  </p:childTnLst>
-                                </p:cTn>
-                              </p:par>
-                              <p:par>
-                                <p:cTn id="31" presetID="2" presetClass="exit" presetSubtype="4" fill="hold" nodeType="withEffect">
-                                  <p:stCondLst>
-                                    <p:cond delay="0"/>
-                                  </p:stCondLst>
-                                  <p:childTnLst>
-                                    <p:anim calcmode="lin" valueType="num">
-                                      <p:cBhvr additive="base">
-                                        <p:cTn id="32" dur="500"/>
+                                        <p:cTn id="25" dur="500" fill="hold"/>
                                         <p:tgtEl>
                                           <p:spTgt spid="8"/>
                                         </p:tgtEl>
@@ -9918,19 +10066,19 @@
                                       <p:tavLst>
                                         <p:tav tm="0">
                                           <p:val>
-                                            <p:strVal val="ppt_x"/>
+                                            <p:strVal val="#ppt_x"/>
                                           </p:val>
                                         </p:tav>
                                         <p:tav tm="100000">
                                           <p:val>
-                                            <p:strVal val="ppt_x"/>
+                                            <p:strVal val="#ppt_x"/>
                                           </p:val>
                                         </p:tav>
                                       </p:tavLst>
                                     </p:anim>
                                     <p:anim calcmode="lin" valueType="num">
                                       <p:cBhvr additive="base">
-                                        <p:cTn id="33" dur="500"/>
+                                        <p:cTn id="26" dur="500" fill="hold"/>
                                         <p:tgtEl>
                                           <p:spTgt spid="8"/>
                                         </p:tgtEl>
@@ -9941,46 +10089,64 @@
                                       <p:tavLst>
                                         <p:tav tm="0">
                                           <p:val>
-                                            <p:strVal val="ppt_y"/>
+                                            <p:strVal val="1+#ppt_h/2"/>
                                           </p:val>
                                         </p:tav>
                                         <p:tav tm="100000">
                                           <p:val>
-                                            <p:strVal val="1+ppt_h/2"/>
+                                            <p:strVal val="#ppt_y"/>
                                           </p:val>
                                         </p:tav>
                                       </p:tavLst>
                                     </p:anim>
+                                  </p:childTnLst>
+                                </p:cTn>
+                              </p:par>
+                            </p:childTnLst>
+                          </p:cTn>
+                        </p:par>
+                      </p:childTnLst>
+                    </p:cTn>
+                  </p:par>
+                  <p:par>
+                    <p:cTn id="27" fill="hold">
+                      <p:stCondLst>
+                        <p:cond delay="indefinite"/>
+                      </p:stCondLst>
+                      <p:childTnLst>
+                        <p:par>
+                          <p:cTn id="28" fill="hold">
+                            <p:stCondLst>
+                              <p:cond delay="0"/>
+                            </p:stCondLst>
+                            <p:childTnLst>
+                              <p:par>
+                                <p:cTn id="29" presetID="2" presetClass="entr" presetSubtype="4" fill="hold" nodeType="clickEffect">
+                                  <p:stCondLst>
+                                    <p:cond delay="0"/>
+                                  </p:stCondLst>
+                                  <p:childTnLst>
                                     <p:set>
                                       <p:cBhvr>
-                                        <p:cTn id="34" dur="1" fill="hold">
+                                        <p:cTn id="30" dur="1" fill="hold">
                                           <p:stCondLst>
-                                            <p:cond delay="499"/>
+                                            <p:cond delay="0"/>
                                           </p:stCondLst>
                                         </p:cTn>
                                         <p:tgtEl>
-                                          <p:spTgt spid="8"/>
+                                          <p:spTgt spid="18"/>
                                         </p:tgtEl>
                                         <p:attrNameLst>
                                           <p:attrName>style.visibility</p:attrName>
                                         </p:attrNameLst>
                                       </p:cBhvr>
                                       <p:to>
-                                        <p:strVal val="hidden"/>
+                                        <p:strVal val="visible"/>
                                       </p:to>
                                     </p:set>
-                                  </p:childTnLst>
-                                </p:cTn>
-                              </p:par>
-                              <p:par>
-                                <p:cTn id="35" presetID="2" presetClass="exit" presetSubtype="4" fill="hold" nodeType="withEffect">
-                                  <p:stCondLst>
-                                    <p:cond delay="0"/>
-                                  </p:stCondLst>
-                                  <p:childTnLst>
                                     <p:anim calcmode="lin" valueType="num">
                                       <p:cBhvr additive="base">
-                                        <p:cTn id="36" dur="500"/>
+                                        <p:cTn id="31" dur="500" fill="hold"/>
                                         <p:tgtEl>
                                           <p:spTgt spid="18"/>
                                         </p:tgtEl>
@@ -9991,19 +10157,19 @@
                                       <p:tavLst>
                                         <p:tav tm="0">
                                           <p:val>
-                                            <p:strVal val="ppt_x"/>
+                                            <p:strVal val="#ppt_x"/>
                                           </p:val>
                                         </p:tav>
                                         <p:tav tm="100000">
                                           <p:val>
-                                            <p:strVal val="ppt_x"/>
+                                            <p:strVal val="#ppt_x"/>
                                           </p:val>
                                         </p:tav>
                                       </p:tavLst>
                                     </p:anim>
                                     <p:anim calcmode="lin" valueType="num">
                                       <p:cBhvr additive="base">
-                                        <p:cTn id="37" dur="500"/>
+                                        <p:cTn id="32" dur="500" fill="hold"/>
                                         <p:tgtEl>
                                           <p:spTgt spid="18"/>
                                         </p:tgtEl>
@@ -10014,34 +10180,16 @@
                                       <p:tavLst>
                                         <p:tav tm="0">
                                           <p:val>
-                                            <p:strVal val="ppt_y"/>
+                                            <p:strVal val="1+#ppt_h/2"/>
                                           </p:val>
                                         </p:tav>
                                         <p:tav tm="100000">
                                           <p:val>
-                                            <p:strVal val="1+ppt_h/2"/>
+                                            <p:strVal val="#ppt_y"/>
                                           </p:val>
                                         </p:tav>
                                       </p:tavLst>
                                     </p:anim>
-                                    <p:set>
-                                      <p:cBhvr>
-                                        <p:cTn id="38" dur="1" fill="hold">
-                                          <p:stCondLst>
-                                            <p:cond delay="499"/>
-                                          </p:stCondLst>
-                                        </p:cTn>
-                                        <p:tgtEl>
-                                          <p:spTgt spid="18"/>
-                                        </p:tgtEl>
-                                        <p:attrNameLst>
-                                          <p:attrName>style.visibility</p:attrName>
-                                        </p:attrNameLst>
-                                      </p:cBhvr>
-                                      <p:to>
-                                        <p:strVal val="hidden"/>
-                                      </p:to>
-                                    </p:set>
                                   </p:childTnLst>
                                 </p:cTn>
                               </p:par>
@@ -10193,10 +10341,9 @@
           <a:lstStyle/>
           <a:p>
             <a:r>
-              <a:rPr lang="en-US" sz="5400"/>
+              <a:rPr lang="en-US" sz="5400" dirty="0"/>
               <a:t>Planning</a:t>
             </a:r>
-            <a:endParaRPr lang="en-US" sz="5400" dirty="0"/>
           </a:p>
         </p:txBody>
       </p:sp>
@@ -10230,12 +10377,269 @@
           </a:prstGeom>
         </p:spPr>
       </p:pic>
+      <p:sp>
+        <p:nvSpPr>
+          <p:cNvPr id="22" name="TextBox 21">
+            <a:extLst>
+              <a:ext uri="{FF2B5EF4-FFF2-40B4-BE49-F238E27FC236}">
+                <a16:creationId xmlns:a16="http://schemas.microsoft.com/office/drawing/2014/main" id="{E617FD56-FCFC-574E-8075-1D7909D46198}"/>
+              </a:ext>
+            </a:extLst>
+          </p:cNvPr>
+          <p:cNvSpPr txBox="1"/>
+          <p:nvPr/>
+        </p:nvSpPr>
+        <p:spPr>
+          <a:xfrm>
+            <a:off x="689810" y="593557"/>
+            <a:ext cx="1876927" cy="461665"/>
+          </a:xfrm>
+          <a:prstGeom prst="rect">
+            <a:avLst/>
+          </a:prstGeom>
+          <a:noFill/>
+        </p:spPr>
+        <p:txBody>
+          <a:bodyPr wrap="square" rtlCol="0">
+            <a:spAutoFit/>
+          </a:bodyPr>
+          <a:lstStyle/>
+          <a:p>
+            <a:r>
+              <a:rPr lang="en-US" sz="2400" b="1" dirty="0">
+                <a:solidFill>
+                  <a:schemeClr val="bg1"/>
+                </a:solidFill>
+              </a:rPr>
+              <a:t>Questions</a:t>
+            </a:r>
+            <a:endParaRPr lang="en-US" b="1" dirty="0">
+              <a:solidFill>
+                <a:schemeClr val="bg1"/>
+              </a:solidFill>
+            </a:endParaRPr>
+          </a:p>
+        </p:txBody>
+      </p:sp>
+      <p:sp>
+        <p:nvSpPr>
+          <p:cNvPr id="23" name="TextBox 22">
+            <a:extLst>
+              <a:ext uri="{FF2B5EF4-FFF2-40B4-BE49-F238E27FC236}">
+                <a16:creationId xmlns:a16="http://schemas.microsoft.com/office/drawing/2014/main" id="{346FDC58-42B5-4944-9889-D07FF1374126}"/>
+              </a:ext>
+            </a:extLst>
+          </p:cNvPr>
+          <p:cNvSpPr txBox="1"/>
+          <p:nvPr/>
+        </p:nvSpPr>
+        <p:spPr>
+          <a:xfrm>
+            <a:off x="5992178" y="1335051"/>
+            <a:ext cx="5855368" cy="2308324"/>
+          </a:xfrm>
+          <a:prstGeom prst="rect">
+            <a:avLst/>
+          </a:prstGeom>
+          <a:noFill/>
+          <a:ln w="19050">
+            <a:solidFill>
+              <a:schemeClr val="bg1"/>
+            </a:solidFill>
+          </a:ln>
+        </p:spPr>
+        <p:txBody>
+          <a:bodyPr wrap="square" rtlCol="0">
+            <a:spAutoFit/>
+          </a:bodyPr>
+          <a:lstStyle/>
+          <a:p>
+            <a:r>
+              <a:rPr lang="en-US" b="1" dirty="0">
+                <a:solidFill>
+                  <a:schemeClr val="bg1"/>
+                </a:solidFill>
+              </a:rPr>
+              <a:t>The Who’s </a:t>
+            </a:r>
+          </a:p>
+          <a:p>
+            <a:r>
+              <a:rPr lang="en-US" dirty="0">
+                <a:solidFill>
+                  <a:schemeClr val="bg1"/>
+                </a:solidFill>
+              </a:rPr>
+              <a:t>-  Income, Fico Range (credit score)</a:t>
+            </a:r>
+          </a:p>
+          <a:p>
+            <a:endParaRPr lang="en-US" dirty="0">
+              <a:solidFill>
+                <a:schemeClr val="bg1"/>
+              </a:solidFill>
+            </a:endParaRPr>
+          </a:p>
+          <a:p>
+            <a:r>
+              <a:rPr lang="en-US" b="1" dirty="0">
+                <a:solidFill>
+                  <a:schemeClr val="bg1"/>
+                </a:solidFill>
+              </a:rPr>
+              <a:t>The Why’s</a:t>
+            </a:r>
+          </a:p>
+          <a:p>
+            <a:r>
+              <a:rPr lang="en-US" dirty="0">
+                <a:solidFill>
+                  <a:schemeClr val="bg1"/>
+                </a:solidFill>
+              </a:rPr>
+              <a:t>-  Loan Purpose</a:t>
+            </a:r>
+          </a:p>
+          <a:p>
+            <a:endParaRPr lang="en-US" dirty="0">
+              <a:solidFill>
+                <a:schemeClr val="bg1"/>
+              </a:solidFill>
+            </a:endParaRPr>
+          </a:p>
+          <a:p>
+            <a:r>
+              <a:rPr lang="en-US" b="1" dirty="0">
+                <a:solidFill>
+                  <a:schemeClr val="bg1"/>
+                </a:solidFill>
+              </a:rPr>
+              <a:t>The Where’s</a:t>
+            </a:r>
+          </a:p>
+          <a:p>
+            <a:r>
+              <a:rPr lang="en-US" dirty="0">
+                <a:solidFill>
+                  <a:schemeClr val="bg1"/>
+                </a:solidFill>
+              </a:rPr>
+              <a:t>-  Geographic location within the USA</a:t>
+            </a:r>
+          </a:p>
+        </p:txBody>
+      </p:sp>
+      <p:sp>
+        <p:nvSpPr>
+          <p:cNvPr id="24" name="TextBox 23">
+            <a:extLst>
+              <a:ext uri="{FF2B5EF4-FFF2-40B4-BE49-F238E27FC236}">
+                <a16:creationId xmlns:a16="http://schemas.microsoft.com/office/drawing/2014/main" id="{7EBDE145-BF80-5F43-A6C2-85B350292767}"/>
+              </a:ext>
+            </a:extLst>
+          </p:cNvPr>
+          <p:cNvSpPr txBox="1"/>
+          <p:nvPr/>
+        </p:nvSpPr>
+        <p:spPr>
+          <a:xfrm>
+            <a:off x="344454" y="1335051"/>
+            <a:ext cx="4012573" cy="923330"/>
+          </a:xfrm>
+          <a:prstGeom prst="rect">
+            <a:avLst/>
+          </a:prstGeom>
+          <a:noFill/>
+          <a:ln w="19050">
+            <a:solidFill>
+              <a:schemeClr val="bg1"/>
+            </a:solidFill>
+          </a:ln>
+        </p:spPr>
+        <p:txBody>
+          <a:bodyPr wrap="none" rtlCol="0">
+            <a:spAutoFit/>
+          </a:bodyPr>
+          <a:lstStyle/>
+          <a:p>
+            <a:r>
+              <a:rPr lang="en-US" dirty="0">
+                <a:solidFill>
+                  <a:schemeClr val="bg1"/>
+                </a:solidFill>
+              </a:rPr>
+              <a:t>-  Who is likely to default?</a:t>
+            </a:r>
+          </a:p>
+          <a:p>
+            <a:endParaRPr lang="en-US" dirty="0">
+              <a:solidFill>
+                <a:schemeClr val="bg1"/>
+              </a:solidFill>
+            </a:endParaRPr>
+          </a:p>
+          <a:p>
+            <a:r>
+              <a:rPr lang="en-US" dirty="0">
+                <a:solidFill>
+                  <a:schemeClr val="bg1"/>
+                </a:solidFill>
+              </a:rPr>
+              <a:t>-  Who should they lend to in the future?</a:t>
+            </a:r>
+          </a:p>
+        </p:txBody>
+      </p:sp>
+      <p:cxnSp>
+        <p:nvCxnSpPr>
+          <p:cNvPr id="27" name="Straight Arrow Connector 26">
+            <a:extLst>
+              <a:ext uri="{FF2B5EF4-FFF2-40B4-BE49-F238E27FC236}">
+                <a16:creationId xmlns:a16="http://schemas.microsoft.com/office/drawing/2014/main" id="{0706814E-8079-F94D-BD35-16FD0B5DACB1}"/>
+              </a:ext>
+            </a:extLst>
+          </p:cNvPr>
+          <p:cNvCxnSpPr>
+            <a:cxnSpLocks/>
+          </p:cNvCxnSpPr>
+          <p:nvPr/>
+        </p:nvCxnSpPr>
+        <p:spPr>
+          <a:xfrm>
+            <a:off x="4717522" y="1796716"/>
+            <a:ext cx="993467" cy="0"/>
+          </a:xfrm>
+          <a:prstGeom prst="straightConnector1">
+            <a:avLst/>
+          </a:prstGeom>
+          <a:ln w="73025">
+            <a:solidFill>
+              <a:schemeClr val="bg1"/>
+            </a:solidFill>
+            <a:tailEnd type="triangle"/>
+          </a:ln>
+        </p:spPr>
+        <p:style>
+          <a:lnRef idx="1">
+            <a:schemeClr val="accent1"/>
+          </a:lnRef>
+          <a:fillRef idx="0">
+            <a:schemeClr val="accent1"/>
+          </a:fillRef>
+          <a:effectRef idx="0">
+            <a:schemeClr val="accent1"/>
+          </a:effectRef>
+          <a:fontRef idx="minor">
+            <a:schemeClr val="tx1"/>
+          </a:fontRef>
+        </p:style>
+      </p:cxnSp>
       <p:pic>
         <p:nvPicPr>
-          <p:cNvPr id="18" name="Picture 17">
+          <p:cNvPr id="6" name="Picture 5">
             <a:extLst>
               <a:ext uri="{FF2B5EF4-FFF2-40B4-BE49-F238E27FC236}">
-                <a16:creationId xmlns:a16="http://schemas.microsoft.com/office/drawing/2014/main" id="{BF590CA3-73F2-5243-BD87-B50570B9B855}"/>
+                <a16:creationId xmlns:a16="http://schemas.microsoft.com/office/drawing/2014/main" id="{4E3D7223-E70B-2A4B-8107-0043A9878236}"/>
               </a:ext>
             </a:extLst>
           </p:cNvPr>
@@ -10252,77 +10656,7 @@
         </p:blipFill>
         <p:spPr>
           <a:xfrm>
-            <a:off x="2204017" y="271263"/>
-            <a:ext cx="4907318" cy="6237043"/>
-          </a:xfrm>
-          <a:prstGeom prst="rect">
-            <a:avLst/>
-          </a:prstGeom>
-          <a:ln w="38100">
-            <a:solidFill>
-              <a:schemeClr val="bg1"/>
-            </a:solidFill>
-          </a:ln>
-        </p:spPr>
-      </p:pic>
-      <p:pic>
-        <p:nvPicPr>
-          <p:cNvPr id="20" name="Picture 19">
-            <a:extLst>
-              <a:ext uri="{FF2B5EF4-FFF2-40B4-BE49-F238E27FC236}">
-                <a16:creationId xmlns:a16="http://schemas.microsoft.com/office/drawing/2014/main" id="{5B43A3C9-695B-9949-B249-5EEA70E75344}"/>
-              </a:ext>
-            </a:extLst>
-          </p:cNvPr>
-          <p:cNvPicPr>
-            <a:picLocks noChangeAspect="1"/>
-          </p:cNvPicPr>
-          <p:nvPr/>
-        </p:nvPicPr>
-        <p:blipFill>
-          <a:blip r:embed="rId5"/>
-          <a:stretch>
-            <a:fillRect/>
-          </a:stretch>
-        </p:blipFill>
-        <p:spPr>
-          <a:xfrm>
-            <a:off x="7704404" y="271263"/>
-            <a:ext cx="1860589" cy="6365173"/>
-          </a:xfrm>
-          <a:prstGeom prst="rect">
-            <a:avLst/>
-          </a:prstGeom>
-          <a:ln w="38100">
-            <a:solidFill>
-              <a:schemeClr val="bg1"/>
-            </a:solidFill>
-          </a:ln>
-        </p:spPr>
-      </p:pic>
-      <p:pic>
-        <p:nvPicPr>
-          <p:cNvPr id="6" name="Picture 5">
-            <a:extLst>
-              <a:ext uri="{FF2B5EF4-FFF2-40B4-BE49-F238E27FC236}">
-                <a16:creationId xmlns:a16="http://schemas.microsoft.com/office/drawing/2014/main" id="{4E3D7223-E70B-2A4B-8107-0043A9878236}"/>
-              </a:ext>
-            </a:extLst>
-          </p:cNvPr>
-          <p:cNvPicPr>
-            <a:picLocks noChangeAspect="1"/>
-          </p:cNvPicPr>
-          <p:nvPr/>
-        </p:nvPicPr>
-        <p:blipFill>
-          <a:blip r:embed="rId6"/>
-          <a:stretch>
-            <a:fillRect/>
-          </a:stretch>
-        </p:blipFill>
-        <p:spPr>
-          <a:xfrm>
-            <a:off x="168475" y="221564"/>
+            <a:off x="168475" y="334371"/>
             <a:ext cx="11855049" cy="4462547"/>
           </a:xfrm>
           <a:prstGeom prst="rect">
@@ -10335,6 +10669,45 @@
           </a:ln>
         </p:spPr>
       </p:pic>
+      <p:sp>
+        <p:nvSpPr>
+          <p:cNvPr id="31" name="TextBox 30">
+            <a:extLst>
+              <a:ext uri="{FF2B5EF4-FFF2-40B4-BE49-F238E27FC236}">
+                <a16:creationId xmlns:a16="http://schemas.microsoft.com/office/drawing/2014/main" id="{F7028A3B-F2DA-474E-BD60-6C29F72D7E10}"/>
+              </a:ext>
+            </a:extLst>
+          </p:cNvPr>
+          <p:cNvSpPr txBox="1"/>
+          <p:nvPr/>
+        </p:nvSpPr>
+        <p:spPr>
+          <a:xfrm>
+            <a:off x="7138616" y="3181710"/>
+            <a:ext cx="3112289" cy="923330"/>
+          </a:xfrm>
+          <a:prstGeom prst="rect">
+            <a:avLst/>
+          </a:prstGeom>
+          <a:noFill/>
+        </p:spPr>
+        <p:txBody>
+          <a:bodyPr wrap="square" rtlCol="0">
+            <a:spAutoFit/>
+          </a:bodyPr>
+          <a:lstStyle/>
+          <a:p>
+            <a:r>
+              <a:rPr lang="en-US" sz="5400" u="sng" dirty="0">
+                <a:solidFill>
+                  <a:schemeClr val="bg1"/>
+                </a:solidFill>
+              </a:rPr>
+              <a:t>TIMELINE</a:t>
+            </a:r>
+          </a:p>
+        </p:txBody>
+      </p:sp>
     </p:spTree>
     <p:extLst>
       <p:ext uri="{BB962C8B-B14F-4D97-AF65-F5344CB8AC3E}">
@@ -10366,7 +10739,7 @@
                             </p:stCondLst>
                             <p:childTnLst>
                               <p:par>
-                                <p:cTn id="5" presetID="2" presetClass="entr" presetSubtype="4" fill="hold" nodeType="clickEffect">
+                                <p:cTn id="5" presetID="2" presetClass="entr" presetSubtype="4" fill="hold" grpId="0" nodeType="clickEffect">
                                   <p:stCondLst>
                                     <p:cond delay="0"/>
                                   </p:stCondLst>
@@ -10379,7 +10752,7 @@
                                           </p:stCondLst>
                                         </p:cTn>
                                         <p:tgtEl>
-                                          <p:spTgt spid="18"/>
+                                          <p:spTgt spid="24"/>
                                         </p:tgtEl>
                                         <p:attrNameLst>
                                           <p:attrName>style.visibility</p:attrName>
@@ -10393,7 +10766,7 @@
                                       <p:cBhvr additive="base">
                                         <p:cTn id="7" dur="500" fill="hold"/>
                                         <p:tgtEl>
-                                          <p:spTgt spid="18"/>
+                                          <p:spTgt spid="24"/>
                                         </p:tgtEl>
                                         <p:attrNameLst>
                                           <p:attrName>ppt_x</p:attrName>
@@ -10416,7 +10789,7 @@
                                       <p:cBhvr additive="base">
                                         <p:cTn id="8" dur="500" fill="hold"/>
                                         <p:tgtEl>
-                                          <p:spTgt spid="18"/>
+                                          <p:spTgt spid="24"/>
                                         </p:tgtEl>
                                         <p:attrNameLst>
                                           <p:attrName>ppt_y</p:attrName>
@@ -10457,7 +10830,7 @@
                             </p:stCondLst>
                             <p:childTnLst>
                               <p:par>
-                                <p:cTn id="11" presetID="2" presetClass="entr" presetSubtype="4" fill="hold" nodeType="clickEffect">
+                                <p:cTn id="11" presetID="2" presetClass="entr" presetSubtype="2" fill="hold" grpId="0" nodeType="clickEffect">
                                   <p:stCondLst>
                                     <p:cond delay="0"/>
                                   </p:stCondLst>
@@ -10470,7 +10843,7 @@
                                           </p:stCondLst>
                                         </p:cTn>
                                         <p:tgtEl>
-                                          <p:spTgt spid="20"/>
+                                          <p:spTgt spid="23"/>
                                         </p:tgtEl>
                                         <p:attrNameLst>
                                           <p:attrName>style.visibility</p:attrName>
@@ -10484,7 +10857,80 @@
                                       <p:cBhvr additive="base">
                                         <p:cTn id="13" dur="500" fill="hold"/>
                                         <p:tgtEl>
-                                          <p:spTgt spid="20"/>
+                                          <p:spTgt spid="23"/>
+                                        </p:tgtEl>
+                                        <p:attrNameLst>
+                                          <p:attrName>ppt_x</p:attrName>
+                                        </p:attrNameLst>
+                                      </p:cBhvr>
+                                      <p:tavLst>
+                                        <p:tav tm="0">
+                                          <p:val>
+                                            <p:strVal val="1+#ppt_w/2"/>
+                                          </p:val>
+                                        </p:tav>
+                                        <p:tav tm="100000">
+                                          <p:val>
+                                            <p:strVal val="#ppt_x"/>
+                                          </p:val>
+                                        </p:tav>
+                                      </p:tavLst>
+                                    </p:anim>
+                                    <p:anim calcmode="lin" valueType="num">
+                                      <p:cBhvr additive="base">
+                                        <p:cTn id="14" dur="500" fill="hold"/>
+                                        <p:tgtEl>
+                                          <p:spTgt spid="23"/>
+                                        </p:tgtEl>
+                                        <p:attrNameLst>
+                                          <p:attrName>ppt_y</p:attrName>
+                                        </p:attrNameLst>
+                                      </p:cBhvr>
+                                      <p:tavLst>
+                                        <p:tav tm="0">
+                                          <p:val>
+                                            <p:strVal val="#ppt_y"/>
+                                          </p:val>
+                                        </p:tav>
+                                        <p:tav tm="100000">
+                                          <p:val>
+                                            <p:strVal val="#ppt_y"/>
+                                          </p:val>
+                                        </p:tav>
+                                      </p:tavLst>
+                                    </p:anim>
+                                  </p:childTnLst>
+                                </p:cTn>
+                              </p:par>
+                              <p:par>
+                                <p:cTn id="15" presetID="2" presetClass="entr" presetSubtype="4" fill="hold" nodeType="withEffect">
+                                  <p:stCondLst>
+                                    <p:cond delay="0"/>
+                                  </p:stCondLst>
+                                  <p:childTnLst>
+                                    <p:set>
+                                      <p:cBhvr>
+                                        <p:cTn id="16" dur="1" fill="hold">
+                                          <p:stCondLst>
+                                            <p:cond delay="0"/>
+                                          </p:stCondLst>
+                                        </p:cTn>
+                                        <p:tgtEl>
+                                          <p:spTgt spid="27"/>
+                                        </p:tgtEl>
+                                        <p:attrNameLst>
+                                          <p:attrName>style.visibility</p:attrName>
+                                        </p:attrNameLst>
+                                      </p:cBhvr>
+                                      <p:to>
+                                        <p:strVal val="visible"/>
+                                      </p:to>
+                                    </p:set>
+                                    <p:anim calcmode="lin" valueType="num">
+                                      <p:cBhvr additive="base">
+                                        <p:cTn id="17" dur="500" fill="hold"/>
+                                        <p:tgtEl>
+                                          <p:spTgt spid="27"/>
                                         </p:tgtEl>
                                         <p:attrNameLst>
                                           <p:attrName>ppt_x</p:attrName>
@@ -10505,9 +10951,9 @@
                                     </p:anim>
                                     <p:anim calcmode="lin" valueType="num">
                                       <p:cBhvr additive="base">
-                                        <p:cTn id="14" dur="500" fill="hold"/>
+                                        <p:cTn id="18" dur="500" fill="hold"/>
                                         <p:tgtEl>
-                                          <p:spTgt spid="20"/>
+                                          <p:spTgt spid="27"/>
                                         </p:tgtEl>
                                         <p:attrNameLst>
                                           <p:attrName>ppt_y</p:attrName>
@@ -10536,26 +10982,26 @@
                     </p:cTn>
                   </p:par>
                   <p:par>
-                    <p:cTn id="15" fill="hold">
+                    <p:cTn id="19" fill="hold">
                       <p:stCondLst>
                         <p:cond delay="indefinite"/>
                       </p:stCondLst>
                       <p:childTnLst>
                         <p:par>
-                          <p:cTn id="16" fill="hold">
+                          <p:cTn id="20" fill="hold">
                             <p:stCondLst>
                               <p:cond delay="0"/>
                             </p:stCondLst>
                             <p:childTnLst>
                               <p:par>
-                                <p:cTn id="17" presetID="2" presetClass="entr" presetSubtype="4" fill="hold" nodeType="clickEffect">
+                                <p:cTn id="21" presetID="2" presetClass="entr" presetSubtype="4" fill="hold" nodeType="clickEffect">
                                   <p:stCondLst>
                                     <p:cond delay="0"/>
                                   </p:stCondLst>
                                   <p:childTnLst>
                                     <p:set>
                                       <p:cBhvr>
-                                        <p:cTn id="18" dur="1" fill="hold">
+                                        <p:cTn id="22" dur="1" fill="hold">
                                           <p:stCondLst>
                                             <p:cond delay="0"/>
                                           </p:stCondLst>
@@ -10573,7 +11019,7 @@
                                     </p:set>
                                     <p:anim calcmode="lin" valueType="num">
                                       <p:cBhvr additive="base">
-                                        <p:cTn id="19" dur="500" fill="hold"/>
+                                        <p:cTn id="23" dur="500" fill="hold"/>
                                         <p:tgtEl>
                                           <p:spTgt spid="6"/>
                                         </p:tgtEl>
@@ -10596,9 +11042,82 @@
                                     </p:anim>
                                     <p:anim calcmode="lin" valueType="num">
                                       <p:cBhvr additive="base">
-                                        <p:cTn id="20" dur="500" fill="hold"/>
+                                        <p:cTn id="24" dur="500" fill="hold"/>
                                         <p:tgtEl>
                                           <p:spTgt spid="6"/>
+                                        </p:tgtEl>
+                                        <p:attrNameLst>
+                                          <p:attrName>ppt_y</p:attrName>
+                                        </p:attrNameLst>
+                                      </p:cBhvr>
+                                      <p:tavLst>
+                                        <p:tav tm="0">
+                                          <p:val>
+                                            <p:strVal val="1+#ppt_h/2"/>
+                                          </p:val>
+                                        </p:tav>
+                                        <p:tav tm="100000">
+                                          <p:val>
+                                            <p:strVal val="#ppt_y"/>
+                                          </p:val>
+                                        </p:tav>
+                                      </p:tavLst>
+                                    </p:anim>
+                                  </p:childTnLst>
+                                </p:cTn>
+                              </p:par>
+                              <p:par>
+                                <p:cTn id="25" presetID="2" presetClass="entr" presetSubtype="4" fill="hold" grpId="0" nodeType="withEffect">
+                                  <p:stCondLst>
+                                    <p:cond delay="0"/>
+                                  </p:stCondLst>
+                                  <p:childTnLst>
+                                    <p:set>
+                                      <p:cBhvr>
+                                        <p:cTn id="26" dur="1" fill="hold">
+                                          <p:stCondLst>
+                                            <p:cond delay="0"/>
+                                          </p:stCondLst>
+                                        </p:cTn>
+                                        <p:tgtEl>
+                                          <p:spTgt spid="31"/>
+                                        </p:tgtEl>
+                                        <p:attrNameLst>
+                                          <p:attrName>style.visibility</p:attrName>
+                                        </p:attrNameLst>
+                                      </p:cBhvr>
+                                      <p:to>
+                                        <p:strVal val="visible"/>
+                                      </p:to>
+                                    </p:set>
+                                    <p:anim calcmode="lin" valueType="num">
+                                      <p:cBhvr additive="base">
+                                        <p:cTn id="27" dur="500" fill="hold"/>
+                                        <p:tgtEl>
+                                          <p:spTgt spid="31"/>
+                                        </p:tgtEl>
+                                        <p:attrNameLst>
+                                          <p:attrName>ppt_x</p:attrName>
+                                        </p:attrNameLst>
+                                      </p:cBhvr>
+                                      <p:tavLst>
+                                        <p:tav tm="0">
+                                          <p:val>
+                                            <p:strVal val="#ppt_x"/>
+                                          </p:val>
+                                        </p:tav>
+                                        <p:tav tm="100000">
+                                          <p:val>
+                                            <p:strVal val="#ppt_x"/>
+                                          </p:val>
+                                        </p:tav>
+                                      </p:tavLst>
+                                    </p:anim>
+                                    <p:anim calcmode="lin" valueType="num">
+                                      <p:cBhvr additive="base">
+                                        <p:cTn id="28" dur="500" fill="hold"/>
+                                        <p:tgtEl>
+                                          <p:spTgt spid="31"/>
                                         </p:tgtEl>
                                         <p:attrNameLst>
                                           <p:attrName>ppt_y</p:attrName>
@@ -10647,6 +11166,11 @@
         </p:cTn>
       </p:par>
     </p:tnLst>
+    <p:bldLst>
+      <p:bldP spid="23" grpId="0" animBg="1"/>
+      <p:bldP spid="24" grpId="0" animBg="1"/>
+      <p:bldP spid="31" grpId="0"/>
+    </p:bldLst>
   </p:timing>
 </p:sld>
 </file>
@@ -13526,7 +14050,7 @@
         </p:spPr>
         <p:txBody>
           <a:bodyPr vert="horz" lIns="91440" tIns="45720" rIns="91440" bIns="45720" rtlCol="0">
-            <a:normAutofit/>
+            <a:normAutofit fontScale="85000" lnSpcReduction="10000"/>
           </a:bodyPr>
           <a:lstStyle>
             <a:lvl1pPr marL="0" indent="0" algn="ctr" defTabSz="914400" rtl="0" eaLnBrk="1" latinLnBrk="0" hangingPunct="1">
@@ -13737,7 +14261,7 @@
           <a:p>
             <a:r>
               <a:rPr lang="en-US" sz="5400" dirty="0"/>
-              <a:t>Results – Purpose</a:t>
+              <a:t>Results – Purpose of Loans</a:t>
             </a:r>
           </a:p>
         </p:txBody>
@@ -13764,7 +14288,7 @@
         </p:blipFill>
         <p:spPr>
           <a:xfrm>
-            <a:off x="2975394" y="165452"/>
+            <a:off x="5950790" y="142479"/>
             <a:ext cx="6241210" cy="5228673"/>
           </a:xfrm>
           <a:prstGeom prst="rect">
@@ -13799,7 +14323,7 @@
         </p:blipFill>
         <p:spPr>
           <a:xfrm>
-            <a:off x="2975394" y="165452"/>
+            <a:off x="-1" y="75239"/>
             <a:ext cx="6241209" cy="5228672"/>
           </a:xfrm>
           <a:prstGeom prst="rect">
@@ -13834,7 +14358,7 @@
         </p:blipFill>
         <p:spPr>
           <a:xfrm>
-            <a:off x="6045669" y="874581"/>
+            <a:off x="5207393" y="2573379"/>
             <a:ext cx="4625329" cy="4209382"/>
           </a:xfrm>
           <a:prstGeom prst="rect">

--- a/documentation/loan_defaults_presentation.pptx
+++ b/documentation/loan_defaults_presentation.pptx
@@ -5,7 +5,7 @@
     <p:sldMasterId id="2147483756" r:id="rId1"/>
   </p:sldMasterIdLst>
   <p:notesMasterIdLst>
-    <p:notesMasterId r:id="rId18"/>
+    <p:notesMasterId r:id="rId17"/>
   </p:notesMasterIdLst>
   <p:sldIdLst>
     <p:sldId id="258" r:id="rId2"/>
@@ -14,16 +14,15 @@
     <p:sldId id="257" r:id="rId5"/>
     <p:sldId id="262" r:id="rId6"/>
     <p:sldId id="263" r:id="rId7"/>
-    <p:sldId id="264" r:id="rId8"/>
-    <p:sldId id="265" r:id="rId9"/>
-    <p:sldId id="266" r:id="rId10"/>
-    <p:sldId id="267" r:id="rId11"/>
-    <p:sldId id="270" r:id="rId12"/>
-    <p:sldId id="271" r:id="rId13"/>
-    <p:sldId id="272" r:id="rId14"/>
-    <p:sldId id="274" r:id="rId15"/>
-    <p:sldId id="273" r:id="rId16"/>
-    <p:sldId id="269" r:id="rId17"/>
+    <p:sldId id="271" r:id="rId8"/>
+    <p:sldId id="264" r:id="rId9"/>
+    <p:sldId id="267" r:id="rId10"/>
+    <p:sldId id="266" r:id="rId11"/>
+    <p:sldId id="265" r:id="rId12"/>
+    <p:sldId id="272" r:id="rId13"/>
+    <p:sldId id="274" r:id="rId14"/>
+    <p:sldId id="273" r:id="rId15"/>
+    <p:sldId id="269" r:id="rId16"/>
   </p:sldIdLst>
   <p:sldSz cx="12192000" cy="6858000"/>
   <p:notesSz cx="6858000" cy="9144000"/>
@@ -521,7 +520,7 @@
           <a:p>
             <a:r>
               <a:rPr lang="en-US" dirty="0"/>
-              <a:t>My project is about loan defaults, specifically looking who is likely to default, why they are likely and where they are from </a:t>
+              <a:t>My project is about loan defaults, specifically looking who is likely to default, why they are likely and where these people they are from </a:t>
             </a:r>
           </a:p>
         </p:txBody>
@@ -606,7 +605,91 @@
           <a:bodyPr/>
           <a:lstStyle/>
           <a:p>
+            <a:pPr marL="171450" indent="-171450">
+              <a:buFontTx/>
+              <a:buChar char="-"/>
+            </a:pPr>
+            <a:r>
+              <a:rPr lang="en-US" dirty="0"/>
+              <a:t>Looking at the ratios of defaulted to non-defaulted loans per purpose with purpose on the left and ratio along the bottom, we can see that loans for small businesses, loans to pay off education fees and loans used for the creating of renewable energy sources are the top of the chart. In fact you can identify sections within the data, showing roughly 3 main areas of risk-</a:t>
+            </a:r>
+          </a:p>
+          <a:p>
+            <a:pPr marL="171450" indent="-171450">
+              <a:buFontTx/>
+              <a:buChar char="-"/>
+            </a:pPr>
+            <a:r>
+              <a:rPr lang="en-US" dirty="0"/>
+              <a:t>CLICK-  from high / medium /  low.</a:t>
+            </a:r>
+          </a:p>
+          <a:p>
+            <a:pPr marL="171450" indent="-171450">
+              <a:buFontTx/>
+              <a:buChar char="-"/>
+            </a:pPr>
             <a:endParaRPr lang="en-US" dirty="0"/>
+          </a:p>
+          <a:p>
+            <a:pPr marL="171450" indent="-171450">
+              <a:buFontTx/>
+              <a:buChar char="-"/>
+            </a:pPr>
+            <a:r>
+              <a:rPr lang="en-US" dirty="0"/>
+              <a:t>CLICK – </a:t>
+            </a:r>
+          </a:p>
+          <a:p>
+            <a:pPr marL="171450" indent="-171450">
+              <a:buFontTx/>
+              <a:buChar char="-"/>
+            </a:pPr>
+            <a:r>
+              <a:rPr lang="en-US" dirty="0"/>
+              <a:t>Reflected in the Volume of defaulted to non-defaulted loans plot, with purpose on the left and number of loans on the bottom, is a distribution that shows the top 6 purposes for a loan actually falling into the low to medium risk categories - this is great for LC as the Majority of their customers are using loans for reasons less likely to default.</a:t>
+            </a:r>
+          </a:p>
+          <a:p>
+            <a:pPr marL="171450" indent="-171450">
+              <a:buFontTx/>
+              <a:buChar char="-"/>
+            </a:pPr>
+            <a:r>
+              <a:rPr lang="en-US" dirty="0"/>
+              <a:t>However, -CLICK-  as “other” is in the upper limit of medium risk I have chosen to omit “other” from the profile of a customer less likely to default. - CLICK-</a:t>
+            </a:r>
+          </a:p>
+          <a:p>
+            <a:pPr marL="171450" indent="-171450">
+              <a:buFontTx/>
+              <a:buChar char="-"/>
+            </a:pPr>
+            <a:r>
+              <a:rPr lang="en-US" dirty="0"/>
+              <a:t>With debt consolidation being at the bottom end of medium risk and with the volume almost as much as the other 13 purposes combined, it would be detrimental for profits to exclude this from a positive customer profile.</a:t>
+            </a:r>
+          </a:p>
+          <a:p>
+            <a:pPr marL="171450" indent="-171450">
+              <a:buFontTx/>
+              <a:buChar char="-"/>
+            </a:pPr>
+            <a:r>
+              <a:rPr lang="en-US" dirty="0"/>
+              <a:t>CLICK - SO, the least likely to default based on default ratios and risk categories, Least likely to default are.....</a:t>
+            </a:r>
+          </a:p>
+          <a:p>
+            <a:pPr marL="171450" indent="-171450">
+              <a:buFontTx/>
+              <a:buChar char="-"/>
+            </a:pPr>
+            <a:r>
+              <a:rPr lang="en-US" dirty="0"/>
+              <a:t>CLICK most likely to default are....</a:t>
+            </a:r>
           </a:p>
         </p:txBody>
       </p:sp>
@@ -636,7 +719,7 @@
     </p:spTree>
     <p:extLst>
       <p:ext uri="{BB962C8B-B14F-4D97-AF65-F5344CB8AC3E}">
-        <p14:creationId xmlns:p14="http://schemas.microsoft.com/office/powerpoint/2010/main" val="1432630917"/>
+        <p14:creationId xmlns:p14="http://schemas.microsoft.com/office/powerpoint/2010/main" val="207199627"/>
       </p:ext>
     </p:extLst>
   </p:cSld>
@@ -690,9 +773,105 @@
           <a:bodyPr/>
           <a:lstStyle/>
           <a:p>
+            <a:pPr marL="171450" indent="-171450">
+              <a:buFontTx/>
+              <a:buChar char="-"/>
+            </a:pPr>
             <a:r>
               <a:rPr lang="en-US" dirty="0"/>
-              <a:t>From this you can begin to identify business question from and for all you data spuds out there you may even be able to imagine what the analysis process  may even look like.</a:t>
+              <a:t>Highest amount of loans taken out come from Cal / NY / </a:t>
+            </a:r>
+            <a:r>
+              <a:rPr lang="en-US" dirty="0" err="1"/>
+              <a:t>Flor</a:t>
+            </a:r>
+            <a:r>
+              <a:rPr lang="en-US" dirty="0"/>
+              <a:t> / </a:t>
+            </a:r>
+            <a:r>
+              <a:rPr lang="en-US" dirty="0" err="1"/>
+              <a:t>Tex</a:t>
+            </a:r>
+            <a:r>
+              <a:rPr lang="en-US" dirty="0"/>
+              <a:t> / New </a:t>
+            </a:r>
+            <a:r>
+              <a:rPr lang="en-US" dirty="0" err="1"/>
+              <a:t>Jer</a:t>
+            </a:r>
+            <a:r>
+              <a:rPr lang="en-US" dirty="0"/>
+              <a:t> however this could be proportional to the population of those areas</a:t>
+            </a:r>
+          </a:p>
+          <a:p>
+            <a:pPr marL="171450" indent="-171450">
+              <a:buFontTx/>
+              <a:buChar char="-"/>
+            </a:pPr>
+            <a:r>
+              <a:rPr lang="en-US" dirty="0"/>
+              <a:t>CLICK - Filtering those on defaulted loans there is no surprise the highest number of defaults were the same top 5 stats, SO To get a better representation at defaults, I looked at the default rate...</a:t>
+            </a:r>
+          </a:p>
+          <a:p>
+            <a:pPr marL="171450" indent="-171450">
+              <a:buFontTx/>
+              <a:buChar char="-"/>
+            </a:pPr>
+            <a:r>
+              <a:rPr lang="en-US" dirty="0"/>
+              <a:t>CLICK</a:t>
+            </a:r>
+          </a:p>
+          <a:p>
+            <a:r>
+              <a:rPr lang="en-US" dirty="0"/>
+              <a:t>-  Map - ratio of defaults per state ( darker the area the higher default ratio) - Immediately you can see states such at Nebraska, Indiana, Nevada Mississippi and Alaska floating bottom left have the highest ratio of defaults, however I felt was is not truly accurate....</a:t>
+            </a:r>
+          </a:p>
+          <a:p>
+            <a:r>
+              <a:rPr lang="en-US" dirty="0"/>
+              <a:t>- CLICK</a:t>
+            </a:r>
+          </a:p>
+          <a:p>
+            <a:r>
+              <a:rPr lang="en-US" dirty="0"/>
+              <a:t>- ... because as you can see the loan counts are not all proportionate to each other : Nebraska having 6/11 customers default could be giving an unfair representation of the state, so what I did was...</a:t>
+            </a:r>
+          </a:p>
+          <a:p>
+            <a:r>
+              <a:rPr lang="en-US" dirty="0"/>
+              <a:t>- CLICK</a:t>
+            </a:r>
+          </a:p>
+          <a:p>
+            <a:r>
+              <a:rPr lang="en-US" dirty="0"/>
+              <a:t>-  highlight the top 5 states above the average loan count (847 loans) with the highest default rate. </a:t>
+            </a:r>
+          </a:p>
+          <a:p>
+            <a:r>
+              <a:rPr lang="en-US" dirty="0"/>
+              <a:t>- CLICK</a:t>
+            </a:r>
+          </a:p>
+          <a:p>
+            <a:r>
+              <a:rPr lang="en-US" dirty="0"/>
+              <a:t>- I did the same with but with the lowest default rate</a:t>
+            </a:r>
+          </a:p>
+          <a:p>
+            <a:r>
+              <a:rPr lang="en-US" dirty="0"/>
+              <a:t>- SO??? -  CLICK - the states denoted are most and least likely to default..</a:t>
             </a:r>
           </a:p>
         </p:txBody>
@@ -723,7 +902,7 @@
     </p:spTree>
     <p:extLst>
       <p:ext uri="{BB962C8B-B14F-4D97-AF65-F5344CB8AC3E}">
-        <p14:creationId xmlns:p14="http://schemas.microsoft.com/office/powerpoint/2010/main" val="542172580"/>
+        <p14:creationId xmlns:p14="http://schemas.microsoft.com/office/powerpoint/2010/main" val="3981094865"/>
       </p:ext>
     </p:extLst>
   </p:cSld>
@@ -810,7 +989,7 @@
     </p:spTree>
     <p:extLst>
       <p:ext uri="{BB962C8B-B14F-4D97-AF65-F5344CB8AC3E}">
-        <p14:creationId xmlns:p14="http://schemas.microsoft.com/office/powerpoint/2010/main" val="2624142554"/>
+        <p14:creationId xmlns:p14="http://schemas.microsoft.com/office/powerpoint/2010/main" val="3683921468"/>
       </p:ext>
     </p:extLst>
   </p:cSld>
@@ -864,10 +1043,7 @@
           <a:bodyPr/>
           <a:lstStyle/>
           <a:p>
-            <a:r>
-              <a:rPr lang="en-US" dirty="0"/>
-              <a:t>From this you can begin to identify business question from and for all you data spuds out there you may even be able to imagine what the analysis process  may even look like.</a:t>
-            </a:r>
+            <a:endParaRPr lang="en-US" dirty="0"/>
           </a:p>
         </p:txBody>
       </p:sp>
@@ -897,7 +1073,7 @@
     </p:spTree>
     <p:extLst>
       <p:ext uri="{BB962C8B-B14F-4D97-AF65-F5344CB8AC3E}">
-        <p14:creationId xmlns:p14="http://schemas.microsoft.com/office/powerpoint/2010/main" val="3683921468"/>
+        <p14:creationId xmlns:p14="http://schemas.microsoft.com/office/powerpoint/2010/main" val="3441639350"/>
       </p:ext>
     </p:extLst>
   </p:cSld>
@@ -951,7 +1127,43 @@
           <a:bodyPr/>
           <a:lstStyle/>
           <a:p>
-            <a:endParaRPr lang="en-US" dirty="0"/>
+            <a:pPr marL="0" marR="0" lvl="0" indent="0" algn="l" defTabSz="914400" rtl="0" eaLnBrk="1" fontAlgn="auto" latinLnBrk="0" hangingPunct="1">
+              <a:lnSpc>
+                <a:spcPct val="100000"/>
+              </a:lnSpc>
+              <a:spcBef>
+                <a:spcPts val="0"/>
+              </a:spcBef>
+              <a:spcAft>
+                <a:spcPts val="0"/>
+              </a:spcAft>
+              <a:buClrTx/>
+              <a:buSzTx/>
+              <a:buFontTx/>
+              <a:buNone/>
+              <a:tabLst/>
+              <a:defRPr/>
+            </a:pPr>
+            <a:r>
+              <a:rPr lang="en-US" dirty="0"/>
+              <a:t>Chose this brief because </a:t>
+            </a:r>
+            <a:r>
+              <a:rPr lang="en-US" dirty="0" err="1"/>
+              <a:t>i</a:t>
+            </a:r>
+            <a:r>
+              <a:rPr lang="en-US" dirty="0"/>
+              <a:t> am really fascinated by models and the predictive power they have, I </a:t>
+            </a:r>
+            <a:r>
+              <a:rPr lang="en-US" dirty="0" err="1"/>
+              <a:t>wasnt</a:t>
+            </a:r>
+            <a:r>
+              <a:rPr lang="en-US" dirty="0"/>
+              <a:t> fully confident with them after the lectures so wanted to challenge myself.</a:t>
+            </a:r>
           </a:p>
         </p:txBody>
       </p:sp>
@@ -981,7 +1193,7 @@
     </p:spTree>
     <p:extLst>
       <p:ext uri="{BB962C8B-B14F-4D97-AF65-F5344CB8AC3E}">
-        <p14:creationId xmlns:p14="http://schemas.microsoft.com/office/powerpoint/2010/main" val="3441639350"/>
+        <p14:creationId xmlns:p14="http://schemas.microsoft.com/office/powerpoint/2010/main" val="2201179652"/>
       </p:ext>
     </p:extLst>
   </p:cSld>
@@ -1035,10 +1247,7 @@
           <a:bodyPr/>
           <a:lstStyle/>
           <a:p>
-            <a:r>
-              <a:rPr lang="en-US" dirty="0"/>
-              <a:t>From this you can begin to identify business question from and for all you data spuds out there you may even be able to imagine what the analysis process  may even look like.</a:t>
-            </a:r>
+            <a:endParaRPr lang="en-US" dirty="0"/>
           </a:p>
         </p:txBody>
       </p:sp>
@@ -1060,90 +1269,6 @@
             <a:fld id="{360BD77D-F896-FD47-98B6-59426B3702AE}" type="slidenum">
               <a:rPr lang="en-US" smtClean="0"/>
               <a:t>15</a:t>
-            </a:fld>
-            <a:endParaRPr lang="en-US"/>
-          </a:p>
-        </p:txBody>
-      </p:sp>
-    </p:spTree>
-    <p:extLst>
-      <p:ext uri="{BB962C8B-B14F-4D97-AF65-F5344CB8AC3E}">
-        <p14:creationId xmlns:p14="http://schemas.microsoft.com/office/powerpoint/2010/main" val="2201179652"/>
-      </p:ext>
-    </p:extLst>
-  </p:cSld>
-  <p:clrMapOvr>
-    <a:masterClrMapping/>
-  </p:clrMapOvr>
-</p:notes>
-</file>
-
-<file path=ppt/notesSlides/notesSlide16.xml><?xml version="1.0" encoding="utf-8"?>
-<p:notes xmlns:a="http://schemas.openxmlformats.org/drawingml/2006/main" xmlns:r="http://schemas.openxmlformats.org/officeDocument/2006/relationships" xmlns:p="http://schemas.openxmlformats.org/presentationml/2006/main">
-  <p:cSld>
-    <p:spTree>
-      <p:nvGrpSpPr>
-        <p:cNvPr id="1" name=""/>
-        <p:cNvGrpSpPr/>
-        <p:nvPr/>
-      </p:nvGrpSpPr>
-      <p:grpSpPr>
-        <a:xfrm>
-          <a:off x="0" y="0"/>
-          <a:ext cx="0" cy="0"/>
-          <a:chOff x="0" y="0"/>
-          <a:chExt cx="0" cy="0"/>
-        </a:xfrm>
-      </p:grpSpPr>
-      <p:sp>
-        <p:nvSpPr>
-          <p:cNvPr id="2" name="Slide Image Placeholder 1"/>
-          <p:cNvSpPr>
-            <a:spLocks noGrp="1" noRot="1" noChangeAspect="1"/>
-          </p:cNvSpPr>
-          <p:nvPr>
-            <p:ph type="sldImg"/>
-          </p:nvPr>
-        </p:nvSpPr>
-        <p:spPr/>
-      </p:sp>
-      <p:sp>
-        <p:nvSpPr>
-          <p:cNvPr id="3" name="Notes Placeholder 2"/>
-          <p:cNvSpPr>
-            <a:spLocks noGrp="1"/>
-          </p:cNvSpPr>
-          <p:nvPr>
-            <p:ph type="body" idx="1"/>
-          </p:nvPr>
-        </p:nvSpPr>
-        <p:spPr/>
-        <p:txBody>
-          <a:bodyPr/>
-          <a:lstStyle/>
-          <a:p>
-            <a:endParaRPr lang="en-US" dirty="0"/>
-          </a:p>
-        </p:txBody>
-      </p:sp>
-      <p:sp>
-        <p:nvSpPr>
-          <p:cNvPr id="4" name="Slide Number Placeholder 3"/>
-          <p:cNvSpPr>
-            <a:spLocks noGrp="1"/>
-          </p:cNvSpPr>
-          <p:nvPr>
-            <p:ph type="sldNum" sz="quarter" idx="5"/>
-          </p:nvPr>
-        </p:nvSpPr>
-        <p:spPr/>
-        <p:txBody>
-          <a:bodyPr/>
-          <a:lstStyle/>
-          <a:p>
-            <a:fld id="{360BD77D-F896-FD47-98B6-59426B3702AE}" type="slidenum">
-              <a:rPr lang="en-US" smtClean="0"/>
-              <a:t>16</a:t>
             </a:fld>
             <a:endParaRPr lang="en-US"/>
           </a:p>
@@ -1208,7 +1333,13 @@
           <a:p>
             <a:r>
               <a:rPr lang="en-US" dirty="0"/>
-              <a:t>I want to identify WHO is likely and WHO they should lend to in the future - lose the words</a:t>
+              <a:t>This is an insight into the brief I chose,  essentially</a:t>
+            </a:r>
+          </a:p>
+          <a:p>
+            <a:r>
+              <a:rPr lang="en-US" dirty="0"/>
+              <a:t>I want to identify WHO is likely to default on their loan and who the company I am working for, should lend to in the future </a:t>
             </a:r>
           </a:p>
           <a:p>
@@ -1217,7 +1348,16 @@
           <a:p>
             <a:r>
               <a:rPr lang="en-US" dirty="0"/>
-              <a:t>From this you can begin to identify business question from and for all you data spuds out there you may even be able to imagine what the analysis process  may even look like.</a:t>
+              <a:t>From this you can begin to identify business question from and for all you data spuds out there you may even be able to imagine what the analysis process looks like..</a:t>
+            </a:r>
+          </a:p>
+          <a:p>
+            <a:endParaRPr lang="en-US" dirty="0"/>
+          </a:p>
+          <a:p>
+            <a:r>
+              <a:rPr lang="en-US" dirty="0"/>
+              <a:t>CLICK</a:t>
             </a:r>
           </a:p>
         </p:txBody>
@@ -1304,13 +1444,19 @@
           <a:p>
             <a:r>
               <a:rPr lang="en-US" dirty="0"/>
-              <a:t>Scheduled for 10 mins + time for questions</a:t>
+              <a:t>Presentation  Scheduled for 10 mins + time for questions</a:t>
             </a:r>
           </a:p>
           <a:p>
             <a:endParaRPr lang="en-US" dirty="0"/>
           </a:p>
           <a:p>
+            <a:r>
+              <a:rPr lang="en-US" dirty="0"/>
+              <a:t>Covering topics...</a:t>
+            </a:r>
+          </a:p>
+          <a:p>
             <a:endParaRPr lang="en-US" dirty="0"/>
           </a:p>
           <a:p>
@@ -1322,15 +1468,7 @@
           <a:p>
             <a:r>
               <a:rPr lang="en-US" dirty="0"/>
-              <a:t>During rehearsals at this point in the </a:t>
-            </a:r>
-            <a:r>
-              <a:rPr lang="en-US" dirty="0" err="1"/>
-              <a:t>pres</a:t>
-            </a:r>
-            <a:r>
-              <a:rPr lang="en-US" dirty="0"/>
-              <a:t>,  my gf mistakenly thought my presentation was about loans with Greggs the baker ... who knows you might even get a cinnamon bun with your loan</a:t>
+              <a:t>On a side note during presentation rehearsals to my gf she  mistakenly thought my presentation was about loans with Greggs the baker ... who knows you might even get a cinnamon bun with your loan</a:t>
             </a:r>
           </a:p>
         </p:txBody>
@@ -1417,12 +1555,6 @@
           <a:p>
             <a:r>
               <a:rPr lang="en-GB" dirty="0"/>
-              <a:t>LC homepage....</a:t>
-            </a:r>
-          </a:p>
-          <a:p>
-            <a:r>
-              <a:rPr lang="en-GB" dirty="0"/>
               <a:t>Founded - 2006</a:t>
             </a:r>
           </a:p>
@@ -1442,7 +1574,25 @@
           <a:p>
             <a:r>
               <a:rPr lang="en-GB" dirty="0"/>
-              <a:t>SO?? THE pathfinder into a new style of loaning system.  Sitting between banks and consumers, essentially  facilitators (middle men), </a:t>
+              <a:t>CLICK</a:t>
+            </a:r>
+          </a:p>
+          <a:p>
+            <a:endParaRPr lang="en-GB" dirty="0"/>
+          </a:p>
+          <a:p>
+            <a:r>
+              <a:rPr lang="en-GB" dirty="0"/>
+              <a:t>They have very enticing home page with promises of wads of cash and to get started and you only need to provide 2 pieces of information.</a:t>
+            </a:r>
+          </a:p>
+          <a:p>
+            <a:endParaRPr lang="en-GB" dirty="0"/>
+          </a:p>
+          <a:p>
+            <a:r>
+              <a:rPr lang="en-GB" dirty="0"/>
+              <a:t> CLICK </a:t>
             </a:r>
           </a:p>
           <a:p>
@@ -1473,6 +1623,27 @@
               <a:rPr lang="en-GB" dirty="0"/>
               <a:t> has recently enjoyed his loan</a:t>
             </a:r>
+          </a:p>
+          <a:p>
+            <a:endParaRPr lang="en-GB" dirty="0"/>
+          </a:p>
+          <a:p>
+            <a:r>
+              <a:rPr lang="en-GB" dirty="0"/>
+              <a:t>  &gt;&gt;&gt;&gt;&gt;</a:t>
+            </a:r>
+          </a:p>
+          <a:p>
+            <a:endParaRPr lang="en-GB" dirty="0"/>
+          </a:p>
+          <a:p>
+            <a:r>
+              <a:rPr lang="en-GB" dirty="0"/>
+              <a:t>SO?? LC are pathfinder into a new style of loaning system.  Sitting between banks and consumers, essentially facilitators (middle men), </a:t>
+            </a:r>
+          </a:p>
+          <a:p>
+            <a:endParaRPr lang="en-GB" dirty="0"/>
           </a:p>
           <a:p>
             <a:endParaRPr lang="en-GB" dirty="0"/>
@@ -1567,7 +1738,7 @@
           <a:p>
             <a:r>
               <a:rPr lang="en-GB" b="1" dirty="0"/>
-              <a:t>As the great Prussian Field Marshal Helmuth von Moltke the Elder </a:t>
+              <a:t>As the great Prussian Field Marshal Helmuth von Moltke  </a:t>
             </a:r>
           </a:p>
           <a:p>
@@ -1576,23 +1747,19 @@
           <a:p>
             <a:r>
               <a:rPr lang="en-US" dirty="0"/>
-              <a:t>”No Plan Survives Contact with the enemy” or words to that effect..... It certainly was true in my case, as you will find out</a:t>
-            </a:r>
-          </a:p>
-          <a:p>
-            <a:endParaRPr lang="en-US" dirty="0"/>
-          </a:p>
-          <a:p>
-            <a:endParaRPr lang="en-US" dirty="0"/>
-          </a:p>
-          <a:p>
-            <a:pPr marL="171450" indent="-171450">
-              <a:buFontTx/>
-              <a:buChar char="-"/>
-            </a:pPr>
+              <a:t>”No Plan Survives Contact with the enemy” or words to that effect..... It certainly was true in my case, as you will find out shortly....</a:t>
+            </a:r>
+          </a:p>
+          <a:p>
             <a:r>
               <a:rPr lang="en-US" dirty="0"/>
-              <a:t>Chose this brief because </a:t>
+              <a:t>----CLICK </a:t>
+            </a:r>
+          </a:p>
+          <a:p>
+            <a:r>
+              <a:rPr lang="en-US" dirty="0"/>
+              <a:t>Firstly </a:t>
             </a:r>
             <a:r>
               <a:rPr lang="en-US" dirty="0" err="1"/>
@@ -1600,59 +1767,72 @@
             </a:r>
             <a:r>
               <a:rPr lang="en-US" dirty="0"/>
-              <a:t> am really fascinated by models and the predictive power they have, I </a:t>
-            </a:r>
-            <a:r>
-              <a:rPr lang="en-US" dirty="0" err="1"/>
-              <a:t>wasnt</a:t>
-            </a:r>
+              <a:t> looked at the business question and derived2 parts...</a:t>
+            </a:r>
+          </a:p>
+          <a:p>
             <a:r>
               <a:rPr lang="en-US" dirty="0"/>
-              <a:t> fully confident with them after the lectures so wanted to challenge myself.</a:t>
-            </a:r>
-          </a:p>
-          <a:p>
-            <a:pPr marL="171450" indent="-171450">
+              <a:t>----CLICK</a:t>
+            </a:r>
+          </a:p>
+          <a:p>
+            <a:r>
+              <a:rPr lang="en-US" dirty="0"/>
+              <a:t>SO?? I deduced that if uncover the answer to one, by proxy you will uncover the answer to the other.</a:t>
+            </a:r>
+          </a:p>
+          <a:p>
+            <a:r>
+              <a:rPr lang="en-US" dirty="0"/>
+              <a:t>I then broke it down to 3 parts... </a:t>
+            </a:r>
+          </a:p>
+          <a:p>
+            <a:pPr marL="0" marR="0" lvl="0" indent="0" algn="l" defTabSz="914400" rtl="0" eaLnBrk="1" fontAlgn="auto" latinLnBrk="0" hangingPunct="1">
+              <a:lnSpc>
+                <a:spcPct val="100000"/>
+              </a:lnSpc>
+              <a:spcBef>
+                <a:spcPts val="0"/>
+              </a:spcBef>
+              <a:spcAft>
+                <a:spcPts val="0"/>
+              </a:spcAft>
+              <a:buClrTx/>
+              <a:buSzTx/>
               <a:buFontTx/>
-              <a:buChar char="-"/>
+              <a:buNone/>
+              <a:tabLst/>
+              <a:defRPr/>
             </a:pPr>
-            <a:endParaRPr lang="en-US" dirty="0"/>
-          </a:p>
-          <a:p>
-            <a:pPr marL="171450" indent="-171450">
-              <a:buFontTx/>
-              <a:buChar char="-"/>
-            </a:pPr>
             <a:r>
               <a:rPr lang="en-US" dirty="0"/>
-              <a:t>Question - broke it down... 3 parts... </a:t>
-            </a:r>
-          </a:p>
-          <a:p>
-            <a:pPr marL="171450" indent="-171450">
-              <a:buFontTx/>
-              <a:buChar char="-"/>
-            </a:pPr>
-            <a:endParaRPr lang="en-US" dirty="0"/>
+              <a:t>----CLICK</a:t>
+            </a:r>
           </a:p>
           <a:p>
             <a:r>
               <a:rPr lang="en-US" dirty="0"/>
-              <a:t>- </a:t>
-            </a:r>
-            <a:r>
-              <a:rPr lang="en-US" dirty="0" err="1"/>
-              <a:t>Calender</a:t>
-            </a:r>
+              <a:t>I chose these as I felt they best represent the answer to building  a profile of the customer in order to answer the business question.</a:t>
+            </a:r>
+          </a:p>
+          <a:p>
             <a:r>
               <a:rPr lang="en-US" dirty="0"/>
-              <a:t>  for the week - 4 phases.... </a:t>
+              <a:t>----CLICK</a:t>
             </a:r>
           </a:p>
           <a:p>
             <a:r>
               <a:rPr lang="en-US" dirty="0"/>
-              <a:t> </a:t>
+              <a:t>A timeline for my project was as follows, broken down into 4 phases...</a:t>
+            </a:r>
+          </a:p>
+          <a:p>
+            <a:r>
+              <a:rPr lang="en-US" dirty="0"/>
+              <a:t>Personal circumstances moved the timeline to the right a day or two however was not such a burden on the project. As you can see I had intended to build a model, I did however its performance was very poor and not worth including... more in the refection slides.</a:t>
             </a:r>
           </a:p>
         </p:txBody>
@@ -1739,51 +1919,40 @@
           <a:p>
             <a:r>
               <a:rPr lang="en-US" dirty="0"/>
-              <a:t>Formats –</a:t>
-            </a:r>
-          </a:p>
-          <a:p>
+              <a:t>There was 3 datasets that were all in csv format containing the customer information, full US state names and </a:t>
+            </a:r>
+            <a:r>
+              <a:rPr lang="en-US" dirty="0" err="1"/>
+              <a:t>LendingClub</a:t>
+            </a:r>
             <a:r>
               <a:rPr lang="en-US" dirty="0"/>
-              <a:t> 3 x csv files in order of largest to smallest depicting if they are from the company or externally provided - </a:t>
+              <a:t> attributed grades which where then joined together.</a:t>
+            </a:r>
+          </a:p>
+          <a:p>
+            <a:endParaRPr lang="en-US" dirty="0"/>
+          </a:p>
+          <a:p>
+            <a:r>
+              <a:rPr lang="en-US" dirty="0"/>
+              <a:t>Quality – A volume of missing values, after cleaning the data of them I almost </a:t>
             </a:r>
             <a:r>
               <a:rPr lang="en-US" dirty="0" err="1"/>
-              <a:t>supplimentary</a:t>
+              <a:t>halfed</a:t>
             </a:r>
             <a:r>
               <a:rPr lang="en-US" dirty="0"/>
-              <a:t> as states were abbreviated in dataset</a:t>
-            </a:r>
-          </a:p>
-          <a:p>
-            <a:endParaRPr lang="en-US" dirty="0"/>
-          </a:p>
-          <a:p>
+              <a:t> the </a:t>
+            </a:r>
+            <a:r>
+              <a:rPr lang="en-US" dirty="0" err="1"/>
+              <a:t>amout</a:t>
+            </a:r>
             <a:r>
               <a:rPr lang="en-US" dirty="0"/>
-              <a:t>Table - </a:t>
-            </a:r>
-          </a:p>
-          <a:p>
-            <a:r>
-              <a:rPr lang="en-US" dirty="0"/>
-              <a:t>Variable examples listing multiple data types – I had to remove a large number of Boolean as they were mainly populated with NA/s – considerations were made to customers possibly never experiencing the variable description, however as all NA/s decided to remove</a:t>
-            </a:r>
-          </a:p>
-          <a:p>
-            <a:endParaRPr lang="en-US" dirty="0"/>
-          </a:p>
-          <a:p>
-            <a:r>
-              <a:rPr lang="en-US" dirty="0"/>
-              <a:t>Quality – </a:t>
-            </a:r>
-          </a:p>
-          <a:p>
-            <a:r>
-              <a:rPr lang="en-US" dirty="0"/>
-              <a:t>As seen almost half variables were removed, however still large amounts for model building – I then broke this down further into an “onramp data set” (19) and a ”background check data set”(17),</a:t>
+              <a:t> of columns in the dataset</a:t>
             </a:r>
           </a:p>
           <a:p>
@@ -1815,39 +1984,8 @@
           <a:p>
             <a:r>
               <a:rPr lang="en-US" dirty="0"/>
-              <a:t>Ethical Implications –</a:t>
-            </a:r>
-          </a:p>
-          <a:p>
-            <a:endParaRPr lang="en-US" dirty="0"/>
-          </a:p>
-          <a:p>
-            <a:r>
-              <a:rPr lang="en-US" dirty="0"/>
-              <a:t>Data is made up of mainly these purposes….</a:t>
-            </a:r>
-          </a:p>
-          <a:p>
-            <a:endParaRPr lang="en-US" dirty="0"/>
-          </a:p>
-          <a:p>
-            <a:r>
-              <a:rPr lang="en-US" dirty="0"/>
-              <a:t>Credit card and debt consolidation are the only 2 categories to increase in loan volume from the late 2012… potential explanation is due to the financial crisis with USA experienced with </a:t>
-            </a:r>
-            <a:r>
-              <a:rPr lang="en-GB" dirty="0"/>
-              <a:t>the debt-to-GDP ratio 100%, higher than at any time since World War II. Plus according to the </a:t>
-            </a:r>
-            <a:r>
-              <a:rPr lang="en-GB" dirty="0" err="1"/>
-              <a:t>myan</a:t>
-            </a:r>
-            <a:r>
-              <a:rPr lang="en-GB" dirty="0"/>
-              <a:t> calendar it was the end of the world so who knows…</a:t>
-            </a:r>
-            <a:endParaRPr lang="en-US" dirty="0"/>
+              <a:t>Ethical Implications –….</a:t>
+            </a:r>
           </a:p>
         </p:txBody>
       </p:sp>
@@ -1931,38 +2069,73 @@
           <a:bodyPr/>
           <a:lstStyle/>
           <a:p>
+            <a:pPr marL="171450" indent="-171450">
+              <a:buFontTx/>
+              <a:buChar char="-"/>
+            </a:pPr>
             <a:r>
               <a:rPr lang="en-US" dirty="0"/>
-              <a:t>Defining Defaulted - </a:t>
-            </a:r>
-            <a:r>
-              <a:rPr lang="en-GB" b="1" dirty="0"/>
-              <a:t>if you fail to make on-time payments, your loan can go into default</a:t>
-            </a:r>
-            <a:r>
-              <a:rPr lang="en-GB" dirty="0"/>
-              <a:t>.</a:t>
-            </a:r>
-          </a:p>
-          <a:p>
-            <a:endParaRPr lang="en-GB" dirty="0"/>
-          </a:p>
-          <a:p>
-            <a:endParaRPr lang="en-GB" dirty="0"/>
-          </a:p>
-          <a:p>
+              <a:t>From 2007 – late 2011 the top 3 reasons for Loans show as debt consolidation, paying off credit cards and other. Through analysis of user entered descriptions "other" is a mixture repaying debts, credit cards, home repairs, building credit and holidays.</a:t>
+            </a:r>
+          </a:p>
+          <a:p>
+            <a:pPr marL="171450" indent="-171450">
+              <a:buFontTx/>
+              <a:buChar char="-"/>
+            </a:pPr>
+            <a:endParaRPr lang="en-US" dirty="0"/>
+          </a:p>
+          <a:p>
+            <a:pPr marL="171450" indent="-171450">
+              <a:buFontTx/>
+              <a:buChar char="-"/>
+            </a:pPr>
             <a:r>
               <a:rPr lang="en-US" dirty="0"/>
-              <a:t>about 15% of customers are either charged off, late &gt; 16days or have defaulted  </a:t>
-            </a:r>
-          </a:p>
-          <a:p>
+              <a:t>CLICK </a:t>
+            </a:r>
+          </a:p>
+          <a:p>
+            <a:pPr marL="171450" indent="-171450">
+              <a:buFontTx/>
+              <a:buChar char="-"/>
+            </a:pPr>
             <a:endParaRPr lang="en-US" dirty="0"/>
           </a:p>
           <a:p>
+            <a:pPr marL="171450" indent="-171450">
+              <a:buFontTx/>
+              <a:buChar char="-"/>
+            </a:pPr>
             <a:r>
               <a:rPr lang="en-US" dirty="0"/>
-              <a:t>- To define my data set, 85% non-defaults, 15% defaulted</a:t>
+              <a:t>Line graph shows the journey of these types of  loans over time – debt consolidation remained the highest throughout the time period with paying off credit cards overtaking the “other” category – CLICK-  around mid 2010.</a:t>
+            </a:r>
+          </a:p>
+          <a:p>
+            <a:pPr marL="171450" indent="-171450">
+              <a:buFontTx/>
+              <a:buChar char="-"/>
+            </a:pPr>
+            <a:endParaRPr lang="en-US" dirty="0"/>
+          </a:p>
+          <a:p>
+            <a:pPr marL="171450" indent="-171450">
+              <a:buFontTx/>
+              <a:buChar char="-"/>
+            </a:pPr>
+            <a:r>
+              <a:rPr lang="en-US" dirty="0"/>
+              <a:t>TAKEAWAY– debt consolidation remains the most popular reasons for LC Loans </a:t>
+            </a:r>
+          </a:p>
+          <a:p>
+            <a:endParaRPr lang="en-US" dirty="0"/>
+          </a:p>
+          <a:p>
+            <a:r>
+              <a:rPr lang="en-US" dirty="0"/>
+              <a:t>Now looking back at the brief I had to find those customers most likely to default.... that meant defining a defaulted loan..... &gt;&gt;&gt;</a:t>
             </a:r>
           </a:p>
         </p:txBody>
@@ -1993,7 +2166,7 @@
     </p:spTree>
     <p:extLst>
       <p:ext uri="{BB962C8B-B14F-4D97-AF65-F5344CB8AC3E}">
-        <p14:creationId xmlns:p14="http://schemas.microsoft.com/office/powerpoint/2010/main" val="3699739865"/>
+        <p14:creationId xmlns:p14="http://schemas.microsoft.com/office/powerpoint/2010/main" val="2624142554"/>
       </p:ext>
     </p:extLst>
   </p:cSld>
@@ -2048,92 +2221,59 @@
           <a:lstStyle/>
           <a:p>
             <a:r>
+              <a:rPr lang="en-GB" dirty="0"/>
+              <a:t>CLICK</a:t>
+            </a:r>
+          </a:p>
+          <a:p>
+            <a:endParaRPr lang="en-GB" dirty="0"/>
+          </a:p>
+          <a:p>
+            <a:r>
+              <a:rPr lang="en-GB" dirty="0"/>
+              <a:t>- Looking at the categories of loan status in the dataset,</a:t>
+            </a:r>
+          </a:p>
+          <a:p>
+            <a:r>
+              <a:rPr lang="en-GB" dirty="0"/>
+              <a:t>this shows the volume of customers in each category - category down the side and volume across the bottom.</a:t>
+            </a:r>
+          </a:p>
+          <a:p>
+            <a:endParaRPr lang="en-GB" dirty="0"/>
+          </a:p>
+          <a:p>
+            <a:r>
+              <a:rPr lang="en-GB" dirty="0"/>
+              <a:t>- Highlighted in red are the categories that meet the definition of a defaulted loan.</a:t>
+            </a:r>
+          </a:p>
+          <a:p>
+            <a:endParaRPr lang="en-GB" dirty="0"/>
+          </a:p>
+          <a:p>
+            <a:r>
+              <a:rPr lang="en-GB" dirty="0"/>
+              <a:t>- What this gave me was a  CLICK</a:t>
+            </a:r>
+          </a:p>
+          <a:p>
+            <a:endParaRPr lang="en-GB" dirty="0"/>
+          </a:p>
+          <a:p>
+            <a:r>
               <a:rPr lang="en-US" dirty="0"/>
-              <a:t>- Highest amount of loans taken out come from Cal / NY / </a:t>
-            </a:r>
-            <a:r>
-              <a:rPr lang="en-US" dirty="0" err="1"/>
-              <a:t>Flor</a:t>
-            </a:r>
+              <a:t>85% non-defaults, 15% defaulted - as it stand enough data to conduct basic analysis on.</a:t>
+            </a:r>
+          </a:p>
+          <a:p>
+            <a:endParaRPr lang="en-US" dirty="0"/>
+          </a:p>
+          <a:p>
             <a:r>
               <a:rPr lang="en-US" dirty="0"/>
-              <a:t> / </a:t>
-            </a:r>
-            <a:r>
-              <a:rPr lang="en-US" dirty="0" err="1"/>
-              <a:t>Tex</a:t>
-            </a:r>
-            <a:r>
-              <a:rPr lang="en-US" dirty="0"/>
-              <a:t> / New </a:t>
-            </a:r>
-            <a:r>
-              <a:rPr lang="en-US" dirty="0" err="1"/>
-              <a:t>Jer</a:t>
-            </a:r>
-            <a:r>
-              <a:rPr lang="en-US" dirty="0"/>
-              <a:t> however this could be proportional to the population of those areas - </a:t>
-            </a:r>
-          </a:p>
-          <a:p>
-            <a:endParaRPr lang="en-US" dirty="0"/>
-          </a:p>
-          <a:p>
-            <a:r>
-              <a:rPr lang="en-US" dirty="0"/>
-              <a:t>- No surprise with highest defaults - there is some change in order but negligible . To get a better representation at defaults, looked at the rate...</a:t>
-            </a:r>
-          </a:p>
-          <a:p>
-            <a:endParaRPr lang="en-US" dirty="0"/>
-          </a:p>
-          <a:p>
-            <a:r>
-              <a:rPr lang="en-US" dirty="0"/>
-              <a:t>-  Map - ratio of defaults per state ( darker the area the higher default ratio) - this is not truly accurate....</a:t>
-            </a:r>
-          </a:p>
-          <a:p>
-            <a:endParaRPr lang="en-US" dirty="0"/>
-          </a:p>
-          <a:p>
-            <a:r>
-              <a:rPr lang="en-US" dirty="0"/>
-              <a:t>- ... because as you can see the loan counts are not all proportionate to each other : Nebraska having 5/11 customers default could be giving an unfair representation of the state, so what I did was...</a:t>
-            </a:r>
-          </a:p>
-          <a:p>
-            <a:endParaRPr lang="en-US" dirty="0"/>
-          </a:p>
-          <a:p>
-            <a:r>
-              <a:rPr lang="en-US" dirty="0"/>
-              <a:t>-  highlight the top 5 states with highest default rate with a count of loans more than the average count of loans per state, 847. This was to give a fairer result. </a:t>
-            </a:r>
-          </a:p>
-          <a:p>
-            <a:endParaRPr lang="en-US" dirty="0"/>
-          </a:p>
-          <a:p>
-            <a:r>
-              <a:rPr lang="en-US" dirty="0"/>
-              <a:t>SO??</a:t>
-            </a:r>
-          </a:p>
-          <a:p>
-            <a:r>
-              <a:rPr lang="en-US" dirty="0"/>
-              <a:t>Customers who are from the top 5 states highlighted in red COULD be more liable to default on their loans from LC - </a:t>
-            </a:r>
-          </a:p>
-          <a:p>
-            <a:endParaRPr lang="en-US" dirty="0"/>
-          </a:p>
-          <a:p>
-            <a:r>
-              <a:rPr lang="en-US" dirty="0"/>
-              <a:t>- Customers who are less likely are as follows</a:t>
+              <a:t>Returning to my 3 identified sub-questions, I began with Who is likely to default</a:t>
             </a:r>
           </a:p>
         </p:txBody>
@@ -2164,7 +2304,7 @@
     </p:spTree>
     <p:extLst>
       <p:ext uri="{BB962C8B-B14F-4D97-AF65-F5344CB8AC3E}">
-        <p14:creationId xmlns:p14="http://schemas.microsoft.com/office/powerpoint/2010/main" val="3981094865"/>
+        <p14:creationId xmlns:p14="http://schemas.microsoft.com/office/powerpoint/2010/main" val="3699739865"/>
       </p:ext>
     </p:extLst>
   </p:cSld>
@@ -2218,10 +2358,7 @@
           <a:bodyPr/>
           <a:lstStyle/>
           <a:p>
-            <a:r>
-              <a:rPr lang="en-US" dirty="0"/>
-              <a:t># shows that other category is a mixture of repaying debts, credit cards, repairs, building credit, for family members /friends/ holidays – same as major purchase</a:t>
-            </a:r>
+            <a:endParaRPr lang="en-US" dirty="0"/>
           </a:p>
         </p:txBody>
       </p:sp>
@@ -2251,7 +2388,7 @@
     </p:spTree>
     <p:extLst>
       <p:ext uri="{BB962C8B-B14F-4D97-AF65-F5344CB8AC3E}">
-        <p14:creationId xmlns:p14="http://schemas.microsoft.com/office/powerpoint/2010/main" val="207199627"/>
+        <p14:creationId xmlns:p14="http://schemas.microsoft.com/office/powerpoint/2010/main" val="1432630917"/>
       </p:ext>
     </p:extLst>
   </p:cSld>
@@ -5508,7 +5645,7 @@
           <a:p>
             <a:r>
               <a:rPr lang="en-US" sz="3200" i="1" dirty="0"/>
-              <a:t>The Who’s, Why’s and Where’s</a:t>
+              <a:t>The Who’s, Why’s and Where’s on Defaults</a:t>
             </a:r>
           </a:p>
         </p:txBody>
@@ -5682,10 +5819,10 @@
       </p:sp>
       <p:pic>
         <p:nvPicPr>
-          <p:cNvPr id="13" name="Picture 12">
+          <p:cNvPr id="11" name="Picture 10">
             <a:extLst>
               <a:ext uri="{FF2B5EF4-FFF2-40B4-BE49-F238E27FC236}">
-                <a16:creationId xmlns:a16="http://schemas.microsoft.com/office/drawing/2014/main" id="{02D8936B-5492-5942-8C2F-28847133E4AD}"/>
+                <a16:creationId xmlns:a16="http://schemas.microsoft.com/office/drawing/2014/main" id="{7AC436D0-3891-F749-8EE9-F25506AE9913}"/>
               </a:ext>
             </a:extLst>
           </p:cNvPr>
@@ -5712,176 +5849,10 @@
       </p:pic>
       <p:sp>
         <p:nvSpPr>
-          <p:cNvPr id="19" name="Subtitle 7">
+          <p:cNvPr id="14" name="Subtitle 7">
             <a:extLst>
               <a:ext uri="{FF2B5EF4-FFF2-40B4-BE49-F238E27FC236}">
-                <a16:creationId xmlns:a16="http://schemas.microsoft.com/office/drawing/2014/main" id="{E7E89C17-475F-0D4E-B40B-831AC928C336}"/>
-              </a:ext>
-            </a:extLst>
-          </p:cNvPr>
-          <p:cNvSpPr>
-            <a:spLocks noGrp="1"/>
-          </p:cNvSpPr>
-          <p:nvPr>
-            <p:ph type="subTitle" idx="1"/>
-          </p:nvPr>
-        </p:nvSpPr>
-        <p:spPr>
-          <a:xfrm>
-            <a:off x="2557698" y="5295911"/>
-            <a:ext cx="7076603" cy="1245182"/>
-          </a:xfrm>
-        </p:spPr>
-        <p:txBody>
-          <a:bodyPr vert="horz" lIns="91440" tIns="45720" rIns="91440" bIns="45720" rtlCol="0">
-            <a:normAutofit/>
-          </a:bodyPr>
-          <a:lstStyle/>
-          <a:p>
-            <a:r>
-              <a:rPr lang="en-US" sz="5400" dirty="0"/>
-              <a:t>Results – Income</a:t>
-            </a:r>
-          </a:p>
-        </p:txBody>
-      </p:sp>
-    </p:spTree>
-    <p:extLst>
-      <p:ext uri="{BB962C8B-B14F-4D97-AF65-F5344CB8AC3E}">
-        <p14:creationId xmlns:p14="http://schemas.microsoft.com/office/powerpoint/2010/main" val="696195964"/>
-      </p:ext>
-    </p:extLst>
-  </p:cSld>
-  <p:clrMapOvr>
-    <a:masterClrMapping/>
-  </p:clrMapOvr>
-</p:sld>
-</file>
-
-<file path=ppt/slides/slide11.xml><?xml version="1.0" encoding="utf-8"?>
-<p:sld xmlns:a="http://schemas.openxmlformats.org/drawingml/2006/main" xmlns:r="http://schemas.openxmlformats.org/officeDocument/2006/relationships" xmlns:p="http://schemas.openxmlformats.org/presentationml/2006/main">
-  <p:cSld>
-    <p:bg>
-      <p:bgPr>
-        <a:solidFill>
-          <a:schemeClr val="accent2"/>
-        </a:solidFill>
-        <a:effectLst/>
-      </p:bgPr>
-    </p:bg>
-    <p:spTree>
-      <p:nvGrpSpPr>
-        <p:cNvPr id="1" name=""/>
-        <p:cNvGrpSpPr/>
-        <p:nvPr/>
-      </p:nvGrpSpPr>
-      <p:grpSpPr>
-        <a:xfrm>
-          <a:off x="0" y="0"/>
-          <a:ext cx="0" cy="0"/>
-          <a:chOff x="0" y="0"/>
-          <a:chExt cx="0" cy="0"/>
-        </a:xfrm>
-      </p:grpSpPr>
-      <p:sp>
-        <p:nvSpPr>
-          <p:cNvPr id="15" name="Rectangle 14">
-            <a:extLst>
-              <a:ext uri="{FF2B5EF4-FFF2-40B4-BE49-F238E27FC236}">
-                <a16:creationId xmlns:a16="http://schemas.microsoft.com/office/drawing/2014/main" id="{C3A694C2-50DA-401D-9E8A-3621EBF0C75C}"/>
-              </a:ext>
-              <a:ext uri="{C183D7F6-B498-43B3-948B-1728B52AA6E4}">
-                <adec:decorative xmlns:adec="http://schemas.microsoft.com/office/drawing/2017/decorative" val="1"/>
-              </a:ext>
-            </a:extLst>
-          </p:cNvPr>
-          <p:cNvSpPr>
-            <a:spLocks noGrp="1" noRot="1" noChangeAspect="1" noMove="1" noResize="1" noEditPoints="1" noAdjustHandles="1" noChangeArrowheads="1" noChangeShapeType="1" noTextEdit="1"/>
-          </p:cNvSpPr>
-          <p:nvPr>
-            <p:extLst>
-              <p:ext uri="{386F3935-93C4-4BCD-93E2-E3B085C9AB24}">
-                <p16:designElem xmlns:p16="http://schemas.microsoft.com/office/powerpoint/2015/main" val="1"/>
-              </p:ext>
-            </p:extLst>
-          </p:nvPr>
-        </p:nvSpPr>
-        <p:spPr>
-          <a:xfrm>
-            <a:off x="0" y="-2"/>
-            <a:ext cx="12192000" cy="4918511"/>
-          </a:xfrm>
-          <a:prstGeom prst="rect">
-            <a:avLst/>
-          </a:prstGeom>
-          <a:solidFill>
-            <a:srgbClr val="FFFFFF"/>
-          </a:solidFill>
-          <a:ln>
-            <a:noFill/>
-          </a:ln>
-        </p:spPr>
-        <p:style>
-          <a:lnRef idx="2">
-            <a:schemeClr val="accent1">
-              <a:shade val="50000"/>
-            </a:schemeClr>
-          </a:lnRef>
-          <a:fillRef idx="1">
-            <a:schemeClr val="accent1"/>
-          </a:fillRef>
-          <a:effectRef idx="0">
-            <a:schemeClr val="accent1"/>
-          </a:effectRef>
-          <a:fontRef idx="minor">
-            <a:schemeClr val="lt1"/>
-          </a:fontRef>
-        </p:style>
-        <p:txBody>
-          <a:bodyPr rtlCol="0" anchor="ctr"/>
-          <a:lstStyle/>
-          <a:p>
-            <a:pPr algn="ctr"/>
-            <a:endParaRPr lang="en-US"/>
-          </a:p>
-        </p:txBody>
-      </p:sp>
-      <p:pic>
-        <p:nvPicPr>
-          <p:cNvPr id="9" name="Picture 8">
-            <a:extLst>
-              <a:ext uri="{FF2B5EF4-FFF2-40B4-BE49-F238E27FC236}">
-                <a16:creationId xmlns:a16="http://schemas.microsoft.com/office/drawing/2014/main" id="{38383016-4EC7-A049-80C1-FFAA7DFF084D}"/>
-              </a:ext>
-            </a:extLst>
-          </p:cNvPr>
-          <p:cNvPicPr>
-            <a:picLocks noChangeAspect="1"/>
-          </p:cNvPicPr>
-          <p:nvPr/>
-        </p:nvPicPr>
-        <p:blipFill>
-          <a:blip r:embed="rId3"/>
-          <a:stretch>
-            <a:fillRect/>
-          </a:stretch>
-        </p:blipFill>
-        <p:spPr>
-          <a:xfrm>
-            <a:off x="200576" y="5220670"/>
-            <a:ext cx="1320423" cy="1320423"/>
-          </a:xfrm>
-          <a:prstGeom prst="rect">
-            <a:avLst/>
-          </a:prstGeom>
-        </p:spPr>
-      </p:pic>
-      <p:sp>
-        <p:nvSpPr>
-          <p:cNvPr id="13" name="Subtitle 7">
-            <a:extLst>
-              <a:ext uri="{FF2B5EF4-FFF2-40B4-BE49-F238E27FC236}">
-                <a16:creationId xmlns:a16="http://schemas.microsoft.com/office/drawing/2014/main" id="{BEB15CF1-A539-2A4D-8AA8-3F9A3B63CB3E}"/>
+                <a16:creationId xmlns:a16="http://schemas.microsoft.com/office/drawing/2014/main" id="{220CAAF3-81B5-354F-978F-573A517F25FE}"/>
               </a:ext>
             </a:extLst>
           </p:cNvPr>
@@ -5892,7 +5863,7 @@
         </p:nvSpPr>
         <p:spPr>
           <a:xfrm>
-            <a:off x="2557698" y="5295911"/>
+            <a:off x="2694774" y="5295911"/>
             <a:ext cx="7076603" cy="1245182"/>
           </a:xfrm>
           <a:prstGeom prst="rect">
@@ -5902,7 +5873,7 @@
         </p:spPr>
         <p:txBody>
           <a:bodyPr vert="horz" lIns="91440" tIns="45720" rIns="91440" bIns="45720" rtlCol="0">
-            <a:normAutofit/>
+            <a:normAutofit fontScale="77500" lnSpcReduction="20000"/>
           </a:bodyPr>
           <a:lstStyle>
             <a:lvl1pPr marL="0" indent="0" algn="ctr" defTabSz="914400" rtl="0" eaLnBrk="1" latinLnBrk="0" hangingPunct="1">
@@ -6112,27 +6083,1706 @@
           </a:lstStyle>
           <a:p>
             <a:r>
-              <a:rPr lang="en-US" sz="5400"/>
-              <a:t>Results – Geography</a:t>
-            </a:r>
-            <a:endParaRPr lang="en-US" sz="5400" dirty="0"/>
+              <a:rPr lang="en-US" sz="5400" dirty="0"/>
+              <a:t>Defaulted Loans, The Why’s:</a:t>
+            </a:r>
+          </a:p>
+          <a:p>
+            <a:r>
+              <a:rPr lang="en-US" sz="5400" dirty="0"/>
+              <a:t>LOAN PURPOSE</a:t>
+            </a:r>
+          </a:p>
+        </p:txBody>
+      </p:sp>
+      <p:pic>
+        <p:nvPicPr>
+          <p:cNvPr id="27" name="Picture 26">
+            <a:extLst>
+              <a:ext uri="{FF2B5EF4-FFF2-40B4-BE49-F238E27FC236}">
+                <a16:creationId xmlns:a16="http://schemas.microsoft.com/office/drawing/2014/main" id="{C6AAED71-273F-944F-806D-1F06D42E4776}"/>
+              </a:ext>
+            </a:extLst>
+          </p:cNvPr>
+          <p:cNvPicPr>
+            <a:picLocks noChangeAspect="1"/>
+          </p:cNvPicPr>
+          <p:nvPr/>
+        </p:nvPicPr>
+        <p:blipFill>
+          <a:blip r:embed="rId4"/>
+          <a:stretch>
+            <a:fillRect/>
+          </a:stretch>
+        </p:blipFill>
+        <p:spPr>
+          <a:xfrm>
+            <a:off x="138612" y="151078"/>
+            <a:ext cx="6032500" cy="4918511"/>
+          </a:xfrm>
+          <a:prstGeom prst="rect">
+            <a:avLst/>
+          </a:prstGeom>
+          <a:ln w="38100">
+            <a:solidFill>
+              <a:schemeClr val="bg1"/>
+            </a:solidFill>
+          </a:ln>
+        </p:spPr>
+      </p:pic>
+      <p:grpSp>
+        <p:nvGrpSpPr>
+          <p:cNvPr id="36" name="Group 35">
+            <a:extLst>
+              <a:ext uri="{FF2B5EF4-FFF2-40B4-BE49-F238E27FC236}">
+                <a16:creationId xmlns:a16="http://schemas.microsoft.com/office/drawing/2014/main" id="{AD37250E-58B1-2444-9A5A-181EF57922BE}"/>
+              </a:ext>
+            </a:extLst>
+          </p:cNvPr>
+          <p:cNvGrpSpPr/>
+          <p:nvPr/>
+        </p:nvGrpSpPr>
+        <p:grpSpPr>
+          <a:xfrm>
+            <a:off x="293916" y="555172"/>
+            <a:ext cx="4504671" cy="881742"/>
+            <a:chOff x="293916" y="555173"/>
+            <a:chExt cx="4504671" cy="881742"/>
+          </a:xfrm>
+        </p:grpSpPr>
+        <p:sp>
+          <p:nvSpPr>
+            <p:cNvPr id="32" name="Rectangle 31">
+              <a:extLst>
+                <a:ext uri="{FF2B5EF4-FFF2-40B4-BE49-F238E27FC236}">
+                  <a16:creationId xmlns:a16="http://schemas.microsoft.com/office/drawing/2014/main" id="{A54F94A7-57FF-444C-A342-85C7322F2408}"/>
+                </a:ext>
+              </a:extLst>
+            </p:cNvPr>
+            <p:cNvSpPr/>
+            <p:nvPr/>
+          </p:nvSpPr>
+          <p:spPr>
+            <a:xfrm>
+              <a:off x="293916" y="555173"/>
+              <a:ext cx="2188028" cy="881742"/>
+            </a:xfrm>
+            <a:prstGeom prst="rect">
+              <a:avLst/>
+            </a:prstGeom>
+            <a:noFill/>
+            <a:ln w="28575">
+              <a:solidFill>
+                <a:srgbClr val="FF0000"/>
+              </a:solidFill>
+            </a:ln>
+          </p:spPr>
+          <p:style>
+            <a:lnRef idx="2">
+              <a:schemeClr val="accent1">
+                <a:shade val="50000"/>
+              </a:schemeClr>
+            </a:lnRef>
+            <a:fillRef idx="1">
+              <a:schemeClr val="accent1"/>
+            </a:fillRef>
+            <a:effectRef idx="0">
+              <a:schemeClr val="accent1"/>
+            </a:effectRef>
+            <a:fontRef idx="minor">
+              <a:schemeClr val="lt1"/>
+            </a:fontRef>
+          </p:style>
+          <p:txBody>
+            <a:bodyPr rtlCol="0" anchor="ctr"/>
+            <a:lstStyle/>
+            <a:p>
+              <a:pPr algn="ctr"/>
+              <a:endParaRPr lang="en-US"/>
+            </a:p>
+          </p:txBody>
+        </p:sp>
+        <p:sp>
+          <p:nvSpPr>
+            <p:cNvPr id="33" name="TextBox 32">
+              <a:extLst>
+                <a:ext uri="{FF2B5EF4-FFF2-40B4-BE49-F238E27FC236}">
+                  <a16:creationId xmlns:a16="http://schemas.microsoft.com/office/drawing/2014/main" id="{F70F2198-F183-6041-A604-44A9A9F5AF0F}"/>
+                </a:ext>
+              </a:extLst>
+            </p:cNvPr>
+            <p:cNvSpPr txBox="1"/>
+            <p:nvPr/>
+          </p:nvSpPr>
+          <p:spPr>
+            <a:xfrm>
+              <a:off x="2836190" y="759417"/>
+              <a:ext cx="1962397" cy="369332"/>
+            </a:xfrm>
+            <a:prstGeom prst="rect">
+              <a:avLst/>
+            </a:prstGeom>
+            <a:solidFill>
+              <a:schemeClr val="tx1"/>
+            </a:solidFill>
+            <a:ln w="28575">
+              <a:solidFill>
+                <a:srgbClr val="FF0000"/>
+              </a:solidFill>
+            </a:ln>
+          </p:spPr>
+          <p:txBody>
+            <a:bodyPr wrap="none" rtlCol="0">
+              <a:spAutoFit/>
+            </a:bodyPr>
+            <a:lstStyle/>
+            <a:p>
+              <a:r>
+                <a:rPr lang="en-US" dirty="0">
+                  <a:solidFill>
+                    <a:srgbClr val="FF0000"/>
+                  </a:solidFill>
+                </a:rPr>
+                <a:t>High risk of default</a:t>
+              </a:r>
+            </a:p>
+          </p:txBody>
+        </p:sp>
+      </p:grpSp>
+      <p:grpSp>
+        <p:nvGrpSpPr>
+          <p:cNvPr id="37" name="Group 36">
+            <a:extLst>
+              <a:ext uri="{FF2B5EF4-FFF2-40B4-BE49-F238E27FC236}">
+                <a16:creationId xmlns:a16="http://schemas.microsoft.com/office/drawing/2014/main" id="{79158956-EB97-884E-AD6B-424E2B81BEA7}"/>
+              </a:ext>
+            </a:extLst>
+          </p:cNvPr>
+          <p:cNvGrpSpPr/>
+          <p:nvPr/>
+        </p:nvGrpSpPr>
+        <p:grpSpPr>
+          <a:xfrm>
+            <a:off x="293916" y="1480457"/>
+            <a:ext cx="4653737" cy="1676400"/>
+            <a:chOff x="293916" y="1467270"/>
+            <a:chExt cx="4653737" cy="1676400"/>
+          </a:xfrm>
+        </p:grpSpPr>
+        <p:sp>
+          <p:nvSpPr>
+            <p:cNvPr id="31" name="Rectangle 30">
+              <a:extLst>
+                <a:ext uri="{FF2B5EF4-FFF2-40B4-BE49-F238E27FC236}">
+                  <a16:creationId xmlns:a16="http://schemas.microsoft.com/office/drawing/2014/main" id="{B3AC937C-A771-E14B-A3E3-0D2DA6D8B9A5}"/>
+                </a:ext>
+              </a:extLst>
+            </p:cNvPr>
+            <p:cNvSpPr/>
+            <p:nvPr/>
+          </p:nvSpPr>
+          <p:spPr>
+            <a:xfrm>
+              <a:off x="293916" y="1467270"/>
+              <a:ext cx="1796142" cy="1676400"/>
+            </a:xfrm>
+            <a:prstGeom prst="rect">
+              <a:avLst/>
+            </a:prstGeom>
+            <a:noFill/>
+            <a:ln w="28575">
+              <a:solidFill>
+                <a:schemeClr val="tx2">
+                  <a:lumMod val="75000"/>
+                </a:schemeClr>
+              </a:solidFill>
+            </a:ln>
+          </p:spPr>
+          <p:style>
+            <a:lnRef idx="2">
+              <a:schemeClr val="accent1">
+                <a:shade val="50000"/>
+              </a:schemeClr>
+            </a:lnRef>
+            <a:fillRef idx="1">
+              <a:schemeClr val="accent1"/>
+            </a:fillRef>
+            <a:effectRef idx="0">
+              <a:schemeClr val="accent1"/>
+            </a:effectRef>
+            <a:fontRef idx="minor">
+              <a:schemeClr val="lt1"/>
+            </a:fontRef>
+          </p:style>
+          <p:txBody>
+            <a:bodyPr rtlCol="0" anchor="ctr"/>
+            <a:lstStyle/>
+            <a:p>
+              <a:pPr algn="ctr"/>
+              <a:endParaRPr lang="en-US"/>
+            </a:p>
+          </p:txBody>
+        </p:sp>
+        <p:sp>
+          <p:nvSpPr>
+            <p:cNvPr id="34" name="TextBox 33">
+              <a:extLst>
+                <a:ext uri="{FF2B5EF4-FFF2-40B4-BE49-F238E27FC236}">
+                  <a16:creationId xmlns:a16="http://schemas.microsoft.com/office/drawing/2014/main" id="{95FAC0C4-EBCF-F24E-91EA-4067C60119F3}"/>
+                </a:ext>
+              </a:extLst>
+            </p:cNvPr>
+            <p:cNvSpPr txBox="1"/>
+            <p:nvPr/>
+          </p:nvSpPr>
+          <p:spPr>
+            <a:xfrm>
+              <a:off x="2666259" y="2262767"/>
+              <a:ext cx="2281394" cy="369332"/>
+            </a:xfrm>
+            <a:prstGeom prst="rect">
+              <a:avLst/>
+            </a:prstGeom>
+            <a:solidFill>
+              <a:schemeClr val="tx1"/>
+            </a:solidFill>
+            <a:ln w="28575">
+              <a:solidFill>
+                <a:schemeClr val="tx2">
+                  <a:lumMod val="75000"/>
+                </a:schemeClr>
+              </a:solidFill>
+            </a:ln>
+          </p:spPr>
+          <p:txBody>
+            <a:bodyPr wrap="none" rtlCol="0">
+              <a:spAutoFit/>
+            </a:bodyPr>
+            <a:lstStyle/>
+            <a:p>
+              <a:r>
+                <a:rPr lang="en-US" dirty="0">
+                  <a:solidFill>
+                    <a:schemeClr val="tx2">
+                      <a:lumMod val="75000"/>
+                    </a:schemeClr>
+                  </a:solidFill>
+                </a:rPr>
+                <a:t>Medium risk of default</a:t>
+              </a:r>
+            </a:p>
+          </p:txBody>
+        </p:sp>
+      </p:grpSp>
+      <p:grpSp>
+        <p:nvGrpSpPr>
+          <p:cNvPr id="38" name="Group 37">
+            <a:extLst>
+              <a:ext uri="{FF2B5EF4-FFF2-40B4-BE49-F238E27FC236}">
+                <a16:creationId xmlns:a16="http://schemas.microsoft.com/office/drawing/2014/main" id="{98D2F1A6-BDDD-6D49-9689-808E4E3C0FF3}"/>
+              </a:ext>
+            </a:extLst>
+          </p:cNvPr>
+          <p:cNvGrpSpPr/>
+          <p:nvPr/>
+        </p:nvGrpSpPr>
+        <p:grpSpPr>
+          <a:xfrm>
+            <a:off x="293916" y="3200400"/>
+            <a:ext cx="4480292" cy="1458685"/>
+            <a:chOff x="293916" y="3200400"/>
+            <a:chExt cx="4480292" cy="1458685"/>
+          </a:xfrm>
+        </p:grpSpPr>
+        <p:sp>
+          <p:nvSpPr>
+            <p:cNvPr id="30" name="Rectangle 29">
+              <a:extLst>
+                <a:ext uri="{FF2B5EF4-FFF2-40B4-BE49-F238E27FC236}">
+                  <a16:creationId xmlns:a16="http://schemas.microsoft.com/office/drawing/2014/main" id="{2C2505B7-8065-024C-B86E-3BEB5D7F4AAF}"/>
+                </a:ext>
+              </a:extLst>
+            </p:cNvPr>
+            <p:cNvSpPr/>
+            <p:nvPr/>
+          </p:nvSpPr>
+          <p:spPr>
+            <a:xfrm>
+              <a:off x="293916" y="3200400"/>
+              <a:ext cx="1632856" cy="1458685"/>
+            </a:xfrm>
+            <a:prstGeom prst="rect">
+              <a:avLst/>
+            </a:prstGeom>
+            <a:noFill/>
+            <a:ln w="28575">
+              <a:solidFill>
+                <a:srgbClr val="0070C0"/>
+              </a:solidFill>
+            </a:ln>
+          </p:spPr>
+          <p:style>
+            <a:lnRef idx="2">
+              <a:schemeClr val="accent1">
+                <a:shade val="50000"/>
+              </a:schemeClr>
+            </a:lnRef>
+            <a:fillRef idx="1">
+              <a:schemeClr val="accent1"/>
+            </a:fillRef>
+            <a:effectRef idx="0">
+              <a:schemeClr val="accent1"/>
+            </a:effectRef>
+            <a:fontRef idx="minor">
+              <a:schemeClr val="lt1"/>
+            </a:fontRef>
+          </p:style>
+          <p:txBody>
+            <a:bodyPr rtlCol="0" anchor="ctr"/>
+            <a:lstStyle/>
+            <a:p>
+              <a:pPr algn="ctr"/>
+              <a:endParaRPr lang="en-US"/>
+            </a:p>
+          </p:txBody>
+        </p:sp>
+        <p:sp>
+          <p:nvSpPr>
+            <p:cNvPr id="35" name="TextBox 34">
+              <a:extLst>
+                <a:ext uri="{FF2B5EF4-FFF2-40B4-BE49-F238E27FC236}">
+                  <a16:creationId xmlns:a16="http://schemas.microsoft.com/office/drawing/2014/main" id="{3916FA61-ACD3-9447-AEDA-28325C34914C}"/>
+                </a:ext>
+              </a:extLst>
+            </p:cNvPr>
+            <p:cNvSpPr txBox="1"/>
+            <p:nvPr/>
+          </p:nvSpPr>
+          <p:spPr>
+            <a:xfrm>
+              <a:off x="2839704" y="3745076"/>
+              <a:ext cx="1934504" cy="369332"/>
+            </a:xfrm>
+            <a:prstGeom prst="rect">
+              <a:avLst/>
+            </a:prstGeom>
+            <a:solidFill>
+              <a:schemeClr val="tx1"/>
+            </a:solidFill>
+            <a:ln w="28575">
+              <a:solidFill>
+                <a:srgbClr val="0070C0"/>
+              </a:solidFill>
+            </a:ln>
+          </p:spPr>
+          <p:txBody>
+            <a:bodyPr wrap="none" rtlCol="0">
+              <a:spAutoFit/>
+            </a:bodyPr>
+            <a:lstStyle/>
+            <a:p>
+              <a:r>
+                <a:rPr lang="en-US" dirty="0">
+                  <a:solidFill>
+                    <a:srgbClr val="0070C0"/>
+                  </a:solidFill>
+                </a:rPr>
+                <a:t>Low risk of default</a:t>
+              </a:r>
+            </a:p>
+          </p:txBody>
+        </p:sp>
+      </p:grpSp>
+      <p:pic>
+        <p:nvPicPr>
+          <p:cNvPr id="40" name="Picture 39">
+            <a:extLst>
+              <a:ext uri="{FF2B5EF4-FFF2-40B4-BE49-F238E27FC236}">
+                <a16:creationId xmlns:a16="http://schemas.microsoft.com/office/drawing/2014/main" id="{32D820AD-3B88-F34F-ADB1-441ECB8D7E01}"/>
+              </a:ext>
+            </a:extLst>
+          </p:cNvPr>
+          <p:cNvPicPr>
+            <a:picLocks noChangeAspect="1"/>
+          </p:cNvPicPr>
+          <p:nvPr/>
+        </p:nvPicPr>
+        <p:blipFill>
+          <a:blip r:embed="rId5"/>
+          <a:stretch>
+            <a:fillRect/>
+          </a:stretch>
+        </p:blipFill>
+        <p:spPr>
+          <a:xfrm>
+            <a:off x="6271692" y="151077"/>
+            <a:ext cx="5819728" cy="4918511"/>
+          </a:xfrm>
+          <a:prstGeom prst="rect">
+            <a:avLst/>
+          </a:prstGeom>
+          <a:ln w="38100">
+            <a:solidFill>
+              <a:schemeClr val="bg1"/>
+            </a:solidFill>
+          </a:ln>
+        </p:spPr>
+      </p:pic>
+      <p:grpSp>
+        <p:nvGrpSpPr>
+          <p:cNvPr id="66" name="Group 65">
+            <a:extLst>
+              <a:ext uri="{FF2B5EF4-FFF2-40B4-BE49-F238E27FC236}">
+                <a16:creationId xmlns:a16="http://schemas.microsoft.com/office/drawing/2014/main" id="{1BB02954-CB1C-7249-9BDA-34212F70BD6A}"/>
+              </a:ext>
+            </a:extLst>
+          </p:cNvPr>
+          <p:cNvGrpSpPr/>
+          <p:nvPr/>
+        </p:nvGrpSpPr>
+        <p:grpSpPr>
+          <a:xfrm>
+            <a:off x="6376206" y="489565"/>
+            <a:ext cx="4630476" cy="1556211"/>
+            <a:chOff x="6376206" y="489565"/>
+            <a:chExt cx="4630476" cy="1556211"/>
+          </a:xfrm>
+        </p:grpSpPr>
+        <p:sp>
+          <p:nvSpPr>
+            <p:cNvPr id="41" name="Rectangle 40">
+              <a:extLst>
+                <a:ext uri="{FF2B5EF4-FFF2-40B4-BE49-F238E27FC236}">
+                  <a16:creationId xmlns:a16="http://schemas.microsoft.com/office/drawing/2014/main" id="{F776A380-C150-4F4B-A16D-D2540A44FA7A}"/>
+                </a:ext>
+              </a:extLst>
+            </p:cNvPr>
+            <p:cNvSpPr/>
+            <p:nvPr/>
+          </p:nvSpPr>
+          <p:spPr>
+            <a:xfrm>
+              <a:off x="6376206" y="1436914"/>
+              <a:ext cx="1000987" cy="608862"/>
+            </a:xfrm>
+            <a:prstGeom prst="rect">
+              <a:avLst/>
+            </a:prstGeom>
+            <a:noFill/>
+            <a:ln w="28575">
+              <a:solidFill>
+                <a:srgbClr val="0070C0"/>
+              </a:solidFill>
+            </a:ln>
+          </p:spPr>
+          <p:style>
+            <a:lnRef idx="2">
+              <a:schemeClr val="accent1">
+                <a:shade val="50000"/>
+              </a:schemeClr>
+            </a:lnRef>
+            <a:fillRef idx="1">
+              <a:schemeClr val="accent1"/>
+            </a:fillRef>
+            <a:effectRef idx="0">
+              <a:schemeClr val="accent1"/>
+            </a:effectRef>
+            <a:fontRef idx="minor">
+              <a:schemeClr val="lt1"/>
+            </a:fontRef>
+          </p:style>
+          <p:txBody>
+            <a:bodyPr rtlCol="0" anchor="ctr"/>
+            <a:lstStyle/>
+            <a:p>
+              <a:pPr algn="ctr"/>
+              <a:endParaRPr lang="en-US" dirty="0"/>
+            </a:p>
+          </p:txBody>
+        </p:sp>
+        <p:sp>
+          <p:nvSpPr>
+            <p:cNvPr id="42" name="Rectangle 41">
+              <a:extLst>
+                <a:ext uri="{FF2B5EF4-FFF2-40B4-BE49-F238E27FC236}">
+                  <a16:creationId xmlns:a16="http://schemas.microsoft.com/office/drawing/2014/main" id="{336E4AEB-6E9C-4D43-949A-D326B9793A8B}"/>
+                </a:ext>
+              </a:extLst>
+            </p:cNvPr>
+            <p:cNvSpPr/>
+            <p:nvPr/>
+          </p:nvSpPr>
+          <p:spPr>
+            <a:xfrm>
+              <a:off x="6376206" y="489565"/>
+              <a:ext cx="1000987" cy="608862"/>
+            </a:xfrm>
+            <a:prstGeom prst="rect">
+              <a:avLst/>
+            </a:prstGeom>
+            <a:noFill/>
+            <a:ln w="28575">
+              <a:solidFill>
+                <a:srgbClr val="0070C0"/>
+              </a:solidFill>
+            </a:ln>
+          </p:spPr>
+          <p:style>
+            <a:lnRef idx="2">
+              <a:schemeClr val="accent1">
+                <a:shade val="50000"/>
+              </a:schemeClr>
+            </a:lnRef>
+            <a:fillRef idx="1">
+              <a:schemeClr val="accent1"/>
+            </a:fillRef>
+            <a:effectRef idx="0">
+              <a:schemeClr val="accent1"/>
+            </a:effectRef>
+            <a:fontRef idx="minor">
+              <a:schemeClr val="lt1"/>
+            </a:fontRef>
+          </p:style>
+          <p:txBody>
+            <a:bodyPr rtlCol="0" anchor="ctr"/>
+            <a:lstStyle/>
+            <a:p>
+              <a:pPr algn="ctr"/>
+              <a:endParaRPr lang="en-US"/>
+            </a:p>
+          </p:txBody>
+        </p:sp>
+        <p:sp>
+          <p:nvSpPr>
+            <p:cNvPr id="44" name="TextBox 43">
+              <a:extLst>
+                <a:ext uri="{FF2B5EF4-FFF2-40B4-BE49-F238E27FC236}">
+                  <a16:creationId xmlns:a16="http://schemas.microsoft.com/office/drawing/2014/main" id="{9832018F-A268-1B43-AE86-6233B0E194C3}"/>
+                </a:ext>
+              </a:extLst>
+            </p:cNvPr>
+            <p:cNvSpPr txBox="1"/>
+            <p:nvPr/>
+          </p:nvSpPr>
+          <p:spPr>
+            <a:xfrm>
+              <a:off x="8535756" y="705689"/>
+              <a:ext cx="2470926" cy="1323439"/>
+            </a:xfrm>
+            <a:prstGeom prst="rect">
+              <a:avLst/>
+            </a:prstGeom>
+            <a:solidFill>
+              <a:schemeClr val="tx1"/>
+            </a:solidFill>
+            <a:ln w="38100">
+              <a:solidFill>
+                <a:srgbClr val="0070C0"/>
+              </a:solidFill>
+            </a:ln>
+          </p:spPr>
+          <p:txBody>
+            <a:bodyPr wrap="square" rtlCol="0">
+              <a:spAutoFit/>
+            </a:bodyPr>
+            <a:lstStyle/>
+            <a:p>
+              <a:r>
+                <a:rPr lang="en-US" sz="4000" dirty="0">
+                  <a:solidFill>
+                    <a:srgbClr val="0070C0"/>
+                  </a:solidFill>
+                </a:rPr>
+                <a:t>Least likely to default</a:t>
+              </a:r>
+            </a:p>
+          </p:txBody>
+        </p:sp>
+        <p:cxnSp>
+          <p:nvCxnSpPr>
+            <p:cNvPr id="54" name="Straight Connector 53">
+              <a:extLst>
+                <a:ext uri="{FF2B5EF4-FFF2-40B4-BE49-F238E27FC236}">
+                  <a16:creationId xmlns:a16="http://schemas.microsoft.com/office/drawing/2014/main" id="{DF5B6DEE-4062-E34E-8763-E8892E3BE168}"/>
+                </a:ext>
+              </a:extLst>
+            </p:cNvPr>
+            <p:cNvCxnSpPr>
+              <a:stCxn id="42" idx="3"/>
+            </p:cNvCxnSpPr>
+            <p:nvPr/>
+          </p:nvCxnSpPr>
+          <p:spPr>
+            <a:xfrm>
+              <a:off x="7377193" y="793996"/>
+              <a:ext cx="1158563" cy="445868"/>
+            </a:xfrm>
+            <a:prstGeom prst="line">
+              <a:avLst/>
+            </a:prstGeom>
+            <a:ln w="38100">
+              <a:solidFill>
+                <a:srgbClr val="0070C0"/>
+              </a:solidFill>
+            </a:ln>
+          </p:spPr>
+          <p:style>
+            <a:lnRef idx="1">
+              <a:schemeClr val="accent1"/>
+            </a:lnRef>
+            <a:fillRef idx="0">
+              <a:schemeClr val="accent1"/>
+            </a:fillRef>
+            <a:effectRef idx="0">
+              <a:schemeClr val="accent1"/>
+            </a:effectRef>
+            <a:fontRef idx="minor">
+              <a:schemeClr val="tx1"/>
+            </a:fontRef>
+          </p:style>
+        </p:cxnSp>
+        <p:cxnSp>
+          <p:nvCxnSpPr>
+            <p:cNvPr id="55" name="Straight Connector 54">
+              <a:extLst>
+                <a:ext uri="{FF2B5EF4-FFF2-40B4-BE49-F238E27FC236}">
+                  <a16:creationId xmlns:a16="http://schemas.microsoft.com/office/drawing/2014/main" id="{28C656A6-483B-7947-93B9-2F4EB1734901}"/>
+                </a:ext>
+              </a:extLst>
+            </p:cNvPr>
+            <p:cNvCxnSpPr>
+              <a:cxnSpLocks/>
+              <a:stCxn id="41" idx="3"/>
+            </p:cNvCxnSpPr>
+            <p:nvPr/>
+          </p:nvCxnSpPr>
+          <p:spPr>
+            <a:xfrm flipV="1">
+              <a:off x="7377193" y="1458380"/>
+              <a:ext cx="1158563" cy="282965"/>
+            </a:xfrm>
+            <a:prstGeom prst="line">
+              <a:avLst/>
+            </a:prstGeom>
+            <a:ln w="38100">
+              <a:solidFill>
+                <a:srgbClr val="0070C0"/>
+              </a:solidFill>
+            </a:ln>
+          </p:spPr>
+          <p:style>
+            <a:lnRef idx="1">
+              <a:schemeClr val="accent1"/>
+            </a:lnRef>
+            <a:fillRef idx="0">
+              <a:schemeClr val="accent1"/>
+            </a:fillRef>
+            <a:effectRef idx="0">
+              <a:schemeClr val="accent1"/>
+            </a:effectRef>
+            <a:fontRef idx="minor">
+              <a:schemeClr val="tx1"/>
+            </a:fontRef>
+          </p:style>
+        </p:cxnSp>
+      </p:grpSp>
+      <p:grpSp>
+        <p:nvGrpSpPr>
+          <p:cNvPr id="67" name="Group 66">
+            <a:extLst>
+              <a:ext uri="{FF2B5EF4-FFF2-40B4-BE49-F238E27FC236}">
+                <a16:creationId xmlns:a16="http://schemas.microsoft.com/office/drawing/2014/main" id="{FF0C7CF5-713F-844E-A921-D787363790A0}"/>
+              </a:ext>
+            </a:extLst>
+          </p:cNvPr>
+          <p:cNvGrpSpPr/>
+          <p:nvPr/>
+        </p:nvGrpSpPr>
+        <p:grpSpPr>
+          <a:xfrm>
+            <a:off x="6376206" y="2122765"/>
+            <a:ext cx="4669694" cy="2610986"/>
+            <a:chOff x="6376206" y="2122765"/>
+            <a:chExt cx="4669694" cy="2610986"/>
+          </a:xfrm>
+        </p:grpSpPr>
+        <p:sp>
+          <p:nvSpPr>
+            <p:cNvPr id="47" name="Rectangle 46">
+              <a:extLst>
+                <a:ext uri="{FF2B5EF4-FFF2-40B4-BE49-F238E27FC236}">
+                  <a16:creationId xmlns:a16="http://schemas.microsoft.com/office/drawing/2014/main" id="{3140BA38-DFEB-5349-BB90-D8C64C805159}"/>
+                </a:ext>
+              </a:extLst>
+            </p:cNvPr>
+            <p:cNvSpPr/>
+            <p:nvPr/>
+          </p:nvSpPr>
+          <p:spPr>
+            <a:xfrm>
+              <a:off x="6376206" y="2122765"/>
+              <a:ext cx="1000987" cy="149333"/>
+            </a:xfrm>
+            <a:prstGeom prst="rect">
+              <a:avLst/>
+            </a:prstGeom>
+            <a:noFill/>
+            <a:ln w="28575">
+              <a:solidFill>
+                <a:srgbClr val="FF0000"/>
+              </a:solidFill>
+            </a:ln>
+          </p:spPr>
+          <p:style>
+            <a:lnRef idx="2">
+              <a:schemeClr val="accent1">
+                <a:shade val="50000"/>
+              </a:schemeClr>
+            </a:lnRef>
+            <a:fillRef idx="1">
+              <a:schemeClr val="accent1"/>
+            </a:fillRef>
+            <a:effectRef idx="0">
+              <a:schemeClr val="accent1"/>
+            </a:effectRef>
+            <a:fontRef idx="minor">
+              <a:schemeClr val="lt1"/>
+            </a:fontRef>
+          </p:style>
+          <p:txBody>
+            <a:bodyPr rtlCol="0" anchor="ctr"/>
+            <a:lstStyle/>
+            <a:p>
+              <a:pPr algn="ctr"/>
+              <a:endParaRPr lang="en-US" dirty="0"/>
+            </a:p>
+          </p:txBody>
+        </p:sp>
+        <p:sp>
+          <p:nvSpPr>
+            <p:cNvPr id="50" name="Rectangle 49">
+              <a:extLst>
+                <a:ext uri="{FF2B5EF4-FFF2-40B4-BE49-F238E27FC236}">
+                  <a16:creationId xmlns:a16="http://schemas.microsoft.com/office/drawing/2014/main" id="{7250A00E-31B3-1245-8594-CA0B18F3F4C4}"/>
+                </a:ext>
+              </a:extLst>
+            </p:cNvPr>
+            <p:cNvSpPr/>
+            <p:nvPr/>
+          </p:nvSpPr>
+          <p:spPr>
+            <a:xfrm>
+              <a:off x="6376206" y="4584418"/>
+              <a:ext cx="1000987" cy="149333"/>
+            </a:xfrm>
+            <a:prstGeom prst="rect">
+              <a:avLst/>
+            </a:prstGeom>
+            <a:noFill/>
+            <a:ln w="28575">
+              <a:solidFill>
+                <a:srgbClr val="FF0000"/>
+              </a:solidFill>
+            </a:ln>
+          </p:spPr>
+          <p:style>
+            <a:lnRef idx="2">
+              <a:schemeClr val="accent1">
+                <a:shade val="50000"/>
+              </a:schemeClr>
+            </a:lnRef>
+            <a:fillRef idx="1">
+              <a:schemeClr val="accent1"/>
+            </a:fillRef>
+            <a:effectRef idx="0">
+              <a:schemeClr val="accent1"/>
+            </a:effectRef>
+            <a:fontRef idx="minor">
+              <a:schemeClr val="lt1"/>
+            </a:fontRef>
+          </p:style>
+          <p:txBody>
+            <a:bodyPr rtlCol="0" anchor="ctr"/>
+            <a:lstStyle/>
+            <a:p>
+              <a:pPr algn="ctr"/>
+              <a:endParaRPr lang="en-US" dirty="0"/>
+            </a:p>
+          </p:txBody>
+        </p:sp>
+        <p:sp>
+          <p:nvSpPr>
+            <p:cNvPr id="51" name="Rectangle 50">
+              <a:extLst>
+                <a:ext uri="{FF2B5EF4-FFF2-40B4-BE49-F238E27FC236}">
+                  <a16:creationId xmlns:a16="http://schemas.microsoft.com/office/drawing/2014/main" id="{951610DD-471E-6546-A54D-E88A61AC9DB5}"/>
+                </a:ext>
+              </a:extLst>
+            </p:cNvPr>
+            <p:cNvSpPr/>
+            <p:nvPr/>
+          </p:nvSpPr>
+          <p:spPr>
+            <a:xfrm>
+              <a:off x="6376206" y="3965075"/>
+              <a:ext cx="1000987" cy="149333"/>
+            </a:xfrm>
+            <a:prstGeom prst="rect">
+              <a:avLst/>
+            </a:prstGeom>
+            <a:noFill/>
+            <a:ln w="28575">
+              <a:solidFill>
+                <a:srgbClr val="FF0000"/>
+              </a:solidFill>
+            </a:ln>
+          </p:spPr>
+          <p:style>
+            <a:lnRef idx="2">
+              <a:schemeClr val="accent1">
+                <a:shade val="50000"/>
+              </a:schemeClr>
+            </a:lnRef>
+            <a:fillRef idx="1">
+              <a:schemeClr val="accent1"/>
+            </a:fillRef>
+            <a:effectRef idx="0">
+              <a:schemeClr val="accent1"/>
+            </a:effectRef>
+            <a:fontRef idx="minor">
+              <a:schemeClr val="lt1"/>
+            </a:fontRef>
+          </p:style>
+          <p:txBody>
+            <a:bodyPr rtlCol="0" anchor="ctr"/>
+            <a:lstStyle/>
+            <a:p>
+              <a:pPr algn="ctr"/>
+              <a:endParaRPr lang="en-US" dirty="0"/>
+            </a:p>
+          </p:txBody>
+        </p:sp>
+        <p:sp>
+          <p:nvSpPr>
+            <p:cNvPr id="52" name="TextBox 51">
+              <a:extLst>
+                <a:ext uri="{FF2B5EF4-FFF2-40B4-BE49-F238E27FC236}">
+                  <a16:creationId xmlns:a16="http://schemas.microsoft.com/office/drawing/2014/main" id="{9F6DE431-0EFF-714F-AB0B-DFE71ED0F5D7}"/>
+                </a:ext>
+              </a:extLst>
+            </p:cNvPr>
+            <p:cNvSpPr txBox="1"/>
+            <p:nvPr/>
+          </p:nvSpPr>
+          <p:spPr>
+            <a:xfrm>
+              <a:off x="8548584" y="2981768"/>
+              <a:ext cx="2497316" cy="1323439"/>
+            </a:xfrm>
+            <a:prstGeom prst="rect">
+              <a:avLst/>
+            </a:prstGeom>
+            <a:solidFill>
+              <a:schemeClr val="tx1"/>
+            </a:solidFill>
+            <a:ln w="38100">
+              <a:solidFill>
+                <a:srgbClr val="FF0000"/>
+              </a:solidFill>
+            </a:ln>
+          </p:spPr>
+          <p:txBody>
+            <a:bodyPr wrap="square" rtlCol="0">
+              <a:spAutoFit/>
+            </a:bodyPr>
+            <a:lstStyle/>
+            <a:p>
+              <a:r>
+                <a:rPr lang="en-US" sz="4000" dirty="0">
+                  <a:solidFill>
+                    <a:srgbClr val="FF0000"/>
+                  </a:solidFill>
+                </a:rPr>
+                <a:t>Most likely to default</a:t>
+              </a:r>
+            </a:p>
+          </p:txBody>
+        </p:sp>
+        <p:cxnSp>
+          <p:nvCxnSpPr>
+            <p:cNvPr id="58" name="Straight Connector 57">
+              <a:extLst>
+                <a:ext uri="{FF2B5EF4-FFF2-40B4-BE49-F238E27FC236}">
+                  <a16:creationId xmlns:a16="http://schemas.microsoft.com/office/drawing/2014/main" id="{FEB1D278-A7B8-2045-9372-50E4FCD752AD}"/>
+                </a:ext>
+              </a:extLst>
+            </p:cNvPr>
+            <p:cNvCxnSpPr>
+              <a:cxnSpLocks/>
+            </p:cNvCxnSpPr>
+            <p:nvPr/>
+          </p:nvCxnSpPr>
+          <p:spPr>
+            <a:xfrm flipV="1">
+              <a:off x="7377192" y="3929742"/>
+              <a:ext cx="1158564" cy="720619"/>
+            </a:xfrm>
+            <a:prstGeom prst="line">
+              <a:avLst/>
+            </a:prstGeom>
+            <a:ln w="38100">
+              <a:solidFill>
+                <a:srgbClr val="FF0000"/>
+              </a:solidFill>
+            </a:ln>
+          </p:spPr>
+          <p:style>
+            <a:lnRef idx="1">
+              <a:schemeClr val="accent1"/>
+            </a:lnRef>
+            <a:fillRef idx="0">
+              <a:schemeClr val="accent1"/>
+            </a:fillRef>
+            <a:effectRef idx="0">
+              <a:schemeClr val="accent1"/>
+            </a:effectRef>
+            <a:fontRef idx="minor">
+              <a:schemeClr val="tx1"/>
+            </a:fontRef>
+          </p:style>
+        </p:cxnSp>
+        <p:cxnSp>
+          <p:nvCxnSpPr>
+            <p:cNvPr id="60" name="Straight Connector 59">
+              <a:extLst>
+                <a:ext uri="{FF2B5EF4-FFF2-40B4-BE49-F238E27FC236}">
+                  <a16:creationId xmlns:a16="http://schemas.microsoft.com/office/drawing/2014/main" id="{4E441496-65A6-394E-8E97-BBA6A6592AC2}"/>
+                </a:ext>
+              </a:extLst>
+            </p:cNvPr>
+            <p:cNvCxnSpPr>
+              <a:cxnSpLocks/>
+              <a:stCxn id="47" idx="3"/>
+            </p:cNvCxnSpPr>
+            <p:nvPr/>
+          </p:nvCxnSpPr>
+          <p:spPr>
+            <a:xfrm>
+              <a:off x="7377193" y="2197432"/>
+              <a:ext cx="1158563" cy="1172329"/>
+            </a:xfrm>
+            <a:prstGeom prst="line">
+              <a:avLst/>
+            </a:prstGeom>
+            <a:ln w="38100">
+              <a:solidFill>
+                <a:srgbClr val="FF0000"/>
+              </a:solidFill>
+            </a:ln>
+          </p:spPr>
+          <p:style>
+            <a:lnRef idx="1">
+              <a:schemeClr val="accent1"/>
+            </a:lnRef>
+            <a:fillRef idx="0">
+              <a:schemeClr val="accent1"/>
+            </a:fillRef>
+            <a:effectRef idx="0">
+              <a:schemeClr val="accent1"/>
+            </a:effectRef>
+            <a:fontRef idx="minor">
+              <a:schemeClr val="tx1"/>
+            </a:fontRef>
+          </p:style>
+        </p:cxnSp>
+        <p:cxnSp>
+          <p:nvCxnSpPr>
+            <p:cNvPr id="63" name="Straight Connector 62">
+              <a:extLst>
+                <a:ext uri="{FF2B5EF4-FFF2-40B4-BE49-F238E27FC236}">
+                  <a16:creationId xmlns:a16="http://schemas.microsoft.com/office/drawing/2014/main" id="{89809BDD-9B08-5E44-8252-6FE398FEB9C1}"/>
+                </a:ext>
+              </a:extLst>
+            </p:cNvPr>
+            <p:cNvCxnSpPr>
+              <a:cxnSpLocks/>
+              <a:stCxn id="51" idx="3"/>
+            </p:cNvCxnSpPr>
+            <p:nvPr/>
+          </p:nvCxnSpPr>
+          <p:spPr>
+            <a:xfrm flipV="1">
+              <a:off x="7377193" y="3520840"/>
+              <a:ext cx="1158562" cy="518902"/>
+            </a:xfrm>
+            <a:prstGeom prst="line">
+              <a:avLst/>
+            </a:prstGeom>
+            <a:ln w="38100">
+              <a:solidFill>
+                <a:srgbClr val="FF0000"/>
+              </a:solidFill>
+            </a:ln>
+          </p:spPr>
+          <p:style>
+            <a:lnRef idx="1">
+              <a:schemeClr val="accent1"/>
+            </a:lnRef>
+            <a:fillRef idx="0">
+              <a:schemeClr val="accent1"/>
+            </a:fillRef>
+            <a:effectRef idx="0">
+              <a:schemeClr val="accent1"/>
+            </a:effectRef>
+            <a:fontRef idx="minor">
+              <a:schemeClr val="tx1"/>
+            </a:fontRef>
+          </p:style>
+        </p:cxnSp>
+      </p:grpSp>
+      <p:sp>
+        <p:nvSpPr>
+          <p:cNvPr id="69" name="Right Arrow 68">
+            <a:extLst>
+              <a:ext uri="{FF2B5EF4-FFF2-40B4-BE49-F238E27FC236}">
+                <a16:creationId xmlns:a16="http://schemas.microsoft.com/office/drawing/2014/main" id="{4FD571BD-5B20-1C49-806F-92DE5D62298B}"/>
+              </a:ext>
+            </a:extLst>
+          </p:cNvPr>
+          <p:cNvSpPr/>
+          <p:nvPr/>
+        </p:nvSpPr>
+        <p:spPr>
+          <a:xfrm rot="10800000">
+            <a:off x="1589320" y="1347001"/>
+            <a:ext cx="1501725" cy="604788"/>
+          </a:xfrm>
+          <a:prstGeom prst="rightArrow">
+            <a:avLst>
+              <a:gd name="adj1" fmla="val 42779"/>
+              <a:gd name="adj2" fmla="val 50000"/>
+            </a:avLst>
+          </a:prstGeom>
+          <a:solidFill>
+            <a:srgbClr val="FFFF00"/>
+          </a:solidFill>
+        </p:spPr>
+        <p:style>
+          <a:lnRef idx="2">
+            <a:schemeClr val="accent1">
+              <a:shade val="50000"/>
+            </a:schemeClr>
+          </a:lnRef>
+          <a:fillRef idx="1">
+            <a:schemeClr val="accent1"/>
+          </a:fillRef>
+          <a:effectRef idx="0">
+            <a:schemeClr val="accent1"/>
+          </a:effectRef>
+          <a:fontRef idx="minor">
+            <a:schemeClr val="lt1"/>
+          </a:fontRef>
+        </p:style>
+        <p:txBody>
+          <a:bodyPr rtlCol="0" anchor="ctr"/>
+          <a:lstStyle/>
+          <a:p>
+            <a:pPr algn="ctr"/>
+            <a:endParaRPr lang="en-US"/>
           </a:p>
         </p:txBody>
       </p:sp>
     </p:spTree>
     <p:extLst>
       <p:ext uri="{BB962C8B-B14F-4D97-AF65-F5344CB8AC3E}">
-        <p14:creationId xmlns:p14="http://schemas.microsoft.com/office/powerpoint/2010/main" val="1399645491"/>
+        <p14:creationId xmlns:p14="http://schemas.microsoft.com/office/powerpoint/2010/main" val="4057090941"/>
       </p:ext>
     </p:extLst>
   </p:cSld>
   <p:clrMapOvr>
     <a:masterClrMapping/>
   </p:clrMapOvr>
+  <p:timing>
+    <p:tnLst>
+      <p:par>
+        <p:cTn id="1" dur="indefinite" restart="never" nodeType="tmRoot">
+          <p:childTnLst>
+            <p:seq concurrent="1" nextAc="seek">
+              <p:cTn id="2" dur="indefinite" nodeType="mainSeq">
+                <p:childTnLst>
+                  <p:par>
+                    <p:cTn id="3" fill="hold">
+                      <p:stCondLst>
+                        <p:cond delay="indefinite"/>
+                      </p:stCondLst>
+                      <p:childTnLst>
+                        <p:par>
+                          <p:cTn id="4" fill="hold">
+                            <p:stCondLst>
+                              <p:cond delay="0"/>
+                            </p:stCondLst>
+                            <p:childTnLst>
+                              <p:par>
+                                <p:cTn id="5" presetID="2" presetClass="entr" presetSubtype="4" fill="hold" nodeType="clickEffect">
+                                  <p:stCondLst>
+                                    <p:cond delay="0"/>
+                                  </p:stCondLst>
+                                  <p:childTnLst>
+                                    <p:set>
+                                      <p:cBhvr>
+                                        <p:cTn id="6" dur="1" fill="hold">
+                                          <p:stCondLst>
+                                            <p:cond delay="0"/>
+                                          </p:stCondLst>
+                                        </p:cTn>
+                                        <p:tgtEl>
+                                          <p:spTgt spid="27"/>
+                                        </p:tgtEl>
+                                        <p:attrNameLst>
+                                          <p:attrName>style.visibility</p:attrName>
+                                        </p:attrNameLst>
+                                      </p:cBhvr>
+                                      <p:to>
+                                        <p:strVal val="visible"/>
+                                      </p:to>
+                                    </p:set>
+                                    <p:anim calcmode="lin" valueType="num">
+                                      <p:cBhvr additive="base">
+                                        <p:cTn id="7" dur="500" fill="hold"/>
+                                        <p:tgtEl>
+                                          <p:spTgt spid="27"/>
+                                        </p:tgtEl>
+                                        <p:attrNameLst>
+                                          <p:attrName>ppt_x</p:attrName>
+                                        </p:attrNameLst>
+                                      </p:cBhvr>
+                                      <p:tavLst>
+                                        <p:tav tm="0">
+                                          <p:val>
+                                            <p:strVal val="#ppt_x"/>
+                                          </p:val>
+                                        </p:tav>
+                                        <p:tav tm="100000">
+                                          <p:val>
+                                            <p:strVal val="#ppt_x"/>
+                                          </p:val>
+                                        </p:tav>
+                                      </p:tavLst>
+                                    </p:anim>
+                                    <p:anim calcmode="lin" valueType="num">
+                                      <p:cBhvr additive="base">
+                                        <p:cTn id="8" dur="500" fill="hold"/>
+                                        <p:tgtEl>
+                                          <p:spTgt spid="27"/>
+                                        </p:tgtEl>
+                                        <p:attrNameLst>
+                                          <p:attrName>ppt_y</p:attrName>
+                                        </p:attrNameLst>
+                                      </p:cBhvr>
+                                      <p:tavLst>
+                                        <p:tav tm="0">
+                                          <p:val>
+                                            <p:strVal val="1+#ppt_h/2"/>
+                                          </p:val>
+                                        </p:tav>
+                                        <p:tav tm="100000">
+                                          <p:val>
+                                            <p:strVal val="#ppt_y"/>
+                                          </p:val>
+                                        </p:tav>
+                                      </p:tavLst>
+                                    </p:anim>
+                                  </p:childTnLst>
+                                </p:cTn>
+                              </p:par>
+                            </p:childTnLst>
+                          </p:cTn>
+                        </p:par>
+                      </p:childTnLst>
+                    </p:cTn>
+                  </p:par>
+                  <p:par>
+                    <p:cTn id="9" fill="hold">
+                      <p:stCondLst>
+                        <p:cond delay="indefinite"/>
+                      </p:stCondLst>
+                      <p:childTnLst>
+                        <p:par>
+                          <p:cTn id="10" fill="hold">
+                            <p:stCondLst>
+                              <p:cond delay="0"/>
+                            </p:stCondLst>
+                            <p:childTnLst>
+                              <p:par>
+                                <p:cTn id="11" presetID="1" presetClass="entr" presetSubtype="0" fill="hold" nodeType="clickEffect">
+                                  <p:stCondLst>
+                                    <p:cond delay="0"/>
+                                  </p:stCondLst>
+                                  <p:childTnLst>
+                                    <p:set>
+                                      <p:cBhvr>
+                                        <p:cTn id="12" dur="1" fill="hold">
+                                          <p:stCondLst>
+                                            <p:cond delay="0"/>
+                                          </p:stCondLst>
+                                        </p:cTn>
+                                        <p:tgtEl>
+                                          <p:spTgt spid="36"/>
+                                        </p:tgtEl>
+                                        <p:attrNameLst>
+                                          <p:attrName>style.visibility</p:attrName>
+                                        </p:attrNameLst>
+                                      </p:cBhvr>
+                                      <p:to>
+                                        <p:strVal val="visible"/>
+                                      </p:to>
+                                    </p:set>
+                                  </p:childTnLst>
+                                </p:cTn>
+                              </p:par>
+                            </p:childTnLst>
+                          </p:cTn>
+                        </p:par>
+                      </p:childTnLst>
+                    </p:cTn>
+                  </p:par>
+                  <p:par>
+                    <p:cTn id="13" fill="hold">
+                      <p:stCondLst>
+                        <p:cond delay="indefinite"/>
+                      </p:stCondLst>
+                      <p:childTnLst>
+                        <p:par>
+                          <p:cTn id="14" fill="hold">
+                            <p:stCondLst>
+                              <p:cond delay="0"/>
+                            </p:stCondLst>
+                            <p:childTnLst>
+                              <p:par>
+                                <p:cTn id="15" presetID="1" presetClass="entr" presetSubtype="0" fill="hold" nodeType="clickEffect">
+                                  <p:stCondLst>
+                                    <p:cond delay="0"/>
+                                  </p:stCondLst>
+                                  <p:childTnLst>
+                                    <p:set>
+                                      <p:cBhvr>
+                                        <p:cTn id="16" dur="1" fill="hold">
+                                          <p:stCondLst>
+                                            <p:cond delay="0"/>
+                                          </p:stCondLst>
+                                        </p:cTn>
+                                        <p:tgtEl>
+                                          <p:spTgt spid="37"/>
+                                        </p:tgtEl>
+                                        <p:attrNameLst>
+                                          <p:attrName>style.visibility</p:attrName>
+                                        </p:attrNameLst>
+                                      </p:cBhvr>
+                                      <p:to>
+                                        <p:strVal val="visible"/>
+                                      </p:to>
+                                    </p:set>
+                                  </p:childTnLst>
+                                </p:cTn>
+                              </p:par>
+                            </p:childTnLst>
+                          </p:cTn>
+                        </p:par>
+                      </p:childTnLst>
+                    </p:cTn>
+                  </p:par>
+                  <p:par>
+                    <p:cTn id="17" fill="hold">
+                      <p:stCondLst>
+                        <p:cond delay="indefinite"/>
+                      </p:stCondLst>
+                      <p:childTnLst>
+                        <p:par>
+                          <p:cTn id="18" fill="hold">
+                            <p:stCondLst>
+                              <p:cond delay="0"/>
+                            </p:stCondLst>
+                            <p:childTnLst>
+                              <p:par>
+                                <p:cTn id="19" presetID="1" presetClass="entr" presetSubtype="0" fill="hold" nodeType="clickEffect">
+                                  <p:stCondLst>
+                                    <p:cond delay="0"/>
+                                  </p:stCondLst>
+                                  <p:childTnLst>
+                                    <p:set>
+                                      <p:cBhvr>
+                                        <p:cTn id="20" dur="1" fill="hold">
+                                          <p:stCondLst>
+                                            <p:cond delay="0"/>
+                                          </p:stCondLst>
+                                        </p:cTn>
+                                        <p:tgtEl>
+                                          <p:spTgt spid="38"/>
+                                        </p:tgtEl>
+                                        <p:attrNameLst>
+                                          <p:attrName>style.visibility</p:attrName>
+                                        </p:attrNameLst>
+                                      </p:cBhvr>
+                                      <p:to>
+                                        <p:strVal val="visible"/>
+                                      </p:to>
+                                    </p:set>
+                                  </p:childTnLst>
+                                </p:cTn>
+                              </p:par>
+                            </p:childTnLst>
+                          </p:cTn>
+                        </p:par>
+                      </p:childTnLst>
+                    </p:cTn>
+                  </p:par>
+                  <p:par>
+                    <p:cTn id="21" fill="hold">
+                      <p:stCondLst>
+                        <p:cond delay="indefinite"/>
+                      </p:stCondLst>
+                      <p:childTnLst>
+                        <p:par>
+                          <p:cTn id="22" fill="hold">
+                            <p:stCondLst>
+                              <p:cond delay="0"/>
+                            </p:stCondLst>
+                            <p:childTnLst>
+                              <p:par>
+                                <p:cTn id="23" presetID="2" presetClass="entr" presetSubtype="4" fill="hold" nodeType="clickEffect">
+                                  <p:stCondLst>
+                                    <p:cond delay="0"/>
+                                  </p:stCondLst>
+                                  <p:childTnLst>
+                                    <p:set>
+                                      <p:cBhvr>
+                                        <p:cTn id="24" dur="1" fill="hold">
+                                          <p:stCondLst>
+                                            <p:cond delay="0"/>
+                                          </p:stCondLst>
+                                        </p:cTn>
+                                        <p:tgtEl>
+                                          <p:spTgt spid="40"/>
+                                        </p:tgtEl>
+                                        <p:attrNameLst>
+                                          <p:attrName>style.visibility</p:attrName>
+                                        </p:attrNameLst>
+                                      </p:cBhvr>
+                                      <p:to>
+                                        <p:strVal val="visible"/>
+                                      </p:to>
+                                    </p:set>
+                                    <p:anim calcmode="lin" valueType="num">
+                                      <p:cBhvr additive="base">
+                                        <p:cTn id="25" dur="500" fill="hold"/>
+                                        <p:tgtEl>
+                                          <p:spTgt spid="40"/>
+                                        </p:tgtEl>
+                                        <p:attrNameLst>
+                                          <p:attrName>ppt_x</p:attrName>
+                                        </p:attrNameLst>
+                                      </p:cBhvr>
+                                      <p:tavLst>
+                                        <p:tav tm="0">
+                                          <p:val>
+                                            <p:strVal val="#ppt_x"/>
+                                          </p:val>
+                                        </p:tav>
+                                        <p:tav tm="100000">
+                                          <p:val>
+                                            <p:strVal val="#ppt_x"/>
+                                          </p:val>
+                                        </p:tav>
+                                      </p:tavLst>
+                                    </p:anim>
+                                    <p:anim calcmode="lin" valueType="num">
+                                      <p:cBhvr additive="base">
+                                        <p:cTn id="26" dur="500" fill="hold"/>
+                                        <p:tgtEl>
+                                          <p:spTgt spid="40"/>
+                                        </p:tgtEl>
+                                        <p:attrNameLst>
+                                          <p:attrName>ppt_y</p:attrName>
+                                        </p:attrNameLst>
+                                      </p:cBhvr>
+                                      <p:tavLst>
+                                        <p:tav tm="0">
+                                          <p:val>
+                                            <p:strVal val="1+#ppt_h/2"/>
+                                          </p:val>
+                                        </p:tav>
+                                        <p:tav tm="100000">
+                                          <p:val>
+                                            <p:strVal val="#ppt_y"/>
+                                          </p:val>
+                                        </p:tav>
+                                      </p:tavLst>
+                                    </p:anim>
+                                  </p:childTnLst>
+                                </p:cTn>
+                              </p:par>
+                            </p:childTnLst>
+                          </p:cTn>
+                        </p:par>
+                      </p:childTnLst>
+                    </p:cTn>
+                  </p:par>
+                  <p:par>
+                    <p:cTn id="27" fill="hold">
+                      <p:stCondLst>
+                        <p:cond delay="indefinite"/>
+                      </p:stCondLst>
+                      <p:childTnLst>
+                        <p:par>
+                          <p:cTn id="28" fill="hold">
+                            <p:stCondLst>
+                              <p:cond delay="0"/>
+                            </p:stCondLst>
+                            <p:childTnLst>
+                              <p:par>
+                                <p:cTn id="29" presetID="2" presetClass="entr" presetSubtype="2" fill="hold" grpId="0" nodeType="clickEffect">
+                                  <p:stCondLst>
+                                    <p:cond delay="0"/>
+                                  </p:stCondLst>
+                                  <p:childTnLst>
+                                    <p:set>
+                                      <p:cBhvr>
+                                        <p:cTn id="30" dur="1" fill="hold">
+                                          <p:stCondLst>
+                                            <p:cond delay="0"/>
+                                          </p:stCondLst>
+                                        </p:cTn>
+                                        <p:tgtEl>
+                                          <p:spTgt spid="69"/>
+                                        </p:tgtEl>
+                                        <p:attrNameLst>
+                                          <p:attrName>style.visibility</p:attrName>
+                                        </p:attrNameLst>
+                                      </p:cBhvr>
+                                      <p:to>
+                                        <p:strVal val="visible"/>
+                                      </p:to>
+                                    </p:set>
+                                    <p:anim calcmode="lin" valueType="num">
+                                      <p:cBhvr additive="base">
+                                        <p:cTn id="31" dur="500" fill="hold"/>
+                                        <p:tgtEl>
+                                          <p:spTgt spid="69"/>
+                                        </p:tgtEl>
+                                        <p:attrNameLst>
+                                          <p:attrName>ppt_x</p:attrName>
+                                        </p:attrNameLst>
+                                      </p:cBhvr>
+                                      <p:tavLst>
+                                        <p:tav tm="0">
+                                          <p:val>
+                                            <p:strVal val="1+#ppt_w/2"/>
+                                          </p:val>
+                                        </p:tav>
+                                        <p:tav tm="100000">
+                                          <p:val>
+                                            <p:strVal val="#ppt_x"/>
+                                          </p:val>
+                                        </p:tav>
+                                      </p:tavLst>
+                                    </p:anim>
+                                    <p:anim calcmode="lin" valueType="num">
+                                      <p:cBhvr additive="base">
+                                        <p:cTn id="32" dur="500" fill="hold"/>
+                                        <p:tgtEl>
+                                          <p:spTgt spid="69"/>
+                                        </p:tgtEl>
+                                        <p:attrNameLst>
+                                          <p:attrName>ppt_y</p:attrName>
+                                        </p:attrNameLst>
+                                      </p:cBhvr>
+                                      <p:tavLst>
+                                        <p:tav tm="0">
+                                          <p:val>
+                                            <p:strVal val="#ppt_y"/>
+                                          </p:val>
+                                        </p:tav>
+                                        <p:tav tm="100000">
+                                          <p:val>
+                                            <p:strVal val="#ppt_y"/>
+                                          </p:val>
+                                        </p:tav>
+                                      </p:tavLst>
+                                    </p:anim>
+                                  </p:childTnLst>
+                                </p:cTn>
+                              </p:par>
+                            </p:childTnLst>
+                          </p:cTn>
+                        </p:par>
+                      </p:childTnLst>
+                    </p:cTn>
+                  </p:par>
+                  <p:par>
+                    <p:cTn id="33" fill="hold">
+                      <p:stCondLst>
+                        <p:cond delay="indefinite"/>
+                      </p:stCondLst>
+                      <p:childTnLst>
+                        <p:par>
+                          <p:cTn id="34" fill="hold">
+                            <p:stCondLst>
+                              <p:cond delay="0"/>
+                            </p:stCondLst>
+                            <p:childTnLst>
+                              <p:par>
+                                <p:cTn id="35" presetID="1" presetClass="exit" presetSubtype="0" fill="hold" grpId="1" nodeType="clickEffect">
+                                  <p:stCondLst>
+                                    <p:cond delay="0"/>
+                                  </p:stCondLst>
+                                  <p:childTnLst>
+                                    <p:set>
+                                      <p:cBhvr>
+                                        <p:cTn id="36" dur="1" fill="hold">
+                                          <p:stCondLst>
+                                            <p:cond delay="0"/>
+                                          </p:stCondLst>
+                                        </p:cTn>
+                                        <p:tgtEl>
+                                          <p:spTgt spid="69"/>
+                                        </p:tgtEl>
+                                        <p:attrNameLst>
+                                          <p:attrName>style.visibility</p:attrName>
+                                        </p:attrNameLst>
+                                      </p:cBhvr>
+                                      <p:to>
+                                        <p:strVal val="hidden"/>
+                                      </p:to>
+                                    </p:set>
+                                  </p:childTnLst>
+                                </p:cTn>
+                              </p:par>
+                            </p:childTnLst>
+                          </p:cTn>
+                        </p:par>
+                      </p:childTnLst>
+                    </p:cTn>
+                  </p:par>
+                  <p:par>
+                    <p:cTn id="37" fill="hold">
+                      <p:stCondLst>
+                        <p:cond delay="indefinite"/>
+                      </p:stCondLst>
+                      <p:childTnLst>
+                        <p:par>
+                          <p:cTn id="38" fill="hold">
+                            <p:stCondLst>
+                              <p:cond delay="0"/>
+                            </p:stCondLst>
+                            <p:childTnLst>
+                              <p:par>
+                                <p:cTn id="39" presetID="1" presetClass="entr" presetSubtype="0" fill="hold" nodeType="clickEffect">
+                                  <p:stCondLst>
+                                    <p:cond delay="0"/>
+                                  </p:stCondLst>
+                                  <p:childTnLst>
+                                    <p:set>
+                                      <p:cBhvr>
+                                        <p:cTn id="40" dur="1" fill="hold">
+                                          <p:stCondLst>
+                                            <p:cond delay="0"/>
+                                          </p:stCondLst>
+                                        </p:cTn>
+                                        <p:tgtEl>
+                                          <p:spTgt spid="66"/>
+                                        </p:tgtEl>
+                                        <p:attrNameLst>
+                                          <p:attrName>style.visibility</p:attrName>
+                                        </p:attrNameLst>
+                                      </p:cBhvr>
+                                      <p:to>
+                                        <p:strVal val="visible"/>
+                                      </p:to>
+                                    </p:set>
+                                  </p:childTnLst>
+                                </p:cTn>
+                              </p:par>
+                            </p:childTnLst>
+                          </p:cTn>
+                        </p:par>
+                      </p:childTnLst>
+                    </p:cTn>
+                  </p:par>
+                  <p:par>
+                    <p:cTn id="41" fill="hold">
+                      <p:stCondLst>
+                        <p:cond delay="indefinite"/>
+                      </p:stCondLst>
+                      <p:childTnLst>
+                        <p:par>
+                          <p:cTn id="42" fill="hold">
+                            <p:stCondLst>
+                              <p:cond delay="0"/>
+                            </p:stCondLst>
+                            <p:childTnLst>
+                              <p:par>
+                                <p:cTn id="43" presetID="1" presetClass="entr" presetSubtype="0" fill="hold" nodeType="clickEffect">
+                                  <p:stCondLst>
+                                    <p:cond delay="0"/>
+                                  </p:stCondLst>
+                                  <p:childTnLst>
+                                    <p:set>
+                                      <p:cBhvr>
+                                        <p:cTn id="44" dur="1" fill="hold">
+                                          <p:stCondLst>
+                                            <p:cond delay="0"/>
+                                          </p:stCondLst>
+                                        </p:cTn>
+                                        <p:tgtEl>
+                                          <p:spTgt spid="67"/>
+                                        </p:tgtEl>
+                                        <p:attrNameLst>
+                                          <p:attrName>style.visibility</p:attrName>
+                                        </p:attrNameLst>
+                                      </p:cBhvr>
+                                      <p:to>
+                                        <p:strVal val="visible"/>
+                                      </p:to>
+                                    </p:set>
+                                  </p:childTnLst>
+                                </p:cTn>
+                              </p:par>
+                            </p:childTnLst>
+                          </p:cTn>
+                        </p:par>
+                      </p:childTnLst>
+                    </p:cTn>
+                  </p:par>
+                </p:childTnLst>
+              </p:cTn>
+              <p:prevCondLst>
+                <p:cond evt="onPrev" delay="0">
+                  <p:tgtEl>
+                    <p:sldTgt/>
+                  </p:tgtEl>
+                </p:cond>
+              </p:prevCondLst>
+              <p:nextCondLst>
+                <p:cond evt="onNext" delay="0">
+                  <p:tgtEl>
+                    <p:sldTgt/>
+                  </p:tgtEl>
+                </p:cond>
+              </p:nextCondLst>
+            </p:seq>
+          </p:childTnLst>
+        </p:cTn>
+      </p:par>
+    </p:tnLst>
+    <p:bldLst>
+      <p:bldP spid="69" grpId="0" animBg="1"/>
+      <p:bldP spid="69" grpId="1" animBg="1"/>
+    </p:bldLst>
+  </p:timing>
 </p:sld>
 </file>
 
-<file path=ppt/slides/slide12.xml><?xml version="1.0" encoding="utf-8"?>
+<file path=ppt/slides/slide11.xml><?xml version="1.0" encoding="utf-8"?>
 <p:sld xmlns:a="http://schemas.openxmlformats.org/drawingml/2006/main" xmlns:r="http://schemas.openxmlformats.org/officeDocument/2006/relationships" xmlns:p="http://schemas.openxmlformats.org/presentationml/2006/main">
   <p:cSld>
     <p:bg>
@@ -6159,10 +7809,10 @@
       </p:grpSpPr>
       <p:sp>
         <p:nvSpPr>
-          <p:cNvPr id="15" name="Rectangle 14">
+          <p:cNvPr id="26" name="Rectangle 25">
             <a:extLst>
               <a:ext uri="{FF2B5EF4-FFF2-40B4-BE49-F238E27FC236}">
-                <a16:creationId xmlns:a16="http://schemas.microsoft.com/office/drawing/2014/main" id="{C3A694C2-50DA-401D-9E8A-3621EBF0C75C}"/>
+                <a16:creationId xmlns:a16="http://schemas.microsoft.com/office/drawing/2014/main" id="{CEA480D0-1CDA-450E-B62A-17E6A8D1968D}"/>
               </a:ext>
               <a:ext uri="{C183D7F6-B498-43B3-948B-1728B52AA6E4}">
                 <adec:decorative xmlns:adec="http://schemas.microsoft.com/office/drawing/2017/decorative" val="1"/>
@@ -6220,12 +7870,53 @@
           </a:p>
         </p:txBody>
       </p:sp>
+      <p:sp>
+        <p:nvSpPr>
+          <p:cNvPr id="8" name="Subtitle 7">
+            <a:extLst>
+              <a:ext uri="{FF2B5EF4-FFF2-40B4-BE49-F238E27FC236}">
+                <a16:creationId xmlns:a16="http://schemas.microsoft.com/office/drawing/2014/main" id="{272A9347-692A-B043-84BE-DF4576A3CB72}"/>
+              </a:ext>
+            </a:extLst>
+          </p:cNvPr>
+          <p:cNvSpPr>
+            <a:spLocks noGrp="1"/>
+          </p:cNvSpPr>
+          <p:nvPr>
+            <p:ph type="subTitle" idx="1"/>
+          </p:nvPr>
+        </p:nvSpPr>
+        <p:spPr>
+          <a:xfrm>
+            <a:off x="2557698" y="5456563"/>
+            <a:ext cx="7629039" cy="1245182"/>
+          </a:xfrm>
+        </p:spPr>
+        <p:txBody>
+          <a:bodyPr vert="horz" lIns="91440" tIns="45720" rIns="91440" bIns="45720" rtlCol="0">
+            <a:normAutofit fontScale="77500" lnSpcReduction="20000"/>
+          </a:bodyPr>
+          <a:lstStyle/>
+          <a:p>
+            <a:r>
+              <a:rPr lang="en-US" sz="5400" dirty="0"/>
+              <a:t>Defaulted Loans, The Where’s:</a:t>
+            </a:r>
+          </a:p>
+          <a:p>
+            <a:r>
+              <a:rPr lang="en-US" sz="5400" dirty="0"/>
+              <a:t>GEOGRAPHIC LOCATION</a:t>
+            </a:r>
+          </a:p>
+        </p:txBody>
+      </p:sp>
       <p:pic>
         <p:nvPicPr>
-          <p:cNvPr id="9" name="Picture 8">
+          <p:cNvPr id="6" name="Picture 5">
             <a:extLst>
               <a:ext uri="{FF2B5EF4-FFF2-40B4-BE49-F238E27FC236}">
-                <a16:creationId xmlns:a16="http://schemas.microsoft.com/office/drawing/2014/main" id="{EB55C074-D7B7-A744-8B69-2A6B585F0B7E}"/>
+                <a16:creationId xmlns:a16="http://schemas.microsoft.com/office/drawing/2014/main" id="{5CF8B0DF-9B1A-B147-BD6E-3CF2EB221997}"/>
               </a:ext>
             </a:extLst>
           </p:cNvPr>
@@ -6250,263 +7941,1068 @@
           </a:prstGeom>
         </p:spPr>
       </p:pic>
-      <p:sp>
-        <p:nvSpPr>
-          <p:cNvPr id="13" name="Subtitle 7">
+      <p:pic>
+        <p:nvPicPr>
+          <p:cNvPr id="5" name="Picture 4">
             <a:extLst>
               <a:ext uri="{FF2B5EF4-FFF2-40B4-BE49-F238E27FC236}">
-                <a16:creationId xmlns:a16="http://schemas.microsoft.com/office/drawing/2014/main" id="{1EC10E55-065E-7B4C-8A7B-50A587AB2265}"/>
+                <a16:creationId xmlns:a16="http://schemas.microsoft.com/office/drawing/2014/main" id="{EE1F15AA-352A-614C-937E-412EBED1463F}"/>
               </a:ext>
             </a:extLst>
           </p:cNvPr>
-          <p:cNvSpPr txBox="1">
-            <a:spLocks/>
-          </p:cNvSpPr>
+          <p:cNvPicPr>
+            <a:picLocks noChangeAspect="1"/>
+          </p:cNvPicPr>
           <p:nvPr/>
-        </p:nvSpPr>
+        </p:nvPicPr>
+        <p:blipFill>
+          <a:blip r:embed="rId4"/>
+          <a:stretch>
+            <a:fillRect/>
+          </a:stretch>
+        </p:blipFill>
         <p:spPr>
           <a:xfrm>
-            <a:off x="2557698" y="5295911"/>
-            <a:ext cx="7076603" cy="1245182"/>
+            <a:off x="239464" y="118453"/>
+            <a:ext cx="5691811" cy="4255570"/>
           </a:xfrm>
           <a:prstGeom prst="rect">
             <a:avLst/>
           </a:prstGeom>
-          <a:noFill/>
+          <a:ln w="38100">
+            <a:solidFill>
+              <a:schemeClr val="bg1"/>
+            </a:solidFill>
+          </a:ln>
         </p:spPr>
-        <p:txBody>
-          <a:bodyPr vert="horz" lIns="91440" tIns="45720" rIns="91440" bIns="45720" rtlCol="0">
-            <a:normAutofit/>
-          </a:bodyPr>
-          <a:lstStyle>
-            <a:lvl1pPr marL="0" indent="0" algn="ctr" defTabSz="914400" rtl="0" eaLnBrk="1" latinLnBrk="0" hangingPunct="1">
-              <a:lnSpc>
-                <a:spcPct val="100000"/>
-              </a:lnSpc>
-              <a:spcBef>
-                <a:spcPts val="1000"/>
-              </a:spcBef>
-              <a:buClr>
-                <a:schemeClr val="accent2"/>
-              </a:buClr>
-              <a:buFont typeface="Arial" panose="020B0604020202020204" pitchFamily="34" charset="0"/>
-              <a:buNone/>
-              <a:defRPr sz="2000" kern="1200">
-                <a:solidFill>
-                  <a:schemeClr val="tx1">
-                    <a:lumMod val="75000"/>
-                    <a:lumOff val="25000"/>
-                  </a:schemeClr>
-                </a:solidFill>
-                <a:latin typeface="+mn-lt"/>
-                <a:ea typeface="+mn-ea"/>
-                <a:cs typeface="+mn-cs"/>
-              </a:defRPr>
-            </a:lvl1pPr>
-            <a:lvl2pPr marL="457200" indent="0" algn="ctr" defTabSz="914400" rtl="0" eaLnBrk="1" latinLnBrk="0" hangingPunct="1">
-              <a:lnSpc>
-                <a:spcPct val="100000"/>
-              </a:lnSpc>
-              <a:spcBef>
-                <a:spcPts val="1000"/>
-              </a:spcBef>
-              <a:buClr>
-                <a:schemeClr val="accent2"/>
-              </a:buClr>
-              <a:buFont typeface="Arial" panose="020B0604020202020204" pitchFamily="34" charset="0"/>
-              <a:buNone/>
-              <a:defRPr sz="2000" kern="1200">
-                <a:solidFill>
-                  <a:schemeClr val="tx1">
-                    <a:lumMod val="85000"/>
-                    <a:lumOff val="15000"/>
-                  </a:schemeClr>
-                </a:solidFill>
-                <a:latin typeface="+mn-lt"/>
-                <a:ea typeface="+mn-ea"/>
-                <a:cs typeface="+mn-cs"/>
-              </a:defRPr>
-            </a:lvl2pPr>
-            <a:lvl3pPr marL="914400" indent="0" algn="ctr" defTabSz="914400" rtl="0" eaLnBrk="1" latinLnBrk="0" hangingPunct="1">
-              <a:lnSpc>
-                <a:spcPct val="100000"/>
-              </a:lnSpc>
-              <a:spcBef>
-                <a:spcPts val="1000"/>
-              </a:spcBef>
-              <a:buClr>
-                <a:schemeClr val="accent2"/>
-              </a:buClr>
-              <a:buFont typeface="Arial" panose="020B0604020202020204" pitchFamily="34" charset="0"/>
-              <a:buNone/>
-              <a:defRPr sz="1800" kern="1200">
-                <a:solidFill>
-                  <a:schemeClr val="tx1">
-                    <a:lumMod val="85000"/>
-                    <a:lumOff val="15000"/>
-                  </a:schemeClr>
-                </a:solidFill>
-                <a:latin typeface="+mn-lt"/>
-                <a:ea typeface="+mn-ea"/>
-                <a:cs typeface="+mn-cs"/>
-              </a:defRPr>
-            </a:lvl3pPr>
-            <a:lvl4pPr marL="1371600" indent="0" algn="ctr" defTabSz="914400" rtl="0" eaLnBrk="1" latinLnBrk="0" hangingPunct="1">
-              <a:lnSpc>
-                <a:spcPct val="100000"/>
-              </a:lnSpc>
-              <a:spcBef>
-                <a:spcPts val="1000"/>
-              </a:spcBef>
-              <a:buClr>
-                <a:schemeClr val="accent2"/>
-              </a:buClr>
-              <a:buFont typeface="Arial" panose="020B0604020202020204" pitchFamily="34" charset="0"/>
-              <a:buNone/>
-              <a:defRPr sz="1600" kern="1200">
-                <a:solidFill>
-                  <a:schemeClr val="tx1">
-                    <a:lumMod val="85000"/>
-                    <a:lumOff val="15000"/>
-                  </a:schemeClr>
-                </a:solidFill>
-                <a:latin typeface="+mn-lt"/>
-                <a:ea typeface="+mn-ea"/>
-                <a:cs typeface="+mn-cs"/>
-              </a:defRPr>
-            </a:lvl4pPr>
-            <a:lvl5pPr marL="1828800" indent="0" algn="ctr" defTabSz="914400" rtl="0" eaLnBrk="1" latinLnBrk="0" hangingPunct="1">
-              <a:lnSpc>
-                <a:spcPct val="100000"/>
-              </a:lnSpc>
-              <a:spcBef>
-                <a:spcPts val="1000"/>
-              </a:spcBef>
-              <a:buClr>
-                <a:schemeClr val="accent2"/>
-              </a:buClr>
-              <a:buFont typeface="Arial" panose="020B0604020202020204" pitchFamily="34" charset="0"/>
-              <a:buNone/>
-              <a:defRPr sz="1600" kern="1200">
-                <a:solidFill>
-                  <a:schemeClr val="tx1">
-                    <a:lumMod val="85000"/>
-                    <a:lumOff val="15000"/>
-                  </a:schemeClr>
-                </a:solidFill>
-                <a:latin typeface="+mn-lt"/>
-                <a:ea typeface="+mn-ea"/>
-                <a:cs typeface="+mn-cs"/>
-              </a:defRPr>
-            </a:lvl5pPr>
-            <a:lvl6pPr marL="2286000" indent="0" algn="ctr" defTabSz="914400" rtl="0" eaLnBrk="1" latinLnBrk="0" hangingPunct="1">
-              <a:lnSpc>
-                <a:spcPct val="100000"/>
-              </a:lnSpc>
-              <a:spcBef>
-                <a:spcPts val="1000"/>
-              </a:spcBef>
-              <a:buClr>
-                <a:schemeClr val="accent2"/>
-              </a:buClr>
-              <a:buFont typeface="Arial" panose="020B0604020202020204" pitchFamily="34" charset="0"/>
-              <a:buNone/>
-              <a:defRPr sz="1600" kern="1200">
-                <a:solidFill>
-                  <a:schemeClr val="tx1"/>
-                </a:solidFill>
-                <a:latin typeface="+mn-lt"/>
-                <a:ea typeface="+mn-ea"/>
-                <a:cs typeface="+mn-cs"/>
-              </a:defRPr>
-            </a:lvl6pPr>
-            <a:lvl7pPr marL="2743200" indent="0" algn="ctr" defTabSz="914400" rtl="0" eaLnBrk="1" latinLnBrk="0" hangingPunct="1">
-              <a:lnSpc>
-                <a:spcPct val="100000"/>
-              </a:lnSpc>
-              <a:spcBef>
-                <a:spcPts val="1000"/>
-              </a:spcBef>
-              <a:buClr>
-                <a:schemeClr val="accent2"/>
-              </a:buClr>
-              <a:buFont typeface="Arial" panose="020B0604020202020204" pitchFamily="34" charset="0"/>
-              <a:buNone/>
-              <a:defRPr sz="1600" kern="1200">
-                <a:solidFill>
-                  <a:schemeClr val="tx1"/>
-                </a:solidFill>
-                <a:latin typeface="+mn-lt"/>
-                <a:ea typeface="+mn-ea"/>
-                <a:cs typeface="+mn-cs"/>
-              </a:defRPr>
-            </a:lvl7pPr>
-            <a:lvl8pPr marL="3200400" indent="0" algn="ctr" defTabSz="914400" rtl="0" eaLnBrk="1" latinLnBrk="0" hangingPunct="1">
-              <a:lnSpc>
-                <a:spcPct val="100000"/>
-              </a:lnSpc>
-              <a:spcBef>
-                <a:spcPts val="1000"/>
-              </a:spcBef>
-              <a:buClr>
-                <a:schemeClr val="accent2"/>
-              </a:buClr>
-              <a:buFont typeface="Arial" panose="020B0604020202020204" pitchFamily="34" charset="0"/>
-              <a:buNone/>
-              <a:defRPr sz="1600" kern="1200" baseline="0">
-                <a:solidFill>
-                  <a:schemeClr val="tx1"/>
-                </a:solidFill>
-                <a:latin typeface="+mn-lt"/>
-                <a:ea typeface="+mn-ea"/>
-                <a:cs typeface="+mn-cs"/>
-              </a:defRPr>
-            </a:lvl8pPr>
-            <a:lvl9pPr marL="3657600" indent="0" algn="ctr" defTabSz="914400" rtl="0" eaLnBrk="1" latinLnBrk="0" hangingPunct="1">
-              <a:lnSpc>
-                <a:spcPct val="100000"/>
-              </a:lnSpc>
-              <a:spcBef>
-                <a:spcPts val="1000"/>
-              </a:spcBef>
-              <a:buClr>
-                <a:schemeClr val="accent2"/>
-              </a:buClr>
-              <a:buFont typeface="Arial" panose="020B0604020202020204" pitchFamily="34" charset="0"/>
-              <a:buNone/>
-              <a:defRPr sz="1600" kern="1200" baseline="0">
-                <a:solidFill>
-                  <a:schemeClr val="tx1"/>
-                </a:solidFill>
-                <a:latin typeface="+mn-lt"/>
-                <a:ea typeface="+mn-ea"/>
-                <a:cs typeface="+mn-cs"/>
-              </a:defRPr>
-            </a:lvl9pPr>
-          </a:lstStyle>
-          <a:p>
-            <a:r>
-              <a:rPr lang="en-US" sz="5400"/>
-              <a:t>Results – Geography</a:t>
-            </a:r>
-            <a:endParaRPr lang="en-US" sz="5400" dirty="0"/>
-          </a:p>
-        </p:txBody>
-      </p:sp>
+      </p:pic>
+      <p:pic>
+        <p:nvPicPr>
+          <p:cNvPr id="11" name="Picture 10">
+            <a:extLst>
+              <a:ext uri="{FF2B5EF4-FFF2-40B4-BE49-F238E27FC236}">
+                <a16:creationId xmlns:a16="http://schemas.microsoft.com/office/drawing/2014/main" id="{5DD35B10-3C11-694B-89E9-464F24B1DB91}"/>
+              </a:ext>
+            </a:extLst>
+          </p:cNvPr>
+          <p:cNvPicPr>
+            <a:picLocks noChangeAspect="1"/>
+          </p:cNvPicPr>
+          <p:nvPr/>
+        </p:nvPicPr>
+        <p:blipFill>
+          <a:blip r:embed="rId5"/>
+          <a:stretch>
+            <a:fillRect/>
+          </a:stretch>
+        </p:blipFill>
+        <p:spPr>
+          <a:xfrm>
+            <a:off x="6180911" y="110637"/>
+            <a:ext cx="5711750" cy="4263386"/>
+          </a:xfrm>
+          <a:prstGeom prst="rect">
+            <a:avLst/>
+          </a:prstGeom>
+          <a:ln w="38100">
+            <a:solidFill>
+              <a:schemeClr val="bg1"/>
+            </a:solidFill>
+          </a:ln>
+        </p:spPr>
+      </p:pic>
+      <p:pic>
+        <p:nvPicPr>
+          <p:cNvPr id="7" name="Picture 6">
+            <a:extLst>
+              <a:ext uri="{FF2B5EF4-FFF2-40B4-BE49-F238E27FC236}">
+                <a16:creationId xmlns:a16="http://schemas.microsoft.com/office/drawing/2014/main" id="{5A8B1536-48F7-0545-AF91-6A0910ECCE05}"/>
+              </a:ext>
+            </a:extLst>
+          </p:cNvPr>
+          <p:cNvPicPr>
+            <a:picLocks noChangeAspect="1"/>
+          </p:cNvPicPr>
+          <p:nvPr/>
+        </p:nvPicPr>
+        <p:blipFill>
+          <a:blip r:embed="rId6"/>
+          <a:stretch>
+            <a:fillRect/>
+          </a:stretch>
+        </p:blipFill>
+        <p:spPr>
+          <a:xfrm>
+            <a:off x="2062256" y="105087"/>
+            <a:ext cx="8641497" cy="5333038"/>
+          </a:xfrm>
+          <a:prstGeom prst="rect">
+            <a:avLst/>
+          </a:prstGeom>
+          <a:ln w="38100">
+            <a:solidFill>
+              <a:schemeClr val="bg1"/>
+            </a:solidFill>
+          </a:ln>
+        </p:spPr>
+      </p:pic>
+      <p:pic>
+        <p:nvPicPr>
+          <p:cNvPr id="13" name="Picture 12">
+            <a:extLst>
+              <a:ext uri="{FF2B5EF4-FFF2-40B4-BE49-F238E27FC236}">
+                <a16:creationId xmlns:a16="http://schemas.microsoft.com/office/drawing/2014/main" id="{A48C5E7C-0B27-7747-996F-26E99E059B98}"/>
+              </a:ext>
+            </a:extLst>
+          </p:cNvPr>
+          <p:cNvPicPr>
+            <a:picLocks noChangeAspect="1"/>
+          </p:cNvPicPr>
+          <p:nvPr/>
+        </p:nvPicPr>
+        <p:blipFill>
+          <a:blip r:embed="rId7"/>
+          <a:stretch>
+            <a:fillRect/>
+          </a:stretch>
+        </p:blipFill>
+        <p:spPr>
+          <a:xfrm>
+            <a:off x="192008" y="2685731"/>
+            <a:ext cx="5941361" cy="2505021"/>
+          </a:xfrm>
+          <a:prstGeom prst="rect">
+            <a:avLst/>
+          </a:prstGeom>
+          <a:ln w="38100">
+            <a:solidFill>
+              <a:schemeClr val="bg1"/>
+            </a:solidFill>
+          </a:ln>
+        </p:spPr>
+      </p:pic>
+      <p:pic>
+        <p:nvPicPr>
+          <p:cNvPr id="28" name="Picture 27">
+            <a:extLst>
+              <a:ext uri="{FF2B5EF4-FFF2-40B4-BE49-F238E27FC236}">
+                <a16:creationId xmlns:a16="http://schemas.microsoft.com/office/drawing/2014/main" id="{9505E0ED-94CA-C34B-B7A5-E28833DB4714}"/>
+              </a:ext>
+            </a:extLst>
+          </p:cNvPr>
+          <p:cNvPicPr>
+            <a:picLocks noChangeAspect="1"/>
+          </p:cNvPicPr>
+          <p:nvPr/>
+        </p:nvPicPr>
+        <p:blipFill>
+          <a:blip r:embed="rId8"/>
+          <a:stretch>
+            <a:fillRect/>
+          </a:stretch>
+        </p:blipFill>
+        <p:spPr>
+          <a:xfrm>
+            <a:off x="6186781" y="102746"/>
+            <a:ext cx="5907016" cy="5088006"/>
+          </a:xfrm>
+          <a:prstGeom prst="rect">
+            <a:avLst/>
+          </a:prstGeom>
+          <a:ln w="38100">
+            <a:solidFill>
+              <a:schemeClr val="bg1"/>
+            </a:solidFill>
+          </a:ln>
+        </p:spPr>
+      </p:pic>
+      <p:grpSp>
+        <p:nvGrpSpPr>
+          <p:cNvPr id="29" name="Group 28">
+            <a:extLst>
+              <a:ext uri="{FF2B5EF4-FFF2-40B4-BE49-F238E27FC236}">
+                <a16:creationId xmlns:a16="http://schemas.microsoft.com/office/drawing/2014/main" id="{D0575AAD-E114-074A-A753-5840D1433EC7}"/>
+              </a:ext>
+            </a:extLst>
+          </p:cNvPr>
+          <p:cNvGrpSpPr/>
+          <p:nvPr/>
+        </p:nvGrpSpPr>
+        <p:grpSpPr>
+          <a:xfrm>
+            <a:off x="294078" y="1154547"/>
+            <a:ext cx="9858884" cy="3900084"/>
+            <a:chOff x="294078" y="1154547"/>
+            <a:chExt cx="9858884" cy="3900084"/>
+          </a:xfrm>
+        </p:grpSpPr>
+        <p:sp>
+          <p:nvSpPr>
+            <p:cNvPr id="20" name="Rectangle 19">
+              <a:extLst>
+                <a:ext uri="{FF2B5EF4-FFF2-40B4-BE49-F238E27FC236}">
+                  <a16:creationId xmlns:a16="http://schemas.microsoft.com/office/drawing/2014/main" id="{558DCEC4-B455-414E-8F7A-75F217BF0B5A}"/>
+                </a:ext>
+              </a:extLst>
+            </p:cNvPr>
+            <p:cNvSpPr/>
+            <p:nvPr/>
+          </p:nvSpPr>
+          <p:spPr>
+            <a:xfrm>
+              <a:off x="294078" y="3354297"/>
+              <a:ext cx="984029" cy="1632273"/>
+            </a:xfrm>
+            <a:prstGeom prst="rect">
+              <a:avLst/>
+            </a:prstGeom>
+            <a:noFill/>
+            <a:ln w="38100">
+              <a:solidFill>
+                <a:srgbClr val="FF0000"/>
+              </a:solidFill>
+            </a:ln>
+          </p:spPr>
+          <p:style>
+            <a:lnRef idx="2">
+              <a:schemeClr val="accent1">
+                <a:shade val="50000"/>
+              </a:schemeClr>
+            </a:lnRef>
+            <a:fillRef idx="1">
+              <a:schemeClr val="accent1"/>
+            </a:fillRef>
+            <a:effectRef idx="0">
+              <a:schemeClr val="accent1"/>
+            </a:effectRef>
+            <a:fontRef idx="minor">
+              <a:schemeClr val="lt1"/>
+            </a:fontRef>
+          </p:style>
+          <p:txBody>
+            <a:bodyPr rtlCol="0" anchor="ctr"/>
+            <a:lstStyle/>
+            <a:p>
+              <a:pPr algn="ctr"/>
+              <a:endParaRPr lang="en-US"/>
+            </a:p>
+          </p:txBody>
+        </p:sp>
+        <p:sp>
+          <p:nvSpPr>
+            <p:cNvPr id="23" name="Rectangle 22">
+              <a:extLst>
+                <a:ext uri="{FF2B5EF4-FFF2-40B4-BE49-F238E27FC236}">
+                  <a16:creationId xmlns:a16="http://schemas.microsoft.com/office/drawing/2014/main" id="{C9EB4677-2EBD-E448-B099-403796C6C59A}"/>
+                </a:ext>
+              </a:extLst>
+            </p:cNvPr>
+            <p:cNvSpPr/>
+            <p:nvPr/>
+          </p:nvSpPr>
+          <p:spPr>
+            <a:xfrm>
+              <a:off x="6260727" y="1154547"/>
+              <a:ext cx="1093763" cy="3900084"/>
+            </a:xfrm>
+            <a:prstGeom prst="rect">
+              <a:avLst/>
+            </a:prstGeom>
+            <a:noFill/>
+            <a:ln w="38100">
+              <a:solidFill>
+                <a:srgbClr val="0070C0"/>
+              </a:solidFill>
+            </a:ln>
+          </p:spPr>
+          <p:style>
+            <a:lnRef idx="2">
+              <a:schemeClr val="accent1">
+                <a:shade val="50000"/>
+              </a:schemeClr>
+            </a:lnRef>
+            <a:fillRef idx="1">
+              <a:schemeClr val="accent1"/>
+            </a:fillRef>
+            <a:effectRef idx="0">
+              <a:schemeClr val="accent1"/>
+            </a:effectRef>
+            <a:fontRef idx="minor">
+              <a:schemeClr val="lt1"/>
+            </a:fontRef>
+          </p:style>
+          <p:txBody>
+            <a:bodyPr rtlCol="0" anchor="ctr"/>
+            <a:lstStyle/>
+            <a:p>
+              <a:pPr algn="ctr"/>
+              <a:endParaRPr lang="en-US"/>
+            </a:p>
+          </p:txBody>
+        </p:sp>
+        <p:sp>
+          <p:nvSpPr>
+            <p:cNvPr id="22" name="TextBox 21">
+              <a:extLst>
+                <a:ext uri="{FF2B5EF4-FFF2-40B4-BE49-F238E27FC236}">
+                  <a16:creationId xmlns:a16="http://schemas.microsoft.com/office/drawing/2014/main" id="{014126E3-E9DC-9B4E-8354-9B8AAAAF516E}"/>
+                </a:ext>
+              </a:extLst>
+            </p:cNvPr>
+            <p:cNvSpPr txBox="1"/>
+            <p:nvPr/>
+          </p:nvSpPr>
+          <p:spPr>
+            <a:xfrm>
+              <a:off x="1461072" y="3477400"/>
+              <a:ext cx="2497316" cy="1323439"/>
+            </a:xfrm>
+            <a:prstGeom prst="rect">
+              <a:avLst/>
+            </a:prstGeom>
+            <a:solidFill>
+              <a:schemeClr val="tx1"/>
+            </a:solidFill>
+            <a:ln w="38100">
+              <a:solidFill>
+                <a:srgbClr val="FF0000"/>
+              </a:solidFill>
+            </a:ln>
+          </p:spPr>
+          <p:txBody>
+            <a:bodyPr wrap="square" rtlCol="0">
+              <a:spAutoFit/>
+            </a:bodyPr>
+            <a:lstStyle/>
+            <a:p>
+              <a:r>
+                <a:rPr lang="en-US" sz="4000" dirty="0">
+                  <a:solidFill>
+                    <a:srgbClr val="FF0000"/>
+                  </a:solidFill>
+                </a:rPr>
+                <a:t>Most likely to default</a:t>
+              </a:r>
+            </a:p>
+          </p:txBody>
+        </p:sp>
+        <p:sp>
+          <p:nvSpPr>
+            <p:cNvPr id="25" name="TextBox 24">
+              <a:extLst>
+                <a:ext uri="{FF2B5EF4-FFF2-40B4-BE49-F238E27FC236}">
+                  <a16:creationId xmlns:a16="http://schemas.microsoft.com/office/drawing/2014/main" id="{85984E54-0716-D74B-B4CA-B466DA8AAB8F}"/>
+                </a:ext>
+              </a:extLst>
+            </p:cNvPr>
+            <p:cNvSpPr txBox="1"/>
+            <p:nvPr/>
+          </p:nvSpPr>
+          <p:spPr>
+            <a:xfrm>
+              <a:off x="7682036" y="2349955"/>
+              <a:ext cx="2470926" cy="1323439"/>
+            </a:xfrm>
+            <a:prstGeom prst="rect">
+              <a:avLst/>
+            </a:prstGeom>
+            <a:solidFill>
+              <a:schemeClr val="tx1"/>
+            </a:solidFill>
+            <a:ln w="38100">
+              <a:solidFill>
+                <a:srgbClr val="0070C0"/>
+              </a:solidFill>
+            </a:ln>
+          </p:spPr>
+          <p:txBody>
+            <a:bodyPr wrap="square" rtlCol="0">
+              <a:spAutoFit/>
+            </a:bodyPr>
+            <a:lstStyle/>
+            <a:p>
+              <a:r>
+                <a:rPr lang="en-US" sz="4000" dirty="0">
+                  <a:solidFill>
+                    <a:srgbClr val="0070C0"/>
+                  </a:solidFill>
+                </a:rPr>
+                <a:t>Least likely to default</a:t>
+              </a:r>
+            </a:p>
+          </p:txBody>
+        </p:sp>
+      </p:grpSp>
+      <p:pic>
+        <p:nvPicPr>
+          <p:cNvPr id="33" name="Picture 32">
+            <a:extLst>
+              <a:ext uri="{FF2B5EF4-FFF2-40B4-BE49-F238E27FC236}">
+                <a16:creationId xmlns:a16="http://schemas.microsoft.com/office/drawing/2014/main" id="{8AD98993-64EA-4444-93F1-DF5DF6925298}"/>
+              </a:ext>
+            </a:extLst>
+          </p:cNvPr>
+          <p:cNvPicPr>
+            <a:picLocks noChangeAspect="1"/>
+          </p:cNvPicPr>
+          <p:nvPr/>
+        </p:nvPicPr>
+        <p:blipFill>
+          <a:blip r:embed="rId9"/>
+          <a:stretch>
+            <a:fillRect/>
+          </a:stretch>
+        </p:blipFill>
+        <p:spPr>
+          <a:xfrm>
+            <a:off x="200576" y="105087"/>
+            <a:ext cx="5941362" cy="2580644"/>
+          </a:xfrm>
+          <a:prstGeom prst="rect">
+            <a:avLst/>
+          </a:prstGeom>
+          <a:ln w="38100">
+            <a:solidFill>
+              <a:schemeClr val="bg1"/>
+            </a:solidFill>
+          </a:ln>
+        </p:spPr>
+      </p:pic>
     </p:spTree>
     <p:extLst>
       <p:ext uri="{BB962C8B-B14F-4D97-AF65-F5344CB8AC3E}">
-        <p14:creationId xmlns:p14="http://schemas.microsoft.com/office/powerpoint/2010/main" val="3834384139"/>
+        <p14:creationId xmlns:p14="http://schemas.microsoft.com/office/powerpoint/2010/main" val="2059855465"/>
       </p:ext>
     </p:extLst>
   </p:cSld>
   <p:clrMapOvr>
     <a:masterClrMapping/>
   </p:clrMapOvr>
+  <p:timing>
+    <p:tnLst>
+      <p:par>
+        <p:cTn id="1" dur="indefinite" restart="never" nodeType="tmRoot">
+          <p:childTnLst>
+            <p:seq concurrent="1" nextAc="seek">
+              <p:cTn id="2" dur="indefinite" nodeType="mainSeq">
+                <p:childTnLst>
+                  <p:par>
+                    <p:cTn id="3" fill="hold">
+                      <p:stCondLst>
+                        <p:cond delay="indefinite"/>
+                      </p:stCondLst>
+                      <p:childTnLst>
+                        <p:par>
+                          <p:cTn id="4" fill="hold">
+                            <p:stCondLst>
+                              <p:cond delay="0"/>
+                            </p:stCondLst>
+                            <p:childTnLst>
+                              <p:par>
+                                <p:cTn id="5" presetID="2" presetClass="entr" presetSubtype="4" fill="hold" nodeType="clickEffect">
+                                  <p:stCondLst>
+                                    <p:cond delay="0"/>
+                                  </p:stCondLst>
+                                  <p:childTnLst>
+                                    <p:set>
+                                      <p:cBhvr>
+                                        <p:cTn id="6" dur="1" fill="hold">
+                                          <p:stCondLst>
+                                            <p:cond delay="0"/>
+                                          </p:stCondLst>
+                                        </p:cTn>
+                                        <p:tgtEl>
+                                          <p:spTgt spid="5"/>
+                                        </p:tgtEl>
+                                        <p:attrNameLst>
+                                          <p:attrName>style.visibility</p:attrName>
+                                        </p:attrNameLst>
+                                      </p:cBhvr>
+                                      <p:to>
+                                        <p:strVal val="visible"/>
+                                      </p:to>
+                                    </p:set>
+                                    <p:anim calcmode="lin" valueType="num">
+                                      <p:cBhvr additive="base">
+                                        <p:cTn id="7" dur="500" fill="hold"/>
+                                        <p:tgtEl>
+                                          <p:spTgt spid="5"/>
+                                        </p:tgtEl>
+                                        <p:attrNameLst>
+                                          <p:attrName>ppt_x</p:attrName>
+                                        </p:attrNameLst>
+                                      </p:cBhvr>
+                                      <p:tavLst>
+                                        <p:tav tm="0">
+                                          <p:val>
+                                            <p:strVal val="#ppt_x"/>
+                                          </p:val>
+                                        </p:tav>
+                                        <p:tav tm="100000">
+                                          <p:val>
+                                            <p:strVal val="#ppt_x"/>
+                                          </p:val>
+                                        </p:tav>
+                                      </p:tavLst>
+                                    </p:anim>
+                                    <p:anim calcmode="lin" valueType="num">
+                                      <p:cBhvr additive="base">
+                                        <p:cTn id="8" dur="500" fill="hold"/>
+                                        <p:tgtEl>
+                                          <p:spTgt spid="5"/>
+                                        </p:tgtEl>
+                                        <p:attrNameLst>
+                                          <p:attrName>ppt_y</p:attrName>
+                                        </p:attrNameLst>
+                                      </p:cBhvr>
+                                      <p:tavLst>
+                                        <p:tav tm="0">
+                                          <p:val>
+                                            <p:strVal val="1+#ppt_h/2"/>
+                                          </p:val>
+                                        </p:tav>
+                                        <p:tav tm="100000">
+                                          <p:val>
+                                            <p:strVal val="#ppt_y"/>
+                                          </p:val>
+                                        </p:tav>
+                                      </p:tavLst>
+                                    </p:anim>
+                                  </p:childTnLst>
+                                </p:cTn>
+                              </p:par>
+                            </p:childTnLst>
+                          </p:cTn>
+                        </p:par>
+                      </p:childTnLst>
+                    </p:cTn>
+                  </p:par>
+                  <p:par>
+                    <p:cTn id="9" fill="hold">
+                      <p:stCondLst>
+                        <p:cond delay="indefinite"/>
+                      </p:stCondLst>
+                      <p:childTnLst>
+                        <p:par>
+                          <p:cTn id="10" fill="hold">
+                            <p:stCondLst>
+                              <p:cond delay="0"/>
+                            </p:stCondLst>
+                            <p:childTnLst>
+                              <p:par>
+                                <p:cTn id="11" presetID="2" presetClass="entr" presetSubtype="4" fill="hold" nodeType="clickEffect">
+                                  <p:stCondLst>
+                                    <p:cond delay="0"/>
+                                  </p:stCondLst>
+                                  <p:childTnLst>
+                                    <p:set>
+                                      <p:cBhvr>
+                                        <p:cTn id="12" dur="1" fill="hold">
+                                          <p:stCondLst>
+                                            <p:cond delay="0"/>
+                                          </p:stCondLst>
+                                        </p:cTn>
+                                        <p:tgtEl>
+                                          <p:spTgt spid="11"/>
+                                        </p:tgtEl>
+                                        <p:attrNameLst>
+                                          <p:attrName>style.visibility</p:attrName>
+                                        </p:attrNameLst>
+                                      </p:cBhvr>
+                                      <p:to>
+                                        <p:strVal val="visible"/>
+                                      </p:to>
+                                    </p:set>
+                                    <p:anim calcmode="lin" valueType="num">
+                                      <p:cBhvr additive="base">
+                                        <p:cTn id="13" dur="500" fill="hold"/>
+                                        <p:tgtEl>
+                                          <p:spTgt spid="11"/>
+                                        </p:tgtEl>
+                                        <p:attrNameLst>
+                                          <p:attrName>ppt_x</p:attrName>
+                                        </p:attrNameLst>
+                                      </p:cBhvr>
+                                      <p:tavLst>
+                                        <p:tav tm="0">
+                                          <p:val>
+                                            <p:strVal val="#ppt_x"/>
+                                          </p:val>
+                                        </p:tav>
+                                        <p:tav tm="100000">
+                                          <p:val>
+                                            <p:strVal val="#ppt_x"/>
+                                          </p:val>
+                                        </p:tav>
+                                      </p:tavLst>
+                                    </p:anim>
+                                    <p:anim calcmode="lin" valueType="num">
+                                      <p:cBhvr additive="base">
+                                        <p:cTn id="14" dur="500" fill="hold"/>
+                                        <p:tgtEl>
+                                          <p:spTgt spid="11"/>
+                                        </p:tgtEl>
+                                        <p:attrNameLst>
+                                          <p:attrName>ppt_y</p:attrName>
+                                        </p:attrNameLst>
+                                      </p:cBhvr>
+                                      <p:tavLst>
+                                        <p:tav tm="0">
+                                          <p:val>
+                                            <p:strVal val="1+#ppt_h/2"/>
+                                          </p:val>
+                                        </p:tav>
+                                        <p:tav tm="100000">
+                                          <p:val>
+                                            <p:strVal val="#ppt_y"/>
+                                          </p:val>
+                                        </p:tav>
+                                      </p:tavLst>
+                                    </p:anim>
+                                  </p:childTnLst>
+                                </p:cTn>
+                              </p:par>
+                            </p:childTnLst>
+                          </p:cTn>
+                        </p:par>
+                      </p:childTnLst>
+                    </p:cTn>
+                  </p:par>
+                  <p:par>
+                    <p:cTn id="15" fill="hold">
+                      <p:stCondLst>
+                        <p:cond delay="indefinite"/>
+                      </p:stCondLst>
+                      <p:childTnLst>
+                        <p:par>
+                          <p:cTn id="16" fill="hold">
+                            <p:stCondLst>
+                              <p:cond delay="0"/>
+                            </p:stCondLst>
+                            <p:childTnLst>
+                              <p:par>
+                                <p:cTn id="17" presetID="2" presetClass="entr" presetSubtype="4" fill="hold" nodeType="clickEffect">
+                                  <p:stCondLst>
+                                    <p:cond delay="0"/>
+                                  </p:stCondLst>
+                                  <p:childTnLst>
+                                    <p:set>
+                                      <p:cBhvr>
+                                        <p:cTn id="18" dur="1" fill="hold">
+                                          <p:stCondLst>
+                                            <p:cond delay="0"/>
+                                          </p:stCondLst>
+                                        </p:cTn>
+                                        <p:tgtEl>
+                                          <p:spTgt spid="7"/>
+                                        </p:tgtEl>
+                                        <p:attrNameLst>
+                                          <p:attrName>style.visibility</p:attrName>
+                                        </p:attrNameLst>
+                                      </p:cBhvr>
+                                      <p:to>
+                                        <p:strVal val="visible"/>
+                                      </p:to>
+                                    </p:set>
+                                    <p:anim calcmode="lin" valueType="num">
+                                      <p:cBhvr additive="base">
+                                        <p:cTn id="19" dur="500" fill="hold"/>
+                                        <p:tgtEl>
+                                          <p:spTgt spid="7"/>
+                                        </p:tgtEl>
+                                        <p:attrNameLst>
+                                          <p:attrName>ppt_x</p:attrName>
+                                        </p:attrNameLst>
+                                      </p:cBhvr>
+                                      <p:tavLst>
+                                        <p:tav tm="0">
+                                          <p:val>
+                                            <p:strVal val="#ppt_x"/>
+                                          </p:val>
+                                        </p:tav>
+                                        <p:tav tm="100000">
+                                          <p:val>
+                                            <p:strVal val="#ppt_x"/>
+                                          </p:val>
+                                        </p:tav>
+                                      </p:tavLst>
+                                    </p:anim>
+                                    <p:anim calcmode="lin" valueType="num">
+                                      <p:cBhvr additive="base">
+                                        <p:cTn id="20" dur="500" fill="hold"/>
+                                        <p:tgtEl>
+                                          <p:spTgt spid="7"/>
+                                        </p:tgtEl>
+                                        <p:attrNameLst>
+                                          <p:attrName>ppt_y</p:attrName>
+                                        </p:attrNameLst>
+                                      </p:cBhvr>
+                                      <p:tavLst>
+                                        <p:tav tm="0">
+                                          <p:val>
+                                            <p:strVal val="1+#ppt_h/2"/>
+                                          </p:val>
+                                        </p:tav>
+                                        <p:tav tm="100000">
+                                          <p:val>
+                                            <p:strVal val="#ppt_y"/>
+                                          </p:val>
+                                        </p:tav>
+                                      </p:tavLst>
+                                    </p:anim>
+                                  </p:childTnLst>
+                                </p:cTn>
+                              </p:par>
+                            </p:childTnLst>
+                          </p:cTn>
+                        </p:par>
+                      </p:childTnLst>
+                    </p:cTn>
+                  </p:par>
+                  <p:par>
+                    <p:cTn id="21" fill="hold">
+                      <p:stCondLst>
+                        <p:cond delay="indefinite"/>
+                      </p:stCondLst>
+                      <p:childTnLst>
+                        <p:par>
+                          <p:cTn id="22" fill="hold">
+                            <p:stCondLst>
+                              <p:cond delay="0"/>
+                            </p:stCondLst>
+                            <p:childTnLst>
+                              <p:par>
+                                <p:cTn id="23" presetID="2" presetClass="entr" presetSubtype="4" fill="hold" nodeType="clickEffect">
+                                  <p:stCondLst>
+                                    <p:cond delay="0"/>
+                                  </p:stCondLst>
+                                  <p:childTnLst>
+                                    <p:set>
+                                      <p:cBhvr>
+                                        <p:cTn id="24" dur="1" fill="hold">
+                                          <p:stCondLst>
+                                            <p:cond delay="0"/>
+                                          </p:stCondLst>
+                                        </p:cTn>
+                                        <p:tgtEl>
+                                          <p:spTgt spid="33"/>
+                                        </p:tgtEl>
+                                        <p:attrNameLst>
+                                          <p:attrName>style.visibility</p:attrName>
+                                        </p:attrNameLst>
+                                      </p:cBhvr>
+                                      <p:to>
+                                        <p:strVal val="visible"/>
+                                      </p:to>
+                                    </p:set>
+                                    <p:anim calcmode="lin" valueType="num">
+                                      <p:cBhvr additive="base">
+                                        <p:cTn id="25" dur="500" fill="hold"/>
+                                        <p:tgtEl>
+                                          <p:spTgt spid="33"/>
+                                        </p:tgtEl>
+                                        <p:attrNameLst>
+                                          <p:attrName>ppt_x</p:attrName>
+                                        </p:attrNameLst>
+                                      </p:cBhvr>
+                                      <p:tavLst>
+                                        <p:tav tm="0">
+                                          <p:val>
+                                            <p:strVal val="#ppt_x"/>
+                                          </p:val>
+                                        </p:tav>
+                                        <p:tav tm="100000">
+                                          <p:val>
+                                            <p:strVal val="#ppt_x"/>
+                                          </p:val>
+                                        </p:tav>
+                                      </p:tavLst>
+                                    </p:anim>
+                                    <p:anim calcmode="lin" valueType="num">
+                                      <p:cBhvr additive="base">
+                                        <p:cTn id="26" dur="500" fill="hold"/>
+                                        <p:tgtEl>
+                                          <p:spTgt spid="33"/>
+                                        </p:tgtEl>
+                                        <p:attrNameLst>
+                                          <p:attrName>ppt_y</p:attrName>
+                                        </p:attrNameLst>
+                                      </p:cBhvr>
+                                      <p:tavLst>
+                                        <p:tav tm="0">
+                                          <p:val>
+                                            <p:strVal val="1+#ppt_h/2"/>
+                                          </p:val>
+                                        </p:tav>
+                                        <p:tav tm="100000">
+                                          <p:val>
+                                            <p:strVal val="#ppt_y"/>
+                                          </p:val>
+                                        </p:tav>
+                                      </p:tavLst>
+                                    </p:anim>
+                                  </p:childTnLst>
+                                </p:cTn>
+                              </p:par>
+                            </p:childTnLst>
+                          </p:cTn>
+                        </p:par>
+                      </p:childTnLst>
+                    </p:cTn>
+                  </p:par>
+                  <p:par>
+                    <p:cTn id="27" fill="hold">
+                      <p:stCondLst>
+                        <p:cond delay="indefinite"/>
+                      </p:stCondLst>
+                      <p:childTnLst>
+                        <p:par>
+                          <p:cTn id="28" fill="hold">
+                            <p:stCondLst>
+                              <p:cond delay="0"/>
+                            </p:stCondLst>
+                            <p:childTnLst>
+                              <p:par>
+                                <p:cTn id="29" presetID="2" presetClass="entr" presetSubtype="4" fill="hold" nodeType="clickEffect">
+                                  <p:stCondLst>
+                                    <p:cond delay="0"/>
+                                  </p:stCondLst>
+                                  <p:childTnLst>
+                                    <p:set>
+                                      <p:cBhvr>
+                                        <p:cTn id="30" dur="1" fill="hold">
+                                          <p:stCondLst>
+                                            <p:cond delay="0"/>
+                                          </p:stCondLst>
+                                        </p:cTn>
+                                        <p:tgtEl>
+                                          <p:spTgt spid="13"/>
+                                        </p:tgtEl>
+                                        <p:attrNameLst>
+                                          <p:attrName>style.visibility</p:attrName>
+                                        </p:attrNameLst>
+                                      </p:cBhvr>
+                                      <p:to>
+                                        <p:strVal val="visible"/>
+                                      </p:to>
+                                    </p:set>
+                                    <p:anim calcmode="lin" valueType="num">
+                                      <p:cBhvr additive="base">
+                                        <p:cTn id="31" dur="500" fill="hold"/>
+                                        <p:tgtEl>
+                                          <p:spTgt spid="13"/>
+                                        </p:tgtEl>
+                                        <p:attrNameLst>
+                                          <p:attrName>ppt_x</p:attrName>
+                                        </p:attrNameLst>
+                                      </p:cBhvr>
+                                      <p:tavLst>
+                                        <p:tav tm="0">
+                                          <p:val>
+                                            <p:strVal val="#ppt_x"/>
+                                          </p:val>
+                                        </p:tav>
+                                        <p:tav tm="100000">
+                                          <p:val>
+                                            <p:strVal val="#ppt_x"/>
+                                          </p:val>
+                                        </p:tav>
+                                      </p:tavLst>
+                                    </p:anim>
+                                    <p:anim calcmode="lin" valueType="num">
+                                      <p:cBhvr additive="base">
+                                        <p:cTn id="32" dur="500" fill="hold"/>
+                                        <p:tgtEl>
+                                          <p:spTgt spid="13"/>
+                                        </p:tgtEl>
+                                        <p:attrNameLst>
+                                          <p:attrName>ppt_y</p:attrName>
+                                        </p:attrNameLst>
+                                      </p:cBhvr>
+                                      <p:tavLst>
+                                        <p:tav tm="0">
+                                          <p:val>
+                                            <p:strVal val="1+#ppt_h/2"/>
+                                          </p:val>
+                                        </p:tav>
+                                        <p:tav tm="100000">
+                                          <p:val>
+                                            <p:strVal val="#ppt_y"/>
+                                          </p:val>
+                                        </p:tav>
+                                      </p:tavLst>
+                                    </p:anim>
+                                  </p:childTnLst>
+                                </p:cTn>
+                              </p:par>
+                            </p:childTnLst>
+                          </p:cTn>
+                        </p:par>
+                      </p:childTnLst>
+                    </p:cTn>
+                  </p:par>
+                  <p:par>
+                    <p:cTn id="33" fill="hold">
+                      <p:stCondLst>
+                        <p:cond delay="indefinite"/>
+                      </p:stCondLst>
+                      <p:childTnLst>
+                        <p:par>
+                          <p:cTn id="34" fill="hold">
+                            <p:stCondLst>
+                              <p:cond delay="0"/>
+                            </p:stCondLst>
+                            <p:childTnLst>
+                              <p:par>
+                                <p:cTn id="35" presetID="2" presetClass="entr" presetSubtype="4" fill="hold" nodeType="clickEffect">
+                                  <p:stCondLst>
+                                    <p:cond delay="0"/>
+                                  </p:stCondLst>
+                                  <p:childTnLst>
+                                    <p:set>
+                                      <p:cBhvr>
+                                        <p:cTn id="36" dur="1" fill="hold">
+                                          <p:stCondLst>
+                                            <p:cond delay="0"/>
+                                          </p:stCondLst>
+                                        </p:cTn>
+                                        <p:tgtEl>
+                                          <p:spTgt spid="28"/>
+                                        </p:tgtEl>
+                                        <p:attrNameLst>
+                                          <p:attrName>style.visibility</p:attrName>
+                                        </p:attrNameLst>
+                                      </p:cBhvr>
+                                      <p:to>
+                                        <p:strVal val="visible"/>
+                                      </p:to>
+                                    </p:set>
+                                    <p:anim calcmode="lin" valueType="num">
+                                      <p:cBhvr additive="base">
+                                        <p:cTn id="37" dur="500" fill="hold"/>
+                                        <p:tgtEl>
+                                          <p:spTgt spid="28"/>
+                                        </p:tgtEl>
+                                        <p:attrNameLst>
+                                          <p:attrName>ppt_x</p:attrName>
+                                        </p:attrNameLst>
+                                      </p:cBhvr>
+                                      <p:tavLst>
+                                        <p:tav tm="0">
+                                          <p:val>
+                                            <p:strVal val="#ppt_x"/>
+                                          </p:val>
+                                        </p:tav>
+                                        <p:tav tm="100000">
+                                          <p:val>
+                                            <p:strVal val="#ppt_x"/>
+                                          </p:val>
+                                        </p:tav>
+                                      </p:tavLst>
+                                    </p:anim>
+                                    <p:anim calcmode="lin" valueType="num">
+                                      <p:cBhvr additive="base">
+                                        <p:cTn id="38" dur="500" fill="hold"/>
+                                        <p:tgtEl>
+                                          <p:spTgt spid="28"/>
+                                        </p:tgtEl>
+                                        <p:attrNameLst>
+                                          <p:attrName>ppt_y</p:attrName>
+                                        </p:attrNameLst>
+                                      </p:cBhvr>
+                                      <p:tavLst>
+                                        <p:tav tm="0">
+                                          <p:val>
+                                            <p:strVal val="1+#ppt_h/2"/>
+                                          </p:val>
+                                        </p:tav>
+                                        <p:tav tm="100000">
+                                          <p:val>
+                                            <p:strVal val="#ppt_y"/>
+                                          </p:val>
+                                        </p:tav>
+                                      </p:tavLst>
+                                    </p:anim>
+                                  </p:childTnLst>
+                                </p:cTn>
+                              </p:par>
+                            </p:childTnLst>
+                          </p:cTn>
+                        </p:par>
+                      </p:childTnLst>
+                    </p:cTn>
+                  </p:par>
+                  <p:par>
+                    <p:cTn id="39" fill="hold">
+                      <p:stCondLst>
+                        <p:cond delay="indefinite"/>
+                      </p:stCondLst>
+                      <p:childTnLst>
+                        <p:par>
+                          <p:cTn id="40" fill="hold">
+                            <p:stCondLst>
+                              <p:cond delay="0"/>
+                            </p:stCondLst>
+                            <p:childTnLst>
+                              <p:par>
+                                <p:cTn id="41" presetID="1" presetClass="entr" presetSubtype="0" fill="hold" nodeType="clickEffect">
+                                  <p:stCondLst>
+                                    <p:cond delay="0"/>
+                                  </p:stCondLst>
+                                  <p:childTnLst>
+                                    <p:set>
+                                      <p:cBhvr>
+                                        <p:cTn id="42" dur="1" fill="hold">
+                                          <p:stCondLst>
+                                            <p:cond delay="0"/>
+                                          </p:stCondLst>
+                                        </p:cTn>
+                                        <p:tgtEl>
+                                          <p:spTgt spid="29"/>
+                                        </p:tgtEl>
+                                        <p:attrNameLst>
+                                          <p:attrName>style.visibility</p:attrName>
+                                        </p:attrNameLst>
+                                      </p:cBhvr>
+                                      <p:to>
+                                        <p:strVal val="visible"/>
+                                      </p:to>
+                                    </p:set>
+                                  </p:childTnLst>
+                                </p:cTn>
+                              </p:par>
+                            </p:childTnLst>
+                          </p:cTn>
+                        </p:par>
+                      </p:childTnLst>
+                    </p:cTn>
+                  </p:par>
+                </p:childTnLst>
+              </p:cTn>
+              <p:prevCondLst>
+                <p:cond evt="onPrev" delay="0">
+                  <p:tgtEl>
+                    <p:sldTgt/>
+                  </p:tgtEl>
+                </p:cond>
+              </p:prevCondLst>
+              <p:nextCondLst>
+                <p:cond evt="onNext" delay="0">
+                  <p:tgtEl>
+                    <p:sldTgt/>
+                  </p:tgtEl>
+                </p:cond>
+              </p:nextCondLst>
+            </p:seq>
+          </p:childTnLst>
+        </p:cTn>
+      </p:par>
+    </p:tnLst>
+  </p:timing>
 </p:sld>
 </file>
 
-<file path=ppt/slides/slide13.xml><?xml version="1.0" encoding="utf-8"?>
+<file path=ppt/slides/slide12.xml><?xml version="1.0" encoding="utf-8"?>
 <p:sld xmlns:a="http://schemas.openxmlformats.org/drawingml/2006/main" xmlns:r="http://schemas.openxmlformats.org/officeDocument/2006/relationships" xmlns:p="http://schemas.openxmlformats.org/presentationml/2006/main">
   <p:cSld>
     <p:bg>
@@ -6672,7 +9168,7 @@
 </p:sld>
 </file>
 
-<file path=ppt/slides/slide14.xml><?xml version="1.0" encoding="utf-8"?>
+<file path=ppt/slides/slide13.xml><?xml version="1.0" encoding="utf-8"?>
 <p:sld xmlns:a="http://schemas.openxmlformats.org/drawingml/2006/main" xmlns:r="http://schemas.openxmlformats.org/officeDocument/2006/relationships" xmlns:p="http://schemas.openxmlformats.org/presentationml/2006/main">
   <p:cSld>
     <p:bg>
@@ -7396,7 +9892,7 @@
                   <a:schemeClr val="bg1"/>
                 </a:solidFill>
               </a:rPr>
-              <a:t>, </a:t>
+              <a:t>, Home Improvement, </a:t>
             </a:r>
             <a:r>
               <a:rPr lang="en-US" dirty="0">
@@ -7478,7 +9974,7 @@
 </p:sld>
 </file>
 
-<file path=ppt/slides/slide15.xml><?xml version="1.0" encoding="utf-8"?>
+<file path=ppt/slides/slide14.xml><?xml version="1.0" encoding="utf-8"?>
 <p:sld xmlns:a="http://schemas.openxmlformats.org/drawingml/2006/main" xmlns:r="http://schemas.openxmlformats.org/officeDocument/2006/relationships" xmlns:p="http://schemas.openxmlformats.org/presentationml/2006/main">
   <p:cSld>
     <p:bg>
@@ -7646,7 +10142,7 @@
         <p:spPr>
           <a:xfrm>
             <a:off x="352926" y="385010"/>
-            <a:ext cx="4748463" cy="523220"/>
+            <a:ext cx="4748463" cy="3108543"/>
           </a:xfrm>
           <a:prstGeom prst="rect">
             <a:avLst/>
@@ -7660,13 +10156,54 @@
           <a:lstStyle/>
           <a:p>
             <a:r>
+              <a:rPr lang="en-US" sz="2800" b="1" dirty="0">
+                <a:solidFill>
+                  <a:schemeClr val="bg1"/>
+                </a:solidFill>
+              </a:rPr>
+              <a:t>Challenges </a:t>
+            </a:r>
+          </a:p>
+          <a:p>
+            <a:endParaRPr lang="en-US" sz="2800" dirty="0">
+              <a:solidFill>
+                <a:schemeClr val="bg1"/>
+              </a:solidFill>
+            </a:endParaRPr>
+          </a:p>
+          <a:p>
+            <a:r>
               <a:rPr lang="en-US" sz="2800" dirty="0">
                 <a:solidFill>
                   <a:schemeClr val="bg1"/>
                 </a:solidFill>
               </a:rPr>
-              <a:t>Challenges </a:t>
-            </a:r>
+              <a:t>• Understanding the data to  prepare for model building</a:t>
+            </a:r>
+          </a:p>
+          <a:p>
+            <a:endParaRPr lang="en-US" sz="2800" dirty="0">
+              <a:solidFill>
+                <a:schemeClr val="bg1"/>
+              </a:solidFill>
+            </a:endParaRPr>
+          </a:p>
+          <a:p>
+            <a:r>
+              <a:rPr lang="en-US" sz="2800" dirty="0">
+                <a:solidFill>
+                  <a:schemeClr val="bg1"/>
+                </a:solidFill>
+              </a:rPr>
+              <a:t>• Model planning/creation</a:t>
+            </a:r>
+          </a:p>
+          <a:p>
+            <a:endParaRPr lang="en-US" sz="2800" dirty="0">
+              <a:solidFill>
+                <a:schemeClr val="bg1"/>
+              </a:solidFill>
+            </a:endParaRPr>
           </a:p>
         </p:txBody>
       </p:sp>
@@ -7684,8 +10221,8 @@
         </p:nvSpPr>
         <p:spPr>
           <a:xfrm>
-            <a:off x="7090613" y="401051"/>
-            <a:ext cx="4315327" cy="523220"/>
+            <a:off x="6489031" y="398984"/>
+            <a:ext cx="4315327" cy="4401205"/>
           </a:xfrm>
           <a:prstGeom prst="rect">
             <a:avLst/>
@@ -7699,12 +10236,63 @@
           <a:lstStyle/>
           <a:p>
             <a:r>
+              <a:rPr lang="en-US" sz="2800" b="1" dirty="0">
+                <a:solidFill>
+                  <a:schemeClr val="bg1"/>
+                </a:solidFill>
+              </a:rPr>
+              <a:t>Change in approach</a:t>
+            </a:r>
+          </a:p>
+          <a:p>
+            <a:endParaRPr lang="en-US" sz="2800" b="1" dirty="0">
+              <a:solidFill>
+                <a:schemeClr val="bg1"/>
+              </a:solidFill>
+            </a:endParaRPr>
+          </a:p>
+          <a:p>
+            <a:r>
               <a:rPr lang="en-US" sz="2800" dirty="0">
                 <a:solidFill>
                   <a:schemeClr val="bg1"/>
                 </a:solidFill>
               </a:rPr>
-              <a:t>Change in approach</a:t>
+              <a:t>• Use statistical significance testing to quantify findings</a:t>
+            </a:r>
+          </a:p>
+          <a:p>
+            <a:endParaRPr lang="en-US" sz="2800" dirty="0">
+              <a:solidFill>
+                <a:schemeClr val="bg1"/>
+              </a:solidFill>
+            </a:endParaRPr>
+          </a:p>
+          <a:p>
+            <a:r>
+              <a:rPr lang="en-US" sz="2800" dirty="0">
+                <a:solidFill>
+                  <a:schemeClr val="bg1"/>
+                </a:solidFill>
+              </a:rPr>
+              <a:t>• Identify more correlated variables to defaulting</a:t>
+            </a:r>
+          </a:p>
+          <a:p>
+            <a:endParaRPr lang="en-US" sz="2800" dirty="0">
+              <a:solidFill>
+                <a:schemeClr val="bg1"/>
+              </a:solidFill>
+            </a:endParaRPr>
+          </a:p>
+          <a:p>
+            <a:r>
+              <a:rPr lang="en-US" sz="2800" dirty="0">
+                <a:solidFill>
+                  <a:schemeClr val="bg1"/>
+                </a:solidFill>
+              </a:rPr>
+              <a:t>• Model knowledge and experience</a:t>
             </a:r>
           </a:p>
         </p:txBody>
@@ -7722,7 +10310,7 @@
 </p:sld>
 </file>
 
-<file path=ppt/slides/slide16.xml><?xml version="1.0" encoding="utf-8"?>
+<file path=ppt/slides/slide15.xml><?xml version="1.0" encoding="utf-8"?>
 <p:sld xmlns:a="http://schemas.openxmlformats.org/drawingml/2006/main" xmlns:r="http://schemas.openxmlformats.org/officeDocument/2006/relationships" xmlns:p="http://schemas.openxmlformats.org/presentationml/2006/main">
   <p:cSld>
     <p:bg>
@@ -7905,6 +10493,45 @@
           </a:prstGeom>
         </p:spPr>
       </p:pic>
+      <p:sp>
+        <p:nvSpPr>
+          <p:cNvPr id="2" name="TextBox 1">
+            <a:extLst>
+              <a:ext uri="{FF2B5EF4-FFF2-40B4-BE49-F238E27FC236}">
+                <a16:creationId xmlns:a16="http://schemas.microsoft.com/office/drawing/2014/main" id="{CF85A5E1-4AE3-134B-9588-04EA6EC982E7}"/>
+              </a:ext>
+            </a:extLst>
+          </p:cNvPr>
+          <p:cNvSpPr txBox="1"/>
+          <p:nvPr/>
+        </p:nvSpPr>
+        <p:spPr>
+          <a:xfrm>
+            <a:off x="4812632" y="1010652"/>
+            <a:ext cx="1547218" cy="369332"/>
+          </a:xfrm>
+          <a:prstGeom prst="rect">
+            <a:avLst/>
+          </a:prstGeom>
+          <a:noFill/>
+        </p:spPr>
+        <p:txBody>
+          <a:bodyPr wrap="none" rtlCol="0">
+            <a:spAutoFit/>
+          </a:bodyPr>
+          <a:lstStyle/>
+          <a:p>
+            <a:r>
+              <a:rPr lang="en-US" dirty="0">
+                <a:solidFill>
+                  <a:schemeClr val="bg1"/>
+                </a:solidFill>
+              </a:rPr>
+              <a:t>model building</a:t>
+            </a:r>
+          </a:p>
+        </p:txBody>
+      </p:sp>
     </p:spTree>
     <p:extLst>
       <p:ext uri="{BB962C8B-B14F-4D97-AF65-F5344CB8AC3E}">
@@ -8120,7 +10747,7 @@
         </p:nvSpPr>
         <p:spPr>
           <a:xfrm>
-            <a:off x="1262729" y="1859340"/>
+            <a:off x="1747361" y="2168682"/>
             <a:ext cx="9638443" cy="1569660"/>
           </a:xfrm>
           <a:prstGeom prst="rect">
@@ -11293,7 +13920,7 @@
           <a:p>
             <a:r>
               <a:rPr lang="en-US" sz="5400" dirty="0"/>
-              <a:t>Data </a:t>
+              <a:t>The Data</a:t>
             </a:r>
           </a:p>
         </p:txBody>
@@ -11328,374 +13955,6 @@
           </a:prstGeom>
         </p:spPr>
       </p:pic>
-      <p:graphicFrame>
-        <p:nvGraphicFramePr>
-          <p:cNvPr id="13" name="Table 17">
-            <a:extLst>
-              <a:ext uri="{FF2B5EF4-FFF2-40B4-BE49-F238E27FC236}">
-                <a16:creationId xmlns:a16="http://schemas.microsoft.com/office/drawing/2014/main" id="{E92E6EF8-7D8B-C14F-B467-662B18E10C4A}"/>
-              </a:ext>
-            </a:extLst>
-          </p:cNvPr>
-          <p:cNvGraphicFramePr>
-            <a:graphicFrameLocks noGrp="1"/>
-          </p:cNvGraphicFramePr>
-          <p:nvPr>
-            <p:extLst>
-              <p:ext uri="{D42A27DB-BD31-4B8C-83A1-F6EECF244321}">
-                <p14:modId xmlns:p14="http://schemas.microsoft.com/office/powerpoint/2010/main" val="1377058527"/>
-              </p:ext>
-            </p:extLst>
-          </p:nvPr>
-        </p:nvGraphicFramePr>
-        <p:xfrm>
-          <a:off x="6096000" y="272955"/>
-          <a:ext cx="5895423" cy="1828800"/>
-        </p:xfrm>
-        <a:graphic>
-          <a:graphicData uri="http://schemas.openxmlformats.org/drawingml/2006/table">
-            <a:tbl>
-              <a:tblPr firstRow="1" bandRow="1">
-                <a:tableStyleId>{21E4AEA4-8DFA-4A89-87EB-49C32662AFE0}</a:tableStyleId>
-              </a:tblPr>
-              <a:tblGrid>
-                <a:gridCol w="1803378">
-                  <a:extLst>
-                    <a:ext uri="{9D8B030D-6E8A-4147-A177-3AD203B41FA5}">
-                      <a16:colId xmlns:a16="http://schemas.microsoft.com/office/drawing/2014/main" val="1150403253"/>
-                    </a:ext>
-                  </a:extLst>
-                </a:gridCol>
-                <a:gridCol w="1364015">
-                  <a:extLst>
-                    <a:ext uri="{9D8B030D-6E8A-4147-A177-3AD203B41FA5}">
-                      <a16:colId xmlns:a16="http://schemas.microsoft.com/office/drawing/2014/main" val="585796754"/>
-                    </a:ext>
-                  </a:extLst>
-                </a:gridCol>
-                <a:gridCol w="1364015">
-                  <a:extLst>
-                    <a:ext uri="{9D8B030D-6E8A-4147-A177-3AD203B41FA5}">
-                      <a16:colId xmlns:a16="http://schemas.microsoft.com/office/drawing/2014/main" val="2305069185"/>
-                    </a:ext>
-                  </a:extLst>
-                </a:gridCol>
-                <a:gridCol w="1364015">
-                  <a:extLst>
-                    <a:ext uri="{9D8B030D-6E8A-4147-A177-3AD203B41FA5}">
-                      <a16:colId xmlns:a16="http://schemas.microsoft.com/office/drawing/2014/main" val="2762646431"/>
-                    </a:ext>
-                  </a:extLst>
-                </a:gridCol>
-              </a:tblGrid>
-              <a:tr h="235488">
-                <a:tc>
-                  <a:txBody>
-                    <a:bodyPr/>
-                    <a:lstStyle/>
-                    <a:p>
-                      <a:r>
-                        <a:rPr lang="en-US" dirty="0"/>
-                        <a:t>Variable</a:t>
-                      </a:r>
-                    </a:p>
-                  </a:txBody>
-                  <a:tcPr/>
-                </a:tc>
-                <a:tc>
-                  <a:txBody>
-                    <a:bodyPr/>
-                    <a:lstStyle/>
-                    <a:p>
-                      <a:r>
-                        <a:rPr lang="en-US" dirty="0"/>
-                        <a:t>Type</a:t>
-                      </a:r>
-                    </a:p>
-                  </a:txBody>
-                  <a:tcPr/>
-                </a:tc>
-                <a:tc>
-                  <a:txBody>
-                    <a:bodyPr/>
-                    <a:lstStyle/>
-                    <a:p>
-                      <a:r>
-                        <a:rPr lang="en-US" dirty="0"/>
-                        <a:t>Sub-type</a:t>
-                      </a:r>
-                    </a:p>
-                  </a:txBody>
-                  <a:tcPr/>
-                </a:tc>
-                <a:tc>
-                  <a:txBody>
-                    <a:bodyPr/>
-                    <a:lstStyle/>
-                    <a:p>
-                      <a:r>
-                        <a:rPr lang="en-US" dirty="0"/>
-                        <a:t>Example</a:t>
-                      </a:r>
-                    </a:p>
-                  </a:txBody>
-                  <a:tcPr/>
-                </a:tc>
-                <a:extLst>
-                  <a:ext uri="{0D108BD9-81ED-4DB2-BD59-A6C34878D82A}">
-                    <a16:rowId xmlns:a16="http://schemas.microsoft.com/office/drawing/2014/main" val="3923871426"/>
-                  </a:ext>
-                </a:extLst>
-              </a:tr>
-              <a:tr h="235488">
-                <a:tc>
-                  <a:txBody>
-                    <a:bodyPr/>
-                    <a:lstStyle/>
-                    <a:p>
-                      <a:r>
-                        <a:rPr lang="en-US" dirty="0" err="1"/>
-                        <a:t>loan_amnt</a:t>
-                      </a:r>
-                      <a:endParaRPr lang="en-US" dirty="0"/>
-                    </a:p>
-                  </a:txBody>
-                  <a:tcPr/>
-                </a:tc>
-                <a:tc>
-                  <a:txBody>
-                    <a:bodyPr/>
-                    <a:lstStyle/>
-                    <a:p>
-                      <a:r>
-                        <a:rPr lang="en-US" dirty="0"/>
-                        <a:t>Numerical</a:t>
-                      </a:r>
-                    </a:p>
-                  </a:txBody>
-                  <a:tcPr/>
-                </a:tc>
-                <a:tc>
-                  <a:txBody>
-                    <a:bodyPr/>
-                    <a:lstStyle/>
-                    <a:p>
-                      <a:r>
-                        <a:rPr lang="en-US" dirty="0" err="1"/>
-                        <a:t>dbl</a:t>
-                      </a:r>
-                      <a:endParaRPr lang="en-US" dirty="0"/>
-                    </a:p>
-                  </a:txBody>
-                  <a:tcPr/>
-                </a:tc>
-                <a:tc>
-                  <a:txBody>
-                    <a:bodyPr/>
-                    <a:lstStyle/>
-                    <a:p>
-                      <a:r>
-                        <a:rPr lang="en-US" dirty="0"/>
-                        <a:t>7500</a:t>
-                      </a:r>
-                    </a:p>
-                  </a:txBody>
-                  <a:tcPr/>
-                </a:tc>
-                <a:extLst>
-                  <a:ext uri="{0D108BD9-81ED-4DB2-BD59-A6C34878D82A}">
-                    <a16:rowId xmlns:a16="http://schemas.microsoft.com/office/drawing/2014/main" val="2833162215"/>
-                  </a:ext>
-                </a:extLst>
-              </a:tr>
-              <a:tr h="242278">
-                <a:tc>
-                  <a:txBody>
-                    <a:bodyPr/>
-                    <a:lstStyle/>
-                    <a:p>
-                      <a:r>
-                        <a:rPr lang="en-US" dirty="0" err="1"/>
-                        <a:t>payment_plan</a:t>
-                      </a:r>
-                      <a:endParaRPr lang="en-US" dirty="0"/>
-                    </a:p>
-                  </a:txBody>
-                  <a:tcPr/>
-                </a:tc>
-                <a:tc>
-                  <a:txBody>
-                    <a:bodyPr/>
-                    <a:lstStyle/>
-                    <a:p>
-                      <a:r>
-                        <a:rPr lang="en-US" dirty="0" err="1"/>
-                        <a:t>Catergorical</a:t>
-                      </a:r>
-                      <a:endParaRPr lang="en-US" dirty="0"/>
-                    </a:p>
-                  </a:txBody>
-                  <a:tcPr/>
-                </a:tc>
-                <a:tc>
-                  <a:txBody>
-                    <a:bodyPr/>
-                    <a:lstStyle/>
-                    <a:p>
-                      <a:r>
-                        <a:rPr lang="en-US" dirty="0" err="1"/>
-                        <a:t>chr</a:t>
-                      </a:r>
-                      <a:endParaRPr lang="en-US" dirty="0"/>
-                    </a:p>
-                  </a:txBody>
-                  <a:tcPr/>
-                </a:tc>
-                <a:tc>
-                  <a:txBody>
-                    <a:bodyPr/>
-                    <a:lstStyle/>
-                    <a:p>
-                      <a:r>
-                        <a:rPr lang="en-US" dirty="0"/>
-                        <a:t>y</a:t>
-                      </a:r>
-                    </a:p>
-                  </a:txBody>
-                  <a:tcPr/>
-                </a:tc>
-                <a:extLst>
-                  <a:ext uri="{0D108BD9-81ED-4DB2-BD59-A6C34878D82A}">
-                    <a16:rowId xmlns:a16="http://schemas.microsoft.com/office/drawing/2014/main" val="661231496"/>
-                  </a:ext>
-                </a:extLst>
-              </a:tr>
-              <a:tr h="242278">
-                <a:tc>
-                  <a:txBody>
-                    <a:bodyPr/>
-                    <a:lstStyle/>
-                    <a:p>
-                      <a:r>
-                        <a:rPr lang="en-US" dirty="0" err="1"/>
-                        <a:t>initial_list_status</a:t>
-                      </a:r>
-                      <a:endParaRPr lang="en-US" dirty="0"/>
-                    </a:p>
-                  </a:txBody>
-                  <a:tcPr/>
-                </a:tc>
-                <a:tc>
-                  <a:txBody>
-                    <a:bodyPr/>
-                    <a:lstStyle/>
-                    <a:p>
-                      <a:r>
-                        <a:rPr lang="en-US" dirty="0"/>
-                        <a:t>Boolean</a:t>
-                      </a:r>
-                    </a:p>
-                  </a:txBody>
-                  <a:tcPr/>
-                </a:tc>
-                <a:tc>
-                  <a:txBody>
-                    <a:bodyPr/>
-                    <a:lstStyle/>
-                    <a:p>
-                      <a:r>
-                        <a:rPr lang="en-US" dirty="0" err="1"/>
-                        <a:t>lgl</a:t>
-                      </a:r>
-                      <a:endParaRPr lang="en-US" dirty="0"/>
-                    </a:p>
-                  </a:txBody>
-                  <a:tcPr/>
-                </a:tc>
-                <a:tc>
-                  <a:txBody>
-                    <a:bodyPr/>
-                    <a:lstStyle/>
-                    <a:p>
-                      <a:r>
-                        <a:rPr lang="en-US" dirty="0"/>
-                        <a:t>False</a:t>
-                      </a:r>
-                    </a:p>
-                  </a:txBody>
-                  <a:tcPr/>
-                </a:tc>
-                <a:extLst>
-                  <a:ext uri="{0D108BD9-81ED-4DB2-BD59-A6C34878D82A}">
-                    <a16:rowId xmlns:a16="http://schemas.microsoft.com/office/drawing/2014/main" val="3256956519"/>
-                  </a:ext>
-                </a:extLst>
-              </a:tr>
-              <a:tr h="235488">
-                <a:tc>
-                  <a:txBody>
-                    <a:bodyPr/>
-                    <a:lstStyle/>
-                    <a:p>
-                      <a:r>
-                        <a:rPr lang="en-US" dirty="0" err="1"/>
-                        <a:t>issue_d</a:t>
-                      </a:r>
-                      <a:endParaRPr lang="en-US" dirty="0"/>
-                    </a:p>
-                  </a:txBody>
-                  <a:tcPr/>
-                </a:tc>
-                <a:tc>
-                  <a:txBody>
-                    <a:bodyPr/>
-                    <a:lstStyle/>
-                    <a:p>
-                      <a:r>
-                        <a:rPr lang="en-US" dirty="0"/>
-                        <a:t>Date</a:t>
-                      </a:r>
-                    </a:p>
-                  </a:txBody>
-                  <a:tcPr/>
-                </a:tc>
-                <a:tc>
-                  <a:txBody>
-                    <a:bodyPr/>
-                    <a:lstStyle/>
-                    <a:p>
-                      <a:r>
-                        <a:rPr lang="en-US" dirty="0" err="1"/>
-                        <a:t>chr</a:t>
-                      </a:r>
-                      <a:endParaRPr lang="en-US" dirty="0"/>
-                    </a:p>
-                  </a:txBody>
-                  <a:tcPr/>
-                </a:tc>
-                <a:tc>
-                  <a:txBody>
-                    <a:bodyPr/>
-                    <a:lstStyle/>
-                    <a:p>
-                      <a:r>
-                        <a:rPr lang="en-US" dirty="0"/>
-                        <a:t>Dec-2011</a:t>
-                      </a:r>
-                    </a:p>
-                  </a:txBody>
-                  <a:tcPr/>
-                </a:tc>
-                <a:extLst>
-                  <a:ext uri="{0D108BD9-81ED-4DB2-BD59-A6C34878D82A}">
-                    <a16:rowId xmlns:a16="http://schemas.microsoft.com/office/drawing/2014/main" val="2127558636"/>
-                  </a:ext>
-                </a:extLst>
-              </a:tr>
-            </a:tbl>
-          </a:graphicData>
-        </a:graphic>
-      </p:graphicFrame>
       <p:sp>
         <p:nvSpPr>
           <p:cNvPr id="18" name="TextBox 17">
@@ -11710,17 +13969,15 @@
         </p:nvSpPr>
         <p:spPr>
           <a:xfrm>
-            <a:off x="200576" y="272955"/>
-            <a:ext cx="3930555" cy="1477328"/>
+            <a:off x="730297" y="410821"/>
+            <a:ext cx="3930555" cy="1754326"/>
           </a:xfrm>
           <a:prstGeom prst="rect">
             <a:avLst/>
           </a:prstGeom>
           <a:noFill/>
           <a:ln>
-            <a:solidFill>
-              <a:schemeClr val="bg1"/>
-            </a:solidFill>
+            <a:noFill/>
           </a:ln>
         </p:spPr>
         <p:txBody>
@@ -11735,7 +13992,7 @@
                   <a:schemeClr val="bg1"/>
                 </a:solidFill>
               </a:rPr>
-              <a:t>Formats</a:t>
+              <a:t>Data Sets</a:t>
             </a:r>
             <a:r>
               <a:rPr lang="en-US" dirty="0">
@@ -11760,7 +14017,17 @@
                   <a:schemeClr val="bg1"/>
                 </a:solidFill>
               </a:rPr>
-              <a:t>•   </a:t>
+              <a:t>   •   All CSV files</a:t>
+            </a:r>
+          </a:p>
+          <a:p>
+            <a:r>
+              <a:rPr lang="en-US" dirty="0">
+                <a:solidFill>
+                  <a:schemeClr val="bg1"/>
+                </a:solidFill>
+              </a:rPr>
+              <a:t>   •   </a:t>
             </a:r>
             <a:r>
               <a:rPr lang="en-US" dirty="0" err="1">
@@ -11768,7 +14035,7 @@
                   <a:schemeClr val="bg1"/>
                 </a:solidFill>
               </a:rPr>
-              <a:t>lending_club_loans.csv</a:t>
+              <a:t>LendingClub</a:t>
             </a:r>
             <a:r>
               <a:rPr lang="en-US" dirty="0">
@@ -11776,7 +14043,7 @@
                   <a:schemeClr val="bg1"/>
                 </a:solidFill>
               </a:rPr>
-              <a:t> :  Internal</a:t>
+              <a:t> customer data </a:t>
             </a:r>
           </a:p>
           <a:p>
@@ -11786,7 +14053,17 @@
                   <a:schemeClr val="bg1"/>
                 </a:solidFill>
               </a:rPr>
-              <a:t>•   </a:t>
+              <a:t>   •   State names</a:t>
+            </a:r>
+          </a:p>
+          <a:p>
+            <a:r>
+              <a:rPr lang="en-US" dirty="0">
+                <a:solidFill>
+                  <a:schemeClr val="bg1"/>
+                </a:solidFill>
+              </a:rPr>
+              <a:t>   •   </a:t>
             </a:r>
             <a:r>
               <a:rPr lang="en-US" dirty="0" err="1">
@@ -11794,7 +14071,7 @@
                   <a:schemeClr val="bg1"/>
                 </a:solidFill>
               </a:rPr>
-              <a:t>state_names_info.csv</a:t>
+              <a:t>LendingClub</a:t>
             </a:r>
             <a:r>
               <a:rPr lang="en-US" dirty="0">
@@ -11802,33 +14079,7 @@
                   <a:schemeClr val="bg1"/>
                 </a:solidFill>
               </a:rPr>
-              <a:t> : External</a:t>
-            </a:r>
-          </a:p>
-          <a:p>
-            <a:r>
-              <a:rPr lang="en-US" dirty="0">
-                <a:solidFill>
-                  <a:schemeClr val="bg1"/>
-                </a:solidFill>
-              </a:rPr>
-              <a:t>•   </a:t>
-            </a:r>
-            <a:r>
-              <a:rPr lang="en-US" dirty="0" err="1">
-                <a:solidFill>
-                  <a:schemeClr val="bg1"/>
-                </a:solidFill>
-              </a:rPr>
-              <a:t>grade_info.csv</a:t>
-            </a:r>
-            <a:r>
-              <a:rPr lang="en-US" dirty="0">
-                <a:solidFill>
-                  <a:schemeClr val="bg1"/>
-                </a:solidFill>
-              </a:rPr>
-              <a:t> : Internal</a:t>
+              <a:t> Grades</a:t>
             </a:r>
           </a:p>
         </p:txBody>
@@ -11847,17 +14098,15 @@
         </p:nvSpPr>
         <p:spPr>
           <a:xfrm>
-            <a:off x="200576" y="2037131"/>
-            <a:ext cx="5377218" cy="1477328"/>
+            <a:off x="715476" y="2438101"/>
+            <a:ext cx="5009755" cy="1754326"/>
           </a:xfrm>
           <a:prstGeom prst="rect">
             <a:avLst/>
           </a:prstGeom>
           <a:noFill/>
           <a:ln>
-            <a:solidFill>
-              <a:schemeClr val="bg1"/>
-            </a:solidFill>
+            <a:noFill/>
           </a:ln>
         </p:spPr>
         <p:txBody>
@@ -11889,8 +14138,13 @@
                   <a:schemeClr val="bg1"/>
                 </a:solidFill>
               </a:rPr>
-              <a:t>•  116 columns &amp; 42, 538 rows raw</a:t>
-            </a:r>
+              <a:t>   •  Text, Numbers, Dates, Logical (True/False)</a:t>
+            </a:r>
+            <a:endParaRPr lang="en-US" b="1" dirty="0">
+              <a:solidFill>
+                <a:schemeClr val="bg1"/>
+              </a:solidFill>
+            </a:endParaRPr>
           </a:p>
           <a:p>
             <a:r>
@@ -11899,7 +14153,7 @@
                   <a:schemeClr val="bg1"/>
                 </a:solidFill>
               </a:rPr>
-              <a:t>•  63 columns &amp; 42, 370 rows after cleaning </a:t>
+              <a:t>   •  Missing Values, lots of!</a:t>
             </a:r>
           </a:p>
           <a:p>
@@ -11909,7 +14163,17 @@
                   <a:schemeClr val="bg1"/>
                 </a:solidFill>
               </a:rPr>
-              <a:t>•  NA’s… lots of!</a:t>
+              <a:t>   •  Before cleaning: 116 columns &amp; 42, 538 rows</a:t>
+            </a:r>
+          </a:p>
+          <a:p>
+            <a:r>
+              <a:rPr lang="en-US" dirty="0">
+                <a:solidFill>
+                  <a:schemeClr val="bg1"/>
+                </a:solidFill>
+              </a:rPr>
+              <a:t>   •  After cleaning: 63 columns &amp; 42, 370 rows  </a:t>
             </a:r>
           </a:p>
         </p:txBody>
@@ -11928,17 +14192,15 @@
         </p:nvSpPr>
         <p:spPr>
           <a:xfrm>
-            <a:off x="204716" y="3807725"/>
-            <a:ext cx="6374181" cy="923330"/>
+            <a:off x="5862744" y="415688"/>
+            <a:ext cx="3336811" cy="923330"/>
           </a:xfrm>
           <a:prstGeom prst="rect">
             <a:avLst/>
           </a:prstGeom>
           <a:noFill/>
           <a:ln>
-            <a:solidFill>
-              <a:schemeClr val="bg1"/>
-            </a:solidFill>
+            <a:noFill/>
           </a:ln>
         </p:spPr>
         <p:txBody>
@@ -11957,14 +14219,11 @@
             </a:r>
           </a:p>
           <a:p>
-            <a:r>
-              <a:rPr lang="en-US" b="1" dirty="0">
-                <a:solidFill>
-                  <a:schemeClr val="bg1"/>
-                </a:solidFill>
-              </a:rPr>
-              <a:t> </a:t>
-            </a:r>
+            <a:endParaRPr lang="en-US" b="1" dirty="0">
+              <a:solidFill>
+                <a:schemeClr val="bg1"/>
+              </a:solidFill>
+            </a:endParaRPr>
           </a:p>
           <a:p>
             <a:r>
@@ -11973,7 +14232,7 @@
                   <a:schemeClr val="bg1"/>
                 </a:solidFill>
               </a:rPr>
-              <a:t>•  Customers from all backgrounds – no immediate bias observed </a:t>
+              <a:t>   •  No immediate bias observed </a:t>
             </a:r>
           </a:p>
         </p:txBody>
@@ -11992,17 +14251,15 @@
         </p:nvSpPr>
         <p:spPr>
           <a:xfrm>
-            <a:off x="6892119" y="2699730"/>
-            <a:ext cx="5095165" cy="2031325"/>
+            <a:off x="5862744" y="2438101"/>
+            <a:ext cx="5524580" cy="1754326"/>
           </a:xfrm>
           <a:prstGeom prst="rect">
             <a:avLst/>
           </a:prstGeom>
           <a:noFill/>
           <a:ln>
-            <a:solidFill>
-              <a:schemeClr val="bg1"/>
-            </a:solidFill>
+            <a:noFill/>
           </a:ln>
         </p:spPr>
         <p:txBody>
@@ -12034,23 +14291,17 @@
                   <a:schemeClr val="bg1"/>
                 </a:solidFill>
               </a:rPr>
-              <a:t>•   Identifying information (</a:t>
-            </a:r>
-            <a:r>
-              <a:rPr lang="en-US" dirty="0" err="1">
-                <a:solidFill>
-                  <a:schemeClr val="bg1"/>
-                </a:solidFill>
-              </a:rPr>
-              <a:t>zip_code</a:t>
-            </a:r>
+              <a:t>   •   Identifying information redacted</a:t>
+            </a:r>
+          </a:p>
+          <a:p>
             <a:r>
               <a:rPr lang="en-US" dirty="0">
                 <a:solidFill>
                   <a:schemeClr val="bg1"/>
                 </a:solidFill>
               </a:rPr>
-              <a:t>) redacted</a:t>
+              <a:t>   •   Place of employment visible</a:t>
             </a:r>
           </a:p>
           <a:p>
@@ -12060,7 +14311,7 @@
                   <a:schemeClr val="bg1"/>
                 </a:solidFill>
               </a:rPr>
-              <a:t>•   Place of employment visible</a:t>
+              <a:t>   •   Customer free text “description” of reason for loan</a:t>
             </a:r>
           </a:p>
           <a:p>
@@ -12070,27 +14321,390 @@
                   <a:schemeClr val="bg1"/>
                 </a:solidFill>
               </a:rPr>
-              <a:t>•   Customer free text “description” of reason for           loan – potentially identifying</a:t>
-            </a:r>
-          </a:p>
-          <a:p>
-            <a:r>
-              <a:rPr lang="en-US" dirty="0">
-                <a:solidFill>
-                  <a:schemeClr val="bg1"/>
-                </a:solidFill>
-              </a:rPr>
-              <a:t>•   Business requirement</a:t>
-            </a:r>
+              <a:t>   •   Business requirement</a:t>
+            </a:r>
+          </a:p>
+        </p:txBody>
+      </p:sp>
+    </p:spTree>
+    <p:extLst>
+      <p:ext uri="{BB962C8B-B14F-4D97-AF65-F5344CB8AC3E}">
+        <p14:creationId xmlns:p14="http://schemas.microsoft.com/office/powerpoint/2010/main" val="1890155515"/>
+      </p:ext>
+    </p:extLst>
+  </p:cSld>
+  <p:clrMapOvr>
+    <a:masterClrMapping/>
+  </p:clrMapOvr>
+</p:sld>
+</file>
+
+<file path=ppt/slides/slide7.xml><?xml version="1.0" encoding="utf-8"?>
+<p:sld xmlns:a="http://schemas.openxmlformats.org/drawingml/2006/main" xmlns:r="http://schemas.openxmlformats.org/officeDocument/2006/relationships" xmlns:p="http://schemas.openxmlformats.org/presentationml/2006/main">
+  <p:cSld>
+    <p:bg>
+      <p:bgPr>
+        <a:solidFill>
+          <a:schemeClr val="accent2"/>
+        </a:solidFill>
+        <a:effectLst/>
+      </p:bgPr>
+    </p:bg>
+    <p:spTree>
+      <p:nvGrpSpPr>
+        <p:cNvPr id="1" name=""/>
+        <p:cNvGrpSpPr/>
+        <p:nvPr/>
+      </p:nvGrpSpPr>
+      <p:grpSpPr>
+        <a:xfrm>
+          <a:off x="0" y="0"/>
+          <a:ext cx="0" cy="0"/>
+          <a:chOff x="0" y="0"/>
+          <a:chExt cx="0" cy="0"/>
+        </a:xfrm>
+      </p:grpSpPr>
+      <p:sp>
+        <p:nvSpPr>
+          <p:cNvPr id="15" name="Rectangle 14">
+            <a:extLst>
+              <a:ext uri="{FF2B5EF4-FFF2-40B4-BE49-F238E27FC236}">
+                <a16:creationId xmlns:a16="http://schemas.microsoft.com/office/drawing/2014/main" id="{C3A694C2-50DA-401D-9E8A-3621EBF0C75C}"/>
+              </a:ext>
+              <a:ext uri="{C183D7F6-B498-43B3-948B-1728B52AA6E4}">
+                <adec:decorative xmlns:adec="http://schemas.microsoft.com/office/drawing/2017/decorative" val="1"/>
+              </a:ext>
+            </a:extLst>
+          </p:cNvPr>
+          <p:cNvSpPr>
+            <a:spLocks noGrp="1" noRot="1" noChangeAspect="1" noMove="1" noResize="1" noEditPoints="1" noAdjustHandles="1" noChangeArrowheads="1" noChangeShapeType="1" noTextEdit="1"/>
+          </p:cNvSpPr>
+          <p:nvPr>
+            <p:extLst>
+              <p:ext uri="{386F3935-93C4-4BCD-93E2-E3B085C9AB24}">
+                <p16:designElem xmlns:p16="http://schemas.microsoft.com/office/powerpoint/2015/main" val="1"/>
+              </p:ext>
+            </p:extLst>
+          </p:nvPr>
+        </p:nvSpPr>
+        <p:spPr>
+          <a:xfrm>
+            <a:off x="0" y="-2"/>
+            <a:ext cx="12192000" cy="4918511"/>
+          </a:xfrm>
+          <a:prstGeom prst="rect">
+            <a:avLst/>
+          </a:prstGeom>
+          <a:solidFill>
+            <a:srgbClr val="FFFFFF"/>
+          </a:solidFill>
+          <a:ln>
+            <a:noFill/>
+          </a:ln>
+        </p:spPr>
+        <p:style>
+          <a:lnRef idx="2">
+            <a:schemeClr val="accent1">
+              <a:shade val="50000"/>
+            </a:schemeClr>
+          </a:lnRef>
+          <a:fillRef idx="1">
+            <a:schemeClr val="accent1"/>
+          </a:fillRef>
+          <a:effectRef idx="0">
+            <a:schemeClr val="accent1"/>
+          </a:effectRef>
+          <a:fontRef idx="minor">
+            <a:schemeClr val="lt1"/>
+          </a:fontRef>
+        </p:style>
+        <p:txBody>
+          <a:bodyPr rtlCol="0" anchor="ctr"/>
+          <a:lstStyle/>
+          <a:p>
+            <a:pPr algn="ctr"/>
+            <a:endParaRPr lang="en-US"/>
           </a:p>
         </p:txBody>
       </p:sp>
       <p:pic>
         <p:nvPicPr>
-          <p:cNvPr id="27" name="Picture 26">
+          <p:cNvPr id="9" name="Picture 8">
             <a:extLst>
               <a:ext uri="{FF2B5EF4-FFF2-40B4-BE49-F238E27FC236}">
-                <a16:creationId xmlns:a16="http://schemas.microsoft.com/office/drawing/2014/main" id="{8C997422-45A2-AA4B-9C99-4961758B285A}"/>
+                <a16:creationId xmlns:a16="http://schemas.microsoft.com/office/drawing/2014/main" id="{EB55C074-D7B7-A744-8B69-2A6B585F0B7E}"/>
+              </a:ext>
+            </a:extLst>
+          </p:cNvPr>
+          <p:cNvPicPr>
+            <a:picLocks noChangeAspect="1"/>
+          </p:cNvPicPr>
+          <p:nvPr/>
+        </p:nvPicPr>
+        <p:blipFill>
+          <a:blip r:embed="rId3"/>
+          <a:stretch>
+            <a:fillRect/>
+          </a:stretch>
+        </p:blipFill>
+        <p:spPr>
+          <a:xfrm>
+            <a:off x="200576" y="5220670"/>
+            <a:ext cx="1320423" cy="1320423"/>
+          </a:xfrm>
+          <a:prstGeom prst="rect">
+            <a:avLst/>
+          </a:prstGeom>
+        </p:spPr>
+      </p:pic>
+      <p:sp>
+        <p:nvSpPr>
+          <p:cNvPr id="13" name="Subtitle 7">
+            <a:extLst>
+              <a:ext uri="{FF2B5EF4-FFF2-40B4-BE49-F238E27FC236}">
+                <a16:creationId xmlns:a16="http://schemas.microsoft.com/office/drawing/2014/main" id="{1EC10E55-065E-7B4C-8A7B-50A587AB2265}"/>
+              </a:ext>
+            </a:extLst>
+          </p:cNvPr>
+          <p:cNvSpPr txBox="1">
+            <a:spLocks/>
+          </p:cNvSpPr>
+          <p:nvPr/>
+        </p:nvSpPr>
+        <p:spPr>
+          <a:xfrm>
+            <a:off x="2557698" y="5415733"/>
+            <a:ext cx="7076603" cy="1245182"/>
+          </a:xfrm>
+          <a:prstGeom prst="rect">
+            <a:avLst/>
+          </a:prstGeom>
+          <a:noFill/>
+        </p:spPr>
+        <p:txBody>
+          <a:bodyPr vert="horz" lIns="91440" tIns="45720" rIns="91440" bIns="45720" rtlCol="0">
+            <a:normAutofit/>
+          </a:bodyPr>
+          <a:lstStyle>
+            <a:lvl1pPr marL="0" indent="0" algn="ctr" defTabSz="914400" rtl="0" eaLnBrk="1" latinLnBrk="0" hangingPunct="1">
+              <a:lnSpc>
+                <a:spcPct val="100000"/>
+              </a:lnSpc>
+              <a:spcBef>
+                <a:spcPts val="1000"/>
+              </a:spcBef>
+              <a:buClr>
+                <a:schemeClr val="accent2"/>
+              </a:buClr>
+              <a:buFont typeface="Arial" panose="020B0604020202020204" pitchFamily="34" charset="0"/>
+              <a:buNone/>
+              <a:defRPr sz="2000" kern="1200">
+                <a:solidFill>
+                  <a:schemeClr val="tx1">
+                    <a:lumMod val="75000"/>
+                    <a:lumOff val="25000"/>
+                  </a:schemeClr>
+                </a:solidFill>
+                <a:latin typeface="+mn-lt"/>
+                <a:ea typeface="+mn-ea"/>
+                <a:cs typeface="+mn-cs"/>
+              </a:defRPr>
+            </a:lvl1pPr>
+            <a:lvl2pPr marL="457200" indent="0" algn="ctr" defTabSz="914400" rtl="0" eaLnBrk="1" latinLnBrk="0" hangingPunct="1">
+              <a:lnSpc>
+                <a:spcPct val="100000"/>
+              </a:lnSpc>
+              <a:spcBef>
+                <a:spcPts val="1000"/>
+              </a:spcBef>
+              <a:buClr>
+                <a:schemeClr val="accent2"/>
+              </a:buClr>
+              <a:buFont typeface="Arial" panose="020B0604020202020204" pitchFamily="34" charset="0"/>
+              <a:buNone/>
+              <a:defRPr sz="2000" kern="1200">
+                <a:solidFill>
+                  <a:schemeClr val="tx1">
+                    <a:lumMod val="85000"/>
+                    <a:lumOff val="15000"/>
+                  </a:schemeClr>
+                </a:solidFill>
+                <a:latin typeface="+mn-lt"/>
+                <a:ea typeface="+mn-ea"/>
+                <a:cs typeface="+mn-cs"/>
+              </a:defRPr>
+            </a:lvl2pPr>
+            <a:lvl3pPr marL="914400" indent="0" algn="ctr" defTabSz="914400" rtl="0" eaLnBrk="1" latinLnBrk="0" hangingPunct="1">
+              <a:lnSpc>
+                <a:spcPct val="100000"/>
+              </a:lnSpc>
+              <a:spcBef>
+                <a:spcPts val="1000"/>
+              </a:spcBef>
+              <a:buClr>
+                <a:schemeClr val="accent2"/>
+              </a:buClr>
+              <a:buFont typeface="Arial" panose="020B0604020202020204" pitchFamily="34" charset="0"/>
+              <a:buNone/>
+              <a:defRPr sz="1800" kern="1200">
+                <a:solidFill>
+                  <a:schemeClr val="tx1">
+                    <a:lumMod val="85000"/>
+                    <a:lumOff val="15000"/>
+                  </a:schemeClr>
+                </a:solidFill>
+                <a:latin typeface="+mn-lt"/>
+                <a:ea typeface="+mn-ea"/>
+                <a:cs typeface="+mn-cs"/>
+              </a:defRPr>
+            </a:lvl3pPr>
+            <a:lvl4pPr marL="1371600" indent="0" algn="ctr" defTabSz="914400" rtl="0" eaLnBrk="1" latinLnBrk="0" hangingPunct="1">
+              <a:lnSpc>
+                <a:spcPct val="100000"/>
+              </a:lnSpc>
+              <a:spcBef>
+                <a:spcPts val="1000"/>
+              </a:spcBef>
+              <a:buClr>
+                <a:schemeClr val="accent2"/>
+              </a:buClr>
+              <a:buFont typeface="Arial" panose="020B0604020202020204" pitchFamily="34" charset="0"/>
+              <a:buNone/>
+              <a:defRPr sz="1600" kern="1200">
+                <a:solidFill>
+                  <a:schemeClr val="tx1">
+                    <a:lumMod val="85000"/>
+                    <a:lumOff val="15000"/>
+                  </a:schemeClr>
+                </a:solidFill>
+                <a:latin typeface="+mn-lt"/>
+                <a:ea typeface="+mn-ea"/>
+                <a:cs typeface="+mn-cs"/>
+              </a:defRPr>
+            </a:lvl4pPr>
+            <a:lvl5pPr marL="1828800" indent="0" algn="ctr" defTabSz="914400" rtl="0" eaLnBrk="1" latinLnBrk="0" hangingPunct="1">
+              <a:lnSpc>
+                <a:spcPct val="100000"/>
+              </a:lnSpc>
+              <a:spcBef>
+                <a:spcPts val="1000"/>
+              </a:spcBef>
+              <a:buClr>
+                <a:schemeClr val="accent2"/>
+              </a:buClr>
+              <a:buFont typeface="Arial" panose="020B0604020202020204" pitchFamily="34" charset="0"/>
+              <a:buNone/>
+              <a:defRPr sz="1600" kern="1200">
+                <a:solidFill>
+                  <a:schemeClr val="tx1">
+                    <a:lumMod val="85000"/>
+                    <a:lumOff val="15000"/>
+                  </a:schemeClr>
+                </a:solidFill>
+                <a:latin typeface="+mn-lt"/>
+                <a:ea typeface="+mn-ea"/>
+                <a:cs typeface="+mn-cs"/>
+              </a:defRPr>
+            </a:lvl5pPr>
+            <a:lvl6pPr marL="2286000" indent="0" algn="ctr" defTabSz="914400" rtl="0" eaLnBrk="1" latinLnBrk="0" hangingPunct="1">
+              <a:lnSpc>
+                <a:spcPct val="100000"/>
+              </a:lnSpc>
+              <a:spcBef>
+                <a:spcPts val="1000"/>
+              </a:spcBef>
+              <a:buClr>
+                <a:schemeClr val="accent2"/>
+              </a:buClr>
+              <a:buFont typeface="Arial" panose="020B0604020202020204" pitchFamily="34" charset="0"/>
+              <a:buNone/>
+              <a:defRPr sz="1600" kern="1200">
+                <a:solidFill>
+                  <a:schemeClr val="tx1"/>
+                </a:solidFill>
+                <a:latin typeface="+mn-lt"/>
+                <a:ea typeface="+mn-ea"/>
+                <a:cs typeface="+mn-cs"/>
+              </a:defRPr>
+            </a:lvl6pPr>
+            <a:lvl7pPr marL="2743200" indent="0" algn="ctr" defTabSz="914400" rtl="0" eaLnBrk="1" latinLnBrk="0" hangingPunct="1">
+              <a:lnSpc>
+                <a:spcPct val="100000"/>
+              </a:lnSpc>
+              <a:spcBef>
+                <a:spcPts val="1000"/>
+              </a:spcBef>
+              <a:buClr>
+                <a:schemeClr val="accent2"/>
+              </a:buClr>
+              <a:buFont typeface="Arial" panose="020B0604020202020204" pitchFamily="34" charset="0"/>
+              <a:buNone/>
+              <a:defRPr sz="1600" kern="1200">
+                <a:solidFill>
+                  <a:schemeClr val="tx1"/>
+                </a:solidFill>
+                <a:latin typeface="+mn-lt"/>
+                <a:ea typeface="+mn-ea"/>
+                <a:cs typeface="+mn-cs"/>
+              </a:defRPr>
+            </a:lvl7pPr>
+            <a:lvl8pPr marL="3200400" indent="0" algn="ctr" defTabSz="914400" rtl="0" eaLnBrk="1" latinLnBrk="0" hangingPunct="1">
+              <a:lnSpc>
+                <a:spcPct val="100000"/>
+              </a:lnSpc>
+              <a:spcBef>
+                <a:spcPts val="1000"/>
+              </a:spcBef>
+              <a:buClr>
+                <a:schemeClr val="accent2"/>
+              </a:buClr>
+              <a:buFont typeface="Arial" panose="020B0604020202020204" pitchFamily="34" charset="0"/>
+              <a:buNone/>
+              <a:defRPr sz="1600" kern="1200" baseline="0">
+                <a:solidFill>
+                  <a:schemeClr val="tx1"/>
+                </a:solidFill>
+                <a:latin typeface="+mn-lt"/>
+                <a:ea typeface="+mn-ea"/>
+                <a:cs typeface="+mn-cs"/>
+              </a:defRPr>
+            </a:lvl8pPr>
+            <a:lvl9pPr marL="3657600" indent="0" algn="ctr" defTabSz="914400" rtl="0" eaLnBrk="1" latinLnBrk="0" hangingPunct="1">
+              <a:lnSpc>
+                <a:spcPct val="100000"/>
+              </a:lnSpc>
+              <a:spcBef>
+                <a:spcPts val="1000"/>
+              </a:spcBef>
+              <a:buClr>
+                <a:schemeClr val="accent2"/>
+              </a:buClr>
+              <a:buFont typeface="Arial" panose="020B0604020202020204" pitchFamily="34" charset="0"/>
+              <a:buNone/>
+              <a:defRPr sz="1600" kern="1200" baseline="0">
+                <a:solidFill>
+                  <a:schemeClr val="tx1"/>
+                </a:solidFill>
+                <a:latin typeface="+mn-lt"/>
+                <a:ea typeface="+mn-ea"/>
+                <a:cs typeface="+mn-cs"/>
+              </a:defRPr>
+            </a:lvl9pPr>
+          </a:lstStyle>
+          <a:p>
+            <a:r>
+              <a:rPr lang="en-US" sz="5400" dirty="0"/>
+              <a:t>The Data: Initial Analysis</a:t>
+            </a:r>
+          </a:p>
+        </p:txBody>
+      </p:sp>
+      <p:pic>
+        <p:nvPicPr>
+          <p:cNvPr id="14" name="Picture 13">
+            <a:extLst>
+              <a:ext uri="{FF2B5EF4-FFF2-40B4-BE49-F238E27FC236}">
+                <a16:creationId xmlns:a16="http://schemas.microsoft.com/office/drawing/2014/main" id="{97CF0EBD-48B8-A04E-A2D2-E7A8DCBF4BDB}"/>
               </a:ext>
             </a:extLst>
           </p:cNvPr>
@@ -12107,7 +14721,7 @@
         </p:blipFill>
         <p:spPr>
           <a:xfrm>
-            <a:off x="200576" y="155966"/>
+            <a:off x="200576" y="152133"/>
             <a:ext cx="5095165" cy="5263600"/>
           </a:xfrm>
           <a:prstGeom prst="rect">
@@ -12122,10 +14736,10 @@
       </p:pic>
       <p:pic>
         <p:nvPicPr>
-          <p:cNvPr id="29" name="Picture 28">
+          <p:cNvPr id="16" name="Picture 15">
             <a:extLst>
               <a:ext uri="{FF2B5EF4-FFF2-40B4-BE49-F238E27FC236}">
-                <a16:creationId xmlns:a16="http://schemas.microsoft.com/office/drawing/2014/main" id="{B348606F-DAF3-E341-8889-3F0A89FE6D16}"/>
+                <a16:creationId xmlns:a16="http://schemas.microsoft.com/office/drawing/2014/main" id="{3812A5CF-DA75-E441-B57C-3812A53D26E5}"/>
               </a:ext>
             </a:extLst>
           </p:cNvPr>
@@ -12142,7 +14756,7 @@
         </p:blipFill>
         <p:spPr>
           <a:xfrm>
-            <a:off x="5577794" y="143995"/>
+            <a:off x="5542068" y="152133"/>
             <a:ext cx="6449356" cy="5263600"/>
           </a:xfrm>
           <a:prstGeom prst="rect">
@@ -12155,10 +14769,62 @@
           </a:ln>
         </p:spPr>
       </p:pic>
+      <p:sp>
+        <p:nvSpPr>
+          <p:cNvPr id="7" name="Oval 6">
+            <a:extLst>
+              <a:ext uri="{FF2B5EF4-FFF2-40B4-BE49-F238E27FC236}">
+                <a16:creationId xmlns:a16="http://schemas.microsoft.com/office/drawing/2014/main" id="{BD8E4016-E24F-A247-82E9-141D5020FA0C}"/>
+              </a:ext>
+            </a:extLst>
+          </p:cNvPr>
+          <p:cNvSpPr/>
+          <p:nvPr/>
+        </p:nvSpPr>
+        <p:spPr>
+          <a:xfrm>
+            <a:off x="8710864" y="4170551"/>
+            <a:ext cx="561474" cy="545432"/>
+          </a:xfrm>
+          <a:prstGeom prst="ellipse">
+            <a:avLst/>
+          </a:prstGeom>
+          <a:noFill/>
+          <a:ln w="38100">
+            <a:solidFill>
+              <a:srgbClr val="FF0000"/>
+            </a:solidFill>
+          </a:ln>
+        </p:spPr>
+        <p:style>
+          <a:lnRef idx="2">
+            <a:schemeClr val="accent1">
+              <a:shade val="50000"/>
+            </a:schemeClr>
+          </a:lnRef>
+          <a:fillRef idx="1">
+            <a:schemeClr val="accent1"/>
+          </a:fillRef>
+          <a:effectRef idx="0">
+            <a:schemeClr val="accent1"/>
+          </a:effectRef>
+          <a:fontRef idx="minor">
+            <a:schemeClr val="lt1"/>
+          </a:fontRef>
+        </p:style>
+        <p:txBody>
+          <a:bodyPr rtlCol="0" anchor="ctr"/>
+          <a:lstStyle/>
+          <a:p>
+            <a:pPr algn="ctr"/>
+            <a:endParaRPr lang="en-US"/>
+          </a:p>
+        </p:txBody>
+      </p:sp>
     </p:spTree>
     <p:extLst>
       <p:ext uri="{BB962C8B-B14F-4D97-AF65-F5344CB8AC3E}">
-        <p14:creationId xmlns:p14="http://schemas.microsoft.com/office/powerpoint/2010/main" val="1890155515"/>
+        <p14:creationId xmlns:p14="http://schemas.microsoft.com/office/powerpoint/2010/main" val="3834384139"/>
       </p:ext>
     </p:extLst>
   </p:cSld>
@@ -12199,7 +14865,7 @@
                                           </p:stCondLst>
                                         </p:cTn>
                                         <p:tgtEl>
-                                          <p:spTgt spid="27"/>
+                                          <p:spTgt spid="14"/>
                                         </p:tgtEl>
                                         <p:attrNameLst>
                                           <p:attrName>style.visibility</p:attrName>
@@ -12213,7 +14879,7 @@
                                       <p:cBhvr additive="base">
                                         <p:cTn id="7" dur="500" fill="hold"/>
                                         <p:tgtEl>
-                                          <p:spTgt spid="27"/>
+                                          <p:spTgt spid="14"/>
                                         </p:tgtEl>
                                         <p:attrNameLst>
                                           <p:attrName>ppt_x</p:attrName>
@@ -12236,7 +14902,7 @@
                                       <p:cBhvr additive="base">
                                         <p:cTn id="8" dur="500" fill="hold"/>
                                         <p:tgtEl>
-                                          <p:spTgt spid="27"/>
+                                          <p:spTgt spid="14"/>
                                         </p:tgtEl>
                                         <p:attrNameLst>
                                           <p:attrName>ppt_y</p:attrName>
@@ -12290,7 +14956,7 @@
                                           </p:stCondLst>
                                         </p:cTn>
                                         <p:tgtEl>
-                                          <p:spTgt spid="29"/>
+                                          <p:spTgt spid="16"/>
                                         </p:tgtEl>
                                         <p:attrNameLst>
                                           <p:attrName>style.visibility</p:attrName>
@@ -12304,7 +14970,7 @@
                                       <p:cBhvr additive="base">
                                         <p:cTn id="13" dur="500" fill="hold"/>
                                         <p:tgtEl>
-                                          <p:spTgt spid="29"/>
+                                          <p:spTgt spid="16"/>
                                         </p:tgtEl>
                                         <p:attrNameLst>
                                           <p:attrName>ppt_x</p:attrName>
@@ -12327,7 +14993,7 @@
                                       <p:cBhvr additive="base">
                                         <p:cTn id="14" dur="500" fill="hold"/>
                                         <p:tgtEl>
-                                          <p:spTgt spid="29"/>
+                                          <p:spTgt spid="16"/>
                                         </p:tgtEl>
                                         <p:attrNameLst>
                                           <p:attrName>ppt_y</p:attrName>
@@ -12346,6 +15012,51 @@
                                         </p:tav>
                                       </p:tavLst>
                                     </p:anim>
+                                  </p:childTnLst>
+                                </p:cTn>
+                              </p:par>
+                            </p:childTnLst>
+                          </p:cTn>
+                        </p:par>
+                      </p:childTnLst>
+                    </p:cTn>
+                  </p:par>
+                  <p:par>
+                    <p:cTn id="15" fill="hold">
+                      <p:stCondLst>
+                        <p:cond delay="indefinite"/>
+                      </p:stCondLst>
+                      <p:childTnLst>
+                        <p:par>
+                          <p:cTn id="16" fill="hold">
+                            <p:stCondLst>
+                              <p:cond delay="0"/>
+                            </p:stCondLst>
+                            <p:childTnLst>
+                              <p:par>
+                                <p:cTn id="17" presetID="1" presetClass="entr" presetSubtype="0" fill="hold" grpId="0" nodeType="clickEffect">
+                                  <p:stCondLst>
+                                    <p:cond delay="0"/>
+                                  </p:stCondLst>
+                                  <p:childTnLst>
+                                    <p:set>
+                                      <p:cBhvr>
+                                        <p:cTn id="18" dur="1" fill="hold">
+                                          <p:stCondLst>
+                                            <p:cond delay="0"/>
+                                          </p:stCondLst>
+                                        </p:cTn>
+                                        <p:tgtEl>
+                                          <p:spTgt spid="7"/>
+                                        </p:tgtEl>
+                                        <p:attrNameLst>
+                                          <p:attrName>style.visibility</p:attrName>
+                                        </p:attrNameLst>
+                                      </p:cBhvr>
+                                      <p:to>
+                                        <p:strVal val="visible"/>
+                                      </p:to>
+                                    </p:set>
                                   </p:childTnLst>
                                 </p:cTn>
                               </p:par>
@@ -12376,11 +15087,14 @@
         </p:cTn>
       </p:par>
     </p:tnLst>
+    <p:bldLst>
+      <p:bldP spid="7" grpId="0" animBg="1"/>
+    </p:bldLst>
   </p:timing>
 </p:sld>
 </file>
 
-<file path=ppt/slides/slide7.xml><?xml version="1.0" encoding="utf-8"?>
+<file path=ppt/slides/slide8.xml><?xml version="1.0" encoding="utf-8"?>
 <p:sld xmlns:a="http://schemas.openxmlformats.org/drawingml/2006/main" xmlns:r="http://schemas.openxmlformats.org/officeDocument/2006/relationships" xmlns:p="http://schemas.openxmlformats.org/presentationml/2006/main">
   <p:cSld>
     <p:bg>
@@ -12465,41 +15179,6 @@
           <a:p>
             <a:pPr algn="ctr"/>
             <a:endParaRPr lang="en-US"/>
-          </a:p>
-        </p:txBody>
-      </p:sp>
-      <p:sp>
-        <p:nvSpPr>
-          <p:cNvPr id="8" name="Subtitle 7">
-            <a:extLst>
-              <a:ext uri="{FF2B5EF4-FFF2-40B4-BE49-F238E27FC236}">
-                <a16:creationId xmlns:a16="http://schemas.microsoft.com/office/drawing/2014/main" id="{272A9347-692A-B043-84BE-DF4576A3CB72}"/>
-              </a:ext>
-            </a:extLst>
-          </p:cNvPr>
-          <p:cNvSpPr>
-            <a:spLocks noGrp="1"/>
-          </p:cNvSpPr>
-          <p:nvPr>
-            <p:ph type="subTitle" idx="1"/>
-          </p:nvPr>
-        </p:nvSpPr>
-        <p:spPr>
-          <a:xfrm>
-            <a:off x="2695193" y="5431536"/>
-            <a:ext cx="6801612" cy="1052159"/>
-          </a:xfrm>
-        </p:spPr>
-        <p:txBody>
-          <a:bodyPr vert="horz" lIns="91440" tIns="45720" rIns="91440" bIns="45720" rtlCol="0">
-            <a:normAutofit/>
-          </a:bodyPr>
-          <a:lstStyle/>
-          <a:p>
-            <a:r>
-              <a:rPr lang="en-US" sz="5400" dirty="0"/>
-              <a:t>Results - Defaults</a:t>
-            </a:r>
           </a:p>
         </p:txBody>
       </p:sp>
@@ -12555,7 +15234,7 @@
         </p:blipFill>
         <p:spPr>
           <a:xfrm>
-            <a:off x="1689100" y="148336"/>
+            <a:off x="2853130" y="148336"/>
             <a:ext cx="8813800" cy="5283200"/>
           </a:xfrm>
           <a:prstGeom prst="rect">
@@ -12590,7 +15269,7 @@
         </p:blipFill>
         <p:spPr>
           <a:xfrm>
-            <a:off x="2145321" y="1591626"/>
+            <a:off x="3309351" y="1260942"/>
             <a:ext cx="7901357" cy="2396620"/>
           </a:xfrm>
           <a:prstGeom prst="rect">
@@ -12603,6 +15282,379 @@
           </a:ln>
         </p:spPr>
       </p:pic>
+      <p:sp>
+        <p:nvSpPr>
+          <p:cNvPr id="12" name="TextBox 11">
+            <a:extLst>
+              <a:ext uri="{FF2B5EF4-FFF2-40B4-BE49-F238E27FC236}">
+                <a16:creationId xmlns:a16="http://schemas.microsoft.com/office/drawing/2014/main" id="{5728D43D-C069-B642-8DB3-99C9C87FC4A6}"/>
+              </a:ext>
+            </a:extLst>
+          </p:cNvPr>
+          <p:cNvSpPr txBox="1"/>
+          <p:nvPr/>
+        </p:nvSpPr>
+        <p:spPr>
+          <a:xfrm>
+            <a:off x="177965" y="1443590"/>
+            <a:ext cx="2517228" cy="2031325"/>
+          </a:xfrm>
+          <a:prstGeom prst="rect">
+            <a:avLst/>
+          </a:prstGeom>
+          <a:noFill/>
+        </p:spPr>
+        <p:txBody>
+          <a:bodyPr wrap="none" rtlCol="0">
+            <a:spAutoFit/>
+          </a:bodyPr>
+          <a:lstStyle/>
+          <a:p>
+            <a:r>
+              <a:rPr lang="en-GB" b="1" dirty="0">
+                <a:solidFill>
+                  <a:schemeClr val="bg1"/>
+                </a:solidFill>
+              </a:rPr>
+              <a:t>“…if you fail to make </a:t>
+            </a:r>
+          </a:p>
+          <a:p>
+            <a:r>
+              <a:rPr lang="en-GB" b="1" dirty="0">
+                <a:solidFill>
+                  <a:schemeClr val="bg1"/>
+                </a:solidFill>
+              </a:rPr>
+              <a:t>on-time payments, </a:t>
+            </a:r>
+          </a:p>
+          <a:p>
+            <a:r>
+              <a:rPr lang="en-GB" b="1" dirty="0">
+                <a:solidFill>
+                  <a:schemeClr val="bg1"/>
+                </a:solidFill>
+              </a:rPr>
+              <a:t>your loan can go into</a:t>
+            </a:r>
+          </a:p>
+          <a:p>
+            <a:r>
+              <a:rPr lang="en-GB" b="1" dirty="0">
+                <a:solidFill>
+                  <a:schemeClr val="bg1"/>
+                </a:solidFill>
+              </a:rPr>
+              <a:t> default</a:t>
+            </a:r>
+            <a:r>
+              <a:rPr lang="en-GB" dirty="0">
+                <a:solidFill>
+                  <a:schemeClr val="bg1"/>
+                </a:solidFill>
+              </a:rPr>
+              <a:t>.”</a:t>
+            </a:r>
+          </a:p>
+          <a:p>
+            <a:endParaRPr lang="en-GB" dirty="0">
+              <a:solidFill>
+                <a:schemeClr val="bg1"/>
+              </a:solidFill>
+            </a:endParaRPr>
+          </a:p>
+          <a:p>
+            <a:r>
+              <a:rPr lang="en-GB" dirty="0" err="1">
+                <a:solidFill>
+                  <a:schemeClr val="bg1"/>
+                </a:solidFill>
+              </a:rPr>
+              <a:t>www.creditkarma.co.uk</a:t>
+            </a:r>
+            <a:endParaRPr lang="en-GB" dirty="0">
+              <a:solidFill>
+                <a:schemeClr val="bg1"/>
+              </a:solidFill>
+            </a:endParaRPr>
+          </a:p>
+          <a:p>
+            <a:endParaRPr lang="en-US" dirty="0">
+              <a:solidFill>
+                <a:schemeClr val="bg1"/>
+              </a:solidFill>
+            </a:endParaRPr>
+          </a:p>
+        </p:txBody>
+      </p:sp>
+      <p:sp>
+        <p:nvSpPr>
+          <p:cNvPr id="14" name="Subtitle 13">
+            <a:extLst>
+              <a:ext uri="{FF2B5EF4-FFF2-40B4-BE49-F238E27FC236}">
+                <a16:creationId xmlns:a16="http://schemas.microsoft.com/office/drawing/2014/main" id="{4BCDBAFA-1F5F-8B4D-9138-71FD18A76318}"/>
+              </a:ext>
+            </a:extLst>
+          </p:cNvPr>
+          <p:cNvSpPr>
+            <a:spLocks noGrp="1"/>
+          </p:cNvSpPr>
+          <p:nvPr>
+            <p:ph type="subTitle" idx="1"/>
+          </p:nvPr>
+        </p:nvSpPr>
+        <p:spPr/>
+        <p:txBody>
+          <a:bodyPr/>
+          <a:lstStyle/>
+          <a:p>
+            <a:endParaRPr lang="en-US"/>
+          </a:p>
+        </p:txBody>
+      </p:sp>
+      <p:sp>
+        <p:nvSpPr>
+          <p:cNvPr id="17" name="Subtitle 7">
+            <a:extLst>
+              <a:ext uri="{FF2B5EF4-FFF2-40B4-BE49-F238E27FC236}">
+                <a16:creationId xmlns:a16="http://schemas.microsoft.com/office/drawing/2014/main" id="{C4628288-4612-934D-9833-0692AEA27950}"/>
+              </a:ext>
+            </a:extLst>
+          </p:cNvPr>
+          <p:cNvSpPr txBox="1">
+            <a:spLocks/>
+          </p:cNvSpPr>
+          <p:nvPr/>
+        </p:nvSpPr>
+        <p:spPr>
+          <a:xfrm>
+            <a:off x="2557698" y="5415733"/>
+            <a:ext cx="7076603" cy="1245182"/>
+          </a:xfrm>
+          <a:prstGeom prst="rect">
+            <a:avLst/>
+          </a:prstGeom>
+          <a:noFill/>
+        </p:spPr>
+        <p:txBody>
+          <a:bodyPr vert="horz" lIns="91440" tIns="45720" rIns="91440" bIns="45720" rtlCol="0">
+            <a:normAutofit/>
+          </a:bodyPr>
+          <a:lstStyle>
+            <a:lvl1pPr marL="0" indent="0" algn="ctr" defTabSz="914400" rtl="0" eaLnBrk="1" latinLnBrk="0" hangingPunct="1">
+              <a:lnSpc>
+                <a:spcPct val="100000"/>
+              </a:lnSpc>
+              <a:spcBef>
+                <a:spcPts val="1000"/>
+              </a:spcBef>
+              <a:buClr>
+                <a:schemeClr val="accent2"/>
+              </a:buClr>
+              <a:buFont typeface="Arial" panose="020B0604020202020204" pitchFamily="34" charset="0"/>
+              <a:buNone/>
+              <a:defRPr sz="2000" kern="1200">
+                <a:solidFill>
+                  <a:schemeClr val="tx1">
+                    <a:lumMod val="75000"/>
+                    <a:lumOff val="25000"/>
+                  </a:schemeClr>
+                </a:solidFill>
+                <a:latin typeface="+mn-lt"/>
+                <a:ea typeface="+mn-ea"/>
+                <a:cs typeface="+mn-cs"/>
+              </a:defRPr>
+            </a:lvl1pPr>
+            <a:lvl2pPr marL="457200" indent="0" algn="ctr" defTabSz="914400" rtl="0" eaLnBrk="1" latinLnBrk="0" hangingPunct="1">
+              <a:lnSpc>
+                <a:spcPct val="100000"/>
+              </a:lnSpc>
+              <a:spcBef>
+                <a:spcPts val="1000"/>
+              </a:spcBef>
+              <a:buClr>
+                <a:schemeClr val="accent2"/>
+              </a:buClr>
+              <a:buFont typeface="Arial" panose="020B0604020202020204" pitchFamily="34" charset="0"/>
+              <a:buNone/>
+              <a:defRPr sz="2000" kern="1200">
+                <a:solidFill>
+                  <a:schemeClr val="tx1">
+                    <a:lumMod val="85000"/>
+                    <a:lumOff val="15000"/>
+                  </a:schemeClr>
+                </a:solidFill>
+                <a:latin typeface="+mn-lt"/>
+                <a:ea typeface="+mn-ea"/>
+                <a:cs typeface="+mn-cs"/>
+              </a:defRPr>
+            </a:lvl2pPr>
+            <a:lvl3pPr marL="914400" indent="0" algn="ctr" defTabSz="914400" rtl="0" eaLnBrk="1" latinLnBrk="0" hangingPunct="1">
+              <a:lnSpc>
+                <a:spcPct val="100000"/>
+              </a:lnSpc>
+              <a:spcBef>
+                <a:spcPts val="1000"/>
+              </a:spcBef>
+              <a:buClr>
+                <a:schemeClr val="accent2"/>
+              </a:buClr>
+              <a:buFont typeface="Arial" panose="020B0604020202020204" pitchFamily="34" charset="0"/>
+              <a:buNone/>
+              <a:defRPr sz="1800" kern="1200">
+                <a:solidFill>
+                  <a:schemeClr val="tx1">
+                    <a:lumMod val="85000"/>
+                    <a:lumOff val="15000"/>
+                  </a:schemeClr>
+                </a:solidFill>
+                <a:latin typeface="+mn-lt"/>
+                <a:ea typeface="+mn-ea"/>
+                <a:cs typeface="+mn-cs"/>
+              </a:defRPr>
+            </a:lvl3pPr>
+            <a:lvl4pPr marL="1371600" indent="0" algn="ctr" defTabSz="914400" rtl="0" eaLnBrk="1" latinLnBrk="0" hangingPunct="1">
+              <a:lnSpc>
+                <a:spcPct val="100000"/>
+              </a:lnSpc>
+              <a:spcBef>
+                <a:spcPts val="1000"/>
+              </a:spcBef>
+              <a:buClr>
+                <a:schemeClr val="accent2"/>
+              </a:buClr>
+              <a:buFont typeface="Arial" panose="020B0604020202020204" pitchFamily="34" charset="0"/>
+              <a:buNone/>
+              <a:defRPr sz="1600" kern="1200">
+                <a:solidFill>
+                  <a:schemeClr val="tx1">
+                    <a:lumMod val="85000"/>
+                    <a:lumOff val="15000"/>
+                  </a:schemeClr>
+                </a:solidFill>
+                <a:latin typeface="+mn-lt"/>
+                <a:ea typeface="+mn-ea"/>
+                <a:cs typeface="+mn-cs"/>
+              </a:defRPr>
+            </a:lvl4pPr>
+            <a:lvl5pPr marL="1828800" indent="0" algn="ctr" defTabSz="914400" rtl="0" eaLnBrk="1" latinLnBrk="0" hangingPunct="1">
+              <a:lnSpc>
+                <a:spcPct val="100000"/>
+              </a:lnSpc>
+              <a:spcBef>
+                <a:spcPts val="1000"/>
+              </a:spcBef>
+              <a:buClr>
+                <a:schemeClr val="accent2"/>
+              </a:buClr>
+              <a:buFont typeface="Arial" panose="020B0604020202020204" pitchFamily="34" charset="0"/>
+              <a:buNone/>
+              <a:defRPr sz="1600" kern="1200">
+                <a:solidFill>
+                  <a:schemeClr val="tx1">
+                    <a:lumMod val="85000"/>
+                    <a:lumOff val="15000"/>
+                  </a:schemeClr>
+                </a:solidFill>
+                <a:latin typeface="+mn-lt"/>
+                <a:ea typeface="+mn-ea"/>
+                <a:cs typeface="+mn-cs"/>
+              </a:defRPr>
+            </a:lvl5pPr>
+            <a:lvl6pPr marL="2286000" indent="0" algn="ctr" defTabSz="914400" rtl="0" eaLnBrk="1" latinLnBrk="0" hangingPunct="1">
+              <a:lnSpc>
+                <a:spcPct val="100000"/>
+              </a:lnSpc>
+              <a:spcBef>
+                <a:spcPts val="1000"/>
+              </a:spcBef>
+              <a:buClr>
+                <a:schemeClr val="accent2"/>
+              </a:buClr>
+              <a:buFont typeface="Arial" panose="020B0604020202020204" pitchFamily="34" charset="0"/>
+              <a:buNone/>
+              <a:defRPr sz="1600" kern="1200">
+                <a:solidFill>
+                  <a:schemeClr val="tx1"/>
+                </a:solidFill>
+                <a:latin typeface="+mn-lt"/>
+                <a:ea typeface="+mn-ea"/>
+                <a:cs typeface="+mn-cs"/>
+              </a:defRPr>
+            </a:lvl6pPr>
+            <a:lvl7pPr marL="2743200" indent="0" algn="ctr" defTabSz="914400" rtl="0" eaLnBrk="1" latinLnBrk="0" hangingPunct="1">
+              <a:lnSpc>
+                <a:spcPct val="100000"/>
+              </a:lnSpc>
+              <a:spcBef>
+                <a:spcPts val="1000"/>
+              </a:spcBef>
+              <a:buClr>
+                <a:schemeClr val="accent2"/>
+              </a:buClr>
+              <a:buFont typeface="Arial" panose="020B0604020202020204" pitchFamily="34" charset="0"/>
+              <a:buNone/>
+              <a:defRPr sz="1600" kern="1200">
+                <a:solidFill>
+                  <a:schemeClr val="tx1"/>
+                </a:solidFill>
+                <a:latin typeface="+mn-lt"/>
+                <a:ea typeface="+mn-ea"/>
+                <a:cs typeface="+mn-cs"/>
+              </a:defRPr>
+            </a:lvl7pPr>
+            <a:lvl8pPr marL="3200400" indent="0" algn="ctr" defTabSz="914400" rtl="0" eaLnBrk="1" latinLnBrk="0" hangingPunct="1">
+              <a:lnSpc>
+                <a:spcPct val="100000"/>
+              </a:lnSpc>
+              <a:spcBef>
+                <a:spcPts val="1000"/>
+              </a:spcBef>
+              <a:buClr>
+                <a:schemeClr val="accent2"/>
+              </a:buClr>
+              <a:buFont typeface="Arial" panose="020B0604020202020204" pitchFamily="34" charset="0"/>
+              <a:buNone/>
+              <a:defRPr sz="1600" kern="1200" baseline="0">
+                <a:solidFill>
+                  <a:schemeClr val="tx1"/>
+                </a:solidFill>
+                <a:latin typeface="+mn-lt"/>
+                <a:ea typeface="+mn-ea"/>
+                <a:cs typeface="+mn-cs"/>
+              </a:defRPr>
+            </a:lvl8pPr>
+            <a:lvl9pPr marL="3657600" indent="0" algn="ctr" defTabSz="914400" rtl="0" eaLnBrk="1" latinLnBrk="0" hangingPunct="1">
+              <a:lnSpc>
+                <a:spcPct val="100000"/>
+              </a:lnSpc>
+              <a:spcBef>
+                <a:spcPts val="1000"/>
+              </a:spcBef>
+              <a:buClr>
+                <a:schemeClr val="accent2"/>
+              </a:buClr>
+              <a:buFont typeface="Arial" panose="020B0604020202020204" pitchFamily="34" charset="0"/>
+              <a:buNone/>
+              <a:defRPr sz="1600" kern="1200" baseline="0">
+                <a:solidFill>
+                  <a:schemeClr val="tx1"/>
+                </a:solidFill>
+                <a:latin typeface="+mn-lt"/>
+                <a:ea typeface="+mn-ea"/>
+                <a:cs typeface="+mn-cs"/>
+              </a:defRPr>
+            </a:lvl9pPr>
+          </a:lstStyle>
+          <a:p>
+            <a:r>
+              <a:rPr lang="en-US" sz="5400" dirty="0"/>
+              <a:t>The Data: Initial Analysis</a:t>
+            </a:r>
+          </a:p>
+        </p:txBody>
+      </p:sp>
     </p:spTree>
     <p:extLst>
       <p:ext uri="{BB962C8B-B14F-4D97-AF65-F5344CB8AC3E}">
@@ -12828,7 +15880,7 @@
 </p:sld>
 </file>
 
-<file path=ppt/slides/slide8.xml><?xml version="1.0" encoding="utf-8"?>
+<file path=ppt/slides/slide9.xml><?xml version="1.0" encoding="utf-8"?>
 <p:sld xmlns:a="http://schemas.openxmlformats.org/drawingml/2006/main" xmlns:r="http://schemas.openxmlformats.org/officeDocument/2006/relationships" xmlns:p="http://schemas.openxmlformats.org/presentationml/2006/main">
   <p:cSld>
     <p:bg>
@@ -12916,47 +15968,12 @@
           </a:p>
         </p:txBody>
       </p:sp>
-      <p:sp>
-        <p:nvSpPr>
-          <p:cNvPr id="8" name="Subtitle 7">
+      <p:pic>
+        <p:nvPicPr>
+          <p:cNvPr id="13" name="Picture 12">
             <a:extLst>
               <a:ext uri="{FF2B5EF4-FFF2-40B4-BE49-F238E27FC236}">
-                <a16:creationId xmlns:a16="http://schemas.microsoft.com/office/drawing/2014/main" id="{272A9347-692A-B043-84BE-DF4576A3CB72}"/>
-              </a:ext>
-            </a:extLst>
-          </p:cNvPr>
-          <p:cNvSpPr>
-            <a:spLocks noGrp="1"/>
-          </p:cNvSpPr>
-          <p:nvPr>
-            <p:ph type="subTitle" idx="1"/>
-          </p:nvPr>
-        </p:nvSpPr>
-        <p:spPr>
-          <a:xfrm>
-            <a:off x="2557698" y="5354379"/>
-            <a:ext cx="7076603" cy="1245182"/>
-          </a:xfrm>
-        </p:spPr>
-        <p:txBody>
-          <a:bodyPr vert="horz" lIns="91440" tIns="45720" rIns="91440" bIns="45720" rtlCol="0">
-            <a:normAutofit/>
-          </a:bodyPr>
-          <a:lstStyle/>
-          <a:p>
-            <a:r>
-              <a:rPr lang="en-US" sz="5400" dirty="0"/>
-              <a:t>Results – Geography</a:t>
-            </a:r>
-          </a:p>
-        </p:txBody>
-      </p:sp>
-      <p:pic>
-        <p:nvPicPr>
-          <p:cNvPr id="6" name="Picture 5">
-            <a:extLst>
-              <a:ext uri="{FF2B5EF4-FFF2-40B4-BE49-F238E27FC236}">
-                <a16:creationId xmlns:a16="http://schemas.microsoft.com/office/drawing/2014/main" id="{5CF8B0DF-9B1A-B147-BD6E-3CF2EB221997}"/>
+                <a16:creationId xmlns:a16="http://schemas.microsoft.com/office/drawing/2014/main" id="{02D8936B-5492-5942-8C2F-28847133E4AD}"/>
               </a:ext>
             </a:extLst>
           </p:cNvPr>
@@ -12981,1618 +15998,57 @@
           </a:prstGeom>
         </p:spPr>
       </p:pic>
-      <p:pic>
-        <p:nvPicPr>
-          <p:cNvPr id="5" name="Picture 4">
+      <p:sp>
+        <p:nvSpPr>
+          <p:cNvPr id="19" name="Subtitle 7">
             <a:extLst>
               <a:ext uri="{FF2B5EF4-FFF2-40B4-BE49-F238E27FC236}">
-                <a16:creationId xmlns:a16="http://schemas.microsoft.com/office/drawing/2014/main" id="{EE1F15AA-352A-614C-937E-412EBED1463F}"/>
+                <a16:creationId xmlns:a16="http://schemas.microsoft.com/office/drawing/2014/main" id="{E7E89C17-475F-0D4E-B40B-831AC928C336}"/>
               </a:ext>
             </a:extLst>
           </p:cNvPr>
-          <p:cNvPicPr>
-            <a:picLocks noChangeAspect="1"/>
-          </p:cNvPicPr>
-          <p:nvPr/>
-        </p:nvPicPr>
-        <p:blipFill>
-          <a:blip r:embed="rId4"/>
-          <a:stretch>
-            <a:fillRect/>
-          </a:stretch>
-        </p:blipFill>
+          <p:cNvSpPr>
+            <a:spLocks noGrp="1"/>
+          </p:cNvSpPr>
+          <p:nvPr>
+            <p:ph type="subTitle" idx="1"/>
+          </p:nvPr>
+        </p:nvSpPr>
         <p:spPr>
           <a:xfrm>
-            <a:off x="2352505" y="104316"/>
-            <a:ext cx="7236125" cy="5410200"/>
+            <a:off x="2638680" y="5201057"/>
+            <a:ext cx="7076603" cy="1245182"/>
           </a:xfrm>
-          <a:prstGeom prst="rect">
-            <a:avLst/>
-          </a:prstGeom>
-          <a:ln w="38100">
-            <a:solidFill>
-              <a:schemeClr val="bg1"/>
-            </a:solidFill>
-          </a:ln>
         </p:spPr>
-      </p:pic>
-      <p:pic>
-        <p:nvPicPr>
-          <p:cNvPr id="11" name="Picture 10">
-            <a:extLst>
-              <a:ext uri="{FF2B5EF4-FFF2-40B4-BE49-F238E27FC236}">
-                <a16:creationId xmlns:a16="http://schemas.microsoft.com/office/drawing/2014/main" id="{5DD35B10-3C11-694B-89E9-464F24B1DB91}"/>
-              </a:ext>
-            </a:extLst>
-          </p:cNvPr>
-          <p:cNvPicPr>
-            <a:picLocks noChangeAspect="1"/>
-          </p:cNvPicPr>
-          <p:nvPr/>
-        </p:nvPicPr>
-        <p:blipFill>
-          <a:blip r:embed="rId5"/>
-          <a:stretch>
-            <a:fillRect/>
-          </a:stretch>
-        </p:blipFill>
-        <p:spPr>
-          <a:xfrm>
-            <a:off x="2398176" y="101667"/>
-            <a:ext cx="7144785" cy="5333038"/>
-          </a:xfrm>
-          <a:prstGeom prst="rect">
-            <a:avLst/>
-          </a:prstGeom>
-          <a:ln w="38100">
-            <a:solidFill>
-              <a:schemeClr val="bg1"/>
-            </a:solidFill>
-          </a:ln>
-        </p:spPr>
-      </p:pic>
-      <p:pic>
-        <p:nvPicPr>
-          <p:cNvPr id="7" name="Picture 6">
-            <a:extLst>
-              <a:ext uri="{FF2B5EF4-FFF2-40B4-BE49-F238E27FC236}">
-                <a16:creationId xmlns:a16="http://schemas.microsoft.com/office/drawing/2014/main" id="{5A8B1536-48F7-0545-AF91-6A0910ECCE05}"/>
-              </a:ext>
-            </a:extLst>
-          </p:cNvPr>
-          <p:cNvPicPr>
-            <a:picLocks noChangeAspect="1"/>
-          </p:cNvPicPr>
-          <p:nvPr/>
-        </p:nvPicPr>
-        <p:blipFill>
-          <a:blip r:embed="rId6"/>
-          <a:stretch>
-            <a:fillRect/>
-          </a:stretch>
-        </p:blipFill>
-        <p:spPr>
-          <a:xfrm>
-            <a:off x="96643" y="79809"/>
-            <a:ext cx="8641497" cy="5333038"/>
-          </a:xfrm>
-          <a:prstGeom prst="rect">
-            <a:avLst/>
-          </a:prstGeom>
-          <a:ln w="38100">
-            <a:solidFill>
-              <a:schemeClr val="bg1"/>
-            </a:solidFill>
-          </a:ln>
-        </p:spPr>
-      </p:pic>
-      <p:pic>
-        <p:nvPicPr>
-          <p:cNvPr id="3" name="Picture 2">
-            <a:extLst>
-              <a:ext uri="{FF2B5EF4-FFF2-40B4-BE49-F238E27FC236}">
-                <a16:creationId xmlns:a16="http://schemas.microsoft.com/office/drawing/2014/main" id="{0D86925F-1791-2247-BBF8-80AFFC569DD0}"/>
-              </a:ext>
-            </a:extLst>
-          </p:cNvPr>
-          <p:cNvPicPr>
-            <a:picLocks noChangeAspect="1"/>
-          </p:cNvPicPr>
-          <p:nvPr/>
-        </p:nvPicPr>
-        <p:blipFill>
-          <a:blip r:embed="rId7"/>
-          <a:stretch>
-            <a:fillRect/>
-          </a:stretch>
-        </p:blipFill>
-        <p:spPr>
-          <a:xfrm>
-            <a:off x="7121948" y="79809"/>
-            <a:ext cx="4979034" cy="5333038"/>
-          </a:xfrm>
-          <a:prstGeom prst="rect">
-            <a:avLst/>
-          </a:prstGeom>
-          <a:ln w="38100">
-            <a:solidFill>
-              <a:schemeClr val="bg1"/>
-            </a:solidFill>
-          </a:ln>
-        </p:spPr>
-      </p:pic>
-      <p:pic>
-        <p:nvPicPr>
-          <p:cNvPr id="13" name="Picture 12">
-            <a:extLst>
-              <a:ext uri="{FF2B5EF4-FFF2-40B4-BE49-F238E27FC236}">
-                <a16:creationId xmlns:a16="http://schemas.microsoft.com/office/drawing/2014/main" id="{A48C5E7C-0B27-7747-996F-26E99E059B98}"/>
-              </a:ext>
-            </a:extLst>
-          </p:cNvPr>
-          <p:cNvPicPr>
-            <a:picLocks noChangeAspect="1"/>
-          </p:cNvPicPr>
-          <p:nvPr/>
-        </p:nvPicPr>
-        <p:blipFill>
-          <a:blip r:embed="rId8"/>
-          <a:stretch>
-            <a:fillRect/>
-          </a:stretch>
-        </p:blipFill>
-        <p:spPr>
-          <a:xfrm>
-            <a:off x="654655" y="2769547"/>
-            <a:ext cx="5909281" cy="2505021"/>
-          </a:xfrm>
-          <a:prstGeom prst="rect">
-            <a:avLst/>
-          </a:prstGeom>
-          <a:ln w="38100">
-            <a:solidFill>
-              <a:schemeClr val="bg1"/>
-            </a:solidFill>
-          </a:ln>
-        </p:spPr>
-      </p:pic>
-      <p:pic>
-        <p:nvPicPr>
-          <p:cNvPr id="15" name="Picture 14">
-            <a:extLst>
-              <a:ext uri="{FF2B5EF4-FFF2-40B4-BE49-F238E27FC236}">
-                <a16:creationId xmlns:a16="http://schemas.microsoft.com/office/drawing/2014/main" id="{93B2091D-51E2-2643-9F90-902A43463757}"/>
-              </a:ext>
-            </a:extLst>
-          </p:cNvPr>
-          <p:cNvPicPr>
-            <a:picLocks noChangeAspect="1"/>
-          </p:cNvPicPr>
-          <p:nvPr/>
-        </p:nvPicPr>
-        <p:blipFill>
-          <a:blip r:embed="rId9"/>
-          <a:stretch>
-            <a:fillRect/>
-          </a:stretch>
-        </p:blipFill>
-        <p:spPr>
-          <a:xfrm>
-            <a:off x="654655" y="209206"/>
-            <a:ext cx="5909281" cy="2428177"/>
-          </a:xfrm>
-          <a:prstGeom prst="rect">
-            <a:avLst/>
-          </a:prstGeom>
-          <a:ln w="38100">
-            <a:solidFill>
-              <a:schemeClr val="bg1"/>
-            </a:solidFill>
-          </a:ln>
-        </p:spPr>
-      </p:pic>
-      <p:pic>
-        <p:nvPicPr>
-          <p:cNvPr id="17" name="Picture 16">
-            <a:extLst>
-              <a:ext uri="{FF2B5EF4-FFF2-40B4-BE49-F238E27FC236}">
-                <a16:creationId xmlns:a16="http://schemas.microsoft.com/office/drawing/2014/main" id="{9C865871-7CFB-2941-BD9E-7B52382BE892}"/>
-              </a:ext>
-            </a:extLst>
-          </p:cNvPr>
-          <p:cNvPicPr>
-            <a:picLocks noChangeAspect="1"/>
-          </p:cNvPicPr>
-          <p:nvPr/>
-        </p:nvPicPr>
-        <p:blipFill>
-          <a:blip r:embed="rId10"/>
-          <a:stretch>
-            <a:fillRect/>
-          </a:stretch>
-        </p:blipFill>
-        <p:spPr>
-          <a:xfrm>
-            <a:off x="481299" y="331055"/>
-            <a:ext cx="6224896" cy="4765484"/>
-          </a:xfrm>
-          <a:prstGeom prst="rect">
-            <a:avLst/>
-          </a:prstGeom>
-          <a:ln w="38100">
-            <a:solidFill>
-              <a:schemeClr val="bg1"/>
-            </a:solidFill>
-          </a:ln>
-        </p:spPr>
-      </p:pic>
+        <p:txBody>
+          <a:bodyPr vert="horz" lIns="91440" tIns="45720" rIns="91440" bIns="45720" rtlCol="0">
+            <a:normAutofit fontScale="77500" lnSpcReduction="20000"/>
+          </a:bodyPr>
+          <a:lstStyle/>
+          <a:p>
+            <a:r>
+              <a:rPr lang="en-US" sz="5400" dirty="0"/>
+              <a:t>Defaulted Loans, The Who’s:</a:t>
+            </a:r>
+          </a:p>
+          <a:p>
+            <a:r>
+              <a:rPr lang="en-US" sz="5400" dirty="0"/>
+              <a:t>INCOME</a:t>
+            </a:r>
+          </a:p>
+        </p:txBody>
+      </p:sp>
     </p:spTree>
     <p:extLst>
       <p:ext uri="{BB962C8B-B14F-4D97-AF65-F5344CB8AC3E}">
-        <p14:creationId xmlns:p14="http://schemas.microsoft.com/office/powerpoint/2010/main" val="2059855465"/>
+        <p14:creationId xmlns:p14="http://schemas.microsoft.com/office/powerpoint/2010/main" val="696195964"/>
       </p:ext>
     </p:extLst>
   </p:cSld>
   <p:clrMapOvr>
     <a:masterClrMapping/>
   </p:clrMapOvr>
-  <p:timing>
-    <p:tnLst>
-      <p:par>
-        <p:cTn id="1" dur="indefinite" restart="never" nodeType="tmRoot">
-          <p:childTnLst>
-            <p:seq concurrent="1" nextAc="seek">
-              <p:cTn id="2" dur="indefinite" nodeType="mainSeq">
-                <p:childTnLst>
-                  <p:par>
-                    <p:cTn id="3" fill="hold">
-                      <p:stCondLst>
-                        <p:cond delay="indefinite"/>
-                      </p:stCondLst>
-                      <p:childTnLst>
-                        <p:par>
-                          <p:cTn id="4" fill="hold">
-                            <p:stCondLst>
-                              <p:cond delay="0"/>
-                            </p:stCondLst>
-                            <p:childTnLst>
-                              <p:par>
-                                <p:cTn id="5" presetID="2" presetClass="entr" presetSubtype="4" fill="hold" nodeType="clickEffect">
-                                  <p:stCondLst>
-                                    <p:cond delay="0"/>
-                                  </p:stCondLst>
-                                  <p:childTnLst>
-                                    <p:set>
-                                      <p:cBhvr>
-                                        <p:cTn id="6" dur="1" fill="hold">
-                                          <p:stCondLst>
-                                            <p:cond delay="0"/>
-                                          </p:stCondLst>
-                                        </p:cTn>
-                                        <p:tgtEl>
-                                          <p:spTgt spid="5"/>
-                                        </p:tgtEl>
-                                        <p:attrNameLst>
-                                          <p:attrName>style.visibility</p:attrName>
-                                        </p:attrNameLst>
-                                      </p:cBhvr>
-                                      <p:to>
-                                        <p:strVal val="visible"/>
-                                      </p:to>
-                                    </p:set>
-                                    <p:anim calcmode="lin" valueType="num">
-                                      <p:cBhvr additive="base">
-                                        <p:cTn id="7" dur="500" fill="hold"/>
-                                        <p:tgtEl>
-                                          <p:spTgt spid="5"/>
-                                        </p:tgtEl>
-                                        <p:attrNameLst>
-                                          <p:attrName>ppt_x</p:attrName>
-                                        </p:attrNameLst>
-                                      </p:cBhvr>
-                                      <p:tavLst>
-                                        <p:tav tm="0">
-                                          <p:val>
-                                            <p:strVal val="#ppt_x"/>
-                                          </p:val>
-                                        </p:tav>
-                                        <p:tav tm="100000">
-                                          <p:val>
-                                            <p:strVal val="#ppt_x"/>
-                                          </p:val>
-                                        </p:tav>
-                                      </p:tavLst>
-                                    </p:anim>
-                                    <p:anim calcmode="lin" valueType="num">
-                                      <p:cBhvr additive="base">
-                                        <p:cTn id="8" dur="500" fill="hold"/>
-                                        <p:tgtEl>
-                                          <p:spTgt spid="5"/>
-                                        </p:tgtEl>
-                                        <p:attrNameLst>
-                                          <p:attrName>ppt_y</p:attrName>
-                                        </p:attrNameLst>
-                                      </p:cBhvr>
-                                      <p:tavLst>
-                                        <p:tav tm="0">
-                                          <p:val>
-                                            <p:strVal val="1+#ppt_h/2"/>
-                                          </p:val>
-                                        </p:tav>
-                                        <p:tav tm="100000">
-                                          <p:val>
-                                            <p:strVal val="#ppt_y"/>
-                                          </p:val>
-                                        </p:tav>
-                                      </p:tavLst>
-                                    </p:anim>
-                                  </p:childTnLst>
-                                </p:cTn>
-                              </p:par>
-                            </p:childTnLst>
-                          </p:cTn>
-                        </p:par>
-                      </p:childTnLst>
-                    </p:cTn>
-                  </p:par>
-                  <p:par>
-                    <p:cTn id="9" fill="hold">
-                      <p:stCondLst>
-                        <p:cond delay="indefinite"/>
-                      </p:stCondLst>
-                      <p:childTnLst>
-                        <p:par>
-                          <p:cTn id="10" fill="hold">
-                            <p:stCondLst>
-                              <p:cond delay="0"/>
-                            </p:stCondLst>
-                            <p:childTnLst>
-                              <p:par>
-                                <p:cTn id="11" presetID="2" presetClass="entr" presetSubtype="4" fill="hold" nodeType="clickEffect">
-                                  <p:stCondLst>
-                                    <p:cond delay="0"/>
-                                  </p:stCondLst>
-                                  <p:childTnLst>
-                                    <p:set>
-                                      <p:cBhvr>
-                                        <p:cTn id="12" dur="1" fill="hold">
-                                          <p:stCondLst>
-                                            <p:cond delay="0"/>
-                                          </p:stCondLst>
-                                        </p:cTn>
-                                        <p:tgtEl>
-                                          <p:spTgt spid="11"/>
-                                        </p:tgtEl>
-                                        <p:attrNameLst>
-                                          <p:attrName>style.visibility</p:attrName>
-                                        </p:attrNameLst>
-                                      </p:cBhvr>
-                                      <p:to>
-                                        <p:strVal val="visible"/>
-                                      </p:to>
-                                    </p:set>
-                                    <p:anim calcmode="lin" valueType="num">
-                                      <p:cBhvr additive="base">
-                                        <p:cTn id="13" dur="500" fill="hold"/>
-                                        <p:tgtEl>
-                                          <p:spTgt spid="11"/>
-                                        </p:tgtEl>
-                                        <p:attrNameLst>
-                                          <p:attrName>ppt_x</p:attrName>
-                                        </p:attrNameLst>
-                                      </p:cBhvr>
-                                      <p:tavLst>
-                                        <p:tav tm="0">
-                                          <p:val>
-                                            <p:strVal val="#ppt_x"/>
-                                          </p:val>
-                                        </p:tav>
-                                        <p:tav tm="100000">
-                                          <p:val>
-                                            <p:strVal val="#ppt_x"/>
-                                          </p:val>
-                                        </p:tav>
-                                      </p:tavLst>
-                                    </p:anim>
-                                    <p:anim calcmode="lin" valueType="num">
-                                      <p:cBhvr additive="base">
-                                        <p:cTn id="14" dur="500" fill="hold"/>
-                                        <p:tgtEl>
-                                          <p:spTgt spid="11"/>
-                                        </p:tgtEl>
-                                        <p:attrNameLst>
-                                          <p:attrName>ppt_y</p:attrName>
-                                        </p:attrNameLst>
-                                      </p:cBhvr>
-                                      <p:tavLst>
-                                        <p:tav tm="0">
-                                          <p:val>
-                                            <p:strVal val="1+#ppt_h/2"/>
-                                          </p:val>
-                                        </p:tav>
-                                        <p:tav tm="100000">
-                                          <p:val>
-                                            <p:strVal val="#ppt_y"/>
-                                          </p:val>
-                                        </p:tav>
-                                      </p:tavLst>
-                                    </p:anim>
-                                  </p:childTnLst>
-                                </p:cTn>
-                              </p:par>
-                            </p:childTnLst>
-                          </p:cTn>
-                        </p:par>
-                      </p:childTnLst>
-                    </p:cTn>
-                  </p:par>
-                  <p:par>
-                    <p:cTn id="15" fill="hold">
-                      <p:stCondLst>
-                        <p:cond delay="indefinite"/>
-                      </p:stCondLst>
-                      <p:childTnLst>
-                        <p:par>
-                          <p:cTn id="16" fill="hold">
-                            <p:stCondLst>
-                              <p:cond delay="0"/>
-                            </p:stCondLst>
-                            <p:childTnLst>
-                              <p:par>
-                                <p:cTn id="17" presetID="2" presetClass="entr" presetSubtype="4" fill="hold" nodeType="clickEffect">
-                                  <p:stCondLst>
-                                    <p:cond delay="0"/>
-                                  </p:stCondLst>
-                                  <p:childTnLst>
-                                    <p:set>
-                                      <p:cBhvr>
-                                        <p:cTn id="18" dur="1" fill="hold">
-                                          <p:stCondLst>
-                                            <p:cond delay="0"/>
-                                          </p:stCondLst>
-                                        </p:cTn>
-                                        <p:tgtEl>
-                                          <p:spTgt spid="7"/>
-                                        </p:tgtEl>
-                                        <p:attrNameLst>
-                                          <p:attrName>style.visibility</p:attrName>
-                                        </p:attrNameLst>
-                                      </p:cBhvr>
-                                      <p:to>
-                                        <p:strVal val="visible"/>
-                                      </p:to>
-                                    </p:set>
-                                    <p:anim calcmode="lin" valueType="num">
-                                      <p:cBhvr additive="base">
-                                        <p:cTn id="19" dur="500" fill="hold"/>
-                                        <p:tgtEl>
-                                          <p:spTgt spid="7"/>
-                                        </p:tgtEl>
-                                        <p:attrNameLst>
-                                          <p:attrName>ppt_x</p:attrName>
-                                        </p:attrNameLst>
-                                      </p:cBhvr>
-                                      <p:tavLst>
-                                        <p:tav tm="0">
-                                          <p:val>
-                                            <p:strVal val="#ppt_x"/>
-                                          </p:val>
-                                        </p:tav>
-                                        <p:tav tm="100000">
-                                          <p:val>
-                                            <p:strVal val="#ppt_x"/>
-                                          </p:val>
-                                        </p:tav>
-                                      </p:tavLst>
-                                    </p:anim>
-                                    <p:anim calcmode="lin" valueType="num">
-                                      <p:cBhvr additive="base">
-                                        <p:cTn id="20" dur="500" fill="hold"/>
-                                        <p:tgtEl>
-                                          <p:spTgt spid="7"/>
-                                        </p:tgtEl>
-                                        <p:attrNameLst>
-                                          <p:attrName>ppt_y</p:attrName>
-                                        </p:attrNameLst>
-                                      </p:cBhvr>
-                                      <p:tavLst>
-                                        <p:tav tm="0">
-                                          <p:val>
-                                            <p:strVal val="1+#ppt_h/2"/>
-                                          </p:val>
-                                        </p:tav>
-                                        <p:tav tm="100000">
-                                          <p:val>
-                                            <p:strVal val="#ppt_y"/>
-                                          </p:val>
-                                        </p:tav>
-                                      </p:tavLst>
-                                    </p:anim>
-                                  </p:childTnLst>
-                                </p:cTn>
-                              </p:par>
-                            </p:childTnLst>
-                          </p:cTn>
-                        </p:par>
-                      </p:childTnLst>
-                    </p:cTn>
-                  </p:par>
-                  <p:par>
-                    <p:cTn id="21" fill="hold">
-                      <p:stCondLst>
-                        <p:cond delay="indefinite"/>
-                      </p:stCondLst>
-                      <p:childTnLst>
-                        <p:par>
-                          <p:cTn id="22" fill="hold">
-                            <p:stCondLst>
-                              <p:cond delay="0"/>
-                            </p:stCondLst>
-                            <p:childTnLst>
-                              <p:par>
-                                <p:cTn id="23" presetID="2" presetClass="entr" presetSubtype="4" fill="hold" nodeType="clickEffect">
-                                  <p:stCondLst>
-                                    <p:cond delay="0"/>
-                                  </p:stCondLst>
-                                  <p:childTnLst>
-                                    <p:set>
-                                      <p:cBhvr>
-                                        <p:cTn id="24" dur="1" fill="hold">
-                                          <p:stCondLst>
-                                            <p:cond delay="0"/>
-                                          </p:stCondLst>
-                                        </p:cTn>
-                                        <p:tgtEl>
-                                          <p:spTgt spid="3"/>
-                                        </p:tgtEl>
-                                        <p:attrNameLst>
-                                          <p:attrName>style.visibility</p:attrName>
-                                        </p:attrNameLst>
-                                      </p:cBhvr>
-                                      <p:to>
-                                        <p:strVal val="visible"/>
-                                      </p:to>
-                                    </p:set>
-                                    <p:anim calcmode="lin" valueType="num">
-                                      <p:cBhvr additive="base">
-                                        <p:cTn id="25" dur="500" fill="hold"/>
-                                        <p:tgtEl>
-                                          <p:spTgt spid="3"/>
-                                        </p:tgtEl>
-                                        <p:attrNameLst>
-                                          <p:attrName>ppt_x</p:attrName>
-                                        </p:attrNameLst>
-                                      </p:cBhvr>
-                                      <p:tavLst>
-                                        <p:tav tm="0">
-                                          <p:val>
-                                            <p:strVal val="#ppt_x"/>
-                                          </p:val>
-                                        </p:tav>
-                                        <p:tav tm="100000">
-                                          <p:val>
-                                            <p:strVal val="#ppt_x"/>
-                                          </p:val>
-                                        </p:tav>
-                                      </p:tavLst>
-                                    </p:anim>
-                                    <p:anim calcmode="lin" valueType="num">
-                                      <p:cBhvr additive="base">
-                                        <p:cTn id="26" dur="500" fill="hold"/>
-                                        <p:tgtEl>
-                                          <p:spTgt spid="3"/>
-                                        </p:tgtEl>
-                                        <p:attrNameLst>
-                                          <p:attrName>ppt_y</p:attrName>
-                                        </p:attrNameLst>
-                                      </p:cBhvr>
-                                      <p:tavLst>
-                                        <p:tav tm="0">
-                                          <p:val>
-                                            <p:strVal val="1+#ppt_h/2"/>
-                                          </p:val>
-                                        </p:tav>
-                                        <p:tav tm="100000">
-                                          <p:val>
-                                            <p:strVal val="#ppt_y"/>
-                                          </p:val>
-                                        </p:tav>
-                                      </p:tavLst>
-                                    </p:anim>
-                                  </p:childTnLst>
-                                </p:cTn>
-                              </p:par>
-                            </p:childTnLst>
-                          </p:cTn>
-                        </p:par>
-                      </p:childTnLst>
-                    </p:cTn>
-                  </p:par>
-                  <p:par>
-                    <p:cTn id="27" fill="hold">
-                      <p:stCondLst>
-                        <p:cond delay="indefinite"/>
-                      </p:stCondLst>
-                      <p:childTnLst>
-                        <p:par>
-                          <p:cTn id="28" fill="hold">
-                            <p:stCondLst>
-                              <p:cond delay="0"/>
-                            </p:stCondLst>
-                            <p:childTnLst>
-                              <p:par>
-                                <p:cTn id="29" presetID="2" presetClass="entr" presetSubtype="4" fill="hold" nodeType="clickEffect">
-                                  <p:stCondLst>
-                                    <p:cond delay="0"/>
-                                  </p:stCondLst>
-                                  <p:childTnLst>
-                                    <p:set>
-                                      <p:cBhvr>
-                                        <p:cTn id="30" dur="1" fill="hold">
-                                          <p:stCondLst>
-                                            <p:cond delay="0"/>
-                                          </p:stCondLst>
-                                        </p:cTn>
-                                        <p:tgtEl>
-                                          <p:spTgt spid="15"/>
-                                        </p:tgtEl>
-                                        <p:attrNameLst>
-                                          <p:attrName>style.visibility</p:attrName>
-                                        </p:attrNameLst>
-                                      </p:cBhvr>
-                                      <p:to>
-                                        <p:strVal val="visible"/>
-                                      </p:to>
-                                    </p:set>
-                                    <p:anim calcmode="lin" valueType="num">
-                                      <p:cBhvr additive="base">
-                                        <p:cTn id="31" dur="500" fill="hold"/>
-                                        <p:tgtEl>
-                                          <p:spTgt spid="15"/>
-                                        </p:tgtEl>
-                                        <p:attrNameLst>
-                                          <p:attrName>ppt_x</p:attrName>
-                                        </p:attrNameLst>
-                                      </p:cBhvr>
-                                      <p:tavLst>
-                                        <p:tav tm="0">
-                                          <p:val>
-                                            <p:strVal val="#ppt_x"/>
-                                          </p:val>
-                                        </p:tav>
-                                        <p:tav tm="100000">
-                                          <p:val>
-                                            <p:strVal val="#ppt_x"/>
-                                          </p:val>
-                                        </p:tav>
-                                      </p:tavLst>
-                                    </p:anim>
-                                    <p:anim calcmode="lin" valueType="num">
-                                      <p:cBhvr additive="base">
-                                        <p:cTn id="32" dur="500" fill="hold"/>
-                                        <p:tgtEl>
-                                          <p:spTgt spid="15"/>
-                                        </p:tgtEl>
-                                        <p:attrNameLst>
-                                          <p:attrName>ppt_y</p:attrName>
-                                        </p:attrNameLst>
-                                      </p:cBhvr>
-                                      <p:tavLst>
-                                        <p:tav tm="0">
-                                          <p:val>
-                                            <p:strVal val="1+#ppt_h/2"/>
-                                          </p:val>
-                                        </p:tav>
-                                        <p:tav tm="100000">
-                                          <p:val>
-                                            <p:strVal val="#ppt_y"/>
-                                          </p:val>
-                                        </p:tav>
-                                      </p:tavLst>
-                                    </p:anim>
-                                  </p:childTnLst>
-                                </p:cTn>
-                              </p:par>
-                            </p:childTnLst>
-                          </p:cTn>
-                        </p:par>
-                      </p:childTnLst>
-                    </p:cTn>
-                  </p:par>
-                  <p:par>
-                    <p:cTn id="33" fill="hold">
-                      <p:stCondLst>
-                        <p:cond delay="indefinite"/>
-                      </p:stCondLst>
-                      <p:childTnLst>
-                        <p:par>
-                          <p:cTn id="34" fill="hold">
-                            <p:stCondLst>
-                              <p:cond delay="0"/>
-                            </p:stCondLst>
-                            <p:childTnLst>
-                              <p:par>
-                                <p:cTn id="35" presetID="2" presetClass="entr" presetSubtype="4" fill="hold" nodeType="clickEffect">
-                                  <p:stCondLst>
-                                    <p:cond delay="0"/>
-                                  </p:stCondLst>
-                                  <p:childTnLst>
-                                    <p:set>
-                                      <p:cBhvr>
-                                        <p:cTn id="36" dur="1" fill="hold">
-                                          <p:stCondLst>
-                                            <p:cond delay="0"/>
-                                          </p:stCondLst>
-                                        </p:cTn>
-                                        <p:tgtEl>
-                                          <p:spTgt spid="13"/>
-                                        </p:tgtEl>
-                                        <p:attrNameLst>
-                                          <p:attrName>style.visibility</p:attrName>
-                                        </p:attrNameLst>
-                                      </p:cBhvr>
-                                      <p:to>
-                                        <p:strVal val="visible"/>
-                                      </p:to>
-                                    </p:set>
-                                    <p:anim calcmode="lin" valueType="num">
-                                      <p:cBhvr additive="base">
-                                        <p:cTn id="37" dur="500" fill="hold"/>
-                                        <p:tgtEl>
-                                          <p:spTgt spid="13"/>
-                                        </p:tgtEl>
-                                        <p:attrNameLst>
-                                          <p:attrName>ppt_x</p:attrName>
-                                        </p:attrNameLst>
-                                      </p:cBhvr>
-                                      <p:tavLst>
-                                        <p:tav tm="0">
-                                          <p:val>
-                                            <p:strVal val="#ppt_x"/>
-                                          </p:val>
-                                        </p:tav>
-                                        <p:tav tm="100000">
-                                          <p:val>
-                                            <p:strVal val="#ppt_x"/>
-                                          </p:val>
-                                        </p:tav>
-                                      </p:tavLst>
-                                    </p:anim>
-                                    <p:anim calcmode="lin" valueType="num">
-                                      <p:cBhvr additive="base">
-                                        <p:cTn id="38" dur="500" fill="hold"/>
-                                        <p:tgtEl>
-                                          <p:spTgt spid="13"/>
-                                        </p:tgtEl>
-                                        <p:attrNameLst>
-                                          <p:attrName>ppt_y</p:attrName>
-                                        </p:attrNameLst>
-                                      </p:cBhvr>
-                                      <p:tavLst>
-                                        <p:tav tm="0">
-                                          <p:val>
-                                            <p:strVal val="1+#ppt_h/2"/>
-                                          </p:val>
-                                        </p:tav>
-                                        <p:tav tm="100000">
-                                          <p:val>
-                                            <p:strVal val="#ppt_y"/>
-                                          </p:val>
-                                        </p:tav>
-                                      </p:tavLst>
-                                    </p:anim>
-                                  </p:childTnLst>
-                                </p:cTn>
-                              </p:par>
-                            </p:childTnLst>
-                          </p:cTn>
-                        </p:par>
-                      </p:childTnLst>
-                    </p:cTn>
-                  </p:par>
-                  <p:par>
-                    <p:cTn id="39" fill="hold">
-                      <p:stCondLst>
-                        <p:cond delay="indefinite"/>
-                      </p:stCondLst>
-                      <p:childTnLst>
-                        <p:par>
-                          <p:cTn id="40" fill="hold">
-                            <p:stCondLst>
-                              <p:cond delay="0"/>
-                            </p:stCondLst>
-                            <p:childTnLst>
-                              <p:par>
-                                <p:cTn id="41" presetID="2" presetClass="entr" presetSubtype="4" fill="hold" nodeType="clickEffect">
-                                  <p:stCondLst>
-                                    <p:cond delay="0"/>
-                                  </p:stCondLst>
-                                  <p:childTnLst>
-                                    <p:set>
-                                      <p:cBhvr>
-                                        <p:cTn id="42" dur="1" fill="hold">
-                                          <p:stCondLst>
-                                            <p:cond delay="0"/>
-                                          </p:stCondLst>
-                                        </p:cTn>
-                                        <p:tgtEl>
-                                          <p:spTgt spid="17"/>
-                                        </p:tgtEl>
-                                        <p:attrNameLst>
-                                          <p:attrName>style.visibility</p:attrName>
-                                        </p:attrNameLst>
-                                      </p:cBhvr>
-                                      <p:to>
-                                        <p:strVal val="visible"/>
-                                      </p:to>
-                                    </p:set>
-                                    <p:anim calcmode="lin" valueType="num">
-                                      <p:cBhvr additive="base">
-                                        <p:cTn id="43" dur="500" fill="hold"/>
-                                        <p:tgtEl>
-                                          <p:spTgt spid="17"/>
-                                        </p:tgtEl>
-                                        <p:attrNameLst>
-                                          <p:attrName>ppt_x</p:attrName>
-                                        </p:attrNameLst>
-                                      </p:cBhvr>
-                                      <p:tavLst>
-                                        <p:tav tm="0">
-                                          <p:val>
-                                            <p:strVal val="#ppt_x"/>
-                                          </p:val>
-                                        </p:tav>
-                                        <p:tav tm="100000">
-                                          <p:val>
-                                            <p:strVal val="#ppt_x"/>
-                                          </p:val>
-                                        </p:tav>
-                                      </p:tavLst>
-                                    </p:anim>
-                                    <p:anim calcmode="lin" valueType="num">
-                                      <p:cBhvr additive="base">
-                                        <p:cTn id="44" dur="500" fill="hold"/>
-                                        <p:tgtEl>
-                                          <p:spTgt spid="17"/>
-                                        </p:tgtEl>
-                                        <p:attrNameLst>
-                                          <p:attrName>ppt_y</p:attrName>
-                                        </p:attrNameLst>
-                                      </p:cBhvr>
-                                      <p:tavLst>
-                                        <p:tav tm="0">
-                                          <p:val>
-                                            <p:strVal val="1+#ppt_h/2"/>
-                                          </p:val>
-                                        </p:tav>
-                                        <p:tav tm="100000">
-                                          <p:val>
-                                            <p:strVal val="#ppt_y"/>
-                                          </p:val>
-                                        </p:tav>
-                                      </p:tavLst>
-                                    </p:anim>
-                                  </p:childTnLst>
-                                </p:cTn>
-                              </p:par>
-                            </p:childTnLst>
-                          </p:cTn>
-                        </p:par>
-                      </p:childTnLst>
-                    </p:cTn>
-                  </p:par>
-                </p:childTnLst>
-              </p:cTn>
-              <p:prevCondLst>
-                <p:cond evt="onPrev" delay="0">
-                  <p:tgtEl>
-                    <p:sldTgt/>
-                  </p:tgtEl>
-                </p:cond>
-              </p:prevCondLst>
-              <p:nextCondLst>
-                <p:cond evt="onNext" delay="0">
-                  <p:tgtEl>
-                    <p:sldTgt/>
-                  </p:tgtEl>
-                </p:cond>
-              </p:nextCondLst>
-            </p:seq>
-          </p:childTnLst>
-        </p:cTn>
-      </p:par>
-    </p:tnLst>
-  </p:timing>
-</p:sld>
-</file>
-
-<file path=ppt/slides/slide9.xml><?xml version="1.0" encoding="utf-8"?>
-<p:sld xmlns:a="http://schemas.openxmlformats.org/drawingml/2006/main" xmlns:r="http://schemas.openxmlformats.org/officeDocument/2006/relationships" xmlns:p="http://schemas.openxmlformats.org/presentationml/2006/main">
-  <p:cSld>
-    <p:bg>
-      <p:bgPr>
-        <a:solidFill>
-          <a:schemeClr val="accent2"/>
-        </a:solidFill>
-        <a:effectLst/>
-      </p:bgPr>
-    </p:bg>
-    <p:spTree>
-      <p:nvGrpSpPr>
-        <p:cNvPr id="1" name=""/>
-        <p:cNvGrpSpPr/>
-        <p:nvPr/>
-      </p:nvGrpSpPr>
-      <p:grpSpPr>
-        <a:xfrm>
-          <a:off x="0" y="0"/>
-          <a:ext cx="0" cy="0"/>
-          <a:chOff x="0" y="0"/>
-          <a:chExt cx="0" cy="0"/>
-        </a:xfrm>
-      </p:grpSpPr>
-      <p:sp>
-        <p:nvSpPr>
-          <p:cNvPr id="26" name="Rectangle 25">
-            <a:extLst>
-              <a:ext uri="{FF2B5EF4-FFF2-40B4-BE49-F238E27FC236}">
-                <a16:creationId xmlns:a16="http://schemas.microsoft.com/office/drawing/2014/main" id="{CEA480D0-1CDA-450E-B62A-17E6A8D1968D}"/>
-              </a:ext>
-              <a:ext uri="{C183D7F6-B498-43B3-948B-1728B52AA6E4}">
-                <adec:decorative xmlns:adec="http://schemas.microsoft.com/office/drawing/2017/decorative" val="1"/>
-              </a:ext>
-            </a:extLst>
-          </p:cNvPr>
-          <p:cNvSpPr>
-            <a:spLocks noGrp="1" noRot="1" noChangeAspect="1" noMove="1" noResize="1" noEditPoints="1" noAdjustHandles="1" noChangeArrowheads="1" noChangeShapeType="1" noTextEdit="1"/>
-          </p:cNvSpPr>
-          <p:nvPr>
-            <p:extLst>
-              <p:ext uri="{386F3935-93C4-4BCD-93E2-E3B085C9AB24}">
-                <p16:designElem xmlns:p16="http://schemas.microsoft.com/office/powerpoint/2015/main" val="1"/>
-              </p:ext>
-            </p:extLst>
-          </p:nvPr>
-        </p:nvSpPr>
-        <p:spPr>
-          <a:xfrm>
-            <a:off x="0" y="-2"/>
-            <a:ext cx="12192000" cy="4918511"/>
-          </a:xfrm>
-          <a:prstGeom prst="rect">
-            <a:avLst/>
-          </a:prstGeom>
-          <a:solidFill>
-            <a:srgbClr val="FFFFFF"/>
-          </a:solidFill>
-          <a:ln>
-            <a:noFill/>
-          </a:ln>
-        </p:spPr>
-        <p:style>
-          <a:lnRef idx="2">
-            <a:schemeClr val="accent1">
-              <a:shade val="50000"/>
-            </a:schemeClr>
-          </a:lnRef>
-          <a:fillRef idx="1">
-            <a:schemeClr val="accent1"/>
-          </a:fillRef>
-          <a:effectRef idx="0">
-            <a:schemeClr val="accent1"/>
-          </a:effectRef>
-          <a:fontRef idx="minor">
-            <a:schemeClr val="lt1"/>
-          </a:fontRef>
-        </p:style>
-        <p:txBody>
-          <a:bodyPr rtlCol="0" anchor="ctr"/>
-          <a:lstStyle/>
-          <a:p>
-            <a:pPr algn="ctr"/>
-            <a:endParaRPr lang="en-US"/>
-          </a:p>
-        </p:txBody>
-      </p:sp>
-      <p:pic>
-        <p:nvPicPr>
-          <p:cNvPr id="11" name="Picture 10">
-            <a:extLst>
-              <a:ext uri="{FF2B5EF4-FFF2-40B4-BE49-F238E27FC236}">
-                <a16:creationId xmlns:a16="http://schemas.microsoft.com/office/drawing/2014/main" id="{7AC436D0-3891-F749-8EE9-F25506AE9913}"/>
-              </a:ext>
-            </a:extLst>
-          </p:cNvPr>
-          <p:cNvPicPr>
-            <a:picLocks noChangeAspect="1"/>
-          </p:cNvPicPr>
-          <p:nvPr/>
-        </p:nvPicPr>
-        <p:blipFill>
-          <a:blip r:embed="rId3"/>
-          <a:stretch>
-            <a:fillRect/>
-          </a:stretch>
-        </p:blipFill>
-        <p:spPr>
-          <a:xfrm>
-            <a:off x="200576" y="5220670"/>
-            <a:ext cx="1320423" cy="1320423"/>
-          </a:xfrm>
-          <a:prstGeom prst="rect">
-            <a:avLst/>
-          </a:prstGeom>
-        </p:spPr>
-      </p:pic>
-      <p:sp>
-        <p:nvSpPr>
-          <p:cNvPr id="14" name="Subtitle 7">
-            <a:extLst>
-              <a:ext uri="{FF2B5EF4-FFF2-40B4-BE49-F238E27FC236}">
-                <a16:creationId xmlns:a16="http://schemas.microsoft.com/office/drawing/2014/main" id="{220CAAF3-81B5-354F-978F-573A517F25FE}"/>
-              </a:ext>
-            </a:extLst>
-          </p:cNvPr>
-          <p:cNvSpPr txBox="1">
-            <a:spLocks/>
-          </p:cNvSpPr>
-          <p:nvPr/>
-        </p:nvSpPr>
-        <p:spPr>
-          <a:xfrm>
-            <a:off x="2557698" y="5295911"/>
-            <a:ext cx="7076603" cy="1245182"/>
-          </a:xfrm>
-          <a:prstGeom prst="rect">
-            <a:avLst/>
-          </a:prstGeom>
-          <a:noFill/>
-        </p:spPr>
-        <p:txBody>
-          <a:bodyPr vert="horz" lIns="91440" tIns="45720" rIns="91440" bIns="45720" rtlCol="0">
-            <a:normAutofit fontScale="85000" lnSpcReduction="10000"/>
-          </a:bodyPr>
-          <a:lstStyle>
-            <a:lvl1pPr marL="0" indent="0" algn="ctr" defTabSz="914400" rtl="0" eaLnBrk="1" latinLnBrk="0" hangingPunct="1">
-              <a:lnSpc>
-                <a:spcPct val="100000"/>
-              </a:lnSpc>
-              <a:spcBef>
-                <a:spcPts val="1000"/>
-              </a:spcBef>
-              <a:buClr>
-                <a:schemeClr val="accent2"/>
-              </a:buClr>
-              <a:buFont typeface="Arial" panose="020B0604020202020204" pitchFamily="34" charset="0"/>
-              <a:buNone/>
-              <a:defRPr sz="2000" kern="1200">
-                <a:solidFill>
-                  <a:schemeClr val="tx1">
-                    <a:lumMod val="75000"/>
-                    <a:lumOff val="25000"/>
-                  </a:schemeClr>
-                </a:solidFill>
-                <a:latin typeface="+mn-lt"/>
-                <a:ea typeface="+mn-ea"/>
-                <a:cs typeface="+mn-cs"/>
-              </a:defRPr>
-            </a:lvl1pPr>
-            <a:lvl2pPr marL="457200" indent="0" algn="ctr" defTabSz="914400" rtl="0" eaLnBrk="1" latinLnBrk="0" hangingPunct="1">
-              <a:lnSpc>
-                <a:spcPct val="100000"/>
-              </a:lnSpc>
-              <a:spcBef>
-                <a:spcPts val="1000"/>
-              </a:spcBef>
-              <a:buClr>
-                <a:schemeClr val="accent2"/>
-              </a:buClr>
-              <a:buFont typeface="Arial" panose="020B0604020202020204" pitchFamily="34" charset="0"/>
-              <a:buNone/>
-              <a:defRPr sz="2000" kern="1200">
-                <a:solidFill>
-                  <a:schemeClr val="tx1">
-                    <a:lumMod val="85000"/>
-                    <a:lumOff val="15000"/>
-                  </a:schemeClr>
-                </a:solidFill>
-                <a:latin typeface="+mn-lt"/>
-                <a:ea typeface="+mn-ea"/>
-                <a:cs typeface="+mn-cs"/>
-              </a:defRPr>
-            </a:lvl2pPr>
-            <a:lvl3pPr marL="914400" indent="0" algn="ctr" defTabSz="914400" rtl="0" eaLnBrk="1" latinLnBrk="0" hangingPunct="1">
-              <a:lnSpc>
-                <a:spcPct val="100000"/>
-              </a:lnSpc>
-              <a:spcBef>
-                <a:spcPts val="1000"/>
-              </a:spcBef>
-              <a:buClr>
-                <a:schemeClr val="accent2"/>
-              </a:buClr>
-              <a:buFont typeface="Arial" panose="020B0604020202020204" pitchFamily="34" charset="0"/>
-              <a:buNone/>
-              <a:defRPr sz="1800" kern="1200">
-                <a:solidFill>
-                  <a:schemeClr val="tx1">
-                    <a:lumMod val="85000"/>
-                    <a:lumOff val="15000"/>
-                  </a:schemeClr>
-                </a:solidFill>
-                <a:latin typeface="+mn-lt"/>
-                <a:ea typeface="+mn-ea"/>
-                <a:cs typeface="+mn-cs"/>
-              </a:defRPr>
-            </a:lvl3pPr>
-            <a:lvl4pPr marL="1371600" indent="0" algn="ctr" defTabSz="914400" rtl="0" eaLnBrk="1" latinLnBrk="0" hangingPunct="1">
-              <a:lnSpc>
-                <a:spcPct val="100000"/>
-              </a:lnSpc>
-              <a:spcBef>
-                <a:spcPts val="1000"/>
-              </a:spcBef>
-              <a:buClr>
-                <a:schemeClr val="accent2"/>
-              </a:buClr>
-              <a:buFont typeface="Arial" panose="020B0604020202020204" pitchFamily="34" charset="0"/>
-              <a:buNone/>
-              <a:defRPr sz="1600" kern="1200">
-                <a:solidFill>
-                  <a:schemeClr val="tx1">
-                    <a:lumMod val="85000"/>
-                    <a:lumOff val="15000"/>
-                  </a:schemeClr>
-                </a:solidFill>
-                <a:latin typeface="+mn-lt"/>
-                <a:ea typeface="+mn-ea"/>
-                <a:cs typeface="+mn-cs"/>
-              </a:defRPr>
-            </a:lvl4pPr>
-            <a:lvl5pPr marL="1828800" indent="0" algn="ctr" defTabSz="914400" rtl="0" eaLnBrk="1" latinLnBrk="0" hangingPunct="1">
-              <a:lnSpc>
-                <a:spcPct val="100000"/>
-              </a:lnSpc>
-              <a:spcBef>
-                <a:spcPts val="1000"/>
-              </a:spcBef>
-              <a:buClr>
-                <a:schemeClr val="accent2"/>
-              </a:buClr>
-              <a:buFont typeface="Arial" panose="020B0604020202020204" pitchFamily="34" charset="0"/>
-              <a:buNone/>
-              <a:defRPr sz="1600" kern="1200">
-                <a:solidFill>
-                  <a:schemeClr val="tx1">
-                    <a:lumMod val="85000"/>
-                    <a:lumOff val="15000"/>
-                  </a:schemeClr>
-                </a:solidFill>
-                <a:latin typeface="+mn-lt"/>
-                <a:ea typeface="+mn-ea"/>
-                <a:cs typeface="+mn-cs"/>
-              </a:defRPr>
-            </a:lvl5pPr>
-            <a:lvl6pPr marL="2286000" indent="0" algn="ctr" defTabSz="914400" rtl="0" eaLnBrk="1" latinLnBrk="0" hangingPunct="1">
-              <a:lnSpc>
-                <a:spcPct val="100000"/>
-              </a:lnSpc>
-              <a:spcBef>
-                <a:spcPts val="1000"/>
-              </a:spcBef>
-              <a:buClr>
-                <a:schemeClr val="accent2"/>
-              </a:buClr>
-              <a:buFont typeface="Arial" panose="020B0604020202020204" pitchFamily="34" charset="0"/>
-              <a:buNone/>
-              <a:defRPr sz="1600" kern="1200">
-                <a:solidFill>
-                  <a:schemeClr val="tx1"/>
-                </a:solidFill>
-                <a:latin typeface="+mn-lt"/>
-                <a:ea typeface="+mn-ea"/>
-                <a:cs typeface="+mn-cs"/>
-              </a:defRPr>
-            </a:lvl6pPr>
-            <a:lvl7pPr marL="2743200" indent="0" algn="ctr" defTabSz="914400" rtl="0" eaLnBrk="1" latinLnBrk="0" hangingPunct="1">
-              <a:lnSpc>
-                <a:spcPct val="100000"/>
-              </a:lnSpc>
-              <a:spcBef>
-                <a:spcPts val="1000"/>
-              </a:spcBef>
-              <a:buClr>
-                <a:schemeClr val="accent2"/>
-              </a:buClr>
-              <a:buFont typeface="Arial" panose="020B0604020202020204" pitchFamily="34" charset="0"/>
-              <a:buNone/>
-              <a:defRPr sz="1600" kern="1200">
-                <a:solidFill>
-                  <a:schemeClr val="tx1"/>
-                </a:solidFill>
-                <a:latin typeface="+mn-lt"/>
-                <a:ea typeface="+mn-ea"/>
-                <a:cs typeface="+mn-cs"/>
-              </a:defRPr>
-            </a:lvl7pPr>
-            <a:lvl8pPr marL="3200400" indent="0" algn="ctr" defTabSz="914400" rtl="0" eaLnBrk="1" latinLnBrk="0" hangingPunct="1">
-              <a:lnSpc>
-                <a:spcPct val="100000"/>
-              </a:lnSpc>
-              <a:spcBef>
-                <a:spcPts val="1000"/>
-              </a:spcBef>
-              <a:buClr>
-                <a:schemeClr val="accent2"/>
-              </a:buClr>
-              <a:buFont typeface="Arial" panose="020B0604020202020204" pitchFamily="34" charset="0"/>
-              <a:buNone/>
-              <a:defRPr sz="1600" kern="1200" baseline="0">
-                <a:solidFill>
-                  <a:schemeClr val="tx1"/>
-                </a:solidFill>
-                <a:latin typeface="+mn-lt"/>
-                <a:ea typeface="+mn-ea"/>
-                <a:cs typeface="+mn-cs"/>
-              </a:defRPr>
-            </a:lvl8pPr>
-            <a:lvl9pPr marL="3657600" indent="0" algn="ctr" defTabSz="914400" rtl="0" eaLnBrk="1" latinLnBrk="0" hangingPunct="1">
-              <a:lnSpc>
-                <a:spcPct val="100000"/>
-              </a:lnSpc>
-              <a:spcBef>
-                <a:spcPts val="1000"/>
-              </a:spcBef>
-              <a:buClr>
-                <a:schemeClr val="accent2"/>
-              </a:buClr>
-              <a:buFont typeface="Arial" panose="020B0604020202020204" pitchFamily="34" charset="0"/>
-              <a:buNone/>
-              <a:defRPr sz="1600" kern="1200" baseline="0">
-                <a:solidFill>
-                  <a:schemeClr val="tx1"/>
-                </a:solidFill>
-                <a:latin typeface="+mn-lt"/>
-                <a:ea typeface="+mn-ea"/>
-                <a:cs typeface="+mn-cs"/>
-              </a:defRPr>
-            </a:lvl9pPr>
-          </a:lstStyle>
-          <a:p>
-            <a:r>
-              <a:rPr lang="en-US" sz="5400" dirty="0"/>
-              <a:t>Results – Purpose of Loans</a:t>
-            </a:r>
-          </a:p>
-        </p:txBody>
-      </p:sp>
-      <p:pic>
-        <p:nvPicPr>
-          <p:cNvPr id="19" name="Picture 18">
-            <a:extLst>
-              <a:ext uri="{FF2B5EF4-FFF2-40B4-BE49-F238E27FC236}">
-                <a16:creationId xmlns:a16="http://schemas.microsoft.com/office/drawing/2014/main" id="{1F639730-9801-EC44-AF1B-DF67E7487BC1}"/>
-              </a:ext>
-            </a:extLst>
-          </p:cNvPr>
-          <p:cNvPicPr>
-            <a:picLocks noChangeAspect="1"/>
-          </p:cNvPicPr>
-          <p:nvPr/>
-        </p:nvPicPr>
-        <p:blipFill>
-          <a:blip r:embed="rId4"/>
-          <a:stretch>
-            <a:fillRect/>
-          </a:stretch>
-        </p:blipFill>
-        <p:spPr>
-          <a:xfrm>
-            <a:off x="5950790" y="142479"/>
-            <a:ext cx="6241210" cy="5228673"/>
-          </a:xfrm>
-          <a:prstGeom prst="rect">
-            <a:avLst/>
-          </a:prstGeom>
-          <a:ln w="38100">
-            <a:solidFill>
-              <a:schemeClr val="bg1"/>
-            </a:solidFill>
-          </a:ln>
-        </p:spPr>
-      </p:pic>
-      <p:pic>
-        <p:nvPicPr>
-          <p:cNvPr id="16" name="Picture 15">
-            <a:extLst>
-              <a:ext uri="{FF2B5EF4-FFF2-40B4-BE49-F238E27FC236}">
-                <a16:creationId xmlns:a16="http://schemas.microsoft.com/office/drawing/2014/main" id="{6FFCBB06-3E80-0B48-B3BC-18BB803999E7}"/>
-              </a:ext>
-            </a:extLst>
-          </p:cNvPr>
-          <p:cNvPicPr>
-            <a:picLocks noChangeAspect="1"/>
-          </p:cNvPicPr>
-          <p:nvPr/>
-        </p:nvPicPr>
-        <p:blipFill>
-          <a:blip r:embed="rId5"/>
-          <a:stretch>
-            <a:fillRect/>
-          </a:stretch>
-        </p:blipFill>
-        <p:spPr>
-          <a:xfrm>
-            <a:off x="-1" y="75239"/>
-            <a:ext cx="6241209" cy="5228672"/>
-          </a:xfrm>
-          <a:prstGeom prst="rect">
-            <a:avLst/>
-          </a:prstGeom>
-          <a:ln w="38100">
-            <a:solidFill>
-              <a:schemeClr val="bg1"/>
-            </a:solidFill>
-          </a:ln>
-        </p:spPr>
-      </p:pic>
-      <p:pic>
-        <p:nvPicPr>
-          <p:cNvPr id="22" name="Picture 21">
-            <a:extLst>
-              <a:ext uri="{FF2B5EF4-FFF2-40B4-BE49-F238E27FC236}">
-                <a16:creationId xmlns:a16="http://schemas.microsoft.com/office/drawing/2014/main" id="{E82E0FA5-EA21-6A41-9DF5-BF47CE1FB4DC}"/>
-              </a:ext>
-            </a:extLst>
-          </p:cNvPr>
-          <p:cNvPicPr>
-            <a:picLocks noChangeAspect="1"/>
-          </p:cNvPicPr>
-          <p:nvPr/>
-        </p:nvPicPr>
-        <p:blipFill>
-          <a:blip r:embed="rId6"/>
-          <a:stretch>
-            <a:fillRect/>
-          </a:stretch>
-        </p:blipFill>
-        <p:spPr>
-          <a:xfrm>
-            <a:off x="5207393" y="2573379"/>
-            <a:ext cx="4625329" cy="4209382"/>
-          </a:xfrm>
-          <a:prstGeom prst="rect">
-            <a:avLst/>
-          </a:prstGeom>
-          <a:ln w="38100">
-            <a:solidFill>
-              <a:schemeClr val="bg1"/>
-            </a:solidFill>
-          </a:ln>
-        </p:spPr>
-      </p:pic>
-    </p:spTree>
-    <p:extLst>
-      <p:ext uri="{BB962C8B-B14F-4D97-AF65-F5344CB8AC3E}">
-        <p14:creationId xmlns:p14="http://schemas.microsoft.com/office/powerpoint/2010/main" val="4057090941"/>
-      </p:ext>
-    </p:extLst>
-  </p:cSld>
-  <p:clrMapOvr>
-    <a:masterClrMapping/>
-  </p:clrMapOvr>
-  <p:timing>
-    <p:tnLst>
-      <p:par>
-        <p:cTn id="1" dur="indefinite" restart="never" nodeType="tmRoot">
-          <p:childTnLst>
-            <p:seq concurrent="1" nextAc="seek">
-              <p:cTn id="2" dur="indefinite" nodeType="mainSeq">
-                <p:childTnLst>
-                  <p:par>
-                    <p:cTn id="3" fill="hold">
-                      <p:stCondLst>
-                        <p:cond delay="indefinite"/>
-                      </p:stCondLst>
-                      <p:childTnLst>
-                        <p:par>
-                          <p:cTn id="4" fill="hold">
-                            <p:stCondLst>
-                              <p:cond delay="0"/>
-                            </p:stCondLst>
-                            <p:childTnLst>
-                              <p:par>
-                                <p:cTn id="5" presetID="2" presetClass="entr" presetSubtype="4" fill="hold" nodeType="clickEffect">
-                                  <p:stCondLst>
-                                    <p:cond delay="0"/>
-                                  </p:stCondLst>
-                                  <p:childTnLst>
-                                    <p:set>
-                                      <p:cBhvr>
-                                        <p:cTn id="6" dur="1" fill="hold">
-                                          <p:stCondLst>
-                                            <p:cond delay="0"/>
-                                          </p:stCondLst>
-                                        </p:cTn>
-                                        <p:tgtEl>
-                                          <p:spTgt spid="19"/>
-                                        </p:tgtEl>
-                                        <p:attrNameLst>
-                                          <p:attrName>style.visibility</p:attrName>
-                                        </p:attrNameLst>
-                                      </p:cBhvr>
-                                      <p:to>
-                                        <p:strVal val="visible"/>
-                                      </p:to>
-                                    </p:set>
-                                    <p:anim calcmode="lin" valueType="num">
-                                      <p:cBhvr additive="base">
-                                        <p:cTn id="7" dur="500" fill="hold"/>
-                                        <p:tgtEl>
-                                          <p:spTgt spid="19"/>
-                                        </p:tgtEl>
-                                        <p:attrNameLst>
-                                          <p:attrName>ppt_x</p:attrName>
-                                        </p:attrNameLst>
-                                      </p:cBhvr>
-                                      <p:tavLst>
-                                        <p:tav tm="0">
-                                          <p:val>
-                                            <p:strVal val="#ppt_x"/>
-                                          </p:val>
-                                        </p:tav>
-                                        <p:tav tm="100000">
-                                          <p:val>
-                                            <p:strVal val="#ppt_x"/>
-                                          </p:val>
-                                        </p:tav>
-                                      </p:tavLst>
-                                    </p:anim>
-                                    <p:anim calcmode="lin" valueType="num">
-                                      <p:cBhvr additive="base">
-                                        <p:cTn id="8" dur="500" fill="hold"/>
-                                        <p:tgtEl>
-                                          <p:spTgt spid="19"/>
-                                        </p:tgtEl>
-                                        <p:attrNameLst>
-                                          <p:attrName>ppt_y</p:attrName>
-                                        </p:attrNameLst>
-                                      </p:cBhvr>
-                                      <p:tavLst>
-                                        <p:tav tm="0">
-                                          <p:val>
-                                            <p:strVal val="1+#ppt_h/2"/>
-                                          </p:val>
-                                        </p:tav>
-                                        <p:tav tm="100000">
-                                          <p:val>
-                                            <p:strVal val="#ppt_y"/>
-                                          </p:val>
-                                        </p:tav>
-                                      </p:tavLst>
-                                    </p:anim>
-                                  </p:childTnLst>
-                                </p:cTn>
-                              </p:par>
-                            </p:childTnLst>
-                          </p:cTn>
-                        </p:par>
-                      </p:childTnLst>
-                    </p:cTn>
-                  </p:par>
-                  <p:par>
-                    <p:cTn id="9" fill="hold">
-                      <p:stCondLst>
-                        <p:cond delay="indefinite"/>
-                      </p:stCondLst>
-                      <p:childTnLst>
-                        <p:par>
-                          <p:cTn id="10" fill="hold">
-                            <p:stCondLst>
-                              <p:cond delay="0"/>
-                            </p:stCondLst>
-                            <p:childTnLst>
-                              <p:par>
-                                <p:cTn id="11" presetID="2" presetClass="entr" presetSubtype="4" fill="hold" nodeType="clickEffect">
-                                  <p:stCondLst>
-                                    <p:cond delay="0"/>
-                                  </p:stCondLst>
-                                  <p:childTnLst>
-                                    <p:set>
-                                      <p:cBhvr>
-                                        <p:cTn id="12" dur="1" fill="hold">
-                                          <p:stCondLst>
-                                            <p:cond delay="0"/>
-                                          </p:stCondLst>
-                                        </p:cTn>
-                                        <p:tgtEl>
-                                          <p:spTgt spid="16"/>
-                                        </p:tgtEl>
-                                        <p:attrNameLst>
-                                          <p:attrName>style.visibility</p:attrName>
-                                        </p:attrNameLst>
-                                      </p:cBhvr>
-                                      <p:to>
-                                        <p:strVal val="visible"/>
-                                      </p:to>
-                                    </p:set>
-                                    <p:anim calcmode="lin" valueType="num">
-                                      <p:cBhvr additive="base">
-                                        <p:cTn id="13" dur="500" fill="hold"/>
-                                        <p:tgtEl>
-                                          <p:spTgt spid="16"/>
-                                        </p:tgtEl>
-                                        <p:attrNameLst>
-                                          <p:attrName>ppt_x</p:attrName>
-                                        </p:attrNameLst>
-                                      </p:cBhvr>
-                                      <p:tavLst>
-                                        <p:tav tm="0">
-                                          <p:val>
-                                            <p:strVal val="#ppt_x"/>
-                                          </p:val>
-                                        </p:tav>
-                                        <p:tav tm="100000">
-                                          <p:val>
-                                            <p:strVal val="#ppt_x"/>
-                                          </p:val>
-                                        </p:tav>
-                                      </p:tavLst>
-                                    </p:anim>
-                                    <p:anim calcmode="lin" valueType="num">
-                                      <p:cBhvr additive="base">
-                                        <p:cTn id="14" dur="500" fill="hold"/>
-                                        <p:tgtEl>
-                                          <p:spTgt spid="16"/>
-                                        </p:tgtEl>
-                                        <p:attrNameLst>
-                                          <p:attrName>ppt_y</p:attrName>
-                                        </p:attrNameLst>
-                                      </p:cBhvr>
-                                      <p:tavLst>
-                                        <p:tav tm="0">
-                                          <p:val>
-                                            <p:strVal val="1+#ppt_h/2"/>
-                                          </p:val>
-                                        </p:tav>
-                                        <p:tav tm="100000">
-                                          <p:val>
-                                            <p:strVal val="#ppt_y"/>
-                                          </p:val>
-                                        </p:tav>
-                                      </p:tavLst>
-                                    </p:anim>
-                                  </p:childTnLst>
-                                </p:cTn>
-                              </p:par>
-                            </p:childTnLst>
-                          </p:cTn>
-                        </p:par>
-                      </p:childTnLst>
-                    </p:cTn>
-                  </p:par>
-                </p:childTnLst>
-              </p:cTn>
-              <p:prevCondLst>
-                <p:cond evt="onPrev" delay="0">
-                  <p:tgtEl>
-                    <p:sldTgt/>
-                  </p:tgtEl>
-                </p:cond>
-              </p:prevCondLst>
-              <p:nextCondLst>
-                <p:cond evt="onNext" delay="0">
-                  <p:tgtEl>
-                    <p:sldTgt/>
-                  </p:tgtEl>
-                </p:cond>
-              </p:nextCondLst>
-            </p:seq>
-          </p:childTnLst>
-        </p:cTn>
-      </p:par>
-    </p:tnLst>
-  </p:timing>
 </p:sld>
 </file>
 

--- a/documentation/loan_defaults_presentation.pptx
+++ b/documentation/loan_defaults_presentation.pptx
@@ -5,7 +5,7 @@
     <p:sldMasterId id="2147483756" r:id="rId1"/>
   </p:sldMasterIdLst>
   <p:notesMasterIdLst>
-    <p:notesMasterId r:id="rId17"/>
+    <p:notesMasterId r:id="rId16"/>
   </p:notesMasterIdLst>
   <p:sldIdLst>
     <p:sldId id="258" r:id="rId2"/>
@@ -19,10 +19,9 @@
     <p:sldId id="267" r:id="rId10"/>
     <p:sldId id="266" r:id="rId11"/>
     <p:sldId id="265" r:id="rId12"/>
-    <p:sldId id="272" r:id="rId13"/>
-    <p:sldId id="274" r:id="rId14"/>
-    <p:sldId id="273" r:id="rId15"/>
-    <p:sldId id="269" r:id="rId16"/>
+    <p:sldId id="274" r:id="rId13"/>
+    <p:sldId id="273" r:id="rId14"/>
+    <p:sldId id="269" r:id="rId15"/>
   </p:sldIdLst>
   <p:sldSz cx="12192000" cy="6858000"/>
   <p:notesSz cx="6858000" cy="9144000"/>
@@ -956,10 +955,7 @@
           <a:bodyPr/>
           <a:lstStyle/>
           <a:p>
-            <a:r>
-              <a:rPr lang="en-US" dirty="0"/>
-              <a:t>From this you can begin to identify business question from and for all you data spuds out there you may even be able to imagine what the analysis process  may even look like.</a:t>
-            </a:r>
+            <a:endParaRPr lang="en-US" dirty="0"/>
           </a:p>
         </p:txBody>
       </p:sp>
@@ -989,7 +985,7 @@
     </p:spTree>
     <p:extLst>
       <p:ext uri="{BB962C8B-B14F-4D97-AF65-F5344CB8AC3E}">
-        <p14:creationId xmlns:p14="http://schemas.microsoft.com/office/powerpoint/2010/main" val="3683921468"/>
+        <p14:creationId xmlns:p14="http://schemas.microsoft.com/office/powerpoint/2010/main" val="3441639350"/>
       </p:ext>
     </p:extLst>
   </p:cSld>
@@ -1043,7 +1039,43 @@
           <a:bodyPr/>
           <a:lstStyle/>
           <a:p>
-            <a:endParaRPr lang="en-US" dirty="0"/>
+            <a:pPr marL="0" marR="0" lvl="0" indent="0" algn="l" defTabSz="914400" rtl="0" eaLnBrk="1" fontAlgn="auto" latinLnBrk="0" hangingPunct="1">
+              <a:lnSpc>
+                <a:spcPct val="100000"/>
+              </a:lnSpc>
+              <a:spcBef>
+                <a:spcPts val="0"/>
+              </a:spcBef>
+              <a:spcAft>
+                <a:spcPts val="0"/>
+              </a:spcAft>
+              <a:buClrTx/>
+              <a:buSzTx/>
+              <a:buFontTx/>
+              <a:buNone/>
+              <a:tabLst/>
+              <a:defRPr/>
+            </a:pPr>
+            <a:r>
+              <a:rPr lang="en-US" dirty="0"/>
+              <a:t>Chose this brief because </a:t>
+            </a:r>
+            <a:r>
+              <a:rPr lang="en-US" dirty="0" err="1"/>
+              <a:t>i</a:t>
+            </a:r>
+            <a:r>
+              <a:rPr lang="en-US" dirty="0"/>
+              <a:t> am really fascinated by models and the predictive power they have, I </a:t>
+            </a:r>
+            <a:r>
+              <a:rPr lang="en-US" dirty="0" err="1"/>
+              <a:t>wasnt</a:t>
+            </a:r>
+            <a:r>
+              <a:rPr lang="en-US" dirty="0"/>
+              <a:t> fully confident with them after the lectures so wanted to challenge myself.</a:t>
+            </a:r>
           </a:p>
         </p:txBody>
       </p:sp>
@@ -1073,7 +1105,7 @@
     </p:spTree>
     <p:extLst>
       <p:ext uri="{BB962C8B-B14F-4D97-AF65-F5344CB8AC3E}">
-        <p14:creationId xmlns:p14="http://schemas.microsoft.com/office/powerpoint/2010/main" val="3441639350"/>
+        <p14:creationId xmlns:p14="http://schemas.microsoft.com/office/powerpoint/2010/main" val="2201179652"/>
       </p:ext>
     </p:extLst>
   </p:cSld>
@@ -1127,43 +1159,7 @@
           <a:bodyPr/>
           <a:lstStyle/>
           <a:p>
-            <a:pPr marL="0" marR="0" lvl="0" indent="0" algn="l" defTabSz="914400" rtl="0" eaLnBrk="1" fontAlgn="auto" latinLnBrk="0" hangingPunct="1">
-              <a:lnSpc>
-                <a:spcPct val="100000"/>
-              </a:lnSpc>
-              <a:spcBef>
-                <a:spcPts val="0"/>
-              </a:spcBef>
-              <a:spcAft>
-                <a:spcPts val="0"/>
-              </a:spcAft>
-              <a:buClrTx/>
-              <a:buSzTx/>
-              <a:buFontTx/>
-              <a:buNone/>
-              <a:tabLst/>
-              <a:defRPr/>
-            </a:pPr>
-            <a:r>
-              <a:rPr lang="en-US" dirty="0"/>
-              <a:t>Chose this brief because </a:t>
-            </a:r>
-            <a:r>
-              <a:rPr lang="en-US" dirty="0" err="1"/>
-              <a:t>i</a:t>
-            </a:r>
-            <a:r>
-              <a:rPr lang="en-US" dirty="0"/>
-              <a:t> am really fascinated by models and the predictive power they have, I </a:t>
-            </a:r>
-            <a:r>
-              <a:rPr lang="en-US" dirty="0" err="1"/>
-              <a:t>wasnt</a:t>
-            </a:r>
-            <a:r>
-              <a:rPr lang="en-US" dirty="0"/>
-              <a:t> fully confident with them after the lectures so wanted to challenge myself.</a:t>
-            </a:r>
+            <a:endParaRPr lang="en-US" dirty="0"/>
           </a:p>
         </p:txBody>
       </p:sp>
@@ -1185,90 +1181,6 @@
             <a:fld id="{360BD77D-F896-FD47-98B6-59426B3702AE}" type="slidenum">
               <a:rPr lang="en-US" smtClean="0"/>
               <a:t>14</a:t>
-            </a:fld>
-            <a:endParaRPr lang="en-US"/>
-          </a:p>
-        </p:txBody>
-      </p:sp>
-    </p:spTree>
-    <p:extLst>
-      <p:ext uri="{BB962C8B-B14F-4D97-AF65-F5344CB8AC3E}">
-        <p14:creationId xmlns:p14="http://schemas.microsoft.com/office/powerpoint/2010/main" val="2201179652"/>
-      </p:ext>
-    </p:extLst>
-  </p:cSld>
-  <p:clrMapOvr>
-    <a:masterClrMapping/>
-  </p:clrMapOvr>
-</p:notes>
-</file>
-
-<file path=ppt/notesSlides/notesSlide15.xml><?xml version="1.0" encoding="utf-8"?>
-<p:notes xmlns:a="http://schemas.openxmlformats.org/drawingml/2006/main" xmlns:r="http://schemas.openxmlformats.org/officeDocument/2006/relationships" xmlns:p="http://schemas.openxmlformats.org/presentationml/2006/main">
-  <p:cSld>
-    <p:spTree>
-      <p:nvGrpSpPr>
-        <p:cNvPr id="1" name=""/>
-        <p:cNvGrpSpPr/>
-        <p:nvPr/>
-      </p:nvGrpSpPr>
-      <p:grpSpPr>
-        <a:xfrm>
-          <a:off x="0" y="0"/>
-          <a:ext cx="0" cy="0"/>
-          <a:chOff x="0" y="0"/>
-          <a:chExt cx="0" cy="0"/>
-        </a:xfrm>
-      </p:grpSpPr>
-      <p:sp>
-        <p:nvSpPr>
-          <p:cNvPr id="2" name="Slide Image Placeholder 1"/>
-          <p:cNvSpPr>
-            <a:spLocks noGrp="1" noRot="1" noChangeAspect="1"/>
-          </p:cNvSpPr>
-          <p:nvPr>
-            <p:ph type="sldImg"/>
-          </p:nvPr>
-        </p:nvSpPr>
-        <p:spPr/>
-      </p:sp>
-      <p:sp>
-        <p:nvSpPr>
-          <p:cNvPr id="3" name="Notes Placeholder 2"/>
-          <p:cNvSpPr>
-            <a:spLocks noGrp="1"/>
-          </p:cNvSpPr>
-          <p:nvPr>
-            <p:ph type="body" idx="1"/>
-          </p:nvPr>
-        </p:nvSpPr>
-        <p:spPr/>
-        <p:txBody>
-          <a:bodyPr/>
-          <a:lstStyle/>
-          <a:p>
-            <a:endParaRPr lang="en-US" dirty="0"/>
-          </a:p>
-        </p:txBody>
-      </p:sp>
-      <p:sp>
-        <p:nvSpPr>
-          <p:cNvPr id="4" name="Slide Number Placeholder 3"/>
-          <p:cNvSpPr>
-            <a:spLocks noGrp="1"/>
-          </p:cNvSpPr>
-          <p:nvPr>
-            <p:ph type="sldNum" sz="quarter" idx="5"/>
-          </p:nvPr>
-        </p:nvSpPr>
-        <p:spPr/>
-        <p:txBody>
-          <a:bodyPr/>
-          <a:lstStyle/>
-          <a:p>
-            <a:fld id="{360BD77D-F896-FD47-98B6-59426B3702AE}" type="slidenum">
-              <a:rPr lang="en-US" smtClean="0"/>
-              <a:t>15</a:t>
             </a:fld>
             <a:endParaRPr lang="en-US"/>
           </a:p>
@@ -2357,6 +2269,290 @@
         <p:txBody>
           <a:bodyPr/>
           <a:lstStyle/>
+          <a:p>
+            <a:r>
+              <a:rPr lang="en-GB" dirty="0"/>
+              <a:t>FICO Score, </a:t>
+            </a:r>
+          </a:p>
+          <a:p>
+            <a:pPr marL="171450" indent="-171450">
+              <a:buFontTx/>
+              <a:buChar char="-"/>
+            </a:pPr>
+            <a:r>
+              <a:rPr lang="en-GB" dirty="0"/>
+              <a:t>Is a credit score created by the Fair Isaac Corporation</a:t>
+            </a:r>
+            <a:endParaRPr lang="en-GB" dirty="0">
+              <a:solidFill>
+                <a:schemeClr val="tx1"/>
+              </a:solidFill>
+            </a:endParaRPr>
+          </a:p>
+          <a:p>
+            <a:pPr marL="171450" indent="-171450">
+              <a:buFontTx/>
+              <a:buChar char="-"/>
+            </a:pPr>
+            <a:r>
+              <a:rPr lang="en-GB" dirty="0">
+                <a:solidFill>
+                  <a:schemeClr val="bg1"/>
+                </a:solidFill>
+              </a:rPr>
+              <a:t>Between 300 – 850 points,</a:t>
+            </a:r>
+            <a:endParaRPr lang="en-US" dirty="0">
+              <a:solidFill>
+                <a:schemeClr val="bg1"/>
+              </a:solidFill>
+            </a:endParaRPr>
+          </a:p>
+          <a:p>
+            <a:pPr marL="171450" indent="-171450">
+              <a:buFontTx/>
+              <a:buChar char="-"/>
+            </a:pPr>
+            <a:r>
+              <a:rPr lang="en-US" dirty="0">
+                <a:solidFill>
+                  <a:schemeClr val="bg1"/>
+                </a:solidFill>
+              </a:rPr>
+              <a:t>Scores of 670 -739 indicate “good credit history” for lenders</a:t>
+            </a:r>
+          </a:p>
+          <a:p>
+            <a:pPr marL="171450" indent="-171450">
+              <a:buFontTx/>
+              <a:buChar char="-"/>
+            </a:pPr>
+            <a:r>
+              <a:rPr lang="en-US" dirty="0">
+                <a:solidFill>
+                  <a:schemeClr val="bg1"/>
+                </a:solidFill>
+              </a:rPr>
+              <a:t>FICO </a:t>
+            </a:r>
+            <a:r>
+              <a:rPr lang="en-US" dirty="0" err="1">
+                <a:solidFill>
+                  <a:schemeClr val="bg1"/>
+                </a:solidFill>
+              </a:rPr>
+              <a:t>Scoer</a:t>
+            </a:r>
+            <a:r>
+              <a:rPr lang="en-US" dirty="0">
+                <a:solidFill>
+                  <a:schemeClr val="bg1"/>
+                </a:solidFill>
+              </a:rPr>
+              <a:t> in data set… so chose to have a lower tolerance for defaulting</a:t>
+            </a:r>
+          </a:p>
+          <a:p>
+            <a:pPr marL="171450" indent="-171450">
+              <a:buFontTx/>
+              <a:buChar char="-"/>
+            </a:pPr>
+            <a:r>
+              <a:rPr lang="en-US" dirty="0">
+                <a:solidFill>
+                  <a:schemeClr val="bg1"/>
+                </a:solidFill>
+              </a:rPr>
+              <a:t>CLICK - CLICK-</a:t>
+            </a:r>
+          </a:p>
+          <a:p>
+            <a:pPr marL="171450" indent="-171450">
+              <a:buFontTx/>
+              <a:buChar char="-"/>
+            </a:pPr>
+            <a:r>
+              <a:rPr lang="en-US" dirty="0">
+                <a:solidFill>
+                  <a:schemeClr val="bg1"/>
+                </a:solidFill>
+              </a:rPr>
+              <a:t>Line graph shows FICO Score of customers defaulting on loans, with volume of customers on the left, score on the bottom and a legend denoting orange has defaulted and blue not defaulted</a:t>
+            </a:r>
+          </a:p>
+          <a:p>
+            <a:pPr marL="171450" indent="-171450">
+              <a:buFontTx/>
+              <a:buChar char="-"/>
+            </a:pPr>
+            <a:endParaRPr lang="en-US" dirty="0">
+              <a:solidFill>
+                <a:schemeClr val="bg1"/>
+              </a:solidFill>
+            </a:endParaRPr>
+          </a:p>
+          <a:p>
+            <a:pPr marL="171450" indent="-171450">
+              <a:buFontTx/>
+              <a:buChar char="-"/>
+            </a:pPr>
+            <a:r>
+              <a:rPr lang="en-US" dirty="0">
+                <a:solidFill>
+                  <a:schemeClr val="bg1"/>
+                </a:solidFill>
+              </a:rPr>
+              <a:t>Describing both lines </a:t>
+            </a:r>
+            <a:r>
+              <a:rPr lang="en-US" dirty="0" err="1">
+                <a:solidFill>
+                  <a:schemeClr val="bg1"/>
+                </a:solidFill>
+              </a:rPr>
+              <a:t>propotionally</a:t>
+            </a:r>
+            <a:r>
+              <a:rPr lang="en-US" dirty="0">
+                <a:solidFill>
+                  <a:schemeClr val="bg1"/>
+                </a:solidFill>
+              </a:rPr>
+              <a:t> the Fico score starts here at 615, gradually increases to 660 where it dramatically increases. This appears to be </a:t>
+            </a:r>
+            <a:r>
+              <a:rPr lang="en-US" dirty="0" err="1">
+                <a:solidFill>
+                  <a:schemeClr val="bg1"/>
+                </a:solidFill>
+              </a:rPr>
+              <a:t>lendingclubs</a:t>
+            </a:r>
+            <a:r>
+              <a:rPr lang="en-US" dirty="0">
+                <a:solidFill>
+                  <a:schemeClr val="bg1"/>
+                </a:solidFill>
+              </a:rPr>
+              <a:t> lower tolerance for “good credit”... </a:t>
+            </a:r>
+          </a:p>
+          <a:p>
+            <a:pPr marL="171450" indent="-171450">
+              <a:buFontTx/>
+              <a:buChar char="-"/>
+            </a:pPr>
+            <a:endParaRPr lang="en-US" dirty="0">
+              <a:solidFill>
+                <a:schemeClr val="bg1"/>
+              </a:solidFill>
+            </a:endParaRPr>
+          </a:p>
+          <a:p>
+            <a:pPr marL="171450" indent="-171450">
+              <a:buFontTx/>
+              <a:buChar char="-"/>
+            </a:pPr>
+            <a:r>
+              <a:rPr lang="en-US" dirty="0">
+                <a:solidFill>
+                  <a:schemeClr val="bg1"/>
+                </a:solidFill>
+              </a:rPr>
+              <a:t>The trend then peaks and begins a dragged out decline on both lines.</a:t>
+            </a:r>
+          </a:p>
+          <a:p>
+            <a:pPr marL="171450" indent="-171450">
+              <a:buFontTx/>
+              <a:buChar char="-"/>
+            </a:pPr>
+            <a:r>
+              <a:rPr lang="en-US" dirty="0">
+                <a:solidFill>
+                  <a:schemeClr val="bg1"/>
+                </a:solidFill>
+              </a:rPr>
+              <a:t>SO? – CLICK - </a:t>
+            </a:r>
+          </a:p>
+          <a:p>
+            <a:pPr marL="171450" indent="-171450">
+              <a:buFontTx/>
+              <a:buChar char="-"/>
+            </a:pPr>
+            <a:endParaRPr lang="en-US" dirty="0">
+              <a:solidFill>
+                <a:schemeClr val="bg1"/>
+              </a:solidFill>
+            </a:endParaRPr>
+          </a:p>
+          <a:p>
+            <a:endParaRPr lang="en-US" dirty="0">
+              <a:solidFill>
+                <a:schemeClr val="bg1"/>
+              </a:solidFill>
+            </a:endParaRPr>
+          </a:p>
+          <a:p>
+            <a:endParaRPr lang="en-US" dirty="0">
+              <a:solidFill>
+                <a:schemeClr val="bg1"/>
+              </a:solidFill>
+            </a:endParaRPr>
+          </a:p>
+          <a:p>
+            <a:endParaRPr lang="en-US" dirty="0">
+              <a:solidFill>
+                <a:schemeClr val="bg1"/>
+              </a:solidFill>
+            </a:endParaRPr>
+          </a:p>
+          <a:p>
+            <a:endParaRPr lang="en-US" dirty="0">
+              <a:solidFill>
+                <a:schemeClr val="bg1"/>
+              </a:solidFill>
+            </a:endParaRPr>
+          </a:p>
+          <a:p>
+            <a:r>
+              <a:rPr lang="en-GB" dirty="0"/>
+              <a:t>https://</a:t>
+            </a:r>
+            <a:r>
+              <a:rPr lang="en-GB" dirty="0" err="1"/>
+              <a:t>www.investopedia.com</a:t>
+            </a:r>
+            <a:r>
+              <a:rPr lang="en-GB" dirty="0"/>
+              <a:t>/terms/f/</a:t>
+            </a:r>
+            <a:r>
+              <a:rPr lang="en-GB" dirty="0" err="1"/>
+              <a:t>ficoscore.asp</a:t>
+            </a:r>
+            <a:r>
+              <a:rPr lang="en-US" dirty="0"/>
+              <a:t>https://</a:t>
+            </a:r>
+          </a:p>
+          <a:p>
+            <a:r>
+              <a:rPr lang="en-US" dirty="0" err="1"/>
+              <a:t>www.investopedia.com</a:t>
+            </a:r>
+            <a:r>
+              <a:rPr lang="en-US" dirty="0"/>
+              <a:t>/terms/f/</a:t>
+            </a:r>
+            <a:r>
+              <a:rPr lang="en-US" dirty="0" err="1"/>
+              <a:t>ficoscore.asp</a:t>
+            </a:r>
+            <a:endParaRPr lang="en-US" dirty="0"/>
+          </a:p>
           <a:p>
             <a:endParaRPr lang="en-US" dirty="0"/>
           </a:p>
@@ -9090,172 +9286,6 @@
           </a:p>
         </p:txBody>
       </p:sp>
-      <p:pic>
-        <p:nvPicPr>
-          <p:cNvPr id="9" name="Picture 8">
-            <a:extLst>
-              <a:ext uri="{FF2B5EF4-FFF2-40B4-BE49-F238E27FC236}">
-                <a16:creationId xmlns:a16="http://schemas.microsoft.com/office/drawing/2014/main" id="{2F70ACD2-FDBE-5347-9332-8240C38251B8}"/>
-              </a:ext>
-            </a:extLst>
-          </p:cNvPr>
-          <p:cNvPicPr>
-            <a:picLocks noChangeAspect="1"/>
-          </p:cNvPicPr>
-          <p:nvPr/>
-        </p:nvPicPr>
-        <p:blipFill>
-          <a:blip r:embed="rId3"/>
-          <a:stretch>
-            <a:fillRect/>
-          </a:stretch>
-        </p:blipFill>
-        <p:spPr>
-          <a:xfrm>
-            <a:off x="200576" y="5220670"/>
-            <a:ext cx="1320423" cy="1320423"/>
-          </a:xfrm>
-          <a:prstGeom prst="rect">
-            <a:avLst/>
-          </a:prstGeom>
-        </p:spPr>
-      </p:pic>
-      <p:sp>
-        <p:nvSpPr>
-          <p:cNvPr id="13" name="Subtitle 7">
-            <a:extLst>
-              <a:ext uri="{FF2B5EF4-FFF2-40B4-BE49-F238E27FC236}">
-                <a16:creationId xmlns:a16="http://schemas.microsoft.com/office/drawing/2014/main" id="{8E958613-573A-FE41-9EB9-56648D51300B}"/>
-              </a:ext>
-            </a:extLst>
-          </p:cNvPr>
-          <p:cNvSpPr>
-            <a:spLocks noGrp="1"/>
-          </p:cNvSpPr>
-          <p:nvPr>
-            <p:ph type="subTitle" idx="1"/>
-          </p:nvPr>
-        </p:nvSpPr>
-        <p:spPr>
-          <a:xfrm>
-            <a:off x="2557698" y="5295911"/>
-            <a:ext cx="7076603" cy="1245182"/>
-          </a:xfrm>
-        </p:spPr>
-        <p:txBody>
-          <a:bodyPr vert="horz" lIns="91440" tIns="45720" rIns="91440" bIns="45720" rtlCol="0">
-            <a:normAutofit/>
-          </a:bodyPr>
-          <a:lstStyle/>
-          <a:p>
-            <a:r>
-              <a:rPr lang="en-US" sz="5400" dirty="0"/>
-              <a:t>Results – Geography</a:t>
-            </a:r>
-          </a:p>
-        </p:txBody>
-      </p:sp>
-    </p:spTree>
-    <p:extLst>
-      <p:ext uri="{BB962C8B-B14F-4D97-AF65-F5344CB8AC3E}">
-        <p14:creationId xmlns:p14="http://schemas.microsoft.com/office/powerpoint/2010/main" val="895492946"/>
-      </p:ext>
-    </p:extLst>
-  </p:cSld>
-  <p:clrMapOvr>
-    <a:masterClrMapping/>
-  </p:clrMapOvr>
-</p:sld>
-</file>
-
-<file path=ppt/slides/slide13.xml><?xml version="1.0" encoding="utf-8"?>
-<p:sld xmlns:a="http://schemas.openxmlformats.org/drawingml/2006/main" xmlns:r="http://schemas.openxmlformats.org/officeDocument/2006/relationships" xmlns:p="http://schemas.openxmlformats.org/presentationml/2006/main">
-  <p:cSld>
-    <p:bg>
-      <p:bgPr>
-        <a:solidFill>
-          <a:schemeClr val="accent2"/>
-        </a:solidFill>
-        <a:effectLst/>
-      </p:bgPr>
-    </p:bg>
-    <p:spTree>
-      <p:nvGrpSpPr>
-        <p:cNvPr id="1" name=""/>
-        <p:cNvGrpSpPr/>
-        <p:nvPr/>
-      </p:nvGrpSpPr>
-      <p:grpSpPr>
-        <a:xfrm>
-          <a:off x="0" y="0"/>
-          <a:ext cx="0" cy="0"/>
-          <a:chOff x="0" y="0"/>
-          <a:chExt cx="0" cy="0"/>
-        </a:xfrm>
-      </p:grpSpPr>
-      <p:sp>
-        <p:nvSpPr>
-          <p:cNvPr id="15" name="Rectangle 14">
-            <a:extLst>
-              <a:ext uri="{FF2B5EF4-FFF2-40B4-BE49-F238E27FC236}">
-                <a16:creationId xmlns:a16="http://schemas.microsoft.com/office/drawing/2014/main" id="{C3A694C2-50DA-401D-9E8A-3621EBF0C75C}"/>
-              </a:ext>
-              <a:ext uri="{C183D7F6-B498-43B3-948B-1728B52AA6E4}">
-                <adec:decorative xmlns:adec="http://schemas.microsoft.com/office/drawing/2017/decorative" val="1"/>
-              </a:ext>
-            </a:extLst>
-          </p:cNvPr>
-          <p:cNvSpPr>
-            <a:spLocks noGrp="1" noRot="1" noChangeAspect="1" noMove="1" noResize="1" noEditPoints="1" noAdjustHandles="1" noChangeArrowheads="1" noChangeShapeType="1" noTextEdit="1"/>
-          </p:cNvSpPr>
-          <p:nvPr>
-            <p:extLst>
-              <p:ext uri="{386F3935-93C4-4BCD-93E2-E3B085C9AB24}">
-                <p16:designElem xmlns:p16="http://schemas.microsoft.com/office/powerpoint/2015/main" val="1"/>
-              </p:ext>
-            </p:extLst>
-          </p:nvPr>
-        </p:nvSpPr>
-        <p:spPr>
-          <a:xfrm>
-            <a:off x="0" y="-2"/>
-            <a:ext cx="12192000" cy="4918511"/>
-          </a:xfrm>
-          <a:prstGeom prst="rect">
-            <a:avLst/>
-          </a:prstGeom>
-          <a:solidFill>
-            <a:srgbClr val="FFFFFF"/>
-          </a:solidFill>
-          <a:ln>
-            <a:noFill/>
-          </a:ln>
-        </p:spPr>
-        <p:style>
-          <a:lnRef idx="2">
-            <a:schemeClr val="accent1">
-              <a:shade val="50000"/>
-            </a:schemeClr>
-          </a:lnRef>
-          <a:fillRef idx="1">
-            <a:schemeClr val="accent1"/>
-          </a:fillRef>
-          <a:effectRef idx="0">
-            <a:schemeClr val="accent1"/>
-          </a:effectRef>
-          <a:fontRef idx="minor">
-            <a:schemeClr val="lt1"/>
-          </a:fontRef>
-        </p:style>
-        <p:txBody>
-          <a:bodyPr rtlCol="0" anchor="ctr"/>
-          <a:lstStyle/>
-          <a:p>
-            <a:pPr algn="ctr"/>
-            <a:endParaRPr lang="en-US"/>
-          </a:p>
-        </p:txBody>
-      </p:sp>
       <p:sp>
         <p:nvSpPr>
           <p:cNvPr id="4" name="Subtitle 3">
@@ -9974,7 +10004,7 @@
 </p:sld>
 </file>
 
-<file path=ppt/slides/slide14.xml><?xml version="1.0" encoding="utf-8"?>
+<file path=ppt/slides/slide13.xml><?xml version="1.0" encoding="utf-8"?>
 <p:sld xmlns:a="http://schemas.openxmlformats.org/drawingml/2006/main" xmlns:r="http://schemas.openxmlformats.org/officeDocument/2006/relationships" xmlns:p="http://schemas.openxmlformats.org/presentationml/2006/main">
   <p:cSld>
     <p:bg>
@@ -10310,7 +10340,7 @@
 </p:sld>
 </file>
 
-<file path=ppt/slides/slide15.xml><?xml version="1.0" encoding="utf-8"?>
+<file path=ppt/slides/slide14.xml><?xml version="1.0" encoding="utf-8"?>
 <p:sld xmlns:a="http://schemas.openxmlformats.org/drawingml/2006/main" xmlns:r="http://schemas.openxmlformats.org/officeDocument/2006/relationships" xmlns:p="http://schemas.openxmlformats.org/presentationml/2006/main">
   <p:cSld>
     <p:bg>
@@ -13097,7 +13127,7 @@
                   <a:schemeClr val="bg1"/>
                 </a:solidFill>
               </a:rPr>
-              <a:t>-  Income, Fico Range (credit score)</a:t>
+              <a:t>-  FICO Score (credit score)</a:t>
             </a:r>
           </a:p>
           <a:p>
@@ -13283,7 +13313,7 @@
         </p:blipFill>
         <p:spPr>
           <a:xfrm>
-            <a:off x="168475" y="334371"/>
+            <a:off x="168475" y="257939"/>
             <a:ext cx="11855049" cy="4462547"/>
           </a:xfrm>
           <a:prstGeom prst="rect">
@@ -16016,7 +16046,7 @@
         </p:nvSpPr>
         <p:spPr>
           <a:xfrm>
-            <a:off x="2638680" y="5201057"/>
+            <a:off x="2557698" y="5220670"/>
             <a:ext cx="7076603" cy="1245182"/>
           </a:xfrm>
         </p:spPr>
@@ -16034,11 +16064,426 @@
           <a:p>
             <a:r>
               <a:rPr lang="en-US" sz="5400" dirty="0"/>
-              <a:t>INCOME</a:t>
+              <a:t>FICO SCORE (credit score)</a:t>
             </a:r>
           </a:p>
         </p:txBody>
       </p:sp>
+      <p:sp>
+        <p:nvSpPr>
+          <p:cNvPr id="18" name="TextBox 17">
+            <a:extLst>
+              <a:ext uri="{FF2B5EF4-FFF2-40B4-BE49-F238E27FC236}">
+                <a16:creationId xmlns:a16="http://schemas.microsoft.com/office/drawing/2014/main" id="{9658841A-0378-B14F-8F3D-FF3D195DD77A}"/>
+              </a:ext>
+            </a:extLst>
+          </p:cNvPr>
+          <p:cNvSpPr txBox="1"/>
+          <p:nvPr/>
+        </p:nvSpPr>
+        <p:spPr>
+          <a:xfrm>
+            <a:off x="433953" y="278969"/>
+            <a:ext cx="5501699" cy="2585323"/>
+          </a:xfrm>
+          <a:prstGeom prst="rect">
+            <a:avLst/>
+          </a:prstGeom>
+          <a:noFill/>
+        </p:spPr>
+        <p:txBody>
+          <a:bodyPr wrap="none" rtlCol="0">
+            <a:spAutoFit/>
+          </a:bodyPr>
+          <a:lstStyle/>
+          <a:p>
+            <a:r>
+              <a:rPr lang="en-US" b="1" dirty="0">
+                <a:solidFill>
+                  <a:schemeClr val="bg1"/>
+                </a:solidFill>
+              </a:rPr>
+              <a:t>FICO Score</a:t>
+            </a:r>
+          </a:p>
+          <a:p>
+            <a:endParaRPr lang="en-US" b="1" dirty="0">
+              <a:solidFill>
+                <a:schemeClr val="bg1"/>
+              </a:solidFill>
+            </a:endParaRPr>
+          </a:p>
+          <a:p>
+            <a:r>
+              <a:rPr lang="en-US" b="1" dirty="0">
+                <a:solidFill>
+                  <a:schemeClr val="bg1"/>
+                </a:solidFill>
+              </a:rPr>
+              <a:t>• </a:t>
+            </a:r>
+            <a:r>
+              <a:rPr lang="en-GB" dirty="0">
+                <a:solidFill>
+                  <a:schemeClr val="bg1"/>
+                </a:solidFill>
+              </a:rPr>
+              <a:t>Fair Isaac Corporation (FICO)</a:t>
+            </a:r>
+            <a:endParaRPr lang="en-US" b="1" dirty="0">
+              <a:solidFill>
+                <a:schemeClr val="bg1"/>
+              </a:solidFill>
+            </a:endParaRPr>
+          </a:p>
+          <a:p>
+            <a:endParaRPr lang="en-US" dirty="0">
+              <a:solidFill>
+                <a:schemeClr val="bg1"/>
+              </a:solidFill>
+            </a:endParaRPr>
+          </a:p>
+          <a:p>
+            <a:r>
+              <a:rPr lang="en-US" dirty="0">
+                <a:solidFill>
+                  <a:schemeClr val="bg1"/>
+                </a:solidFill>
+              </a:rPr>
+              <a:t>• Between 300 – 850 points</a:t>
+            </a:r>
+          </a:p>
+          <a:p>
+            <a:endParaRPr lang="en-US" dirty="0">
+              <a:solidFill>
+                <a:schemeClr val="bg1"/>
+              </a:solidFill>
+            </a:endParaRPr>
+          </a:p>
+          <a:p>
+            <a:r>
+              <a:rPr lang="en-US" dirty="0">
+                <a:solidFill>
+                  <a:schemeClr val="bg1"/>
+                </a:solidFill>
+              </a:rPr>
+              <a:t>• Lenders want 670 -739 points </a:t>
+            </a:r>
+          </a:p>
+          <a:p>
+            <a:endParaRPr lang="en-US" dirty="0">
+              <a:solidFill>
+                <a:schemeClr val="bg1"/>
+              </a:solidFill>
+            </a:endParaRPr>
+          </a:p>
+          <a:p>
+            <a:r>
+              <a:rPr lang="en-US" dirty="0">
+                <a:solidFill>
+                  <a:schemeClr val="bg1"/>
+                </a:solidFill>
+              </a:rPr>
+              <a:t>• FICO Range Low &amp; High in data set, 4 points difference</a:t>
+            </a:r>
+          </a:p>
+        </p:txBody>
+      </p:sp>
+      <p:pic>
+        <p:nvPicPr>
+          <p:cNvPr id="24" name="Picture 23">
+            <a:extLst>
+              <a:ext uri="{FF2B5EF4-FFF2-40B4-BE49-F238E27FC236}">
+                <a16:creationId xmlns:a16="http://schemas.microsoft.com/office/drawing/2014/main" id="{2586E092-84AE-6549-88A3-BFA18FB0E221}"/>
+              </a:ext>
+            </a:extLst>
+          </p:cNvPr>
+          <p:cNvPicPr>
+            <a:picLocks noChangeAspect="1"/>
+          </p:cNvPicPr>
+          <p:nvPr/>
+        </p:nvPicPr>
+        <p:blipFill>
+          <a:blip r:embed="rId4"/>
+          <a:stretch>
+            <a:fillRect/>
+          </a:stretch>
+        </p:blipFill>
+        <p:spPr>
+          <a:xfrm>
+            <a:off x="2368550" y="52603"/>
+            <a:ext cx="7454900" cy="4813300"/>
+          </a:xfrm>
+          <a:prstGeom prst="rect">
+            <a:avLst/>
+          </a:prstGeom>
+          <a:ln w="38100">
+            <a:solidFill>
+              <a:schemeClr val="bg1"/>
+            </a:solidFill>
+          </a:ln>
+        </p:spPr>
+      </p:pic>
+      <p:sp>
+        <p:nvSpPr>
+          <p:cNvPr id="27" name="TextBox 26">
+            <a:extLst>
+              <a:ext uri="{FF2B5EF4-FFF2-40B4-BE49-F238E27FC236}">
+                <a16:creationId xmlns:a16="http://schemas.microsoft.com/office/drawing/2014/main" id="{445FBAC3-6781-1F4C-8F7F-47BB0B874572}"/>
+              </a:ext>
+            </a:extLst>
+          </p:cNvPr>
+          <p:cNvSpPr txBox="1"/>
+          <p:nvPr/>
+        </p:nvSpPr>
+        <p:spPr>
+          <a:xfrm>
+            <a:off x="8535756" y="705689"/>
+            <a:ext cx="2470926" cy="1323439"/>
+          </a:xfrm>
+          <a:prstGeom prst="rect">
+            <a:avLst/>
+          </a:prstGeom>
+          <a:solidFill>
+            <a:schemeClr val="tx1"/>
+          </a:solidFill>
+          <a:ln w="38100">
+            <a:solidFill>
+              <a:srgbClr val="0070C0"/>
+            </a:solidFill>
+          </a:ln>
+        </p:spPr>
+        <p:txBody>
+          <a:bodyPr wrap="square" rtlCol="0">
+            <a:spAutoFit/>
+          </a:bodyPr>
+          <a:lstStyle/>
+          <a:p>
+            <a:r>
+              <a:rPr lang="en-US" sz="4000" dirty="0">
+                <a:solidFill>
+                  <a:srgbClr val="0070C0"/>
+                </a:solidFill>
+              </a:rPr>
+              <a:t>Least likely to default</a:t>
+            </a:r>
+          </a:p>
+        </p:txBody>
+      </p:sp>
+      <p:sp>
+        <p:nvSpPr>
+          <p:cNvPr id="28" name="TextBox 27">
+            <a:extLst>
+              <a:ext uri="{FF2B5EF4-FFF2-40B4-BE49-F238E27FC236}">
+                <a16:creationId xmlns:a16="http://schemas.microsoft.com/office/drawing/2014/main" id="{C21D5F73-6E9B-F843-AB6A-4F4803D4A62B}"/>
+              </a:ext>
+            </a:extLst>
+          </p:cNvPr>
+          <p:cNvSpPr txBox="1"/>
+          <p:nvPr/>
+        </p:nvSpPr>
+        <p:spPr>
+          <a:xfrm>
+            <a:off x="8548584" y="2981768"/>
+            <a:ext cx="2497316" cy="1323439"/>
+          </a:xfrm>
+          <a:prstGeom prst="rect">
+            <a:avLst/>
+          </a:prstGeom>
+          <a:solidFill>
+            <a:schemeClr val="tx1"/>
+          </a:solidFill>
+          <a:ln w="38100">
+            <a:solidFill>
+              <a:srgbClr val="FF0000"/>
+            </a:solidFill>
+          </a:ln>
+        </p:spPr>
+        <p:txBody>
+          <a:bodyPr wrap="square" rtlCol="0">
+            <a:spAutoFit/>
+          </a:bodyPr>
+          <a:lstStyle/>
+          <a:p>
+            <a:r>
+              <a:rPr lang="en-US" sz="4000" dirty="0">
+                <a:solidFill>
+                  <a:srgbClr val="FF0000"/>
+                </a:solidFill>
+              </a:rPr>
+              <a:t>Most likely to default</a:t>
+            </a:r>
+          </a:p>
+        </p:txBody>
+      </p:sp>
+      <p:cxnSp>
+        <p:nvCxnSpPr>
+          <p:cNvPr id="33" name="Straight Connector 32">
+            <a:extLst>
+              <a:ext uri="{FF2B5EF4-FFF2-40B4-BE49-F238E27FC236}">
+                <a16:creationId xmlns:a16="http://schemas.microsoft.com/office/drawing/2014/main" id="{7FBE2B46-C866-AF48-AAB9-BBAA009E6226}"/>
+              </a:ext>
+            </a:extLst>
+          </p:cNvPr>
+          <p:cNvCxnSpPr/>
+          <p:nvPr/>
+        </p:nvCxnSpPr>
+        <p:spPr>
+          <a:xfrm>
+            <a:off x="4401519" y="3429000"/>
+            <a:ext cx="0" cy="1282485"/>
+          </a:xfrm>
+          <a:prstGeom prst="line">
+            <a:avLst/>
+          </a:prstGeom>
+          <a:ln w="28575">
+            <a:solidFill>
+              <a:srgbClr val="FF0000"/>
+            </a:solidFill>
+          </a:ln>
+        </p:spPr>
+        <p:style>
+          <a:lnRef idx="1">
+            <a:schemeClr val="accent1"/>
+          </a:lnRef>
+          <a:fillRef idx="0">
+            <a:schemeClr val="accent1"/>
+          </a:fillRef>
+          <a:effectRef idx="0">
+            <a:schemeClr val="accent1"/>
+          </a:effectRef>
+          <a:fontRef idx="minor">
+            <a:schemeClr val="tx1"/>
+          </a:fontRef>
+        </p:style>
+      </p:cxnSp>
+      <p:cxnSp>
+        <p:nvCxnSpPr>
+          <p:cNvPr id="34" name="Straight Connector 33">
+            <a:extLst>
+              <a:ext uri="{FF2B5EF4-FFF2-40B4-BE49-F238E27FC236}">
+                <a16:creationId xmlns:a16="http://schemas.microsoft.com/office/drawing/2014/main" id="{E75AC4D5-7921-A745-BCEF-9C470F3CEC8B}"/>
+              </a:ext>
+            </a:extLst>
+          </p:cNvPr>
+          <p:cNvCxnSpPr/>
+          <p:nvPr/>
+        </p:nvCxnSpPr>
+        <p:spPr>
+          <a:xfrm>
+            <a:off x="4553919" y="3428999"/>
+            <a:ext cx="0" cy="1282485"/>
+          </a:xfrm>
+          <a:prstGeom prst="line">
+            <a:avLst/>
+          </a:prstGeom>
+          <a:ln w="28575">
+            <a:solidFill>
+              <a:srgbClr val="FF0000"/>
+            </a:solidFill>
+          </a:ln>
+        </p:spPr>
+        <p:style>
+          <a:lnRef idx="1">
+            <a:schemeClr val="accent1"/>
+          </a:lnRef>
+          <a:fillRef idx="0">
+            <a:schemeClr val="accent1"/>
+          </a:fillRef>
+          <a:effectRef idx="0">
+            <a:schemeClr val="accent1"/>
+          </a:effectRef>
+          <a:fontRef idx="minor">
+            <a:schemeClr val="tx1"/>
+          </a:fontRef>
+        </p:style>
+      </p:cxnSp>
+      <p:cxnSp>
+        <p:nvCxnSpPr>
+          <p:cNvPr id="35" name="Straight Connector 34">
+            <a:extLst>
+              <a:ext uri="{FF2B5EF4-FFF2-40B4-BE49-F238E27FC236}">
+                <a16:creationId xmlns:a16="http://schemas.microsoft.com/office/drawing/2014/main" id="{B47A2559-D4A1-EF42-9831-6A57804829FB}"/>
+              </a:ext>
+            </a:extLst>
+          </p:cNvPr>
+          <p:cNvCxnSpPr>
+            <a:cxnSpLocks/>
+          </p:cNvCxnSpPr>
+          <p:nvPr/>
+        </p:nvCxnSpPr>
+        <p:spPr>
+          <a:xfrm>
+            <a:off x="5279756" y="480447"/>
+            <a:ext cx="0" cy="4231038"/>
+          </a:xfrm>
+          <a:prstGeom prst="line">
+            <a:avLst/>
+          </a:prstGeom>
+          <a:ln w="28575">
+            <a:solidFill>
+              <a:srgbClr val="0070C0"/>
+            </a:solidFill>
+          </a:ln>
+        </p:spPr>
+        <p:style>
+          <a:lnRef idx="1">
+            <a:schemeClr val="accent1"/>
+          </a:lnRef>
+          <a:fillRef idx="0">
+            <a:schemeClr val="accent1"/>
+          </a:fillRef>
+          <a:effectRef idx="0">
+            <a:schemeClr val="accent1"/>
+          </a:effectRef>
+          <a:fontRef idx="minor">
+            <a:schemeClr val="tx1"/>
+          </a:fontRef>
+        </p:style>
+      </p:cxnSp>
+      <p:cxnSp>
+        <p:nvCxnSpPr>
+          <p:cNvPr id="41" name="Straight Connector 40">
+            <a:extLst>
+              <a:ext uri="{FF2B5EF4-FFF2-40B4-BE49-F238E27FC236}">
+                <a16:creationId xmlns:a16="http://schemas.microsoft.com/office/drawing/2014/main" id="{752F7C36-3355-624B-A15D-C5EBBA969764}"/>
+              </a:ext>
+            </a:extLst>
+          </p:cNvPr>
+          <p:cNvCxnSpPr>
+            <a:cxnSpLocks/>
+          </p:cNvCxnSpPr>
+          <p:nvPr/>
+        </p:nvCxnSpPr>
+        <p:spPr>
+          <a:xfrm>
+            <a:off x="5525146" y="480447"/>
+            <a:ext cx="0" cy="4231038"/>
+          </a:xfrm>
+          <a:prstGeom prst="line">
+            <a:avLst/>
+          </a:prstGeom>
+          <a:ln w="28575">
+            <a:solidFill>
+              <a:srgbClr val="0070C0"/>
+            </a:solidFill>
+          </a:ln>
+        </p:spPr>
+        <p:style>
+          <a:lnRef idx="1">
+            <a:schemeClr val="accent1"/>
+          </a:lnRef>
+          <a:fillRef idx="0">
+            <a:schemeClr val="accent1"/>
+          </a:fillRef>
+          <a:effectRef idx="0">
+            <a:schemeClr val="accent1"/>
+          </a:effectRef>
+          <a:fontRef idx="minor">
+            <a:schemeClr val="tx1"/>
+          </a:fontRef>
+        </p:style>
+      </p:cxnSp>
     </p:spTree>
     <p:extLst>
       <p:ext uri="{BB962C8B-B14F-4D97-AF65-F5344CB8AC3E}">
@@ -16049,6 +16494,175 @@
   <p:clrMapOvr>
     <a:masterClrMapping/>
   </p:clrMapOvr>
+  <p:timing>
+    <p:tnLst>
+      <p:par>
+        <p:cTn id="1" dur="indefinite" restart="never" nodeType="tmRoot">
+          <p:childTnLst>
+            <p:seq concurrent="1" nextAc="seek">
+              <p:cTn id="2" dur="indefinite" nodeType="mainSeq">
+                <p:childTnLst>
+                  <p:par>
+                    <p:cTn id="3" fill="hold">
+                      <p:stCondLst>
+                        <p:cond delay="indefinite"/>
+                      </p:stCondLst>
+                      <p:childTnLst>
+                        <p:par>
+                          <p:cTn id="4" fill="hold">
+                            <p:stCondLst>
+                              <p:cond delay="0"/>
+                            </p:stCondLst>
+                            <p:childTnLst>
+                              <p:par>
+                                <p:cTn id="5" presetID="1" presetClass="exit" presetSubtype="0" fill="hold" grpId="0" nodeType="clickEffect">
+                                  <p:stCondLst>
+                                    <p:cond delay="0"/>
+                                  </p:stCondLst>
+                                  <p:childTnLst>
+                                    <p:set>
+                                      <p:cBhvr>
+                                        <p:cTn id="6" dur="1" fill="hold">
+                                          <p:stCondLst>
+                                            <p:cond delay="0"/>
+                                          </p:stCondLst>
+                                        </p:cTn>
+                                        <p:tgtEl>
+                                          <p:spTgt spid="18"/>
+                                        </p:tgtEl>
+                                        <p:attrNameLst>
+                                          <p:attrName>style.visibility</p:attrName>
+                                        </p:attrNameLst>
+                                      </p:cBhvr>
+                                      <p:to>
+                                        <p:strVal val="hidden"/>
+                                      </p:to>
+                                    </p:set>
+                                  </p:childTnLst>
+                                </p:cTn>
+                              </p:par>
+                            </p:childTnLst>
+                          </p:cTn>
+                        </p:par>
+                      </p:childTnLst>
+                    </p:cTn>
+                  </p:par>
+                  <p:par>
+                    <p:cTn id="7" fill="hold">
+                      <p:stCondLst>
+                        <p:cond delay="indefinite"/>
+                      </p:stCondLst>
+                      <p:childTnLst>
+                        <p:par>
+                          <p:cTn id="8" fill="hold">
+                            <p:stCondLst>
+                              <p:cond delay="0"/>
+                            </p:stCondLst>
+                            <p:childTnLst>
+                              <p:par>
+                                <p:cTn id="9" presetID="2" presetClass="entr" presetSubtype="4" fill="hold" nodeType="clickEffect">
+                                  <p:stCondLst>
+                                    <p:cond delay="0"/>
+                                  </p:stCondLst>
+                                  <p:childTnLst>
+                                    <p:set>
+                                      <p:cBhvr>
+                                        <p:cTn id="10" dur="1" fill="hold">
+                                          <p:stCondLst>
+                                            <p:cond delay="0"/>
+                                          </p:stCondLst>
+                                        </p:cTn>
+                                        <p:tgtEl>
+                                          <p:spTgt spid="24"/>
+                                        </p:tgtEl>
+                                        <p:attrNameLst>
+                                          <p:attrName>style.visibility</p:attrName>
+                                        </p:attrNameLst>
+                                      </p:cBhvr>
+                                      <p:to>
+                                        <p:strVal val="visible"/>
+                                      </p:to>
+                                    </p:set>
+                                    <p:anim calcmode="lin" valueType="num">
+                                      <p:cBhvr additive="base">
+                                        <p:cTn id="11" dur="500" fill="hold"/>
+                                        <p:tgtEl>
+                                          <p:spTgt spid="24"/>
+                                        </p:tgtEl>
+                                        <p:attrNameLst>
+                                          <p:attrName>ppt_x</p:attrName>
+                                        </p:attrNameLst>
+                                      </p:cBhvr>
+                                      <p:tavLst>
+                                        <p:tav tm="0">
+                                          <p:val>
+                                            <p:strVal val="#ppt_x"/>
+                                          </p:val>
+                                        </p:tav>
+                                        <p:tav tm="100000">
+                                          <p:val>
+                                            <p:strVal val="#ppt_x"/>
+                                          </p:val>
+                                        </p:tav>
+                                      </p:tavLst>
+                                    </p:anim>
+                                    <p:anim calcmode="lin" valueType="num">
+                                      <p:cBhvr additive="base">
+                                        <p:cTn id="12" dur="500" fill="hold"/>
+                                        <p:tgtEl>
+                                          <p:spTgt spid="24"/>
+                                        </p:tgtEl>
+                                        <p:attrNameLst>
+                                          <p:attrName>ppt_y</p:attrName>
+                                        </p:attrNameLst>
+                                      </p:cBhvr>
+                                      <p:tavLst>
+                                        <p:tav tm="0">
+                                          <p:val>
+                                            <p:strVal val="1+#ppt_h/2"/>
+                                          </p:val>
+                                        </p:tav>
+                                        <p:tav tm="100000">
+                                          <p:val>
+                                            <p:strVal val="#ppt_y"/>
+                                          </p:val>
+                                        </p:tav>
+                                      </p:tavLst>
+                                    </p:anim>
+                                  </p:childTnLst>
+                                </p:cTn>
+                              </p:par>
+                            </p:childTnLst>
+                          </p:cTn>
+                        </p:par>
+                      </p:childTnLst>
+                    </p:cTn>
+                  </p:par>
+                </p:childTnLst>
+              </p:cTn>
+              <p:prevCondLst>
+                <p:cond evt="onPrev" delay="0">
+                  <p:tgtEl>
+                    <p:sldTgt/>
+                  </p:tgtEl>
+                </p:cond>
+              </p:prevCondLst>
+              <p:nextCondLst>
+                <p:cond evt="onNext" delay="0">
+                  <p:tgtEl>
+                    <p:sldTgt/>
+                  </p:tgtEl>
+                </p:cond>
+              </p:nextCondLst>
+            </p:seq>
+          </p:childTnLst>
+        </p:cTn>
+      </p:par>
+    </p:tnLst>
+    <p:bldLst>
+      <p:bldP spid="18" grpId="0"/>
+    </p:bldLst>
+  </p:timing>
 </p:sld>
 </file>
 

--- a/documentation/loan_defaults_presentation.pptx
+++ b/documentation/loan_defaults_presentation.pptx
@@ -647,7 +647,7 @@
             </a:pPr>
             <a:r>
               <a:rPr lang="en-US" dirty="0"/>
-              <a:t>Reflected in the Volume of defaulted to non-defaulted loans plot, with purpose on the left and number of loans on the bottom, is a distribution that shows the top 6 purposes for a loan actually falling into the low to medium risk categories - this is great for LC as the Majority of their customers are using loans for reasons less likely to default.</a:t>
+              <a:t>Reflected in the Volume of defaulted to non-defaulted loans plot, with purpose on the left and number of loans on the bottom, is a distribution that shows - CLICK- the top 6 purposes for a loan actually falling into the low to medium risk categories - this is great for LC as the Majority of their customers are using loans for reasons less likely to default.</a:t>
             </a:r>
           </a:p>
           <a:p>
@@ -655,10 +655,7 @@
               <a:buFontTx/>
               <a:buChar char="-"/>
             </a:pPr>
-            <a:r>
-              <a:rPr lang="en-US" dirty="0"/>
-              <a:t>However, -CLICK-  as “other” is in the upper limit of medium risk I have chosen to omit “other” from the profile of a customer less likely to default. - CLICK-</a:t>
-            </a:r>
+            <a:endParaRPr lang="en-US" dirty="0"/>
           </a:p>
           <a:p>
             <a:pPr marL="171450" indent="-171450">
@@ -667,7 +664,7 @@
             </a:pPr>
             <a:r>
               <a:rPr lang="en-US" dirty="0"/>
-              <a:t>With debt consolidation being at the bottom end of medium risk and with the volume almost as much as the other 13 purposes combined, it would be detrimental for profits to exclude this from a positive customer profile.</a:t>
+              <a:t>However, -CLICK-  as “other” is in the upper limit of medium risk I have chosen to omit “other” from the profile of a customer less likely to default. - CLICK CLICK-</a:t>
             </a:r>
           </a:p>
           <a:p>
@@ -677,7 +674,7 @@
             </a:pPr>
             <a:r>
               <a:rPr lang="en-US" dirty="0"/>
-              <a:t>CLICK - SO, the least likely to default based on default ratios and risk categories, Least likely to default are.....</a:t>
+              <a:t>With debt consolidation being at the bottom end of medium risk and with the volume almost as much as all the other 13 purposes combined, it would be detrimental for profits to exclude this from a positive customer profile.</a:t>
             </a:r>
           </a:p>
           <a:p>
@@ -687,7 +684,34 @@
             </a:pPr>
             <a:r>
               <a:rPr lang="en-US" dirty="0"/>
+              <a:t>CLICK - SO, the least likely to default based on default ratios and risk categories, Least likely to default are.....</a:t>
+            </a:r>
+          </a:p>
+          <a:p>
+            <a:pPr marL="171450" indent="-171450">
+              <a:buFontTx/>
+              <a:buChar char="-"/>
+            </a:pPr>
+            <a:r>
+              <a:rPr lang="en-US" dirty="0"/>
               <a:t>CLICK most likely to default are....</a:t>
+            </a:r>
+          </a:p>
+          <a:p>
+            <a:pPr marL="171450" indent="-171450">
+              <a:buFontTx/>
+              <a:buChar char="-"/>
+            </a:pPr>
+            <a:endParaRPr lang="en-US" dirty="0"/>
+          </a:p>
+          <a:p>
+            <a:pPr marL="171450" indent="-171450">
+              <a:buFontTx/>
+              <a:buChar char="-"/>
+            </a:pPr>
+            <a:r>
+              <a:rPr lang="en-US" dirty="0"/>
+              <a:t>The final element looked at for profiling customers was...</a:t>
             </a:r>
           </a:p>
         </p:txBody>
@@ -834,7 +858,7 @@
           <a:p>
             <a:r>
               <a:rPr lang="en-US" dirty="0"/>
-              <a:t>- CLICK</a:t>
+              <a:t>- CLICK - CLICK - CLICK- CLICK</a:t>
             </a:r>
           </a:p>
           <a:p>
@@ -1368,21 +1392,6 @@
               <a:t>Covering topics...</a:t>
             </a:r>
           </a:p>
-          <a:p>
-            <a:endParaRPr lang="en-US" dirty="0"/>
-          </a:p>
-          <a:p>
-            <a:endParaRPr lang="en-US" dirty="0"/>
-          </a:p>
-          <a:p>
-            <a:endParaRPr lang="en-US" dirty="0"/>
-          </a:p>
-          <a:p>
-            <a:r>
-              <a:rPr lang="en-US" dirty="0"/>
-              <a:t>On a side note during presentation rehearsals to my gf she  mistakenly thought my presentation was about loans with Greggs the baker ... who knows you might even get a cinnamon bun with your loan</a:t>
-            </a:r>
-          </a:p>
         </p:txBody>
       </p:sp>
       <p:sp>
@@ -1650,7 +1659,7 @@
           <a:p>
             <a:r>
               <a:rPr lang="en-GB" b="1" dirty="0"/>
-              <a:t>As the great Prussian Field Marshal Helmuth von Moltke  </a:t>
+              <a:t>As a great Prussian Field Marshall once said…</a:t>
             </a:r>
           </a:p>
           <a:p>
@@ -1848,23 +1857,7 @@
           <a:p>
             <a:r>
               <a:rPr lang="en-US" dirty="0"/>
-              <a:t>Quality – A volume of missing values, after cleaning the data of them I almost </a:t>
-            </a:r>
-            <a:r>
-              <a:rPr lang="en-US" dirty="0" err="1"/>
-              <a:t>halfed</a:t>
-            </a:r>
-            <a:r>
-              <a:rPr lang="en-US" dirty="0"/>
-              <a:t> the </a:t>
-            </a:r>
-            <a:r>
-              <a:rPr lang="en-US" dirty="0" err="1"/>
-              <a:t>amout</a:t>
-            </a:r>
-            <a:r>
-              <a:rPr lang="en-US" dirty="0"/>
-              <a:t> of columns in the dataset</a:t>
+              <a:t>Quality – Varying data types, A volume of missing values, after cleaning the data of them I almost halved the amount of columns in the dataset</a:t>
             </a:r>
           </a:p>
           <a:p>
@@ -2282,19 +2275,8 @@
             </a:pPr>
             <a:r>
               <a:rPr lang="en-GB" dirty="0"/>
-              <a:t>Is a credit score created by the Fair Isaac Corporation</a:t>
-            </a:r>
-            <a:endParaRPr lang="en-GB" dirty="0">
-              <a:solidFill>
-                <a:schemeClr val="tx1"/>
-              </a:solidFill>
-            </a:endParaRPr>
-          </a:p>
-          <a:p>
-            <a:pPr marL="171450" indent="-171450">
-              <a:buFontTx/>
-              <a:buChar char="-"/>
-            </a:pPr>
+              <a:t>Is a credit score </a:t>
+            </a:r>
             <a:r>
               <a:rPr lang="en-GB" dirty="0">
                 <a:solidFill>
@@ -2334,51 +2316,7 @@
                   <a:schemeClr val="bg1"/>
                 </a:solidFill>
               </a:rPr>
-              <a:t>FICO </a:t>
-            </a:r>
-            <a:r>
-              <a:rPr lang="en-US" dirty="0" err="1">
-                <a:solidFill>
-                  <a:schemeClr val="bg1"/>
-                </a:solidFill>
-              </a:rPr>
-              <a:t>Scoer</a:t>
-            </a:r>
-            <a:r>
-              <a:rPr lang="en-US" dirty="0">
-                <a:solidFill>
-                  <a:schemeClr val="bg1"/>
-                </a:solidFill>
-              </a:rPr>
-              <a:t> in data set… so chose to have a lower tolerance for defaulting</a:t>
-            </a:r>
-          </a:p>
-          <a:p>
-            <a:pPr marL="171450" indent="-171450">
-              <a:buFontTx/>
-              <a:buChar char="-"/>
-            </a:pPr>
-            <a:r>
-              <a:rPr lang="en-US" dirty="0">
-                <a:solidFill>
-                  <a:schemeClr val="bg1"/>
-                </a:solidFill>
-              </a:rPr>
-              <a:t>CLICK - CLICK-</a:t>
-            </a:r>
-          </a:p>
-          <a:p>
-            <a:pPr marL="171450" indent="-171450">
-              <a:buFontTx/>
-              <a:buChar char="-"/>
-            </a:pPr>
-            <a:r>
-              <a:rPr lang="en-US" dirty="0">
-                <a:solidFill>
-                  <a:schemeClr val="bg1"/>
-                </a:solidFill>
-              </a:rPr>
-              <a:t>Line graph shows FICO Score of customers defaulting on loans, with volume of customers on the left, score on the bottom and a legend denoting orange has defaulted and blue not defaulted</a:t>
+              <a:t>FICO Score in data set… so chose to have a lower tolerance for defaulting, further protecting the business</a:t>
             </a:r>
           </a:p>
           <a:p>
@@ -2403,39 +2341,21 @@
                   <a:schemeClr val="bg1"/>
                 </a:solidFill>
               </a:rPr>
-              <a:t>Describing both lines </a:t>
-            </a:r>
-            <a:r>
-              <a:rPr lang="en-US" dirty="0" err="1">
-                <a:solidFill>
-                  <a:schemeClr val="bg1"/>
-                </a:solidFill>
-              </a:rPr>
-              <a:t>propotionally</a:t>
-            </a:r>
+              <a:t>CLICK - CLICK-</a:t>
+            </a:r>
+          </a:p>
+          <a:p>
+            <a:pPr marL="171450" indent="-171450">
+              <a:buFontTx/>
+              <a:buChar char="-"/>
+            </a:pPr>
             <a:r>
               <a:rPr lang="en-US" dirty="0">
                 <a:solidFill>
                   <a:schemeClr val="bg1"/>
                 </a:solidFill>
               </a:rPr>
-              <a:t> the Fico score starts here at 615, gradually increases to 660 where it dramatically increases. This appears to be </a:t>
-            </a:r>
-            <a:r>
-              <a:rPr lang="en-US" dirty="0" err="1">
-                <a:solidFill>
-                  <a:schemeClr val="bg1"/>
-                </a:solidFill>
-              </a:rPr>
-              <a:t>lendingclubs</a:t>
-            </a:r>
-            <a:r>
-              <a:rPr lang="en-US" dirty="0">
-                <a:solidFill>
-                  <a:schemeClr val="bg1"/>
-                </a:solidFill>
-              </a:rPr>
-              <a:t> lower tolerance for “good credit”... </a:t>
+              <a:t>Line graph shows FICO Score of customers defaulting on loans, with volume of customers on the left, score on the bottom red as defaulted and blue not defaulted</a:t>
             </a:r>
           </a:p>
           <a:p>
@@ -2460,21 +2380,39 @@
                   <a:schemeClr val="bg1"/>
                 </a:solidFill>
               </a:rPr>
-              <a:t>The trend then peaks and begins a dragged out decline on both lines.</a:t>
-            </a:r>
-          </a:p>
-          <a:p>
-            <a:pPr marL="171450" indent="-171450">
-              <a:buFontTx/>
-              <a:buChar char="-"/>
-            </a:pPr>
+              <a:t>Describing both lines </a:t>
+            </a:r>
+            <a:r>
+              <a:rPr lang="en-US" dirty="0" err="1">
+                <a:solidFill>
+                  <a:schemeClr val="bg1"/>
+                </a:solidFill>
+              </a:rPr>
+              <a:t>propotionally</a:t>
+            </a:r>
             <a:r>
               <a:rPr lang="en-US" dirty="0">
                 <a:solidFill>
                   <a:schemeClr val="bg1"/>
                 </a:solidFill>
               </a:rPr>
-              <a:t>SO? – CLICK - </a:t>
+              <a:t> the Fico score starts here at 615, gradually increases to 655 where it dramatically increases. This appears to be </a:t>
+            </a:r>
+            <a:r>
+              <a:rPr lang="en-US" dirty="0" err="1">
+                <a:solidFill>
+                  <a:schemeClr val="bg1"/>
+                </a:solidFill>
+              </a:rPr>
+              <a:t>lendingclubs</a:t>
+            </a:r>
+            <a:r>
+              <a:rPr lang="en-US" dirty="0">
+                <a:solidFill>
+                  <a:schemeClr val="bg1"/>
+                </a:solidFill>
+              </a:rPr>
+              <a:t> lower tolerance for “good credit” as volume of customers increased almost ten times. </a:t>
             </a:r>
           </a:p>
           <a:p>
@@ -2489,11 +2427,87 @@
             </a:endParaRPr>
           </a:p>
           <a:p>
+            <a:pPr marL="171450" indent="-171450">
+              <a:buFontTx/>
+              <a:buChar char="-"/>
+            </a:pPr>
+            <a:r>
+              <a:rPr lang="en-US" dirty="0">
+                <a:solidFill>
+                  <a:schemeClr val="bg1"/>
+                </a:solidFill>
+              </a:rPr>
+              <a:t>The trend then peaks and begins to drag out in  decline on both lines towards the higher fico scores</a:t>
+            </a:r>
+          </a:p>
+          <a:p>
+            <a:pPr marL="171450" indent="-171450">
+              <a:buFontTx/>
+              <a:buChar char="-"/>
+            </a:pPr>
+            <a:r>
+              <a:rPr lang="en-US" dirty="0">
+                <a:solidFill>
+                  <a:schemeClr val="bg1"/>
+                </a:solidFill>
+              </a:rPr>
+              <a:t>SO? </a:t>
+            </a:r>
+          </a:p>
+          <a:p>
+            <a:pPr marL="171450" indent="-171450">
+              <a:buFontTx/>
+              <a:buChar char="-"/>
+            </a:pPr>
+            <a:r>
+              <a:rPr lang="en-US" dirty="0">
+                <a:solidFill>
+                  <a:schemeClr val="bg1"/>
+                </a:solidFill>
+              </a:rPr>
+              <a:t>SO ... with the weight of customers being after score 655, the data shows that the peak in defaults are between 665 and 680, and the peak of customers least likely to default being 685 onwards, as higher scores by default represent a better credit history </a:t>
+            </a:r>
+          </a:p>
+          <a:p>
+            <a:pPr marL="171450" indent="-171450">
+              <a:buFontTx/>
+              <a:buChar char="-"/>
+            </a:pPr>
             <a:endParaRPr lang="en-US" dirty="0">
               <a:solidFill>
                 <a:schemeClr val="bg1"/>
               </a:solidFill>
             </a:endParaRPr>
+          </a:p>
+          <a:p>
+            <a:pPr marL="171450" indent="-171450">
+              <a:buFontTx/>
+              <a:buChar char="-"/>
+            </a:pPr>
+            <a:r>
+              <a:rPr lang="en-US" dirty="0">
+                <a:solidFill>
+                  <a:schemeClr val="bg1"/>
+                </a:solidFill>
+              </a:rPr>
+              <a:t>To continue building a customer profile, </a:t>
+            </a:r>
+            <a:r>
+              <a:rPr lang="en-US" dirty="0" err="1">
+                <a:solidFill>
+                  <a:schemeClr val="bg1"/>
+                </a:solidFill>
+              </a:rPr>
+              <a:t>i</a:t>
+            </a:r>
+            <a:r>
+              <a:rPr lang="en-US" dirty="0">
+                <a:solidFill>
+                  <a:schemeClr val="bg1"/>
+                </a:solidFill>
+              </a:rPr>
+              <a:t> then looked at..... CLICK</a:t>
+            </a:r>
           </a:p>
           <a:p>
             <a:endParaRPr lang="en-US" dirty="0">
@@ -7338,10 +7352,10 @@
       </p:grpSp>
       <p:sp>
         <p:nvSpPr>
-          <p:cNvPr id="69" name="Right Arrow 68">
+          <p:cNvPr id="71" name="Rectangle 70">
             <a:extLst>
               <a:ext uri="{FF2B5EF4-FFF2-40B4-BE49-F238E27FC236}">
-                <a16:creationId xmlns:a16="http://schemas.microsoft.com/office/drawing/2014/main" id="{4FD571BD-5B20-1C49-806F-92DE5D62298B}"/>
+                <a16:creationId xmlns:a16="http://schemas.microsoft.com/office/drawing/2014/main" id="{ABBE14F4-416A-C943-AD57-26A4E4B2BD81}"/>
               </a:ext>
             </a:extLst>
           </p:cNvPr>
@@ -7349,19 +7363,19 @@
           <p:nvPr/>
         </p:nvSpPr>
         <p:spPr>
-          <a:xfrm rot="10800000">
-            <a:off x="1589320" y="1347001"/>
-            <a:ext cx="1501725" cy="604788"/>
+          <a:xfrm>
+            <a:off x="6350048" y="472385"/>
+            <a:ext cx="1000987" cy="1650380"/>
           </a:xfrm>
-          <a:prstGeom prst="rightArrow">
-            <a:avLst>
-              <a:gd name="adj1" fmla="val 42779"/>
-              <a:gd name="adj2" fmla="val 50000"/>
-            </a:avLst>
+          <a:prstGeom prst="rect">
+            <a:avLst/>
           </a:prstGeom>
-          <a:solidFill>
-            <a:srgbClr val="FFFF00"/>
-          </a:solidFill>
+          <a:noFill/>
+          <a:ln w="57150">
+            <a:solidFill>
+              <a:srgbClr val="FFFF00"/>
+            </a:solidFill>
+          </a:ln>
         </p:spPr>
         <p:style>
           <a:lnRef idx="2">
@@ -7384,10 +7398,139 @@
           <a:lstStyle/>
           <a:p>
             <a:pPr algn="ctr"/>
-            <a:endParaRPr lang="en-US"/>
+            <a:endParaRPr lang="en-US">
+              <a:solidFill>
+                <a:srgbClr val="FFFF00"/>
+              </a:solidFill>
+            </a:endParaRPr>
           </a:p>
         </p:txBody>
       </p:sp>
+      <p:grpSp>
+        <p:nvGrpSpPr>
+          <p:cNvPr id="73" name="Group 72">
+            <a:extLst>
+              <a:ext uri="{FF2B5EF4-FFF2-40B4-BE49-F238E27FC236}">
+                <a16:creationId xmlns:a16="http://schemas.microsoft.com/office/drawing/2014/main" id="{BB906764-C1BC-964E-BEFA-0B39C4CA949E}"/>
+              </a:ext>
+            </a:extLst>
+          </p:cNvPr>
+          <p:cNvGrpSpPr/>
+          <p:nvPr/>
+        </p:nvGrpSpPr>
+        <p:grpSpPr>
+          <a:xfrm>
+            <a:off x="1589320" y="978055"/>
+            <a:ext cx="7868879" cy="973734"/>
+            <a:chOff x="1589320" y="978055"/>
+            <a:chExt cx="7868879" cy="973734"/>
+          </a:xfrm>
+        </p:grpSpPr>
+        <p:sp>
+          <p:nvSpPr>
+            <p:cNvPr id="69" name="Right Arrow 68">
+              <a:extLst>
+                <a:ext uri="{FF2B5EF4-FFF2-40B4-BE49-F238E27FC236}">
+                  <a16:creationId xmlns:a16="http://schemas.microsoft.com/office/drawing/2014/main" id="{4FD571BD-5B20-1C49-806F-92DE5D62298B}"/>
+                </a:ext>
+              </a:extLst>
+            </p:cNvPr>
+            <p:cNvSpPr/>
+            <p:nvPr/>
+          </p:nvSpPr>
+          <p:spPr>
+            <a:xfrm rot="10800000">
+              <a:off x="1589320" y="1347001"/>
+              <a:ext cx="1501725" cy="604788"/>
+            </a:xfrm>
+            <a:prstGeom prst="rightArrow">
+              <a:avLst>
+                <a:gd name="adj1" fmla="val 42779"/>
+                <a:gd name="adj2" fmla="val 50000"/>
+              </a:avLst>
+            </a:prstGeom>
+            <a:solidFill>
+              <a:srgbClr val="FFFF00"/>
+            </a:solidFill>
+          </p:spPr>
+          <p:style>
+            <a:lnRef idx="2">
+              <a:schemeClr val="accent1">
+                <a:shade val="50000"/>
+              </a:schemeClr>
+            </a:lnRef>
+            <a:fillRef idx="1">
+              <a:schemeClr val="accent1"/>
+            </a:fillRef>
+            <a:effectRef idx="0">
+              <a:schemeClr val="accent1"/>
+            </a:effectRef>
+            <a:fontRef idx="minor">
+              <a:schemeClr val="lt1"/>
+            </a:fontRef>
+          </p:style>
+          <p:txBody>
+            <a:bodyPr rtlCol="0" anchor="ctr"/>
+            <a:lstStyle/>
+            <a:p>
+              <a:pPr algn="ctr"/>
+              <a:endParaRPr lang="en-US"/>
+            </a:p>
+          </p:txBody>
+        </p:sp>
+        <p:sp>
+          <p:nvSpPr>
+            <p:cNvPr id="72" name="Right Arrow 71">
+              <a:extLst>
+                <a:ext uri="{FF2B5EF4-FFF2-40B4-BE49-F238E27FC236}">
+                  <a16:creationId xmlns:a16="http://schemas.microsoft.com/office/drawing/2014/main" id="{B32C8D42-4402-6E4C-84C5-B33D5E2CC1E1}"/>
+                </a:ext>
+              </a:extLst>
+            </p:cNvPr>
+            <p:cNvSpPr/>
+            <p:nvPr/>
+          </p:nvSpPr>
+          <p:spPr>
+            <a:xfrm rot="10800000">
+              <a:off x="7956474" y="978055"/>
+              <a:ext cx="1501725" cy="604788"/>
+            </a:xfrm>
+            <a:prstGeom prst="rightArrow">
+              <a:avLst>
+                <a:gd name="adj1" fmla="val 42779"/>
+                <a:gd name="adj2" fmla="val 50000"/>
+              </a:avLst>
+            </a:prstGeom>
+            <a:solidFill>
+              <a:srgbClr val="FFFF00"/>
+            </a:solidFill>
+          </p:spPr>
+          <p:style>
+            <a:lnRef idx="2">
+              <a:schemeClr val="accent1">
+                <a:shade val="50000"/>
+              </a:schemeClr>
+            </a:lnRef>
+            <a:fillRef idx="1">
+              <a:schemeClr val="accent1"/>
+            </a:fillRef>
+            <a:effectRef idx="0">
+              <a:schemeClr val="accent1"/>
+            </a:effectRef>
+            <a:fontRef idx="minor">
+              <a:schemeClr val="lt1"/>
+            </a:fontRef>
+          </p:style>
+          <p:txBody>
+            <a:bodyPr rtlCol="0" anchor="ctr"/>
+            <a:lstStyle/>
+            <a:p>
+              <a:pPr algn="ctr"/>
+              <a:endParaRPr lang="en-US"/>
+            </a:p>
+          </p:txBody>
+        </p:sp>
+      </p:grpSp>
     </p:spTree>
     <p:extLst>
       <p:ext uri="{BB962C8B-B14F-4D97-AF65-F5344CB8AC3E}">
@@ -7736,7 +7879,7 @@
                             </p:stCondLst>
                             <p:childTnLst>
                               <p:par>
-                                <p:cTn id="29" presetID="2" presetClass="entr" presetSubtype="2" fill="hold" grpId="0" nodeType="clickEffect">
+                                <p:cTn id="29" presetID="1" presetClass="entr" presetSubtype="0" fill="hold" grpId="0" nodeType="clickEffect">
                                   <p:stCondLst>
                                     <p:cond delay="0"/>
                                   </p:stCondLst>
@@ -7749,7 +7892,52 @@
                                           </p:stCondLst>
                                         </p:cTn>
                                         <p:tgtEl>
-                                          <p:spTgt spid="69"/>
+                                          <p:spTgt spid="71"/>
+                                        </p:tgtEl>
+                                        <p:attrNameLst>
+                                          <p:attrName>style.visibility</p:attrName>
+                                        </p:attrNameLst>
+                                      </p:cBhvr>
+                                      <p:to>
+                                        <p:strVal val="visible"/>
+                                      </p:to>
+                                    </p:set>
+                                  </p:childTnLst>
+                                </p:cTn>
+                              </p:par>
+                            </p:childTnLst>
+                          </p:cTn>
+                        </p:par>
+                      </p:childTnLst>
+                    </p:cTn>
+                  </p:par>
+                  <p:par>
+                    <p:cTn id="31" fill="hold">
+                      <p:stCondLst>
+                        <p:cond delay="indefinite"/>
+                      </p:stCondLst>
+                      <p:childTnLst>
+                        <p:par>
+                          <p:cTn id="32" fill="hold">
+                            <p:stCondLst>
+                              <p:cond delay="0"/>
+                            </p:stCondLst>
+                            <p:childTnLst>
+                              <p:par>
+                                <p:cTn id="33" presetID="2" presetClass="entr" presetSubtype="2" fill="hold" nodeType="clickEffect">
+                                  <p:stCondLst>
+                                    <p:cond delay="0"/>
+                                  </p:stCondLst>
+                                  <p:childTnLst>
+                                    <p:set>
+                                      <p:cBhvr>
+                                        <p:cTn id="34" dur="1" fill="hold">
+                                          <p:stCondLst>
+                                            <p:cond delay="0"/>
+                                          </p:stCondLst>
+                                        </p:cTn>
+                                        <p:tgtEl>
+                                          <p:spTgt spid="73"/>
                                         </p:tgtEl>
                                         <p:attrNameLst>
                                           <p:attrName>style.visibility</p:attrName>
@@ -7761,9 +7949,9 @@
                                     </p:set>
                                     <p:anim calcmode="lin" valueType="num">
                                       <p:cBhvr additive="base">
-                                        <p:cTn id="31" dur="500" fill="hold"/>
+                                        <p:cTn id="35" dur="500" fill="hold"/>
                                         <p:tgtEl>
-                                          <p:spTgt spid="69"/>
+                                          <p:spTgt spid="73"/>
                                         </p:tgtEl>
                                         <p:attrNameLst>
                                           <p:attrName>ppt_x</p:attrName>
@@ -7784,9 +7972,9 @@
                                     </p:anim>
                                     <p:anim calcmode="lin" valueType="num">
                                       <p:cBhvr additive="base">
-                                        <p:cTn id="32" dur="500" fill="hold"/>
+                                        <p:cTn id="36" dur="500" fill="hold"/>
                                         <p:tgtEl>
-                                          <p:spTgt spid="69"/>
+                                          <p:spTgt spid="73"/>
                                         </p:tgtEl>
                                         <p:attrNameLst>
                                           <p:attrName>ppt_y</p:attrName>
@@ -7815,32 +8003,32 @@
                     </p:cTn>
                   </p:par>
                   <p:par>
-                    <p:cTn id="33" fill="hold">
+                    <p:cTn id="37" fill="hold">
                       <p:stCondLst>
                         <p:cond delay="indefinite"/>
                       </p:stCondLst>
                       <p:childTnLst>
                         <p:par>
-                          <p:cTn id="34" fill="hold">
+                          <p:cTn id="38" fill="hold">
                             <p:stCondLst>
                               <p:cond delay="0"/>
                             </p:stCondLst>
                             <p:childTnLst>
                               <p:par>
-                                <p:cTn id="35" presetID="1" presetClass="exit" presetSubtype="0" fill="hold" grpId="1" nodeType="clickEffect">
+                                <p:cTn id="39" presetID="1" presetClass="exit" presetSubtype="0" fill="hold" nodeType="clickEffect">
                                   <p:stCondLst>
                                     <p:cond delay="0"/>
                                   </p:stCondLst>
                                   <p:childTnLst>
                                     <p:set>
                                       <p:cBhvr>
-                                        <p:cTn id="36" dur="1" fill="hold">
+                                        <p:cTn id="40" dur="1" fill="hold">
                                           <p:stCondLst>
                                             <p:cond delay="0"/>
                                           </p:stCondLst>
                                         </p:cTn>
                                         <p:tgtEl>
-                                          <p:spTgt spid="69"/>
+                                          <p:spTgt spid="73"/>
                                         </p:tgtEl>
                                         <p:attrNameLst>
                                           <p:attrName>style.visibility</p:attrName>
@@ -7860,26 +8048,71 @@
                     </p:cTn>
                   </p:par>
                   <p:par>
-                    <p:cTn id="37" fill="hold">
+                    <p:cTn id="41" fill="hold">
                       <p:stCondLst>
                         <p:cond delay="indefinite"/>
                       </p:stCondLst>
                       <p:childTnLst>
                         <p:par>
-                          <p:cTn id="38" fill="hold">
+                          <p:cTn id="42" fill="hold">
                             <p:stCondLst>
                               <p:cond delay="0"/>
                             </p:stCondLst>
                             <p:childTnLst>
                               <p:par>
-                                <p:cTn id="39" presetID="1" presetClass="entr" presetSubtype="0" fill="hold" nodeType="clickEffect">
+                                <p:cTn id="43" presetID="1" presetClass="exit" presetSubtype="0" fill="hold" grpId="1" nodeType="clickEffect">
                                   <p:stCondLst>
                                     <p:cond delay="0"/>
                                   </p:stCondLst>
                                   <p:childTnLst>
                                     <p:set>
                                       <p:cBhvr>
-                                        <p:cTn id="40" dur="1" fill="hold">
+                                        <p:cTn id="44" dur="1" fill="hold">
+                                          <p:stCondLst>
+                                            <p:cond delay="0"/>
+                                          </p:stCondLst>
+                                        </p:cTn>
+                                        <p:tgtEl>
+                                          <p:spTgt spid="71"/>
+                                        </p:tgtEl>
+                                        <p:attrNameLst>
+                                          <p:attrName>style.visibility</p:attrName>
+                                        </p:attrNameLst>
+                                      </p:cBhvr>
+                                      <p:to>
+                                        <p:strVal val="hidden"/>
+                                      </p:to>
+                                    </p:set>
+                                  </p:childTnLst>
+                                </p:cTn>
+                              </p:par>
+                            </p:childTnLst>
+                          </p:cTn>
+                        </p:par>
+                      </p:childTnLst>
+                    </p:cTn>
+                  </p:par>
+                  <p:par>
+                    <p:cTn id="45" fill="hold">
+                      <p:stCondLst>
+                        <p:cond delay="indefinite"/>
+                      </p:stCondLst>
+                      <p:childTnLst>
+                        <p:par>
+                          <p:cTn id="46" fill="hold">
+                            <p:stCondLst>
+                              <p:cond delay="0"/>
+                            </p:stCondLst>
+                            <p:childTnLst>
+                              <p:par>
+                                <p:cTn id="47" presetID="1" presetClass="entr" presetSubtype="0" fill="hold" nodeType="clickEffect">
+                                  <p:stCondLst>
+                                    <p:cond delay="0"/>
+                                  </p:stCondLst>
+                                  <p:childTnLst>
+                                    <p:set>
+                                      <p:cBhvr>
+                                        <p:cTn id="48" dur="1" fill="hold">
                                           <p:stCondLst>
                                             <p:cond delay="0"/>
                                           </p:stCondLst>
@@ -7905,26 +8138,26 @@
                     </p:cTn>
                   </p:par>
                   <p:par>
-                    <p:cTn id="41" fill="hold">
+                    <p:cTn id="49" fill="hold">
                       <p:stCondLst>
                         <p:cond delay="indefinite"/>
                       </p:stCondLst>
                       <p:childTnLst>
                         <p:par>
-                          <p:cTn id="42" fill="hold">
+                          <p:cTn id="50" fill="hold">
                             <p:stCondLst>
                               <p:cond delay="0"/>
                             </p:stCondLst>
                             <p:childTnLst>
                               <p:par>
-                                <p:cTn id="43" presetID="1" presetClass="entr" presetSubtype="0" fill="hold" nodeType="clickEffect">
+                                <p:cTn id="51" presetID="1" presetClass="entr" presetSubtype="0" fill="hold" nodeType="clickEffect">
                                   <p:stCondLst>
                                     <p:cond delay="0"/>
                                   </p:stCondLst>
                                   <p:childTnLst>
                                     <p:set>
                                       <p:cBhvr>
-                                        <p:cTn id="44" dur="1" fill="hold">
+                                        <p:cTn id="52" dur="1" fill="hold">
                                           <p:stCondLst>
                                             <p:cond delay="0"/>
                                           </p:stCondLst>
@@ -7971,8 +8204,8 @@
       </p:par>
     </p:tnLst>
     <p:bldLst>
-      <p:bldP spid="69" grpId="0" animBg="1"/>
-      <p:bldP spid="69" grpId="1" animBg="1"/>
+      <p:bldP spid="71" grpId="0" animBg="1"/>
+      <p:bldP spid="71" grpId="1" animBg="1"/>
     </p:bldLst>
   </p:timing>
 </p:sld>
@@ -8299,7 +8532,7 @@
         </p:blipFill>
         <p:spPr>
           <a:xfrm>
-            <a:off x="6186781" y="102746"/>
+            <a:off x="6172257" y="116719"/>
             <a:ext cx="5907016" cy="5088006"/>
           </a:xfrm>
           <a:prstGeom prst="rect">
@@ -8551,7 +8784,7 @@
         </p:blipFill>
         <p:spPr>
           <a:xfrm>
-            <a:off x="200576" y="105087"/>
+            <a:off x="200576" y="118453"/>
             <a:ext cx="5941362" cy="2580644"/>
           </a:xfrm>
           <a:prstGeom prst="rect">
@@ -8868,7 +9101,7 @@
                             </p:stCondLst>
                             <p:childTnLst>
                               <p:par>
-                                <p:cTn id="23" presetID="2" presetClass="entr" presetSubtype="4" fill="hold" nodeType="clickEffect">
+                                <p:cTn id="23" presetID="1" presetClass="exit" presetSubtype="0" fill="hold" nodeType="clickEffect">
                                   <p:stCondLst>
                                     <p:cond delay="0"/>
                                   </p:stCondLst>
@@ -8881,62 +9114,16 @@
                                           </p:stCondLst>
                                         </p:cTn>
                                         <p:tgtEl>
-                                          <p:spTgt spid="33"/>
+                                          <p:spTgt spid="5"/>
                                         </p:tgtEl>
                                         <p:attrNameLst>
                                           <p:attrName>style.visibility</p:attrName>
                                         </p:attrNameLst>
                                       </p:cBhvr>
                                       <p:to>
-                                        <p:strVal val="visible"/>
+                                        <p:strVal val="hidden"/>
                                       </p:to>
                                     </p:set>
-                                    <p:anim calcmode="lin" valueType="num">
-                                      <p:cBhvr additive="base">
-                                        <p:cTn id="25" dur="500" fill="hold"/>
-                                        <p:tgtEl>
-                                          <p:spTgt spid="33"/>
-                                        </p:tgtEl>
-                                        <p:attrNameLst>
-                                          <p:attrName>ppt_x</p:attrName>
-                                        </p:attrNameLst>
-                                      </p:cBhvr>
-                                      <p:tavLst>
-                                        <p:tav tm="0">
-                                          <p:val>
-                                            <p:strVal val="#ppt_x"/>
-                                          </p:val>
-                                        </p:tav>
-                                        <p:tav tm="100000">
-                                          <p:val>
-                                            <p:strVal val="#ppt_x"/>
-                                          </p:val>
-                                        </p:tav>
-                                      </p:tavLst>
-                                    </p:anim>
-                                    <p:anim calcmode="lin" valueType="num">
-                                      <p:cBhvr additive="base">
-                                        <p:cTn id="26" dur="500" fill="hold"/>
-                                        <p:tgtEl>
-                                          <p:spTgt spid="33"/>
-                                        </p:tgtEl>
-                                        <p:attrNameLst>
-                                          <p:attrName>ppt_y</p:attrName>
-                                        </p:attrNameLst>
-                                      </p:cBhvr>
-                                      <p:tavLst>
-                                        <p:tav tm="0">
-                                          <p:val>
-                                            <p:strVal val="1+#ppt_h/2"/>
-                                          </p:val>
-                                        </p:tav>
-                                        <p:tav tm="100000">
-                                          <p:val>
-                                            <p:strVal val="#ppt_y"/>
-                                          </p:val>
-                                        </p:tav>
-                                      </p:tavLst>
-                                    </p:anim>
                                   </p:childTnLst>
                                 </p:cTn>
                               </p:par>
@@ -8947,87 +9134,86 @@
                     </p:cTn>
                   </p:par>
                   <p:par>
-                    <p:cTn id="27" fill="hold">
+                    <p:cTn id="25" fill="hold">
                       <p:stCondLst>
                         <p:cond delay="indefinite"/>
                       </p:stCondLst>
                       <p:childTnLst>
                         <p:par>
-                          <p:cTn id="28" fill="hold">
+                          <p:cTn id="26" fill="hold">
                             <p:stCondLst>
                               <p:cond delay="0"/>
                             </p:stCondLst>
                             <p:childTnLst>
                               <p:par>
-                                <p:cTn id="29" presetID="2" presetClass="entr" presetSubtype="4" fill="hold" nodeType="clickEffect">
+                                <p:cTn id="27" presetID="1" presetClass="exit" presetSubtype="0" fill="hold" nodeType="clickEffect">
                                   <p:stCondLst>
                                     <p:cond delay="0"/>
                                   </p:stCondLst>
                                   <p:childTnLst>
                                     <p:set>
                                       <p:cBhvr>
-                                        <p:cTn id="30" dur="1" fill="hold">
+                                        <p:cTn id="28" dur="1" fill="hold">
                                           <p:stCondLst>
                                             <p:cond delay="0"/>
                                           </p:stCondLst>
                                         </p:cTn>
                                         <p:tgtEl>
-                                          <p:spTgt spid="13"/>
+                                          <p:spTgt spid="11"/>
                                         </p:tgtEl>
                                         <p:attrNameLst>
                                           <p:attrName>style.visibility</p:attrName>
                                         </p:attrNameLst>
                                       </p:cBhvr>
                                       <p:to>
-                                        <p:strVal val="visible"/>
+                                        <p:strVal val="hidden"/>
                                       </p:to>
                                     </p:set>
-                                    <p:anim calcmode="lin" valueType="num">
-                                      <p:cBhvr additive="base">
-                                        <p:cTn id="31" dur="500" fill="hold"/>
+                                  </p:childTnLst>
+                                </p:cTn>
+                              </p:par>
+                            </p:childTnLst>
+                          </p:cTn>
+                        </p:par>
+                      </p:childTnLst>
+                    </p:cTn>
+                  </p:par>
+                  <p:par>
+                    <p:cTn id="29" fill="hold">
+                      <p:stCondLst>
+                        <p:cond delay="indefinite"/>
+                      </p:stCondLst>
+                      <p:childTnLst>
+                        <p:par>
+                          <p:cTn id="30" fill="hold">
+                            <p:stCondLst>
+                              <p:cond delay="0"/>
+                            </p:stCondLst>
+                            <p:childTnLst>
+                              <p:par>
+                                <p:cTn id="31" presetID="1" presetClass="exit" presetSubtype="0" fill="hold" nodeType="clickEffect">
+                                  <p:stCondLst>
+                                    <p:cond delay="0"/>
+                                  </p:stCondLst>
+                                  <p:childTnLst>
+                                    <p:set>
+                                      <p:cBhvr>
+                                        <p:cTn id="32" dur="1" fill="hold">
+                                          <p:stCondLst>
+                                            <p:cond delay="0"/>
+                                          </p:stCondLst>
+                                        </p:cTn>
                                         <p:tgtEl>
-                                          <p:spTgt spid="13"/>
+                                          <p:spTgt spid="7"/>
                                         </p:tgtEl>
                                         <p:attrNameLst>
-                                          <p:attrName>ppt_x</p:attrName>
+                                          <p:attrName>style.visibility</p:attrName>
                                         </p:attrNameLst>
                                       </p:cBhvr>
-                                      <p:tavLst>
-                                        <p:tav tm="0">
-                                          <p:val>
-                                            <p:strVal val="#ppt_x"/>
-                                          </p:val>
-                                        </p:tav>
-                                        <p:tav tm="100000">
-                                          <p:val>
-                                            <p:strVal val="#ppt_x"/>
-                                          </p:val>
-                                        </p:tav>
-                                      </p:tavLst>
-                                    </p:anim>
-                                    <p:anim calcmode="lin" valueType="num">
-                                      <p:cBhvr additive="base">
-                                        <p:cTn id="32" dur="500" fill="hold"/>
-                                        <p:tgtEl>
-                                          <p:spTgt spid="13"/>
-                                        </p:tgtEl>
-                                        <p:attrNameLst>
-                                          <p:attrName>ppt_y</p:attrName>
-                                        </p:attrNameLst>
-                                      </p:cBhvr>
-                                      <p:tavLst>
-                                        <p:tav tm="0">
-                                          <p:val>
-                                            <p:strVal val="1+#ppt_h/2"/>
-                                          </p:val>
-                                        </p:tav>
-                                        <p:tav tm="100000">
-                                          <p:val>
-                                            <p:strVal val="#ppt_y"/>
-                                          </p:val>
-                                        </p:tav>
-                                      </p:tavLst>
-                                    </p:anim>
+                                      <p:to>
+                                        <p:strVal val="hidden"/>
+                                      </p:to>
+                                    </p:set>
                                   </p:childTnLst>
                                 </p:cTn>
                               </p:par>
@@ -9063,7 +9249,7 @@
                                           </p:stCondLst>
                                         </p:cTn>
                                         <p:tgtEl>
-                                          <p:spTgt spid="28"/>
+                                          <p:spTgt spid="33"/>
                                         </p:tgtEl>
                                         <p:attrNameLst>
                                           <p:attrName>style.visibility</p:attrName>
@@ -9077,7 +9263,7 @@
                                       <p:cBhvr additive="base">
                                         <p:cTn id="37" dur="500" fill="hold"/>
                                         <p:tgtEl>
-                                          <p:spTgt spid="28"/>
+                                          <p:spTgt spid="33"/>
                                         </p:tgtEl>
                                         <p:attrNameLst>
                                           <p:attrName>ppt_x</p:attrName>
@@ -9100,7 +9286,7 @@
                                       <p:cBhvr additive="base">
                                         <p:cTn id="38" dur="500" fill="hold"/>
                                         <p:tgtEl>
-                                          <p:spTgt spid="28"/>
+                                          <p:spTgt spid="33"/>
                                         </p:tgtEl>
                                         <p:attrNameLst>
                                           <p:attrName>ppt_y</p:attrName>
@@ -9141,7 +9327,7 @@
                             </p:stCondLst>
                             <p:childTnLst>
                               <p:par>
-                                <p:cTn id="41" presetID="1" presetClass="entr" presetSubtype="0" fill="hold" nodeType="clickEffect">
+                                <p:cTn id="41" presetID="2" presetClass="entr" presetSubtype="4" fill="hold" nodeType="clickEffect">
                                   <p:stCondLst>
                                     <p:cond delay="0"/>
                                   </p:stCondLst>
@@ -9149,6 +9335,188 @@
                                     <p:set>
                                       <p:cBhvr>
                                         <p:cTn id="42" dur="1" fill="hold">
+                                          <p:stCondLst>
+                                            <p:cond delay="0"/>
+                                          </p:stCondLst>
+                                        </p:cTn>
+                                        <p:tgtEl>
+                                          <p:spTgt spid="13"/>
+                                        </p:tgtEl>
+                                        <p:attrNameLst>
+                                          <p:attrName>style.visibility</p:attrName>
+                                        </p:attrNameLst>
+                                      </p:cBhvr>
+                                      <p:to>
+                                        <p:strVal val="visible"/>
+                                      </p:to>
+                                    </p:set>
+                                    <p:anim calcmode="lin" valueType="num">
+                                      <p:cBhvr additive="base">
+                                        <p:cTn id="43" dur="500" fill="hold"/>
+                                        <p:tgtEl>
+                                          <p:spTgt spid="13"/>
+                                        </p:tgtEl>
+                                        <p:attrNameLst>
+                                          <p:attrName>ppt_x</p:attrName>
+                                        </p:attrNameLst>
+                                      </p:cBhvr>
+                                      <p:tavLst>
+                                        <p:tav tm="0">
+                                          <p:val>
+                                            <p:strVal val="#ppt_x"/>
+                                          </p:val>
+                                        </p:tav>
+                                        <p:tav tm="100000">
+                                          <p:val>
+                                            <p:strVal val="#ppt_x"/>
+                                          </p:val>
+                                        </p:tav>
+                                      </p:tavLst>
+                                    </p:anim>
+                                    <p:anim calcmode="lin" valueType="num">
+                                      <p:cBhvr additive="base">
+                                        <p:cTn id="44" dur="500" fill="hold"/>
+                                        <p:tgtEl>
+                                          <p:spTgt spid="13"/>
+                                        </p:tgtEl>
+                                        <p:attrNameLst>
+                                          <p:attrName>ppt_y</p:attrName>
+                                        </p:attrNameLst>
+                                      </p:cBhvr>
+                                      <p:tavLst>
+                                        <p:tav tm="0">
+                                          <p:val>
+                                            <p:strVal val="1+#ppt_h/2"/>
+                                          </p:val>
+                                        </p:tav>
+                                        <p:tav tm="100000">
+                                          <p:val>
+                                            <p:strVal val="#ppt_y"/>
+                                          </p:val>
+                                        </p:tav>
+                                      </p:tavLst>
+                                    </p:anim>
+                                  </p:childTnLst>
+                                </p:cTn>
+                              </p:par>
+                            </p:childTnLst>
+                          </p:cTn>
+                        </p:par>
+                      </p:childTnLst>
+                    </p:cTn>
+                  </p:par>
+                  <p:par>
+                    <p:cTn id="45" fill="hold">
+                      <p:stCondLst>
+                        <p:cond delay="indefinite"/>
+                      </p:stCondLst>
+                      <p:childTnLst>
+                        <p:par>
+                          <p:cTn id="46" fill="hold">
+                            <p:stCondLst>
+                              <p:cond delay="0"/>
+                            </p:stCondLst>
+                            <p:childTnLst>
+                              <p:par>
+                                <p:cTn id="47" presetID="2" presetClass="entr" presetSubtype="4" fill="hold" nodeType="clickEffect">
+                                  <p:stCondLst>
+                                    <p:cond delay="0"/>
+                                  </p:stCondLst>
+                                  <p:childTnLst>
+                                    <p:set>
+                                      <p:cBhvr>
+                                        <p:cTn id="48" dur="1" fill="hold">
+                                          <p:stCondLst>
+                                            <p:cond delay="0"/>
+                                          </p:stCondLst>
+                                        </p:cTn>
+                                        <p:tgtEl>
+                                          <p:spTgt spid="28"/>
+                                        </p:tgtEl>
+                                        <p:attrNameLst>
+                                          <p:attrName>style.visibility</p:attrName>
+                                        </p:attrNameLst>
+                                      </p:cBhvr>
+                                      <p:to>
+                                        <p:strVal val="visible"/>
+                                      </p:to>
+                                    </p:set>
+                                    <p:anim calcmode="lin" valueType="num">
+                                      <p:cBhvr additive="base">
+                                        <p:cTn id="49" dur="500" fill="hold"/>
+                                        <p:tgtEl>
+                                          <p:spTgt spid="28"/>
+                                        </p:tgtEl>
+                                        <p:attrNameLst>
+                                          <p:attrName>ppt_x</p:attrName>
+                                        </p:attrNameLst>
+                                      </p:cBhvr>
+                                      <p:tavLst>
+                                        <p:tav tm="0">
+                                          <p:val>
+                                            <p:strVal val="#ppt_x"/>
+                                          </p:val>
+                                        </p:tav>
+                                        <p:tav tm="100000">
+                                          <p:val>
+                                            <p:strVal val="#ppt_x"/>
+                                          </p:val>
+                                        </p:tav>
+                                      </p:tavLst>
+                                    </p:anim>
+                                    <p:anim calcmode="lin" valueType="num">
+                                      <p:cBhvr additive="base">
+                                        <p:cTn id="50" dur="500" fill="hold"/>
+                                        <p:tgtEl>
+                                          <p:spTgt spid="28"/>
+                                        </p:tgtEl>
+                                        <p:attrNameLst>
+                                          <p:attrName>ppt_y</p:attrName>
+                                        </p:attrNameLst>
+                                      </p:cBhvr>
+                                      <p:tavLst>
+                                        <p:tav tm="0">
+                                          <p:val>
+                                            <p:strVal val="1+#ppt_h/2"/>
+                                          </p:val>
+                                        </p:tav>
+                                        <p:tav tm="100000">
+                                          <p:val>
+                                            <p:strVal val="#ppt_y"/>
+                                          </p:val>
+                                        </p:tav>
+                                      </p:tavLst>
+                                    </p:anim>
+                                  </p:childTnLst>
+                                </p:cTn>
+                              </p:par>
+                            </p:childTnLst>
+                          </p:cTn>
+                        </p:par>
+                      </p:childTnLst>
+                    </p:cTn>
+                  </p:par>
+                  <p:par>
+                    <p:cTn id="51" fill="hold">
+                      <p:stCondLst>
+                        <p:cond delay="indefinite"/>
+                      </p:stCondLst>
+                      <p:childTnLst>
+                        <p:par>
+                          <p:cTn id="52" fill="hold">
+                            <p:stCondLst>
+                              <p:cond delay="0"/>
+                            </p:stCondLst>
+                            <p:childTnLst>
+                              <p:par>
+                                <p:cTn id="53" presetID="1" presetClass="entr" presetSubtype="0" fill="hold" nodeType="clickEffect">
+                                  <p:stCondLst>
+                                    <p:cond delay="0"/>
+                                  </p:stCondLst>
+                                  <p:childTnLst>
+                                    <p:set>
+                                      <p:cBhvr>
+                                        <p:cTn id="54" dur="1" fill="hold">
                                           <p:stCondLst>
                                             <p:cond delay="0"/>
                                           </p:stCondLst>
@@ -9365,10 +9733,10 @@
         </p:nvGrpSpPr>
         <p:grpSpPr>
           <a:xfrm>
-            <a:off x="457200" y="316907"/>
-            <a:ext cx="11277600" cy="4387615"/>
-            <a:chOff x="556591" y="316907"/>
-            <a:chExt cx="11277600" cy="4387615"/>
+            <a:off x="457200" y="230950"/>
+            <a:ext cx="11277600" cy="4473572"/>
+            <a:chOff x="556591" y="230950"/>
+            <a:chExt cx="11277600" cy="4473572"/>
           </a:xfrm>
         </p:grpSpPr>
         <p:sp>
@@ -9441,8 +9809,8 @@
           </p:nvSpPr>
           <p:spPr>
             <a:xfrm>
-              <a:off x="580094" y="316907"/>
-              <a:ext cx="1881809" cy="369332"/>
+              <a:off x="593035" y="230950"/>
+              <a:ext cx="2719697" cy="461665"/>
             </a:xfrm>
             <a:prstGeom prst="rect">
               <a:avLst/>
@@ -9456,7 +9824,7 @@
             <a:lstStyle/>
             <a:p>
               <a:r>
-                <a:rPr lang="en-US" dirty="0">
+                <a:rPr lang="en-US" sz="2400" dirty="0">
                   <a:solidFill>
                     <a:schemeClr val="bg1"/>
                   </a:solidFill>
@@ -9700,7 +10068,7 @@
                   <a:schemeClr val="bg1"/>
                 </a:solidFill>
               </a:rPr>
-              <a:t>Income</a:t>
+              <a:t>FICO Score</a:t>
             </a:r>
             <a:r>
               <a:rPr lang="en-US" dirty="0">
@@ -9708,7 +10076,7 @@
                   <a:schemeClr val="bg1"/>
                 </a:solidFill>
               </a:rPr>
-              <a:t>:</a:t>
+              <a:t>: 665 - 680</a:t>
             </a:r>
           </a:p>
           <a:p>
@@ -9809,55 +10177,7 @@
                   <a:schemeClr val="bg1"/>
                 </a:solidFill>
               </a:rPr>
-              <a:t>:  </a:t>
-            </a:r>
-            <a:r>
-              <a:rPr lang="en-US" dirty="0">
-                <a:solidFill>
-                  <a:srgbClr val="0070C0"/>
-                </a:solidFill>
-              </a:rPr>
-              <a:t>New Jersey</a:t>
-            </a:r>
-            <a:r>
-              <a:rPr lang="en-US" dirty="0">
-                <a:solidFill>
-                  <a:schemeClr val="bg1"/>
-                </a:solidFill>
-              </a:rPr>
-              <a:t>, </a:t>
-            </a:r>
-            <a:r>
-              <a:rPr lang="en-US" dirty="0">
-                <a:solidFill>
-                  <a:srgbClr val="0070C0"/>
-                </a:solidFill>
-              </a:rPr>
-              <a:t>Texas</a:t>
-            </a:r>
-            <a:r>
-              <a:rPr lang="en-US" dirty="0">
-                <a:solidFill>
-                  <a:schemeClr val="bg1"/>
-                </a:solidFill>
-              </a:rPr>
-              <a:t>, </a:t>
-            </a:r>
-            <a:r>
-              <a:rPr lang="en-US" dirty="0">
-                <a:solidFill>
-                  <a:srgbClr val="0070C0"/>
-                </a:solidFill>
-              </a:rPr>
-              <a:t>New York</a:t>
-            </a:r>
-            <a:r>
-              <a:rPr lang="en-US" dirty="0">
-                <a:solidFill>
-                  <a:schemeClr val="bg1"/>
-                </a:solidFill>
-              </a:rPr>
-              <a:t>, Pennsylvania,  Arizona, Ohio, Massachusetts, Virginia, Colorado, Illinoi</a:t>
+              <a:t>:  New Jersey, Texas, New York, Pennsylvania,  Arizona, Ohio, Massachusetts, Virginia, Colorado, Illinoi</a:t>
             </a:r>
           </a:p>
           <a:p>
@@ -9890,63 +10210,7 @@
                   <a:schemeClr val="bg1"/>
                 </a:solidFill>
               </a:rPr>
-              <a:t>:  </a:t>
-            </a:r>
-            <a:r>
-              <a:rPr lang="en-US" dirty="0">
-                <a:solidFill>
-                  <a:srgbClr val="0070C0"/>
-                </a:solidFill>
-              </a:rPr>
-              <a:t>Debt Consolidation</a:t>
-            </a:r>
-            <a:r>
-              <a:rPr lang="en-US" dirty="0">
-                <a:solidFill>
-                  <a:schemeClr val="bg1"/>
-                </a:solidFill>
-              </a:rPr>
-              <a:t>, </a:t>
-            </a:r>
-            <a:r>
-              <a:rPr lang="en-US" dirty="0">
-                <a:solidFill>
-                  <a:srgbClr val="0070C0"/>
-                </a:solidFill>
-              </a:rPr>
-              <a:t>Credit Card</a:t>
-            </a:r>
-            <a:r>
-              <a:rPr lang="en-US" dirty="0">
-                <a:solidFill>
-                  <a:schemeClr val="bg1"/>
-                </a:solidFill>
-              </a:rPr>
-              <a:t>, Home Improvement, </a:t>
-            </a:r>
-            <a:r>
-              <a:rPr lang="en-US" dirty="0">
-                <a:solidFill>
-                  <a:srgbClr val="0070C0"/>
-                </a:solidFill>
-              </a:rPr>
-              <a:t>Major</a:t>
-            </a:r>
-            <a:r>
-              <a:rPr lang="en-US" dirty="0">
-                <a:solidFill>
-                  <a:schemeClr val="bg1"/>
-                </a:solidFill>
-              </a:rPr>
-              <a:t> </a:t>
-            </a:r>
-            <a:r>
-              <a:rPr lang="en-US" dirty="0">
-                <a:solidFill>
-                  <a:srgbClr val="0070C0"/>
-                </a:solidFill>
-              </a:rPr>
-              <a:t>Purchase</a:t>
+              <a:t>:  Debt Consolidation, Credit Card, Home Improvement, Major Purchase</a:t>
             </a:r>
           </a:p>
           <a:p>
@@ -9971,7 +10235,7 @@
                   <a:schemeClr val="bg1"/>
                 </a:solidFill>
               </a:rPr>
-              <a:t>Income</a:t>
+              <a:t>FICO Score</a:t>
             </a:r>
             <a:r>
               <a:rPr lang="en-US" dirty="0">
@@ -9979,7 +10243,7 @@
                   <a:schemeClr val="bg1"/>
                 </a:solidFill>
               </a:rPr>
-              <a:t>:</a:t>
+              <a:t>: &gt; 685 </a:t>
             </a:r>
           </a:p>
           <a:p>
@@ -10251,8 +10515,8 @@
         </p:nvSpPr>
         <p:spPr>
           <a:xfrm>
-            <a:off x="6489031" y="398984"/>
-            <a:ext cx="4315327" cy="4401205"/>
+            <a:off x="6210674" y="385010"/>
+            <a:ext cx="4915002" cy="4401205"/>
           </a:xfrm>
           <a:prstGeom prst="rect">
             <a:avLst/>
@@ -10305,7 +10569,7 @@
                   <a:schemeClr val="bg1"/>
                 </a:solidFill>
               </a:rPr>
-              <a:t>• Identify more correlated variables to defaulting</a:t>
+              <a:t>• Identify variables with a higher correlation to defaulting</a:t>
             </a:r>
           </a:p>
           <a:p>
@@ -11135,36 +11399,6 @@
         <p:spPr>
           <a:xfrm>
             <a:off x="200576" y="5220670"/>
-            <a:ext cx="1320423" cy="1320423"/>
-          </a:xfrm>
-          <a:prstGeom prst="rect">
-            <a:avLst/>
-          </a:prstGeom>
-        </p:spPr>
-      </p:pic>
-      <p:pic>
-        <p:nvPicPr>
-          <p:cNvPr id="17" name="Picture 16">
-            <a:extLst>
-              <a:ext uri="{FF2B5EF4-FFF2-40B4-BE49-F238E27FC236}">
-                <a16:creationId xmlns:a16="http://schemas.microsoft.com/office/drawing/2014/main" id="{9AB55C8B-5EB1-D644-827A-0B8276360AC3}"/>
-              </a:ext>
-            </a:extLst>
-          </p:cNvPr>
-          <p:cNvPicPr>
-            <a:picLocks noChangeAspect="1"/>
-          </p:cNvPicPr>
-          <p:nvPr/>
-        </p:nvPicPr>
-        <p:blipFill>
-          <a:blip r:embed="rId4"/>
-          <a:stretch>
-            <a:fillRect/>
-          </a:stretch>
-        </p:blipFill>
-        <p:spPr>
-          <a:xfrm>
-            <a:off x="1759082" y="5220670"/>
             <a:ext cx="1320423" cy="1320423"/>
           </a:xfrm>
           <a:prstGeom prst="rect">
@@ -11475,302 +11709,6 @@
                                         <p:strVal val="visible"/>
                                       </p:to>
                                     </p:set>
-                                  </p:childTnLst>
-                                </p:cTn>
-                              </p:par>
-                            </p:childTnLst>
-                          </p:cTn>
-                        </p:par>
-                      </p:childTnLst>
-                    </p:cTn>
-                  </p:par>
-                  <p:par>
-                    <p:cTn id="27" fill="hold">
-                      <p:stCondLst>
-                        <p:cond delay="indefinite"/>
-                      </p:stCondLst>
-                      <p:childTnLst>
-                        <p:par>
-                          <p:cTn id="28" fill="hold">
-                            <p:stCondLst>
-                              <p:cond delay="0"/>
-                            </p:stCondLst>
-                            <p:childTnLst>
-                              <p:par>
-                                <p:cTn id="29" presetID="26" presetClass="entr" presetSubtype="0" fill="hold" nodeType="clickEffect">
-                                  <p:stCondLst>
-                                    <p:cond delay="0"/>
-                                  </p:stCondLst>
-                                  <p:childTnLst>
-                                    <p:set>
-                                      <p:cBhvr>
-                                        <p:cTn id="30" dur="1" fill="hold">
-                                          <p:stCondLst>
-                                            <p:cond delay="0"/>
-                                          </p:stCondLst>
-                                        </p:cTn>
-                                        <p:tgtEl>
-                                          <p:spTgt spid="17"/>
-                                        </p:tgtEl>
-                                        <p:attrNameLst>
-                                          <p:attrName>style.visibility</p:attrName>
-                                        </p:attrNameLst>
-                                      </p:cBhvr>
-                                      <p:to>
-                                        <p:strVal val="visible"/>
-                                      </p:to>
-                                    </p:set>
-                                    <p:animEffect transition="in" filter="wipe(down)">
-                                      <p:cBhvr>
-                                        <p:cTn id="31" dur="580">
-                                          <p:stCondLst>
-                                            <p:cond delay="0"/>
-                                          </p:stCondLst>
-                                        </p:cTn>
-                                        <p:tgtEl>
-                                          <p:spTgt spid="17"/>
-                                        </p:tgtEl>
-                                      </p:cBhvr>
-                                    </p:animEffect>
-                                    <p:anim calcmode="lin" valueType="num">
-                                      <p:cBhvr>
-                                        <p:cTn id="32" dur="1822" tmFilter="0,0; 0.14,0.36; 0.43,0.73; 0.71,0.91; 1.0,1.0">
-                                          <p:stCondLst>
-                                            <p:cond delay="0"/>
-                                          </p:stCondLst>
-                                        </p:cTn>
-                                        <p:tgtEl>
-                                          <p:spTgt spid="17"/>
-                                        </p:tgtEl>
-                                        <p:attrNameLst>
-                                          <p:attrName>ppt_x</p:attrName>
-                                        </p:attrNameLst>
-                                      </p:cBhvr>
-                                      <p:tavLst>
-                                        <p:tav tm="0">
-                                          <p:val>
-                                            <p:strVal val="#ppt_x-0.25"/>
-                                          </p:val>
-                                        </p:tav>
-                                        <p:tav tm="100000">
-                                          <p:val>
-                                            <p:strVal val="#ppt_x"/>
-                                          </p:val>
-                                        </p:tav>
-                                      </p:tavLst>
-                                    </p:anim>
-                                    <p:anim calcmode="lin" valueType="num">
-                                      <p:cBhvr>
-                                        <p:cTn id="33" dur="664" tmFilter="0.0,0.0; 0.25,0.07; 0.50,0.2; 0.75,0.467; 1.0,1.0">
-                                          <p:stCondLst>
-                                            <p:cond delay="0"/>
-                                          </p:stCondLst>
-                                        </p:cTn>
-                                        <p:tgtEl>
-                                          <p:spTgt spid="17"/>
-                                        </p:tgtEl>
-                                        <p:attrNameLst>
-                                          <p:attrName>ppt_y</p:attrName>
-                                        </p:attrNameLst>
-                                      </p:cBhvr>
-                                      <p:tavLst>
-                                        <p:tav tm="0" fmla="#ppt_y-sin(pi*$)/3">
-                                          <p:val>
-                                            <p:fltVal val="0.5"/>
-                                          </p:val>
-                                        </p:tav>
-                                        <p:tav tm="100000">
-                                          <p:val>
-                                            <p:fltVal val="1"/>
-                                          </p:val>
-                                        </p:tav>
-                                      </p:tavLst>
-                                    </p:anim>
-                                    <p:anim calcmode="lin" valueType="num">
-                                      <p:cBhvr>
-                                        <p:cTn id="34" dur="664" tmFilter="0, 0; 0.125,0.2665; 0.25,0.4; 0.375,0.465; 0.5,0.5;  0.625,0.535; 0.75,0.6; 0.875,0.7335; 1,1">
-                                          <p:stCondLst>
-                                            <p:cond delay="664"/>
-                                          </p:stCondLst>
-                                        </p:cTn>
-                                        <p:tgtEl>
-                                          <p:spTgt spid="17"/>
-                                        </p:tgtEl>
-                                        <p:attrNameLst>
-                                          <p:attrName>ppt_y</p:attrName>
-                                        </p:attrNameLst>
-                                      </p:cBhvr>
-                                      <p:tavLst>
-                                        <p:tav tm="0" fmla="#ppt_y-sin(pi*$)/9">
-                                          <p:val>
-                                            <p:fltVal val="0"/>
-                                          </p:val>
-                                        </p:tav>
-                                        <p:tav tm="100000">
-                                          <p:val>
-                                            <p:fltVal val="1"/>
-                                          </p:val>
-                                        </p:tav>
-                                      </p:tavLst>
-                                    </p:anim>
-                                    <p:anim calcmode="lin" valueType="num">
-                                      <p:cBhvr>
-                                        <p:cTn id="35" dur="332" tmFilter="0, 0; 0.125,0.2665; 0.25,0.4; 0.375,0.465; 0.5,0.5;  0.625,0.535; 0.75,0.6; 0.875,0.7335; 1,1">
-                                          <p:stCondLst>
-                                            <p:cond delay="1324"/>
-                                          </p:stCondLst>
-                                        </p:cTn>
-                                        <p:tgtEl>
-                                          <p:spTgt spid="17"/>
-                                        </p:tgtEl>
-                                        <p:attrNameLst>
-                                          <p:attrName>ppt_y</p:attrName>
-                                        </p:attrNameLst>
-                                      </p:cBhvr>
-                                      <p:tavLst>
-                                        <p:tav tm="0" fmla="#ppt_y-sin(pi*$)/27">
-                                          <p:val>
-                                            <p:fltVal val="0"/>
-                                          </p:val>
-                                        </p:tav>
-                                        <p:tav tm="100000">
-                                          <p:val>
-                                            <p:fltVal val="1"/>
-                                          </p:val>
-                                        </p:tav>
-                                      </p:tavLst>
-                                    </p:anim>
-                                    <p:anim calcmode="lin" valueType="num">
-                                      <p:cBhvr>
-                                        <p:cTn id="36" dur="164" tmFilter="0, 0; 0.125,0.2665; 0.25,0.4; 0.375,0.465; 0.5,0.5;  0.625,0.535; 0.75,0.6; 0.875,0.7335; 1,1">
-                                          <p:stCondLst>
-                                            <p:cond delay="1656"/>
-                                          </p:stCondLst>
-                                        </p:cTn>
-                                        <p:tgtEl>
-                                          <p:spTgt spid="17"/>
-                                        </p:tgtEl>
-                                        <p:attrNameLst>
-                                          <p:attrName>ppt_y</p:attrName>
-                                        </p:attrNameLst>
-                                      </p:cBhvr>
-                                      <p:tavLst>
-                                        <p:tav tm="0" fmla="#ppt_y-sin(pi*$)/81">
-                                          <p:val>
-                                            <p:fltVal val="0"/>
-                                          </p:val>
-                                        </p:tav>
-                                        <p:tav tm="100000">
-                                          <p:val>
-                                            <p:fltVal val="1"/>
-                                          </p:val>
-                                        </p:tav>
-                                      </p:tavLst>
-                                    </p:anim>
-                                    <p:animScale>
-                                      <p:cBhvr>
-                                        <p:cTn id="37" dur="26">
-                                          <p:stCondLst>
-                                            <p:cond delay="650"/>
-                                          </p:stCondLst>
-                                        </p:cTn>
-                                        <p:tgtEl>
-                                          <p:spTgt spid="17"/>
-                                        </p:tgtEl>
-                                      </p:cBhvr>
-                                      <p:to x="100000" y="60000"/>
-                                    </p:animScale>
-                                    <p:animScale>
-                                      <p:cBhvr>
-                                        <p:cTn id="38" dur="166" decel="50000">
-                                          <p:stCondLst>
-                                            <p:cond delay="676"/>
-                                          </p:stCondLst>
-                                        </p:cTn>
-                                        <p:tgtEl>
-                                          <p:spTgt spid="17"/>
-                                        </p:tgtEl>
-                                      </p:cBhvr>
-                                      <p:to x="100000" y="100000"/>
-                                    </p:animScale>
-                                    <p:animScale>
-                                      <p:cBhvr>
-                                        <p:cTn id="39" dur="26">
-                                          <p:stCondLst>
-                                            <p:cond delay="1312"/>
-                                          </p:stCondLst>
-                                        </p:cTn>
-                                        <p:tgtEl>
-                                          <p:spTgt spid="17"/>
-                                        </p:tgtEl>
-                                      </p:cBhvr>
-                                      <p:to x="100000" y="80000"/>
-                                    </p:animScale>
-                                    <p:animScale>
-                                      <p:cBhvr>
-                                        <p:cTn id="40" dur="166" decel="50000">
-                                          <p:stCondLst>
-                                            <p:cond delay="1338"/>
-                                          </p:stCondLst>
-                                        </p:cTn>
-                                        <p:tgtEl>
-                                          <p:spTgt spid="17"/>
-                                        </p:tgtEl>
-                                      </p:cBhvr>
-                                      <p:to x="100000" y="100000"/>
-                                    </p:animScale>
-                                    <p:animScale>
-                                      <p:cBhvr>
-                                        <p:cTn id="41" dur="26">
-                                          <p:stCondLst>
-                                            <p:cond delay="1642"/>
-                                          </p:stCondLst>
-                                        </p:cTn>
-                                        <p:tgtEl>
-                                          <p:spTgt spid="17"/>
-                                        </p:tgtEl>
-                                      </p:cBhvr>
-                                      <p:to x="100000" y="90000"/>
-                                    </p:animScale>
-                                    <p:animScale>
-                                      <p:cBhvr>
-                                        <p:cTn id="42" dur="166" decel="50000">
-                                          <p:stCondLst>
-                                            <p:cond delay="1668"/>
-                                          </p:stCondLst>
-                                        </p:cTn>
-                                        <p:tgtEl>
-                                          <p:spTgt spid="17"/>
-                                        </p:tgtEl>
-                                      </p:cBhvr>
-                                      <p:to x="100000" y="100000"/>
-                                    </p:animScale>
-                                    <p:animScale>
-                                      <p:cBhvr>
-                                        <p:cTn id="43" dur="26">
-                                          <p:stCondLst>
-                                            <p:cond delay="1808"/>
-                                          </p:stCondLst>
-                                        </p:cTn>
-                                        <p:tgtEl>
-                                          <p:spTgt spid="17"/>
-                                        </p:tgtEl>
-                                      </p:cBhvr>
-                                      <p:to x="100000" y="95000"/>
-                                    </p:animScale>
-                                    <p:animScale>
-                                      <p:cBhvr>
-                                        <p:cTn id="44" dur="166" decel="50000">
-                                          <p:stCondLst>
-                                            <p:cond delay="1834"/>
-                                          </p:stCondLst>
-                                        </p:cTn>
-                                        <p:tgtEl>
-                                          <p:spTgt spid="17"/>
-                                        </p:tgtEl>
-                                      </p:cBhvr>
-                                      <p:to x="100000" y="100000"/>
-                                    </p:animScale>
                                   </p:childTnLst>
                                 </p:cTn>
                               </p:par>
@@ -14000,7 +13938,7 @@
         <p:spPr>
           <a:xfrm>
             <a:off x="730297" y="410821"/>
-            <a:ext cx="3930555" cy="1754326"/>
+            <a:ext cx="3930555" cy="2031325"/>
           </a:xfrm>
           <a:prstGeom prst="rect">
             <a:avLst/>
@@ -14047,16 +13985,6 @@
                   <a:schemeClr val="bg1"/>
                 </a:solidFill>
               </a:rPr>
-              <a:t>   •   All CSV files</a:t>
-            </a:r>
-          </a:p>
-          <a:p>
-            <a:r>
-              <a:rPr lang="en-US" dirty="0">
-                <a:solidFill>
-                  <a:schemeClr val="bg1"/>
-                </a:solidFill>
-              </a:rPr>
               <a:t>   •   </a:t>
             </a:r>
             <a:r>
@@ -14073,7 +14001,17 @@
                   <a:schemeClr val="bg1"/>
                 </a:solidFill>
               </a:rPr>
-              <a:t> customer data </a:t>
+              <a:t> customer data</a:t>
+            </a:r>
+          </a:p>
+          <a:p>
+            <a:r>
+              <a:rPr lang="en-US" dirty="0">
+                <a:solidFill>
+                  <a:schemeClr val="bg1"/>
+                </a:solidFill>
+              </a:rPr>
+              <a:t> </a:t>
             </a:r>
           </a:p>
           <a:p>
@@ -14085,6 +14023,13 @@
               </a:rPr>
               <a:t>   •   State names</a:t>
             </a:r>
+          </a:p>
+          <a:p>
+            <a:endParaRPr lang="en-US" dirty="0">
+              <a:solidFill>
+                <a:schemeClr val="bg1"/>
+              </a:solidFill>
+            </a:endParaRPr>
           </a:p>
           <a:p>
             <a:r>
@@ -14128,8 +14073,8 @@
         </p:nvSpPr>
         <p:spPr>
           <a:xfrm>
-            <a:off x="715476" y="2438101"/>
-            <a:ext cx="5009755" cy="1754326"/>
+            <a:off x="730297" y="2652180"/>
+            <a:ext cx="5009755" cy="2031325"/>
           </a:xfrm>
           <a:prstGeom prst="rect">
             <a:avLst/>
@@ -14168,9 +14113,11 @@
                   <a:schemeClr val="bg1"/>
                 </a:solidFill>
               </a:rPr>
-              <a:t>   •  Text, Numbers, Dates, Logical (True/False)</a:t>
-            </a:r>
-            <a:endParaRPr lang="en-US" b="1" dirty="0">
+              <a:t>   •  Text, Numbers, Dates, Categories</a:t>
+            </a:r>
+          </a:p>
+          <a:p>
+            <a:endParaRPr lang="en-US" dirty="0">
               <a:solidFill>
                 <a:schemeClr val="bg1"/>
               </a:solidFill>
@@ -14187,14 +14134,11 @@
             </a:r>
           </a:p>
           <a:p>
-            <a:r>
-              <a:rPr lang="en-US" dirty="0">
-                <a:solidFill>
-                  <a:schemeClr val="bg1"/>
-                </a:solidFill>
-              </a:rPr>
-              <a:t>   •  Before cleaning: 116 columns &amp; 42, 538 rows</a:t>
-            </a:r>
+            <a:endParaRPr lang="en-US" dirty="0">
+              <a:solidFill>
+                <a:schemeClr val="bg1"/>
+              </a:solidFill>
+            </a:endParaRPr>
           </a:p>
           <a:p>
             <a:r>
@@ -14281,8 +14225,8 @@
         </p:nvSpPr>
         <p:spPr>
           <a:xfrm>
-            <a:off x="5862744" y="2438101"/>
-            <a:ext cx="5524580" cy="1754326"/>
+            <a:off x="5862744" y="2136338"/>
+            <a:ext cx="5524580" cy="2585323"/>
           </a:xfrm>
           <a:prstGeom prst="rect">
             <a:avLst/>
@@ -14325,6 +14269,13 @@
             </a:r>
           </a:p>
           <a:p>
+            <a:endParaRPr lang="en-US" dirty="0">
+              <a:solidFill>
+                <a:schemeClr val="bg1"/>
+              </a:solidFill>
+            </a:endParaRPr>
+          </a:p>
+          <a:p>
             <a:r>
               <a:rPr lang="en-US" dirty="0">
                 <a:solidFill>
@@ -14335,6 +14286,13 @@
             </a:r>
           </a:p>
           <a:p>
+            <a:endParaRPr lang="en-US" dirty="0">
+              <a:solidFill>
+                <a:schemeClr val="bg1"/>
+              </a:solidFill>
+            </a:endParaRPr>
+          </a:p>
+          <a:p>
             <a:r>
               <a:rPr lang="en-US" dirty="0">
                 <a:solidFill>
@@ -14343,6 +14301,13 @@
               </a:rPr>
               <a:t>   •   Customer free text “description” of reason for loan</a:t>
             </a:r>
+          </a:p>
+          <a:p>
+            <a:endParaRPr lang="en-US" dirty="0">
+              <a:solidFill>
+                <a:schemeClr val="bg1"/>
+              </a:solidFill>
+            </a:endParaRPr>
           </a:p>
           <a:p>
             <a:r>
@@ -15998,6 +15963,96 @@
           </a:p>
         </p:txBody>
       </p:sp>
+      <p:sp>
+        <p:nvSpPr>
+          <p:cNvPr id="18" name="TextBox 17">
+            <a:extLst>
+              <a:ext uri="{FF2B5EF4-FFF2-40B4-BE49-F238E27FC236}">
+                <a16:creationId xmlns:a16="http://schemas.microsoft.com/office/drawing/2014/main" id="{9658841A-0378-B14F-8F3D-FF3D195DD77A}"/>
+              </a:ext>
+            </a:extLst>
+          </p:cNvPr>
+          <p:cNvSpPr txBox="1"/>
+          <p:nvPr/>
+        </p:nvSpPr>
+        <p:spPr>
+          <a:xfrm>
+            <a:off x="433953" y="278969"/>
+            <a:ext cx="5501699" cy="2031325"/>
+          </a:xfrm>
+          <a:prstGeom prst="rect">
+            <a:avLst/>
+          </a:prstGeom>
+          <a:noFill/>
+        </p:spPr>
+        <p:txBody>
+          <a:bodyPr wrap="none" rtlCol="0">
+            <a:spAutoFit/>
+          </a:bodyPr>
+          <a:lstStyle/>
+          <a:p>
+            <a:r>
+              <a:rPr lang="en-US" b="1" dirty="0">
+                <a:solidFill>
+                  <a:schemeClr val="bg1"/>
+                </a:solidFill>
+              </a:rPr>
+              <a:t>FICO Score</a:t>
+            </a:r>
+          </a:p>
+          <a:p>
+            <a:endParaRPr lang="en-US" dirty="0">
+              <a:solidFill>
+                <a:schemeClr val="bg1"/>
+              </a:solidFill>
+            </a:endParaRPr>
+          </a:p>
+          <a:p>
+            <a:r>
+              <a:rPr lang="en-US" dirty="0">
+                <a:solidFill>
+                  <a:schemeClr val="bg1"/>
+                </a:solidFill>
+              </a:rPr>
+              <a:t>• Between 300 – 850 points</a:t>
+            </a:r>
+          </a:p>
+          <a:p>
+            <a:endParaRPr lang="en-US" dirty="0">
+              <a:solidFill>
+                <a:schemeClr val="bg1"/>
+              </a:solidFill>
+            </a:endParaRPr>
+          </a:p>
+          <a:p>
+            <a:r>
+              <a:rPr lang="en-US" dirty="0">
+                <a:solidFill>
+                  <a:schemeClr val="bg1"/>
+                </a:solidFill>
+              </a:rPr>
+              <a:t>• Lenders want 670 -739 points </a:t>
+            </a:r>
+          </a:p>
+          <a:p>
+            <a:endParaRPr lang="en-US" dirty="0">
+              <a:solidFill>
+                <a:schemeClr val="bg1"/>
+              </a:solidFill>
+            </a:endParaRPr>
+          </a:p>
+          <a:p>
+            <a:r>
+              <a:rPr lang="en-US" dirty="0">
+                <a:solidFill>
+                  <a:schemeClr val="bg1"/>
+                </a:solidFill>
+              </a:rPr>
+              <a:t>• FICO Range Low &amp; High in data set, 4 points difference</a:t>
+            </a:r>
+          </a:p>
+        </p:txBody>
+      </p:sp>
       <p:pic>
         <p:nvPicPr>
           <p:cNvPr id="13" name="Picture 12">
@@ -16028,6 +16083,41 @@
           </a:prstGeom>
         </p:spPr>
       </p:pic>
+      <p:pic>
+        <p:nvPicPr>
+          <p:cNvPr id="43" name="Picture 42">
+            <a:extLst>
+              <a:ext uri="{FF2B5EF4-FFF2-40B4-BE49-F238E27FC236}">
+                <a16:creationId xmlns:a16="http://schemas.microsoft.com/office/drawing/2014/main" id="{D1585177-C4ED-D048-8244-560A177DEF8A}"/>
+              </a:ext>
+            </a:extLst>
+          </p:cNvPr>
+          <p:cNvPicPr>
+            <a:picLocks noChangeAspect="1"/>
+          </p:cNvPicPr>
+          <p:nvPr/>
+        </p:nvPicPr>
+        <p:blipFill>
+          <a:blip r:embed="rId4"/>
+          <a:stretch>
+            <a:fillRect/>
+          </a:stretch>
+        </p:blipFill>
+        <p:spPr>
+          <a:xfrm>
+            <a:off x="2368549" y="53454"/>
+            <a:ext cx="7454899" cy="4971167"/>
+          </a:xfrm>
+          <a:prstGeom prst="rect">
+            <a:avLst/>
+          </a:prstGeom>
+          <a:ln w="38100">
+            <a:solidFill>
+              <a:schemeClr val="bg1"/>
+            </a:solidFill>
+          </a:ln>
+        </p:spPr>
+      </p:pic>
       <p:sp>
         <p:nvSpPr>
           <p:cNvPr id="19" name="Subtitle 7">
@@ -16069,421 +16159,394 @@
           </a:p>
         </p:txBody>
       </p:sp>
-      <p:sp>
-        <p:nvSpPr>
-          <p:cNvPr id="18" name="TextBox 17">
+      <p:grpSp>
+        <p:nvGrpSpPr>
+          <p:cNvPr id="55" name="Group 54">
             <a:extLst>
               <a:ext uri="{FF2B5EF4-FFF2-40B4-BE49-F238E27FC236}">
-                <a16:creationId xmlns:a16="http://schemas.microsoft.com/office/drawing/2014/main" id="{9658841A-0378-B14F-8F3D-FF3D195DD77A}"/>
+                <a16:creationId xmlns:a16="http://schemas.microsoft.com/office/drawing/2014/main" id="{42B4968B-0AD1-A14F-BCFD-FC76DAC23DC2}"/>
               </a:ext>
             </a:extLst>
           </p:cNvPr>
-          <p:cNvSpPr txBox="1"/>
+          <p:cNvGrpSpPr/>
           <p:nvPr/>
-        </p:nvSpPr>
-        <p:spPr>
+        </p:nvGrpSpPr>
+        <p:grpSpPr>
           <a:xfrm>
-            <a:off x="433953" y="278969"/>
-            <a:ext cx="5501699" cy="2585323"/>
+            <a:off x="2738654" y="1799374"/>
+            <a:ext cx="2226700" cy="3066384"/>
+            <a:chOff x="2738654" y="1799374"/>
+            <a:chExt cx="2226700" cy="3066384"/>
           </a:xfrm>
-          <a:prstGeom prst="rect">
-            <a:avLst/>
-          </a:prstGeom>
-          <a:noFill/>
-        </p:spPr>
-        <p:txBody>
-          <a:bodyPr wrap="none" rtlCol="0">
-            <a:spAutoFit/>
-          </a:bodyPr>
-          <a:lstStyle/>
-          <a:p>
-            <a:r>
-              <a:rPr lang="en-US" b="1" dirty="0">
+        </p:grpSpPr>
+        <p:grpSp>
+          <p:nvGrpSpPr>
+            <p:cNvPr id="44" name="Group 43">
+              <a:extLst>
+                <a:ext uri="{FF2B5EF4-FFF2-40B4-BE49-F238E27FC236}">
+                  <a16:creationId xmlns:a16="http://schemas.microsoft.com/office/drawing/2014/main" id="{E609AB10-D20E-DA4E-912C-845BFBD6C78C}"/>
+                </a:ext>
+              </a:extLst>
+            </p:cNvPr>
+            <p:cNvGrpSpPr/>
+            <p:nvPr/>
+          </p:nvGrpSpPr>
+          <p:grpSpPr>
+            <a:xfrm>
+              <a:off x="2738654" y="1799374"/>
+              <a:ext cx="2215876" cy="3066384"/>
+              <a:chOff x="4133565" y="2355812"/>
+              <a:chExt cx="2215876" cy="3066384"/>
+            </a:xfrm>
+          </p:grpSpPr>
+          <p:sp>
+            <p:nvSpPr>
+              <p:cNvPr id="28" name="TextBox 27">
+                <a:extLst>
+                  <a:ext uri="{FF2B5EF4-FFF2-40B4-BE49-F238E27FC236}">
+                    <a16:creationId xmlns:a16="http://schemas.microsoft.com/office/drawing/2014/main" id="{C21D5F73-6E9B-F843-AB6A-4F4803D4A62B}"/>
+                  </a:ext>
+                </a:extLst>
+              </p:cNvPr>
+              <p:cNvSpPr txBox="1"/>
+              <p:nvPr/>
+            </p:nvSpPr>
+            <p:spPr>
+              <a:xfrm>
+                <a:off x="4133565" y="2355812"/>
+                <a:ext cx="2215876" cy="1200329"/>
+              </a:xfrm>
+              <a:prstGeom prst="rect">
+                <a:avLst/>
+              </a:prstGeom>
+              <a:solidFill>
+                <a:schemeClr val="tx1"/>
+              </a:solidFill>
+              <a:ln w="38100">
                 <a:solidFill>
-                  <a:schemeClr val="bg1"/>
+                  <a:srgbClr val="FF0000"/>
                 </a:solidFill>
-              </a:rPr>
-              <a:t>FICO Score</a:t>
-            </a:r>
-          </a:p>
-          <a:p>
-            <a:endParaRPr lang="en-US" b="1" dirty="0">
+              </a:ln>
+            </p:spPr>
+            <p:txBody>
+              <a:bodyPr wrap="square" rtlCol="0">
+                <a:spAutoFit/>
+              </a:bodyPr>
+              <a:lstStyle/>
+              <a:p>
+                <a:r>
+                  <a:rPr lang="en-US" sz="3600" dirty="0">
+                    <a:solidFill>
+                      <a:srgbClr val="FF0000"/>
+                    </a:solidFill>
+                  </a:rPr>
+                  <a:t>Most likely to default</a:t>
+                </a:r>
+              </a:p>
+            </p:txBody>
+          </p:sp>
+          <p:cxnSp>
+            <p:nvCxnSpPr>
+              <p:cNvPr id="33" name="Straight Connector 32">
+                <a:extLst>
+                  <a:ext uri="{FF2B5EF4-FFF2-40B4-BE49-F238E27FC236}">
+                    <a16:creationId xmlns:a16="http://schemas.microsoft.com/office/drawing/2014/main" id="{7FBE2B46-C866-AF48-AAB9-BBAA009E6226}"/>
+                  </a:ext>
+                </a:extLst>
+              </p:cNvPr>
+              <p:cNvCxnSpPr/>
+              <p:nvPr/>
+            </p:nvCxnSpPr>
+            <p:spPr>
+              <a:xfrm>
+                <a:off x="6349441" y="4162196"/>
+                <a:ext cx="0" cy="1260000"/>
+              </a:xfrm>
+              <a:prstGeom prst="line">
+                <a:avLst/>
+              </a:prstGeom>
+              <a:ln w="28575">
+                <a:solidFill>
+                  <a:srgbClr val="FF0000"/>
+                </a:solidFill>
+              </a:ln>
+            </p:spPr>
+            <p:style>
+              <a:lnRef idx="1">
+                <a:schemeClr val="accent1"/>
+              </a:lnRef>
+              <a:fillRef idx="0">
+                <a:schemeClr val="accent1"/>
+              </a:fillRef>
+              <a:effectRef idx="0">
+                <a:schemeClr val="accent1"/>
+              </a:effectRef>
+              <a:fontRef idx="minor">
+                <a:schemeClr val="tx1"/>
+              </a:fontRef>
+            </p:style>
+          </p:cxnSp>
+          <p:cxnSp>
+            <p:nvCxnSpPr>
+              <p:cNvPr id="34" name="Straight Connector 33">
+                <a:extLst>
+                  <a:ext uri="{FF2B5EF4-FFF2-40B4-BE49-F238E27FC236}">
+                    <a16:creationId xmlns:a16="http://schemas.microsoft.com/office/drawing/2014/main" id="{E75AC4D5-7921-A745-BCEF-9C470F3CEC8B}"/>
+                  </a:ext>
+                </a:extLst>
+              </p:cNvPr>
+              <p:cNvCxnSpPr/>
+              <p:nvPr/>
+            </p:nvCxnSpPr>
+            <p:spPr>
+              <a:xfrm>
+                <a:off x="5964265" y="4139711"/>
+                <a:ext cx="0" cy="1282485"/>
+              </a:xfrm>
+              <a:prstGeom prst="line">
+                <a:avLst/>
+              </a:prstGeom>
+              <a:ln w="28575">
+                <a:solidFill>
+                  <a:srgbClr val="FF0000"/>
+                </a:solidFill>
+              </a:ln>
+            </p:spPr>
+            <p:style>
+              <a:lnRef idx="1">
+                <a:schemeClr val="accent1"/>
+              </a:lnRef>
+              <a:fillRef idx="0">
+                <a:schemeClr val="accent1"/>
+              </a:fillRef>
+              <a:effectRef idx="0">
+                <a:schemeClr val="accent1"/>
+              </a:effectRef>
+              <a:fontRef idx="minor">
+                <a:schemeClr val="tx1"/>
+              </a:fontRef>
+            </p:style>
+          </p:cxnSp>
+        </p:grpSp>
+        <p:cxnSp>
+          <p:nvCxnSpPr>
+            <p:cNvPr id="51" name="Straight Arrow Connector 50">
+              <a:extLst>
+                <a:ext uri="{FF2B5EF4-FFF2-40B4-BE49-F238E27FC236}">
+                  <a16:creationId xmlns:a16="http://schemas.microsoft.com/office/drawing/2014/main" id="{644BB2DB-2499-4042-8E5A-B15947669D8D}"/>
+                </a:ext>
+              </a:extLst>
+            </p:cNvPr>
+            <p:cNvCxnSpPr>
+              <a:cxnSpLocks/>
+            </p:cNvCxnSpPr>
+            <p:nvPr/>
+          </p:nvCxnSpPr>
+          <p:spPr>
+            <a:xfrm>
+              <a:off x="4569354" y="4535833"/>
+              <a:ext cx="396000" cy="0"/>
+            </a:xfrm>
+            <a:prstGeom prst="straightConnector1">
+              <a:avLst/>
+            </a:prstGeom>
+            <a:ln w="31750">
               <a:solidFill>
-                <a:schemeClr val="bg1"/>
+                <a:srgbClr val="FF0000"/>
               </a:solidFill>
-            </a:endParaRPr>
-          </a:p>
-          <a:p>
-            <a:r>
-              <a:rPr lang="en-US" b="1" dirty="0">
-                <a:solidFill>
-                  <a:schemeClr val="bg1"/>
-                </a:solidFill>
-              </a:rPr>
-              <a:t>• </a:t>
-            </a:r>
-            <a:r>
-              <a:rPr lang="en-GB" dirty="0">
-                <a:solidFill>
-                  <a:schemeClr val="bg1"/>
-                </a:solidFill>
-              </a:rPr>
-              <a:t>Fair Isaac Corporation (FICO)</a:t>
-            </a:r>
-            <a:endParaRPr lang="en-US" b="1" dirty="0">
-              <a:solidFill>
-                <a:schemeClr val="bg1"/>
-              </a:solidFill>
-            </a:endParaRPr>
-          </a:p>
-          <a:p>
-            <a:endParaRPr lang="en-US" dirty="0">
-              <a:solidFill>
-                <a:schemeClr val="bg1"/>
-              </a:solidFill>
-            </a:endParaRPr>
-          </a:p>
-          <a:p>
-            <a:r>
-              <a:rPr lang="en-US" dirty="0">
-                <a:solidFill>
-                  <a:schemeClr val="bg1"/>
-                </a:solidFill>
-              </a:rPr>
-              <a:t>• Between 300 – 850 points</a:t>
-            </a:r>
-          </a:p>
-          <a:p>
-            <a:endParaRPr lang="en-US" dirty="0">
-              <a:solidFill>
-                <a:schemeClr val="bg1"/>
-              </a:solidFill>
-            </a:endParaRPr>
-          </a:p>
-          <a:p>
-            <a:r>
-              <a:rPr lang="en-US" dirty="0">
-                <a:solidFill>
-                  <a:schemeClr val="bg1"/>
-                </a:solidFill>
-              </a:rPr>
-              <a:t>• Lenders want 670 -739 points </a:t>
-            </a:r>
-          </a:p>
-          <a:p>
-            <a:endParaRPr lang="en-US" dirty="0">
-              <a:solidFill>
-                <a:schemeClr val="bg1"/>
-              </a:solidFill>
-            </a:endParaRPr>
-          </a:p>
-          <a:p>
-            <a:r>
-              <a:rPr lang="en-US" dirty="0">
-                <a:solidFill>
-                  <a:schemeClr val="bg1"/>
-                </a:solidFill>
-              </a:rPr>
-              <a:t>• FICO Range Low &amp; High in data set, 4 points difference</a:t>
-            </a:r>
-          </a:p>
-        </p:txBody>
-      </p:sp>
-      <p:pic>
-        <p:nvPicPr>
-          <p:cNvPr id="24" name="Picture 23">
+              <a:headEnd type="triangle"/>
+              <a:tailEnd type="triangle"/>
+            </a:ln>
+          </p:spPr>
+          <p:style>
+            <a:lnRef idx="1">
+              <a:schemeClr val="accent1"/>
+            </a:lnRef>
+            <a:fillRef idx="0">
+              <a:schemeClr val="accent1"/>
+            </a:fillRef>
+            <a:effectRef idx="0">
+              <a:schemeClr val="accent1"/>
+            </a:effectRef>
+            <a:fontRef idx="minor">
+              <a:schemeClr val="tx1"/>
+            </a:fontRef>
+          </p:style>
+        </p:cxnSp>
+      </p:grpSp>
+      <p:grpSp>
+        <p:nvGrpSpPr>
+          <p:cNvPr id="56" name="Group 55">
             <a:extLst>
               <a:ext uri="{FF2B5EF4-FFF2-40B4-BE49-F238E27FC236}">
-                <a16:creationId xmlns:a16="http://schemas.microsoft.com/office/drawing/2014/main" id="{2586E092-84AE-6549-88A3-BFA18FB0E221}"/>
+                <a16:creationId xmlns:a16="http://schemas.microsoft.com/office/drawing/2014/main" id="{AAB49452-B0F4-8143-81AA-E2E81FD70217}"/>
               </a:ext>
             </a:extLst>
           </p:cNvPr>
-          <p:cNvPicPr>
-            <a:picLocks noChangeAspect="1"/>
-          </p:cNvPicPr>
+          <p:cNvGrpSpPr/>
           <p:nvPr/>
-        </p:nvPicPr>
-        <p:blipFill>
-          <a:blip r:embed="rId4"/>
-          <a:stretch>
-            <a:fillRect/>
-          </a:stretch>
-        </p:blipFill>
-        <p:spPr>
+        </p:nvGrpSpPr>
+        <p:grpSpPr>
           <a:xfrm>
-            <a:off x="2368550" y="52603"/>
-            <a:ext cx="7454900" cy="4813300"/>
+            <a:off x="5076505" y="713441"/>
+            <a:ext cx="2983377" cy="4140000"/>
+            <a:chOff x="5076505" y="713441"/>
+            <a:chExt cx="2983377" cy="4140000"/>
           </a:xfrm>
-          <a:prstGeom prst="rect">
-            <a:avLst/>
-          </a:prstGeom>
-          <a:ln w="38100">
-            <a:solidFill>
-              <a:schemeClr val="bg1"/>
-            </a:solidFill>
-          </a:ln>
-        </p:spPr>
-      </p:pic>
-      <p:sp>
-        <p:nvSpPr>
-          <p:cNvPr id="27" name="TextBox 26">
-            <a:extLst>
-              <a:ext uri="{FF2B5EF4-FFF2-40B4-BE49-F238E27FC236}">
-                <a16:creationId xmlns:a16="http://schemas.microsoft.com/office/drawing/2014/main" id="{445FBAC3-6781-1F4C-8F7F-47BB0B874572}"/>
-              </a:ext>
-            </a:extLst>
-          </p:cNvPr>
-          <p:cNvSpPr txBox="1"/>
-          <p:nvPr/>
-        </p:nvSpPr>
-        <p:spPr>
-          <a:xfrm>
-            <a:off x="8535756" y="705689"/>
-            <a:ext cx="2470926" cy="1323439"/>
-          </a:xfrm>
-          <a:prstGeom prst="rect">
-            <a:avLst/>
-          </a:prstGeom>
-          <a:solidFill>
-            <a:schemeClr val="tx1"/>
-          </a:solidFill>
-          <a:ln w="38100">
-            <a:solidFill>
-              <a:srgbClr val="0070C0"/>
-            </a:solidFill>
-          </a:ln>
-        </p:spPr>
-        <p:txBody>
-          <a:bodyPr wrap="square" rtlCol="0">
-            <a:spAutoFit/>
-          </a:bodyPr>
-          <a:lstStyle/>
-          <a:p>
-            <a:r>
-              <a:rPr lang="en-US" sz="4000" dirty="0">
+        </p:grpSpPr>
+        <p:grpSp>
+          <p:nvGrpSpPr>
+            <p:cNvPr id="45" name="Group 44">
+              <a:extLst>
+                <a:ext uri="{FF2B5EF4-FFF2-40B4-BE49-F238E27FC236}">
+                  <a16:creationId xmlns:a16="http://schemas.microsoft.com/office/drawing/2014/main" id="{00662BA3-5887-9C4F-A1A0-929EAD50FDA2}"/>
+                </a:ext>
+              </a:extLst>
+            </p:cNvPr>
+            <p:cNvGrpSpPr/>
+            <p:nvPr/>
+          </p:nvGrpSpPr>
+          <p:grpSpPr>
+            <a:xfrm>
+              <a:off x="5076505" y="713441"/>
+              <a:ext cx="2373471" cy="4140000"/>
+              <a:chOff x="5076505" y="697994"/>
+              <a:chExt cx="2373471" cy="4140000"/>
+            </a:xfrm>
+          </p:grpSpPr>
+          <p:sp>
+            <p:nvSpPr>
+              <p:cNvPr id="27" name="TextBox 26">
+                <a:extLst>
+                  <a:ext uri="{FF2B5EF4-FFF2-40B4-BE49-F238E27FC236}">
+                    <a16:creationId xmlns:a16="http://schemas.microsoft.com/office/drawing/2014/main" id="{445FBAC3-6781-1F4C-8F7F-47BB0B874572}"/>
+                  </a:ext>
+                </a:extLst>
+              </p:cNvPr>
+              <p:cNvSpPr txBox="1"/>
+              <p:nvPr/>
+            </p:nvSpPr>
+            <p:spPr>
+              <a:xfrm>
+                <a:off x="5246743" y="1786399"/>
+                <a:ext cx="2203233" cy="1200329"/>
+              </a:xfrm>
+              <a:prstGeom prst="rect">
+                <a:avLst/>
+              </a:prstGeom>
+              <a:solidFill>
+                <a:schemeClr val="tx1"/>
+              </a:solidFill>
+              <a:ln w="38100">
                 <a:solidFill>
                   <a:srgbClr val="0070C0"/>
                 </a:solidFill>
-              </a:rPr>
-              <a:t>Least likely to default</a:t>
-            </a:r>
-          </a:p>
-        </p:txBody>
-      </p:sp>
-      <p:sp>
-        <p:nvSpPr>
-          <p:cNvPr id="28" name="TextBox 27">
-            <a:extLst>
-              <a:ext uri="{FF2B5EF4-FFF2-40B4-BE49-F238E27FC236}">
-                <a16:creationId xmlns:a16="http://schemas.microsoft.com/office/drawing/2014/main" id="{C21D5F73-6E9B-F843-AB6A-4F4803D4A62B}"/>
-              </a:ext>
-            </a:extLst>
-          </p:cNvPr>
-          <p:cNvSpPr txBox="1"/>
-          <p:nvPr/>
-        </p:nvSpPr>
-        <p:spPr>
-          <a:xfrm>
-            <a:off x="8548584" y="2981768"/>
-            <a:ext cx="2497316" cy="1323439"/>
-          </a:xfrm>
-          <a:prstGeom prst="rect">
-            <a:avLst/>
-          </a:prstGeom>
-          <a:solidFill>
-            <a:schemeClr val="tx1"/>
-          </a:solidFill>
-          <a:ln w="38100">
-            <a:solidFill>
-              <a:srgbClr val="FF0000"/>
-            </a:solidFill>
-          </a:ln>
-        </p:spPr>
-        <p:txBody>
-          <a:bodyPr wrap="square" rtlCol="0">
-            <a:spAutoFit/>
-          </a:bodyPr>
-          <a:lstStyle/>
-          <a:p>
-            <a:r>
-              <a:rPr lang="en-US" sz="4000" dirty="0">
+              </a:ln>
+            </p:spPr>
+            <p:txBody>
+              <a:bodyPr wrap="square" rtlCol="0">
+                <a:spAutoFit/>
+              </a:bodyPr>
+              <a:lstStyle/>
+              <a:p>
+                <a:r>
+                  <a:rPr lang="en-US" sz="3600" dirty="0">
+                    <a:solidFill>
+                      <a:srgbClr val="0070C0"/>
+                    </a:solidFill>
+                  </a:rPr>
+                  <a:t>Least likely to default</a:t>
+                </a:r>
+              </a:p>
+            </p:txBody>
+          </p:sp>
+          <p:cxnSp>
+            <p:nvCxnSpPr>
+              <p:cNvPr id="35" name="Straight Connector 34">
+                <a:extLst>
+                  <a:ext uri="{FF2B5EF4-FFF2-40B4-BE49-F238E27FC236}">
+                    <a16:creationId xmlns:a16="http://schemas.microsoft.com/office/drawing/2014/main" id="{B47A2559-D4A1-EF42-9831-6A57804829FB}"/>
+                  </a:ext>
+                </a:extLst>
+              </p:cNvPr>
+              <p:cNvCxnSpPr>
+                <a:cxnSpLocks/>
+              </p:cNvCxnSpPr>
+              <p:nvPr/>
+            </p:nvCxnSpPr>
+            <p:spPr>
+              <a:xfrm>
+                <a:off x="5076505" y="697994"/>
+                <a:ext cx="0" cy="4140000"/>
+              </a:xfrm>
+              <a:prstGeom prst="line">
+                <a:avLst/>
+              </a:prstGeom>
+              <a:ln w="28575">
                 <a:solidFill>
-                  <a:srgbClr val="FF0000"/>
+                  <a:srgbClr val="0070C0"/>
                 </a:solidFill>
-              </a:rPr>
-              <a:t>Most likely to default</a:t>
-            </a:r>
-          </a:p>
-        </p:txBody>
-      </p:sp>
-      <p:cxnSp>
-        <p:nvCxnSpPr>
-          <p:cNvPr id="33" name="Straight Connector 32">
-            <a:extLst>
-              <a:ext uri="{FF2B5EF4-FFF2-40B4-BE49-F238E27FC236}">
-                <a16:creationId xmlns:a16="http://schemas.microsoft.com/office/drawing/2014/main" id="{7FBE2B46-C866-AF48-AAB9-BBAA009E6226}"/>
-              </a:ext>
-            </a:extLst>
-          </p:cNvPr>
-          <p:cNvCxnSpPr/>
-          <p:nvPr/>
-        </p:nvCxnSpPr>
-        <p:spPr>
-          <a:xfrm>
-            <a:off x="4401519" y="3429000"/>
-            <a:ext cx="0" cy="1282485"/>
-          </a:xfrm>
-          <a:prstGeom prst="line">
-            <a:avLst/>
-          </a:prstGeom>
-          <a:ln w="28575">
-            <a:solidFill>
-              <a:srgbClr val="FF0000"/>
-            </a:solidFill>
-          </a:ln>
-        </p:spPr>
-        <p:style>
-          <a:lnRef idx="1">
-            <a:schemeClr val="accent1"/>
-          </a:lnRef>
-          <a:fillRef idx="0">
-            <a:schemeClr val="accent1"/>
-          </a:fillRef>
-          <a:effectRef idx="0">
-            <a:schemeClr val="accent1"/>
-          </a:effectRef>
-          <a:fontRef idx="minor">
-            <a:schemeClr val="tx1"/>
-          </a:fontRef>
-        </p:style>
-      </p:cxnSp>
-      <p:cxnSp>
-        <p:nvCxnSpPr>
-          <p:cNvPr id="34" name="Straight Connector 33">
-            <a:extLst>
-              <a:ext uri="{FF2B5EF4-FFF2-40B4-BE49-F238E27FC236}">
-                <a16:creationId xmlns:a16="http://schemas.microsoft.com/office/drawing/2014/main" id="{E75AC4D5-7921-A745-BCEF-9C470F3CEC8B}"/>
-              </a:ext>
-            </a:extLst>
-          </p:cNvPr>
-          <p:cNvCxnSpPr/>
-          <p:nvPr/>
-        </p:nvCxnSpPr>
-        <p:spPr>
-          <a:xfrm>
-            <a:off x="4553919" y="3428999"/>
-            <a:ext cx="0" cy="1282485"/>
-          </a:xfrm>
-          <a:prstGeom prst="line">
-            <a:avLst/>
-          </a:prstGeom>
-          <a:ln w="28575">
-            <a:solidFill>
-              <a:srgbClr val="FF0000"/>
-            </a:solidFill>
-          </a:ln>
-        </p:spPr>
-        <p:style>
-          <a:lnRef idx="1">
-            <a:schemeClr val="accent1"/>
-          </a:lnRef>
-          <a:fillRef idx="0">
-            <a:schemeClr val="accent1"/>
-          </a:fillRef>
-          <a:effectRef idx="0">
-            <a:schemeClr val="accent1"/>
-          </a:effectRef>
-          <a:fontRef idx="minor">
-            <a:schemeClr val="tx1"/>
-          </a:fontRef>
-        </p:style>
-      </p:cxnSp>
-      <p:cxnSp>
-        <p:nvCxnSpPr>
-          <p:cNvPr id="35" name="Straight Connector 34">
-            <a:extLst>
-              <a:ext uri="{FF2B5EF4-FFF2-40B4-BE49-F238E27FC236}">
-                <a16:creationId xmlns:a16="http://schemas.microsoft.com/office/drawing/2014/main" id="{B47A2559-D4A1-EF42-9831-6A57804829FB}"/>
-              </a:ext>
-            </a:extLst>
-          </p:cNvPr>
-          <p:cNvCxnSpPr>
-            <a:cxnSpLocks/>
-          </p:cNvCxnSpPr>
-          <p:nvPr/>
-        </p:nvCxnSpPr>
-        <p:spPr>
-          <a:xfrm>
-            <a:off x="5279756" y="480447"/>
-            <a:ext cx="0" cy="4231038"/>
-          </a:xfrm>
-          <a:prstGeom prst="line">
-            <a:avLst/>
-          </a:prstGeom>
-          <a:ln w="28575">
-            <a:solidFill>
-              <a:srgbClr val="0070C0"/>
-            </a:solidFill>
-          </a:ln>
-        </p:spPr>
-        <p:style>
-          <a:lnRef idx="1">
-            <a:schemeClr val="accent1"/>
-          </a:lnRef>
-          <a:fillRef idx="0">
-            <a:schemeClr val="accent1"/>
-          </a:fillRef>
-          <a:effectRef idx="0">
-            <a:schemeClr val="accent1"/>
-          </a:effectRef>
-          <a:fontRef idx="minor">
-            <a:schemeClr val="tx1"/>
-          </a:fontRef>
-        </p:style>
-      </p:cxnSp>
-      <p:cxnSp>
-        <p:nvCxnSpPr>
-          <p:cNvPr id="41" name="Straight Connector 40">
-            <a:extLst>
-              <a:ext uri="{FF2B5EF4-FFF2-40B4-BE49-F238E27FC236}">
-                <a16:creationId xmlns:a16="http://schemas.microsoft.com/office/drawing/2014/main" id="{752F7C36-3355-624B-A15D-C5EBBA969764}"/>
-              </a:ext>
-            </a:extLst>
-          </p:cNvPr>
-          <p:cNvCxnSpPr>
-            <a:cxnSpLocks/>
-          </p:cNvCxnSpPr>
-          <p:nvPr/>
-        </p:nvCxnSpPr>
-        <p:spPr>
-          <a:xfrm>
-            <a:off x="5525146" y="480447"/>
-            <a:ext cx="0" cy="4231038"/>
-          </a:xfrm>
-          <a:prstGeom prst="line">
-            <a:avLst/>
-          </a:prstGeom>
-          <a:ln w="28575">
-            <a:solidFill>
-              <a:srgbClr val="0070C0"/>
-            </a:solidFill>
-          </a:ln>
-        </p:spPr>
-        <p:style>
-          <a:lnRef idx="1">
-            <a:schemeClr val="accent1"/>
-          </a:lnRef>
-          <a:fillRef idx="0">
-            <a:schemeClr val="accent1"/>
-          </a:fillRef>
-          <a:effectRef idx="0">
-            <a:schemeClr val="accent1"/>
-          </a:effectRef>
-          <a:fontRef idx="minor">
-            <a:schemeClr val="tx1"/>
-          </a:fontRef>
-        </p:style>
-      </p:cxnSp>
+              </a:ln>
+            </p:spPr>
+            <p:style>
+              <a:lnRef idx="1">
+                <a:schemeClr val="accent1"/>
+              </a:lnRef>
+              <a:fillRef idx="0">
+                <a:schemeClr val="accent1"/>
+              </a:fillRef>
+              <a:effectRef idx="0">
+                <a:schemeClr val="accent1"/>
+              </a:effectRef>
+              <a:fontRef idx="minor">
+                <a:schemeClr val="tx1"/>
+              </a:fontRef>
+            </p:style>
+          </p:cxnSp>
+        </p:grpSp>
+        <p:cxnSp>
+          <p:nvCxnSpPr>
+            <p:cNvPr id="54" name="Straight Arrow Connector 53">
+              <a:extLst>
+                <a:ext uri="{FF2B5EF4-FFF2-40B4-BE49-F238E27FC236}">
+                  <a16:creationId xmlns:a16="http://schemas.microsoft.com/office/drawing/2014/main" id="{395C8570-4A77-3849-9B5E-C588B0F11975}"/>
+                </a:ext>
+              </a:extLst>
+            </p:cNvPr>
+            <p:cNvCxnSpPr/>
+            <p:nvPr/>
+          </p:nvCxnSpPr>
+          <p:spPr>
+            <a:xfrm>
+              <a:off x="5076505" y="4535833"/>
+              <a:ext cx="2983377" cy="0"/>
+            </a:xfrm>
+            <a:prstGeom prst="straightConnector1">
+              <a:avLst/>
+            </a:prstGeom>
+            <a:ln w="38100">
+              <a:solidFill>
+                <a:srgbClr val="0070C0"/>
+              </a:solidFill>
+              <a:tailEnd type="triangle"/>
+            </a:ln>
+          </p:spPr>
+          <p:style>
+            <a:lnRef idx="1">
+              <a:schemeClr val="accent1"/>
+            </a:lnRef>
+            <a:fillRef idx="0">
+              <a:schemeClr val="accent1"/>
+            </a:fillRef>
+            <a:effectRef idx="0">
+              <a:schemeClr val="accent1"/>
+            </a:effectRef>
+            <a:fontRef idx="minor">
+              <a:schemeClr val="tx1"/>
+            </a:fontRef>
+          </p:style>
+        </p:cxnSp>
+      </p:grpSp>
     </p:spTree>
     <p:extLst>
       <p:ext uri="{BB962C8B-B14F-4D97-AF65-F5344CB8AC3E}">
@@ -16573,7 +16636,7 @@
                                           </p:stCondLst>
                                         </p:cTn>
                                         <p:tgtEl>
-                                          <p:spTgt spid="24"/>
+                                          <p:spTgt spid="43"/>
                                         </p:tgtEl>
                                         <p:attrNameLst>
                                           <p:attrName>style.visibility</p:attrName>
@@ -16587,7 +16650,7 @@
                                       <p:cBhvr additive="base">
                                         <p:cTn id="11" dur="500" fill="hold"/>
                                         <p:tgtEl>
-                                          <p:spTgt spid="24"/>
+                                          <p:spTgt spid="43"/>
                                         </p:tgtEl>
                                         <p:attrNameLst>
                                           <p:attrName>ppt_x</p:attrName>
@@ -16610,7 +16673,7 @@
                                       <p:cBhvr additive="base">
                                         <p:cTn id="12" dur="500" fill="hold"/>
                                         <p:tgtEl>
-                                          <p:spTgt spid="24"/>
+                                          <p:spTgt spid="43"/>
                                         </p:tgtEl>
                                         <p:attrNameLst>
                                           <p:attrName>ppt_y</p:attrName>
@@ -16629,6 +16692,96 @@
                                         </p:tav>
                                       </p:tavLst>
                                     </p:anim>
+                                  </p:childTnLst>
+                                </p:cTn>
+                              </p:par>
+                            </p:childTnLst>
+                          </p:cTn>
+                        </p:par>
+                      </p:childTnLst>
+                    </p:cTn>
+                  </p:par>
+                  <p:par>
+                    <p:cTn id="13" fill="hold">
+                      <p:stCondLst>
+                        <p:cond delay="indefinite"/>
+                      </p:stCondLst>
+                      <p:childTnLst>
+                        <p:par>
+                          <p:cTn id="14" fill="hold">
+                            <p:stCondLst>
+                              <p:cond delay="0"/>
+                            </p:stCondLst>
+                            <p:childTnLst>
+                              <p:par>
+                                <p:cTn id="15" presetID="1" presetClass="entr" presetSubtype="0" fill="hold" nodeType="clickEffect">
+                                  <p:stCondLst>
+                                    <p:cond delay="0"/>
+                                  </p:stCondLst>
+                                  <p:childTnLst>
+                                    <p:set>
+                                      <p:cBhvr>
+                                        <p:cTn id="16" dur="1" fill="hold">
+                                          <p:stCondLst>
+                                            <p:cond delay="0"/>
+                                          </p:stCondLst>
+                                        </p:cTn>
+                                        <p:tgtEl>
+                                          <p:spTgt spid="55"/>
+                                        </p:tgtEl>
+                                        <p:attrNameLst>
+                                          <p:attrName>style.visibility</p:attrName>
+                                        </p:attrNameLst>
+                                      </p:cBhvr>
+                                      <p:to>
+                                        <p:strVal val="visible"/>
+                                      </p:to>
+                                    </p:set>
+                                  </p:childTnLst>
+                                </p:cTn>
+                              </p:par>
+                            </p:childTnLst>
+                          </p:cTn>
+                        </p:par>
+                      </p:childTnLst>
+                    </p:cTn>
+                  </p:par>
+                  <p:par>
+                    <p:cTn id="17" fill="hold">
+                      <p:stCondLst>
+                        <p:cond delay="indefinite"/>
+                      </p:stCondLst>
+                      <p:childTnLst>
+                        <p:par>
+                          <p:cTn id="18" fill="hold">
+                            <p:stCondLst>
+                              <p:cond delay="0"/>
+                            </p:stCondLst>
+                            <p:childTnLst>
+                              <p:par>
+                                <p:cTn id="19" presetID="1" presetClass="entr" presetSubtype="0" fill="hold" nodeType="clickEffect">
+                                  <p:stCondLst>
+                                    <p:cond delay="0"/>
+                                  </p:stCondLst>
+                                  <p:childTnLst>
+                                    <p:set>
+                                      <p:cBhvr>
+                                        <p:cTn id="20" dur="1" fill="hold">
+                                          <p:stCondLst>
+                                            <p:cond delay="0"/>
+                                          </p:stCondLst>
+                                        </p:cTn>
+                                        <p:tgtEl>
+                                          <p:spTgt spid="56"/>
+                                        </p:tgtEl>
+                                        <p:attrNameLst>
+                                          <p:attrName>style.visibility</p:attrName>
+                                        </p:attrNameLst>
+                                      </p:cBhvr>
+                                      <p:to>
+                                        <p:strVal val="visible"/>
+                                      </p:to>
+                                    </p:set>
                                   </p:childTnLst>
                                 </p:cTn>
                               </p:par>

--- a/documentation/loan_defaults_presentation.pptx
+++ b/documentation/loan_defaults_presentation.pptx
@@ -897,6 +897,15 @@
               <a:t>- SO??? -  CLICK - the states denoted are most and least likely to default..</a:t>
             </a:r>
           </a:p>
+          <a:p>
+            <a:endParaRPr lang="en-US" dirty="0"/>
+          </a:p>
+          <a:p>
+            <a:r>
+              <a:rPr lang="en-US" dirty="0"/>
+              <a:t>- Now to answer the business question...</a:t>
+            </a:r>
+          </a:p>
         </p:txBody>
       </p:sp>
       <p:sp>
@@ -979,7 +988,18 @@
           <a:bodyPr/>
           <a:lstStyle/>
           <a:p>
-            <a:endParaRPr lang="en-US" dirty="0"/>
+            <a:r>
+              <a:rPr lang="en-US" dirty="0"/>
+              <a:t>All in all, the profile on the left is most likely to cost </a:t>
+            </a:r>
+            <a:r>
+              <a:rPr lang="en-US" dirty="0" err="1"/>
+              <a:t>LendingClub</a:t>
+            </a:r>
+            <a:r>
+              <a:rPr lang="en-US" dirty="0"/>
+              <a:t>, and the profile on the right is most likely to in</a:t>
+            </a:r>
           </a:p>
         </p:txBody>
       </p:sp>
@@ -1840,6 +1860,12 @@
           <a:p>
             <a:r>
               <a:rPr lang="en-US" dirty="0"/>
+              <a:t>-CLICK -</a:t>
+            </a:r>
+          </a:p>
+          <a:p>
+            <a:r>
+              <a:rPr lang="en-US" dirty="0"/>
               <a:t>There was 3 datasets that were all in csv format containing the customer information, full US state names and </a:t>
             </a:r>
             <a:r>
@@ -1857,11 +1883,23 @@
           <a:p>
             <a:r>
               <a:rPr lang="en-US" dirty="0"/>
+              <a:t>-CLICK-</a:t>
+            </a:r>
+          </a:p>
+          <a:p>
+            <a:r>
+              <a:rPr lang="en-US" dirty="0"/>
               <a:t>Quality – Varying data types, A volume of missing values, after cleaning the data of them I almost halved the amount of columns in the dataset</a:t>
             </a:r>
           </a:p>
           <a:p>
             <a:endParaRPr lang="en-US" dirty="0"/>
+          </a:p>
+          <a:p>
+            <a:r>
+              <a:rPr lang="en-US" dirty="0"/>
+              <a:t>-CLICK-</a:t>
+            </a:r>
           </a:p>
           <a:p>
             <a:r>
@@ -1885,6 +1923,12 @@
           </a:p>
           <a:p>
             <a:endParaRPr lang="en-US" dirty="0"/>
+          </a:p>
+          <a:p>
+            <a:r>
+              <a:rPr lang="en-US" dirty="0"/>
+              <a:t>-CLICK-</a:t>
+            </a:r>
           </a:p>
           <a:p>
             <a:r>
@@ -2316,7 +2360,7 @@
                   <a:schemeClr val="bg1"/>
                 </a:solidFill>
               </a:rPr>
-              <a:t>FICO Score in data set… so chose to have a lower tolerance for defaulting, further protecting the business</a:t>
+              <a:t>FICO Score in data set… so I chose to have a lower tolerance for defaulting, further protecting the business from profit loss.</a:t>
             </a:r>
           </a:p>
           <a:p>
@@ -2396,7 +2440,7 @@
                   <a:schemeClr val="bg1"/>
                 </a:solidFill>
               </a:rPr>
-              <a:t> the Fico score starts here at 615, gradually increases to 655 where it dramatically increases. This appears to be </a:t>
+              <a:t> the Fico score starts here at 615, gradually increases to 655 where it then dramatically increases. This appears to be </a:t>
             </a:r>
             <a:r>
               <a:rPr lang="en-US" dirty="0" err="1">
@@ -2445,27 +2489,24 @@
               <a:buFontTx/>
               <a:buChar char="-"/>
             </a:pPr>
+            <a:endParaRPr lang="en-US" dirty="0">
+              <a:solidFill>
+                <a:schemeClr val="bg1"/>
+              </a:solidFill>
+            </a:endParaRPr>
+          </a:p>
+          <a:p>
+            <a:pPr marL="171450" indent="-171450">
+              <a:buFontTx/>
+              <a:buChar char="-"/>
+            </a:pPr>
             <a:r>
               <a:rPr lang="en-US" dirty="0">
                 <a:solidFill>
                   <a:schemeClr val="bg1"/>
                 </a:solidFill>
               </a:rPr>
-              <a:t>SO? </a:t>
-            </a:r>
-          </a:p>
-          <a:p>
-            <a:pPr marL="171450" indent="-171450">
-              <a:buFontTx/>
-              <a:buChar char="-"/>
-            </a:pPr>
-            <a:r>
-              <a:rPr lang="en-US" dirty="0">
-                <a:solidFill>
-                  <a:schemeClr val="bg1"/>
-                </a:solidFill>
-              </a:rPr>
-              <a:t>SO ... with the weight of customers being after score 655, the data shows that the peak in defaults are between 665 and 680, and the peak of customers least likely to default being 685 onwards, as higher scores by default represent a better credit history </a:t>
+              <a:t>SO ... with the weight of customers being after score 655, the data shows that -CLICK- the peak in defaults are between 665 and 680, and the -CLICK- peak of customers least likely to default are 685 onwards - this is due to a higher FICO score generally representing a better credit history and lower chance of defaulting on a loan</a:t>
             </a:r>
           </a:p>
           <a:p>
@@ -9962,7 +10003,7 @@
         <p:spPr>
           <a:xfrm>
             <a:off x="689811" y="802105"/>
-            <a:ext cx="5229726" cy="3416320"/>
+            <a:ext cx="5229726" cy="3970318"/>
           </a:xfrm>
           <a:prstGeom prst="rect">
             <a:avLst/>
@@ -10002,7 +10043,7 @@
                   <a:schemeClr val="bg1"/>
                 </a:solidFill>
               </a:rPr>
-              <a:t>State</a:t>
+              <a:t>FICO Score</a:t>
             </a:r>
             <a:r>
               <a:rPr lang="en-US" dirty="0">
@@ -10010,7 +10051,7 @@
                   <a:schemeClr val="bg1"/>
                 </a:solidFill>
               </a:rPr>
-              <a:t>: California, Maryland, Washington, Florida and Georgia </a:t>
+              <a:t>: 665 - 680</a:t>
             </a:r>
           </a:p>
           <a:p>
@@ -10068,7 +10109,7 @@
                   <a:schemeClr val="bg1"/>
                 </a:solidFill>
               </a:rPr>
-              <a:t>FICO Score</a:t>
+              <a:t>State</a:t>
             </a:r>
             <a:r>
               <a:rPr lang="en-US" dirty="0">
@@ -10076,8 +10117,30 @@
                   <a:schemeClr val="bg1"/>
                 </a:solidFill>
               </a:rPr>
-              <a:t>: 665 - 680</a:t>
-            </a:r>
+              <a:t>: California, Maryland, Washington, Florida and Georgia </a:t>
+            </a:r>
+          </a:p>
+          <a:p>
+            <a:pPr marL="285750" indent="-285750">
+              <a:buFontTx/>
+              <a:buChar char="-"/>
+            </a:pPr>
+            <a:endParaRPr lang="en-US" dirty="0">
+              <a:solidFill>
+                <a:schemeClr val="bg1"/>
+              </a:solidFill>
+            </a:endParaRPr>
+          </a:p>
+          <a:p>
+            <a:pPr marL="285750" indent="-285750">
+              <a:buFontTx/>
+              <a:buChar char="-"/>
+            </a:pPr>
+            <a:endParaRPr lang="en-US" dirty="0">
+              <a:solidFill>
+                <a:schemeClr val="bg1"/>
+              </a:solidFill>
+            </a:endParaRPr>
           </a:p>
           <a:p>
             <a:pPr marL="285750" indent="-285750">
@@ -10129,7 +10192,7 @@
         <p:spPr>
           <a:xfrm>
             <a:off x="6300537" y="802105"/>
-            <a:ext cx="5229726" cy="3139321"/>
+            <a:ext cx="5229726" cy="3693319"/>
           </a:xfrm>
           <a:prstGeom prst="rect">
             <a:avLst/>
@@ -10169,7 +10232,7 @@
                   <a:schemeClr val="bg1"/>
                 </a:solidFill>
               </a:rPr>
-              <a:t>State</a:t>
+              <a:t>FICO Score</a:t>
             </a:r>
             <a:r>
               <a:rPr lang="en-US" dirty="0">
@@ -10177,7 +10240,36 @@
                   <a:schemeClr val="bg1"/>
                 </a:solidFill>
               </a:rPr>
-              <a:t>:  New Jersey, Texas, New York, Pennsylvania,  Arizona, Ohio, Massachusetts, Virginia, Colorado, Illinoi</a:t>
+              <a:t>: &gt; 685 </a:t>
+            </a:r>
+          </a:p>
+          <a:p>
+            <a:endParaRPr lang="en-US" dirty="0">
+              <a:solidFill>
+                <a:schemeClr val="bg1"/>
+              </a:solidFill>
+            </a:endParaRPr>
+          </a:p>
+          <a:p>
+            <a:pPr marL="285750" indent="-285750">
+              <a:buFontTx/>
+              <a:buChar char="-"/>
+            </a:pPr>
+            <a:r>
+              <a:rPr lang="en-US" b="1" dirty="0">
+                <a:solidFill>
+                  <a:schemeClr val="bg1"/>
+                </a:solidFill>
+              </a:rPr>
+              <a:t>Purpose</a:t>
+            </a:r>
+            <a:r>
+              <a:rPr lang="en-US" dirty="0">
+                <a:solidFill>
+                  <a:schemeClr val="bg1"/>
+                </a:solidFill>
+              </a:rPr>
+              <a:t>:  Debt Consolidation, Credit Card, Home Improvement, Major Purchase</a:t>
             </a:r>
           </a:p>
           <a:p>
@@ -10202,7 +10294,7 @@
                   <a:schemeClr val="bg1"/>
                 </a:solidFill>
               </a:rPr>
-              <a:t>Purpose</a:t>
+              <a:t>State</a:t>
             </a:r>
             <a:r>
               <a:rPr lang="en-US" dirty="0">
@@ -10210,7 +10302,7 @@
                   <a:schemeClr val="bg1"/>
                 </a:solidFill>
               </a:rPr>
-              <a:t>:  Debt Consolidation, Credit Card, Home Improvement, Major Purchase</a:t>
+              <a:t>:  New Jersey, Texas, New York, Pennsylvania,  Arizona, Ohio, Massachusetts, Virginia, Colorado, Illinoi</a:t>
             </a:r>
           </a:p>
           <a:p>
@@ -10229,22 +10321,11 @@
               <a:buFontTx/>
               <a:buChar char="-"/>
             </a:pPr>
-            <a:r>
-              <a:rPr lang="en-US" b="1" dirty="0">
-                <a:solidFill>
-                  <a:schemeClr val="bg1"/>
-                </a:solidFill>
-              </a:rPr>
-              <a:t>FICO Score</a:t>
-            </a:r>
-            <a:r>
-              <a:rPr lang="en-US" dirty="0">
-                <a:solidFill>
-                  <a:schemeClr val="bg1"/>
-                </a:solidFill>
-              </a:rPr>
-              <a:t>: &gt; 685 </a:t>
-            </a:r>
+            <a:endParaRPr lang="en-US" dirty="0">
+              <a:solidFill>
+                <a:schemeClr val="bg1"/>
+              </a:solidFill>
+            </a:endParaRPr>
           </a:p>
           <a:p>
             <a:endParaRPr lang="en-US" dirty="0">
@@ -14331,6 +14412,406 @@
   <p:clrMapOvr>
     <a:masterClrMapping/>
   </p:clrMapOvr>
+  <p:timing>
+    <p:tnLst>
+      <p:par>
+        <p:cTn id="1" dur="indefinite" restart="never" nodeType="tmRoot">
+          <p:childTnLst>
+            <p:seq concurrent="1" nextAc="seek">
+              <p:cTn id="2" dur="indefinite" nodeType="mainSeq">
+                <p:childTnLst>
+                  <p:par>
+                    <p:cTn id="3" fill="hold">
+                      <p:stCondLst>
+                        <p:cond delay="indefinite"/>
+                      </p:stCondLst>
+                      <p:childTnLst>
+                        <p:par>
+                          <p:cTn id="4" fill="hold">
+                            <p:stCondLst>
+                              <p:cond delay="0"/>
+                            </p:stCondLst>
+                            <p:childTnLst>
+                              <p:par>
+                                <p:cTn id="5" presetID="2" presetClass="entr" presetSubtype="4" fill="hold" grpId="0" nodeType="clickEffect">
+                                  <p:stCondLst>
+                                    <p:cond delay="0"/>
+                                  </p:stCondLst>
+                                  <p:childTnLst>
+                                    <p:set>
+                                      <p:cBhvr>
+                                        <p:cTn id="6" dur="1" fill="hold">
+                                          <p:stCondLst>
+                                            <p:cond delay="0"/>
+                                          </p:stCondLst>
+                                        </p:cTn>
+                                        <p:tgtEl>
+                                          <p:spTgt spid="18"/>
+                                        </p:tgtEl>
+                                        <p:attrNameLst>
+                                          <p:attrName>style.visibility</p:attrName>
+                                        </p:attrNameLst>
+                                      </p:cBhvr>
+                                      <p:to>
+                                        <p:strVal val="visible"/>
+                                      </p:to>
+                                    </p:set>
+                                    <p:anim calcmode="lin" valueType="num">
+                                      <p:cBhvr additive="base">
+                                        <p:cTn id="7" dur="500" fill="hold"/>
+                                        <p:tgtEl>
+                                          <p:spTgt spid="18"/>
+                                        </p:tgtEl>
+                                        <p:attrNameLst>
+                                          <p:attrName>ppt_x</p:attrName>
+                                        </p:attrNameLst>
+                                      </p:cBhvr>
+                                      <p:tavLst>
+                                        <p:tav tm="0">
+                                          <p:val>
+                                            <p:strVal val="#ppt_x"/>
+                                          </p:val>
+                                        </p:tav>
+                                        <p:tav tm="100000">
+                                          <p:val>
+                                            <p:strVal val="#ppt_x"/>
+                                          </p:val>
+                                        </p:tav>
+                                      </p:tavLst>
+                                    </p:anim>
+                                    <p:anim calcmode="lin" valueType="num">
+                                      <p:cBhvr additive="base">
+                                        <p:cTn id="8" dur="500" fill="hold"/>
+                                        <p:tgtEl>
+                                          <p:spTgt spid="18"/>
+                                        </p:tgtEl>
+                                        <p:attrNameLst>
+                                          <p:attrName>ppt_y</p:attrName>
+                                        </p:attrNameLst>
+                                      </p:cBhvr>
+                                      <p:tavLst>
+                                        <p:tav tm="0">
+                                          <p:val>
+                                            <p:strVal val="1+#ppt_h/2"/>
+                                          </p:val>
+                                        </p:tav>
+                                        <p:tav tm="100000">
+                                          <p:val>
+                                            <p:strVal val="#ppt_y"/>
+                                          </p:val>
+                                        </p:tav>
+                                      </p:tavLst>
+                                    </p:anim>
+                                  </p:childTnLst>
+                                </p:cTn>
+                              </p:par>
+                            </p:childTnLst>
+                          </p:cTn>
+                        </p:par>
+                      </p:childTnLst>
+                    </p:cTn>
+                  </p:par>
+                  <p:par>
+                    <p:cTn id="9" fill="hold">
+                      <p:stCondLst>
+                        <p:cond delay="indefinite"/>
+                      </p:stCondLst>
+                      <p:childTnLst>
+                        <p:par>
+                          <p:cTn id="10" fill="hold">
+                            <p:stCondLst>
+                              <p:cond delay="0"/>
+                            </p:stCondLst>
+                            <p:childTnLst>
+                              <p:par>
+                                <p:cTn id="11" presetID="2" presetClass="entr" presetSubtype="4" fill="hold" grpId="0" nodeType="clickEffect">
+                                  <p:stCondLst>
+                                    <p:cond delay="0"/>
+                                  </p:stCondLst>
+                                  <p:childTnLst>
+                                    <p:set>
+                                      <p:cBhvr>
+                                        <p:cTn id="12" dur="1" fill="hold">
+                                          <p:stCondLst>
+                                            <p:cond delay="0"/>
+                                          </p:stCondLst>
+                                        </p:cTn>
+                                        <p:tgtEl>
+                                          <p:spTgt spid="22"/>
+                                        </p:tgtEl>
+                                        <p:attrNameLst>
+                                          <p:attrName>style.visibility</p:attrName>
+                                        </p:attrNameLst>
+                                      </p:cBhvr>
+                                      <p:to>
+                                        <p:strVal val="visible"/>
+                                      </p:to>
+                                    </p:set>
+                                    <p:anim calcmode="lin" valueType="num">
+                                      <p:cBhvr additive="base">
+                                        <p:cTn id="13" dur="500" fill="hold"/>
+                                        <p:tgtEl>
+                                          <p:spTgt spid="22"/>
+                                        </p:tgtEl>
+                                        <p:attrNameLst>
+                                          <p:attrName>ppt_x</p:attrName>
+                                        </p:attrNameLst>
+                                      </p:cBhvr>
+                                      <p:tavLst>
+                                        <p:tav tm="0">
+                                          <p:val>
+                                            <p:strVal val="#ppt_x"/>
+                                          </p:val>
+                                        </p:tav>
+                                        <p:tav tm="100000">
+                                          <p:val>
+                                            <p:strVal val="#ppt_x"/>
+                                          </p:val>
+                                        </p:tav>
+                                      </p:tavLst>
+                                    </p:anim>
+                                    <p:anim calcmode="lin" valueType="num">
+                                      <p:cBhvr additive="base">
+                                        <p:cTn id="14" dur="500" fill="hold"/>
+                                        <p:tgtEl>
+                                          <p:spTgt spid="22"/>
+                                        </p:tgtEl>
+                                        <p:attrNameLst>
+                                          <p:attrName>ppt_y</p:attrName>
+                                        </p:attrNameLst>
+                                      </p:cBhvr>
+                                      <p:tavLst>
+                                        <p:tav tm="0">
+                                          <p:val>
+                                            <p:strVal val="1+#ppt_h/2"/>
+                                          </p:val>
+                                        </p:tav>
+                                        <p:tav tm="100000">
+                                          <p:val>
+                                            <p:strVal val="#ppt_y"/>
+                                          </p:val>
+                                        </p:tav>
+                                      </p:tavLst>
+                                    </p:anim>
+                                  </p:childTnLst>
+                                </p:cTn>
+                              </p:par>
+                            </p:childTnLst>
+                          </p:cTn>
+                        </p:par>
+                      </p:childTnLst>
+                    </p:cTn>
+                  </p:par>
+                  <p:par>
+                    <p:cTn id="15" fill="hold">
+                      <p:stCondLst>
+                        <p:cond delay="indefinite"/>
+                      </p:stCondLst>
+                      <p:childTnLst>
+                        <p:par>
+                          <p:cTn id="16" fill="hold">
+                            <p:stCondLst>
+                              <p:cond delay="0"/>
+                            </p:stCondLst>
+                            <p:childTnLst>
+                              <p:par>
+                                <p:cTn id="17" presetID="2" presetClass="entr" presetSubtype="4" fill="hold" grpId="0" nodeType="clickEffect">
+                                  <p:stCondLst>
+                                    <p:cond delay="0"/>
+                                  </p:stCondLst>
+                                  <p:childTnLst>
+                                    <p:set>
+                                      <p:cBhvr>
+                                        <p:cTn id="18" dur="1" fill="hold">
+                                          <p:stCondLst>
+                                            <p:cond delay="0"/>
+                                          </p:stCondLst>
+                                        </p:cTn>
+                                        <p:tgtEl>
+                                          <p:spTgt spid="23"/>
+                                        </p:tgtEl>
+                                        <p:attrNameLst>
+                                          <p:attrName>style.visibility</p:attrName>
+                                        </p:attrNameLst>
+                                      </p:cBhvr>
+                                      <p:to>
+                                        <p:strVal val="visible"/>
+                                      </p:to>
+                                    </p:set>
+                                    <p:anim calcmode="lin" valueType="num">
+                                      <p:cBhvr additive="base">
+                                        <p:cTn id="19" dur="500" fill="hold"/>
+                                        <p:tgtEl>
+                                          <p:spTgt spid="23"/>
+                                        </p:tgtEl>
+                                        <p:attrNameLst>
+                                          <p:attrName>ppt_x</p:attrName>
+                                        </p:attrNameLst>
+                                      </p:cBhvr>
+                                      <p:tavLst>
+                                        <p:tav tm="0">
+                                          <p:val>
+                                            <p:strVal val="#ppt_x"/>
+                                          </p:val>
+                                        </p:tav>
+                                        <p:tav tm="100000">
+                                          <p:val>
+                                            <p:strVal val="#ppt_x"/>
+                                          </p:val>
+                                        </p:tav>
+                                      </p:tavLst>
+                                    </p:anim>
+                                    <p:anim calcmode="lin" valueType="num">
+                                      <p:cBhvr additive="base">
+                                        <p:cTn id="20" dur="500" fill="hold"/>
+                                        <p:tgtEl>
+                                          <p:spTgt spid="23"/>
+                                        </p:tgtEl>
+                                        <p:attrNameLst>
+                                          <p:attrName>ppt_y</p:attrName>
+                                        </p:attrNameLst>
+                                      </p:cBhvr>
+                                      <p:tavLst>
+                                        <p:tav tm="0">
+                                          <p:val>
+                                            <p:strVal val="1+#ppt_h/2"/>
+                                          </p:val>
+                                        </p:tav>
+                                        <p:tav tm="100000">
+                                          <p:val>
+                                            <p:strVal val="#ppt_y"/>
+                                          </p:val>
+                                        </p:tav>
+                                      </p:tavLst>
+                                    </p:anim>
+                                  </p:childTnLst>
+                                </p:cTn>
+                              </p:par>
+                            </p:childTnLst>
+                          </p:cTn>
+                        </p:par>
+                      </p:childTnLst>
+                    </p:cTn>
+                  </p:par>
+                  <p:par>
+                    <p:cTn id="21" fill="hold">
+                      <p:stCondLst>
+                        <p:cond delay="indefinite"/>
+                      </p:stCondLst>
+                      <p:childTnLst>
+                        <p:par>
+                          <p:cTn id="22" fill="hold">
+                            <p:stCondLst>
+                              <p:cond delay="0"/>
+                            </p:stCondLst>
+                            <p:childTnLst>
+                              <p:par>
+                                <p:cTn id="23" presetID="2" presetClass="entr" presetSubtype="4" fill="hold" grpId="0" nodeType="clickEffect">
+                                  <p:stCondLst>
+                                    <p:cond delay="0"/>
+                                  </p:stCondLst>
+                                  <p:childTnLst>
+                                    <p:set>
+                                      <p:cBhvr>
+                                        <p:cTn id="24" dur="1" fill="hold">
+                                          <p:stCondLst>
+                                            <p:cond delay="0"/>
+                                          </p:stCondLst>
+                                        </p:cTn>
+                                        <p:tgtEl>
+                                          <p:spTgt spid="24"/>
+                                        </p:tgtEl>
+                                        <p:attrNameLst>
+                                          <p:attrName>style.visibility</p:attrName>
+                                        </p:attrNameLst>
+                                      </p:cBhvr>
+                                      <p:to>
+                                        <p:strVal val="visible"/>
+                                      </p:to>
+                                    </p:set>
+                                    <p:anim calcmode="lin" valueType="num">
+                                      <p:cBhvr additive="base">
+                                        <p:cTn id="25" dur="500" fill="hold"/>
+                                        <p:tgtEl>
+                                          <p:spTgt spid="24"/>
+                                        </p:tgtEl>
+                                        <p:attrNameLst>
+                                          <p:attrName>ppt_x</p:attrName>
+                                        </p:attrNameLst>
+                                      </p:cBhvr>
+                                      <p:tavLst>
+                                        <p:tav tm="0">
+                                          <p:val>
+                                            <p:strVal val="#ppt_x"/>
+                                          </p:val>
+                                        </p:tav>
+                                        <p:tav tm="100000">
+                                          <p:val>
+                                            <p:strVal val="#ppt_x"/>
+                                          </p:val>
+                                        </p:tav>
+                                      </p:tavLst>
+                                    </p:anim>
+                                    <p:anim calcmode="lin" valueType="num">
+                                      <p:cBhvr additive="base">
+                                        <p:cTn id="26" dur="500" fill="hold"/>
+                                        <p:tgtEl>
+                                          <p:spTgt spid="24"/>
+                                        </p:tgtEl>
+                                        <p:attrNameLst>
+                                          <p:attrName>ppt_y</p:attrName>
+                                        </p:attrNameLst>
+                                      </p:cBhvr>
+                                      <p:tavLst>
+                                        <p:tav tm="0">
+                                          <p:val>
+                                            <p:strVal val="1+#ppt_h/2"/>
+                                          </p:val>
+                                        </p:tav>
+                                        <p:tav tm="100000">
+                                          <p:val>
+                                            <p:strVal val="#ppt_y"/>
+                                          </p:val>
+                                        </p:tav>
+                                      </p:tavLst>
+                                    </p:anim>
+                                  </p:childTnLst>
+                                </p:cTn>
+                              </p:par>
+                            </p:childTnLst>
+                          </p:cTn>
+                        </p:par>
+                      </p:childTnLst>
+                    </p:cTn>
+                  </p:par>
+                </p:childTnLst>
+              </p:cTn>
+              <p:prevCondLst>
+                <p:cond evt="onPrev" delay="0">
+                  <p:tgtEl>
+                    <p:sldTgt/>
+                  </p:tgtEl>
+                </p:cond>
+              </p:prevCondLst>
+              <p:nextCondLst>
+                <p:cond evt="onNext" delay="0">
+                  <p:tgtEl>
+                    <p:sldTgt/>
+                  </p:tgtEl>
+                </p:cond>
+              </p:nextCondLst>
+            </p:seq>
+          </p:childTnLst>
+        </p:cTn>
+      </p:par>
+    </p:tnLst>
+    <p:bldLst>
+      <p:bldP spid="18" grpId="0"/>
+      <p:bldP spid="22" grpId="0"/>
+      <p:bldP spid="23" grpId="0"/>
+      <p:bldP spid="24" grpId="0"/>
+    </p:bldLst>
+  </p:timing>
 </p:sld>
 </file>
 
